--- a/프로젝트1차/프로젝트 1차 발표 ppt.pptx
+++ b/프로젝트1차/프로젝트 1차 발표 ppt.pptx
@@ -6,6 +6,11 @@
   </p:sldMasterIdLst>
   <p:sldIdLst>
     <p:sldId id="256" r:id="rId2"/>
+    <p:sldId id="257" r:id="rId3"/>
+    <p:sldId id="261" r:id="rId4"/>
+    <p:sldId id="258" r:id="rId5"/>
+    <p:sldId id="259" r:id="rId6"/>
+    <p:sldId id="260" r:id="rId7"/>
   </p:sldIdLst>
   <p:sldSz cx="12192000" cy="6858000"/>
   <p:notesSz cx="6858000" cy="9144000"/>
@@ -104,6 +109,11 @@
       </a:defRPr>
     </a:lvl9pPr>
   </p:defaultTextStyle>
+  <p:extLst>
+    <p:ext uri="{EFAFB233-063F-42B5-8137-9DF3F51BA10A}">
+      <p15:sldGuideLst xmlns:p15="http://schemas.microsoft.com/office/powerpoint/2012/main"/>
+    </p:ext>
+  </p:extLst>
 </p:presentation>
 </file>
 
@@ -3342,7 +3352,26 @@
           <a:bodyPr/>
           <a:lstStyle/>
           <a:p>
-            <a:endParaRPr lang="ko-KR" altLang="en-US"/>
+            <a:r>
+              <a:rPr lang="en-US" altLang="ko-KR" dirty="0"/>
+              <a:t>2D </a:t>
+            </a:r>
+            <a:r>
+              <a:rPr lang="ko-KR" altLang="en-US" dirty="0" err="1"/>
+              <a:t>겜플</a:t>
+            </a:r>
+            <a:r>
+              <a:rPr lang="ko-KR" altLang="en-US" dirty="0"/>
+              <a:t> </a:t>
+            </a:r>
+            <a:r>
+              <a:rPr lang="en-US" altLang="ko-KR" dirty="0"/>
+              <a:t>1</a:t>
+            </a:r>
+            <a:r>
+              <a:rPr lang="ko-KR" altLang="en-US" dirty="0"/>
+              <a:t>차 발표</a:t>
+            </a:r>
           </a:p>
         </p:txBody>
       </p:sp>
@@ -3362,12 +3391,32 @@
             <p:ph type="subTitle" idx="1"/>
           </p:nvPr>
         </p:nvSpPr>
-        <p:spPr/>
-        <p:txBody>
-          <a:bodyPr/>
-          <a:lstStyle/>
-          <a:p>
-            <a:endParaRPr lang="ko-KR" altLang="en-US"/>
+        <p:spPr>
+          <a:xfrm>
+            <a:off x="1975262" y="4552064"/>
+            <a:ext cx="9144000" cy="1655762"/>
+          </a:xfrm>
+        </p:spPr>
+        <p:txBody>
+          <a:bodyPr/>
+          <a:lstStyle/>
+          <a:p>
+            <a:r>
+              <a:rPr lang="en-US" altLang="ko-KR" dirty="0"/>
+              <a:t>						02</a:t>
+            </a:r>
+            <a:r>
+              <a:rPr lang="ko-KR" altLang="en-US" dirty="0"/>
+              <a:t>반 </a:t>
+            </a:r>
+            <a:r>
+              <a:rPr lang="en-US" altLang="ko-KR" dirty="0"/>
+              <a:t>2020180038 </a:t>
+            </a:r>
+            <a:r>
+              <a:rPr lang="ko-KR" altLang="en-US" dirty="0"/>
+              <a:t>조혜연</a:t>
+            </a:r>
           </a:p>
         </p:txBody>
       </p:sp>
@@ -3375,6 +3424,304 @@
     <p:extLst>
       <p:ext uri="{BB962C8B-B14F-4D97-AF65-F5344CB8AC3E}">
         <p14:creationId xmlns:p14="http://schemas.microsoft.com/office/powerpoint/2010/main" val="1378092197"/>
+      </p:ext>
+    </p:extLst>
+  </p:cSld>
+  <p:clrMapOvr>
+    <a:masterClrMapping/>
+  </p:clrMapOvr>
+</p:sld>
+</file>
+
+<file path=ppt/slides/slide2.xml><?xml version="1.0" encoding="utf-8"?>
+<p:sld xmlns:a="http://schemas.openxmlformats.org/drawingml/2006/main" xmlns:r="http://schemas.openxmlformats.org/officeDocument/2006/relationships" xmlns:p="http://schemas.openxmlformats.org/presentationml/2006/main">
+  <p:cSld>
+    <p:spTree>
+      <p:nvGrpSpPr>
+        <p:cNvPr id="1" name=""/>
+        <p:cNvGrpSpPr/>
+        <p:nvPr/>
+      </p:nvGrpSpPr>
+      <p:grpSpPr>
+        <a:xfrm>
+          <a:off x="0" y="0"/>
+          <a:ext cx="0" cy="0"/>
+          <a:chOff x="0" y="0"/>
+          <a:chExt cx="0" cy="0"/>
+        </a:xfrm>
+      </p:grpSpPr>
+      <p:sp>
+        <p:nvSpPr>
+          <p:cNvPr id="4" name="제목 3">
+            <a:extLst>
+              <a:ext uri="{FF2B5EF4-FFF2-40B4-BE49-F238E27FC236}">
+                <a16:creationId xmlns:a16="http://schemas.microsoft.com/office/drawing/2014/main" id="{18E24B31-D454-6A53-1477-32E65F2DC6D5}"/>
+              </a:ext>
+            </a:extLst>
+          </p:cNvPr>
+          <p:cNvSpPr>
+            <a:spLocks noGrp="1"/>
+          </p:cNvSpPr>
+          <p:nvPr>
+            <p:ph type="title"/>
+          </p:nvPr>
+        </p:nvSpPr>
+        <p:spPr/>
+        <p:txBody>
+          <a:bodyPr/>
+          <a:lstStyle/>
+          <a:p>
+            <a:r>
+              <a:rPr lang="ko-KR" altLang="en-US" dirty="0"/>
+              <a:t>게임 컨셉 </a:t>
+            </a:r>
+            <a:r>
+              <a:rPr lang="en-US" altLang="ko-KR" dirty="0"/>
+              <a:t>– </a:t>
+            </a:r>
+            <a:r>
+              <a:rPr lang="ko-KR" altLang="en-US" dirty="0"/>
+              <a:t>개발 주요 요소</a:t>
+            </a:r>
+          </a:p>
+        </p:txBody>
+      </p:sp>
+    </p:spTree>
+    <p:extLst>
+      <p:ext uri="{BB962C8B-B14F-4D97-AF65-F5344CB8AC3E}">
+        <p14:creationId xmlns:p14="http://schemas.microsoft.com/office/powerpoint/2010/main" val="4018921917"/>
+      </p:ext>
+    </p:extLst>
+  </p:cSld>
+  <p:clrMapOvr>
+    <a:masterClrMapping/>
+  </p:clrMapOvr>
+</p:sld>
+</file>
+
+<file path=ppt/slides/slide3.xml><?xml version="1.0" encoding="utf-8"?>
+<p:sld xmlns:a="http://schemas.openxmlformats.org/drawingml/2006/main" xmlns:r="http://schemas.openxmlformats.org/officeDocument/2006/relationships" xmlns:p="http://schemas.openxmlformats.org/presentationml/2006/main">
+  <p:cSld>
+    <p:spTree>
+      <p:nvGrpSpPr>
+        <p:cNvPr id="1" name=""/>
+        <p:cNvGrpSpPr/>
+        <p:nvPr/>
+      </p:nvGrpSpPr>
+      <p:grpSpPr>
+        <a:xfrm>
+          <a:off x="0" y="0"/>
+          <a:ext cx="0" cy="0"/>
+          <a:chOff x="0" y="0"/>
+          <a:chExt cx="0" cy="0"/>
+        </a:xfrm>
+      </p:grpSpPr>
+      <p:sp>
+        <p:nvSpPr>
+          <p:cNvPr id="2" name="제목 1">
+            <a:extLst>
+              <a:ext uri="{FF2B5EF4-FFF2-40B4-BE49-F238E27FC236}">
+                <a16:creationId xmlns:a16="http://schemas.microsoft.com/office/drawing/2014/main" id="{32A50700-AC79-1B18-23C5-0CC53508EC8B}"/>
+              </a:ext>
+            </a:extLst>
+          </p:cNvPr>
+          <p:cNvSpPr>
+            <a:spLocks noGrp="1"/>
+          </p:cNvSpPr>
+          <p:nvPr>
+            <p:ph type="title"/>
+          </p:nvPr>
+        </p:nvSpPr>
+        <p:spPr/>
+        <p:txBody>
+          <a:bodyPr/>
+          <a:lstStyle/>
+          <a:p>
+            <a:r>
+              <a:rPr lang="ko-KR" altLang="en-US" dirty="0"/>
+              <a:t>개발 범위</a:t>
+            </a:r>
+          </a:p>
+        </p:txBody>
+      </p:sp>
+    </p:spTree>
+    <p:extLst>
+      <p:ext uri="{BB962C8B-B14F-4D97-AF65-F5344CB8AC3E}">
+        <p14:creationId xmlns:p14="http://schemas.microsoft.com/office/powerpoint/2010/main" val="4094416082"/>
+      </p:ext>
+    </p:extLst>
+  </p:cSld>
+  <p:clrMapOvr>
+    <a:masterClrMapping/>
+  </p:clrMapOvr>
+</p:sld>
+</file>
+
+<file path=ppt/slides/slide4.xml><?xml version="1.0" encoding="utf-8"?>
+<p:sld xmlns:a="http://schemas.openxmlformats.org/drawingml/2006/main" xmlns:r="http://schemas.openxmlformats.org/officeDocument/2006/relationships" xmlns:p="http://schemas.openxmlformats.org/presentationml/2006/main">
+  <p:cSld>
+    <p:spTree>
+      <p:nvGrpSpPr>
+        <p:cNvPr id="1" name=""/>
+        <p:cNvGrpSpPr/>
+        <p:nvPr/>
+      </p:nvGrpSpPr>
+      <p:grpSpPr>
+        <a:xfrm>
+          <a:off x="0" y="0"/>
+          <a:ext cx="0" cy="0"/>
+          <a:chOff x="0" y="0"/>
+          <a:chExt cx="0" cy="0"/>
+        </a:xfrm>
+      </p:grpSpPr>
+      <p:sp>
+        <p:nvSpPr>
+          <p:cNvPr id="2" name="제목 1">
+            <a:extLst>
+              <a:ext uri="{FF2B5EF4-FFF2-40B4-BE49-F238E27FC236}">
+                <a16:creationId xmlns:a16="http://schemas.microsoft.com/office/drawing/2014/main" id="{70EEEAE2-32D9-3759-5CD4-95A8AB005014}"/>
+              </a:ext>
+            </a:extLst>
+          </p:cNvPr>
+          <p:cNvSpPr>
+            <a:spLocks noGrp="1"/>
+          </p:cNvSpPr>
+          <p:nvPr>
+            <p:ph type="title"/>
+          </p:nvPr>
+        </p:nvSpPr>
+        <p:spPr/>
+        <p:txBody>
+          <a:bodyPr/>
+          <a:lstStyle/>
+          <a:p>
+            <a:r>
+              <a:rPr lang="ko-KR" altLang="en-US" dirty="0"/>
+              <a:t>예상 실행 흐름</a:t>
+            </a:r>
+          </a:p>
+        </p:txBody>
+      </p:sp>
+    </p:spTree>
+    <p:extLst>
+      <p:ext uri="{BB962C8B-B14F-4D97-AF65-F5344CB8AC3E}">
+        <p14:creationId xmlns:p14="http://schemas.microsoft.com/office/powerpoint/2010/main" val="2183984017"/>
+      </p:ext>
+    </p:extLst>
+  </p:cSld>
+  <p:clrMapOvr>
+    <a:masterClrMapping/>
+  </p:clrMapOvr>
+</p:sld>
+</file>
+
+<file path=ppt/slides/slide5.xml><?xml version="1.0" encoding="utf-8"?>
+<p:sld xmlns:a="http://schemas.openxmlformats.org/drawingml/2006/main" xmlns:r="http://schemas.openxmlformats.org/officeDocument/2006/relationships" xmlns:p="http://schemas.openxmlformats.org/presentationml/2006/main">
+  <p:cSld>
+    <p:spTree>
+      <p:nvGrpSpPr>
+        <p:cNvPr id="1" name=""/>
+        <p:cNvGrpSpPr/>
+        <p:nvPr/>
+      </p:nvGrpSpPr>
+      <p:grpSpPr>
+        <a:xfrm>
+          <a:off x="0" y="0"/>
+          <a:ext cx="0" cy="0"/>
+          <a:chOff x="0" y="0"/>
+          <a:chExt cx="0" cy="0"/>
+        </a:xfrm>
+      </p:grpSpPr>
+      <p:sp>
+        <p:nvSpPr>
+          <p:cNvPr id="2" name="제목 1">
+            <a:extLst>
+              <a:ext uri="{FF2B5EF4-FFF2-40B4-BE49-F238E27FC236}">
+                <a16:creationId xmlns:a16="http://schemas.microsoft.com/office/drawing/2014/main" id="{ADBCF021-97C1-B2C1-268C-3AC946992898}"/>
+              </a:ext>
+            </a:extLst>
+          </p:cNvPr>
+          <p:cNvSpPr>
+            <a:spLocks noGrp="1"/>
+          </p:cNvSpPr>
+          <p:nvPr>
+            <p:ph type="title"/>
+          </p:nvPr>
+        </p:nvSpPr>
+        <p:spPr/>
+        <p:txBody>
+          <a:bodyPr/>
+          <a:lstStyle/>
+          <a:p>
+            <a:r>
+              <a:rPr lang="ko-KR" altLang="en-US" dirty="0"/>
+              <a:t>예상 실행 흐름</a:t>
+            </a:r>
+          </a:p>
+        </p:txBody>
+      </p:sp>
+    </p:spTree>
+    <p:extLst>
+      <p:ext uri="{BB962C8B-B14F-4D97-AF65-F5344CB8AC3E}">
+        <p14:creationId xmlns:p14="http://schemas.microsoft.com/office/powerpoint/2010/main" val="2647509522"/>
+      </p:ext>
+    </p:extLst>
+  </p:cSld>
+  <p:clrMapOvr>
+    <a:masterClrMapping/>
+  </p:clrMapOvr>
+</p:sld>
+</file>
+
+<file path=ppt/slides/slide6.xml><?xml version="1.0" encoding="utf-8"?>
+<p:sld xmlns:a="http://schemas.openxmlformats.org/drawingml/2006/main" xmlns:r="http://schemas.openxmlformats.org/officeDocument/2006/relationships" xmlns:p="http://schemas.openxmlformats.org/presentationml/2006/main">
+  <p:cSld>
+    <p:spTree>
+      <p:nvGrpSpPr>
+        <p:cNvPr id="1" name=""/>
+        <p:cNvGrpSpPr/>
+        <p:nvPr/>
+      </p:nvGrpSpPr>
+      <p:grpSpPr>
+        <a:xfrm>
+          <a:off x="0" y="0"/>
+          <a:ext cx="0" cy="0"/>
+          <a:chOff x="0" y="0"/>
+          <a:chExt cx="0" cy="0"/>
+        </a:xfrm>
+      </p:grpSpPr>
+      <p:sp>
+        <p:nvSpPr>
+          <p:cNvPr id="2" name="제목 1">
+            <a:extLst>
+              <a:ext uri="{FF2B5EF4-FFF2-40B4-BE49-F238E27FC236}">
+                <a16:creationId xmlns:a16="http://schemas.microsoft.com/office/drawing/2014/main" id="{657390AC-E9DD-A222-B26F-EC3F660AC910}"/>
+              </a:ext>
+            </a:extLst>
+          </p:cNvPr>
+          <p:cNvSpPr>
+            <a:spLocks noGrp="1"/>
+          </p:cNvSpPr>
+          <p:nvPr>
+            <p:ph type="title"/>
+          </p:nvPr>
+        </p:nvSpPr>
+        <p:spPr/>
+        <p:txBody>
+          <a:bodyPr/>
+          <a:lstStyle/>
+          <a:p>
+            <a:r>
+              <a:rPr lang="ko-KR" altLang="en-US" dirty="0"/>
+              <a:t>개발 일정</a:t>
+            </a:r>
+          </a:p>
+        </p:txBody>
+      </p:sp>
+    </p:spTree>
+    <p:extLst>
+      <p:ext uri="{BB962C8B-B14F-4D97-AF65-F5344CB8AC3E}">
+        <p14:creationId xmlns:p14="http://schemas.microsoft.com/office/powerpoint/2010/main" val="1751096202"/>
       </p:ext>
     </p:extLst>
   </p:cSld>

--- a/프로젝트1차/프로젝트 1차 발표 ppt.pptx
+++ b/프로젝트1차/프로젝트 1차 발표 ppt.pptx
@@ -13036,1394 +13036,463 @@
           </p:sp>
         </p:grpSp>
       </p:grpSp>
-      <p:cxnSp>
-        <p:nvCxnSpPr>
-          <p:cNvPr id="13" name="직선 연결선 12"/>
-          <p:cNvCxnSpPr/>
-          <p:nvPr/>
-        </p:nvCxnSpPr>
-        <p:spPr>
-          <a:xfrm rot="16200000" flipV="1">
-            <a:off x="6302503" y="968795"/>
-            <a:ext cx="0" cy="7185423"/>
-          </a:xfrm>
-          <a:prstGeom prst="line">
-            <a:avLst/>
-          </a:prstGeom>
-          <a:ln w="19050">
-            <a:solidFill>
-              <a:schemeClr val="tx1">
-                <a:lumMod val="75000"/>
-                <a:lumOff val="25000"/>
-              </a:schemeClr>
-            </a:solidFill>
-            <a:prstDash val="solid"/>
-          </a:ln>
-        </p:spPr>
-        <p:style>
-          <a:lnRef idx="1">
-            <a:schemeClr val="accent1"/>
-          </a:lnRef>
-          <a:fillRef idx="0">
-            <a:schemeClr val="accent1"/>
-          </a:fillRef>
-          <a:effectRef idx="0">
-            <a:schemeClr val="accent1"/>
-          </a:effectRef>
-          <a:fontRef idx="minor">
-            <a:schemeClr val="tx1"/>
-          </a:fontRef>
-        </p:style>
-      </p:cxnSp>
-      <p:sp>
-        <p:nvSpPr>
-          <p:cNvPr id="14" name="양쪽 모서리가 둥근 사각형 13"/>
-          <p:cNvSpPr/>
-          <p:nvPr/>
-        </p:nvSpPr>
-        <p:spPr>
-          <a:xfrm>
-            <a:off x="3708947" y="1814118"/>
-            <a:ext cx="892270" cy="2747388"/>
-          </a:xfrm>
-          <a:prstGeom prst="round2SameRect">
-            <a:avLst>
-              <a:gd name="adj1" fmla="val 14772"/>
-              <a:gd name="adj2" fmla="val 0"/>
-            </a:avLst>
-          </a:prstGeom>
-          <a:solidFill>
-            <a:schemeClr val="bg1">
-              <a:lumMod val="95000"/>
-            </a:schemeClr>
-          </a:solidFill>
-          <a:ln>
-            <a:noFill/>
-          </a:ln>
-        </p:spPr>
-        <p:style>
-          <a:lnRef idx="2">
-            <a:schemeClr val="accent1">
-              <a:shade val="50000"/>
-            </a:schemeClr>
-          </a:lnRef>
-          <a:fillRef idx="1">
-            <a:schemeClr val="accent1"/>
-          </a:fillRef>
-          <a:effectRef idx="0">
-            <a:schemeClr val="accent1"/>
-          </a:effectRef>
-          <a:fontRef idx="minor">
-            <a:schemeClr val="lt1"/>
-          </a:fontRef>
-        </p:style>
-        <p:txBody>
-          <a:bodyPr rtlCol="0" anchor="ctr"/>
-          <a:lstStyle/>
-          <a:p>
-            <a:pPr marL="0" marR="0" lvl="0" indent="0" algn="ctr" defTabSz="914400" rtl="0" eaLnBrk="1" fontAlgn="auto" latinLnBrk="1" hangingPunct="1">
-              <a:lnSpc>
-                <a:spcPct val="100000"/>
-              </a:lnSpc>
-              <a:spcBef>
-                <a:spcPts val="0"/>
-              </a:spcBef>
-              <a:spcAft>
-                <a:spcPts val="0"/>
-              </a:spcAft>
-              <a:buClrTx/>
-              <a:buSzTx/>
-              <a:buFontTx/>
-              <a:buNone/>
-              <a:tabLst/>
-              <a:defRPr/>
-            </a:pPr>
-            <a:endParaRPr kumimoji="0" lang="ko-KR" altLang="en-US" sz="1600" b="0" i="0" u="none" strike="noStrike" kern="1200" cap="none" spc="0" normalizeH="0" baseline="0" noProof="0">
-              <a:ln>
-                <a:noFill/>
-              </a:ln>
-              <a:solidFill>
-                <a:prstClr val="white"/>
-              </a:solidFill>
-              <a:effectLst/>
-              <a:uLnTx/>
-              <a:uFillTx/>
-              <a:latin typeface="맑은 고딕" panose="020F0502020204030204"/>
-              <a:ea typeface="맑은 고딕" panose="020B0503020000020004" pitchFamily="50" charset="-127"/>
-              <a:cs typeface="+mn-cs"/>
-            </a:endParaRPr>
-          </a:p>
-        </p:txBody>
-      </p:sp>
-      <p:sp>
-        <p:nvSpPr>
-          <p:cNvPr id="15" name="양쪽 모서리가 둥근 사각형 14"/>
-          <p:cNvSpPr/>
-          <p:nvPr/>
-        </p:nvSpPr>
-        <p:spPr>
-          <a:xfrm>
-            <a:off x="3724457" y="3497022"/>
-            <a:ext cx="892270" cy="1062105"/>
-          </a:xfrm>
-          <a:prstGeom prst="round2SameRect">
-            <a:avLst>
-              <a:gd name="adj1" fmla="val 14772"/>
-              <a:gd name="adj2" fmla="val 0"/>
-            </a:avLst>
-          </a:prstGeom>
-          <a:pattFill prst="lgGrid">
-            <a:fgClr>
-              <a:srgbClr val="E5F5FF"/>
-            </a:fgClr>
-            <a:bgClr>
-              <a:srgbClr val="CCECFF"/>
-            </a:bgClr>
-          </a:pattFill>
-          <a:ln w="19050">
-            <a:solidFill>
-              <a:schemeClr val="tx1">
-                <a:lumMod val="75000"/>
-                <a:lumOff val="25000"/>
-              </a:schemeClr>
-            </a:solidFill>
-          </a:ln>
-          <a:scene3d>
-            <a:camera prst="orthographicFront"/>
-            <a:lightRig rig="threePt" dir="t"/>
-          </a:scene3d>
-          <a:sp3d prstMaterial="matte"/>
-        </p:spPr>
-        <p:style>
-          <a:lnRef idx="2">
-            <a:schemeClr val="accent1">
-              <a:shade val="50000"/>
-            </a:schemeClr>
-          </a:lnRef>
-          <a:fillRef idx="1">
-            <a:schemeClr val="accent1"/>
-          </a:fillRef>
-          <a:effectRef idx="0">
-            <a:schemeClr val="accent1"/>
-          </a:effectRef>
-          <a:fontRef idx="minor">
-            <a:schemeClr val="lt1"/>
-          </a:fontRef>
-        </p:style>
-        <p:txBody>
-          <a:bodyPr rtlCol="0" anchor="ctr"/>
-          <a:lstStyle/>
-          <a:p>
-            <a:pPr marL="0" marR="0" lvl="0" indent="0" algn="ctr" defTabSz="914400" rtl="0" eaLnBrk="1" fontAlgn="auto" latinLnBrk="1" hangingPunct="1">
-              <a:lnSpc>
-                <a:spcPct val="100000"/>
-              </a:lnSpc>
-              <a:spcBef>
-                <a:spcPts val="0"/>
-              </a:spcBef>
-              <a:spcAft>
-                <a:spcPts val="0"/>
-              </a:spcAft>
-              <a:buClrTx/>
-              <a:buSzTx/>
-              <a:buFontTx/>
-              <a:buNone/>
-              <a:tabLst/>
-              <a:defRPr/>
-            </a:pPr>
-            <a:endParaRPr kumimoji="0" lang="ko-KR" altLang="en-US" sz="1600" b="0" i="0" u="none" strike="noStrike" kern="1200" cap="none" spc="0" normalizeH="0" baseline="0" noProof="0">
-              <a:ln>
-                <a:noFill/>
-              </a:ln>
-              <a:solidFill>
-                <a:prstClr val="white"/>
-              </a:solidFill>
-              <a:effectLst/>
-              <a:uLnTx/>
-              <a:uFillTx/>
-              <a:latin typeface="맑은 고딕" panose="020F0502020204030204"/>
-              <a:ea typeface="맑은 고딕" panose="020B0503020000020004" pitchFamily="50" charset="-127"/>
-              <a:cs typeface="+mn-cs"/>
-            </a:endParaRPr>
-          </a:p>
-        </p:txBody>
-      </p:sp>
-      <p:sp>
-        <p:nvSpPr>
-          <p:cNvPr id="16" name="모서리가 둥근 사각형 설명선 15"/>
-          <p:cNvSpPr/>
-          <p:nvPr/>
-        </p:nvSpPr>
-        <p:spPr>
-          <a:xfrm>
-            <a:off x="4845165" y="3267859"/>
-            <a:ext cx="505759" cy="242893"/>
-          </a:xfrm>
-          <a:prstGeom prst="wedgeRoundRectCallout">
-            <a:avLst>
-              <a:gd name="adj1" fmla="val -68244"/>
-              <a:gd name="adj2" fmla="val 52868"/>
-              <a:gd name="adj3" fmla="val 16667"/>
-            </a:avLst>
-          </a:prstGeom>
-          <a:pattFill prst="lgGrid">
-            <a:fgClr>
-              <a:srgbClr val="E5F5FF"/>
-            </a:fgClr>
-            <a:bgClr>
-              <a:srgbClr val="CCECFF"/>
-            </a:bgClr>
-          </a:pattFill>
-          <a:ln w="19050">
-            <a:solidFill>
-              <a:schemeClr val="tx1">
-                <a:lumMod val="75000"/>
-                <a:lumOff val="25000"/>
-              </a:schemeClr>
-            </a:solidFill>
-          </a:ln>
-          <a:scene3d>
-            <a:camera prst="orthographicFront"/>
-            <a:lightRig rig="threePt" dir="t"/>
-          </a:scene3d>
-          <a:sp3d prstMaterial="matte"/>
-        </p:spPr>
-        <p:style>
-          <a:lnRef idx="2">
-            <a:schemeClr val="accent1">
-              <a:shade val="50000"/>
-            </a:schemeClr>
-          </a:lnRef>
-          <a:fillRef idx="1">
-            <a:schemeClr val="accent1"/>
-          </a:fillRef>
-          <a:effectRef idx="0">
-            <a:schemeClr val="accent1"/>
-          </a:effectRef>
-          <a:fontRef idx="minor">
-            <a:schemeClr val="lt1"/>
-          </a:fontRef>
-        </p:style>
-        <p:txBody>
-          <a:bodyPr rtlCol="0" anchor="ctr"/>
-          <a:lstStyle/>
-          <a:p>
-            <a:pPr marL="0" marR="0" lvl="0" indent="0" algn="ctr" defTabSz="914400" rtl="0" eaLnBrk="1" fontAlgn="auto" latinLnBrk="1" hangingPunct="1">
-              <a:lnSpc>
-                <a:spcPct val="100000"/>
-              </a:lnSpc>
-              <a:spcBef>
-                <a:spcPts val="0"/>
-              </a:spcBef>
-              <a:spcAft>
-                <a:spcPts val="0"/>
-              </a:spcAft>
-              <a:buClrTx/>
-              <a:buSzTx/>
-              <a:buFontTx/>
-              <a:buNone/>
-              <a:tabLst/>
-              <a:defRPr/>
-            </a:pPr>
-            <a:r>
-              <a:rPr kumimoji="0" lang="en-US" altLang="ko-KR" sz="1100" b="1" i="0" u="none" strike="noStrike" kern="1200" cap="none" spc="0" normalizeH="0" baseline="0" noProof="0" dirty="0">
-                <a:ln>
-                  <a:noFill/>
-                </a:ln>
-                <a:solidFill>
-                  <a:prstClr val="black">
-                    <a:lumMod val="75000"/>
-                    <a:lumOff val="25000"/>
-                  </a:prstClr>
-                </a:solidFill>
-                <a:effectLst/>
-                <a:uLnTx/>
-                <a:uFillTx/>
-                <a:latin typeface="맑은 고딕" panose="020F0502020204030204"/>
-                <a:ea typeface="맑은 고딕" panose="020B0503020000020004" pitchFamily="50" charset="-127"/>
-                <a:cs typeface="+mn-cs"/>
-              </a:rPr>
-              <a:t>40%</a:t>
-            </a:r>
-            <a:endParaRPr kumimoji="0" lang="ko-KR" altLang="en-US" sz="1100" b="1" i="0" u="none" strike="noStrike" kern="1200" cap="none" spc="0" normalizeH="0" baseline="0" noProof="0" dirty="0">
-              <a:ln>
-                <a:noFill/>
-              </a:ln>
-              <a:solidFill>
-                <a:prstClr val="black">
-                  <a:lumMod val="75000"/>
-                  <a:lumOff val="25000"/>
-                </a:prstClr>
-              </a:solidFill>
-              <a:effectLst/>
-              <a:uLnTx/>
-              <a:uFillTx/>
-              <a:latin typeface="맑은 고딕" panose="020F0502020204030204"/>
-              <a:ea typeface="맑은 고딕" panose="020B0503020000020004" pitchFamily="50" charset="-127"/>
-              <a:cs typeface="+mn-cs"/>
-            </a:endParaRPr>
-          </a:p>
-        </p:txBody>
-      </p:sp>
-      <p:cxnSp>
-        <p:nvCxnSpPr>
-          <p:cNvPr id="17" name="직선 연결선 16"/>
-          <p:cNvCxnSpPr/>
-          <p:nvPr/>
-        </p:nvCxnSpPr>
-        <p:spPr>
-          <a:xfrm rot="16200000" flipV="1">
-            <a:off x="4126210" y="1566377"/>
-            <a:ext cx="0" cy="1638277"/>
-          </a:xfrm>
-          <a:prstGeom prst="line">
-            <a:avLst/>
-          </a:prstGeom>
-          <a:ln w="19050">
-            <a:solidFill>
-              <a:schemeClr val="tx1">
-                <a:lumMod val="75000"/>
-                <a:lumOff val="25000"/>
-              </a:schemeClr>
-            </a:solidFill>
-            <a:prstDash val="sysDash"/>
-          </a:ln>
-        </p:spPr>
-        <p:style>
-          <a:lnRef idx="1">
-            <a:schemeClr val="accent1"/>
-          </a:lnRef>
-          <a:fillRef idx="0">
-            <a:schemeClr val="accent1"/>
-          </a:fillRef>
-          <a:effectRef idx="0">
-            <a:schemeClr val="accent1"/>
-          </a:effectRef>
-          <a:fontRef idx="minor">
-            <a:schemeClr val="tx1"/>
-          </a:fontRef>
-        </p:style>
-      </p:cxnSp>
-      <p:sp>
-        <p:nvSpPr>
-          <p:cNvPr id="18" name="직사각형 17"/>
-          <p:cNvSpPr/>
-          <p:nvPr/>
-        </p:nvSpPr>
-        <p:spPr>
-          <a:xfrm>
-            <a:off x="2223221" y="2219652"/>
-            <a:ext cx="995785" cy="333617"/>
-          </a:xfrm>
-          <a:prstGeom prst="rect">
-            <a:avLst/>
-          </a:prstGeom>
-        </p:spPr>
-        <p:txBody>
-          <a:bodyPr wrap="none">
-            <a:spAutoFit/>
-          </a:bodyPr>
-          <a:lstStyle/>
-          <a:p>
-            <a:pPr marL="0" marR="0" lvl="0" indent="0" algn="ctr" defTabSz="914400" rtl="0" eaLnBrk="1" fontAlgn="auto" latinLnBrk="1" hangingPunct="1">
-              <a:lnSpc>
-                <a:spcPct val="150000"/>
-              </a:lnSpc>
-              <a:spcBef>
-                <a:spcPts val="0"/>
-              </a:spcBef>
-              <a:spcAft>
-                <a:spcPts val="0"/>
-              </a:spcAft>
-              <a:buClrTx/>
-              <a:buSzTx/>
-              <a:buFontTx/>
-              <a:buNone/>
-              <a:tabLst/>
-              <a:defRPr/>
-            </a:pPr>
-            <a:r>
-              <a:rPr kumimoji="0" lang="en-US" altLang="ko-KR" sz="1200" b="1" i="0" u="none" strike="noStrike" kern="1200" cap="none" spc="0" normalizeH="0" baseline="0" noProof="0" dirty="0">
-                <a:ln>
-                  <a:noFill/>
-                </a:ln>
-                <a:solidFill>
-                  <a:prstClr val="black">
-                    <a:lumMod val="75000"/>
-                    <a:lumOff val="25000"/>
-                  </a:prstClr>
-                </a:solidFill>
-                <a:effectLst/>
-                <a:uLnTx/>
-                <a:uFillTx/>
-                <a:latin typeface="맑은 고딕" panose="020F0502020204030204"/>
-                <a:ea typeface="맑은 고딕" panose="020B0503020000020004" pitchFamily="50" charset="-127"/>
-                <a:cs typeface="+mn-cs"/>
-              </a:rPr>
-              <a:t>2021</a:t>
-            </a:r>
-            <a:r>
-              <a:rPr kumimoji="0" lang="ko-KR" altLang="en-US" sz="1200" b="1" i="0" u="none" strike="noStrike" kern="1200" cap="none" spc="0" normalizeH="0" baseline="0" noProof="0" dirty="0">
-                <a:ln>
-                  <a:noFill/>
-                </a:ln>
-                <a:solidFill>
-                  <a:prstClr val="black">
-                    <a:lumMod val="75000"/>
-                    <a:lumOff val="25000"/>
-                  </a:prstClr>
-                </a:solidFill>
-                <a:effectLst/>
-                <a:uLnTx/>
-                <a:uFillTx/>
-                <a:latin typeface="맑은 고딕" panose="020F0502020204030204"/>
-                <a:ea typeface="맑은 고딕" panose="020B0503020000020004" pitchFamily="50" charset="-127"/>
-                <a:cs typeface="+mn-cs"/>
-              </a:rPr>
-              <a:t>년 </a:t>
-            </a:r>
-            <a:r>
-              <a:rPr kumimoji="0" lang="en-US" altLang="ko-KR" sz="1200" b="1" i="0" u="none" strike="noStrike" kern="1200" cap="none" spc="0" normalizeH="0" baseline="0" noProof="0" dirty="0">
-                <a:ln>
-                  <a:noFill/>
-                </a:ln>
-                <a:solidFill>
-                  <a:prstClr val="black">
-                    <a:lumMod val="75000"/>
-                    <a:lumOff val="25000"/>
-                  </a:prstClr>
-                </a:solidFill>
-                <a:effectLst/>
-                <a:uLnTx/>
-                <a:uFillTx/>
-                <a:latin typeface="맑은 고딕" panose="020F0502020204030204"/>
-                <a:ea typeface="맑은 고딕" panose="020B0503020000020004" pitchFamily="50" charset="-127"/>
-                <a:cs typeface="+mn-cs"/>
-              </a:rPr>
-              <a:t>6</a:t>
-            </a:r>
-            <a:r>
-              <a:rPr kumimoji="0" lang="ko-KR" altLang="en-US" sz="1200" b="1" i="0" u="none" strike="noStrike" kern="1200" cap="none" spc="0" normalizeH="0" baseline="0" noProof="0" dirty="0">
-                <a:ln>
-                  <a:noFill/>
-                </a:ln>
-                <a:solidFill>
-                  <a:prstClr val="black">
-                    <a:lumMod val="75000"/>
-                    <a:lumOff val="25000"/>
-                  </a:prstClr>
-                </a:solidFill>
-                <a:effectLst/>
-                <a:uLnTx/>
-                <a:uFillTx/>
-                <a:latin typeface="맑은 고딕" panose="020F0502020204030204"/>
-                <a:ea typeface="맑은 고딕" panose="020B0503020000020004" pitchFamily="50" charset="-127"/>
-                <a:cs typeface="+mn-cs"/>
-              </a:rPr>
-              <a:t>월</a:t>
-            </a:r>
-            <a:endParaRPr kumimoji="0" lang="en-US" altLang="ko-KR" sz="1200" b="1" i="0" u="none" strike="noStrike" kern="1200" cap="none" spc="0" normalizeH="0" baseline="0" noProof="0" dirty="0">
-              <a:ln>
-                <a:noFill/>
-              </a:ln>
-              <a:solidFill>
-                <a:prstClr val="black">
-                  <a:lumMod val="75000"/>
-                  <a:lumOff val="25000"/>
-                </a:prstClr>
-              </a:solidFill>
-              <a:effectLst/>
-              <a:uLnTx/>
-              <a:uFillTx/>
-              <a:latin typeface="맑은 고딕" panose="020F0502020204030204"/>
-              <a:ea typeface="맑은 고딕" panose="020B0503020000020004" pitchFamily="50" charset="-127"/>
-              <a:cs typeface="+mn-cs"/>
-            </a:endParaRPr>
-          </a:p>
-        </p:txBody>
-      </p:sp>
-      <p:sp>
-        <p:nvSpPr>
-          <p:cNvPr id="19" name="직사각형 18"/>
-          <p:cNvSpPr/>
-          <p:nvPr/>
-        </p:nvSpPr>
-        <p:spPr>
-          <a:xfrm>
-            <a:off x="5053002" y="2219652"/>
-            <a:ext cx="498855" cy="333617"/>
-          </a:xfrm>
-          <a:prstGeom prst="rect">
-            <a:avLst/>
-          </a:prstGeom>
-        </p:spPr>
-        <p:txBody>
-          <a:bodyPr wrap="none">
-            <a:spAutoFit/>
-          </a:bodyPr>
-          <a:lstStyle/>
-          <a:p>
-            <a:pPr marL="0" marR="0" lvl="0" indent="0" algn="ctr" defTabSz="914400" rtl="0" eaLnBrk="1" fontAlgn="auto" latinLnBrk="1" hangingPunct="1">
-              <a:lnSpc>
-                <a:spcPct val="150000"/>
-              </a:lnSpc>
-              <a:spcBef>
-                <a:spcPts val="0"/>
-              </a:spcBef>
-              <a:spcAft>
-                <a:spcPts val="0"/>
-              </a:spcAft>
-              <a:buClrTx/>
-              <a:buSzTx/>
-              <a:buFontTx/>
-              <a:buNone/>
-              <a:tabLst/>
-              <a:defRPr/>
-            </a:pPr>
-            <a:r>
-              <a:rPr kumimoji="0" lang="en-US" altLang="ko-KR" sz="1200" b="1" i="0" u="none" strike="noStrike" kern="1200" cap="none" spc="0" normalizeH="0" baseline="0" noProof="0" dirty="0">
-                <a:ln>
-                  <a:noFill/>
-                </a:ln>
-                <a:solidFill>
-                  <a:prstClr val="black">
-                    <a:lumMod val="75000"/>
-                    <a:lumOff val="25000"/>
-                  </a:prstClr>
-                </a:solidFill>
-                <a:effectLst/>
-                <a:uLnTx/>
-                <a:uFillTx/>
-                <a:latin typeface="맑은 고딕" panose="020F0502020204030204"/>
-                <a:ea typeface="맑은 고딕" panose="020B0503020000020004" pitchFamily="50" charset="-127"/>
-                <a:cs typeface="+mn-cs"/>
-              </a:rPr>
-              <a:t>80%</a:t>
-            </a:r>
-          </a:p>
-        </p:txBody>
-      </p:sp>
-      <p:sp>
-        <p:nvSpPr>
-          <p:cNvPr id="20" name="양쪽 모서리가 둥근 사각형 19"/>
-          <p:cNvSpPr/>
-          <p:nvPr/>
-        </p:nvSpPr>
-        <p:spPr>
-          <a:xfrm>
-            <a:off x="7722531" y="1814118"/>
-            <a:ext cx="892270" cy="2747388"/>
-          </a:xfrm>
-          <a:prstGeom prst="round2SameRect">
-            <a:avLst>
-              <a:gd name="adj1" fmla="val 18568"/>
-              <a:gd name="adj2" fmla="val 0"/>
-            </a:avLst>
-          </a:prstGeom>
-          <a:solidFill>
-            <a:schemeClr val="bg1">
-              <a:lumMod val="95000"/>
-            </a:schemeClr>
-          </a:solidFill>
-          <a:ln>
-            <a:noFill/>
-          </a:ln>
-        </p:spPr>
-        <p:style>
-          <a:lnRef idx="2">
-            <a:schemeClr val="accent1">
-              <a:shade val="50000"/>
-            </a:schemeClr>
-          </a:lnRef>
-          <a:fillRef idx="1">
-            <a:schemeClr val="accent1"/>
-          </a:fillRef>
-          <a:effectRef idx="0">
-            <a:schemeClr val="accent1"/>
-          </a:effectRef>
-          <a:fontRef idx="minor">
-            <a:schemeClr val="lt1"/>
-          </a:fontRef>
-        </p:style>
-        <p:txBody>
-          <a:bodyPr rtlCol="0" anchor="ctr"/>
-          <a:lstStyle/>
-          <a:p>
-            <a:pPr marL="0" marR="0" lvl="0" indent="0" algn="ctr" defTabSz="914400" rtl="0" eaLnBrk="1" fontAlgn="auto" latinLnBrk="1" hangingPunct="1">
-              <a:lnSpc>
-                <a:spcPct val="100000"/>
-              </a:lnSpc>
-              <a:spcBef>
-                <a:spcPts val="0"/>
-              </a:spcBef>
-              <a:spcAft>
-                <a:spcPts val="0"/>
-              </a:spcAft>
-              <a:buClrTx/>
-              <a:buSzTx/>
-              <a:buFontTx/>
-              <a:buNone/>
-              <a:tabLst/>
-              <a:defRPr/>
-            </a:pPr>
-            <a:endParaRPr kumimoji="0" lang="ko-KR" altLang="en-US" sz="1600" b="0" i="0" u="none" strike="noStrike" kern="1200" cap="none" spc="0" normalizeH="0" baseline="0" noProof="0">
-              <a:ln>
-                <a:noFill/>
-              </a:ln>
-              <a:solidFill>
-                <a:prstClr val="white"/>
-              </a:solidFill>
-              <a:effectLst/>
-              <a:uLnTx/>
-              <a:uFillTx/>
-              <a:latin typeface="맑은 고딕" panose="020F0502020204030204"/>
-              <a:ea typeface="맑은 고딕" panose="020B0503020000020004" pitchFamily="50" charset="-127"/>
-              <a:cs typeface="+mn-cs"/>
-            </a:endParaRPr>
-          </a:p>
-        </p:txBody>
-      </p:sp>
-      <p:sp>
-        <p:nvSpPr>
-          <p:cNvPr id="21" name="양쪽 모서리가 둥근 사각형 20"/>
-          <p:cNvSpPr/>
-          <p:nvPr/>
-        </p:nvSpPr>
-        <p:spPr>
-          <a:xfrm>
-            <a:off x="7738041" y="2883828"/>
-            <a:ext cx="892270" cy="1675300"/>
-          </a:xfrm>
-          <a:prstGeom prst="round2SameRect">
-            <a:avLst/>
-          </a:prstGeom>
-          <a:solidFill>
-            <a:srgbClr val="00CCFF"/>
-          </a:solidFill>
-          <a:ln w="19050">
-            <a:solidFill>
-              <a:schemeClr val="tx1">
-                <a:lumMod val="75000"/>
-                <a:lumOff val="25000"/>
-              </a:schemeClr>
-            </a:solidFill>
-          </a:ln>
-          <a:scene3d>
-            <a:camera prst="orthographicFront"/>
-            <a:lightRig rig="threePt" dir="t"/>
-          </a:scene3d>
-          <a:sp3d prstMaterial="matte"/>
-        </p:spPr>
-        <p:style>
-          <a:lnRef idx="2">
-            <a:schemeClr val="accent1">
-              <a:shade val="50000"/>
-            </a:schemeClr>
-          </a:lnRef>
-          <a:fillRef idx="1">
-            <a:schemeClr val="accent1"/>
-          </a:fillRef>
-          <a:effectRef idx="0">
-            <a:schemeClr val="accent1"/>
-          </a:effectRef>
-          <a:fontRef idx="minor">
-            <a:schemeClr val="lt1"/>
-          </a:fontRef>
-        </p:style>
-        <p:txBody>
-          <a:bodyPr rtlCol="0" anchor="ctr"/>
-          <a:lstStyle/>
-          <a:p>
-            <a:pPr marL="0" marR="0" lvl="0" indent="0" algn="ctr" defTabSz="914400" rtl="0" eaLnBrk="1" fontAlgn="auto" latinLnBrk="1" hangingPunct="1">
-              <a:lnSpc>
-                <a:spcPct val="100000"/>
-              </a:lnSpc>
-              <a:spcBef>
-                <a:spcPts val="0"/>
-              </a:spcBef>
-              <a:spcAft>
-                <a:spcPts val="0"/>
-              </a:spcAft>
-              <a:buClrTx/>
-              <a:buSzTx/>
-              <a:buFontTx/>
-              <a:buNone/>
-              <a:tabLst/>
-              <a:defRPr/>
-            </a:pPr>
-            <a:endParaRPr kumimoji="0" lang="ko-KR" altLang="en-US" sz="1600" b="0" i="0" u="none" strike="noStrike" kern="1200" cap="none" spc="0" normalizeH="0" baseline="0" noProof="0">
-              <a:ln>
-                <a:noFill/>
-              </a:ln>
-              <a:solidFill>
-                <a:prstClr val="white"/>
-              </a:solidFill>
-              <a:effectLst/>
-              <a:uLnTx/>
-              <a:uFillTx/>
-              <a:latin typeface="맑은 고딕" panose="020F0502020204030204"/>
-              <a:ea typeface="맑은 고딕" panose="020B0503020000020004" pitchFamily="50" charset="-127"/>
-              <a:cs typeface="+mn-cs"/>
-            </a:endParaRPr>
-          </a:p>
-        </p:txBody>
-      </p:sp>
-      <p:sp>
-        <p:nvSpPr>
-          <p:cNvPr id="22" name="모서리가 둥근 사각형 설명선 21"/>
-          <p:cNvSpPr/>
-          <p:nvPr/>
-        </p:nvSpPr>
-        <p:spPr>
-          <a:xfrm>
-            <a:off x="8858749" y="2705121"/>
-            <a:ext cx="509993" cy="242893"/>
-          </a:xfrm>
-          <a:prstGeom prst="wedgeRoundRectCallout">
-            <a:avLst>
-              <a:gd name="adj1" fmla="val -68244"/>
-              <a:gd name="adj2" fmla="val 52868"/>
-              <a:gd name="adj3" fmla="val 16667"/>
-            </a:avLst>
-          </a:prstGeom>
-          <a:solidFill>
-            <a:srgbClr val="00CCFF"/>
-          </a:solidFill>
-          <a:ln w="19050">
-            <a:solidFill>
-              <a:schemeClr val="tx1">
-                <a:lumMod val="75000"/>
-                <a:lumOff val="25000"/>
-              </a:schemeClr>
-            </a:solidFill>
-          </a:ln>
-          <a:scene3d>
-            <a:camera prst="orthographicFront"/>
-            <a:lightRig rig="threePt" dir="t"/>
-          </a:scene3d>
-          <a:sp3d prstMaterial="matte"/>
-        </p:spPr>
-        <p:style>
-          <a:lnRef idx="2">
-            <a:schemeClr val="accent1">
-              <a:shade val="50000"/>
-            </a:schemeClr>
-          </a:lnRef>
-          <a:fillRef idx="1">
-            <a:schemeClr val="accent1"/>
-          </a:fillRef>
-          <a:effectRef idx="0">
-            <a:schemeClr val="accent1"/>
-          </a:effectRef>
-          <a:fontRef idx="minor">
-            <a:schemeClr val="lt1"/>
-          </a:fontRef>
-        </p:style>
-        <p:txBody>
-          <a:bodyPr rtlCol="0" anchor="ctr"/>
-          <a:lstStyle/>
-          <a:p>
-            <a:pPr marL="0" marR="0" lvl="0" indent="0" algn="ctr" defTabSz="914400" rtl="0" eaLnBrk="1" fontAlgn="auto" latinLnBrk="1" hangingPunct="1">
-              <a:lnSpc>
-                <a:spcPct val="100000"/>
-              </a:lnSpc>
-              <a:spcBef>
-                <a:spcPts val="0"/>
-              </a:spcBef>
-              <a:spcAft>
-                <a:spcPts val="0"/>
-              </a:spcAft>
-              <a:buClrTx/>
-              <a:buSzTx/>
-              <a:buFontTx/>
-              <a:buNone/>
-              <a:tabLst/>
-              <a:defRPr/>
-            </a:pPr>
-            <a:r>
-              <a:rPr kumimoji="0" lang="en-US" altLang="ko-KR" sz="1050" b="1" i="0" u="none" strike="noStrike" kern="1200" cap="none" spc="0" normalizeH="0" baseline="0" noProof="0" dirty="0">
-                <a:ln>
-                  <a:noFill/>
-                </a:ln>
-                <a:solidFill>
-                  <a:prstClr val="white"/>
-                </a:solidFill>
-                <a:effectLst/>
-                <a:uLnTx/>
-                <a:uFillTx/>
-                <a:latin typeface="맑은 고딕" panose="020F0502020204030204"/>
-                <a:ea typeface="맑은 고딕" panose="020B0503020000020004" pitchFamily="50" charset="-127"/>
-                <a:cs typeface="+mn-cs"/>
-              </a:rPr>
-              <a:t>60%</a:t>
-            </a:r>
-            <a:endParaRPr kumimoji="0" lang="ko-KR" altLang="en-US" sz="1050" b="1" i="0" u="none" strike="noStrike" kern="1200" cap="none" spc="0" normalizeH="0" baseline="0" noProof="0" dirty="0">
-              <a:ln>
-                <a:noFill/>
-              </a:ln>
-              <a:solidFill>
-                <a:prstClr val="white"/>
-              </a:solidFill>
-              <a:effectLst/>
-              <a:uLnTx/>
-              <a:uFillTx/>
-              <a:latin typeface="맑은 고딕" panose="020F0502020204030204"/>
-              <a:ea typeface="맑은 고딕" panose="020B0503020000020004" pitchFamily="50" charset="-127"/>
-              <a:cs typeface="+mn-cs"/>
-            </a:endParaRPr>
-          </a:p>
-        </p:txBody>
-      </p:sp>
-      <p:cxnSp>
-        <p:nvCxnSpPr>
-          <p:cNvPr id="23" name="직선 연결선 22"/>
-          <p:cNvCxnSpPr/>
-          <p:nvPr/>
-        </p:nvCxnSpPr>
-        <p:spPr>
-          <a:xfrm rot="16200000" flipV="1">
-            <a:off x="8139794" y="2745086"/>
-            <a:ext cx="0" cy="1638277"/>
-          </a:xfrm>
-          <a:prstGeom prst="line">
-            <a:avLst/>
-          </a:prstGeom>
-          <a:ln w="19050">
-            <a:solidFill>
-              <a:schemeClr val="tx1">
-                <a:lumMod val="75000"/>
-                <a:lumOff val="25000"/>
-              </a:schemeClr>
-            </a:solidFill>
-            <a:prstDash val="sysDash"/>
-          </a:ln>
-        </p:spPr>
-        <p:style>
-          <a:lnRef idx="1">
-            <a:schemeClr val="accent1"/>
-          </a:lnRef>
-          <a:fillRef idx="0">
-            <a:schemeClr val="accent1"/>
-          </a:fillRef>
-          <a:effectRef idx="0">
-            <a:schemeClr val="accent1"/>
-          </a:effectRef>
-          <a:fontRef idx="minor">
-            <a:schemeClr val="tx1"/>
-          </a:fontRef>
-        </p:style>
-      </p:cxnSp>
-      <p:sp>
-        <p:nvSpPr>
-          <p:cNvPr id="24" name="직사각형 23"/>
-          <p:cNvSpPr/>
-          <p:nvPr/>
-        </p:nvSpPr>
-        <p:spPr>
-          <a:xfrm>
-            <a:off x="6236804" y="3398361"/>
-            <a:ext cx="995786" cy="369332"/>
-          </a:xfrm>
-          <a:prstGeom prst="rect">
-            <a:avLst/>
-          </a:prstGeom>
-        </p:spPr>
-        <p:txBody>
-          <a:bodyPr wrap="none">
-            <a:spAutoFit/>
-          </a:bodyPr>
-          <a:lstStyle/>
-          <a:p>
-            <a:pPr marL="0" marR="0" lvl="0" indent="0" algn="ctr" defTabSz="914400" rtl="0" eaLnBrk="1" fontAlgn="auto" latinLnBrk="1" hangingPunct="1">
-              <a:lnSpc>
-                <a:spcPct val="150000"/>
-              </a:lnSpc>
-              <a:spcBef>
-                <a:spcPts val="0"/>
-              </a:spcBef>
-              <a:spcAft>
-                <a:spcPts val="0"/>
-              </a:spcAft>
-              <a:buClrTx/>
-              <a:buSzTx/>
-              <a:buFontTx/>
-              <a:buNone/>
-              <a:tabLst/>
-              <a:defRPr/>
-            </a:pPr>
-            <a:r>
-              <a:rPr kumimoji="0" lang="en-US" altLang="ko-KR" sz="1200" b="1" i="0" u="none" strike="noStrike" kern="1200" cap="none" spc="0" normalizeH="0" baseline="0" noProof="0" dirty="0">
-                <a:ln>
-                  <a:noFill/>
-                </a:ln>
-                <a:solidFill>
-                  <a:prstClr val="black">
-                    <a:lumMod val="75000"/>
-                    <a:lumOff val="25000"/>
-                  </a:prstClr>
-                </a:solidFill>
-                <a:effectLst/>
-                <a:uLnTx/>
-                <a:uFillTx/>
-                <a:latin typeface="맑은 고딕" panose="020F0502020204030204"/>
-                <a:ea typeface="맑은 고딕" panose="020B0503020000020004" pitchFamily="50" charset="-127"/>
-                <a:cs typeface="+mn-cs"/>
-              </a:rPr>
-              <a:t>2022</a:t>
-            </a:r>
-            <a:r>
-              <a:rPr kumimoji="0" lang="ko-KR" altLang="en-US" sz="1200" b="1" i="0" u="none" strike="noStrike" kern="1200" cap="none" spc="0" normalizeH="0" baseline="0" noProof="0" dirty="0">
-                <a:ln>
-                  <a:noFill/>
-                </a:ln>
-                <a:solidFill>
-                  <a:prstClr val="black">
-                    <a:lumMod val="75000"/>
-                    <a:lumOff val="25000"/>
-                  </a:prstClr>
-                </a:solidFill>
-                <a:effectLst/>
-                <a:uLnTx/>
-                <a:uFillTx/>
-                <a:latin typeface="맑은 고딕" panose="020F0502020204030204"/>
-                <a:ea typeface="맑은 고딕" panose="020B0503020000020004" pitchFamily="50" charset="-127"/>
-                <a:cs typeface="+mn-cs"/>
-              </a:rPr>
-              <a:t>년 </a:t>
-            </a:r>
-            <a:r>
-              <a:rPr kumimoji="0" lang="en-US" altLang="ko-KR" sz="1200" b="1" i="0" u="none" strike="noStrike" kern="1200" cap="none" spc="0" normalizeH="0" baseline="0" noProof="0" dirty="0">
-                <a:ln>
-                  <a:noFill/>
-                </a:ln>
-                <a:solidFill>
-                  <a:prstClr val="black">
-                    <a:lumMod val="75000"/>
-                    <a:lumOff val="25000"/>
-                  </a:prstClr>
-                </a:solidFill>
-                <a:effectLst/>
-                <a:uLnTx/>
-                <a:uFillTx/>
-                <a:latin typeface="맑은 고딕" panose="020F0502020204030204"/>
-                <a:ea typeface="맑은 고딕" panose="020B0503020000020004" pitchFamily="50" charset="-127"/>
-                <a:cs typeface="+mn-cs"/>
-              </a:rPr>
-              <a:t>6</a:t>
-            </a:r>
-            <a:r>
-              <a:rPr kumimoji="0" lang="ko-KR" altLang="en-US" sz="1200" b="1" i="0" u="none" strike="noStrike" kern="1200" cap="none" spc="0" normalizeH="0" baseline="0" noProof="0" dirty="0">
-                <a:ln>
-                  <a:noFill/>
-                </a:ln>
-                <a:solidFill>
-                  <a:prstClr val="black">
-                    <a:lumMod val="75000"/>
-                    <a:lumOff val="25000"/>
-                  </a:prstClr>
-                </a:solidFill>
-                <a:effectLst/>
-                <a:uLnTx/>
-                <a:uFillTx/>
-                <a:latin typeface="맑은 고딕" panose="020F0502020204030204"/>
-                <a:ea typeface="맑은 고딕" panose="020B0503020000020004" pitchFamily="50" charset="-127"/>
-                <a:cs typeface="+mn-cs"/>
-              </a:rPr>
-              <a:t>월</a:t>
-            </a:r>
-            <a:endParaRPr kumimoji="0" lang="en-US" altLang="ko-KR" sz="1200" b="1" i="0" u="none" strike="noStrike" kern="1200" cap="none" spc="0" normalizeH="0" baseline="0" noProof="0" dirty="0">
-              <a:ln>
-                <a:noFill/>
-              </a:ln>
-              <a:solidFill>
-                <a:prstClr val="black">
-                  <a:lumMod val="75000"/>
-                  <a:lumOff val="25000"/>
-                </a:prstClr>
-              </a:solidFill>
-              <a:effectLst/>
-              <a:uLnTx/>
-              <a:uFillTx/>
-              <a:latin typeface="맑은 고딕" panose="020F0502020204030204"/>
-              <a:ea typeface="맑은 고딕" panose="020B0503020000020004" pitchFamily="50" charset="-127"/>
-              <a:cs typeface="+mn-cs"/>
-            </a:endParaRPr>
-          </a:p>
-        </p:txBody>
-      </p:sp>
-      <p:sp>
-        <p:nvSpPr>
-          <p:cNvPr id="25" name="직사각형 24"/>
-          <p:cNvSpPr/>
-          <p:nvPr/>
-        </p:nvSpPr>
-        <p:spPr>
-          <a:xfrm>
-            <a:off x="9066586" y="3398361"/>
-            <a:ext cx="498855" cy="333617"/>
-          </a:xfrm>
-          <a:prstGeom prst="rect">
-            <a:avLst/>
-          </a:prstGeom>
-        </p:spPr>
-        <p:txBody>
-          <a:bodyPr wrap="none">
-            <a:spAutoFit/>
-          </a:bodyPr>
-          <a:lstStyle/>
-          <a:p>
-            <a:pPr marL="0" marR="0" lvl="0" indent="0" algn="ctr" defTabSz="914400" rtl="0" eaLnBrk="1" fontAlgn="auto" latinLnBrk="1" hangingPunct="1">
-              <a:lnSpc>
-                <a:spcPct val="150000"/>
-              </a:lnSpc>
-              <a:spcBef>
-                <a:spcPts val="0"/>
-              </a:spcBef>
-              <a:spcAft>
-                <a:spcPts val="0"/>
-              </a:spcAft>
-              <a:buClrTx/>
-              <a:buSzTx/>
-              <a:buFontTx/>
-              <a:buNone/>
-              <a:tabLst/>
-              <a:defRPr/>
-            </a:pPr>
-            <a:r>
-              <a:rPr kumimoji="0" lang="en-US" altLang="ko-KR" sz="1200" b="1" i="0" u="none" strike="noStrike" kern="1200" cap="none" spc="0" normalizeH="0" baseline="0" noProof="0" dirty="0">
-                <a:ln>
-                  <a:noFill/>
-                </a:ln>
-                <a:solidFill>
-                  <a:prstClr val="black">
-                    <a:lumMod val="75000"/>
-                    <a:lumOff val="25000"/>
-                  </a:prstClr>
-                </a:solidFill>
-                <a:effectLst/>
-                <a:uLnTx/>
-                <a:uFillTx/>
-                <a:latin typeface="맑은 고딕" panose="020F0502020204030204"/>
-                <a:ea typeface="맑은 고딕" panose="020B0503020000020004" pitchFamily="50" charset="-127"/>
-                <a:cs typeface="+mn-cs"/>
-              </a:rPr>
-              <a:t>40%</a:t>
-            </a:r>
-          </a:p>
-        </p:txBody>
-      </p:sp>
-      <p:sp>
-        <p:nvSpPr>
-          <p:cNvPr id="26" name="직사각형 25"/>
-          <p:cNvSpPr/>
-          <p:nvPr/>
-        </p:nvSpPr>
-        <p:spPr>
-          <a:xfrm>
-            <a:off x="3177877" y="4863746"/>
-            <a:ext cx="1985429" cy="934871"/>
-          </a:xfrm>
-          <a:prstGeom prst="rect">
-            <a:avLst/>
-          </a:prstGeom>
-        </p:spPr>
-        <p:txBody>
-          <a:bodyPr wrap="square">
-            <a:spAutoFit/>
-          </a:bodyPr>
-          <a:lstStyle/>
-          <a:p>
-            <a:pPr marL="0" marR="0" lvl="0" indent="0" algn="ctr" defTabSz="914400" rtl="0" eaLnBrk="1" fontAlgn="auto" latinLnBrk="1" hangingPunct="1">
-              <a:lnSpc>
-                <a:spcPct val="150000"/>
-              </a:lnSpc>
-              <a:spcBef>
-                <a:spcPts val="0"/>
-              </a:spcBef>
-              <a:spcAft>
-                <a:spcPts val="0"/>
-              </a:spcAft>
-              <a:buClrTx/>
-              <a:buSzTx/>
-              <a:buFontTx/>
-              <a:buNone/>
-              <a:tabLst/>
-              <a:defRPr/>
-            </a:pPr>
-            <a:r>
-              <a:rPr kumimoji="0" lang="en-US" altLang="ko-KR" sz="1200" b="1" i="0" u="none" strike="noStrike" kern="1200" cap="none" spc="0" normalizeH="0" baseline="0" noProof="0" dirty="0">
-                <a:ln>
-                  <a:noFill/>
-                </a:ln>
-                <a:solidFill>
-                  <a:prstClr val="black">
-                    <a:lumMod val="75000"/>
-                    <a:lumOff val="25000"/>
-                  </a:prstClr>
-                </a:solidFill>
-                <a:effectLst/>
-                <a:uLnTx/>
-                <a:uFillTx/>
-                <a:latin typeface="맑은 고딕" panose="020F0502020204030204"/>
-                <a:ea typeface="맑은 고딕" panose="020B0503020000020004" pitchFamily="50" charset="-127"/>
-                <a:cs typeface="+mn-cs"/>
-              </a:rPr>
-              <a:t>CONTENTS A</a:t>
-            </a:r>
-          </a:p>
-          <a:p>
-            <a:pPr marL="0" marR="0" lvl="0" indent="0" algn="ctr" defTabSz="914400" rtl="0" eaLnBrk="1" fontAlgn="auto" latinLnBrk="1" hangingPunct="1">
-              <a:lnSpc>
-                <a:spcPct val="150000"/>
-              </a:lnSpc>
-              <a:spcBef>
-                <a:spcPts val="0"/>
-              </a:spcBef>
-              <a:spcAft>
-                <a:spcPts val="0"/>
-              </a:spcAft>
-              <a:buClrTx/>
-              <a:buSzTx/>
-              <a:buFontTx/>
-              <a:buNone/>
-              <a:tabLst/>
-              <a:defRPr/>
-            </a:pPr>
-            <a:r>
-              <a:rPr kumimoji="0" lang="ko-KR" altLang="en-US" sz="1050" b="0" i="0" u="none" strike="noStrike" kern="1200" cap="none" spc="0" normalizeH="0" baseline="0" noProof="0" dirty="0">
-                <a:ln>
-                  <a:noFill/>
-                </a:ln>
-                <a:solidFill>
-                  <a:prstClr val="black">
-                    <a:lumMod val="75000"/>
-                    <a:lumOff val="25000"/>
-                  </a:prstClr>
-                </a:solidFill>
-                <a:effectLst/>
-                <a:uLnTx/>
-                <a:uFillTx/>
-                <a:latin typeface="맑은 고딕" panose="020F0502020204030204"/>
-                <a:ea typeface="맑은 고딕" panose="020B0503020000020004" pitchFamily="50" charset="-127"/>
-                <a:cs typeface="+mn-cs"/>
-              </a:rPr>
-              <a:t>컨텐츠에 대한 내용을 적어요</a:t>
-            </a:r>
-            <a:endParaRPr kumimoji="0" lang="en-US" altLang="ko-KR" sz="1050" b="0" i="0" u="none" strike="noStrike" kern="1200" cap="none" spc="0" normalizeH="0" baseline="0" noProof="0" dirty="0">
-              <a:ln>
-                <a:noFill/>
-              </a:ln>
-              <a:solidFill>
-                <a:prstClr val="black">
-                  <a:lumMod val="75000"/>
-                  <a:lumOff val="25000"/>
-                </a:prstClr>
-              </a:solidFill>
-              <a:effectLst/>
-              <a:uLnTx/>
-              <a:uFillTx/>
-              <a:latin typeface="맑은 고딕" panose="020F0502020204030204"/>
-              <a:ea typeface="맑은 고딕" panose="020B0503020000020004" pitchFamily="50" charset="-127"/>
-              <a:cs typeface="+mn-cs"/>
-            </a:endParaRPr>
-          </a:p>
-          <a:p>
-            <a:pPr marL="0" marR="0" lvl="0" indent="0" algn="ctr" defTabSz="914400" rtl="0" eaLnBrk="1" fontAlgn="auto" latinLnBrk="1" hangingPunct="1">
-              <a:lnSpc>
-                <a:spcPct val="150000"/>
-              </a:lnSpc>
-              <a:spcBef>
-                <a:spcPts val="0"/>
-              </a:spcBef>
-              <a:spcAft>
-                <a:spcPts val="0"/>
-              </a:spcAft>
-              <a:buClrTx/>
-              <a:buSzTx/>
-              <a:buFontTx/>
-              <a:buNone/>
-              <a:tabLst/>
-              <a:defRPr/>
-            </a:pPr>
-            <a:r>
-              <a:rPr kumimoji="0" lang="ko-KR" altLang="en-US" sz="700" b="0" i="0" u="none" strike="noStrike" kern="1200" cap="none" spc="0" normalizeH="0" baseline="0" noProof="0" dirty="0">
-                <a:ln>
-                  <a:noFill/>
-                </a:ln>
-                <a:solidFill>
-                  <a:prstClr val="black">
-                    <a:lumMod val="75000"/>
-                    <a:lumOff val="25000"/>
-                  </a:prstClr>
-                </a:solidFill>
-                <a:effectLst/>
-                <a:uLnTx/>
-                <a:uFillTx/>
-                <a:latin typeface="맑은 고딕" panose="020F0502020204030204"/>
-                <a:ea typeface="맑은 고딕" panose="020B0503020000020004" pitchFamily="50" charset="-127"/>
-                <a:cs typeface="+mn-cs"/>
-              </a:rPr>
-              <a:t>Enjoy your stylish business and campus life with BIZCAM </a:t>
-            </a:r>
-          </a:p>
-        </p:txBody>
-      </p:sp>
-      <p:sp>
-        <p:nvSpPr>
-          <p:cNvPr id="27" name="직사각형 26"/>
-          <p:cNvSpPr/>
-          <p:nvPr/>
-        </p:nvSpPr>
-        <p:spPr>
-          <a:xfrm>
-            <a:off x="7191461" y="4863746"/>
-            <a:ext cx="1985429" cy="934871"/>
-          </a:xfrm>
-          <a:prstGeom prst="rect">
-            <a:avLst/>
-          </a:prstGeom>
-        </p:spPr>
-        <p:txBody>
-          <a:bodyPr wrap="square">
-            <a:spAutoFit/>
-          </a:bodyPr>
-          <a:lstStyle/>
-          <a:p>
-            <a:pPr marL="0" marR="0" lvl="0" indent="0" algn="ctr" defTabSz="914400" rtl="0" eaLnBrk="1" fontAlgn="auto" latinLnBrk="1" hangingPunct="1">
-              <a:lnSpc>
-                <a:spcPct val="150000"/>
-              </a:lnSpc>
-              <a:spcBef>
-                <a:spcPts val="0"/>
-              </a:spcBef>
-              <a:spcAft>
-                <a:spcPts val="0"/>
-              </a:spcAft>
-              <a:buClrTx/>
-              <a:buSzTx/>
-              <a:buFontTx/>
-              <a:buNone/>
-              <a:tabLst/>
-              <a:defRPr/>
-            </a:pPr>
-            <a:r>
-              <a:rPr kumimoji="0" lang="en-US" altLang="ko-KR" sz="1200" b="1" i="0" u="none" strike="noStrike" kern="1200" cap="none" spc="0" normalizeH="0" baseline="0" noProof="0" dirty="0">
-                <a:ln>
-                  <a:noFill/>
-                </a:ln>
-                <a:solidFill>
-                  <a:prstClr val="black">
-                    <a:lumMod val="75000"/>
-                    <a:lumOff val="25000"/>
-                  </a:prstClr>
-                </a:solidFill>
-                <a:effectLst/>
-                <a:uLnTx/>
-                <a:uFillTx/>
-                <a:latin typeface="맑은 고딕" panose="020F0502020204030204"/>
-                <a:ea typeface="맑은 고딕" panose="020B0503020000020004" pitchFamily="50" charset="-127"/>
-                <a:cs typeface="+mn-cs"/>
-              </a:rPr>
-              <a:t>CONTENTS A</a:t>
-            </a:r>
-          </a:p>
-          <a:p>
-            <a:pPr marL="0" marR="0" lvl="0" indent="0" algn="ctr" defTabSz="914400" rtl="0" eaLnBrk="1" fontAlgn="auto" latinLnBrk="1" hangingPunct="1">
-              <a:lnSpc>
-                <a:spcPct val="150000"/>
-              </a:lnSpc>
-              <a:spcBef>
-                <a:spcPts val="0"/>
-              </a:spcBef>
-              <a:spcAft>
-                <a:spcPts val="0"/>
-              </a:spcAft>
-              <a:buClrTx/>
-              <a:buSzTx/>
-              <a:buFontTx/>
-              <a:buNone/>
-              <a:tabLst/>
-              <a:defRPr/>
-            </a:pPr>
-            <a:r>
-              <a:rPr kumimoji="0" lang="ko-KR" altLang="en-US" sz="1050" b="0" i="0" u="none" strike="noStrike" kern="1200" cap="none" spc="0" normalizeH="0" baseline="0" noProof="0" dirty="0">
-                <a:ln>
-                  <a:noFill/>
-                </a:ln>
-                <a:solidFill>
-                  <a:prstClr val="black">
-                    <a:lumMod val="75000"/>
-                    <a:lumOff val="25000"/>
-                  </a:prstClr>
-                </a:solidFill>
-                <a:effectLst/>
-                <a:uLnTx/>
-                <a:uFillTx/>
-                <a:latin typeface="맑은 고딕" panose="020F0502020204030204"/>
-                <a:ea typeface="맑은 고딕" panose="020B0503020000020004" pitchFamily="50" charset="-127"/>
-                <a:cs typeface="+mn-cs"/>
-              </a:rPr>
-              <a:t>컨텐츠에 대한 내용을 적어요</a:t>
-            </a:r>
-            <a:endParaRPr kumimoji="0" lang="en-US" altLang="ko-KR" sz="1050" b="0" i="0" u="none" strike="noStrike" kern="1200" cap="none" spc="0" normalizeH="0" baseline="0" noProof="0" dirty="0">
-              <a:ln>
-                <a:noFill/>
-              </a:ln>
-              <a:solidFill>
-                <a:prstClr val="black">
-                  <a:lumMod val="75000"/>
-                  <a:lumOff val="25000"/>
-                </a:prstClr>
-              </a:solidFill>
-              <a:effectLst/>
-              <a:uLnTx/>
-              <a:uFillTx/>
-              <a:latin typeface="맑은 고딕" panose="020F0502020204030204"/>
-              <a:ea typeface="맑은 고딕" panose="020B0503020000020004" pitchFamily="50" charset="-127"/>
-              <a:cs typeface="+mn-cs"/>
-            </a:endParaRPr>
-          </a:p>
-          <a:p>
-            <a:pPr marL="0" marR="0" lvl="0" indent="0" algn="ctr" defTabSz="914400" rtl="0" eaLnBrk="1" fontAlgn="auto" latinLnBrk="1" hangingPunct="1">
-              <a:lnSpc>
-                <a:spcPct val="150000"/>
-              </a:lnSpc>
-              <a:spcBef>
-                <a:spcPts val="0"/>
-              </a:spcBef>
-              <a:spcAft>
-                <a:spcPts val="0"/>
-              </a:spcAft>
-              <a:buClrTx/>
-              <a:buSzTx/>
-              <a:buFontTx/>
-              <a:buNone/>
-              <a:tabLst/>
-              <a:defRPr/>
-            </a:pPr>
-            <a:r>
-              <a:rPr kumimoji="0" lang="ko-KR" altLang="en-US" sz="700" b="0" i="0" u="none" strike="noStrike" kern="1200" cap="none" spc="0" normalizeH="0" baseline="0" noProof="0" dirty="0">
-                <a:ln>
-                  <a:noFill/>
-                </a:ln>
-                <a:solidFill>
-                  <a:prstClr val="black">
-                    <a:lumMod val="75000"/>
-                    <a:lumOff val="25000"/>
-                  </a:prstClr>
-                </a:solidFill>
-                <a:effectLst/>
-                <a:uLnTx/>
-                <a:uFillTx/>
-                <a:latin typeface="맑은 고딕" panose="020F0502020204030204"/>
-                <a:ea typeface="맑은 고딕" panose="020B0503020000020004" pitchFamily="50" charset="-127"/>
-                <a:cs typeface="+mn-cs"/>
-              </a:rPr>
-              <a:t>Enjoy your stylish business and campus life with BIZCAM </a:t>
-            </a:r>
-          </a:p>
-        </p:txBody>
-      </p:sp>
+      <p:graphicFrame>
+        <p:nvGraphicFramePr>
+          <p:cNvPr id="9" name="표 27">
+            <a:extLst>
+              <a:ext uri="{FF2B5EF4-FFF2-40B4-BE49-F238E27FC236}">
+                <a16:creationId xmlns:a16="http://schemas.microsoft.com/office/drawing/2014/main" id="{0C6F51FA-0488-27A7-CF7A-E826BD3844E2}"/>
+              </a:ext>
+            </a:extLst>
+          </p:cNvPr>
+          <p:cNvGraphicFramePr>
+            <a:graphicFrameLocks noGrp="1"/>
+          </p:cNvGraphicFramePr>
+          <p:nvPr>
+            <p:extLst>
+              <p:ext uri="{D42A27DB-BD31-4B8C-83A1-F6EECF244321}">
+                <p14:modId xmlns:p14="http://schemas.microsoft.com/office/powerpoint/2010/main" val="4255755352"/>
+              </p:ext>
+            </p:extLst>
+          </p:nvPr>
+        </p:nvGraphicFramePr>
+        <p:xfrm>
+          <a:off x="2032000" y="886779"/>
+          <a:ext cx="8127999" cy="5455660"/>
+        </p:xfrm>
+        <a:graphic>
+          <a:graphicData uri="http://schemas.openxmlformats.org/drawingml/2006/table">
+            <a:tbl>
+              <a:tblPr firstRow="1" bandRow="1">
+                <a:tableStyleId>{22838BEF-8BB2-4498-84A7-C5851F593DF1}</a:tableStyleId>
+              </a:tblPr>
+              <a:tblGrid>
+                <a:gridCol w="1574800">
+                  <a:extLst>
+                    <a:ext uri="{9D8B030D-6E8A-4147-A177-3AD203B41FA5}">
+                      <a16:colId xmlns:a16="http://schemas.microsoft.com/office/drawing/2014/main" val="75796732"/>
+                    </a:ext>
+                  </a:extLst>
+                </a:gridCol>
+                <a:gridCol w="1974850">
+                  <a:extLst>
+                    <a:ext uri="{9D8B030D-6E8A-4147-A177-3AD203B41FA5}">
+                      <a16:colId xmlns:a16="http://schemas.microsoft.com/office/drawing/2014/main" val="2614223187"/>
+                    </a:ext>
+                  </a:extLst>
+                </a:gridCol>
+                <a:gridCol w="4578349">
+                  <a:extLst>
+                    <a:ext uri="{9D8B030D-6E8A-4147-A177-3AD203B41FA5}">
+                      <a16:colId xmlns:a16="http://schemas.microsoft.com/office/drawing/2014/main" val="296426876"/>
+                    </a:ext>
+                  </a:extLst>
+                </a:gridCol>
+              </a:tblGrid>
+              <a:tr h="545566">
+                <a:tc>
+                  <a:txBody>
+                    <a:bodyPr/>
+                    <a:lstStyle/>
+                    <a:p>
+                      <a:pPr algn="ctr" latinLnBrk="1"/>
+                      <a:endParaRPr lang="ko-KR" altLang="en-US" dirty="0"/>
+                    </a:p>
+                  </a:txBody>
+                  <a:tcPr/>
+                </a:tc>
+                <a:tc>
+                  <a:txBody>
+                    <a:bodyPr/>
+                    <a:lstStyle/>
+                    <a:p>
+                      <a:pPr algn="ctr" latinLnBrk="1"/>
+                      <a:endParaRPr lang="ko-KR" altLang="en-US" dirty="0"/>
+                    </a:p>
+                  </a:txBody>
+                  <a:tcPr/>
+                </a:tc>
+                <a:tc>
+                  <a:txBody>
+                    <a:bodyPr/>
+                    <a:lstStyle/>
+                    <a:p>
+                      <a:pPr algn="ctr" latinLnBrk="1"/>
+                      <a:endParaRPr lang="ko-KR" altLang="en-US"/>
+                    </a:p>
+                  </a:txBody>
+                  <a:tcPr/>
+                </a:tc>
+                <a:extLst>
+                  <a:ext uri="{0D108BD9-81ED-4DB2-BD59-A6C34878D82A}">
+                    <a16:rowId xmlns:a16="http://schemas.microsoft.com/office/drawing/2014/main" val="1177674948"/>
+                  </a:ext>
+                </a:extLst>
+              </a:tr>
+              <a:tr h="545566">
+                <a:tc>
+                  <a:txBody>
+                    <a:bodyPr/>
+                    <a:lstStyle/>
+                    <a:p>
+                      <a:pPr algn="ctr" latinLnBrk="1"/>
+                      <a:endParaRPr lang="ko-KR" altLang="en-US" dirty="0"/>
+                    </a:p>
+                  </a:txBody>
+                  <a:tcPr/>
+                </a:tc>
+                <a:tc>
+                  <a:txBody>
+                    <a:bodyPr/>
+                    <a:lstStyle/>
+                    <a:p>
+                      <a:pPr algn="ctr" latinLnBrk="1"/>
+                      <a:endParaRPr lang="ko-KR" altLang="en-US" dirty="0"/>
+                    </a:p>
+                  </a:txBody>
+                  <a:tcPr/>
+                </a:tc>
+                <a:tc>
+                  <a:txBody>
+                    <a:bodyPr/>
+                    <a:lstStyle/>
+                    <a:p>
+                      <a:pPr algn="ctr" latinLnBrk="1"/>
+                      <a:endParaRPr lang="ko-KR" altLang="en-US" dirty="0"/>
+                    </a:p>
+                  </a:txBody>
+                  <a:tcPr/>
+                </a:tc>
+                <a:extLst>
+                  <a:ext uri="{0D108BD9-81ED-4DB2-BD59-A6C34878D82A}">
+                    <a16:rowId xmlns:a16="http://schemas.microsoft.com/office/drawing/2014/main" val="1426200059"/>
+                  </a:ext>
+                </a:extLst>
+              </a:tr>
+              <a:tr h="545566">
+                <a:tc>
+                  <a:txBody>
+                    <a:bodyPr/>
+                    <a:lstStyle/>
+                    <a:p>
+                      <a:pPr algn="ctr" latinLnBrk="1"/>
+                      <a:endParaRPr lang="ko-KR" altLang="en-US" dirty="0"/>
+                    </a:p>
+                  </a:txBody>
+                  <a:tcPr/>
+                </a:tc>
+                <a:tc>
+                  <a:txBody>
+                    <a:bodyPr/>
+                    <a:lstStyle/>
+                    <a:p>
+                      <a:pPr algn="ctr" latinLnBrk="1"/>
+                      <a:endParaRPr lang="ko-KR" altLang="en-US" dirty="0"/>
+                    </a:p>
+                  </a:txBody>
+                  <a:tcPr/>
+                </a:tc>
+                <a:tc>
+                  <a:txBody>
+                    <a:bodyPr/>
+                    <a:lstStyle/>
+                    <a:p>
+                      <a:pPr algn="ctr" latinLnBrk="1"/>
+                      <a:endParaRPr lang="ko-KR" altLang="en-US"/>
+                    </a:p>
+                  </a:txBody>
+                  <a:tcPr/>
+                </a:tc>
+                <a:extLst>
+                  <a:ext uri="{0D108BD9-81ED-4DB2-BD59-A6C34878D82A}">
+                    <a16:rowId xmlns:a16="http://schemas.microsoft.com/office/drawing/2014/main" val="2206399057"/>
+                  </a:ext>
+                </a:extLst>
+              </a:tr>
+              <a:tr h="545566">
+                <a:tc>
+                  <a:txBody>
+                    <a:bodyPr/>
+                    <a:lstStyle/>
+                    <a:p>
+                      <a:pPr algn="ctr" latinLnBrk="1"/>
+                      <a:endParaRPr lang="ko-KR" altLang="en-US"/>
+                    </a:p>
+                  </a:txBody>
+                  <a:tcPr/>
+                </a:tc>
+                <a:tc>
+                  <a:txBody>
+                    <a:bodyPr/>
+                    <a:lstStyle/>
+                    <a:p>
+                      <a:pPr algn="ctr" latinLnBrk="1"/>
+                      <a:endParaRPr lang="ko-KR" altLang="en-US" dirty="0"/>
+                    </a:p>
+                  </a:txBody>
+                  <a:tcPr/>
+                </a:tc>
+                <a:tc>
+                  <a:txBody>
+                    <a:bodyPr/>
+                    <a:lstStyle/>
+                    <a:p>
+                      <a:pPr algn="ctr" latinLnBrk="1"/>
+                      <a:endParaRPr lang="ko-KR" altLang="en-US" dirty="0"/>
+                    </a:p>
+                  </a:txBody>
+                  <a:tcPr/>
+                </a:tc>
+                <a:extLst>
+                  <a:ext uri="{0D108BD9-81ED-4DB2-BD59-A6C34878D82A}">
+                    <a16:rowId xmlns:a16="http://schemas.microsoft.com/office/drawing/2014/main" val="3621991772"/>
+                  </a:ext>
+                </a:extLst>
+              </a:tr>
+              <a:tr h="545566">
+                <a:tc>
+                  <a:txBody>
+                    <a:bodyPr/>
+                    <a:lstStyle/>
+                    <a:p>
+                      <a:pPr algn="ctr" latinLnBrk="1"/>
+                      <a:endParaRPr lang="ko-KR" altLang="en-US"/>
+                    </a:p>
+                  </a:txBody>
+                  <a:tcPr/>
+                </a:tc>
+                <a:tc>
+                  <a:txBody>
+                    <a:bodyPr/>
+                    <a:lstStyle/>
+                    <a:p>
+                      <a:pPr algn="ctr" latinLnBrk="1"/>
+                      <a:endParaRPr lang="ko-KR" altLang="en-US" dirty="0"/>
+                    </a:p>
+                  </a:txBody>
+                  <a:tcPr/>
+                </a:tc>
+                <a:tc>
+                  <a:txBody>
+                    <a:bodyPr/>
+                    <a:lstStyle/>
+                    <a:p>
+                      <a:pPr algn="ctr" latinLnBrk="1"/>
+                      <a:endParaRPr lang="ko-KR" altLang="en-US" dirty="0"/>
+                    </a:p>
+                  </a:txBody>
+                  <a:tcPr/>
+                </a:tc>
+                <a:extLst>
+                  <a:ext uri="{0D108BD9-81ED-4DB2-BD59-A6C34878D82A}">
+                    <a16:rowId xmlns:a16="http://schemas.microsoft.com/office/drawing/2014/main" val="1458821769"/>
+                  </a:ext>
+                </a:extLst>
+              </a:tr>
+              <a:tr h="545566">
+                <a:tc>
+                  <a:txBody>
+                    <a:bodyPr/>
+                    <a:lstStyle/>
+                    <a:p>
+                      <a:pPr algn="ctr" latinLnBrk="1"/>
+                      <a:endParaRPr lang="ko-KR" altLang="en-US"/>
+                    </a:p>
+                  </a:txBody>
+                  <a:tcPr/>
+                </a:tc>
+                <a:tc>
+                  <a:txBody>
+                    <a:bodyPr/>
+                    <a:lstStyle/>
+                    <a:p>
+                      <a:pPr algn="ctr" latinLnBrk="1"/>
+                      <a:endParaRPr lang="ko-KR" altLang="en-US" dirty="0"/>
+                    </a:p>
+                  </a:txBody>
+                  <a:tcPr/>
+                </a:tc>
+                <a:tc>
+                  <a:txBody>
+                    <a:bodyPr/>
+                    <a:lstStyle/>
+                    <a:p>
+                      <a:pPr algn="ctr" latinLnBrk="1"/>
+                      <a:endParaRPr lang="ko-KR" altLang="en-US" dirty="0"/>
+                    </a:p>
+                  </a:txBody>
+                  <a:tcPr/>
+                </a:tc>
+                <a:extLst>
+                  <a:ext uri="{0D108BD9-81ED-4DB2-BD59-A6C34878D82A}">
+                    <a16:rowId xmlns:a16="http://schemas.microsoft.com/office/drawing/2014/main" val="3692880773"/>
+                  </a:ext>
+                </a:extLst>
+              </a:tr>
+              <a:tr h="545566">
+                <a:tc>
+                  <a:txBody>
+                    <a:bodyPr/>
+                    <a:lstStyle/>
+                    <a:p>
+                      <a:pPr algn="ctr" latinLnBrk="1"/>
+                      <a:endParaRPr lang="ko-KR" altLang="en-US"/>
+                    </a:p>
+                  </a:txBody>
+                  <a:tcPr/>
+                </a:tc>
+                <a:tc>
+                  <a:txBody>
+                    <a:bodyPr/>
+                    <a:lstStyle/>
+                    <a:p>
+                      <a:pPr algn="ctr" latinLnBrk="1"/>
+                      <a:endParaRPr lang="ko-KR" altLang="en-US"/>
+                    </a:p>
+                  </a:txBody>
+                  <a:tcPr/>
+                </a:tc>
+                <a:tc>
+                  <a:txBody>
+                    <a:bodyPr/>
+                    <a:lstStyle/>
+                    <a:p>
+                      <a:pPr algn="ctr" latinLnBrk="1"/>
+                      <a:endParaRPr lang="ko-KR" altLang="en-US" dirty="0"/>
+                    </a:p>
+                  </a:txBody>
+                  <a:tcPr/>
+                </a:tc>
+                <a:extLst>
+                  <a:ext uri="{0D108BD9-81ED-4DB2-BD59-A6C34878D82A}">
+                    <a16:rowId xmlns:a16="http://schemas.microsoft.com/office/drawing/2014/main" val="2561284266"/>
+                  </a:ext>
+                </a:extLst>
+              </a:tr>
+              <a:tr h="545566">
+                <a:tc>
+                  <a:txBody>
+                    <a:bodyPr/>
+                    <a:lstStyle/>
+                    <a:p>
+                      <a:pPr algn="ctr" latinLnBrk="1"/>
+                      <a:endParaRPr lang="ko-KR" altLang="en-US"/>
+                    </a:p>
+                  </a:txBody>
+                  <a:tcPr/>
+                </a:tc>
+                <a:tc>
+                  <a:txBody>
+                    <a:bodyPr/>
+                    <a:lstStyle/>
+                    <a:p>
+                      <a:pPr algn="ctr" latinLnBrk="1"/>
+                      <a:endParaRPr lang="ko-KR" altLang="en-US"/>
+                    </a:p>
+                  </a:txBody>
+                  <a:tcPr/>
+                </a:tc>
+                <a:tc>
+                  <a:txBody>
+                    <a:bodyPr/>
+                    <a:lstStyle/>
+                    <a:p>
+                      <a:pPr algn="ctr" latinLnBrk="1"/>
+                      <a:endParaRPr lang="ko-KR" altLang="en-US" dirty="0"/>
+                    </a:p>
+                  </a:txBody>
+                  <a:tcPr/>
+                </a:tc>
+                <a:extLst>
+                  <a:ext uri="{0D108BD9-81ED-4DB2-BD59-A6C34878D82A}">
+                    <a16:rowId xmlns:a16="http://schemas.microsoft.com/office/drawing/2014/main" val="4136193113"/>
+                  </a:ext>
+                </a:extLst>
+              </a:tr>
+              <a:tr h="545566">
+                <a:tc>
+                  <a:txBody>
+                    <a:bodyPr/>
+                    <a:lstStyle/>
+                    <a:p>
+                      <a:pPr algn="ctr" latinLnBrk="1"/>
+                      <a:endParaRPr lang="ko-KR" altLang="en-US"/>
+                    </a:p>
+                  </a:txBody>
+                  <a:tcPr/>
+                </a:tc>
+                <a:tc>
+                  <a:txBody>
+                    <a:bodyPr/>
+                    <a:lstStyle/>
+                    <a:p>
+                      <a:pPr algn="ctr" latinLnBrk="1"/>
+                      <a:endParaRPr lang="ko-KR" altLang="en-US"/>
+                    </a:p>
+                  </a:txBody>
+                  <a:tcPr/>
+                </a:tc>
+                <a:tc>
+                  <a:txBody>
+                    <a:bodyPr/>
+                    <a:lstStyle/>
+                    <a:p>
+                      <a:pPr algn="ctr" latinLnBrk="1"/>
+                      <a:endParaRPr lang="ko-KR" altLang="en-US" dirty="0"/>
+                    </a:p>
+                  </a:txBody>
+                  <a:tcPr/>
+                </a:tc>
+                <a:extLst>
+                  <a:ext uri="{0D108BD9-81ED-4DB2-BD59-A6C34878D82A}">
+                    <a16:rowId xmlns:a16="http://schemas.microsoft.com/office/drawing/2014/main" val="2571076646"/>
+                  </a:ext>
+                </a:extLst>
+              </a:tr>
+              <a:tr h="545566">
+                <a:tc>
+                  <a:txBody>
+                    <a:bodyPr/>
+                    <a:lstStyle/>
+                    <a:p>
+                      <a:pPr algn="ctr" latinLnBrk="1"/>
+                      <a:endParaRPr lang="ko-KR" altLang="en-US"/>
+                    </a:p>
+                  </a:txBody>
+                  <a:tcPr/>
+                </a:tc>
+                <a:tc>
+                  <a:txBody>
+                    <a:bodyPr/>
+                    <a:lstStyle/>
+                    <a:p>
+                      <a:pPr algn="ctr" latinLnBrk="1"/>
+                      <a:endParaRPr lang="ko-KR" altLang="en-US"/>
+                    </a:p>
+                  </a:txBody>
+                  <a:tcPr/>
+                </a:tc>
+                <a:tc>
+                  <a:txBody>
+                    <a:bodyPr/>
+                    <a:lstStyle/>
+                    <a:p>
+                      <a:pPr algn="ctr" latinLnBrk="1"/>
+                      <a:endParaRPr lang="ko-KR" altLang="en-US" dirty="0"/>
+                    </a:p>
+                  </a:txBody>
+                  <a:tcPr/>
+                </a:tc>
+                <a:extLst>
+                  <a:ext uri="{0D108BD9-81ED-4DB2-BD59-A6C34878D82A}">
+                    <a16:rowId xmlns:a16="http://schemas.microsoft.com/office/drawing/2014/main" val="1853595103"/>
+                  </a:ext>
+                </a:extLst>
+              </a:tr>
+            </a:tbl>
+          </a:graphicData>
+        </a:graphic>
+      </p:graphicFrame>
     </p:spTree>
     <p:extLst>
       <p:ext uri="{BB962C8B-B14F-4D97-AF65-F5344CB8AC3E}">

--- a/프로젝트1차/프로젝트 1차 발표 ppt.pptx
+++ b/프로젝트1차/프로젝트 1차 발표 ppt.pptx
@@ -272,7 +272,7 @@
                 </a:solidFill>
               </a:rPr>
               <a:pPr/>
-              <a:t>2022-09-22</a:t>
+              <a:t>2022-09-23</a:t>
             </a:fld>
             <a:endParaRPr lang="ko-KR" altLang="en-US" dirty="0">
               <a:solidFill>
@@ -502,7 +502,7 @@
                 </a:solidFill>
               </a:rPr>
               <a:pPr/>
-              <a:t>2022-09-22</a:t>
+              <a:t>2022-09-23</a:t>
             </a:fld>
             <a:endParaRPr lang="ko-KR" altLang="en-US" dirty="0">
               <a:solidFill>
@@ -742,7 +742,7 @@
                 </a:solidFill>
               </a:rPr>
               <a:pPr/>
-              <a:t>2022-09-22</a:t>
+              <a:t>2022-09-23</a:t>
             </a:fld>
             <a:endParaRPr lang="ko-KR" altLang="en-US" dirty="0">
               <a:solidFill>
@@ -972,7 +972,7 @@
                 </a:solidFill>
               </a:rPr>
               <a:pPr/>
-              <a:t>2022-09-22</a:t>
+              <a:t>2022-09-23</a:t>
             </a:fld>
             <a:endParaRPr lang="ko-KR" altLang="en-US" dirty="0">
               <a:solidFill>
@@ -1279,7 +1279,7 @@
                 </a:solidFill>
               </a:rPr>
               <a:pPr/>
-              <a:t>2022-09-22</a:t>
+              <a:t>2022-09-23</a:t>
             </a:fld>
             <a:endParaRPr lang="ko-KR" altLang="en-US" dirty="0">
               <a:solidFill>
@@ -1576,7 +1576,7 @@
                 </a:solidFill>
               </a:rPr>
               <a:pPr/>
-              <a:t>2022-09-22</a:t>
+              <a:t>2022-09-23</a:t>
             </a:fld>
             <a:endParaRPr lang="ko-KR" altLang="en-US" dirty="0">
               <a:solidFill>
@@ -2020,7 +2020,7 @@
                 </a:solidFill>
               </a:rPr>
               <a:pPr/>
-              <a:t>2022-09-22</a:t>
+              <a:t>2022-09-23</a:t>
             </a:fld>
             <a:endParaRPr lang="ko-KR" altLang="en-US" dirty="0">
               <a:solidFill>
@@ -2193,7 +2193,7 @@
                 </a:solidFill>
               </a:rPr>
               <a:pPr/>
-              <a:t>2022-09-22</a:t>
+              <a:t>2022-09-23</a:t>
             </a:fld>
             <a:endParaRPr lang="ko-KR" altLang="en-US" dirty="0">
               <a:solidFill>
@@ -2338,7 +2338,7 @@
                 </a:solidFill>
               </a:rPr>
               <a:pPr/>
-              <a:t>2022-09-22</a:t>
+              <a:t>2022-09-23</a:t>
             </a:fld>
             <a:endParaRPr lang="ko-KR" altLang="en-US" dirty="0">
               <a:solidFill>
@@ -2681,7 +2681,7 @@
                 </a:solidFill>
               </a:rPr>
               <a:pPr/>
-              <a:t>2022-09-22</a:t>
+              <a:t>2022-09-23</a:t>
             </a:fld>
             <a:endParaRPr lang="ko-KR" altLang="en-US" dirty="0">
               <a:solidFill>
@@ -3001,7 +3001,7 @@
                 </a:solidFill>
               </a:rPr>
               <a:pPr/>
-              <a:t>2022-09-22</a:t>
+              <a:t>2022-09-23</a:t>
             </a:fld>
             <a:endParaRPr lang="ko-KR" altLang="en-US" dirty="0">
               <a:solidFill>
@@ -3274,7 +3274,7 @@
                 </a:solidFill>
               </a:rPr>
               <a:pPr/>
-              <a:t>2022-09-22</a:t>
+              <a:t>2022-09-23</a:t>
             </a:fld>
             <a:endParaRPr lang="ko-KR" altLang="en-US" dirty="0">
               <a:solidFill>
@@ -13051,7 +13051,7 @@
           <p:nvPr>
             <p:extLst>
               <p:ext uri="{D42A27DB-BD31-4B8C-83A1-F6EECF244321}">
-                <p14:modId xmlns:p14="http://schemas.microsoft.com/office/powerpoint/2010/main" val="4255755352"/>
+                <p14:modId xmlns:p14="http://schemas.microsoft.com/office/powerpoint/2010/main" val="12141581"/>
               </p:ext>
             </p:extLst>
           </p:nvPr>
@@ -13096,7 +13096,14 @@
                     <a:lstStyle/>
                     <a:p>
                       <a:pPr algn="ctr" latinLnBrk="1"/>
-                      <a:endParaRPr lang="ko-KR" altLang="en-US" dirty="0"/>
+                      <a:r>
+                        <a:rPr lang="en-US" altLang="ko-KR" dirty="0"/>
+                        <a:t>1</a:t>
+                      </a:r>
+                      <a:r>
+                        <a:rPr lang="ko-KR" altLang="en-US" dirty="0"/>
+                        <a:t>주차</a:t>
+                      </a:r>
                     </a:p>
                   </a:txBody>
                   <a:tcPr/>
@@ -13136,7 +13143,15 @@
                     <a:lstStyle/>
                     <a:p>
                       <a:pPr algn="ctr" latinLnBrk="1"/>
-                      <a:endParaRPr lang="ko-KR" altLang="en-US" dirty="0"/>
+                      <a:r>
+                        <a:rPr lang="en-US" altLang="ko-KR" dirty="0"/>
+                        <a:t>2</a:t>
+                      </a:r>
+                      <a:r>
+                        <a:rPr lang="ko-KR" altLang="en-US" dirty="0"/>
+                        <a:t>주차</a:t>
+                      </a:r>
+                      <a:endParaRPr lang="en-US" altLang="ko-KR" dirty="0"/>
                     </a:p>
                   </a:txBody>
                   <a:tcPr/>
@@ -13176,7 +13191,14 @@
                     <a:lstStyle/>
                     <a:p>
                       <a:pPr algn="ctr" latinLnBrk="1"/>
-                      <a:endParaRPr lang="ko-KR" altLang="en-US" dirty="0"/>
+                      <a:r>
+                        <a:rPr lang="en-US" altLang="ko-KR" dirty="0"/>
+                        <a:t>3</a:t>
+                      </a:r>
+                      <a:r>
+                        <a:rPr lang="ko-KR" altLang="en-US" dirty="0"/>
+                        <a:t>주차</a:t>
+                      </a:r>
                     </a:p>
                   </a:txBody>
                   <a:tcPr/>
@@ -13216,7 +13238,14 @@
                     <a:lstStyle/>
                     <a:p>
                       <a:pPr algn="ctr" latinLnBrk="1"/>
-                      <a:endParaRPr lang="ko-KR" altLang="en-US"/>
+                      <a:r>
+                        <a:rPr lang="en-US" altLang="ko-KR" dirty="0"/>
+                        <a:t>4</a:t>
+                      </a:r>
+                      <a:r>
+                        <a:rPr lang="ko-KR" altLang="en-US" dirty="0"/>
+                        <a:t>주차</a:t>
+                      </a:r>
                     </a:p>
                   </a:txBody>
                   <a:tcPr/>
@@ -13256,7 +13285,14 @@
                     <a:lstStyle/>
                     <a:p>
                       <a:pPr algn="ctr" latinLnBrk="1"/>
-                      <a:endParaRPr lang="ko-KR" altLang="en-US"/>
+                      <a:r>
+                        <a:rPr lang="en-US" altLang="ko-KR" dirty="0"/>
+                        <a:t>5</a:t>
+                      </a:r>
+                      <a:r>
+                        <a:rPr lang="ko-KR" altLang="en-US" dirty="0"/>
+                        <a:t>주차</a:t>
+                      </a:r>
                     </a:p>
                   </a:txBody>
                   <a:tcPr/>
@@ -13296,7 +13332,14 @@
                     <a:lstStyle/>
                     <a:p>
                       <a:pPr algn="ctr" latinLnBrk="1"/>
-                      <a:endParaRPr lang="ko-KR" altLang="en-US"/>
+                      <a:r>
+                        <a:rPr lang="en-US" altLang="ko-KR" dirty="0"/>
+                        <a:t>6</a:t>
+                      </a:r>
+                      <a:r>
+                        <a:rPr lang="ko-KR" altLang="en-US" dirty="0"/>
+                        <a:t>주차</a:t>
+                      </a:r>
                     </a:p>
                   </a:txBody>
                   <a:tcPr/>
@@ -13336,7 +13379,14 @@
                     <a:lstStyle/>
                     <a:p>
                       <a:pPr algn="ctr" latinLnBrk="1"/>
-                      <a:endParaRPr lang="ko-KR" altLang="en-US"/>
+                      <a:r>
+                        <a:rPr lang="en-US" altLang="ko-KR" dirty="0"/>
+                        <a:t>7</a:t>
+                      </a:r>
+                      <a:r>
+                        <a:rPr lang="ko-KR" altLang="en-US" dirty="0"/>
+                        <a:t>주차</a:t>
+                      </a:r>
                     </a:p>
                   </a:txBody>
                   <a:tcPr/>
@@ -13376,7 +13426,14 @@
                     <a:lstStyle/>
                     <a:p>
                       <a:pPr algn="ctr" latinLnBrk="1"/>
-                      <a:endParaRPr lang="ko-KR" altLang="en-US"/>
+                      <a:r>
+                        <a:rPr lang="en-US" altLang="ko-KR" dirty="0"/>
+                        <a:t>8</a:t>
+                      </a:r>
+                      <a:r>
+                        <a:rPr lang="ko-KR" altLang="en-US" dirty="0"/>
+                        <a:t>주차</a:t>
+                      </a:r>
                     </a:p>
                   </a:txBody>
                   <a:tcPr/>
@@ -13416,7 +13473,14 @@
                     <a:lstStyle/>
                     <a:p>
                       <a:pPr algn="ctr" latinLnBrk="1"/>
-                      <a:endParaRPr lang="ko-KR" altLang="en-US"/>
+                      <a:r>
+                        <a:rPr lang="en-US" altLang="ko-KR" dirty="0"/>
+                        <a:t>9</a:t>
+                      </a:r>
+                      <a:r>
+                        <a:rPr lang="ko-KR" altLang="en-US" dirty="0"/>
+                        <a:t>주차</a:t>
+                      </a:r>
                     </a:p>
                   </a:txBody>
                   <a:tcPr/>
@@ -13456,7 +13520,14 @@
                     <a:lstStyle/>
                     <a:p>
                       <a:pPr algn="ctr" latinLnBrk="1"/>
-                      <a:endParaRPr lang="ko-KR" altLang="en-US"/>
+                      <a:r>
+                        <a:rPr lang="en-US" altLang="ko-KR"/>
+                        <a:t>10</a:t>
+                      </a:r>
+                      <a:r>
+                        <a:rPr lang="ko-KR" altLang="en-US"/>
+                        <a:t>주차</a:t>
+                      </a:r>
                     </a:p>
                   </a:txBody>
                   <a:tcPr/>

--- a/프로젝트1차/프로젝트 1차 발표 ppt.pptx
+++ b/프로젝트1차/프로젝트 1차 발표 ppt.pptx
@@ -272,7 +272,7 @@
                 </a:solidFill>
               </a:rPr>
               <a:pPr/>
-              <a:t>2022-09-23</a:t>
+              <a:t>2022-09-24</a:t>
             </a:fld>
             <a:endParaRPr lang="ko-KR" altLang="en-US" dirty="0">
               <a:solidFill>
@@ -502,7 +502,7 @@
                 </a:solidFill>
               </a:rPr>
               <a:pPr/>
-              <a:t>2022-09-23</a:t>
+              <a:t>2022-09-24</a:t>
             </a:fld>
             <a:endParaRPr lang="ko-KR" altLang="en-US" dirty="0">
               <a:solidFill>
@@ -742,7 +742,7 @@
                 </a:solidFill>
               </a:rPr>
               <a:pPr/>
-              <a:t>2022-09-23</a:t>
+              <a:t>2022-09-24</a:t>
             </a:fld>
             <a:endParaRPr lang="ko-KR" altLang="en-US" dirty="0">
               <a:solidFill>
@@ -972,7 +972,7 @@
                 </a:solidFill>
               </a:rPr>
               <a:pPr/>
-              <a:t>2022-09-23</a:t>
+              <a:t>2022-09-24</a:t>
             </a:fld>
             <a:endParaRPr lang="ko-KR" altLang="en-US" dirty="0">
               <a:solidFill>
@@ -1279,7 +1279,7 @@
                 </a:solidFill>
               </a:rPr>
               <a:pPr/>
-              <a:t>2022-09-23</a:t>
+              <a:t>2022-09-24</a:t>
             </a:fld>
             <a:endParaRPr lang="ko-KR" altLang="en-US" dirty="0">
               <a:solidFill>
@@ -1576,7 +1576,7 @@
                 </a:solidFill>
               </a:rPr>
               <a:pPr/>
-              <a:t>2022-09-23</a:t>
+              <a:t>2022-09-24</a:t>
             </a:fld>
             <a:endParaRPr lang="ko-KR" altLang="en-US" dirty="0">
               <a:solidFill>
@@ -2020,7 +2020,7 @@
                 </a:solidFill>
               </a:rPr>
               <a:pPr/>
-              <a:t>2022-09-23</a:t>
+              <a:t>2022-09-24</a:t>
             </a:fld>
             <a:endParaRPr lang="ko-KR" altLang="en-US" dirty="0">
               <a:solidFill>
@@ -2193,7 +2193,7 @@
                 </a:solidFill>
               </a:rPr>
               <a:pPr/>
-              <a:t>2022-09-23</a:t>
+              <a:t>2022-09-24</a:t>
             </a:fld>
             <a:endParaRPr lang="ko-KR" altLang="en-US" dirty="0">
               <a:solidFill>
@@ -2338,7 +2338,7 @@
                 </a:solidFill>
               </a:rPr>
               <a:pPr/>
-              <a:t>2022-09-23</a:t>
+              <a:t>2022-09-24</a:t>
             </a:fld>
             <a:endParaRPr lang="ko-KR" altLang="en-US" dirty="0">
               <a:solidFill>
@@ -2681,7 +2681,7 @@
                 </a:solidFill>
               </a:rPr>
               <a:pPr/>
-              <a:t>2022-09-23</a:t>
+              <a:t>2022-09-24</a:t>
             </a:fld>
             <a:endParaRPr lang="ko-KR" altLang="en-US" dirty="0">
               <a:solidFill>
@@ -3001,7 +3001,7 @@
                 </a:solidFill>
               </a:rPr>
               <a:pPr/>
-              <a:t>2022-09-23</a:t>
+              <a:t>2022-09-24</a:t>
             </a:fld>
             <a:endParaRPr lang="ko-KR" altLang="en-US" dirty="0">
               <a:solidFill>
@@ -3274,7 +3274,7 @@
                 </a:solidFill>
               </a:rPr>
               <a:pPr/>
-              <a:t>2022-09-23</a:t>
+              <a:t>2022-09-24</a:t>
             </a:fld>
             <a:endParaRPr lang="ko-KR" altLang="en-US" dirty="0">
               <a:solidFill>
@@ -5457,6 +5457,188 @@
           </a:extLst>
         </p:spPr>
       </p:pic>
+      <p:sp>
+        <p:nvSpPr>
+          <p:cNvPr id="5" name="직사각형 4">
+            <a:extLst>
+              <a:ext uri="{FF2B5EF4-FFF2-40B4-BE49-F238E27FC236}">
+                <a16:creationId xmlns:a16="http://schemas.microsoft.com/office/drawing/2014/main" id="{06DD3537-0DD4-D3DF-1A0A-8260C08E0649}"/>
+              </a:ext>
+            </a:extLst>
+          </p:cNvPr>
+          <p:cNvSpPr/>
+          <p:nvPr/>
+        </p:nvSpPr>
+        <p:spPr>
+          <a:xfrm>
+            <a:off x="526966" y="6102278"/>
+            <a:ext cx="4944532" cy="414024"/>
+          </a:xfrm>
+          <a:prstGeom prst="rect">
+            <a:avLst/>
+          </a:prstGeom>
+        </p:spPr>
+        <p:txBody>
+          <a:bodyPr wrap="square">
+            <a:spAutoFit/>
+          </a:bodyPr>
+          <a:lstStyle/>
+          <a:p>
+            <a:pPr marL="0" marR="0" lvl="0" indent="0" algn="ctr" defTabSz="914400" rtl="0" eaLnBrk="1" fontAlgn="auto" latinLnBrk="1" hangingPunct="1">
+              <a:lnSpc>
+                <a:spcPct val="150000"/>
+              </a:lnSpc>
+              <a:spcBef>
+                <a:spcPts val="0"/>
+              </a:spcBef>
+              <a:spcAft>
+                <a:spcPts val="0"/>
+              </a:spcAft>
+              <a:buClrTx/>
+              <a:buSzTx/>
+              <a:buFontTx/>
+              <a:buNone/>
+              <a:tabLst/>
+              <a:defRPr/>
+            </a:pPr>
+            <a:r>
+              <a:rPr kumimoji="0" lang="en-US" altLang="ko-KR" sz="1600" b="0" i="0" u="none" strike="noStrike" kern="1200" cap="none" spc="0" normalizeH="0" baseline="0" noProof="0" dirty="0">
+                <a:ln>
+                  <a:noFill/>
+                </a:ln>
+                <a:effectLst/>
+                <a:uLnTx/>
+                <a:uFillTx/>
+                <a:latin typeface="강한공군체 Medium" panose="020B0600000101010101" pitchFamily="34" charset="-127"/>
+                <a:ea typeface="강한공군체 Medium" panose="020B0600000101010101" pitchFamily="34" charset="-127"/>
+              </a:rPr>
+              <a:t>https://www.youtube.com/watch?v=3MM3F0YcMJM</a:t>
+            </a:r>
+            <a:endParaRPr kumimoji="0" lang="ko-KR" altLang="en-US" sz="1600" b="0" i="0" u="none" strike="noStrike" kern="1200" cap="none" spc="0" normalizeH="0" baseline="0" noProof="0" dirty="0">
+              <a:ln>
+                <a:noFill/>
+              </a:ln>
+              <a:effectLst/>
+              <a:uLnTx/>
+              <a:uFillTx/>
+              <a:latin typeface="강한공군체 Medium" panose="020B0600000101010101" pitchFamily="34" charset="-127"/>
+              <a:ea typeface="강한공군체 Medium" panose="020B0600000101010101" pitchFamily="34" charset="-127"/>
+            </a:endParaRPr>
+          </a:p>
+        </p:txBody>
+      </p:sp>
+      <p:sp>
+        <p:nvSpPr>
+          <p:cNvPr id="9" name="TextBox 8">
+            <a:extLst>
+              <a:ext uri="{FF2B5EF4-FFF2-40B4-BE49-F238E27FC236}">
+                <a16:creationId xmlns:a16="http://schemas.microsoft.com/office/drawing/2014/main" id="{513B1154-CE39-AF9A-CB6C-0BB8EFD51E31}"/>
+              </a:ext>
+            </a:extLst>
+          </p:cNvPr>
+          <p:cNvSpPr txBox="1"/>
+          <p:nvPr/>
+        </p:nvSpPr>
+        <p:spPr>
+          <a:xfrm>
+            <a:off x="3785937" y="1748589"/>
+            <a:ext cx="5518484" cy="1477328"/>
+          </a:xfrm>
+          <a:prstGeom prst="rect">
+            <a:avLst/>
+          </a:prstGeom>
+          <a:noFill/>
+        </p:spPr>
+        <p:txBody>
+          <a:bodyPr wrap="square" rtlCol="0">
+            <a:spAutoFit/>
+          </a:bodyPr>
+          <a:lstStyle/>
+          <a:p>
+            <a:r>
+              <a:rPr lang="ko-KR" altLang="en-US" dirty="0"/>
+              <a:t>장르</a:t>
+            </a:r>
+            <a:r>
+              <a:rPr lang="en-US" altLang="ko-KR" dirty="0"/>
+              <a:t>: </a:t>
+            </a:r>
+            <a:r>
+              <a:rPr lang="ko-KR" altLang="en-US" dirty="0" err="1"/>
+              <a:t>메트로배니아</a:t>
+            </a:r>
+            <a:r>
+              <a:rPr lang="ko-KR" altLang="en-US" dirty="0"/>
+              <a:t> </a:t>
+            </a:r>
+            <a:r>
+              <a:rPr lang="en-US" altLang="ko-KR" dirty="0"/>
+              <a:t>(</a:t>
+            </a:r>
+            <a:r>
+              <a:rPr lang="ko-KR" altLang="en-US" dirty="0" err="1"/>
+              <a:t>메트로이드</a:t>
+            </a:r>
+            <a:r>
+              <a:rPr lang="ko-KR" altLang="en-US" dirty="0"/>
+              <a:t> </a:t>
+            </a:r>
+            <a:r>
+              <a:rPr lang="en-US" altLang="ko-KR" dirty="0"/>
+              <a:t>+ </a:t>
+            </a:r>
+            <a:r>
+              <a:rPr lang="ko-KR" altLang="en-US" dirty="0" err="1"/>
+              <a:t>캐슬배니아</a:t>
+            </a:r>
+            <a:r>
+              <a:rPr lang="en-US" altLang="ko-KR" dirty="0"/>
+              <a:t>)</a:t>
+            </a:r>
+          </a:p>
+          <a:p>
+            <a:r>
+              <a:rPr lang="ko-KR" altLang="en-US" dirty="0" err="1"/>
+              <a:t>메트로이드</a:t>
+            </a:r>
+            <a:r>
+              <a:rPr lang="en-US" altLang="ko-KR" dirty="0"/>
+              <a:t>: </a:t>
+            </a:r>
+            <a:r>
+              <a:rPr lang="ko-KR" altLang="en-US" dirty="0" err="1"/>
+              <a:t>일방형적인</a:t>
+            </a:r>
+            <a:r>
+              <a:rPr lang="ko-KR" altLang="en-US" dirty="0"/>
+              <a:t> 길이 주어진 것이 아닌 다양한 루트로 게임을 진행</a:t>
+            </a:r>
+            <a:endParaRPr lang="en-US" altLang="ko-KR" dirty="0"/>
+          </a:p>
+          <a:p>
+            <a:r>
+              <a:rPr lang="ko-KR" altLang="en-US" dirty="0" err="1"/>
+              <a:t>캐슬배니아</a:t>
+            </a:r>
+            <a:r>
+              <a:rPr lang="en-US" altLang="ko-KR" dirty="0"/>
+              <a:t>: </a:t>
+            </a:r>
+            <a:r>
+              <a:rPr lang="ko-KR" altLang="en-US" dirty="0" err="1"/>
+              <a:t>맵의</a:t>
+            </a:r>
+            <a:r>
+              <a:rPr lang="ko-KR" altLang="en-US" dirty="0"/>
+              <a:t> 탐험요소를 가미한 것</a:t>
+            </a:r>
+            <a:endParaRPr lang="en-US" altLang="ko-KR" dirty="0"/>
+          </a:p>
+          <a:p>
+            <a:endParaRPr lang="ko-KR" altLang="en-US" dirty="0"/>
+          </a:p>
+        </p:txBody>
+      </p:sp>
     </p:spTree>
     <p:extLst>
       <p:ext uri="{BB962C8B-B14F-4D97-AF65-F5344CB8AC3E}">
@@ -13051,7 +13233,7 @@
           <p:nvPr>
             <p:extLst>
               <p:ext uri="{D42A27DB-BD31-4B8C-83A1-F6EECF244321}">
-                <p14:modId xmlns:p14="http://schemas.microsoft.com/office/powerpoint/2010/main" val="12141581"/>
+                <p14:modId xmlns:p14="http://schemas.microsoft.com/office/powerpoint/2010/main" val="381497113"/>
               </p:ext>
             </p:extLst>
           </p:nvPr>
@@ -13064,7 +13246,7 @@
           <a:graphicData uri="http://schemas.openxmlformats.org/drawingml/2006/table">
             <a:tbl>
               <a:tblPr firstRow="1" bandRow="1">
-                <a:tableStyleId>{22838BEF-8BB2-4498-84A7-C5851F593DF1}</a:tableStyleId>
+                <a:tableStyleId>{5940675A-B579-460E-94D1-54222C63F5DA}</a:tableStyleId>
               </a:tblPr>
               <a:tblGrid>
                 <a:gridCol w="1574800">
@@ -13397,7 +13579,7 @@
                     <a:lstStyle/>
                     <a:p>
                       <a:pPr algn="ctr" latinLnBrk="1"/>
-                      <a:endParaRPr lang="ko-KR" altLang="en-US"/>
+                      <a:endParaRPr lang="ko-KR" altLang="en-US" dirty="0"/>
                     </a:p>
                   </a:txBody>
                   <a:tcPr/>

--- a/프로젝트1차/프로젝트 1차 발표 ppt.pptx
+++ b/프로젝트1차/프로젝트 1차 발표 ppt.pptx
@@ -4,14 +4,16 @@
   <p:sldMasterIdLst>
     <p:sldMasterId id="2147483660" r:id="rId1"/>
   </p:sldMasterIdLst>
+  <p:notesMasterIdLst>
+    <p:notesMasterId r:id="rId8"/>
+  </p:notesMasterIdLst>
   <p:sldIdLst>
     <p:sldId id="265" r:id="rId2"/>
-    <p:sldId id="266" r:id="rId3"/>
-    <p:sldId id="271" r:id="rId4"/>
-    <p:sldId id="267" r:id="rId5"/>
-    <p:sldId id="268" r:id="rId6"/>
-    <p:sldId id="269" r:id="rId7"/>
-    <p:sldId id="270" r:id="rId8"/>
+    <p:sldId id="272" r:id="rId3"/>
+    <p:sldId id="267" r:id="rId4"/>
+    <p:sldId id="268" r:id="rId5"/>
+    <p:sldId id="269" r:id="rId6"/>
+    <p:sldId id="270" r:id="rId7"/>
   </p:sldIdLst>
   <p:sldSz cx="12192000" cy="6858000"/>
   <p:notesSz cx="6858000" cy="9144000"/>
@@ -116,6 +118,564 @@
     </p:ext>
   </p:extLst>
 </p:presentation>
+</file>
+
+<file path=ppt/notesMasters/notesMaster1.xml><?xml version="1.0" encoding="utf-8"?>
+<p:notesMaster xmlns:a="http://schemas.openxmlformats.org/drawingml/2006/main" xmlns:r="http://schemas.openxmlformats.org/officeDocument/2006/relationships" xmlns:p="http://schemas.openxmlformats.org/presentationml/2006/main">
+  <p:cSld>
+    <p:bg>
+      <p:bgRef idx="1001">
+        <a:schemeClr val="bg1"/>
+      </p:bgRef>
+    </p:bg>
+    <p:spTree>
+      <p:nvGrpSpPr>
+        <p:cNvPr id="1" name=""/>
+        <p:cNvGrpSpPr/>
+        <p:nvPr/>
+      </p:nvGrpSpPr>
+      <p:grpSpPr>
+        <a:xfrm>
+          <a:off x="0" y="0"/>
+          <a:ext cx="0" cy="0"/>
+          <a:chOff x="0" y="0"/>
+          <a:chExt cx="0" cy="0"/>
+        </a:xfrm>
+      </p:grpSpPr>
+      <p:sp>
+        <p:nvSpPr>
+          <p:cNvPr id="2" name="머리글 개체 틀 1"/>
+          <p:cNvSpPr>
+            <a:spLocks noGrp="1"/>
+          </p:cNvSpPr>
+          <p:nvPr>
+            <p:ph type="hdr" sz="quarter"/>
+          </p:nvPr>
+        </p:nvSpPr>
+        <p:spPr>
+          <a:xfrm>
+            <a:off x="0" y="0"/>
+            <a:ext cx="2971800" cy="458788"/>
+          </a:xfrm>
+          <a:prstGeom prst="rect">
+            <a:avLst/>
+          </a:prstGeom>
+        </p:spPr>
+        <p:txBody>
+          <a:bodyPr vert="horz" lIns="91440" tIns="45720" rIns="91440" bIns="45720" rtlCol="0"/>
+          <a:lstStyle>
+            <a:lvl1pPr algn="l">
+              <a:defRPr sz="1200"/>
+            </a:lvl1pPr>
+          </a:lstStyle>
+          <a:p>
+            <a:endParaRPr lang="ko-KR" altLang="en-US"/>
+          </a:p>
+        </p:txBody>
+      </p:sp>
+      <p:sp>
+        <p:nvSpPr>
+          <p:cNvPr id="3" name="날짜 개체 틀 2"/>
+          <p:cNvSpPr>
+            <a:spLocks noGrp="1"/>
+          </p:cNvSpPr>
+          <p:nvPr>
+            <p:ph type="dt" idx="1"/>
+          </p:nvPr>
+        </p:nvSpPr>
+        <p:spPr>
+          <a:xfrm>
+            <a:off x="3884613" y="0"/>
+            <a:ext cx="2971800" cy="458788"/>
+          </a:xfrm>
+          <a:prstGeom prst="rect">
+            <a:avLst/>
+          </a:prstGeom>
+        </p:spPr>
+        <p:txBody>
+          <a:bodyPr vert="horz" lIns="91440" tIns="45720" rIns="91440" bIns="45720" rtlCol="0"/>
+          <a:lstStyle>
+            <a:lvl1pPr algn="r">
+              <a:defRPr sz="1200"/>
+            </a:lvl1pPr>
+          </a:lstStyle>
+          <a:p>
+            <a:fld id="{29FBE7CF-0772-4315-980A-FF22ABF10FF7}" type="datetimeFigureOut">
+              <a:rPr lang="ko-KR" altLang="en-US" smtClean="0"/>
+              <a:t>2022-09-24</a:t>
+            </a:fld>
+            <a:endParaRPr lang="ko-KR" altLang="en-US"/>
+          </a:p>
+        </p:txBody>
+      </p:sp>
+      <p:sp>
+        <p:nvSpPr>
+          <p:cNvPr id="4" name="슬라이드 이미지 개체 틀 3"/>
+          <p:cNvSpPr>
+            <a:spLocks noGrp="1" noRot="1" noChangeAspect="1"/>
+          </p:cNvSpPr>
+          <p:nvPr>
+            <p:ph type="sldImg" idx="2"/>
+          </p:nvPr>
+        </p:nvSpPr>
+        <p:spPr>
+          <a:xfrm>
+            <a:off x="685800" y="1143000"/>
+            <a:ext cx="5486400" cy="3086100"/>
+          </a:xfrm>
+          <a:prstGeom prst="rect">
+            <a:avLst/>
+          </a:prstGeom>
+          <a:noFill/>
+          <a:ln w="12700">
+            <a:solidFill>
+              <a:prstClr val="black"/>
+            </a:solidFill>
+          </a:ln>
+        </p:spPr>
+        <p:txBody>
+          <a:bodyPr vert="horz" lIns="91440" tIns="45720" rIns="91440" bIns="45720" rtlCol="0" anchor="ctr"/>
+          <a:lstStyle/>
+          <a:p>
+            <a:endParaRPr lang="ko-KR" altLang="en-US"/>
+          </a:p>
+        </p:txBody>
+      </p:sp>
+      <p:sp>
+        <p:nvSpPr>
+          <p:cNvPr id="5" name="슬라이드 노트 개체 틀 4"/>
+          <p:cNvSpPr>
+            <a:spLocks noGrp="1"/>
+          </p:cNvSpPr>
+          <p:nvPr>
+            <p:ph type="body" sz="quarter" idx="3"/>
+          </p:nvPr>
+        </p:nvSpPr>
+        <p:spPr>
+          <a:xfrm>
+            <a:off x="685800" y="4400550"/>
+            <a:ext cx="5486400" cy="3600450"/>
+          </a:xfrm>
+          <a:prstGeom prst="rect">
+            <a:avLst/>
+          </a:prstGeom>
+        </p:spPr>
+        <p:txBody>
+          <a:bodyPr vert="horz" lIns="91440" tIns="45720" rIns="91440" bIns="45720" rtlCol="0"/>
+          <a:lstStyle/>
+          <a:p>
+            <a:pPr lvl="0"/>
+            <a:r>
+              <a:rPr lang="ko-KR" altLang="en-US"/>
+              <a:t>마스터 텍스트 스타일을 편집하려면 클릭</a:t>
+            </a:r>
+          </a:p>
+          <a:p>
+            <a:pPr lvl="1"/>
+            <a:r>
+              <a:rPr lang="ko-KR" altLang="en-US"/>
+              <a:t>두 번째 수준</a:t>
+            </a:r>
+          </a:p>
+          <a:p>
+            <a:pPr lvl="2"/>
+            <a:r>
+              <a:rPr lang="ko-KR" altLang="en-US"/>
+              <a:t>세 번째 수준</a:t>
+            </a:r>
+          </a:p>
+          <a:p>
+            <a:pPr lvl="3"/>
+            <a:r>
+              <a:rPr lang="ko-KR" altLang="en-US"/>
+              <a:t>네 번째 수준</a:t>
+            </a:r>
+          </a:p>
+          <a:p>
+            <a:pPr lvl="4"/>
+            <a:r>
+              <a:rPr lang="ko-KR" altLang="en-US"/>
+              <a:t>다섯 번째 수준</a:t>
+            </a:r>
+          </a:p>
+        </p:txBody>
+      </p:sp>
+      <p:sp>
+        <p:nvSpPr>
+          <p:cNvPr id="6" name="바닥글 개체 틀 5"/>
+          <p:cNvSpPr>
+            <a:spLocks noGrp="1"/>
+          </p:cNvSpPr>
+          <p:nvPr>
+            <p:ph type="ftr" sz="quarter" idx="4"/>
+          </p:nvPr>
+        </p:nvSpPr>
+        <p:spPr>
+          <a:xfrm>
+            <a:off x="0" y="8685213"/>
+            <a:ext cx="2971800" cy="458787"/>
+          </a:xfrm>
+          <a:prstGeom prst="rect">
+            <a:avLst/>
+          </a:prstGeom>
+        </p:spPr>
+        <p:txBody>
+          <a:bodyPr vert="horz" lIns="91440" tIns="45720" rIns="91440" bIns="45720" rtlCol="0" anchor="b"/>
+          <a:lstStyle>
+            <a:lvl1pPr algn="l">
+              <a:defRPr sz="1200"/>
+            </a:lvl1pPr>
+          </a:lstStyle>
+          <a:p>
+            <a:endParaRPr lang="ko-KR" altLang="en-US"/>
+          </a:p>
+        </p:txBody>
+      </p:sp>
+      <p:sp>
+        <p:nvSpPr>
+          <p:cNvPr id="7" name="슬라이드 번호 개체 틀 6"/>
+          <p:cNvSpPr>
+            <a:spLocks noGrp="1"/>
+          </p:cNvSpPr>
+          <p:nvPr>
+            <p:ph type="sldNum" sz="quarter" idx="5"/>
+          </p:nvPr>
+        </p:nvSpPr>
+        <p:spPr>
+          <a:xfrm>
+            <a:off x="3884613" y="8685213"/>
+            <a:ext cx="2971800" cy="458787"/>
+          </a:xfrm>
+          <a:prstGeom prst="rect">
+            <a:avLst/>
+          </a:prstGeom>
+        </p:spPr>
+        <p:txBody>
+          <a:bodyPr vert="horz" lIns="91440" tIns="45720" rIns="91440" bIns="45720" rtlCol="0" anchor="b"/>
+          <a:lstStyle>
+            <a:lvl1pPr algn="r">
+              <a:defRPr sz="1200"/>
+            </a:lvl1pPr>
+          </a:lstStyle>
+          <a:p>
+            <a:fld id="{BC931001-C406-4D4F-9846-E4EE1DE8E756}" type="slidenum">
+              <a:rPr lang="ko-KR" altLang="en-US" smtClean="0"/>
+              <a:t>‹#›</a:t>
+            </a:fld>
+            <a:endParaRPr lang="ko-KR" altLang="en-US"/>
+          </a:p>
+        </p:txBody>
+      </p:sp>
+    </p:spTree>
+    <p:extLst>
+      <p:ext uri="{BB962C8B-B14F-4D97-AF65-F5344CB8AC3E}">
+        <p14:creationId xmlns:p14="http://schemas.microsoft.com/office/powerpoint/2010/main" val="3981035802"/>
+      </p:ext>
+    </p:extLst>
+  </p:cSld>
+  <p:clrMap bg1="lt1" tx1="dk1" bg2="lt2" tx2="dk2" accent1="accent1" accent2="accent2" accent3="accent3" accent4="accent4" accent5="accent5" accent6="accent6" hlink="hlink" folHlink="folHlink"/>
+  <p:notesStyle>
+    <a:lvl1pPr marL="0" algn="l" defTabSz="914400" rtl="0" eaLnBrk="1" latinLnBrk="1" hangingPunct="1">
+      <a:defRPr sz="1200" kern="1200">
+        <a:solidFill>
+          <a:schemeClr val="tx1"/>
+        </a:solidFill>
+        <a:latin typeface="+mn-lt"/>
+        <a:ea typeface="+mn-ea"/>
+        <a:cs typeface="+mn-cs"/>
+      </a:defRPr>
+    </a:lvl1pPr>
+    <a:lvl2pPr marL="457200" algn="l" defTabSz="914400" rtl="0" eaLnBrk="1" latinLnBrk="1" hangingPunct="1">
+      <a:defRPr sz="1200" kern="1200">
+        <a:solidFill>
+          <a:schemeClr val="tx1"/>
+        </a:solidFill>
+        <a:latin typeface="+mn-lt"/>
+        <a:ea typeface="+mn-ea"/>
+        <a:cs typeface="+mn-cs"/>
+      </a:defRPr>
+    </a:lvl2pPr>
+    <a:lvl3pPr marL="914400" algn="l" defTabSz="914400" rtl="0" eaLnBrk="1" latinLnBrk="1" hangingPunct="1">
+      <a:defRPr sz="1200" kern="1200">
+        <a:solidFill>
+          <a:schemeClr val="tx1"/>
+        </a:solidFill>
+        <a:latin typeface="+mn-lt"/>
+        <a:ea typeface="+mn-ea"/>
+        <a:cs typeface="+mn-cs"/>
+      </a:defRPr>
+    </a:lvl3pPr>
+    <a:lvl4pPr marL="1371600" algn="l" defTabSz="914400" rtl="0" eaLnBrk="1" latinLnBrk="1" hangingPunct="1">
+      <a:defRPr sz="1200" kern="1200">
+        <a:solidFill>
+          <a:schemeClr val="tx1"/>
+        </a:solidFill>
+        <a:latin typeface="+mn-lt"/>
+        <a:ea typeface="+mn-ea"/>
+        <a:cs typeface="+mn-cs"/>
+      </a:defRPr>
+    </a:lvl4pPr>
+    <a:lvl5pPr marL="1828800" algn="l" defTabSz="914400" rtl="0" eaLnBrk="1" latinLnBrk="1" hangingPunct="1">
+      <a:defRPr sz="1200" kern="1200">
+        <a:solidFill>
+          <a:schemeClr val="tx1"/>
+        </a:solidFill>
+        <a:latin typeface="+mn-lt"/>
+        <a:ea typeface="+mn-ea"/>
+        <a:cs typeface="+mn-cs"/>
+      </a:defRPr>
+    </a:lvl5pPr>
+    <a:lvl6pPr marL="2286000" algn="l" defTabSz="914400" rtl="0" eaLnBrk="1" latinLnBrk="1" hangingPunct="1">
+      <a:defRPr sz="1200" kern="1200">
+        <a:solidFill>
+          <a:schemeClr val="tx1"/>
+        </a:solidFill>
+        <a:latin typeface="+mn-lt"/>
+        <a:ea typeface="+mn-ea"/>
+        <a:cs typeface="+mn-cs"/>
+      </a:defRPr>
+    </a:lvl6pPr>
+    <a:lvl7pPr marL="2743200" algn="l" defTabSz="914400" rtl="0" eaLnBrk="1" latinLnBrk="1" hangingPunct="1">
+      <a:defRPr sz="1200" kern="1200">
+        <a:solidFill>
+          <a:schemeClr val="tx1"/>
+        </a:solidFill>
+        <a:latin typeface="+mn-lt"/>
+        <a:ea typeface="+mn-ea"/>
+        <a:cs typeface="+mn-cs"/>
+      </a:defRPr>
+    </a:lvl7pPr>
+    <a:lvl8pPr marL="3200400" algn="l" defTabSz="914400" rtl="0" eaLnBrk="1" latinLnBrk="1" hangingPunct="1">
+      <a:defRPr sz="1200" kern="1200">
+        <a:solidFill>
+          <a:schemeClr val="tx1"/>
+        </a:solidFill>
+        <a:latin typeface="+mn-lt"/>
+        <a:ea typeface="+mn-ea"/>
+        <a:cs typeface="+mn-cs"/>
+      </a:defRPr>
+    </a:lvl8pPr>
+    <a:lvl9pPr marL="3657600" algn="l" defTabSz="914400" rtl="0" eaLnBrk="1" latinLnBrk="1" hangingPunct="1">
+      <a:defRPr sz="1200" kern="1200">
+        <a:solidFill>
+          <a:schemeClr val="tx1"/>
+        </a:solidFill>
+        <a:latin typeface="+mn-lt"/>
+        <a:ea typeface="+mn-ea"/>
+        <a:cs typeface="+mn-cs"/>
+      </a:defRPr>
+    </a:lvl9pPr>
+  </p:notesStyle>
+</p:notesMaster>
+</file>
+
+<file path=ppt/notesSlides/notesSlide1.xml><?xml version="1.0" encoding="utf-8"?>
+<p:notes xmlns:a="http://schemas.openxmlformats.org/drawingml/2006/main" xmlns:r="http://schemas.openxmlformats.org/officeDocument/2006/relationships" xmlns:p="http://schemas.openxmlformats.org/presentationml/2006/main">
+  <p:cSld>
+    <p:spTree>
+      <p:nvGrpSpPr>
+        <p:cNvPr id="1" name=""/>
+        <p:cNvGrpSpPr/>
+        <p:nvPr/>
+      </p:nvGrpSpPr>
+      <p:grpSpPr>
+        <a:xfrm>
+          <a:off x="0" y="0"/>
+          <a:ext cx="0" cy="0"/>
+          <a:chOff x="0" y="0"/>
+          <a:chExt cx="0" cy="0"/>
+        </a:xfrm>
+      </p:grpSpPr>
+      <p:sp>
+        <p:nvSpPr>
+          <p:cNvPr id="2" name="슬라이드 이미지 개체 틀 1"/>
+          <p:cNvSpPr>
+            <a:spLocks noGrp="1" noRot="1" noChangeAspect="1"/>
+          </p:cNvSpPr>
+          <p:nvPr>
+            <p:ph type="sldImg"/>
+          </p:nvPr>
+        </p:nvSpPr>
+        <p:spPr/>
+      </p:sp>
+      <p:sp>
+        <p:nvSpPr>
+          <p:cNvPr id="3" name="슬라이드 노트 개체 틀 2"/>
+          <p:cNvSpPr>
+            <a:spLocks noGrp="1"/>
+          </p:cNvSpPr>
+          <p:nvPr>
+            <p:ph type="body" idx="1"/>
+          </p:nvPr>
+        </p:nvSpPr>
+        <p:spPr/>
+        <p:txBody>
+          <a:bodyPr/>
+          <a:lstStyle/>
+          <a:p>
+            <a:r>
+              <a:rPr lang="ko-KR" altLang="en-US" sz="1200" dirty="0" err="1">
+                <a:latin typeface="한컴 말랑말랑 Bold" panose="020F0803000000000000" pitchFamily="50" charset="-127"/>
+                <a:ea typeface="한컴 말랑말랑 Bold" panose="020F0803000000000000" pitchFamily="50" charset="-127"/>
+              </a:rPr>
+              <a:t>메트로이드</a:t>
+            </a:r>
+            <a:r>
+              <a:rPr lang="en-US" altLang="ko-KR" sz="1200" dirty="0">
+                <a:latin typeface="한컴 말랑말랑 Bold" panose="020F0803000000000000" pitchFamily="50" charset="-127"/>
+                <a:ea typeface="한컴 말랑말랑 Bold" panose="020F0803000000000000" pitchFamily="50" charset="-127"/>
+              </a:rPr>
+              <a:t>: </a:t>
+            </a:r>
+            <a:r>
+              <a:rPr lang="ko-KR" altLang="en-US" sz="1200" dirty="0" err="1">
+                <a:latin typeface="한컴 말랑말랑 Bold" panose="020F0803000000000000" pitchFamily="50" charset="-127"/>
+                <a:ea typeface="한컴 말랑말랑 Bold" panose="020F0803000000000000" pitchFamily="50" charset="-127"/>
+              </a:rPr>
+              <a:t>일방형적인</a:t>
+            </a:r>
+            <a:r>
+              <a:rPr lang="ko-KR" altLang="en-US" sz="1200" dirty="0">
+                <a:latin typeface="한컴 말랑말랑 Bold" panose="020F0803000000000000" pitchFamily="50" charset="-127"/>
+                <a:ea typeface="한컴 말랑말랑 Bold" panose="020F0803000000000000" pitchFamily="50" charset="-127"/>
+              </a:rPr>
+              <a:t> 길이 주어진 것이 아닌 다양한 루트로 게임을 진행</a:t>
+            </a:r>
+            <a:endParaRPr lang="en-US" altLang="ko-KR" sz="1200" dirty="0">
+              <a:latin typeface="한컴 말랑말랑 Bold" panose="020F0803000000000000" pitchFamily="50" charset="-127"/>
+              <a:ea typeface="한컴 말랑말랑 Bold" panose="020F0803000000000000" pitchFamily="50" charset="-127"/>
+            </a:endParaRPr>
+          </a:p>
+          <a:p>
+            <a:r>
+              <a:rPr lang="ko-KR" altLang="en-US" sz="1200" dirty="0" err="1">
+                <a:latin typeface="한컴 말랑말랑 Bold" panose="020F0803000000000000" pitchFamily="50" charset="-127"/>
+                <a:ea typeface="한컴 말랑말랑 Bold" panose="020F0803000000000000" pitchFamily="50" charset="-127"/>
+              </a:rPr>
+              <a:t>캐슬배니아</a:t>
+            </a:r>
+            <a:r>
+              <a:rPr lang="en-US" altLang="ko-KR" sz="1200" dirty="0">
+                <a:latin typeface="한컴 말랑말랑 Bold" panose="020F0803000000000000" pitchFamily="50" charset="-127"/>
+                <a:ea typeface="한컴 말랑말랑 Bold" panose="020F0803000000000000" pitchFamily="50" charset="-127"/>
+              </a:rPr>
+              <a:t>: </a:t>
+            </a:r>
+            <a:r>
+              <a:rPr lang="ko-KR" altLang="en-US" sz="1200" dirty="0" err="1">
+                <a:latin typeface="한컴 말랑말랑 Bold" panose="020F0803000000000000" pitchFamily="50" charset="-127"/>
+                <a:ea typeface="한컴 말랑말랑 Bold" panose="020F0803000000000000" pitchFamily="50" charset="-127"/>
+              </a:rPr>
+              <a:t>맵의</a:t>
+            </a:r>
+            <a:r>
+              <a:rPr lang="ko-KR" altLang="en-US" sz="1200" dirty="0">
+                <a:latin typeface="한컴 말랑말랑 Bold" panose="020F0803000000000000" pitchFamily="50" charset="-127"/>
+                <a:ea typeface="한컴 말랑말랑 Bold" panose="020F0803000000000000" pitchFamily="50" charset="-127"/>
+              </a:rPr>
+              <a:t> 탐험요소를 가미한 것</a:t>
+            </a:r>
+            <a:endParaRPr lang="en-US" altLang="ko-KR" sz="1200" dirty="0">
+              <a:latin typeface="한컴 말랑말랑 Bold" panose="020F0803000000000000" pitchFamily="50" charset="-127"/>
+              <a:ea typeface="한컴 말랑말랑 Bold" panose="020F0803000000000000" pitchFamily="50" charset="-127"/>
+            </a:endParaRPr>
+          </a:p>
+        </p:txBody>
+      </p:sp>
+      <p:sp>
+        <p:nvSpPr>
+          <p:cNvPr id="4" name="슬라이드 번호 개체 틀 3"/>
+          <p:cNvSpPr>
+            <a:spLocks noGrp="1"/>
+          </p:cNvSpPr>
+          <p:nvPr>
+            <p:ph type="sldNum" sz="quarter" idx="5"/>
+          </p:nvPr>
+        </p:nvSpPr>
+        <p:spPr/>
+        <p:txBody>
+          <a:bodyPr/>
+          <a:lstStyle/>
+          <a:p>
+            <a:pPr marL="0" marR="0" lvl="0" indent="0" algn="r" defTabSz="914400" rtl="0" eaLnBrk="1" fontAlgn="auto" latinLnBrk="1" hangingPunct="1">
+              <a:lnSpc>
+                <a:spcPct val="100000"/>
+              </a:lnSpc>
+              <a:spcBef>
+                <a:spcPts val="0"/>
+              </a:spcBef>
+              <a:spcAft>
+                <a:spcPts val="0"/>
+              </a:spcAft>
+              <a:buClrTx/>
+              <a:buSzTx/>
+              <a:buFontTx/>
+              <a:buNone/>
+              <a:tabLst/>
+              <a:defRPr/>
+            </a:pPr>
+            <a:fld id="{BC931001-C406-4D4F-9846-E4EE1DE8E756}" type="slidenum">
+              <a:rPr kumimoji="0" lang="ko-KR" altLang="en-US" sz="1200" b="0" i="0" u="none" strike="noStrike" kern="1200" cap="none" spc="0" normalizeH="0" baseline="0" noProof="0" smtClean="0">
+                <a:ln>
+                  <a:noFill/>
+                </a:ln>
+                <a:solidFill>
+                  <a:prstClr val="black"/>
+                </a:solidFill>
+                <a:effectLst/>
+                <a:uLnTx/>
+                <a:uFillTx/>
+                <a:latin typeface="맑은 고딕" panose="020F0502020204030204"/>
+                <a:ea typeface="맑은 고딕" panose="020B0503020000020004" pitchFamily="50" charset="-127"/>
+                <a:cs typeface="+mn-cs"/>
+              </a:rPr>
+              <a:pPr marL="0" marR="0" lvl="0" indent="0" algn="r" defTabSz="914400" rtl="0" eaLnBrk="1" fontAlgn="auto" latinLnBrk="1" hangingPunct="1">
+                <a:lnSpc>
+                  <a:spcPct val="100000"/>
+                </a:lnSpc>
+                <a:spcBef>
+                  <a:spcPts val="0"/>
+                </a:spcBef>
+                <a:spcAft>
+                  <a:spcPts val="0"/>
+                </a:spcAft>
+                <a:buClrTx/>
+                <a:buSzTx/>
+                <a:buFontTx/>
+                <a:buNone/>
+                <a:tabLst/>
+                <a:defRPr/>
+              </a:pPr>
+              <a:t>2</a:t>
+            </a:fld>
+            <a:endParaRPr kumimoji="0" lang="ko-KR" altLang="en-US" sz="1200" b="0" i="0" u="none" strike="noStrike" kern="1200" cap="none" spc="0" normalizeH="0" baseline="0" noProof="0">
+              <a:ln>
+                <a:noFill/>
+              </a:ln>
+              <a:solidFill>
+                <a:prstClr val="black"/>
+              </a:solidFill>
+              <a:effectLst/>
+              <a:uLnTx/>
+              <a:uFillTx/>
+              <a:latin typeface="맑은 고딕" panose="020F0502020204030204"/>
+              <a:ea typeface="맑은 고딕" panose="020B0503020000020004" pitchFamily="50" charset="-127"/>
+              <a:cs typeface="+mn-cs"/>
+            </a:endParaRPr>
+          </a:p>
+        </p:txBody>
+      </p:sp>
+    </p:spTree>
+    <p:extLst>
+      <p:ext uri="{BB962C8B-B14F-4D97-AF65-F5344CB8AC3E}">
+        <p14:creationId xmlns:p14="http://schemas.microsoft.com/office/powerpoint/2010/main" val="1783757269"/>
+      </p:ext>
+    </p:extLst>
+  </p:cSld>
+  <p:clrMapOvr>
+    <a:masterClrMapping/>
+  </p:clrMapOvr>
+</p:notes>
 </file>
 
 <file path=ppt/slideLayouts/slideLayout1.xml><?xml version="1.0" encoding="utf-8"?>
@@ -4812,7 +5372,7 @@
                   <a:tabLst/>
                   <a:defRPr/>
                 </a:pPr>
-                <a:endParaRPr kumimoji="0" lang="ko-KR" altLang="en-US" sz="1800" b="0" i="0" u="none" strike="noStrike" kern="1200" cap="none" spc="0" normalizeH="0" baseline="0" noProof="0">
+                <a:endParaRPr kumimoji="0" lang="ko-KR" altLang="en-US" sz="1800" b="0" i="0" u="sng" strike="noStrike" kern="1200" cap="none" spc="0" normalizeH="0" baseline="0" noProof="0">
                   <a:ln>
                     <a:noFill/>
                   </a:ln>
@@ -4901,12 +5461,12 @@
                   <a:tabLst/>
                   <a:defRPr/>
                 </a:pPr>
-                <a:endParaRPr kumimoji="0" lang="ko-KR" altLang="en-US" sz="1800" b="0" i="0" u="none" strike="noStrike" kern="1200" cap="none" spc="0" normalizeH="0" baseline="0" noProof="0">
+                <a:endParaRPr kumimoji="0" lang="en-US" altLang="ko-KR" sz="1800" b="0" i="0" u="sng" strike="noStrike" kern="1200" cap="none" spc="0" normalizeH="0" baseline="0" noProof="0" dirty="0">
                   <a:ln>
                     <a:noFill/>
                   </a:ln>
                   <a:solidFill>
-                    <a:prstClr val="white"/>
+                    <a:prstClr val="black"/>
                   </a:solidFill>
                   <a:effectLst/>
                   <a:uLnTx/>
@@ -5008,7 +5568,7 @@
                   <a:tabLst/>
                   <a:defRPr/>
                 </a:pPr>
-                <a:endParaRPr kumimoji="0" lang="ko-KR" altLang="en-US" sz="1800" b="0" i="0" u="none" strike="noStrike" kern="1200" cap="none" spc="0" normalizeH="0" baseline="0" noProof="0">
+                <a:endParaRPr kumimoji="0" lang="ko-KR" altLang="en-US" sz="1800" b="0" i="0" u="sng" strike="noStrike" kern="1200" cap="none" spc="0" normalizeH="0" baseline="0" noProof="0">
                   <a:ln>
                     <a:noFill/>
                   </a:ln>
@@ -5102,47 +5662,7 @@
                     <a:latin typeface="강한공군체 Bold" panose="020B0800000101010101" pitchFamily="34" charset="-127"/>
                     <a:ea typeface="강한공군체 Bold" panose="020B0800000101010101" pitchFamily="34" charset="-127"/>
                   </a:rPr>
-                  <a:t>만들</a:t>
-                </a:r>
-                <a:r>
-                  <a:rPr lang="en-US" altLang="ko-KR" sz="1600" dirty="0">
-                    <a:solidFill>
-                      <a:prstClr val="black"/>
-                    </a:solidFill>
-                    <a:latin typeface="강한공군체 Bold" panose="020B0800000101010101" pitchFamily="34" charset="-127"/>
-                    <a:ea typeface="강한공군체 Bold" panose="020B0800000101010101" pitchFamily="34" charset="-127"/>
-                  </a:rPr>
-                  <a:t>(</a:t>
-                </a:r>
-                <a:r>
-                  <a:rPr lang="ko-KR" altLang="en-US" sz="1600" dirty="0">
-                    <a:solidFill>
-                      <a:prstClr val="black"/>
-                    </a:solidFill>
-                    <a:latin typeface="강한공군체 Bold" panose="020B0800000101010101" pitchFamily="34" charset="-127"/>
-                    <a:ea typeface="강한공군체 Bold" panose="020B0800000101010101" pitchFamily="34" charset="-127"/>
-                  </a:rPr>
-                  <a:t>모작</a:t>
-                </a:r>
-                <a:r>
-                  <a:rPr lang="en-US" altLang="ko-KR" sz="1600" dirty="0">
-                    <a:solidFill>
-                      <a:prstClr val="black"/>
-                    </a:solidFill>
-                    <a:latin typeface="강한공군체 Bold" panose="020B0800000101010101" pitchFamily="34" charset="-127"/>
-                    <a:ea typeface="강한공군체 Bold" panose="020B0800000101010101" pitchFamily="34" charset="-127"/>
-                  </a:rPr>
-                  <a:t>)</a:t>
-                </a:r>
-                <a:r>
-                  <a:rPr lang="ko-KR" altLang="en-US" sz="1600" dirty="0">
-                    <a:solidFill>
-                      <a:prstClr val="black"/>
-                    </a:solidFill>
-                    <a:latin typeface="강한공군체 Bold" panose="020B0800000101010101" pitchFamily="34" charset="-127"/>
-                    <a:ea typeface="강한공군체 Bold" panose="020B0800000101010101" pitchFamily="34" charset="-127"/>
-                  </a:rPr>
-                  <a:t>할 게임</a:t>
+                  <a:t>게임 컨셉</a:t>
                 </a:r>
                 <a:endParaRPr kumimoji="0" lang="ko-KR" altLang="en-US" sz="1600" b="0" i="0" u="none" strike="noStrike" kern="1200" cap="none" spc="0" normalizeH="0" baseline="0" noProof="0" dirty="0">
                   <a:ln>
@@ -5156,6 +5676,7 @@
                   <a:uFillTx/>
                   <a:latin typeface="강한공군체 Bold" panose="020B0800000101010101" pitchFamily="34" charset="-127"/>
                   <a:ea typeface="강한공군체 Bold" panose="020B0800000101010101" pitchFamily="34" charset="-127"/>
+                  <a:cs typeface="+mn-cs"/>
                 </a:endParaRPr>
               </a:p>
             </p:txBody>
@@ -5231,7 +5752,7 @@
                   <a:tabLst/>
                   <a:defRPr/>
                 </a:pPr>
-                <a:endParaRPr kumimoji="0" lang="ko-KR" altLang="en-US" sz="1600" b="0" i="0" u="none" strike="noStrike" kern="1200" cap="none" spc="0" normalizeH="0" baseline="0" noProof="0" dirty="0">
+                <a:endParaRPr kumimoji="0" lang="ko-KR" altLang="en-US" sz="1600" b="0" i="0" u="sng" strike="noStrike" kern="1200" cap="none" spc="0" normalizeH="0" baseline="0" noProof="0" dirty="0">
                   <a:ln>
                     <a:noFill/>
                   </a:ln>
@@ -5319,7 +5840,7 @@
                   <a:tabLst/>
                   <a:defRPr/>
                 </a:pPr>
-                <a:endParaRPr kumimoji="0" lang="ko-KR" altLang="en-US" sz="1600" b="0" i="0" u="none" strike="noStrike" kern="1200" cap="none" spc="0" normalizeH="0" baseline="0" noProof="0" dirty="0">
+                <a:endParaRPr kumimoji="0" lang="ko-KR" altLang="en-US" sz="1600" b="0" i="0" u="sng" strike="noStrike" kern="1200" cap="none" spc="0" normalizeH="0" baseline="0" noProof="0" dirty="0">
                   <a:ln>
                     <a:noFill/>
                   </a:ln>
@@ -5346,8 +5867,8 @@
         </p:nvSpPr>
         <p:spPr>
           <a:xfrm>
-            <a:off x="2953512" y="914066"/>
-            <a:ext cx="2432442" cy="410369"/>
+            <a:off x="4604822" y="1792574"/>
+            <a:ext cx="4245680" cy="816249"/>
           </a:xfrm>
           <a:prstGeom prst="rect">
             <a:avLst/>
@@ -5377,35 +5898,71 @@
               <a:defRPr/>
             </a:pPr>
             <a:r>
-              <a:rPr lang="en-US" altLang="ko-KR" sz="1600" dirty="0">
+              <a:rPr kumimoji="0" lang="en-US" altLang="ko-KR" sz="3600" b="1" i="0" u="none" strike="noStrike" kern="1200" cap="none" spc="0" normalizeH="0" baseline="0" noProof="0" dirty="0">
+                <a:ln>
+                  <a:noFill/>
+                </a:ln>
+                <a:solidFill>
+                  <a:srgbClr val="E7E6E6">
+                    <a:lumMod val="50000"/>
+                  </a:srgbClr>
+                </a:solidFill>
+                <a:effectLst/>
+                <a:uLnTx/>
+                <a:uFillTx/>
                 <a:latin typeface="강한공군체 Medium" panose="020B0600000101010101" pitchFamily="34" charset="-127"/>
                 <a:ea typeface="강한공군체 Medium" panose="020B0600000101010101" pitchFamily="34" charset="-127"/>
+                <a:cs typeface="+mn-cs"/>
               </a:rPr>
               <a:t>HOLLOW</a:t>
             </a:r>
             <a:r>
-              <a:rPr lang="ko-KR" altLang="en-US" sz="1600" dirty="0">
+              <a:rPr kumimoji="0" lang="ko-KR" altLang="en-US" sz="3600" b="1" i="0" u="none" strike="noStrike" kern="1200" cap="none" spc="0" normalizeH="0" baseline="0" noProof="0" dirty="0">
+                <a:ln>
+                  <a:noFill/>
+                </a:ln>
+                <a:solidFill>
+                  <a:prstClr val="black"/>
+                </a:solidFill>
+                <a:effectLst/>
+                <a:uLnTx/>
+                <a:uFillTx/>
                 <a:latin typeface="강한공군체 Medium" panose="020B0600000101010101" pitchFamily="34" charset="-127"/>
                 <a:ea typeface="강한공군체 Medium" panose="020B0600000101010101" pitchFamily="34" charset="-127"/>
+                <a:cs typeface="+mn-cs"/>
               </a:rPr>
               <a:t> </a:t>
             </a:r>
             <a:r>
-              <a:rPr lang="en-US" altLang="ko-KR" sz="1600" dirty="0">
+              <a:rPr kumimoji="0" lang="en-US" altLang="ko-KR" sz="3600" b="1" i="0" u="none" strike="noStrike" kern="1200" cap="none" spc="0" normalizeH="0" baseline="0" noProof="0" dirty="0">
+                <a:ln>
+                  <a:noFill/>
+                </a:ln>
+                <a:solidFill>
+                  <a:prstClr val="black"/>
+                </a:solidFill>
+                <a:effectLst/>
+                <a:uLnTx/>
+                <a:uFillTx/>
                 <a:latin typeface="강한공군체 Medium" panose="020B0600000101010101" pitchFamily="34" charset="-127"/>
                 <a:ea typeface="강한공군체 Medium" panose="020B0600000101010101" pitchFamily="34" charset="-127"/>
+                <a:cs typeface="+mn-cs"/>
               </a:rPr>
               <a:t>KNIGHT</a:t>
             </a:r>
-            <a:endParaRPr kumimoji="0" lang="ko-KR" altLang="en-US" sz="1600" b="0" i="0" u="none" strike="noStrike" kern="1200" cap="none" spc="0" normalizeH="0" baseline="0" noProof="0" dirty="0">
+            <a:endParaRPr kumimoji="0" lang="ko-KR" altLang="en-US" sz="3600" b="1" i="0" u="none" strike="noStrike" kern="1200" cap="none" spc="0" normalizeH="0" baseline="0" noProof="0" dirty="0">
               <a:ln>
                 <a:noFill/>
               </a:ln>
+              <a:solidFill>
+                <a:prstClr val="black"/>
+              </a:solidFill>
               <a:effectLst/>
               <a:uLnTx/>
               <a:uFillTx/>
               <a:latin typeface="강한공군체 Medium" panose="020B0600000101010101" pitchFamily="34" charset="-127"/>
               <a:ea typeface="강한공군체 Medium" panose="020B0600000101010101" pitchFamily="34" charset="-127"/>
+              <a:cs typeface="+mn-cs"/>
             </a:endParaRPr>
           </a:p>
         </p:txBody>
@@ -5425,7 +5982,7 @@
           <p:nvPr/>
         </p:nvPicPr>
         <p:blipFill>
-          <a:blip r:embed="rId2">
+          <a:blip r:embed="rId3">
             <a:extLst>
               <a:ext uri="{28A0092B-C50C-407E-A947-70E740481C1C}">
                 <a14:useLocalDpi xmlns:a14="http://schemas.microsoft.com/office/drawing/2010/main" val="0"/>
@@ -5439,8 +5996,634 @@
         </p:blipFill>
         <p:spPr bwMode="auto">
           <a:xfrm>
-            <a:off x="1224755" y="914066"/>
-            <a:ext cx="1940171" cy="1940171"/>
+            <a:off x="1381190" y="1970560"/>
+            <a:ext cx="2916879" cy="2916879"/>
+          </a:xfrm>
+          <a:prstGeom prst="roundRect">
+            <a:avLst>
+              <a:gd name="adj" fmla="val 8594"/>
+            </a:avLst>
+          </a:prstGeom>
+          <a:solidFill>
+            <a:srgbClr val="FFFFFF">
+              <a:shade val="85000"/>
+            </a:srgbClr>
+          </a:solidFill>
+          <a:ln>
+            <a:noFill/>
+          </a:ln>
+          <a:effectLst>
+            <a:reflection blurRad="12700" stA="38000" endPos="28000" dist="5000" dir="5400000" sy="-100000" algn="bl" rotWithShape="0"/>
+          </a:effectLst>
+          <a:extLst>
+            <a:ext uri="{909E8E84-426E-40DD-AFC4-6F175D3DCCD1}">
+              <a14:hiddenFill xmlns:a14="http://schemas.microsoft.com/office/drawing/2010/main">
+                <a:solidFill>
+                  <a:srgbClr val="FFFFFF"/>
+                </a:solidFill>
+              </a14:hiddenFill>
+            </a:ext>
+          </a:extLst>
+        </p:spPr>
+      </p:pic>
+      <p:sp>
+        <p:nvSpPr>
+          <p:cNvPr id="9" name="TextBox 8">
+            <a:extLst>
+              <a:ext uri="{FF2B5EF4-FFF2-40B4-BE49-F238E27FC236}">
+                <a16:creationId xmlns:a16="http://schemas.microsoft.com/office/drawing/2014/main" id="{513B1154-CE39-AF9A-CB6C-0BB8EFD51E31}"/>
+              </a:ext>
+            </a:extLst>
+          </p:cNvPr>
+          <p:cNvSpPr txBox="1"/>
+          <p:nvPr/>
+        </p:nvSpPr>
+        <p:spPr>
+          <a:xfrm>
+            <a:off x="4604822" y="2895119"/>
+            <a:ext cx="6548628" cy="1754326"/>
+          </a:xfrm>
+          <a:prstGeom prst="rect">
+            <a:avLst/>
+          </a:prstGeom>
+          <a:noFill/>
+        </p:spPr>
+        <p:txBody>
+          <a:bodyPr wrap="square" rtlCol="0">
+            <a:spAutoFit/>
+          </a:bodyPr>
+          <a:lstStyle/>
+          <a:p>
+            <a:pPr marL="0" marR="0" lvl="0" indent="0" algn="l" defTabSz="914400" rtl="0" eaLnBrk="1" fontAlgn="auto" latinLnBrk="1" hangingPunct="1">
+              <a:lnSpc>
+                <a:spcPct val="100000"/>
+              </a:lnSpc>
+              <a:spcBef>
+                <a:spcPts val="0"/>
+              </a:spcBef>
+              <a:spcAft>
+                <a:spcPts val="0"/>
+              </a:spcAft>
+              <a:buClrTx/>
+              <a:buSzTx/>
+              <a:buFontTx/>
+              <a:buNone/>
+              <a:tabLst/>
+              <a:defRPr/>
+            </a:pPr>
+            <a:r>
+              <a:rPr kumimoji="0" lang="ko-KR" altLang="en-US" sz="1800" b="1" i="0" u="none" strike="noStrike" kern="1200" cap="none" spc="0" normalizeH="0" baseline="0" noProof="0" dirty="0">
+                <a:ln>
+                  <a:noFill/>
+                </a:ln>
+                <a:solidFill>
+                  <a:prstClr val="black"/>
+                </a:solidFill>
+                <a:effectLst/>
+                <a:uLnTx/>
+                <a:uFillTx/>
+                <a:latin typeface="강한공군체 Medium" panose="020B0600000101010101" pitchFamily="34" charset="-127"/>
+                <a:ea typeface="강한공군체 Medium" panose="020B0600000101010101" pitchFamily="34" charset="-127"/>
+                <a:cs typeface="+mn-cs"/>
+              </a:rPr>
+              <a:t>장르</a:t>
+            </a:r>
+            <a:r>
+              <a:rPr kumimoji="0" lang="en-US" altLang="ko-KR" sz="1800" b="0" i="0" u="none" strike="noStrike" kern="1200" cap="none" spc="0" normalizeH="0" baseline="0" noProof="0" dirty="0">
+                <a:ln>
+                  <a:noFill/>
+                </a:ln>
+                <a:solidFill>
+                  <a:prstClr val="black"/>
+                </a:solidFill>
+                <a:effectLst/>
+                <a:uLnTx/>
+                <a:uFillTx/>
+                <a:latin typeface="강한공군체 Medium" panose="020B0600000101010101" pitchFamily="34" charset="-127"/>
+                <a:ea typeface="강한공군체 Medium" panose="020B0600000101010101" pitchFamily="34" charset="-127"/>
+                <a:cs typeface="+mn-cs"/>
+              </a:rPr>
+              <a:t>: </a:t>
+            </a:r>
+            <a:r>
+              <a:rPr kumimoji="0" lang="ko-KR" altLang="en-US" sz="1800" b="0" i="0" u="none" strike="noStrike" kern="1200" cap="none" spc="0" normalizeH="0" baseline="0" noProof="0" dirty="0" err="1">
+                <a:ln>
+                  <a:noFill/>
+                </a:ln>
+                <a:solidFill>
+                  <a:prstClr val="black"/>
+                </a:solidFill>
+                <a:effectLst/>
+                <a:uLnTx/>
+                <a:uFillTx/>
+                <a:latin typeface="강한공군체 Medium" panose="020B0600000101010101" pitchFamily="34" charset="-127"/>
+                <a:ea typeface="강한공군체 Medium" panose="020B0600000101010101" pitchFamily="34" charset="-127"/>
+                <a:cs typeface="+mn-cs"/>
+              </a:rPr>
+              <a:t>메트로배니아</a:t>
+            </a:r>
+            <a:r>
+              <a:rPr kumimoji="0" lang="ko-KR" altLang="en-US" sz="1800" b="0" i="0" u="none" strike="noStrike" kern="1200" cap="none" spc="0" normalizeH="0" baseline="0" noProof="0" dirty="0">
+                <a:ln>
+                  <a:noFill/>
+                </a:ln>
+                <a:solidFill>
+                  <a:prstClr val="black"/>
+                </a:solidFill>
+                <a:effectLst/>
+                <a:uLnTx/>
+                <a:uFillTx/>
+                <a:latin typeface="강한공군체 Medium" panose="020B0600000101010101" pitchFamily="34" charset="-127"/>
+                <a:ea typeface="강한공군체 Medium" panose="020B0600000101010101" pitchFamily="34" charset="-127"/>
+                <a:cs typeface="+mn-cs"/>
+              </a:rPr>
+              <a:t> </a:t>
+            </a:r>
+            <a:r>
+              <a:rPr kumimoji="0" lang="en-US" altLang="ko-KR" sz="1800" b="0" i="0" u="none" strike="noStrike" kern="1200" cap="none" spc="0" normalizeH="0" baseline="0" noProof="0" dirty="0">
+                <a:ln>
+                  <a:noFill/>
+                </a:ln>
+                <a:solidFill>
+                  <a:prstClr val="black"/>
+                </a:solidFill>
+                <a:effectLst/>
+                <a:uLnTx/>
+                <a:uFillTx/>
+                <a:latin typeface="강한공군체 Medium" panose="020B0600000101010101" pitchFamily="34" charset="-127"/>
+                <a:ea typeface="강한공군체 Medium" panose="020B0600000101010101" pitchFamily="34" charset="-127"/>
+                <a:cs typeface="+mn-cs"/>
+              </a:rPr>
+              <a:t>(</a:t>
+            </a:r>
+            <a:r>
+              <a:rPr kumimoji="0" lang="ko-KR" altLang="en-US" sz="1800" b="0" i="0" u="none" strike="noStrike" kern="1200" cap="none" spc="0" normalizeH="0" baseline="0" noProof="0" dirty="0" err="1">
+                <a:ln>
+                  <a:noFill/>
+                </a:ln>
+                <a:solidFill>
+                  <a:prstClr val="black"/>
+                </a:solidFill>
+                <a:effectLst/>
+                <a:uLnTx/>
+                <a:uFillTx/>
+                <a:latin typeface="강한공군체 Medium" panose="020B0600000101010101" pitchFamily="34" charset="-127"/>
+                <a:ea typeface="강한공군체 Medium" panose="020B0600000101010101" pitchFamily="34" charset="-127"/>
+                <a:cs typeface="+mn-cs"/>
+              </a:rPr>
+              <a:t>메트로이드</a:t>
+            </a:r>
+            <a:r>
+              <a:rPr kumimoji="0" lang="ko-KR" altLang="en-US" sz="1800" b="0" i="0" u="none" strike="noStrike" kern="1200" cap="none" spc="0" normalizeH="0" baseline="0" noProof="0" dirty="0">
+                <a:ln>
+                  <a:noFill/>
+                </a:ln>
+                <a:solidFill>
+                  <a:prstClr val="black"/>
+                </a:solidFill>
+                <a:effectLst/>
+                <a:uLnTx/>
+                <a:uFillTx/>
+                <a:latin typeface="강한공군체 Medium" panose="020B0600000101010101" pitchFamily="34" charset="-127"/>
+                <a:ea typeface="강한공군체 Medium" panose="020B0600000101010101" pitchFamily="34" charset="-127"/>
+                <a:cs typeface="+mn-cs"/>
+              </a:rPr>
+              <a:t> </a:t>
+            </a:r>
+            <a:r>
+              <a:rPr kumimoji="0" lang="en-US" altLang="ko-KR" sz="1800" b="0" i="0" u="none" strike="noStrike" kern="1200" cap="none" spc="0" normalizeH="0" baseline="0" noProof="0" dirty="0">
+                <a:ln>
+                  <a:noFill/>
+                </a:ln>
+                <a:solidFill>
+                  <a:prstClr val="black"/>
+                </a:solidFill>
+                <a:effectLst/>
+                <a:uLnTx/>
+                <a:uFillTx/>
+                <a:latin typeface="강한공군체 Medium" panose="020B0600000101010101" pitchFamily="34" charset="-127"/>
+                <a:ea typeface="강한공군체 Medium" panose="020B0600000101010101" pitchFamily="34" charset="-127"/>
+                <a:cs typeface="+mn-cs"/>
+              </a:rPr>
+              <a:t>+ </a:t>
+            </a:r>
+            <a:r>
+              <a:rPr kumimoji="0" lang="ko-KR" altLang="en-US" sz="1800" b="0" i="0" u="none" strike="noStrike" kern="1200" cap="none" spc="0" normalizeH="0" baseline="0" noProof="0" dirty="0" err="1">
+                <a:ln>
+                  <a:noFill/>
+                </a:ln>
+                <a:solidFill>
+                  <a:prstClr val="black"/>
+                </a:solidFill>
+                <a:effectLst/>
+                <a:uLnTx/>
+                <a:uFillTx/>
+                <a:latin typeface="강한공군체 Medium" panose="020B0600000101010101" pitchFamily="34" charset="-127"/>
+                <a:ea typeface="강한공군체 Medium" panose="020B0600000101010101" pitchFamily="34" charset="-127"/>
+                <a:cs typeface="+mn-cs"/>
+              </a:rPr>
+              <a:t>캐슬배니아</a:t>
+            </a:r>
+            <a:r>
+              <a:rPr kumimoji="0" lang="en-US" altLang="ko-KR" sz="1800" b="0" i="0" u="none" strike="noStrike" kern="1200" cap="none" spc="0" normalizeH="0" baseline="0" noProof="0" dirty="0">
+                <a:ln>
+                  <a:noFill/>
+                </a:ln>
+                <a:solidFill>
+                  <a:prstClr val="black"/>
+                </a:solidFill>
+                <a:effectLst/>
+                <a:uLnTx/>
+                <a:uFillTx/>
+                <a:latin typeface="강한공군체 Medium" panose="020B0600000101010101" pitchFamily="34" charset="-127"/>
+                <a:ea typeface="강한공군체 Medium" panose="020B0600000101010101" pitchFamily="34" charset="-127"/>
+                <a:cs typeface="+mn-cs"/>
+              </a:rPr>
+              <a:t>)</a:t>
+            </a:r>
+          </a:p>
+          <a:p>
+            <a:pPr marL="0" marR="0" lvl="0" indent="0" algn="l" defTabSz="914400" rtl="0" eaLnBrk="1" fontAlgn="auto" latinLnBrk="1" hangingPunct="1">
+              <a:lnSpc>
+                <a:spcPct val="100000"/>
+              </a:lnSpc>
+              <a:spcBef>
+                <a:spcPts val="0"/>
+              </a:spcBef>
+              <a:spcAft>
+                <a:spcPts val="0"/>
+              </a:spcAft>
+              <a:buClrTx/>
+              <a:buSzTx/>
+              <a:buFontTx/>
+              <a:buNone/>
+              <a:tabLst/>
+              <a:defRPr/>
+            </a:pPr>
+            <a:endParaRPr kumimoji="0" lang="en-US" altLang="ko-KR" sz="1800" b="0" i="0" u="none" strike="noStrike" kern="1200" cap="none" spc="0" normalizeH="0" baseline="0" noProof="0" dirty="0">
+              <a:ln>
+                <a:noFill/>
+              </a:ln>
+              <a:solidFill>
+                <a:prstClr val="black"/>
+              </a:solidFill>
+              <a:effectLst/>
+              <a:uLnTx/>
+              <a:uFillTx/>
+              <a:latin typeface="한컴 말랑말랑 Bold" panose="020F0803000000000000" pitchFamily="50" charset="-127"/>
+              <a:ea typeface="한컴 말랑말랑 Bold" panose="020F0803000000000000" pitchFamily="50" charset="-127"/>
+              <a:cs typeface="+mn-cs"/>
+            </a:endParaRPr>
+          </a:p>
+          <a:p>
+            <a:pPr marL="0" marR="0" lvl="0" indent="0" algn="l" defTabSz="914400" rtl="0" eaLnBrk="1" fontAlgn="auto" latinLnBrk="1" hangingPunct="1">
+              <a:lnSpc>
+                <a:spcPct val="100000"/>
+              </a:lnSpc>
+              <a:spcBef>
+                <a:spcPts val="0"/>
+              </a:spcBef>
+              <a:spcAft>
+                <a:spcPts val="0"/>
+              </a:spcAft>
+              <a:buClrTx/>
+              <a:buSzTx/>
+              <a:buFontTx/>
+              <a:buNone/>
+              <a:tabLst/>
+              <a:defRPr/>
+            </a:pPr>
+            <a:r>
+              <a:rPr kumimoji="0" lang="ko-KR" altLang="en-US" sz="1800" b="0" i="0" u="none" strike="noStrike" kern="1200" cap="none" spc="0" normalizeH="0" baseline="0" noProof="0" dirty="0">
+                <a:ln>
+                  <a:noFill/>
+                </a:ln>
+                <a:solidFill>
+                  <a:prstClr val="black"/>
+                </a:solidFill>
+                <a:effectLst/>
+                <a:uLnTx/>
+                <a:uFillTx/>
+                <a:latin typeface="강한공군체 Medium" panose="020B0600000101010101" pitchFamily="34" charset="-127"/>
+                <a:ea typeface="강한공군체 Medium" panose="020B0600000101010101" pitchFamily="34" charset="-127"/>
+                <a:cs typeface="+mn-cs"/>
+              </a:rPr>
+              <a:t>광대하게 상호 연결된 세계에 걸쳐 있는 클래식 스타일의 </a:t>
+            </a:r>
+            <a:r>
+              <a:rPr kumimoji="0" lang="en-US" altLang="ko-KR" sz="1800" b="0" i="0" u="none" strike="noStrike" kern="1200" cap="none" spc="0" normalizeH="0" baseline="0" noProof="0" dirty="0">
+                <a:ln>
+                  <a:noFill/>
+                </a:ln>
+                <a:solidFill>
+                  <a:prstClr val="black"/>
+                </a:solidFill>
+                <a:effectLst/>
+                <a:uLnTx/>
+                <a:uFillTx/>
+                <a:latin typeface="강한공군체 Medium" panose="020B0600000101010101" pitchFamily="34" charset="-127"/>
+                <a:ea typeface="강한공군체 Medium" panose="020B0600000101010101" pitchFamily="34" charset="-127"/>
+                <a:cs typeface="+mn-cs"/>
+              </a:rPr>
+              <a:t>2D </a:t>
+            </a:r>
+            <a:r>
+              <a:rPr kumimoji="0" lang="ko-KR" altLang="en-US" sz="1800" b="0" i="0" u="none" strike="noStrike" kern="1200" cap="none" spc="0" normalizeH="0" baseline="0" noProof="0" dirty="0">
+                <a:ln>
+                  <a:noFill/>
+                </a:ln>
+                <a:solidFill>
+                  <a:prstClr val="black"/>
+                </a:solidFill>
+                <a:effectLst/>
+                <a:uLnTx/>
+                <a:uFillTx/>
+                <a:latin typeface="강한공군체 Medium" panose="020B0600000101010101" pitchFamily="34" charset="-127"/>
+                <a:ea typeface="강한공군체 Medium" panose="020B0600000101010101" pitchFamily="34" charset="-127"/>
+                <a:cs typeface="+mn-cs"/>
+              </a:rPr>
+              <a:t>액션 어드벤처</a:t>
+            </a:r>
+            <a:r>
+              <a:rPr kumimoji="0" lang="en-US" altLang="ko-KR" sz="1800" b="0" i="0" u="none" strike="noStrike" kern="1200" cap="none" spc="0" normalizeH="0" baseline="0" noProof="0" dirty="0">
+                <a:ln>
+                  <a:noFill/>
+                </a:ln>
+                <a:solidFill>
+                  <a:prstClr val="black"/>
+                </a:solidFill>
+                <a:effectLst/>
+                <a:uLnTx/>
+                <a:uFillTx/>
+                <a:latin typeface="강한공군체 Medium" panose="020B0600000101010101" pitchFamily="34" charset="-127"/>
+                <a:ea typeface="강한공군체 Medium" panose="020B0600000101010101" pitchFamily="34" charset="-127"/>
+                <a:cs typeface="+mn-cs"/>
+              </a:rPr>
+              <a:t> </a:t>
+            </a:r>
+            <a:r>
+              <a:rPr kumimoji="0" lang="ko-KR" altLang="en-US" sz="1800" b="0" i="0" u="none" strike="noStrike" kern="1200" cap="none" spc="0" normalizeH="0" baseline="0" noProof="0" dirty="0">
+                <a:ln>
+                  <a:noFill/>
+                </a:ln>
+                <a:solidFill>
+                  <a:prstClr val="black"/>
+                </a:solidFill>
+                <a:effectLst/>
+                <a:uLnTx/>
+                <a:uFillTx/>
+                <a:latin typeface="강한공군체 Medium" panose="020B0600000101010101" pitchFamily="34" charset="-127"/>
+                <a:ea typeface="강한공군체 Medium" panose="020B0600000101010101" pitchFamily="34" charset="-127"/>
+                <a:cs typeface="+mn-cs"/>
+              </a:rPr>
+              <a:t>구불구불한 동굴</a:t>
+            </a:r>
+            <a:r>
+              <a:rPr kumimoji="0" lang="en-US" altLang="ko-KR" sz="1800" b="0" i="0" u="none" strike="noStrike" kern="1200" cap="none" spc="0" normalizeH="0" baseline="0" noProof="0" dirty="0">
+                <a:ln>
+                  <a:noFill/>
+                </a:ln>
+                <a:solidFill>
+                  <a:prstClr val="black"/>
+                </a:solidFill>
+                <a:effectLst/>
+                <a:uLnTx/>
+                <a:uFillTx/>
+                <a:latin typeface="강한공군체 Medium" panose="020B0600000101010101" pitchFamily="34" charset="-127"/>
+                <a:ea typeface="강한공군체 Medium" panose="020B0600000101010101" pitchFamily="34" charset="-127"/>
+                <a:cs typeface="+mn-cs"/>
+              </a:rPr>
+              <a:t>, </a:t>
+            </a:r>
+            <a:r>
+              <a:rPr kumimoji="0" lang="ko-KR" altLang="en-US" sz="1800" b="0" i="0" u="none" strike="noStrike" kern="1200" cap="none" spc="0" normalizeH="0" baseline="0" noProof="0" dirty="0">
+                <a:ln>
+                  <a:noFill/>
+                </a:ln>
+                <a:solidFill>
+                  <a:prstClr val="black"/>
+                </a:solidFill>
+                <a:effectLst/>
+                <a:uLnTx/>
+                <a:uFillTx/>
+                <a:latin typeface="강한공군체 Medium" panose="020B0600000101010101" pitchFamily="34" charset="-127"/>
+                <a:ea typeface="강한공군체 Medium" panose="020B0600000101010101" pitchFamily="34" charset="-127"/>
+                <a:cs typeface="+mn-cs"/>
+              </a:rPr>
+              <a:t>고대 도시와 치명적인 폐기물을 탐험하고</a:t>
+            </a:r>
+            <a:r>
+              <a:rPr kumimoji="0" lang="en-US" altLang="ko-KR" sz="1800" b="0" i="0" u="none" strike="noStrike" kern="1200" cap="none" spc="0" normalizeH="0" baseline="0" noProof="0" dirty="0">
+                <a:ln>
+                  <a:noFill/>
+                </a:ln>
+                <a:solidFill>
+                  <a:prstClr val="black"/>
+                </a:solidFill>
+                <a:effectLst/>
+                <a:uLnTx/>
+                <a:uFillTx/>
+                <a:latin typeface="강한공군체 Medium" panose="020B0600000101010101" pitchFamily="34" charset="-127"/>
+                <a:ea typeface="강한공군체 Medium" panose="020B0600000101010101" pitchFamily="34" charset="-127"/>
+                <a:cs typeface="+mn-cs"/>
+              </a:rPr>
+              <a:t>, </a:t>
+            </a:r>
+            <a:r>
+              <a:rPr kumimoji="0" lang="ko-KR" altLang="en-US" sz="1800" b="0" i="0" u="none" strike="noStrike" kern="1200" cap="none" spc="0" normalizeH="0" baseline="0" noProof="0" dirty="0">
+                <a:ln>
+                  <a:noFill/>
+                </a:ln>
+                <a:solidFill>
+                  <a:prstClr val="black"/>
+                </a:solidFill>
+                <a:effectLst/>
+                <a:uLnTx/>
+                <a:uFillTx/>
+                <a:latin typeface="강한공군체 Medium" panose="020B0600000101010101" pitchFamily="34" charset="-127"/>
+                <a:ea typeface="강한공군체 Medium" panose="020B0600000101010101" pitchFamily="34" charset="-127"/>
+                <a:cs typeface="+mn-cs"/>
+              </a:rPr>
+              <a:t>오염된 생물과 싸우고 이상한 곤충들과 친구가 되며</a:t>
+            </a:r>
+            <a:r>
+              <a:rPr kumimoji="0" lang="en-US" altLang="ko-KR" sz="1800" b="0" i="0" u="none" strike="noStrike" kern="1200" cap="none" spc="0" normalizeH="0" baseline="0" noProof="0" dirty="0">
+                <a:ln>
+                  <a:noFill/>
+                </a:ln>
+                <a:solidFill>
+                  <a:prstClr val="black"/>
+                </a:solidFill>
+                <a:effectLst/>
+                <a:uLnTx/>
+                <a:uFillTx/>
+                <a:latin typeface="강한공군체 Medium" panose="020B0600000101010101" pitchFamily="34" charset="-127"/>
+                <a:ea typeface="강한공군체 Medium" panose="020B0600000101010101" pitchFamily="34" charset="-127"/>
+                <a:cs typeface="+mn-cs"/>
+              </a:rPr>
+              <a:t>, </a:t>
+            </a:r>
+            <a:r>
+              <a:rPr kumimoji="0" lang="ko-KR" altLang="en-US" sz="1800" b="0" i="0" u="none" strike="noStrike" kern="1200" cap="none" spc="0" normalizeH="0" baseline="0" noProof="0" dirty="0">
+                <a:ln>
+                  <a:noFill/>
+                </a:ln>
+                <a:solidFill>
+                  <a:prstClr val="black"/>
+                </a:solidFill>
+                <a:effectLst/>
+                <a:uLnTx/>
+                <a:uFillTx/>
+                <a:latin typeface="강한공군체 Medium" panose="020B0600000101010101" pitchFamily="34" charset="-127"/>
+                <a:ea typeface="강한공군체 Medium" panose="020B0600000101010101" pitchFamily="34" charset="-127"/>
+                <a:cs typeface="+mn-cs"/>
+              </a:rPr>
+              <a:t>왕국의 중심부에 있는 고대의 미스터리를 해결하는 게임</a:t>
+            </a:r>
+            <a:endParaRPr kumimoji="0" lang="ko-KR" altLang="en-US" sz="2000" b="0" i="0" u="none" strike="noStrike" kern="1200" cap="none" spc="0" normalizeH="0" baseline="0" noProof="0" dirty="0">
+              <a:ln>
+                <a:noFill/>
+              </a:ln>
+              <a:solidFill>
+                <a:prstClr val="black"/>
+              </a:solidFill>
+              <a:effectLst/>
+              <a:uLnTx/>
+              <a:uFillTx/>
+              <a:latin typeface="강한공군체 Medium" panose="020B0600000101010101" pitchFamily="34" charset="-127"/>
+              <a:ea typeface="강한공군체 Medium" panose="020B0600000101010101" pitchFamily="34" charset="-127"/>
+              <a:cs typeface="+mn-cs"/>
+            </a:endParaRPr>
+          </a:p>
+        </p:txBody>
+      </p:sp>
+      <p:sp>
+        <p:nvSpPr>
+          <p:cNvPr id="14" name="TextBox 13">
+            <a:extLst>
+              <a:ext uri="{FF2B5EF4-FFF2-40B4-BE49-F238E27FC236}">
+                <a16:creationId xmlns:a16="http://schemas.microsoft.com/office/drawing/2014/main" id="{CC58C8BF-0EAA-24B5-0AC6-8E550830464B}"/>
+              </a:ext>
+            </a:extLst>
+          </p:cNvPr>
+          <p:cNvSpPr txBox="1"/>
+          <p:nvPr/>
+        </p:nvSpPr>
+        <p:spPr>
+          <a:xfrm>
+            <a:off x="9702269" y="6211063"/>
+            <a:ext cx="2489731" cy="369332"/>
+          </a:xfrm>
+          <a:prstGeom prst="rect">
+            <a:avLst/>
+          </a:prstGeom>
+          <a:noFill/>
+        </p:spPr>
+        <p:txBody>
+          <a:bodyPr wrap="square" rtlCol="0">
+            <a:spAutoFit/>
+          </a:bodyPr>
+          <a:lstStyle/>
+          <a:p>
+            <a:pPr marL="0" marR="0" lvl="0" indent="0" algn="ctr" defTabSz="914400" rtl="0" eaLnBrk="1" fontAlgn="auto" latinLnBrk="1" hangingPunct="1">
+              <a:lnSpc>
+                <a:spcPct val="100000"/>
+              </a:lnSpc>
+              <a:spcBef>
+                <a:spcPts val="0"/>
+              </a:spcBef>
+              <a:spcAft>
+                <a:spcPts val="0"/>
+              </a:spcAft>
+              <a:buClrTx/>
+              <a:buSzTx/>
+              <a:buFontTx/>
+              <a:buNone/>
+              <a:tabLst/>
+              <a:defRPr/>
+            </a:pPr>
+            <a:r>
+              <a:rPr kumimoji="0" lang="ko-KR" altLang="en-US" sz="1800" b="0" i="0" u="none" strike="noStrike" kern="1200" cap="none" spc="0" normalizeH="0" baseline="0" noProof="0" dirty="0">
+                <a:ln>
+                  <a:noFill/>
+                </a:ln>
+                <a:solidFill>
+                  <a:prstClr val="black"/>
+                </a:solidFill>
+                <a:effectLst/>
+                <a:uLnTx/>
+                <a:uFillTx/>
+                <a:latin typeface="강한공군체 Medium" panose="020B0600000101010101" pitchFamily="34" charset="-127"/>
+                <a:ea typeface="강한공군체 Medium" panose="020B0600000101010101" pitchFamily="34" charset="-127"/>
+                <a:cs typeface="+mn-cs"/>
+              </a:rPr>
+              <a:t>주인공</a:t>
+            </a:r>
+            <a:r>
+              <a:rPr kumimoji="0" lang="en-US" altLang="ko-KR" sz="1800" b="0" i="0" u="none" strike="noStrike" kern="1200" cap="none" spc="0" normalizeH="0" baseline="0" noProof="0" dirty="0">
+                <a:ln>
+                  <a:noFill/>
+                </a:ln>
+                <a:solidFill>
+                  <a:prstClr val="black"/>
+                </a:solidFill>
+                <a:effectLst/>
+                <a:uLnTx/>
+                <a:uFillTx/>
+                <a:latin typeface="강한공군체 Medium" panose="020B0600000101010101" pitchFamily="34" charset="-127"/>
+                <a:ea typeface="강한공군체 Medium" panose="020B0600000101010101" pitchFamily="34" charset="-127"/>
+                <a:cs typeface="+mn-cs"/>
+              </a:rPr>
+              <a:t>: KNIGHT	</a:t>
+            </a:r>
+            <a:endParaRPr kumimoji="0" lang="ko-KR" altLang="en-US" sz="1800" b="0" i="0" u="none" strike="noStrike" kern="1200" cap="none" spc="0" normalizeH="0" baseline="0" noProof="0" dirty="0">
+              <a:ln>
+                <a:noFill/>
+              </a:ln>
+              <a:solidFill>
+                <a:prstClr val="black"/>
+              </a:solidFill>
+              <a:effectLst/>
+              <a:uLnTx/>
+              <a:uFillTx/>
+              <a:latin typeface="강한공군체 Medium" panose="020B0600000101010101" pitchFamily="34" charset="-127"/>
+              <a:ea typeface="강한공군체 Medium" panose="020B0600000101010101" pitchFamily="34" charset="-127"/>
+              <a:cs typeface="+mn-cs"/>
+            </a:endParaRPr>
+          </a:p>
+        </p:txBody>
+      </p:sp>
+      <p:pic>
+        <p:nvPicPr>
+          <p:cNvPr id="1028" name="Picture 4" descr="Hollow Knight Cursor with The Knight &amp; Old Nail - Sweezy Custom Cursors">
+            <a:extLst>
+              <a:ext uri="{FF2B5EF4-FFF2-40B4-BE49-F238E27FC236}">
+                <a16:creationId xmlns:a16="http://schemas.microsoft.com/office/drawing/2014/main" id="{05830DFF-D05E-9F3A-F27E-CA9C5DDFA9A2}"/>
+              </a:ext>
+            </a:extLst>
+          </p:cNvPr>
+          <p:cNvPicPr>
+            <a:picLocks noChangeAspect="1" noChangeArrowheads="1"/>
+          </p:cNvPicPr>
+          <p:nvPr/>
+        </p:nvPicPr>
+        <p:blipFill>
+          <a:blip r:embed="rId4">
+            <a:extLst>
+              <a:ext uri="{28A0092B-C50C-407E-A947-70E740481C1C}">
+                <a14:useLocalDpi xmlns:a14="http://schemas.microsoft.com/office/drawing/2010/main" val="0"/>
+              </a:ext>
+            </a:extLst>
+          </a:blip>
+          <a:srcRect/>
+          <a:stretch>
+            <a:fillRect/>
+          </a:stretch>
+        </p:blipFill>
+        <p:spPr bwMode="auto">
+          <a:xfrm>
+            <a:off x="9502140" y="5176025"/>
+            <a:ext cx="2078651" cy="1040922"/>
           </a:xfrm>
           <a:prstGeom prst="rect">
             <a:avLst/>
@@ -5457,192 +6640,10 @@
           </a:extLst>
         </p:spPr>
       </p:pic>
-      <p:sp>
-        <p:nvSpPr>
-          <p:cNvPr id="5" name="직사각형 4">
-            <a:extLst>
-              <a:ext uri="{FF2B5EF4-FFF2-40B4-BE49-F238E27FC236}">
-                <a16:creationId xmlns:a16="http://schemas.microsoft.com/office/drawing/2014/main" id="{06DD3537-0DD4-D3DF-1A0A-8260C08E0649}"/>
-              </a:ext>
-            </a:extLst>
-          </p:cNvPr>
-          <p:cNvSpPr/>
-          <p:nvPr/>
-        </p:nvSpPr>
-        <p:spPr>
-          <a:xfrm>
-            <a:off x="526966" y="6102278"/>
-            <a:ext cx="4944532" cy="414024"/>
-          </a:xfrm>
-          <a:prstGeom prst="rect">
-            <a:avLst/>
-          </a:prstGeom>
-        </p:spPr>
-        <p:txBody>
-          <a:bodyPr wrap="square">
-            <a:spAutoFit/>
-          </a:bodyPr>
-          <a:lstStyle/>
-          <a:p>
-            <a:pPr marL="0" marR="0" lvl="0" indent="0" algn="ctr" defTabSz="914400" rtl="0" eaLnBrk="1" fontAlgn="auto" latinLnBrk="1" hangingPunct="1">
-              <a:lnSpc>
-                <a:spcPct val="150000"/>
-              </a:lnSpc>
-              <a:spcBef>
-                <a:spcPts val="0"/>
-              </a:spcBef>
-              <a:spcAft>
-                <a:spcPts val="0"/>
-              </a:spcAft>
-              <a:buClrTx/>
-              <a:buSzTx/>
-              <a:buFontTx/>
-              <a:buNone/>
-              <a:tabLst/>
-              <a:defRPr/>
-            </a:pPr>
-            <a:r>
-              <a:rPr kumimoji="0" lang="en-US" altLang="ko-KR" sz="1600" b="0" i="0" u="none" strike="noStrike" kern="1200" cap="none" spc="0" normalizeH="0" baseline="0" noProof="0" dirty="0">
-                <a:ln>
-                  <a:noFill/>
-                </a:ln>
-                <a:effectLst/>
-                <a:uLnTx/>
-                <a:uFillTx/>
-                <a:latin typeface="강한공군체 Medium" panose="020B0600000101010101" pitchFamily="34" charset="-127"/>
-                <a:ea typeface="강한공군체 Medium" panose="020B0600000101010101" pitchFamily="34" charset="-127"/>
-              </a:rPr>
-              <a:t>https://www.youtube.com/watch?v=3MM3F0YcMJM</a:t>
-            </a:r>
-            <a:endParaRPr kumimoji="0" lang="ko-KR" altLang="en-US" sz="1600" b="0" i="0" u="none" strike="noStrike" kern="1200" cap="none" spc="0" normalizeH="0" baseline="0" noProof="0" dirty="0">
-              <a:ln>
-                <a:noFill/>
-              </a:ln>
-              <a:effectLst/>
-              <a:uLnTx/>
-              <a:uFillTx/>
-              <a:latin typeface="강한공군체 Medium" panose="020B0600000101010101" pitchFamily="34" charset="-127"/>
-              <a:ea typeface="강한공군체 Medium" panose="020B0600000101010101" pitchFamily="34" charset="-127"/>
-            </a:endParaRPr>
-          </a:p>
-        </p:txBody>
-      </p:sp>
-      <p:sp>
-        <p:nvSpPr>
-          <p:cNvPr id="9" name="TextBox 8">
-            <a:extLst>
-              <a:ext uri="{FF2B5EF4-FFF2-40B4-BE49-F238E27FC236}">
-                <a16:creationId xmlns:a16="http://schemas.microsoft.com/office/drawing/2014/main" id="{513B1154-CE39-AF9A-CB6C-0BB8EFD51E31}"/>
-              </a:ext>
-            </a:extLst>
-          </p:cNvPr>
-          <p:cNvSpPr txBox="1"/>
-          <p:nvPr/>
-        </p:nvSpPr>
-        <p:spPr>
-          <a:xfrm>
-            <a:off x="3785937" y="1748589"/>
-            <a:ext cx="5518484" cy="1477328"/>
-          </a:xfrm>
-          <a:prstGeom prst="rect">
-            <a:avLst/>
-          </a:prstGeom>
-          <a:noFill/>
-        </p:spPr>
-        <p:txBody>
-          <a:bodyPr wrap="square" rtlCol="0">
-            <a:spAutoFit/>
-          </a:bodyPr>
-          <a:lstStyle/>
-          <a:p>
-            <a:r>
-              <a:rPr lang="ko-KR" altLang="en-US" dirty="0"/>
-              <a:t>장르</a:t>
-            </a:r>
-            <a:r>
-              <a:rPr lang="en-US" altLang="ko-KR" dirty="0"/>
-              <a:t>: </a:t>
-            </a:r>
-            <a:r>
-              <a:rPr lang="ko-KR" altLang="en-US" dirty="0" err="1"/>
-              <a:t>메트로배니아</a:t>
-            </a:r>
-            <a:r>
-              <a:rPr lang="ko-KR" altLang="en-US" dirty="0"/>
-              <a:t> </a:t>
-            </a:r>
-            <a:r>
-              <a:rPr lang="en-US" altLang="ko-KR" dirty="0"/>
-              <a:t>(</a:t>
-            </a:r>
-            <a:r>
-              <a:rPr lang="ko-KR" altLang="en-US" dirty="0" err="1"/>
-              <a:t>메트로이드</a:t>
-            </a:r>
-            <a:r>
-              <a:rPr lang="ko-KR" altLang="en-US" dirty="0"/>
-              <a:t> </a:t>
-            </a:r>
-            <a:r>
-              <a:rPr lang="en-US" altLang="ko-KR" dirty="0"/>
-              <a:t>+ </a:t>
-            </a:r>
-            <a:r>
-              <a:rPr lang="ko-KR" altLang="en-US" dirty="0" err="1"/>
-              <a:t>캐슬배니아</a:t>
-            </a:r>
-            <a:r>
-              <a:rPr lang="en-US" altLang="ko-KR" dirty="0"/>
-              <a:t>)</a:t>
-            </a:r>
-          </a:p>
-          <a:p>
-            <a:r>
-              <a:rPr lang="ko-KR" altLang="en-US" dirty="0" err="1"/>
-              <a:t>메트로이드</a:t>
-            </a:r>
-            <a:r>
-              <a:rPr lang="en-US" altLang="ko-KR" dirty="0"/>
-              <a:t>: </a:t>
-            </a:r>
-            <a:r>
-              <a:rPr lang="ko-KR" altLang="en-US" dirty="0" err="1"/>
-              <a:t>일방형적인</a:t>
-            </a:r>
-            <a:r>
-              <a:rPr lang="ko-KR" altLang="en-US" dirty="0"/>
-              <a:t> 길이 주어진 것이 아닌 다양한 루트로 게임을 진행</a:t>
-            </a:r>
-            <a:endParaRPr lang="en-US" altLang="ko-KR" dirty="0"/>
-          </a:p>
-          <a:p>
-            <a:r>
-              <a:rPr lang="ko-KR" altLang="en-US" dirty="0" err="1"/>
-              <a:t>캐슬배니아</a:t>
-            </a:r>
-            <a:r>
-              <a:rPr lang="en-US" altLang="ko-KR" dirty="0"/>
-              <a:t>: </a:t>
-            </a:r>
-            <a:r>
-              <a:rPr lang="ko-KR" altLang="en-US" dirty="0" err="1"/>
-              <a:t>맵의</a:t>
-            </a:r>
-            <a:r>
-              <a:rPr lang="ko-KR" altLang="en-US" dirty="0"/>
-              <a:t> 탐험요소를 가미한 것</a:t>
-            </a:r>
-            <a:endParaRPr lang="en-US" altLang="ko-KR" dirty="0"/>
-          </a:p>
-          <a:p>
-            <a:endParaRPr lang="ko-KR" altLang="en-US" dirty="0"/>
-          </a:p>
-        </p:txBody>
-      </p:sp>
     </p:spTree>
     <p:extLst>
       <p:ext uri="{BB962C8B-B14F-4D97-AF65-F5344CB8AC3E}">
-        <p14:creationId xmlns:p14="http://schemas.microsoft.com/office/powerpoint/2010/main" val="2447694441"/>
+        <p14:creationId xmlns:p14="http://schemas.microsoft.com/office/powerpoint/2010/main" val="2581523047"/>
       </p:ext>
     </p:extLst>
   </p:cSld>
@@ -6077,54 +7078,16 @@
                   <a:defRPr/>
                 </a:pPr>
                 <a:r>
-                  <a:rPr kumimoji="0" lang="ko-KR" altLang="en-US" b="0" i="0" u="none" strike="noStrike" kern="0" cap="none" spc="0" normalizeH="0" baseline="0" noProof="0" dirty="0">
-                    <a:ln w="25400">
-                      <a:noFill/>
-                    </a:ln>
+                  <a:rPr lang="ko-KR" altLang="en-US" dirty="0">
                     <a:solidFill>
-                      <a:schemeClr val="tx1"/>
+                      <a:prstClr val="black"/>
                     </a:solidFill>
-                    <a:effectLst/>
-                    <a:uLnTx/>
-                    <a:uFillTx/>
                     <a:latin typeface="강한공군체 Bold" panose="020B0800000101010101" pitchFamily="34" charset="-127"/>
                     <a:ea typeface="강한공군체 Bold" panose="020B0800000101010101" pitchFamily="34" charset="-127"/>
                   </a:rPr>
-                  <a:t>게임 컨셉 </a:t>
+                  <a:t>개발 범위</a:t>
                 </a:r>
-                <a:r>
-                  <a:rPr kumimoji="0" lang="en-US" altLang="ko-KR" b="0" i="0" u="none" strike="noStrike" kern="0" cap="none" spc="0" normalizeH="0" baseline="0" noProof="0" dirty="0">
-                    <a:ln w="25400">
-                      <a:noFill/>
-                    </a:ln>
-                    <a:solidFill>
-                      <a:schemeClr val="tx1"/>
-                    </a:solidFill>
-                    <a:effectLst/>
-                    <a:uLnTx/>
-                    <a:uFillTx/>
-                    <a:latin typeface="강한공군체 Bold" panose="020B0800000101010101" pitchFamily="34" charset="-127"/>
-                    <a:ea typeface="강한공군체 Bold" panose="020B0800000101010101" pitchFamily="34" charset="-127"/>
-                  </a:rPr>
-                  <a:t>– </a:t>
-                </a:r>
-                <a:r>
-                  <a:rPr kumimoji="0" lang="ko-KR" altLang="en-US" b="0" i="0" u="none" strike="noStrike" kern="0" cap="none" spc="0" normalizeH="0" baseline="0" noProof="0" dirty="0">
-                    <a:ln w="25400">
-                      <a:noFill/>
-                    </a:ln>
-                    <a:solidFill>
-                      <a:schemeClr val="tx1"/>
-                    </a:solidFill>
-                    <a:effectLst/>
-                    <a:uLnTx/>
-                    <a:uFillTx/>
-                    <a:latin typeface="강한공군체 Bold" panose="020B0800000101010101" pitchFamily="34" charset="-127"/>
-                    <a:ea typeface="강한공군체 Bold" panose="020B0800000101010101" pitchFamily="34" charset="-127"/>
-                  </a:rPr>
-                  <a:t>개발 주요 요소</a:t>
-                </a:r>
-                <a:endParaRPr kumimoji="0" lang="ko-KR" altLang="en-US" sz="1600" b="0" i="0" u="none" strike="noStrike" kern="1200" cap="none" spc="0" normalizeH="0" baseline="0" noProof="0" dirty="0">
+                <a:endParaRPr kumimoji="0" lang="ko-KR" altLang="en-US" b="0" i="0" u="none" strike="noStrike" kern="1200" cap="none" spc="0" normalizeH="0" baseline="0" noProof="0" dirty="0">
                   <a:ln>
                     <a:noFill/>
                   </a:ln>
@@ -6134,9 +7097,8 @@
                   <a:effectLst/>
                   <a:uLnTx/>
                   <a:uFillTx/>
-                  <a:latin typeface="맑은 고딕" panose="020F0502020204030204"/>
-                  <a:ea typeface="맑은 고딕" panose="020B0503020000020004" pitchFamily="50" charset="-127"/>
-                  <a:cs typeface="+mn-cs"/>
+                  <a:latin typeface="강한공군체 Bold" panose="020B0800000101010101" pitchFamily="34" charset="-127"/>
+                  <a:ea typeface="강한공군체 Bold" panose="020B0800000101010101" pitchFamily="34" charset="-127"/>
                 </a:endParaRPr>
               </a:p>
             </p:txBody>
@@ -6319,166 +7281,1288 @@
           </p:sp>
         </p:grpSp>
       </p:grpSp>
-      <p:sp>
-        <p:nvSpPr>
-          <p:cNvPr id="26" name="직사각형 25"/>
-          <p:cNvSpPr/>
+      <p:graphicFrame>
+        <p:nvGraphicFramePr>
+          <p:cNvPr id="28" name="표 28">
+            <a:extLst>
+              <a:ext uri="{FF2B5EF4-FFF2-40B4-BE49-F238E27FC236}">
+                <a16:creationId xmlns:a16="http://schemas.microsoft.com/office/drawing/2014/main" id="{7A68C0B4-2CF1-5B71-B5DB-3911A625E6C9}"/>
+              </a:ext>
+            </a:extLst>
+          </p:cNvPr>
+          <p:cNvGraphicFramePr>
+            <a:graphicFrameLocks noGrp="1"/>
+          </p:cNvGraphicFramePr>
+          <p:nvPr>
+            <p:extLst>
+              <p:ext uri="{D42A27DB-BD31-4B8C-83A1-F6EECF244321}">
+                <p14:modId xmlns:p14="http://schemas.microsoft.com/office/powerpoint/2010/main" val="1309751576"/>
+              </p:ext>
+            </p:extLst>
+          </p:nvPr>
+        </p:nvGraphicFramePr>
+        <p:xfrm>
+          <a:off x="1722170" y="685725"/>
+          <a:ext cx="8863768" cy="5940509"/>
+        </p:xfrm>
+        <a:graphic>
+          <a:graphicData uri="http://schemas.openxmlformats.org/drawingml/2006/table">
+            <a:tbl>
+              <a:tblPr firstRow="1" bandRow="1">
+                <a:tableStyleId>{5940675A-B579-460E-94D1-54222C63F5DA}</a:tableStyleId>
+              </a:tblPr>
+              <a:tblGrid>
+                <a:gridCol w="1197462">
+                  <a:extLst>
+                    <a:ext uri="{9D8B030D-6E8A-4147-A177-3AD203B41FA5}">
+                      <a16:colId xmlns:a16="http://schemas.microsoft.com/office/drawing/2014/main" val="1947379619"/>
+                    </a:ext>
+                  </a:extLst>
+                </a:gridCol>
+                <a:gridCol w="4043637">
+                  <a:extLst>
+                    <a:ext uri="{9D8B030D-6E8A-4147-A177-3AD203B41FA5}">
+                      <a16:colId xmlns:a16="http://schemas.microsoft.com/office/drawing/2014/main" val="3099758574"/>
+                    </a:ext>
+                  </a:extLst>
+                </a:gridCol>
+                <a:gridCol w="3622669">
+                  <a:extLst>
+                    <a:ext uri="{9D8B030D-6E8A-4147-A177-3AD203B41FA5}">
+                      <a16:colId xmlns:a16="http://schemas.microsoft.com/office/drawing/2014/main" val="1323198154"/>
+                    </a:ext>
+                  </a:extLst>
+                </a:gridCol>
+              </a:tblGrid>
+              <a:tr h="363511">
+                <a:tc>
+                  <a:txBody>
+                    <a:bodyPr/>
+                    <a:lstStyle/>
+                    <a:p>
+                      <a:pPr algn="ctr" latinLnBrk="1"/>
+                      <a:r>
+                        <a:rPr lang="ko-KR" altLang="en-US" sz="1400" dirty="0">
+                          <a:latin typeface="강한공군체 Medium" panose="020B0600000101010101" pitchFamily="34" charset="-127"/>
+                          <a:ea typeface="강한공군체 Medium" panose="020B0600000101010101" pitchFamily="34" charset="-127"/>
+                        </a:rPr>
+                        <a:t>내용</a:t>
+                      </a:r>
+                    </a:p>
+                  </a:txBody>
+                  <a:tcPr/>
+                </a:tc>
+                <a:tc>
+                  <a:txBody>
+                    <a:bodyPr/>
+                    <a:lstStyle/>
+                    <a:p>
+                      <a:pPr algn="ctr" latinLnBrk="1"/>
+                      <a:r>
+                        <a:rPr lang="ko-KR" altLang="en-US" sz="1400" dirty="0">
+                          <a:latin typeface="강한공군체 Medium" panose="020B0600000101010101" pitchFamily="34" charset="-127"/>
+                          <a:ea typeface="강한공군체 Medium" panose="020B0600000101010101" pitchFamily="34" charset="-127"/>
+                        </a:rPr>
+                        <a:t>최소 범위</a:t>
+                      </a:r>
+                    </a:p>
+                  </a:txBody>
+                  <a:tcPr/>
+                </a:tc>
+                <a:tc>
+                  <a:txBody>
+                    <a:bodyPr/>
+                    <a:lstStyle/>
+                    <a:p>
+                      <a:pPr algn="ctr" latinLnBrk="1"/>
+                      <a:r>
+                        <a:rPr lang="ko-KR" altLang="en-US" sz="1400" dirty="0">
+                          <a:latin typeface="강한공군체 Medium" panose="020B0600000101010101" pitchFamily="34" charset="-127"/>
+                          <a:ea typeface="강한공군체 Medium" panose="020B0600000101010101" pitchFamily="34" charset="-127"/>
+                        </a:rPr>
+                        <a:t>추가 범위</a:t>
+                      </a:r>
+                    </a:p>
+                  </a:txBody>
+                  <a:tcPr/>
+                </a:tc>
+                <a:extLst>
+                  <a:ext uri="{0D108BD9-81ED-4DB2-BD59-A6C34878D82A}">
+                    <a16:rowId xmlns:a16="http://schemas.microsoft.com/office/drawing/2014/main" val="1665088920"/>
+                  </a:ext>
+                </a:extLst>
+              </a:tr>
+              <a:tr h="626914">
+                <a:tc>
+                  <a:txBody>
+                    <a:bodyPr/>
+                    <a:lstStyle/>
+                    <a:p>
+                      <a:pPr algn="ctr" latinLnBrk="1"/>
+                      <a:r>
+                        <a:rPr lang="ko-KR" altLang="en-US" sz="1400" dirty="0">
+                          <a:latin typeface="강한공군체 Medium" panose="020B0600000101010101" pitchFamily="34" charset="-127"/>
+                          <a:ea typeface="강한공군체 Medium" panose="020B0600000101010101" pitchFamily="34" charset="-127"/>
+                        </a:rPr>
+                        <a:t>캐릭터</a:t>
+                      </a:r>
+                      <a:endParaRPr lang="en-US" altLang="ko-KR" sz="1400" dirty="0">
+                        <a:latin typeface="강한공군체 Medium" panose="020B0600000101010101" pitchFamily="34" charset="-127"/>
+                        <a:ea typeface="강한공군체 Medium" panose="020B0600000101010101" pitchFamily="34" charset="-127"/>
+                      </a:endParaRPr>
+                    </a:p>
+                    <a:p>
+                      <a:pPr algn="ctr" latinLnBrk="1"/>
+                      <a:r>
+                        <a:rPr lang="ko-KR" altLang="en-US" sz="1400" dirty="0">
+                          <a:latin typeface="강한공군체 Medium" panose="020B0600000101010101" pitchFamily="34" charset="-127"/>
+                          <a:ea typeface="강한공군체 Medium" panose="020B0600000101010101" pitchFamily="34" charset="-127"/>
+                        </a:rPr>
+                        <a:t>컨트롤</a:t>
+                      </a:r>
+                    </a:p>
+                  </a:txBody>
+                  <a:tcPr/>
+                </a:tc>
+                <a:tc>
+                  <a:txBody>
+                    <a:bodyPr/>
+                    <a:lstStyle/>
+                    <a:p>
+                      <a:pPr algn="ctr" latinLnBrk="1"/>
+                      <a:r>
+                        <a:rPr lang="ko-KR" altLang="en-US" sz="1400" dirty="0">
+                          <a:latin typeface="강한공군체 Medium" panose="020B0600000101010101" pitchFamily="34" charset="-127"/>
+                          <a:ea typeface="강한공군체 Medium" panose="020B0600000101010101" pitchFamily="34" charset="-127"/>
+                        </a:rPr>
+                        <a:t>캐릭터 움직임 </a:t>
+                      </a:r>
+                      <a:r>
+                        <a:rPr lang="en-US" altLang="ko-KR" sz="1400" dirty="0">
+                          <a:latin typeface="강한공군체 Medium" panose="020B0600000101010101" pitchFamily="34" charset="-127"/>
+                          <a:ea typeface="강한공군체 Medium" panose="020B0600000101010101" pitchFamily="34" charset="-127"/>
+                        </a:rPr>
+                        <a:t>4</a:t>
+                      </a:r>
+                      <a:r>
+                        <a:rPr lang="ko-KR" altLang="en-US" sz="1400" dirty="0">
+                          <a:latin typeface="강한공군체 Medium" panose="020B0600000101010101" pitchFamily="34" charset="-127"/>
+                          <a:ea typeface="강한공군체 Medium" panose="020B0600000101010101" pitchFamily="34" charset="-127"/>
+                        </a:rPr>
+                        <a:t>방향</a:t>
+                      </a:r>
+                      <a:r>
+                        <a:rPr lang="en-US" altLang="ko-KR" sz="1400" dirty="0">
+                          <a:latin typeface="강한공군체 Medium" panose="020B0600000101010101" pitchFamily="34" charset="-127"/>
+                          <a:ea typeface="강한공군체 Medium" panose="020B0600000101010101" pitchFamily="34" charset="-127"/>
+                        </a:rPr>
+                        <a:t>(</a:t>
+                      </a:r>
+                      <a:r>
+                        <a:rPr lang="ko-KR" altLang="en-US" sz="1400" dirty="0">
+                          <a:latin typeface="강한공군체 Medium" panose="020B0600000101010101" pitchFamily="34" charset="-127"/>
+                          <a:ea typeface="강한공군체 Medium" panose="020B0600000101010101" pitchFamily="34" charset="-127"/>
+                        </a:rPr>
+                        <a:t>방향키</a:t>
+                      </a:r>
+                      <a:r>
+                        <a:rPr lang="en-US" altLang="ko-KR" sz="1400" dirty="0">
+                          <a:latin typeface="강한공군체 Medium" panose="020B0600000101010101" pitchFamily="34" charset="-127"/>
+                          <a:ea typeface="강한공군체 Medium" panose="020B0600000101010101" pitchFamily="34" charset="-127"/>
+                        </a:rPr>
+                        <a:t>)</a:t>
+                      </a:r>
+                    </a:p>
+                    <a:p>
+                      <a:pPr algn="ctr" latinLnBrk="1"/>
+                      <a:r>
+                        <a:rPr lang="en-US" altLang="ko-KR" sz="1400" dirty="0">
+                          <a:latin typeface="강한공군체 Medium" panose="020B0600000101010101" pitchFamily="34" charset="-127"/>
+                          <a:ea typeface="강한공군체 Medium" panose="020B0600000101010101" pitchFamily="34" charset="-127"/>
+                        </a:rPr>
+                        <a:t>+</a:t>
+                      </a:r>
+                      <a:r>
+                        <a:rPr lang="ko-KR" altLang="en-US" sz="1400" dirty="0">
+                          <a:latin typeface="강한공군체 Medium" panose="020B0600000101010101" pitchFamily="34" charset="-127"/>
+                          <a:ea typeface="강한공군체 Medium" panose="020B0600000101010101" pitchFamily="34" charset="-127"/>
+                        </a:rPr>
+                        <a:t>대각선 움직임</a:t>
+                      </a:r>
+                    </a:p>
+                  </a:txBody>
+                  <a:tcPr/>
+                </a:tc>
+                <a:tc>
+                  <a:txBody>
+                    <a:bodyPr/>
+                    <a:lstStyle/>
+                    <a:p>
+                      <a:pPr algn="ctr" latinLnBrk="1"/>
+                      <a:r>
+                        <a:rPr lang="ko-KR" altLang="en-US" sz="1400" dirty="0">
+                          <a:latin typeface="강한공군체 Medium" panose="020B0600000101010101" pitchFamily="34" charset="-127"/>
+                          <a:ea typeface="강한공군체 Medium" panose="020B0600000101010101" pitchFamily="34" charset="-127"/>
+                        </a:rPr>
+                        <a:t>벽을 타는 움직임</a:t>
+                      </a:r>
+                    </a:p>
+                  </a:txBody>
+                  <a:tcPr/>
+                </a:tc>
+                <a:extLst>
+                  <a:ext uri="{0D108BD9-81ED-4DB2-BD59-A6C34878D82A}">
+                    <a16:rowId xmlns:a16="http://schemas.microsoft.com/office/drawing/2014/main" val="1684321170"/>
+                  </a:ext>
+                </a:extLst>
+              </a:tr>
+              <a:tr h="626914">
+                <a:tc>
+                  <a:txBody>
+                    <a:bodyPr/>
+                    <a:lstStyle/>
+                    <a:p>
+                      <a:pPr algn="ctr" latinLnBrk="1"/>
+                      <a:r>
+                        <a:rPr lang="ko-KR" altLang="en-US" sz="1400" dirty="0">
+                          <a:latin typeface="강한공군체 Medium" panose="020B0600000101010101" pitchFamily="34" charset="-127"/>
+                          <a:ea typeface="강한공군체 Medium" panose="020B0600000101010101" pitchFamily="34" charset="-127"/>
+                        </a:rPr>
+                        <a:t>캐릭터</a:t>
+                      </a:r>
+                      <a:endParaRPr lang="en-US" altLang="ko-KR" sz="1400" dirty="0">
+                        <a:latin typeface="강한공군체 Medium" panose="020B0600000101010101" pitchFamily="34" charset="-127"/>
+                        <a:ea typeface="강한공군체 Medium" panose="020B0600000101010101" pitchFamily="34" charset="-127"/>
+                      </a:endParaRPr>
+                    </a:p>
+                    <a:p>
+                      <a:pPr algn="ctr" latinLnBrk="1"/>
+                      <a:r>
+                        <a:rPr lang="ko-KR" altLang="en-US" sz="1400" dirty="0">
+                          <a:latin typeface="강한공군체 Medium" panose="020B0600000101010101" pitchFamily="34" charset="-127"/>
+                          <a:ea typeface="강한공군체 Medium" panose="020B0600000101010101" pitchFamily="34" charset="-127"/>
+                        </a:rPr>
+                        <a:t>기술</a:t>
+                      </a:r>
+                    </a:p>
+                  </a:txBody>
+                  <a:tcPr/>
+                </a:tc>
+                <a:tc>
+                  <a:txBody>
+                    <a:bodyPr/>
+                    <a:lstStyle/>
+                    <a:p>
+                      <a:pPr algn="ctr" latinLnBrk="1"/>
+                      <a:r>
+                        <a:rPr lang="en-US" altLang="ko-KR" sz="1400" dirty="0">
+                          <a:latin typeface="강한공군체 Medium" panose="020B0600000101010101" pitchFamily="34" charset="-127"/>
+                          <a:ea typeface="강한공군체 Medium" panose="020B0600000101010101" pitchFamily="34" charset="-127"/>
+                        </a:rPr>
+                        <a:t>Z- </a:t>
+                      </a:r>
+                      <a:r>
+                        <a:rPr lang="ko-KR" altLang="en-US" sz="1400" dirty="0">
+                          <a:latin typeface="강한공군체 Medium" panose="020B0600000101010101" pitchFamily="34" charset="-127"/>
+                          <a:ea typeface="강한공군체 Medium" panose="020B0600000101010101" pitchFamily="34" charset="-127"/>
+                        </a:rPr>
+                        <a:t>점프</a:t>
+                      </a:r>
+                      <a:r>
+                        <a:rPr lang="en-US" altLang="ko-KR" sz="1400" dirty="0">
+                          <a:latin typeface="강한공군체 Medium" panose="020B0600000101010101" pitchFamily="34" charset="-127"/>
+                          <a:ea typeface="강한공군체 Medium" panose="020B0600000101010101" pitchFamily="34" charset="-127"/>
+                        </a:rPr>
+                        <a:t>, X- </a:t>
+                      </a:r>
+                      <a:r>
+                        <a:rPr lang="ko-KR" altLang="en-US" sz="1400" dirty="0">
+                          <a:latin typeface="강한공군체 Medium" panose="020B0600000101010101" pitchFamily="34" charset="-127"/>
+                          <a:ea typeface="강한공군체 Medium" panose="020B0600000101010101" pitchFamily="34" charset="-127"/>
+                        </a:rPr>
+                        <a:t>공격</a:t>
+                      </a:r>
+                      <a:r>
+                        <a:rPr lang="en-US" altLang="ko-KR" sz="1400" dirty="0">
+                          <a:latin typeface="강한공군체 Medium" panose="020B0600000101010101" pitchFamily="34" charset="-127"/>
+                          <a:ea typeface="강한공군체 Medium" panose="020B0600000101010101" pitchFamily="34" charset="-127"/>
+                        </a:rPr>
+                        <a:t>, C- </a:t>
+                      </a:r>
+                      <a:r>
+                        <a:rPr lang="ko-KR" altLang="en-US" sz="1400" dirty="0">
+                          <a:latin typeface="강한공군체 Medium" panose="020B0600000101010101" pitchFamily="34" charset="-127"/>
+                          <a:ea typeface="강한공군체 Medium" panose="020B0600000101010101" pitchFamily="34" charset="-127"/>
+                        </a:rPr>
+                        <a:t>돌진</a:t>
+                      </a:r>
+                    </a:p>
+                  </a:txBody>
+                  <a:tcPr/>
+                </a:tc>
+                <a:tc>
+                  <a:txBody>
+                    <a:bodyPr/>
+                    <a:lstStyle/>
+                    <a:p>
+                      <a:pPr algn="ctr" latinLnBrk="1"/>
+                      <a:r>
+                        <a:rPr lang="ko-KR" altLang="en-US" sz="1400" dirty="0">
+                          <a:latin typeface="강한공군체 Medium" panose="020B0600000101010101" pitchFamily="34" charset="-127"/>
+                          <a:ea typeface="강한공군체 Medium" panose="020B0600000101010101" pitchFamily="34" charset="-127"/>
+                        </a:rPr>
+                        <a:t>무기 강화</a:t>
+                      </a:r>
+                    </a:p>
+                  </a:txBody>
+                  <a:tcPr/>
+                </a:tc>
+                <a:extLst>
+                  <a:ext uri="{0D108BD9-81ED-4DB2-BD59-A6C34878D82A}">
+                    <a16:rowId xmlns:a16="http://schemas.microsoft.com/office/drawing/2014/main" val="4112232731"/>
+                  </a:ext>
+                </a:extLst>
+              </a:tr>
+              <a:tr h="626914">
+                <a:tc>
+                  <a:txBody>
+                    <a:bodyPr/>
+                    <a:lstStyle/>
+                    <a:p>
+                      <a:pPr algn="ctr" latinLnBrk="1"/>
+                      <a:r>
+                        <a:rPr lang="ko-KR" altLang="en-US" sz="1400" dirty="0">
+                          <a:latin typeface="강한공군체 Medium" panose="020B0600000101010101" pitchFamily="34" charset="-127"/>
+                          <a:ea typeface="강한공군체 Medium" panose="020B0600000101010101" pitchFamily="34" charset="-127"/>
+                        </a:rPr>
+                        <a:t>맵</a:t>
+                      </a:r>
+                    </a:p>
+                  </a:txBody>
+                  <a:tcPr/>
+                </a:tc>
+                <a:tc>
+                  <a:txBody>
+                    <a:bodyPr/>
+                    <a:lstStyle/>
+                    <a:p>
+                      <a:pPr algn="ctr" latinLnBrk="1"/>
+                      <a:r>
+                        <a:rPr lang="ko-KR" altLang="en-US" sz="1400" dirty="0">
+                          <a:latin typeface="강한공군체 Medium" panose="020B0600000101010101" pitchFamily="34" charset="-127"/>
+                          <a:ea typeface="강한공군체 Medium" panose="020B0600000101010101" pitchFamily="34" charset="-127"/>
+                        </a:rPr>
+                        <a:t>횡 스크롤</a:t>
+                      </a:r>
+                      <a:r>
+                        <a:rPr lang="en-US" altLang="ko-KR" sz="1400" dirty="0">
+                          <a:latin typeface="강한공군체 Medium" panose="020B0600000101010101" pitchFamily="34" charset="-127"/>
+                          <a:ea typeface="강한공군체 Medium" panose="020B0600000101010101" pitchFamily="34" charset="-127"/>
+                        </a:rPr>
+                        <a:t>,</a:t>
+                      </a:r>
+                    </a:p>
+                    <a:p>
+                      <a:pPr algn="ctr" latinLnBrk="1"/>
+                      <a:r>
+                        <a:rPr lang="ko-KR" altLang="en-US" sz="1400" dirty="0">
+                          <a:latin typeface="강한공군체 Medium" panose="020B0600000101010101" pitchFamily="34" charset="-127"/>
+                          <a:ea typeface="강한공군체 Medium" panose="020B0600000101010101" pitchFamily="34" charset="-127"/>
+                        </a:rPr>
+                        <a:t>일반적으로 지도를 지급</a:t>
+                      </a:r>
+                    </a:p>
+                  </a:txBody>
+                  <a:tcPr/>
+                </a:tc>
+                <a:tc>
+                  <a:txBody>
+                    <a:bodyPr/>
+                    <a:lstStyle/>
+                    <a:p>
+                      <a:pPr algn="ctr" latinLnBrk="1"/>
+                      <a:r>
+                        <a:rPr lang="ko-KR" altLang="en-US" sz="1400" dirty="0">
+                          <a:latin typeface="강한공군체 Medium" panose="020B0600000101010101" pitchFamily="34" charset="-127"/>
+                          <a:ea typeface="강한공군체 Medium" panose="020B0600000101010101" pitchFamily="34" charset="-127"/>
+                        </a:rPr>
+                        <a:t>최종보스</a:t>
+                      </a:r>
+                      <a:r>
+                        <a:rPr lang="en-US" altLang="ko-KR" sz="1400" dirty="0">
+                          <a:latin typeface="강한공군체 Medium" panose="020B0600000101010101" pitchFamily="34" charset="-127"/>
+                          <a:ea typeface="강한공군체 Medium" panose="020B0600000101010101" pitchFamily="34" charset="-127"/>
+                        </a:rPr>
+                        <a:t>, </a:t>
+                      </a:r>
+                      <a:r>
+                        <a:rPr lang="ko-KR" altLang="en-US" sz="1400" dirty="0">
+                          <a:latin typeface="강한공군체 Medium" panose="020B0600000101010101" pitchFamily="34" charset="-127"/>
+                          <a:ea typeface="강한공군체 Medium" panose="020B0600000101010101" pitchFamily="34" charset="-127"/>
+                        </a:rPr>
+                        <a:t>맵 더 크게 구현</a:t>
+                      </a:r>
+                      <a:endParaRPr lang="en-US" altLang="ko-KR" sz="1400" dirty="0">
+                        <a:latin typeface="강한공군체 Medium" panose="020B0600000101010101" pitchFamily="34" charset="-127"/>
+                        <a:ea typeface="강한공군체 Medium" panose="020B0600000101010101" pitchFamily="34" charset="-127"/>
+                      </a:endParaRPr>
+                    </a:p>
+                    <a:p>
+                      <a:pPr algn="ctr" latinLnBrk="1"/>
+                      <a:r>
+                        <a:rPr lang="ko-KR" altLang="en-US" sz="1400" dirty="0">
+                          <a:latin typeface="강한공군체 Medium" panose="020B0600000101010101" pitchFamily="34" charset="-127"/>
+                          <a:ea typeface="강한공군체 Medium" panose="020B0600000101010101" pitchFamily="34" charset="-127"/>
+                        </a:rPr>
+                        <a:t>지도상인을 통해 지도 구입</a:t>
+                      </a:r>
+                    </a:p>
+                  </a:txBody>
+                  <a:tcPr/>
+                </a:tc>
+                <a:extLst>
+                  <a:ext uri="{0D108BD9-81ED-4DB2-BD59-A6C34878D82A}">
+                    <a16:rowId xmlns:a16="http://schemas.microsoft.com/office/drawing/2014/main" val="3413904121"/>
+                  </a:ext>
+                </a:extLst>
+              </a:tr>
+              <a:tr h="766028">
+                <a:tc>
+                  <a:txBody>
+                    <a:bodyPr/>
+                    <a:lstStyle/>
+                    <a:p>
+                      <a:pPr algn="ctr" latinLnBrk="1"/>
+                      <a:r>
+                        <a:rPr lang="ko-KR" altLang="en-US" sz="1400" dirty="0">
+                          <a:latin typeface="강한공군체 Medium" panose="020B0600000101010101" pitchFamily="34" charset="-127"/>
+                          <a:ea typeface="강한공군체 Medium" panose="020B0600000101010101" pitchFamily="34" charset="-127"/>
+                        </a:rPr>
+                        <a:t>적 </a:t>
+                      </a:r>
+                      <a:r>
+                        <a:rPr lang="en-US" altLang="ko-KR" sz="1400" dirty="0">
+                          <a:latin typeface="강한공군체 Medium" panose="020B0600000101010101" pitchFamily="34" charset="-127"/>
+                          <a:ea typeface="강한공군체 Medium" panose="020B0600000101010101" pitchFamily="34" charset="-127"/>
+                        </a:rPr>
+                        <a:t>AI</a:t>
+                      </a:r>
+                      <a:endParaRPr lang="ko-KR" altLang="en-US" sz="1400" dirty="0">
+                        <a:latin typeface="강한공군체 Medium" panose="020B0600000101010101" pitchFamily="34" charset="-127"/>
+                        <a:ea typeface="강한공군체 Medium" panose="020B0600000101010101" pitchFamily="34" charset="-127"/>
+                      </a:endParaRPr>
+                    </a:p>
+                  </a:txBody>
+                  <a:tcPr/>
+                </a:tc>
+                <a:tc>
+                  <a:txBody>
+                    <a:bodyPr/>
+                    <a:lstStyle/>
+                    <a:p>
+                      <a:pPr algn="ctr" latinLnBrk="1"/>
+                      <a:r>
+                        <a:rPr lang="ko-KR" altLang="en-US" sz="1400" dirty="0">
+                          <a:latin typeface="강한공군체 Medium" panose="020B0600000101010101" pitchFamily="34" charset="-127"/>
+                          <a:ea typeface="강한공군체 Medium" panose="020B0600000101010101" pitchFamily="34" charset="-127"/>
+                        </a:rPr>
+                        <a:t>공중의 적</a:t>
+                      </a:r>
+                      <a:r>
+                        <a:rPr lang="en-US" altLang="ko-KR" sz="1400" dirty="0">
+                          <a:latin typeface="강한공군체 Medium" panose="020B0600000101010101" pitchFamily="34" charset="-127"/>
+                          <a:ea typeface="강한공군체 Medium" panose="020B0600000101010101" pitchFamily="34" charset="-127"/>
+                        </a:rPr>
+                        <a:t>: </a:t>
+                      </a:r>
+                      <a:r>
+                        <a:rPr lang="ko-KR" altLang="en-US" sz="1400" dirty="0">
+                          <a:latin typeface="강한공군체 Medium" panose="020B0600000101010101" pitchFamily="34" charset="-127"/>
+                          <a:ea typeface="강한공군체 Medium" panose="020B0600000101010101" pitchFamily="34" charset="-127"/>
+                        </a:rPr>
+                        <a:t>공중에서 공격</a:t>
+                      </a:r>
+                      <a:endParaRPr lang="en-US" altLang="ko-KR" sz="1400" dirty="0">
+                        <a:latin typeface="강한공군체 Medium" panose="020B0600000101010101" pitchFamily="34" charset="-127"/>
+                        <a:ea typeface="강한공군체 Medium" panose="020B0600000101010101" pitchFamily="34" charset="-127"/>
+                      </a:endParaRPr>
+                    </a:p>
+                    <a:p>
+                      <a:pPr algn="ctr" latinLnBrk="1"/>
+                      <a:r>
+                        <a:rPr lang="ko-KR" altLang="en-US" sz="1400" dirty="0">
+                          <a:latin typeface="강한공군체 Medium" panose="020B0600000101010101" pitchFamily="34" charset="-127"/>
+                          <a:ea typeface="강한공군체 Medium" panose="020B0600000101010101" pitchFamily="34" charset="-127"/>
+                        </a:rPr>
+                        <a:t>적</a:t>
+                      </a:r>
+                      <a:r>
+                        <a:rPr lang="en-US" altLang="ko-KR" sz="1400" dirty="0">
+                          <a:latin typeface="강한공군체 Medium" panose="020B0600000101010101" pitchFamily="34" charset="-127"/>
+                          <a:ea typeface="강한공군체 Medium" panose="020B0600000101010101" pitchFamily="34" charset="-127"/>
+                        </a:rPr>
+                        <a:t>2: </a:t>
+                      </a:r>
+                      <a:r>
+                        <a:rPr lang="ko-KR" altLang="en-US" sz="1400" dirty="0">
+                          <a:latin typeface="강한공군체 Medium" panose="020B0600000101010101" pitchFamily="34" charset="-127"/>
+                          <a:ea typeface="강한공군체 Medium" panose="020B0600000101010101" pitchFamily="34" charset="-127"/>
+                        </a:rPr>
+                        <a:t>일정범위 내에 들어오면 돌진하며 공격</a:t>
+                      </a:r>
+                    </a:p>
+                  </a:txBody>
+                  <a:tcPr/>
+                </a:tc>
+                <a:tc>
+                  <a:txBody>
+                    <a:bodyPr/>
+                    <a:lstStyle/>
+                    <a:p>
+                      <a:pPr algn="ctr" latinLnBrk="1"/>
+                      <a:r>
+                        <a:rPr lang="ko-KR" altLang="en-US" sz="1400" dirty="0">
+                          <a:latin typeface="강한공군체 Medium" panose="020B0600000101010101" pitchFamily="34" charset="-127"/>
+                          <a:ea typeface="강한공군체 Medium" panose="020B0600000101010101" pitchFamily="34" charset="-127"/>
+                        </a:rPr>
+                        <a:t>몬스터의 종류를 더 늘림</a:t>
+                      </a:r>
+                      <a:endParaRPr lang="en-US" altLang="ko-KR" sz="1400" dirty="0">
+                        <a:latin typeface="강한공군체 Medium" panose="020B0600000101010101" pitchFamily="34" charset="-127"/>
+                        <a:ea typeface="강한공군체 Medium" panose="020B0600000101010101" pitchFamily="34" charset="-127"/>
+                      </a:endParaRPr>
+                    </a:p>
+                    <a:p>
+                      <a:pPr algn="ctr" latinLnBrk="1"/>
+                      <a:r>
+                        <a:rPr lang="ko-KR" altLang="en-US" sz="1400" dirty="0">
+                          <a:latin typeface="강한공군체 Medium" panose="020B0600000101010101" pitchFamily="34" charset="-127"/>
+                          <a:ea typeface="강한공군체 Medium" panose="020B0600000101010101" pitchFamily="34" charset="-127"/>
+                        </a:rPr>
+                        <a:t>공중의 적을 죽이지 않을 시 따라오면서 공격하도록 설정</a:t>
+                      </a:r>
+                      <a:endParaRPr lang="en-US" altLang="ko-KR" sz="1400" dirty="0">
+                        <a:latin typeface="강한공군체 Medium" panose="020B0600000101010101" pitchFamily="34" charset="-127"/>
+                        <a:ea typeface="강한공군체 Medium" panose="020B0600000101010101" pitchFamily="34" charset="-127"/>
+                      </a:endParaRPr>
+                    </a:p>
+                  </a:txBody>
+                  <a:tcPr/>
+                </a:tc>
+                <a:extLst>
+                  <a:ext uri="{0D108BD9-81ED-4DB2-BD59-A6C34878D82A}">
+                    <a16:rowId xmlns:a16="http://schemas.microsoft.com/office/drawing/2014/main" val="586182593"/>
+                  </a:ext>
+                </a:extLst>
+              </a:tr>
+              <a:tr h="626914">
+                <a:tc>
+                  <a:txBody>
+                    <a:bodyPr/>
+                    <a:lstStyle/>
+                    <a:p>
+                      <a:pPr algn="ctr" latinLnBrk="1"/>
+                      <a:r>
+                        <a:rPr lang="ko-KR" altLang="en-US" sz="1400" dirty="0">
+                          <a:latin typeface="강한공군체 Medium" panose="020B0600000101010101" pitchFamily="34" charset="-127"/>
+                          <a:ea typeface="강한공군체 Medium" panose="020B0600000101010101" pitchFamily="34" charset="-127"/>
+                        </a:rPr>
+                        <a:t>난이도</a:t>
+                      </a:r>
+                    </a:p>
+                  </a:txBody>
+                  <a:tcPr/>
+                </a:tc>
+                <a:tc>
+                  <a:txBody>
+                    <a:bodyPr/>
+                    <a:lstStyle/>
+                    <a:p>
+                      <a:pPr algn="ctr" latinLnBrk="1"/>
+                      <a:r>
+                        <a:rPr lang="ko-KR" altLang="en-US" sz="1400" dirty="0">
+                          <a:latin typeface="강한공군체 Medium" panose="020B0600000101010101" pitchFamily="34" charset="-127"/>
+                          <a:ea typeface="강한공군체 Medium" panose="020B0600000101010101" pitchFamily="34" charset="-127"/>
+                        </a:rPr>
+                        <a:t>일반 난이도 체크포인트 </a:t>
+                      </a:r>
+                      <a:r>
+                        <a:rPr lang="en-US" altLang="ko-KR" sz="1400" dirty="0">
+                          <a:latin typeface="강한공군체 Medium" panose="020B0600000101010101" pitchFamily="34" charset="-127"/>
+                          <a:ea typeface="강한공군체 Medium" panose="020B0600000101010101" pitchFamily="34" charset="-127"/>
+                        </a:rPr>
+                        <a:t>O</a:t>
+                      </a:r>
+                    </a:p>
+                    <a:p>
+                      <a:pPr algn="ctr" latinLnBrk="1"/>
+                      <a:r>
+                        <a:rPr lang="ko-KR" altLang="en-US" sz="1400" dirty="0">
+                          <a:latin typeface="강한공군체 Medium" panose="020B0600000101010101" pitchFamily="34" charset="-127"/>
+                          <a:ea typeface="강한공군체 Medium" panose="020B0600000101010101" pitchFamily="34" charset="-127"/>
+                        </a:rPr>
+                        <a:t>난이도 </a:t>
+                      </a:r>
+                      <a:r>
+                        <a:rPr lang="ko-KR" altLang="en-US" sz="1400" dirty="0" err="1">
+                          <a:latin typeface="강한공군체 Medium" panose="020B0600000101010101" pitchFamily="34" charset="-127"/>
+                          <a:ea typeface="강한공군체 Medium" panose="020B0600000101010101" pitchFamily="34" charset="-127"/>
+                        </a:rPr>
+                        <a:t>증가시</a:t>
+                      </a:r>
+                      <a:r>
+                        <a:rPr lang="ko-KR" altLang="en-US" sz="1400" dirty="0">
+                          <a:latin typeface="강한공군체 Medium" panose="020B0600000101010101" pitchFamily="34" charset="-127"/>
+                          <a:ea typeface="강한공군체 Medium" panose="020B0600000101010101" pitchFamily="34" charset="-127"/>
+                        </a:rPr>
+                        <a:t> 체크포인트 </a:t>
+                      </a:r>
+                      <a:r>
+                        <a:rPr lang="en-US" altLang="ko-KR" sz="1400" dirty="0">
+                          <a:latin typeface="강한공군체 Medium" panose="020B0600000101010101" pitchFamily="34" charset="-127"/>
+                          <a:ea typeface="강한공군체 Medium" panose="020B0600000101010101" pitchFamily="34" charset="-127"/>
+                        </a:rPr>
+                        <a:t>X</a:t>
+                      </a:r>
+                      <a:endParaRPr lang="ko-KR" altLang="en-US" sz="1400" dirty="0">
+                        <a:latin typeface="강한공군체 Medium" panose="020B0600000101010101" pitchFamily="34" charset="-127"/>
+                        <a:ea typeface="강한공군체 Medium" panose="020B0600000101010101" pitchFamily="34" charset="-127"/>
+                      </a:endParaRPr>
+                    </a:p>
+                  </a:txBody>
+                  <a:tcPr/>
+                </a:tc>
+                <a:tc>
+                  <a:txBody>
+                    <a:bodyPr/>
+                    <a:lstStyle/>
+                    <a:p>
+                      <a:pPr algn="ctr" latinLnBrk="1"/>
+                      <a:r>
+                        <a:rPr lang="ko-KR" altLang="en-US" sz="1400" dirty="0">
+                          <a:latin typeface="강한공군체 Medium" panose="020B0600000101010101" pitchFamily="34" charset="-127"/>
+                          <a:ea typeface="강한공군체 Medium" panose="020B0600000101010101" pitchFamily="34" charset="-127"/>
+                        </a:rPr>
+                        <a:t>최종보스에서 난이도 상승</a:t>
+                      </a:r>
+                      <a:r>
+                        <a:rPr lang="en-US" altLang="ko-KR" sz="1400" dirty="0">
+                          <a:latin typeface="강한공군체 Medium" panose="020B0600000101010101" pitchFamily="34" charset="-127"/>
+                          <a:ea typeface="강한공군체 Medium" panose="020B0600000101010101" pitchFamily="34" charset="-127"/>
+                        </a:rPr>
+                        <a:t> : </a:t>
+                      </a:r>
+                      <a:r>
+                        <a:rPr lang="ko-KR" altLang="en-US" sz="1400" dirty="0">
+                          <a:latin typeface="강한공군체 Medium" panose="020B0600000101010101" pitchFamily="34" charset="-127"/>
+                          <a:ea typeface="강한공군체 Medium" panose="020B0600000101010101" pitchFamily="34" charset="-127"/>
+                        </a:rPr>
+                        <a:t>다른 공격 모션 및 데미지 상승</a:t>
+                      </a:r>
+                    </a:p>
+                  </a:txBody>
+                  <a:tcPr/>
+                </a:tc>
+                <a:extLst>
+                  <a:ext uri="{0D108BD9-81ED-4DB2-BD59-A6C34878D82A}">
+                    <a16:rowId xmlns:a16="http://schemas.microsoft.com/office/drawing/2014/main" val="3557066716"/>
+                  </a:ext>
+                </a:extLst>
+              </a:tr>
+              <a:tr h="1112834">
+                <a:tc>
+                  <a:txBody>
+                    <a:bodyPr/>
+                    <a:lstStyle/>
+                    <a:p>
+                      <a:pPr algn="ctr" latinLnBrk="1"/>
+                      <a:r>
+                        <a:rPr lang="ko-KR" altLang="en-US" sz="1400" dirty="0">
+                          <a:latin typeface="강한공군체 Medium" panose="020B0600000101010101" pitchFamily="34" charset="-127"/>
+                          <a:ea typeface="강한공군체 Medium" panose="020B0600000101010101" pitchFamily="34" charset="-127"/>
+                        </a:rPr>
+                        <a:t>게임기능</a:t>
+                      </a:r>
+                    </a:p>
+                  </a:txBody>
+                  <a:tcPr/>
+                </a:tc>
+                <a:tc>
+                  <a:txBody>
+                    <a:bodyPr/>
+                    <a:lstStyle/>
+                    <a:p>
+                      <a:pPr algn="ctr" latinLnBrk="1"/>
+                      <a:r>
+                        <a:rPr lang="ko-KR" altLang="en-US" sz="1400" dirty="0">
+                          <a:latin typeface="강한공군체 Medium" panose="020B0600000101010101" pitchFamily="34" charset="-127"/>
+                          <a:ea typeface="강한공군체 Medium" panose="020B0600000101010101" pitchFamily="34" charset="-127"/>
+                        </a:rPr>
+                        <a:t>난이도 선택 가능</a:t>
+                      </a:r>
+                      <a:endParaRPr lang="en-US" altLang="ko-KR" sz="1400" dirty="0">
+                        <a:latin typeface="강한공군체 Medium" panose="020B0600000101010101" pitchFamily="34" charset="-127"/>
+                        <a:ea typeface="강한공군체 Medium" panose="020B0600000101010101" pitchFamily="34" charset="-127"/>
+                      </a:endParaRPr>
+                    </a:p>
+                    <a:p>
+                      <a:pPr algn="ctr" latinLnBrk="1"/>
+                      <a:r>
+                        <a:rPr lang="ko-KR" altLang="en-US" sz="1400" dirty="0" err="1">
+                          <a:latin typeface="강한공군체 Medium" panose="020B0600000101010101" pitchFamily="34" charset="-127"/>
+                          <a:ea typeface="강한공군체 Medium" panose="020B0600000101010101" pitchFamily="34" charset="-127"/>
+                        </a:rPr>
+                        <a:t>피격시</a:t>
+                      </a:r>
+                      <a:r>
+                        <a:rPr lang="ko-KR" altLang="en-US" sz="1400" dirty="0">
+                          <a:latin typeface="강한공군체 Medium" panose="020B0600000101010101" pitchFamily="34" charset="-127"/>
+                          <a:ea typeface="강한공군체 Medium" panose="020B0600000101010101" pitchFamily="34" charset="-127"/>
+                        </a:rPr>
+                        <a:t> 영혼 감소</a:t>
+                      </a:r>
+                      <a:r>
+                        <a:rPr lang="en-US" altLang="ko-KR" sz="1400" dirty="0">
+                          <a:latin typeface="강한공군체 Medium" panose="020B0600000101010101" pitchFamily="34" charset="-127"/>
+                          <a:ea typeface="강한공군체 Medium" panose="020B0600000101010101" pitchFamily="34" charset="-127"/>
+                        </a:rPr>
+                        <a:t>(</a:t>
+                      </a:r>
+                      <a:r>
+                        <a:rPr lang="ko-KR" altLang="en-US" sz="1400" dirty="0">
+                          <a:latin typeface="강한공군체 Medium" panose="020B0600000101010101" pitchFamily="34" charset="-127"/>
+                          <a:ea typeface="강한공군체 Medium" panose="020B0600000101010101" pitchFamily="34" charset="-127"/>
+                        </a:rPr>
+                        <a:t>영혼 개수가 </a:t>
+                      </a:r>
+                      <a:r>
+                        <a:rPr lang="en-US" altLang="ko-KR" sz="1400" dirty="0">
+                          <a:latin typeface="강한공군체 Medium" panose="020B0600000101010101" pitchFamily="34" charset="-127"/>
+                          <a:ea typeface="강한공군체 Medium" panose="020B0600000101010101" pitchFamily="34" charset="-127"/>
+                        </a:rPr>
+                        <a:t>0</a:t>
+                      </a:r>
+                      <a:r>
+                        <a:rPr lang="ko-KR" altLang="en-US" sz="1400" dirty="0">
+                          <a:latin typeface="강한공군체 Medium" panose="020B0600000101010101" pitchFamily="34" charset="-127"/>
+                          <a:ea typeface="강한공군체 Medium" panose="020B0600000101010101" pitchFamily="34" charset="-127"/>
+                        </a:rPr>
+                        <a:t>일시 사망</a:t>
+                      </a:r>
+                      <a:r>
+                        <a:rPr lang="en-US" altLang="ko-KR" sz="1400" dirty="0">
+                          <a:latin typeface="강한공군체 Medium" panose="020B0600000101010101" pitchFamily="34" charset="-127"/>
+                          <a:ea typeface="강한공군체 Medium" panose="020B0600000101010101" pitchFamily="34" charset="-127"/>
+                        </a:rPr>
+                        <a:t>)</a:t>
+                      </a:r>
+                    </a:p>
+                    <a:p>
+                      <a:pPr algn="ctr" latinLnBrk="1"/>
+                      <a:r>
+                        <a:rPr lang="ko-KR" altLang="en-US" sz="1400" dirty="0">
+                          <a:latin typeface="강한공군체 Medium" panose="020B0600000101010101" pitchFamily="34" charset="-127"/>
+                          <a:ea typeface="강한공군체 Medium" panose="020B0600000101010101" pitchFamily="34" charset="-127"/>
+                        </a:rPr>
+                        <a:t>적을 제거해서 얻은 아이템으로 영혼 획득 가능</a:t>
+                      </a:r>
+                      <a:r>
+                        <a:rPr lang="en-US" altLang="ko-KR" sz="1400" dirty="0">
+                          <a:latin typeface="강한공군체 Medium" panose="020B0600000101010101" pitchFamily="34" charset="-127"/>
+                          <a:ea typeface="강한공군체 Medium" panose="020B0600000101010101" pitchFamily="34" charset="-127"/>
+                        </a:rPr>
+                        <a:t>(</a:t>
+                      </a:r>
+                      <a:r>
+                        <a:rPr lang="ko-KR" altLang="en-US" sz="1400" dirty="0">
+                          <a:latin typeface="강한공군체 Medium" panose="020B0600000101010101" pitchFamily="34" charset="-127"/>
+                          <a:ea typeface="강한공군체 Medium" panose="020B0600000101010101" pitchFamily="34" charset="-127"/>
+                        </a:rPr>
+                        <a:t>적 난이도에 따라 개수 조정</a:t>
+                      </a:r>
+                      <a:r>
+                        <a:rPr lang="en-US" altLang="ko-KR" sz="1400" dirty="0">
+                          <a:latin typeface="강한공군체 Medium" panose="020B0600000101010101" pitchFamily="34" charset="-127"/>
+                          <a:ea typeface="강한공군체 Medium" panose="020B0600000101010101" pitchFamily="34" charset="-127"/>
+                        </a:rPr>
+                        <a:t>)</a:t>
+                      </a:r>
+                    </a:p>
+                    <a:p>
+                      <a:pPr algn="ctr" latinLnBrk="1"/>
+                      <a:r>
+                        <a:rPr lang="ko-KR" altLang="en-US" sz="1400" dirty="0">
+                          <a:latin typeface="강한공군체 Medium" panose="020B0600000101010101" pitchFamily="34" charset="-127"/>
+                          <a:ea typeface="강한공군체 Medium" panose="020B0600000101010101" pitchFamily="34" charset="-127"/>
+                        </a:rPr>
+                        <a:t>체크포인트 설정</a:t>
+                      </a:r>
+                    </a:p>
+                  </a:txBody>
+                  <a:tcPr/>
+                </a:tc>
+                <a:tc>
+                  <a:txBody>
+                    <a:bodyPr/>
+                    <a:lstStyle/>
+                    <a:p>
+                      <a:pPr algn="ctr" latinLnBrk="1"/>
+                      <a:r>
+                        <a:rPr lang="ko-KR" altLang="en-US" sz="1400" dirty="0">
+                          <a:latin typeface="강한공군체 Medium" panose="020B0600000101010101" pitchFamily="34" charset="-127"/>
+                          <a:ea typeface="강한공군체 Medium" panose="020B0600000101010101" pitchFamily="34" charset="-127"/>
+                        </a:rPr>
+                        <a:t>튜토리얼 제시</a:t>
+                      </a:r>
+                      <a:endParaRPr lang="en-US" altLang="ko-KR" sz="1400" dirty="0">
+                        <a:latin typeface="강한공군체 Medium" panose="020B0600000101010101" pitchFamily="34" charset="-127"/>
+                        <a:ea typeface="강한공군체 Medium" panose="020B0600000101010101" pitchFamily="34" charset="-127"/>
+                      </a:endParaRPr>
+                    </a:p>
+                    <a:p>
+                      <a:pPr algn="ctr" latinLnBrk="1"/>
+                      <a:r>
+                        <a:rPr lang="ko-KR" altLang="en-US" sz="1400" dirty="0">
+                          <a:latin typeface="강한공군체 Medium" panose="020B0600000101010101" pitchFamily="34" charset="-127"/>
+                          <a:ea typeface="강한공군체 Medium" panose="020B0600000101010101" pitchFamily="34" charset="-127"/>
+                        </a:rPr>
+                        <a:t>일시정지 및 종료 키 제작</a:t>
+                      </a:r>
+                      <a:endParaRPr lang="en-US" altLang="ko-KR" sz="1400" dirty="0">
+                        <a:latin typeface="강한공군체 Medium" panose="020B0600000101010101" pitchFamily="34" charset="-127"/>
+                        <a:ea typeface="강한공군체 Medium" panose="020B0600000101010101" pitchFamily="34" charset="-127"/>
+                      </a:endParaRPr>
+                    </a:p>
+                    <a:p>
+                      <a:pPr algn="ctr" latinLnBrk="1"/>
+                      <a:r>
+                        <a:rPr lang="ko-KR" altLang="en-US" sz="1400" dirty="0">
+                          <a:latin typeface="강한공군체 Medium" panose="020B0600000101010101" pitchFamily="34" charset="-127"/>
+                          <a:ea typeface="강한공군체 Medium" panose="020B0600000101010101" pitchFamily="34" charset="-127"/>
+                        </a:rPr>
+                        <a:t>상인을 통해 무기 강화</a:t>
+                      </a:r>
+                      <a:endParaRPr lang="en-US" altLang="ko-KR" sz="1400" dirty="0">
+                        <a:latin typeface="강한공군체 Medium" panose="020B0600000101010101" pitchFamily="34" charset="-127"/>
+                        <a:ea typeface="강한공군체 Medium" panose="020B0600000101010101" pitchFamily="34" charset="-127"/>
+                      </a:endParaRPr>
+                    </a:p>
+                    <a:p>
+                      <a:pPr algn="ctr" latinLnBrk="1"/>
+                      <a:r>
+                        <a:rPr lang="ko-KR" altLang="en-US" sz="1400" dirty="0">
+                          <a:latin typeface="강한공군체 Medium" panose="020B0600000101010101" pitchFamily="34" charset="-127"/>
+                          <a:ea typeface="강한공군체 Medium" panose="020B0600000101010101" pitchFamily="34" charset="-127"/>
+                        </a:rPr>
+                        <a:t>스테이지 클리어 시 재시작 또는 </a:t>
+                      </a:r>
+                      <a:endParaRPr lang="en-US" altLang="ko-KR" sz="1400" dirty="0">
+                        <a:latin typeface="강한공군체 Medium" panose="020B0600000101010101" pitchFamily="34" charset="-127"/>
+                        <a:ea typeface="강한공군체 Medium" panose="020B0600000101010101" pitchFamily="34" charset="-127"/>
+                      </a:endParaRPr>
+                    </a:p>
+                    <a:p>
+                      <a:pPr algn="ctr" latinLnBrk="1"/>
+                      <a:r>
+                        <a:rPr lang="ko-KR" altLang="en-US" sz="1400" dirty="0">
+                          <a:latin typeface="강한공군체 Medium" panose="020B0600000101010101" pitchFamily="34" charset="-127"/>
+                          <a:ea typeface="강한공군체 Medium" panose="020B0600000101010101" pitchFamily="34" charset="-127"/>
+                        </a:rPr>
+                        <a:t>끝내기 선택기능</a:t>
+                      </a:r>
+                    </a:p>
+                  </a:txBody>
+                  <a:tcPr/>
+                </a:tc>
+                <a:extLst>
+                  <a:ext uri="{0D108BD9-81ED-4DB2-BD59-A6C34878D82A}">
+                    <a16:rowId xmlns:a16="http://schemas.microsoft.com/office/drawing/2014/main" val="3111266764"/>
+                  </a:ext>
+                </a:extLst>
+              </a:tr>
+              <a:tr h="626914">
+                <a:tc>
+                  <a:txBody>
+                    <a:bodyPr/>
+                    <a:lstStyle/>
+                    <a:p>
+                      <a:pPr algn="ctr" latinLnBrk="1"/>
+                      <a:r>
+                        <a:rPr lang="ko-KR" altLang="en-US" sz="1400" dirty="0">
+                          <a:latin typeface="강한공군체 Medium" panose="020B0600000101010101" pitchFamily="34" charset="-127"/>
+                          <a:ea typeface="강한공군체 Medium" panose="020B0600000101010101" pitchFamily="34" charset="-127"/>
+                        </a:rPr>
+                        <a:t>사운드</a:t>
+                      </a:r>
+                    </a:p>
+                  </a:txBody>
+                  <a:tcPr/>
+                </a:tc>
+                <a:tc>
+                  <a:txBody>
+                    <a:bodyPr/>
+                    <a:lstStyle/>
+                    <a:p>
+                      <a:pPr algn="ctr" latinLnBrk="1"/>
+                      <a:r>
+                        <a:rPr lang="ko-KR" altLang="en-US" sz="1400" dirty="0">
+                          <a:latin typeface="강한공군체 Medium" panose="020B0600000101010101" pitchFamily="34" charset="-127"/>
+                          <a:ea typeface="강한공군체 Medium" panose="020B0600000101010101" pitchFamily="34" charset="-127"/>
+                        </a:rPr>
+                        <a:t>걷기</a:t>
+                      </a:r>
+                      <a:r>
+                        <a:rPr lang="en-US" altLang="ko-KR" sz="1400" dirty="0">
+                          <a:latin typeface="강한공군체 Medium" panose="020B0600000101010101" pitchFamily="34" charset="-127"/>
+                          <a:ea typeface="강한공군체 Medium" panose="020B0600000101010101" pitchFamily="34" charset="-127"/>
+                        </a:rPr>
+                        <a:t>, </a:t>
+                      </a:r>
+                      <a:r>
+                        <a:rPr lang="ko-KR" altLang="en-US" sz="1400" dirty="0">
+                          <a:latin typeface="강한공군체 Medium" panose="020B0600000101010101" pitchFamily="34" charset="-127"/>
+                          <a:ea typeface="강한공군체 Medium" panose="020B0600000101010101" pitchFamily="34" charset="-127"/>
+                        </a:rPr>
+                        <a:t>점프</a:t>
+                      </a:r>
+                      <a:r>
+                        <a:rPr lang="en-US" altLang="ko-KR" sz="1400" dirty="0">
+                          <a:latin typeface="강한공군체 Medium" panose="020B0600000101010101" pitchFamily="34" charset="-127"/>
+                          <a:ea typeface="강한공군체 Medium" panose="020B0600000101010101" pitchFamily="34" charset="-127"/>
+                        </a:rPr>
+                        <a:t>, </a:t>
+                      </a:r>
+                      <a:r>
+                        <a:rPr lang="ko-KR" altLang="en-US" sz="1400" dirty="0">
+                          <a:latin typeface="강한공군체 Medium" panose="020B0600000101010101" pitchFamily="34" charset="-127"/>
+                          <a:ea typeface="강한공군체 Medium" panose="020B0600000101010101" pitchFamily="34" charset="-127"/>
+                        </a:rPr>
+                        <a:t>공격</a:t>
+                      </a:r>
+                      <a:r>
+                        <a:rPr lang="en-US" altLang="ko-KR" sz="1400" dirty="0">
+                          <a:latin typeface="강한공군체 Medium" panose="020B0600000101010101" pitchFamily="34" charset="-127"/>
+                          <a:ea typeface="강한공군체 Medium" panose="020B0600000101010101" pitchFamily="34" charset="-127"/>
+                        </a:rPr>
+                        <a:t>, </a:t>
+                      </a:r>
+                      <a:r>
+                        <a:rPr lang="ko-KR" altLang="en-US" sz="1400" dirty="0">
+                          <a:latin typeface="강한공군체 Medium" panose="020B0600000101010101" pitchFamily="34" charset="-127"/>
+                          <a:ea typeface="강한공군체 Medium" panose="020B0600000101010101" pitchFamily="34" charset="-127"/>
+                        </a:rPr>
+                        <a:t>아이템 획득</a:t>
+                      </a:r>
+                      <a:r>
+                        <a:rPr lang="en-US" altLang="ko-KR" sz="1400" dirty="0">
+                          <a:latin typeface="강한공군체 Medium" panose="020B0600000101010101" pitchFamily="34" charset="-127"/>
+                          <a:ea typeface="강한공군체 Medium" panose="020B0600000101010101" pitchFamily="34" charset="-127"/>
+                        </a:rPr>
+                        <a:t>,</a:t>
+                      </a:r>
+                    </a:p>
+                    <a:p>
+                      <a:pPr marL="0" marR="0" lvl="0" indent="0" algn="ctr" defTabSz="914400" rtl="0" eaLnBrk="1" fontAlgn="auto" latinLnBrk="1" hangingPunct="1">
+                        <a:lnSpc>
+                          <a:spcPct val="100000"/>
+                        </a:lnSpc>
+                        <a:spcBef>
+                          <a:spcPts val="0"/>
+                        </a:spcBef>
+                        <a:spcAft>
+                          <a:spcPts val="0"/>
+                        </a:spcAft>
+                        <a:buClrTx/>
+                        <a:buSzTx/>
+                        <a:buFontTx/>
+                        <a:buNone/>
+                        <a:tabLst/>
+                        <a:defRPr/>
+                      </a:pPr>
+                      <a:r>
+                        <a:rPr lang="ko-KR" altLang="en-US" sz="1400" dirty="0">
+                          <a:latin typeface="강한공군체 Medium" panose="020B0600000101010101" pitchFamily="34" charset="-127"/>
+                          <a:ea typeface="강한공군체 Medium" panose="020B0600000101010101" pitchFamily="34" charset="-127"/>
+                        </a:rPr>
+                        <a:t>몬스터 사망 사운드</a:t>
+                      </a:r>
+                    </a:p>
+                  </a:txBody>
+                  <a:tcPr/>
+                </a:tc>
+                <a:tc>
+                  <a:txBody>
+                    <a:bodyPr/>
+                    <a:lstStyle/>
+                    <a:p>
+                      <a:pPr algn="ctr" latinLnBrk="1"/>
+                      <a:r>
+                        <a:rPr lang="ko-KR" altLang="en-US" sz="1400" dirty="0">
+                          <a:latin typeface="강한공군체 Medium" panose="020B0600000101010101" pitchFamily="34" charset="-127"/>
+                          <a:ea typeface="강한공군체 Medium" panose="020B0600000101010101" pitchFamily="34" charset="-127"/>
+                        </a:rPr>
+                        <a:t>아이템을 이용한 피 회복 사운드 등</a:t>
+                      </a:r>
+                    </a:p>
+                  </a:txBody>
+                  <a:tcPr/>
+                </a:tc>
+                <a:extLst>
+                  <a:ext uri="{0D108BD9-81ED-4DB2-BD59-A6C34878D82A}">
+                    <a16:rowId xmlns:a16="http://schemas.microsoft.com/office/drawing/2014/main" val="2825067393"/>
+                  </a:ext>
+                </a:extLst>
+              </a:tr>
+              <a:tr h="517188">
+                <a:tc>
+                  <a:txBody>
+                    <a:bodyPr/>
+                    <a:lstStyle/>
+                    <a:p>
+                      <a:pPr algn="ctr" latinLnBrk="1"/>
+                      <a:r>
+                        <a:rPr lang="ko-KR" altLang="en-US" sz="1400" dirty="0">
+                          <a:latin typeface="강한공군체 Medium" panose="020B0600000101010101" pitchFamily="34" charset="-127"/>
+                          <a:ea typeface="강한공군체 Medium" panose="020B0600000101010101" pitchFamily="34" charset="-127"/>
+                        </a:rPr>
+                        <a:t>애니메이션</a:t>
+                      </a:r>
+                    </a:p>
+                  </a:txBody>
+                  <a:tcPr/>
+                </a:tc>
+                <a:tc>
+                  <a:txBody>
+                    <a:bodyPr/>
+                    <a:lstStyle/>
+                    <a:p>
+                      <a:pPr algn="ctr" latinLnBrk="1"/>
+                      <a:r>
+                        <a:rPr lang="ko-KR" altLang="en-US" sz="1400" dirty="0">
+                          <a:latin typeface="강한공군체 Medium" panose="020B0600000101010101" pitchFamily="34" charset="-127"/>
+                          <a:ea typeface="강한공군체 Medium" panose="020B0600000101010101" pitchFamily="34" charset="-127"/>
+                        </a:rPr>
+                        <a:t>캐릭터</a:t>
+                      </a:r>
+                      <a:r>
+                        <a:rPr lang="en-US" altLang="ko-KR" sz="1400" dirty="0">
+                          <a:latin typeface="강한공군체 Medium" panose="020B0600000101010101" pitchFamily="34" charset="-127"/>
+                          <a:ea typeface="강한공군체 Medium" panose="020B0600000101010101" pitchFamily="34" charset="-127"/>
+                        </a:rPr>
+                        <a:t>: </a:t>
+                      </a:r>
+                      <a:r>
+                        <a:rPr lang="ko-KR" altLang="en-US" sz="1400" dirty="0">
+                          <a:latin typeface="강한공군체 Medium" panose="020B0600000101010101" pitchFamily="34" charset="-127"/>
+                          <a:ea typeface="강한공군체 Medium" panose="020B0600000101010101" pitchFamily="34" charset="-127"/>
+                        </a:rPr>
+                        <a:t>걷기</a:t>
+                      </a:r>
+                      <a:r>
+                        <a:rPr lang="en-US" altLang="ko-KR" sz="1400" dirty="0">
+                          <a:latin typeface="강한공군체 Medium" panose="020B0600000101010101" pitchFamily="34" charset="-127"/>
+                          <a:ea typeface="강한공군체 Medium" panose="020B0600000101010101" pitchFamily="34" charset="-127"/>
+                        </a:rPr>
+                        <a:t>, </a:t>
+                      </a:r>
+                      <a:r>
+                        <a:rPr lang="ko-KR" altLang="en-US" sz="1400" dirty="0">
+                          <a:latin typeface="강한공군체 Medium" panose="020B0600000101010101" pitchFamily="34" charset="-127"/>
+                          <a:ea typeface="강한공군체 Medium" panose="020B0600000101010101" pitchFamily="34" charset="-127"/>
+                        </a:rPr>
+                        <a:t>달리기</a:t>
+                      </a:r>
+                      <a:r>
+                        <a:rPr lang="en-US" altLang="ko-KR" sz="1400" dirty="0">
+                          <a:latin typeface="강한공군체 Medium" panose="020B0600000101010101" pitchFamily="34" charset="-127"/>
+                          <a:ea typeface="강한공군체 Medium" panose="020B0600000101010101" pitchFamily="34" charset="-127"/>
+                        </a:rPr>
+                        <a:t>, </a:t>
+                      </a:r>
+                      <a:r>
+                        <a:rPr lang="ko-KR" altLang="en-US" sz="1400" dirty="0">
+                          <a:latin typeface="강한공군체 Medium" panose="020B0600000101010101" pitchFamily="34" charset="-127"/>
+                          <a:ea typeface="강한공군체 Medium" panose="020B0600000101010101" pitchFamily="34" charset="-127"/>
+                        </a:rPr>
+                        <a:t>공격</a:t>
+                      </a:r>
+                      <a:r>
+                        <a:rPr lang="en-US" altLang="ko-KR" sz="1400" dirty="0">
+                          <a:latin typeface="강한공군체 Medium" panose="020B0600000101010101" pitchFamily="34" charset="-127"/>
+                          <a:ea typeface="강한공군체 Medium" panose="020B0600000101010101" pitchFamily="34" charset="-127"/>
+                        </a:rPr>
+                        <a:t>, </a:t>
+                      </a:r>
+                      <a:r>
+                        <a:rPr lang="ko-KR" altLang="en-US" sz="1400" dirty="0">
+                          <a:latin typeface="강한공군체 Medium" panose="020B0600000101010101" pitchFamily="34" charset="-127"/>
+                          <a:ea typeface="강한공군체 Medium" panose="020B0600000101010101" pitchFamily="34" charset="-127"/>
+                        </a:rPr>
+                        <a:t>돌진 모션</a:t>
+                      </a:r>
+                      <a:endParaRPr lang="en-US" altLang="ko-KR" sz="1400" dirty="0">
+                        <a:latin typeface="강한공군체 Medium" panose="020B0600000101010101" pitchFamily="34" charset="-127"/>
+                        <a:ea typeface="강한공군체 Medium" panose="020B0600000101010101" pitchFamily="34" charset="-127"/>
+                      </a:endParaRPr>
+                    </a:p>
+                    <a:p>
+                      <a:pPr algn="ctr" latinLnBrk="1"/>
+                      <a:r>
+                        <a:rPr lang="ko-KR" altLang="en-US" sz="1400" dirty="0">
+                          <a:latin typeface="강한공군체 Medium" panose="020B0600000101010101" pitchFamily="34" charset="-127"/>
+                          <a:ea typeface="강한공군체 Medium" panose="020B0600000101010101" pitchFamily="34" charset="-127"/>
+                        </a:rPr>
+                        <a:t>몬스터</a:t>
+                      </a:r>
+                      <a:r>
+                        <a:rPr lang="en-US" altLang="ko-KR" sz="1400" dirty="0">
+                          <a:latin typeface="강한공군체 Medium" panose="020B0600000101010101" pitchFamily="34" charset="-127"/>
+                          <a:ea typeface="강한공군체 Medium" panose="020B0600000101010101" pitchFamily="34" charset="-127"/>
+                        </a:rPr>
+                        <a:t>: </a:t>
+                      </a:r>
+                      <a:r>
+                        <a:rPr lang="ko-KR" altLang="en-US" sz="1400" dirty="0">
+                          <a:latin typeface="강한공군체 Medium" panose="020B0600000101010101" pitchFamily="34" charset="-127"/>
+                          <a:ea typeface="강한공군체 Medium" panose="020B0600000101010101" pitchFamily="34" charset="-127"/>
+                        </a:rPr>
+                        <a:t>걷기</a:t>
+                      </a:r>
+                      <a:r>
+                        <a:rPr lang="en-US" altLang="ko-KR" sz="1400" dirty="0">
+                          <a:latin typeface="강한공군체 Medium" panose="020B0600000101010101" pitchFamily="34" charset="-127"/>
+                          <a:ea typeface="강한공군체 Medium" panose="020B0600000101010101" pitchFamily="34" charset="-127"/>
+                        </a:rPr>
+                        <a:t>, </a:t>
+                      </a:r>
+                      <a:r>
+                        <a:rPr lang="ko-KR" altLang="en-US" sz="1400" dirty="0">
+                          <a:latin typeface="강한공군체 Medium" panose="020B0600000101010101" pitchFamily="34" charset="-127"/>
+                          <a:ea typeface="강한공군체 Medium" panose="020B0600000101010101" pitchFamily="34" charset="-127"/>
+                        </a:rPr>
+                        <a:t>달리기</a:t>
+                      </a:r>
+                      <a:r>
+                        <a:rPr lang="en-US" altLang="ko-KR" sz="1400" dirty="0">
+                          <a:latin typeface="강한공군체 Medium" panose="020B0600000101010101" pitchFamily="34" charset="-127"/>
+                          <a:ea typeface="강한공군체 Medium" panose="020B0600000101010101" pitchFamily="34" charset="-127"/>
+                        </a:rPr>
+                        <a:t>, </a:t>
+                      </a:r>
+                      <a:r>
+                        <a:rPr lang="ko-KR" altLang="en-US" sz="1400" dirty="0">
+                          <a:latin typeface="강한공군체 Medium" panose="020B0600000101010101" pitchFamily="34" charset="-127"/>
+                          <a:ea typeface="강한공군체 Medium" panose="020B0600000101010101" pitchFamily="34" charset="-127"/>
+                        </a:rPr>
+                        <a:t>공격</a:t>
+                      </a:r>
+                      <a:r>
+                        <a:rPr lang="en-US" altLang="ko-KR" sz="1400" dirty="0">
+                          <a:latin typeface="강한공군체 Medium" panose="020B0600000101010101" pitchFamily="34" charset="-127"/>
+                          <a:ea typeface="강한공군체 Medium" panose="020B0600000101010101" pitchFamily="34" charset="-127"/>
+                        </a:rPr>
+                        <a:t>, </a:t>
+                      </a:r>
+                      <a:r>
+                        <a:rPr lang="ko-KR" altLang="en-US" sz="1400" dirty="0">
+                          <a:latin typeface="강한공군체 Medium" panose="020B0600000101010101" pitchFamily="34" charset="-127"/>
+                          <a:ea typeface="강한공군체 Medium" panose="020B0600000101010101" pitchFamily="34" charset="-127"/>
+                        </a:rPr>
+                        <a:t>죽는 모션</a:t>
+                      </a:r>
+                      <a:r>
+                        <a:rPr lang="en-US" altLang="ko-KR" sz="1400" dirty="0">
+                          <a:latin typeface="강한공군체 Medium" panose="020B0600000101010101" pitchFamily="34" charset="-127"/>
+                          <a:ea typeface="강한공군체 Medium" panose="020B0600000101010101" pitchFamily="34" charset="-127"/>
+                        </a:rPr>
+                        <a:t> </a:t>
+                      </a:r>
+                      <a:endParaRPr lang="ko-KR" altLang="en-US" sz="1400" dirty="0">
+                        <a:latin typeface="강한공군체 Medium" panose="020B0600000101010101" pitchFamily="34" charset="-127"/>
+                        <a:ea typeface="강한공군체 Medium" panose="020B0600000101010101" pitchFamily="34" charset="-127"/>
+                      </a:endParaRPr>
+                    </a:p>
+                  </a:txBody>
+                  <a:tcPr/>
+                </a:tc>
+                <a:tc>
+                  <a:txBody>
+                    <a:bodyPr/>
+                    <a:lstStyle/>
+                    <a:p>
+                      <a:pPr algn="ctr" latinLnBrk="1"/>
+                      <a:r>
+                        <a:rPr lang="ko-KR" altLang="en-US" sz="1400" dirty="0">
+                          <a:latin typeface="강한공군체 Medium" panose="020B0600000101010101" pitchFamily="34" charset="-127"/>
+                          <a:ea typeface="강한공군체 Medium" panose="020B0600000101010101" pitchFamily="34" charset="-127"/>
+                        </a:rPr>
+                        <a:t>몬스터와 부딪혔을 때 피격 모션 등</a:t>
+                      </a:r>
+                    </a:p>
+                  </a:txBody>
+                  <a:tcPr/>
+                </a:tc>
+                <a:extLst>
+                  <a:ext uri="{0D108BD9-81ED-4DB2-BD59-A6C34878D82A}">
+                    <a16:rowId xmlns:a16="http://schemas.microsoft.com/office/drawing/2014/main" val="165411788"/>
+                  </a:ext>
+                </a:extLst>
+              </a:tr>
+            </a:tbl>
+          </a:graphicData>
+        </a:graphic>
+      </p:graphicFrame>
+      <p:pic>
+        <p:nvPicPr>
+          <p:cNvPr id="2050" name="Picture 2">
+            <a:extLst>
+              <a:ext uri="{FF2B5EF4-FFF2-40B4-BE49-F238E27FC236}">
+                <a16:creationId xmlns:a16="http://schemas.microsoft.com/office/drawing/2014/main" id="{70F481FB-797C-FE18-A674-24A7CAEEDB7D}"/>
+              </a:ext>
+            </a:extLst>
+          </p:cNvPr>
+          <p:cNvPicPr>
+            <a:picLocks noChangeAspect="1" noChangeArrowheads="1"/>
+          </p:cNvPicPr>
           <p:nvPr/>
-        </p:nvSpPr>
-        <p:spPr>
+        </p:nvPicPr>
+        <p:blipFill>
+          <a:blip r:embed="rId2">
+            <a:extLst>
+              <a:ext uri="{28A0092B-C50C-407E-A947-70E740481C1C}">
+                <a14:useLocalDpi xmlns:a14="http://schemas.microsoft.com/office/drawing/2010/main" val="0"/>
+              </a:ext>
+            </a:extLst>
+          </a:blip>
+          <a:srcRect/>
+          <a:stretch>
+            <a:fillRect/>
+          </a:stretch>
+        </p:blipFill>
+        <p:spPr bwMode="auto">
           <a:xfrm>
-            <a:off x="2114236" y="2161577"/>
-            <a:ext cx="1985429" cy="934871"/>
+            <a:off x="10405062" y="4931175"/>
+            <a:ext cx="1418222" cy="1648683"/>
           </a:xfrm>
           <a:prstGeom prst="rect">
             <a:avLst/>
           </a:prstGeom>
+          <a:noFill/>
+          <a:extLst>
+            <a:ext uri="{909E8E84-426E-40DD-AFC4-6F175D3DCCD1}">
+              <a14:hiddenFill xmlns:a14="http://schemas.microsoft.com/office/drawing/2010/main">
+                <a:solidFill>
+                  <a:srgbClr val="FFFFFF"/>
+                </a:solidFill>
+              </a14:hiddenFill>
+            </a:ext>
+          </a:extLst>
         </p:spPr>
-        <p:txBody>
-          <a:bodyPr wrap="square">
-            <a:spAutoFit/>
-          </a:bodyPr>
-          <a:lstStyle/>
-          <a:p>
-            <a:pPr marL="0" marR="0" lvl="0" indent="0" algn="ctr" defTabSz="914400" rtl="0" eaLnBrk="1" fontAlgn="auto" latinLnBrk="1" hangingPunct="1">
-              <a:lnSpc>
-                <a:spcPct val="150000"/>
-              </a:lnSpc>
-              <a:spcBef>
-                <a:spcPts val="0"/>
-              </a:spcBef>
-              <a:spcAft>
-                <a:spcPts val="0"/>
-              </a:spcAft>
-              <a:buClrTx/>
-              <a:buSzTx/>
-              <a:buFontTx/>
-              <a:buNone/>
-              <a:tabLst/>
-              <a:defRPr/>
-            </a:pPr>
-            <a:r>
-              <a:rPr kumimoji="0" lang="en-US" altLang="ko-KR" sz="1200" b="1" i="0" u="none" strike="noStrike" kern="1200" cap="none" spc="0" normalizeH="0" baseline="0" noProof="0" dirty="0">
-                <a:ln>
-                  <a:noFill/>
-                </a:ln>
-                <a:solidFill>
-                  <a:prstClr val="black">
-                    <a:lumMod val="75000"/>
-                    <a:lumOff val="25000"/>
-                  </a:prstClr>
-                </a:solidFill>
-                <a:effectLst/>
-                <a:uLnTx/>
-                <a:uFillTx/>
-                <a:latin typeface="맑은 고딕" panose="020F0502020204030204"/>
-                <a:ea typeface="맑은 고딕" panose="020B0503020000020004" pitchFamily="50" charset="-127"/>
-                <a:cs typeface="+mn-cs"/>
-              </a:rPr>
-              <a:t>CONTENTS A</a:t>
-            </a:r>
-          </a:p>
-          <a:p>
-            <a:pPr marL="0" marR="0" lvl="0" indent="0" algn="ctr" defTabSz="914400" rtl="0" eaLnBrk="1" fontAlgn="auto" latinLnBrk="1" hangingPunct="1">
-              <a:lnSpc>
-                <a:spcPct val="150000"/>
-              </a:lnSpc>
-              <a:spcBef>
-                <a:spcPts val="0"/>
-              </a:spcBef>
-              <a:spcAft>
-                <a:spcPts val="0"/>
-              </a:spcAft>
-              <a:buClrTx/>
-              <a:buSzTx/>
-              <a:buFontTx/>
-              <a:buNone/>
-              <a:tabLst/>
-              <a:defRPr/>
-            </a:pPr>
-            <a:r>
-              <a:rPr kumimoji="0" lang="ko-KR" altLang="en-US" sz="1050" b="0" i="0" u="none" strike="noStrike" kern="1200" cap="none" spc="0" normalizeH="0" baseline="0" noProof="0" dirty="0">
-                <a:ln>
-                  <a:noFill/>
-                </a:ln>
-                <a:solidFill>
-                  <a:prstClr val="black">
-                    <a:lumMod val="75000"/>
-                    <a:lumOff val="25000"/>
-                  </a:prstClr>
-                </a:solidFill>
-                <a:effectLst/>
-                <a:uLnTx/>
-                <a:uFillTx/>
-                <a:latin typeface="맑은 고딕" panose="020F0502020204030204"/>
-                <a:ea typeface="맑은 고딕" panose="020B0503020000020004" pitchFamily="50" charset="-127"/>
-                <a:cs typeface="+mn-cs"/>
-              </a:rPr>
-              <a:t>컨텐츠에 대한 내용을 적어요</a:t>
-            </a:r>
-            <a:endParaRPr kumimoji="0" lang="en-US" altLang="ko-KR" sz="1050" b="0" i="0" u="none" strike="noStrike" kern="1200" cap="none" spc="0" normalizeH="0" baseline="0" noProof="0" dirty="0">
-              <a:ln>
-                <a:noFill/>
-              </a:ln>
-              <a:solidFill>
-                <a:prstClr val="black">
-                  <a:lumMod val="75000"/>
-                  <a:lumOff val="25000"/>
-                </a:prstClr>
-              </a:solidFill>
-              <a:effectLst/>
-              <a:uLnTx/>
-              <a:uFillTx/>
-              <a:latin typeface="맑은 고딕" panose="020F0502020204030204"/>
-              <a:ea typeface="맑은 고딕" panose="020B0503020000020004" pitchFamily="50" charset="-127"/>
-              <a:cs typeface="+mn-cs"/>
-            </a:endParaRPr>
-          </a:p>
-          <a:p>
-            <a:pPr marL="0" marR="0" lvl="0" indent="0" algn="ctr" defTabSz="914400" rtl="0" eaLnBrk="1" fontAlgn="auto" latinLnBrk="1" hangingPunct="1">
-              <a:lnSpc>
-                <a:spcPct val="150000"/>
-              </a:lnSpc>
-              <a:spcBef>
-                <a:spcPts val="0"/>
-              </a:spcBef>
-              <a:spcAft>
-                <a:spcPts val="0"/>
-              </a:spcAft>
-              <a:buClrTx/>
-              <a:buSzTx/>
-              <a:buFontTx/>
-              <a:buNone/>
-              <a:tabLst/>
-              <a:defRPr/>
-            </a:pPr>
-            <a:r>
-              <a:rPr kumimoji="0" lang="ko-KR" altLang="en-US" sz="700" b="0" i="0" u="none" strike="noStrike" kern="1200" cap="none" spc="0" normalizeH="0" baseline="0" noProof="0" dirty="0">
-                <a:ln>
-                  <a:noFill/>
-                </a:ln>
-                <a:solidFill>
-                  <a:prstClr val="black">
-                    <a:lumMod val="75000"/>
-                    <a:lumOff val="25000"/>
-                  </a:prstClr>
-                </a:solidFill>
-                <a:effectLst/>
-                <a:uLnTx/>
-                <a:uFillTx/>
-                <a:latin typeface="맑은 고딕" panose="020F0502020204030204"/>
-                <a:ea typeface="맑은 고딕" panose="020B0503020000020004" pitchFamily="50" charset="-127"/>
-                <a:cs typeface="+mn-cs"/>
-              </a:rPr>
-              <a:t>Enjoy your stylish business and campus life with BIZCAM </a:t>
-            </a:r>
-          </a:p>
-        </p:txBody>
-      </p:sp>
+      </p:pic>
     </p:spTree>
     <p:extLst>
       <p:ext uri="{BB962C8B-B14F-4D97-AF65-F5344CB8AC3E}">
-        <p14:creationId xmlns:p14="http://schemas.microsoft.com/office/powerpoint/2010/main" val="2194989682"/>
+        <p14:creationId xmlns:p14="http://schemas.microsoft.com/office/powerpoint/2010/main" val="51581241"/>
       </p:ext>
     </p:extLst>
   </p:cSld>
@@ -6913,16 +8997,20 @@
                   <a:defRPr/>
                 </a:pPr>
                 <a:r>
-                  <a:rPr lang="ko-KR" altLang="en-US" sz="1600" dirty="0">
+                  <a:rPr lang="ko-KR" altLang="en-US" kern="0" dirty="0">
+                    <a:ln w="25400">
+                      <a:noFill/>
+                    </a:ln>
                     <a:solidFill>
-                      <a:prstClr val="black"/>
+                      <a:schemeClr val="tx1"/>
                     </a:solidFill>
                     <a:latin typeface="강한공군체 Bold" panose="020B0800000101010101" pitchFamily="34" charset="-127"/>
                     <a:ea typeface="강한공군체 Bold" panose="020B0800000101010101" pitchFamily="34" charset="-127"/>
+                    <a:cs typeface="+mn-cs"/>
                   </a:rPr>
-                  <a:t>개발 범위</a:t>
+                  <a:t>예상 실행 흐름</a:t>
                 </a:r>
-                <a:endParaRPr kumimoji="0" lang="ko-KR" altLang="en-US" sz="1600" b="0" i="0" u="none" strike="noStrike" kern="1200" cap="none" spc="0" normalizeH="0" baseline="0" noProof="0" dirty="0">
+                <a:endParaRPr kumimoji="0" lang="ko-KR" altLang="en-US" b="0" i="0" u="none" strike="noStrike" kern="1200" cap="none" spc="0" normalizeH="0" baseline="0" noProof="0" dirty="0">
                   <a:ln>
                     <a:noFill/>
                   </a:ln>
@@ -6932,8 +9020,9 @@
                   <a:effectLst/>
                   <a:uLnTx/>
                   <a:uFillTx/>
-                  <a:latin typeface="강한공군체 Bold" panose="020B0800000101010101" pitchFamily="34" charset="-127"/>
-                  <a:ea typeface="강한공군체 Bold" panose="020B0800000101010101" pitchFamily="34" charset="-127"/>
+                  <a:latin typeface="맑은 고딕" panose="020F0502020204030204"/>
+                  <a:ea typeface="맑은 고딕" panose="020B0503020000020004" pitchFamily="50" charset="-127"/>
+                  <a:cs typeface="+mn-cs"/>
                 </a:endParaRPr>
               </a:p>
             </p:txBody>
@@ -7116,1398 +9205,10 @@
           </p:sp>
         </p:grpSp>
       </p:grpSp>
-      <p:cxnSp>
-        <p:nvCxnSpPr>
-          <p:cNvPr id="13" name="직선 연결선 12"/>
-          <p:cNvCxnSpPr/>
-          <p:nvPr/>
-        </p:nvCxnSpPr>
-        <p:spPr>
-          <a:xfrm rot="16200000" flipV="1">
-            <a:off x="6302503" y="968795"/>
-            <a:ext cx="0" cy="7185423"/>
-          </a:xfrm>
-          <a:prstGeom prst="line">
-            <a:avLst/>
-          </a:prstGeom>
-          <a:ln w="19050">
-            <a:solidFill>
-              <a:schemeClr val="tx1">
-                <a:lumMod val="75000"/>
-                <a:lumOff val="25000"/>
-              </a:schemeClr>
-            </a:solidFill>
-            <a:prstDash val="solid"/>
-          </a:ln>
-        </p:spPr>
-        <p:style>
-          <a:lnRef idx="1">
-            <a:schemeClr val="accent1"/>
-          </a:lnRef>
-          <a:fillRef idx="0">
-            <a:schemeClr val="accent1"/>
-          </a:fillRef>
-          <a:effectRef idx="0">
-            <a:schemeClr val="accent1"/>
-          </a:effectRef>
-          <a:fontRef idx="minor">
-            <a:schemeClr val="tx1"/>
-          </a:fontRef>
-        </p:style>
-      </p:cxnSp>
-      <p:sp>
-        <p:nvSpPr>
-          <p:cNvPr id="14" name="양쪽 모서리가 둥근 사각형 13"/>
-          <p:cNvSpPr/>
-          <p:nvPr/>
-        </p:nvSpPr>
-        <p:spPr>
-          <a:xfrm>
-            <a:off x="3708947" y="1814118"/>
-            <a:ext cx="892270" cy="2747388"/>
-          </a:xfrm>
-          <a:prstGeom prst="round2SameRect">
-            <a:avLst>
-              <a:gd name="adj1" fmla="val 14772"/>
-              <a:gd name="adj2" fmla="val 0"/>
-            </a:avLst>
-          </a:prstGeom>
-          <a:solidFill>
-            <a:schemeClr val="bg1">
-              <a:lumMod val="95000"/>
-            </a:schemeClr>
-          </a:solidFill>
-          <a:ln>
-            <a:noFill/>
-          </a:ln>
-        </p:spPr>
-        <p:style>
-          <a:lnRef idx="2">
-            <a:schemeClr val="accent1">
-              <a:shade val="50000"/>
-            </a:schemeClr>
-          </a:lnRef>
-          <a:fillRef idx="1">
-            <a:schemeClr val="accent1"/>
-          </a:fillRef>
-          <a:effectRef idx="0">
-            <a:schemeClr val="accent1"/>
-          </a:effectRef>
-          <a:fontRef idx="minor">
-            <a:schemeClr val="lt1"/>
-          </a:fontRef>
-        </p:style>
-        <p:txBody>
-          <a:bodyPr rtlCol="0" anchor="ctr"/>
-          <a:lstStyle/>
-          <a:p>
-            <a:pPr marL="0" marR="0" lvl="0" indent="0" algn="ctr" defTabSz="914400" rtl="0" eaLnBrk="1" fontAlgn="auto" latinLnBrk="1" hangingPunct="1">
-              <a:lnSpc>
-                <a:spcPct val="100000"/>
-              </a:lnSpc>
-              <a:spcBef>
-                <a:spcPts val="0"/>
-              </a:spcBef>
-              <a:spcAft>
-                <a:spcPts val="0"/>
-              </a:spcAft>
-              <a:buClrTx/>
-              <a:buSzTx/>
-              <a:buFontTx/>
-              <a:buNone/>
-              <a:tabLst/>
-              <a:defRPr/>
-            </a:pPr>
-            <a:endParaRPr kumimoji="0" lang="ko-KR" altLang="en-US" sz="1600" b="0" i="0" u="none" strike="noStrike" kern="1200" cap="none" spc="0" normalizeH="0" baseline="0" noProof="0">
-              <a:ln>
-                <a:noFill/>
-              </a:ln>
-              <a:solidFill>
-                <a:prstClr val="white"/>
-              </a:solidFill>
-              <a:effectLst/>
-              <a:uLnTx/>
-              <a:uFillTx/>
-              <a:latin typeface="맑은 고딕" panose="020F0502020204030204"/>
-              <a:ea typeface="맑은 고딕" panose="020B0503020000020004" pitchFamily="50" charset="-127"/>
-              <a:cs typeface="+mn-cs"/>
-            </a:endParaRPr>
-          </a:p>
-        </p:txBody>
-      </p:sp>
-      <p:sp>
-        <p:nvSpPr>
-          <p:cNvPr id="15" name="양쪽 모서리가 둥근 사각형 14"/>
-          <p:cNvSpPr/>
-          <p:nvPr/>
-        </p:nvSpPr>
-        <p:spPr>
-          <a:xfrm>
-            <a:off x="3724457" y="3497022"/>
-            <a:ext cx="892270" cy="1062105"/>
-          </a:xfrm>
-          <a:prstGeom prst="round2SameRect">
-            <a:avLst>
-              <a:gd name="adj1" fmla="val 14772"/>
-              <a:gd name="adj2" fmla="val 0"/>
-            </a:avLst>
-          </a:prstGeom>
-          <a:pattFill prst="lgGrid">
-            <a:fgClr>
-              <a:srgbClr val="E5F5FF"/>
-            </a:fgClr>
-            <a:bgClr>
-              <a:srgbClr val="CCECFF"/>
-            </a:bgClr>
-          </a:pattFill>
-          <a:ln w="19050">
-            <a:solidFill>
-              <a:schemeClr val="tx1">
-                <a:lumMod val="75000"/>
-                <a:lumOff val="25000"/>
-              </a:schemeClr>
-            </a:solidFill>
-          </a:ln>
-          <a:scene3d>
-            <a:camera prst="orthographicFront"/>
-            <a:lightRig rig="threePt" dir="t"/>
-          </a:scene3d>
-          <a:sp3d prstMaterial="matte"/>
-        </p:spPr>
-        <p:style>
-          <a:lnRef idx="2">
-            <a:schemeClr val="accent1">
-              <a:shade val="50000"/>
-            </a:schemeClr>
-          </a:lnRef>
-          <a:fillRef idx="1">
-            <a:schemeClr val="accent1"/>
-          </a:fillRef>
-          <a:effectRef idx="0">
-            <a:schemeClr val="accent1"/>
-          </a:effectRef>
-          <a:fontRef idx="minor">
-            <a:schemeClr val="lt1"/>
-          </a:fontRef>
-        </p:style>
-        <p:txBody>
-          <a:bodyPr rtlCol="0" anchor="ctr"/>
-          <a:lstStyle/>
-          <a:p>
-            <a:pPr marL="0" marR="0" lvl="0" indent="0" algn="ctr" defTabSz="914400" rtl="0" eaLnBrk="1" fontAlgn="auto" latinLnBrk="1" hangingPunct="1">
-              <a:lnSpc>
-                <a:spcPct val="100000"/>
-              </a:lnSpc>
-              <a:spcBef>
-                <a:spcPts val="0"/>
-              </a:spcBef>
-              <a:spcAft>
-                <a:spcPts val="0"/>
-              </a:spcAft>
-              <a:buClrTx/>
-              <a:buSzTx/>
-              <a:buFontTx/>
-              <a:buNone/>
-              <a:tabLst/>
-              <a:defRPr/>
-            </a:pPr>
-            <a:endParaRPr kumimoji="0" lang="ko-KR" altLang="en-US" sz="1600" b="0" i="0" u="none" strike="noStrike" kern="1200" cap="none" spc="0" normalizeH="0" baseline="0" noProof="0">
-              <a:ln>
-                <a:noFill/>
-              </a:ln>
-              <a:solidFill>
-                <a:prstClr val="white"/>
-              </a:solidFill>
-              <a:effectLst/>
-              <a:uLnTx/>
-              <a:uFillTx/>
-              <a:latin typeface="맑은 고딕" panose="020F0502020204030204"/>
-              <a:ea typeface="맑은 고딕" panose="020B0503020000020004" pitchFamily="50" charset="-127"/>
-              <a:cs typeface="+mn-cs"/>
-            </a:endParaRPr>
-          </a:p>
-        </p:txBody>
-      </p:sp>
-      <p:sp>
-        <p:nvSpPr>
-          <p:cNvPr id="16" name="모서리가 둥근 사각형 설명선 15"/>
-          <p:cNvSpPr/>
-          <p:nvPr/>
-        </p:nvSpPr>
-        <p:spPr>
-          <a:xfrm>
-            <a:off x="4845165" y="3267859"/>
-            <a:ext cx="505759" cy="242893"/>
-          </a:xfrm>
-          <a:prstGeom prst="wedgeRoundRectCallout">
-            <a:avLst>
-              <a:gd name="adj1" fmla="val -68244"/>
-              <a:gd name="adj2" fmla="val 52868"/>
-              <a:gd name="adj3" fmla="val 16667"/>
-            </a:avLst>
-          </a:prstGeom>
-          <a:pattFill prst="lgGrid">
-            <a:fgClr>
-              <a:srgbClr val="E5F5FF"/>
-            </a:fgClr>
-            <a:bgClr>
-              <a:srgbClr val="CCECFF"/>
-            </a:bgClr>
-          </a:pattFill>
-          <a:ln w="19050">
-            <a:solidFill>
-              <a:schemeClr val="tx1">
-                <a:lumMod val="75000"/>
-                <a:lumOff val="25000"/>
-              </a:schemeClr>
-            </a:solidFill>
-          </a:ln>
-          <a:scene3d>
-            <a:camera prst="orthographicFront"/>
-            <a:lightRig rig="threePt" dir="t"/>
-          </a:scene3d>
-          <a:sp3d prstMaterial="matte"/>
-        </p:spPr>
-        <p:style>
-          <a:lnRef idx="2">
-            <a:schemeClr val="accent1">
-              <a:shade val="50000"/>
-            </a:schemeClr>
-          </a:lnRef>
-          <a:fillRef idx="1">
-            <a:schemeClr val="accent1"/>
-          </a:fillRef>
-          <a:effectRef idx="0">
-            <a:schemeClr val="accent1"/>
-          </a:effectRef>
-          <a:fontRef idx="minor">
-            <a:schemeClr val="lt1"/>
-          </a:fontRef>
-        </p:style>
-        <p:txBody>
-          <a:bodyPr rtlCol="0" anchor="ctr"/>
-          <a:lstStyle/>
-          <a:p>
-            <a:pPr marL="0" marR="0" lvl="0" indent="0" algn="ctr" defTabSz="914400" rtl="0" eaLnBrk="1" fontAlgn="auto" latinLnBrk="1" hangingPunct="1">
-              <a:lnSpc>
-                <a:spcPct val="100000"/>
-              </a:lnSpc>
-              <a:spcBef>
-                <a:spcPts val="0"/>
-              </a:spcBef>
-              <a:spcAft>
-                <a:spcPts val="0"/>
-              </a:spcAft>
-              <a:buClrTx/>
-              <a:buSzTx/>
-              <a:buFontTx/>
-              <a:buNone/>
-              <a:tabLst/>
-              <a:defRPr/>
-            </a:pPr>
-            <a:r>
-              <a:rPr kumimoji="0" lang="en-US" altLang="ko-KR" sz="1100" b="1" i="0" u="none" strike="noStrike" kern="1200" cap="none" spc="0" normalizeH="0" baseline="0" noProof="0" dirty="0">
-                <a:ln>
-                  <a:noFill/>
-                </a:ln>
-                <a:solidFill>
-                  <a:prstClr val="black">
-                    <a:lumMod val="75000"/>
-                    <a:lumOff val="25000"/>
-                  </a:prstClr>
-                </a:solidFill>
-                <a:effectLst/>
-                <a:uLnTx/>
-                <a:uFillTx/>
-                <a:latin typeface="맑은 고딕" panose="020F0502020204030204"/>
-                <a:ea typeface="맑은 고딕" panose="020B0503020000020004" pitchFamily="50" charset="-127"/>
-                <a:cs typeface="+mn-cs"/>
-              </a:rPr>
-              <a:t>40%</a:t>
-            </a:r>
-            <a:endParaRPr kumimoji="0" lang="ko-KR" altLang="en-US" sz="1100" b="1" i="0" u="none" strike="noStrike" kern="1200" cap="none" spc="0" normalizeH="0" baseline="0" noProof="0" dirty="0">
-              <a:ln>
-                <a:noFill/>
-              </a:ln>
-              <a:solidFill>
-                <a:prstClr val="black">
-                  <a:lumMod val="75000"/>
-                  <a:lumOff val="25000"/>
-                </a:prstClr>
-              </a:solidFill>
-              <a:effectLst/>
-              <a:uLnTx/>
-              <a:uFillTx/>
-              <a:latin typeface="맑은 고딕" panose="020F0502020204030204"/>
-              <a:ea typeface="맑은 고딕" panose="020B0503020000020004" pitchFamily="50" charset="-127"/>
-              <a:cs typeface="+mn-cs"/>
-            </a:endParaRPr>
-          </a:p>
-        </p:txBody>
-      </p:sp>
-      <p:cxnSp>
-        <p:nvCxnSpPr>
-          <p:cNvPr id="17" name="직선 연결선 16"/>
-          <p:cNvCxnSpPr/>
-          <p:nvPr/>
-        </p:nvCxnSpPr>
-        <p:spPr>
-          <a:xfrm rot="16200000" flipV="1">
-            <a:off x="4126210" y="1566377"/>
-            <a:ext cx="0" cy="1638277"/>
-          </a:xfrm>
-          <a:prstGeom prst="line">
-            <a:avLst/>
-          </a:prstGeom>
-          <a:ln w="19050">
-            <a:solidFill>
-              <a:schemeClr val="tx1">
-                <a:lumMod val="75000"/>
-                <a:lumOff val="25000"/>
-              </a:schemeClr>
-            </a:solidFill>
-            <a:prstDash val="sysDash"/>
-          </a:ln>
-        </p:spPr>
-        <p:style>
-          <a:lnRef idx="1">
-            <a:schemeClr val="accent1"/>
-          </a:lnRef>
-          <a:fillRef idx="0">
-            <a:schemeClr val="accent1"/>
-          </a:fillRef>
-          <a:effectRef idx="0">
-            <a:schemeClr val="accent1"/>
-          </a:effectRef>
-          <a:fontRef idx="minor">
-            <a:schemeClr val="tx1"/>
-          </a:fontRef>
-        </p:style>
-      </p:cxnSp>
-      <p:sp>
-        <p:nvSpPr>
-          <p:cNvPr id="18" name="직사각형 17"/>
-          <p:cNvSpPr/>
-          <p:nvPr/>
-        </p:nvSpPr>
-        <p:spPr>
-          <a:xfrm>
-            <a:off x="2223221" y="2219652"/>
-            <a:ext cx="995785" cy="333617"/>
-          </a:xfrm>
-          <a:prstGeom prst="rect">
-            <a:avLst/>
-          </a:prstGeom>
-        </p:spPr>
-        <p:txBody>
-          <a:bodyPr wrap="none">
-            <a:spAutoFit/>
-          </a:bodyPr>
-          <a:lstStyle/>
-          <a:p>
-            <a:pPr marL="0" marR="0" lvl="0" indent="0" algn="ctr" defTabSz="914400" rtl="0" eaLnBrk="1" fontAlgn="auto" latinLnBrk="1" hangingPunct="1">
-              <a:lnSpc>
-                <a:spcPct val="150000"/>
-              </a:lnSpc>
-              <a:spcBef>
-                <a:spcPts val="0"/>
-              </a:spcBef>
-              <a:spcAft>
-                <a:spcPts val="0"/>
-              </a:spcAft>
-              <a:buClrTx/>
-              <a:buSzTx/>
-              <a:buFontTx/>
-              <a:buNone/>
-              <a:tabLst/>
-              <a:defRPr/>
-            </a:pPr>
-            <a:r>
-              <a:rPr kumimoji="0" lang="en-US" altLang="ko-KR" sz="1200" b="1" i="0" u="none" strike="noStrike" kern="1200" cap="none" spc="0" normalizeH="0" baseline="0" noProof="0" dirty="0">
-                <a:ln>
-                  <a:noFill/>
-                </a:ln>
-                <a:solidFill>
-                  <a:prstClr val="black">
-                    <a:lumMod val="75000"/>
-                    <a:lumOff val="25000"/>
-                  </a:prstClr>
-                </a:solidFill>
-                <a:effectLst/>
-                <a:uLnTx/>
-                <a:uFillTx/>
-                <a:latin typeface="맑은 고딕" panose="020F0502020204030204"/>
-                <a:ea typeface="맑은 고딕" panose="020B0503020000020004" pitchFamily="50" charset="-127"/>
-                <a:cs typeface="+mn-cs"/>
-              </a:rPr>
-              <a:t>2021</a:t>
-            </a:r>
-            <a:r>
-              <a:rPr kumimoji="0" lang="ko-KR" altLang="en-US" sz="1200" b="1" i="0" u="none" strike="noStrike" kern="1200" cap="none" spc="0" normalizeH="0" baseline="0" noProof="0" dirty="0">
-                <a:ln>
-                  <a:noFill/>
-                </a:ln>
-                <a:solidFill>
-                  <a:prstClr val="black">
-                    <a:lumMod val="75000"/>
-                    <a:lumOff val="25000"/>
-                  </a:prstClr>
-                </a:solidFill>
-                <a:effectLst/>
-                <a:uLnTx/>
-                <a:uFillTx/>
-                <a:latin typeface="맑은 고딕" panose="020F0502020204030204"/>
-                <a:ea typeface="맑은 고딕" panose="020B0503020000020004" pitchFamily="50" charset="-127"/>
-                <a:cs typeface="+mn-cs"/>
-              </a:rPr>
-              <a:t>년 </a:t>
-            </a:r>
-            <a:r>
-              <a:rPr kumimoji="0" lang="en-US" altLang="ko-KR" sz="1200" b="1" i="0" u="none" strike="noStrike" kern="1200" cap="none" spc="0" normalizeH="0" baseline="0" noProof="0" dirty="0">
-                <a:ln>
-                  <a:noFill/>
-                </a:ln>
-                <a:solidFill>
-                  <a:prstClr val="black">
-                    <a:lumMod val="75000"/>
-                    <a:lumOff val="25000"/>
-                  </a:prstClr>
-                </a:solidFill>
-                <a:effectLst/>
-                <a:uLnTx/>
-                <a:uFillTx/>
-                <a:latin typeface="맑은 고딕" panose="020F0502020204030204"/>
-                <a:ea typeface="맑은 고딕" panose="020B0503020000020004" pitchFamily="50" charset="-127"/>
-                <a:cs typeface="+mn-cs"/>
-              </a:rPr>
-              <a:t>6</a:t>
-            </a:r>
-            <a:r>
-              <a:rPr kumimoji="0" lang="ko-KR" altLang="en-US" sz="1200" b="1" i="0" u="none" strike="noStrike" kern="1200" cap="none" spc="0" normalizeH="0" baseline="0" noProof="0" dirty="0">
-                <a:ln>
-                  <a:noFill/>
-                </a:ln>
-                <a:solidFill>
-                  <a:prstClr val="black">
-                    <a:lumMod val="75000"/>
-                    <a:lumOff val="25000"/>
-                  </a:prstClr>
-                </a:solidFill>
-                <a:effectLst/>
-                <a:uLnTx/>
-                <a:uFillTx/>
-                <a:latin typeface="맑은 고딕" panose="020F0502020204030204"/>
-                <a:ea typeface="맑은 고딕" panose="020B0503020000020004" pitchFamily="50" charset="-127"/>
-                <a:cs typeface="+mn-cs"/>
-              </a:rPr>
-              <a:t>월</a:t>
-            </a:r>
-            <a:endParaRPr kumimoji="0" lang="en-US" altLang="ko-KR" sz="1200" b="1" i="0" u="none" strike="noStrike" kern="1200" cap="none" spc="0" normalizeH="0" baseline="0" noProof="0" dirty="0">
-              <a:ln>
-                <a:noFill/>
-              </a:ln>
-              <a:solidFill>
-                <a:prstClr val="black">
-                  <a:lumMod val="75000"/>
-                  <a:lumOff val="25000"/>
-                </a:prstClr>
-              </a:solidFill>
-              <a:effectLst/>
-              <a:uLnTx/>
-              <a:uFillTx/>
-              <a:latin typeface="맑은 고딕" panose="020F0502020204030204"/>
-              <a:ea typeface="맑은 고딕" panose="020B0503020000020004" pitchFamily="50" charset="-127"/>
-              <a:cs typeface="+mn-cs"/>
-            </a:endParaRPr>
-          </a:p>
-        </p:txBody>
-      </p:sp>
-      <p:sp>
-        <p:nvSpPr>
-          <p:cNvPr id="19" name="직사각형 18"/>
-          <p:cNvSpPr/>
-          <p:nvPr/>
-        </p:nvSpPr>
-        <p:spPr>
-          <a:xfrm>
-            <a:off x="5053002" y="2219652"/>
-            <a:ext cx="498855" cy="333617"/>
-          </a:xfrm>
-          <a:prstGeom prst="rect">
-            <a:avLst/>
-          </a:prstGeom>
-        </p:spPr>
-        <p:txBody>
-          <a:bodyPr wrap="none">
-            <a:spAutoFit/>
-          </a:bodyPr>
-          <a:lstStyle/>
-          <a:p>
-            <a:pPr marL="0" marR="0" lvl="0" indent="0" algn="ctr" defTabSz="914400" rtl="0" eaLnBrk="1" fontAlgn="auto" latinLnBrk="1" hangingPunct="1">
-              <a:lnSpc>
-                <a:spcPct val="150000"/>
-              </a:lnSpc>
-              <a:spcBef>
-                <a:spcPts val="0"/>
-              </a:spcBef>
-              <a:spcAft>
-                <a:spcPts val="0"/>
-              </a:spcAft>
-              <a:buClrTx/>
-              <a:buSzTx/>
-              <a:buFontTx/>
-              <a:buNone/>
-              <a:tabLst/>
-              <a:defRPr/>
-            </a:pPr>
-            <a:r>
-              <a:rPr kumimoji="0" lang="en-US" altLang="ko-KR" sz="1200" b="1" i="0" u="none" strike="noStrike" kern="1200" cap="none" spc="0" normalizeH="0" baseline="0" noProof="0" dirty="0">
-                <a:ln>
-                  <a:noFill/>
-                </a:ln>
-                <a:solidFill>
-                  <a:prstClr val="black">
-                    <a:lumMod val="75000"/>
-                    <a:lumOff val="25000"/>
-                  </a:prstClr>
-                </a:solidFill>
-                <a:effectLst/>
-                <a:uLnTx/>
-                <a:uFillTx/>
-                <a:latin typeface="맑은 고딕" panose="020F0502020204030204"/>
-                <a:ea typeface="맑은 고딕" panose="020B0503020000020004" pitchFamily="50" charset="-127"/>
-                <a:cs typeface="+mn-cs"/>
-              </a:rPr>
-              <a:t>80%</a:t>
-            </a:r>
-          </a:p>
-        </p:txBody>
-      </p:sp>
-      <p:sp>
-        <p:nvSpPr>
-          <p:cNvPr id="20" name="양쪽 모서리가 둥근 사각형 19"/>
-          <p:cNvSpPr/>
-          <p:nvPr/>
-        </p:nvSpPr>
-        <p:spPr>
-          <a:xfrm>
-            <a:off x="7722531" y="1814118"/>
-            <a:ext cx="892270" cy="2747388"/>
-          </a:xfrm>
-          <a:prstGeom prst="round2SameRect">
-            <a:avLst>
-              <a:gd name="adj1" fmla="val 18568"/>
-              <a:gd name="adj2" fmla="val 0"/>
-            </a:avLst>
-          </a:prstGeom>
-          <a:solidFill>
-            <a:schemeClr val="bg1">
-              <a:lumMod val="95000"/>
-            </a:schemeClr>
-          </a:solidFill>
-          <a:ln>
-            <a:noFill/>
-          </a:ln>
-        </p:spPr>
-        <p:style>
-          <a:lnRef idx="2">
-            <a:schemeClr val="accent1">
-              <a:shade val="50000"/>
-            </a:schemeClr>
-          </a:lnRef>
-          <a:fillRef idx="1">
-            <a:schemeClr val="accent1"/>
-          </a:fillRef>
-          <a:effectRef idx="0">
-            <a:schemeClr val="accent1"/>
-          </a:effectRef>
-          <a:fontRef idx="minor">
-            <a:schemeClr val="lt1"/>
-          </a:fontRef>
-        </p:style>
-        <p:txBody>
-          <a:bodyPr rtlCol="0" anchor="ctr"/>
-          <a:lstStyle/>
-          <a:p>
-            <a:pPr marL="0" marR="0" lvl="0" indent="0" algn="ctr" defTabSz="914400" rtl="0" eaLnBrk="1" fontAlgn="auto" latinLnBrk="1" hangingPunct="1">
-              <a:lnSpc>
-                <a:spcPct val="100000"/>
-              </a:lnSpc>
-              <a:spcBef>
-                <a:spcPts val="0"/>
-              </a:spcBef>
-              <a:spcAft>
-                <a:spcPts val="0"/>
-              </a:spcAft>
-              <a:buClrTx/>
-              <a:buSzTx/>
-              <a:buFontTx/>
-              <a:buNone/>
-              <a:tabLst/>
-              <a:defRPr/>
-            </a:pPr>
-            <a:endParaRPr kumimoji="0" lang="ko-KR" altLang="en-US" sz="1600" b="0" i="0" u="none" strike="noStrike" kern="1200" cap="none" spc="0" normalizeH="0" baseline="0" noProof="0">
-              <a:ln>
-                <a:noFill/>
-              </a:ln>
-              <a:solidFill>
-                <a:prstClr val="white"/>
-              </a:solidFill>
-              <a:effectLst/>
-              <a:uLnTx/>
-              <a:uFillTx/>
-              <a:latin typeface="맑은 고딕" panose="020F0502020204030204"/>
-              <a:ea typeface="맑은 고딕" panose="020B0503020000020004" pitchFamily="50" charset="-127"/>
-              <a:cs typeface="+mn-cs"/>
-            </a:endParaRPr>
-          </a:p>
-        </p:txBody>
-      </p:sp>
-      <p:sp>
-        <p:nvSpPr>
-          <p:cNvPr id="21" name="양쪽 모서리가 둥근 사각형 20"/>
-          <p:cNvSpPr/>
-          <p:nvPr/>
-        </p:nvSpPr>
-        <p:spPr>
-          <a:xfrm>
-            <a:off x="7738041" y="2883828"/>
-            <a:ext cx="892270" cy="1675300"/>
-          </a:xfrm>
-          <a:prstGeom prst="round2SameRect">
-            <a:avLst/>
-          </a:prstGeom>
-          <a:solidFill>
-            <a:srgbClr val="00CCFF"/>
-          </a:solidFill>
-          <a:ln w="19050">
-            <a:solidFill>
-              <a:schemeClr val="tx1">
-                <a:lumMod val="75000"/>
-                <a:lumOff val="25000"/>
-              </a:schemeClr>
-            </a:solidFill>
-          </a:ln>
-          <a:scene3d>
-            <a:camera prst="orthographicFront"/>
-            <a:lightRig rig="threePt" dir="t"/>
-          </a:scene3d>
-          <a:sp3d prstMaterial="matte"/>
-        </p:spPr>
-        <p:style>
-          <a:lnRef idx="2">
-            <a:schemeClr val="accent1">
-              <a:shade val="50000"/>
-            </a:schemeClr>
-          </a:lnRef>
-          <a:fillRef idx="1">
-            <a:schemeClr val="accent1"/>
-          </a:fillRef>
-          <a:effectRef idx="0">
-            <a:schemeClr val="accent1"/>
-          </a:effectRef>
-          <a:fontRef idx="minor">
-            <a:schemeClr val="lt1"/>
-          </a:fontRef>
-        </p:style>
-        <p:txBody>
-          <a:bodyPr rtlCol="0" anchor="ctr"/>
-          <a:lstStyle/>
-          <a:p>
-            <a:pPr marL="0" marR="0" lvl="0" indent="0" algn="ctr" defTabSz="914400" rtl="0" eaLnBrk="1" fontAlgn="auto" latinLnBrk="1" hangingPunct="1">
-              <a:lnSpc>
-                <a:spcPct val="100000"/>
-              </a:lnSpc>
-              <a:spcBef>
-                <a:spcPts val="0"/>
-              </a:spcBef>
-              <a:spcAft>
-                <a:spcPts val="0"/>
-              </a:spcAft>
-              <a:buClrTx/>
-              <a:buSzTx/>
-              <a:buFontTx/>
-              <a:buNone/>
-              <a:tabLst/>
-              <a:defRPr/>
-            </a:pPr>
-            <a:endParaRPr kumimoji="0" lang="ko-KR" altLang="en-US" sz="1600" b="0" i="0" u="none" strike="noStrike" kern="1200" cap="none" spc="0" normalizeH="0" baseline="0" noProof="0">
-              <a:ln>
-                <a:noFill/>
-              </a:ln>
-              <a:solidFill>
-                <a:prstClr val="white"/>
-              </a:solidFill>
-              <a:effectLst/>
-              <a:uLnTx/>
-              <a:uFillTx/>
-              <a:latin typeface="맑은 고딕" panose="020F0502020204030204"/>
-              <a:ea typeface="맑은 고딕" panose="020B0503020000020004" pitchFamily="50" charset="-127"/>
-              <a:cs typeface="+mn-cs"/>
-            </a:endParaRPr>
-          </a:p>
-        </p:txBody>
-      </p:sp>
-      <p:sp>
-        <p:nvSpPr>
-          <p:cNvPr id="22" name="모서리가 둥근 사각형 설명선 21"/>
-          <p:cNvSpPr/>
-          <p:nvPr/>
-        </p:nvSpPr>
-        <p:spPr>
-          <a:xfrm>
-            <a:off x="8858749" y="2705121"/>
-            <a:ext cx="509993" cy="242893"/>
-          </a:xfrm>
-          <a:prstGeom prst="wedgeRoundRectCallout">
-            <a:avLst>
-              <a:gd name="adj1" fmla="val -68244"/>
-              <a:gd name="adj2" fmla="val 52868"/>
-              <a:gd name="adj3" fmla="val 16667"/>
-            </a:avLst>
-          </a:prstGeom>
-          <a:solidFill>
-            <a:srgbClr val="00CCFF"/>
-          </a:solidFill>
-          <a:ln w="19050">
-            <a:solidFill>
-              <a:schemeClr val="tx1">
-                <a:lumMod val="75000"/>
-                <a:lumOff val="25000"/>
-              </a:schemeClr>
-            </a:solidFill>
-          </a:ln>
-          <a:scene3d>
-            <a:camera prst="orthographicFront"/>
-            <a:lightRig rig="threePt" dir="t"/>
-          </a:scene3d>
-          <a:sp3d prstMaterial="matte"/>
-        </p:spPr>
-        <p:style>
-          <a:lnRef idx="2">
-            <a:schemeClr val="accent1">
-              <a:shade val="50000"/>
-            </a:schemeClr>
-          </a:lnRef>
-          <a:fillRef idx="1">
-            <a:schemeClr val="accent1"/>
-          </a:fillRef>
-          <a:effectRef idx="0">
-            <a:schemeClr val="accent1"/>
-          </a:effectRef>
-          <a:fontRef idx="minor">
-            <a:schemeClr val="lt1"/>
-          </a:fontRef>
-        </p:style>
-        <p:txBody>
-          <a:bodyPr rtlCol="0" anchor="ctr"/>
-          <a:lstStyle/>
-          <a:p>
-            <a:pPr marL="0" marR="0" lvl="0" indent="0" algn="ctr" defTabSz="914400" rtl="0" eaLnBrk="1" fontAlgn="auto" latinLnBrk="1" hangingPunct="1">
-              <a:lnSpc>
-                <a:spcPct val="100000"/>
-              </a:lnSpc>
-              <a:spcBef>
-                <a:spcPts val="0"/>
-              </a:spcBef>
-              <a:spcAft>
-                <a:spcPts val="0"/>
-              </a:spcAft>
-              <a:buClrTx/>
-              <a:buSzTx/>
-              <a:buFontTx/>
-              <a:buNone/>
-              <a:tabLst/>
-              <a:defRPr/>
-            </a:pPr>
-            <a:r>
-              <a:rPr kumimoji="0" lang="en-US" altLang="ko-KR" sz="1050" b="1" i="0" u="none" strike="noStrike" kern="1200" cap="none" spc="0" normalizeH="0" baseline="0" noProof="0" dirty="0">
-                <a:ln>
-                  <a:noFill/>
-                </a:ln>
-                <a:solidFill>
-                  <a:prstClr val="white"/>
-                </a:solidFill>
-                <a:effectLst/>
-                <a:uLnTx/>
-                <a:uFillTx/>
-                <a:latin typeface="맑은 고딕" panose="020F0502020204030204"/>
-                <a:ea typeface="맑은 고딕" panose="020B0503020000020004" pitchFamily="50" charset="-127"/>
-                <a:cs typeface="+mn-cs"/>
-              </a:rPr>
-              <a:t>60%</a:t>
-            </a:r>
-            <a:endParaRPr kumimoji="0" lang="ko-KR" altLang="en-US" sz="1050" b="1" i="0" u="none" strike="noStrike" kern="1200" cap="none" spc="0" normalizeH="0" baseline="0" noProof="0" dirty="0">
-              <a:ln>
-                <a:noFill/>
-              </a:ln>
-              <a:solidFill>
-                <a:prstClr val="white"/>
-              </a:solidFill>
-              <a:effectLst/>
-              <a:uLnTx/>
-              <a:uFillTx/>
-              <a:latin typeface="맑은 고딕" panose="020F0502020204030204"/>
-              <a:ea typeface="맑은 고딕" panose="020B0503020000020004" pitchFamily="50" charset="-127"/>
-              <a:cs typeface="+mn-cs"/>
-            </a:endParaRPr>
-          </a:p>
-        </p:txBody>
-      </p:sp>
-      <p:cxnSp>
-        <p:nvCxnSpPr>
-          <p:cNvPr id="23" name="직선 연결선 22"/>
-          <p:cNvCxnSpPr/>
-          <p:nvPr/>
-        </p:nvCxnSpPr>
-        <p:spPr>
-          <a:xfrm rot="16200000" flipV="1">
-            <a:off x="8139794" y="2745086"/>
-            <a:ext cx="0" cy="1638277"/>
-          </a:xfrm>
-          <a:prstGeom prst="line">
-            <a:avLst/>
-          </a:prstGeom>
-          <a:ln w="19050">
-            <a:solidFill>
-              <a:schemeClr val="tx1">
-                <a:lumMod val="75000"/>
-                <a:lumOff val="25000"/>
-              </a:schemeClr>
-            </a:solidFill>
-            <a:prstDash val="sysDash"/>
-          </a:ln>
-        </p:spPr>
-        <p:style>
-          <a:lnRef idx="1">
-            <a:schemeClr val="accent1"/>
-          </a:lnRef>
-          <a:fillRef idx="0">
-            <a:schemeClr val="accent1"/>
-          </a:fillRef>
-          <a:effectRef idx="0">
-            <a:schemeClr val="accent1"/>
-          </a:effectRef>
-          <a:fontRef idx="minor">
-            <a:schemeClr val="tx1"/>
-          </a:fontRef>
-        </p:style>
-      </p:cxnSp>
-      <p:sp>
-        <p:nvSpPr>
-          <p:cNvPr id="24" name="직사각형 23"/>
-          <p:cNvSpPr/>
-          <p:nvPr/>
-        </p:nvSpPr>
-        <p:spPr>
-          <a:xfrm>
-            <a:off x="6236804" y="3398361"/>
-            <a:ext cx="995786" cy="369332"/>
-          </a:xfrm>
-          <a:prstGeom prst="rect">
-            <a:avLst/>
-          </a:prstGeom>
-        </p:spPr>
-        <p:txBody>
-          <a:bodyPr wrap="none">
-            <a:spAutoFit/>
-          </a:bodyPr>
-          <a:lstStyle/>
-          <a:p>
-            <a:pPr marL="0" marR="0" lvl="0" indent="0" algn="ctr" defTabSz="914400" rtl="0" eaLnBrk="1" fontAlgn="auto" latinLnBrk="1" hangingPunct="1">
-              <a:lnSpc>
-                <a:spcPct val="150000"/>
-              </a:lnSpc>
-              <a:spcBef>
-                <a:spcPts val="0"/>
-              </a:spcBef>
-              <a:spcAft>
-                <a:spcPts val="0"/>
-              </a:spcAft>
-              <a:buClrTx/>
-              <a:buSzTx/>
-              <a:buFontTx/>
-              <a:buNone/>
-              <a:tabLst/>
-              <a:defRPr/>
-            </a:pPr>
-            <a:r>
-              <a:rPr kumimoji="0" lang="en-US" altLang="ko-KR" sz="1200" b="1" i="0" u="none" strike="noStrike" kern="1200" cap="none" spc="0" normalizeH="0" baseline="0" noProof="0" dirty="0">
-                <a:ln>
-                  <a:noFill/>
-                </a:ln>
-                <a:solidFill>
-                  <a:prstClr val="black">
-                    <a:lumMod val="75000"/>
-                    <a:lumOff val="25000"/>
-                  </a:prstClr>
-                </a:solidFill>
-                <a:effectLst/>
-                <a:uLnTx/>
-                <a:uFillTx/>
-                <a:latin typeface="맑은 고딕" panose="020F0502020204030204"/>
-                <a:ea typeface="맑은 고딕" panose="020B0503020000020004" pitchFamily="50" charset="-127"/>
-                <a:cs typeface="+mn-cs"/>
-              </a:rPr>
-              <a:t>2022</a:t>
-            </a:r>
-            <a:r>
-              <a:rPr kumimoji="0" lang="ko-KR" altLang="en-US" sz="1200" b="1" i="0" u="none" strike="noStrike" kern="1200" cap="none" spc="0" normalizeH="0" baseline="0" noProof="0" dirty="0">
-                <a:ln>
-                  <a:noFill/>
-                </a:ln>
-                <a:solidFill>
-                  <a:prstClr val="black">
-                    <a:lumMod val="75000"/>
-                    <a:lumOff val="25000"/>
-                  </a:prstClr>
-                </a:solidFill>
-                <a:effectLst/>
-                <a:uLnTx/>
-                <a:uFillTx/>
-                <a:latin typeface="맑은 고딕" panose="020F0502020204030204"/>
-                <a:ea typeface="맑은 고딕" panose="020B0503020000020004" pitchFamily="50" charset="-127"/>
-                <a:cs typeface="+mn-cs"/>
-              </a:rPr>
-              <a:t>년 </a:t>
-            </a:r>
-            <a:r>
-              <a:rPr kumimoji="0" lang="en-US" altLang="ko-KR" sz="1200" b="1" i="0" u="none" strike="noStrike" kern="1200" cap="none" spc="0" normalizeH="0" baseline="0" noProof="0" dirty="0">
-                <a:ln>
-                  <a:noFill/>
-                </a:ln>
-                <a:solidFill>
-                  <a:prstClr val="black">
-                    <a:lumMod val="75000"/>
-                    <a:lumOff val="25000"/>
-                  </a:prstClr>
-                </a:solidFill>
-                <a:effectLst/>
-                <a:uLnTx/>
-                <a:uFillTx/>
-                <a:latin typeface="맑은 고딕" panose="020F0502020204030204"/>
-                <a:ea typeface="맑은 고딕" panose="020B0503020000020004" pitchFamily="50" charset="-127"/>
-                <a:cs typeface="+mn-cs"/>
-              </a:rPr>
-              <a:t>6</a:t>
-            </a:r>
-            <a:r>
-              <a:rPr kumimoji="0" lang="ko-KR" altLang="en-US" sz="1200" b="1" i="0" u="none" strike="noStrike" kern="1200" cap="none" spc="0" normalizeH="0" baseline="0" noProof="0" dirty="0">
-                <a:ln>
-                  <a:noFill/>
-                </a:ln>
-                <a:solidFill>
-                  <a:prstClr val="black">
-                    <a:lumMod val="75000"/>
-                    <a:lumOff val="25000"/>
-                  </a:prstClr>
-                </a:solidFill>
-                <a:effectLst/>
-                <a:uLnTx/>
-                <a:uFillTx/>
-                <a:latin typeface="맑은 고딕" panose="020F0502020204030204"/>
-                <a:ea typeface="맑은 고딕" panose="020B0503020000020004" pitchFamily="50" charset="-127"/>
-                <a:cs typeface="+mn-cs"/>
-              </a:rPr>
-              <a:t>월</a:t>
-            </a:r>
-            <a:endParaRPr kumimoji="0" lang="en-US" altLang="ko-KR" sz="1200" b="1" i="0" u="none" strike="noStrike" kern="1200" cap="none" spc="0" normalizeH="0" baseline="0" noProof="0" dirty="0">
-              <a:ln>
-                <a:noFill/>
-              </a:ln>
-              <a:solidFill>
-                <a:prstClr val="black">
-                  <a:lumMod val="75000"/>
-                  <a:lumOff val="25000"/>
-                </a:prstClr>
-              </a:solidFill>
-              <a:effectLst/>
-              <a:uLnTx/>
-              <a:uFillTx/>
-              <a:latin typeface="맑은 고딕" panose="020F0502020204030204"/>
-              <a:ea typeface="맑은 고딕" panose="020B0503020000020004" pitchFamily="50" charset="-127"/>
-              <a:cs typeface="+mn-cs"/>
-            </a:endParaRPr>
-          </a:p>
-        </p:txBody>
-      </p:sp>
-      <p:sp>
-        <p:nvSpPr>
-          <p:cNvPr id="25" name="직사각형 24"/>
-          <p:cNvSpPr/>
-          <p:nvPr/>
-        </p:nvSpPr>
-        <p:spPr>
-          <a:xfrm>
-            <a:off x="9066586" y="3398361"/>
-            <a:ext cx="498855" cy="333617"/>
-          </a:xfrm>
-          <a:prstGeom prst="rect">
-            <a:avLst/>
-          </a:prstGeom>
-        </p:spPr>
-        <p:txBody>
-          <a:bodyPr wrap="none">
-            <a:spAutoFit/>
-          </a:bodyPr>
-          <a:lstStyle/>
-          <a:p>
-            <a:pPr marL="0" marR="0" lvl="0" indent="0" algn="ctr" defTabSz="914400" rtl="0" eaLnBrk="1" fontAlgn="auto" latinLnBrk="1" hangingPunct="1">
-              <a:lnSpc>
-                <a:spcPct val="150000"/>
-              </a:lnSpc>
-              <a:spcBef>
-                <a:spcPts val="0"/>
-              </a:spcBef>
-              <a:spcAft>
-                <a:spcPts val="0"/>
-              </a:spcAft>
-              <a:buClrTx/>
-              <a:buSzTx/>
-              <a:buFontTx/>
-              <a:buNone/>
-              <a:tabLst/>
-              <a:defRPr/>
-            </a:pPr>
-            <a:r>
-              <a:rPr kumimoji="0" lang="en-US" altLang="ko-KR" sz="1200" b="1" i="0" u="none" strike="noStrike" kern="1200" cap="none" spc="0" normalizeH="0" baseline="0" noProof="0" dirty="0">
-                <a:ln>
-                  <a:noFill/>
-                </a:ln>
-                <a:solidFill>
-                  <a:prstClr val="black">
-                    <a:lumMod val="75000"/>
-                    <a:lumOff val="25000"/>
-                  </a:prstClr>
-                </a:solidFill>
-                <a:effectLst/>
-                <a:uLnTx/>
-                <a:uFillTx/>
-                <a:latin typeface="맑은 고딕" panose="020F0502020204030204"/>
-                <a:ea typeface="맑은 고딕" panose="020B0503020000020004" pitchFamily="50" charset="-127"/>
-                <a:cs typeface="+mn-cs"/>
-              </a:rPr>
-              <a:t>40%</a:t>
-            </a:r>
-          </a:p>
-        </p:txBody>
-      </p:sp>
-      <p:sp>
-        <p:nvSpPr>
-          <p:cNvPr id="26" name="직사각형 25"/>
-          <p:cNvSpPr/>
-          <p:nvPr/>
-        </p:nvSpPr>
-        <p:spPr>
-          <a:xfrm>
-            <a:off x="3177877" y="4863746"/>
-            <a:ext cx="1985429" cy="934871"/>
-          </a:xfrm>
-          <a:prstGeom prst="rect">
-            <a:avLst/>
-          </a:prstGeom>
-        </p:spPr>
-        <p:txBody>
-          <a:bodyPr wrap="square">
-            <a:spAutoFit/>
-          </a:bodyPr>
-          <a:lstStyle/>
-          <a:p>
-            <a:pPr marL="0" marR="0" lvl="0" indent="0" algn="ctr" defTabSz="914400" rtl="0" eaLnBrk="1" fontAlgn="auto" latinLnBrk="1" hangingPunct="1">
-              <a:lnSpc>
-                <a:spcPct val="150000"/>
-              </a:lnSpc>
-              <a:spcBef>
-                <a:spcPts val="0"/>
-              </a:spcBef>
-              <a:spcAft>
-                <a:spcPts val="0"/>
-              </a:spcAft>
-              <a:buClrTx/>
-              <a:buSzTx/>
-              <a:buFontTx/>
-              <a:buNone/>
-              <a:tabLst/>
-              <a:defRPr/>
-            </a:pPr>
-            <a:r>
-              <a:rPr kumimoji="0" lang="en-US" altLang="ko-KR" sz="1200" b="1" i="0" u="none" strike="noStrike" kern="1200" cap="none" spc="0" normalizeH="0" baseline="0" noProof="0" dirty="0">
-                <a:ln>
-                  <a:noFill/>
-                </a:ln>
-                <a:solidFill>
-                  <a:prstClr val="black">
-                    <a:lumMod val="75000"/>
-                    <a:lumOff val="25000"/>
-                  </a:prstClr>
-                </a:solidFill>
-                <a:effectLst/>
-                <a:uLnTx/>
-                <a:uFillTx/>
-                <a:latin typeface="맑은 고딕" panose="020F0502020204030204"/>
-                <a:ea typeface="맑은 고딕" panose="020B0503020000020004" pitchFamily="50" charset="-127"/>
-                <a:cs typeface="+mn-cs"/>
-              </a:rPr>
-              <a:t>CONTENTS A</a:t>
-            </a:r>
-          </a:p>
-          <a:p>
-            <a:pPr marL="0" marR="0" lvl="0" indent="0" algn="ctr" defTabSz="914400" rtl="0" eaLnBrk="1" fontAlgn="auto" latinLnBrk="1" hangingPunct="1">
-              <a:lnSpc>
-                <a:spcPct val="150000"/>
-              </a:lnSpc>
-              <a:spcBef>
-                <a:spcPts val="0"/>
-              </a:spcBef>
-              <a:spcAft>
-                <a:spcPts val="0"/>
-              </a:spcAft>
-              <a:buClrTx/>
-              <a:buSzTx/>
-              <a:buFontTx/>
-              <a:buNone/>
-              <a:tabLst/>
-              <a:defRPr/>
-            </a:pPr>
-            <a:r>
-              <a:rPr kumimoji="0" lang="ko-KR" altLang="en-US" sz="1050" b="0" i="0" u="none" strike="noStrike" kern="1200" cap="none" spc="0" normalizeH="0" baseline="0" noProof="0" dirty="0">
-                <a:ln>
-                  <a:noFill/>
-                </a:ln>
-                <a:solidFill>
-                  <a:prstClr val="black">
-                    <a:lumMod val="75000"/>
-                    <a:lumOff val="25000"/>
-                  </a:prstClr>
-                </a:solidFill>
-                <a:effectLst/>
-                <a:uLnTx/>
-                <a:uFillTx/>
-                <a:latin typeface="맑은 고딕" panose="020F0502020204030204"/>
-                <a:ea typeface="맑은 고딕" panose="020B0503020000020004" pitchFamily="50" charset="-127"/>
-                <a:cs typeface="+mn-cs"/>
-              </a:rPr>
-              <a:t>컨텐츠에 대한 내용을 적어요</a:t>
-            </a:r>
-            <a:endParaRPr kumimoji="0" lang="en-US" altLang="ko-KR" sz="1050" b="0" i="0" u="none" strike="noStrike" kern="1200" cap="none" spc="0" normalizeH="0" baseline="0" noProof="0" dirty="0">
-              <a:ln>
-                <a:noFill/>
-              </a:ln>
-              <a:solidFill>
-                <a:prstClr val="black">
-                  <a:lumMod val="75000"/>
-                  <a:lumOff val="25000"/>
-                </a:prstClr>
-              </a:solidFill>
-              <a:effectLst/>
-              <a:uLnTx/>
-              <a:uFillTx/>
-              <a:latin typeface="맑은 고딕" panose="020F0502020204030204"/>
-              <a:ea typeface="맑은 고딕" panose="020B0503020000020004" pitchFamily="50" charset="-127"/>
-              <a:cs typeface="+mn-cs"/>
-            </a:endParaRPr>
-          </a:p>
-          <a:p>
-            <a:pPr marL="0" marR="0" lvl="0" indent="0" algn="ctr" defTabSz="914400" rtl="0" eaLnBrk="1" fontAlgn="auto" latinLnBrk="1" hangingPunct="1">
-              <a:lnSpc>
-                <a:spcPct val="150000"/>
-              </a:lnSpc>
-              <a:spcBef>
-                <a:spcPts val="0"/>
-              </a:spcBef>
-              <a:spcAft>
-                <a:spcPts val="0"/>
-              </a:spcAft>
-              <a:buClrTx/>
-              <a:buSzTx/>
-              <a:buFontTx/>
-              <a:buNone/>
-              <a:tabLst/>
-              <a:defRPr/>
-            </a:pPr>
-            <a:r>
-              <a:rPr kumimoji="0" lang="ko-KR" altLang="en-US" sz="700" b="0" i="0" u="none" strike="noStrike" kern="1200" cap="none" spc="0" normalizeH="0" baseline="0" noProof="0" dirty="0">
-                <a:ln>
-                  <a:noFill/>
-                </a:ln>
-                <a:solidFill>
-                  <a:prstClr val="black">
-                    <a:lumMod val="75000"/>
-                    <a:lumOff val="25000"/>
-                  </a:prstClr>
-                </a:solidFill>
-                <a:effectLst/>
-                <a:uLnTx/>
-                <a:uFillTx/>
-                <a:latin typeface="맑은 고딕" panose="020F0502020204030204"/>
-                <a:ea typeface="맑은 고딕" panose="020B0503020000020004" pitchFamily="50" charset="-127"/>
-                <a:cs typeface="+mn-cs"/>
-              </a:rPr>
-              <a:t>Enjoy your stylish business and campus life with BIZCAM </a:t>
-            </a:r>
-          </a:p>
-        </p:txBody>
-      </p:sp>
-      <p:sp>
-        <p:nvSpPr>
-          <p:cNvPr id="27" name="직사각형 26"/>
-          <p:cNvSpPr/>
-          <p:nvPr/>
-        </p:nvSpPr>
-        <p:spPr>
-          <a:xfrm>
-            <a:off x="7191461" y="4863746"/>
-            <a:ext cx="1985429" cy="934871"/>
-          </a:xfrm>
-          <a:prstGeom prst="rect">
-            <a:avLst/>
-          </a:prstGeom>
-        </p:spPr>
-        <p:txBody>
-          <a:bodyPr wrap="square">
-            <a:spAutoFit/>
-          </a:bodyPr>
-          <a:lstStyle/>
-          <a:p>
-            <a:pPr marL="0" marR="0" lvl="0" indent="0" algn="ctr" defTabSz="914400" rtl="0" eaLnBrk="1" fontAlgn="auto" latinLnBrk="1" hangingPunct="1">
-              <a:lnSpc>
-                <a:spcPct val="150000"/>
-              </a:lnSpc>
-              <a:spcBef>
-                <a:spcPts val="0"/>
-              </a:spcBef>
-              <a:spcAft>
-                <a:spcPts val="0"/>
-              </a:spcAft>
-              <a:buClrTx/>
-              <a:buSzTx/>
-              <a:buFontTx/>
-              <a:buNone/>
-              <a:tabLst/>
-              <a:defRPr/>
-            </a:pPr>
-            <a:r>
-              <a:rPr kumimoji="0" lang="en-US" altLang="ko-KR" sz="1200" b="1" i="0" u="none" strike="noStrike" kern="1200" cap="none" spc="0" normalizeH="0" baseline="0" noProof="0" dirty="0">
-                <a:ln>
-                  <a:noFill/>
-                </a:ln>
-                <a:solidFill>
-                  <a:prstClr val="black">
-                    <a:lumMod val="75000"/>
-                    <a:lumOff val="25000"/>
-                  </a:prstClr>
-                </a:solidFill>
-                <a:effectLst/>
-                <a:uLnTx/>
-                <a:uFillTx/>
-                <a:latin typeface="맑은 고딕" panose="020F0502020204030204"/>
-                <a:ea typeface="맑은 고딕" panose="020B0503020000020004" pitchFamily="50" charset="-127"/>
-                <a:cs typeface="+mn-cs"/>
-              </a:rPr>
-              <a:t>CONTENTS A</a:t>
-            </a:r>
-          </a:p>
-          <a:p>
-            <a:pPr marL="0" marR="0" lvl="0" indent="0" algn="ctr" defTabSz="914400" rtl="0" eaLnBrk="1" fontAlgn="auto" latinLnBrk="1" hangingPunct="1">
-              <a:lnSpc>
-                <a:spcPct val="150000"/>
-              </a:lnSpc>
-              <a:spcBef>
-                <a:spcPts val="0"/>
-              </a:spcBef>
-              <a:spcAft>
-                <a:spcPts val="0"/>
-              </a:spcAft>
-              <a:buClrTx/>
-              <a:buSzTx/>
-              <a:buFontTx/>
-              <a:buNone/>
-              <a:tabLst/>
-              <a:defRPr/>
-            </a:pPr>
-            <a:r>
-              <a:rPr kumimoji="0" lang="ko-KR" altLang="en-US" sz="1050" b="0" i="0" u="none" strike="noStrike" kern="1200" cap="none" spc="0" normalizeH="0" baseline="0" noProof="0" dirty="0">
-                <a:ln>
-                  <a:noFill/>
-                </a:ln>
-                <a:solidFill>
-                  <a:prstClr val="black">
-                    <a:lumMod val="75000"/>
-                    <a:lumOff val="25000"/>
-                  </a:prstClr>
-                </a:solidFill>
-                <a:effectLst/>
-                <a:uLnTx/>
-                <a:uFillTx/>
-                <a:latin typeface="맑은 고딕" panose="020F0502020204030204"/>
-                <a:ea typeface="맑은 고딕" panose="020B0503020000020004" pitchFamily="50" charset="-127"/>
-                <a:cs typeface="+mn-cs"/>
-              </a:rPr>
-              <a:t>컨텐츠에 대한 내용을 적어요</a:t>
-            </a:r>
-            <a:endParaRPr kumimoji="0" lang="en-US" altLang="ko-KR" sz="1050" b="0" i="0" u="none" strike="noStrike" kern="1200" cap="none" spc="0" normalizeH="0" baseline="0" noProof="0" dirty="0">
-              <a:ln>
-                <a:noFill/>
-              </a:ln>
-              <a:solidFill>
-                <a:prstClr val="black">
-                  <a:lumMod val="75000"/>
-                  <a:lumOff val="25000"/>
-                </a:prstClr>
-              </a:solidFill>
-              <a:effectLst/>
-              <a:uLnTx/>
-              <a:uFillTx/>
-              <a:latin typeface="맑은 고딕" panose="020F0502020204030204"/>
-              <a:ea typeface="맑은 고딕" panose="020B0503020000020004" pitchFamily="50" charset="-127"/>
-              <a:cs typeface="+mn-cs"/>
-            </a:endParaRPr>
-          </a:p>
-          <a:p>
-            <a:pPr marL="0" marR="0" lvl="0" indent="0" algn="ctr" defTabSz="914400" rtl="0" eaLnBrk="1" fontAlgn="auto" latinLnBrk="1" hangingPunct="1">
-              <a:lnSpc>
-                <a:spcPct val="150000"/>
-              </a:lnSpc>
-              <a:spcBef>
-                <a:spcPts val="0"/>
-              </a:spcBef>
-              <a:spcAft>
-                <a:spcPts val="0"/>
-              </a:spcAft>
-              <a:buClrTx/>
-              <a:buSzTx/>
-              <a:buFontTx/>
-              <a:buNone/>
-              <a:tabLst/>
-              <a:defRPr/>
-            </a:pPr>
-            <a:r>
-              <a:rPr kumimoji="0" lang="ko-KR" altLang="en-US" sz="700" b="0" i="0" u="none" strike="noStrike" kern="1200" cap="none" spc="0" normalizeH="0" baseline="0" noProof="0" dirty="0">
-                <a:ln>
-                  <a:noFill/>
-                </a:ln>
-                <a:solidFill>
-                  <a:prstClr val="black">
-                    <a:lumMod val="75000"/>
-                    <a:lumOff val="25000"/>
-                  </a:prstClr>
-                </a:solidFill>
-                <a:effectLst/>
-                <a:uLnTx/>
-                <a:uFillTx/>
-                <a:latin typeface="맑은 고딕" panose="020F0502020204030204"/>
-                <a:ea typeface="맑은 고딕" panose="020B0503020000020004" pitchFamily="50" charset="-127"/>
-                <a:cs typeface="+mn-cs"/>
-              </a:rPr>
-              <a:t>Enjoy your stylish business and campus life with BIZCAM </a:t>
-            </a:r>
-          </a:p>
-        </p:txBody>
-      </p:sp>
     </p:spTree>
     <p:extLst>
       <p:ext uri="{BB962C8B-B14F-4D97-AF65-F5344CB8AC3E}">
-        <p14:creationId xmlns:p14="http://schemas.microsoft.com/office/powerpoint/2010/main" val="51581241"/>
+        <p14:creationId xmlns:p14="http://schemas.microsoft.com/office/powerpoint/2010/main" val="3611391406"/>
       </p:ext>
     </p:extLst>
   </p:cSld>
@@ -8942,7 +9643,7 @@
                   <a:defRPr/>
                 </a:pPr>
                 <a:r>
-                  <a:rPr lang="ko-KR" altLang="en-US" sz="1600" kern="0" dirty="0">
+                  <a:rPr lang="ko-KR" altLang="en-US" kern="0" dirty="0">
                     <a:ln w="25400">
                       <a:noFill/>
                     </a:ln>
@@ -8955,7 +9656,7 @@
                   </a:rPr>
                   <a:t>예상 실행 흐름</a:t>
                 </a:r>
-                <a:endParaRPr kumimoji="0" lang="ko-KR" altLang="en-US" sz="1600" b="0" i="0" u="none" strike="noStrike" kern="1200" cap="none" spc="0" normalizeH="0" baseline="0" noProof="0" dirty="0">
+                <a:endParaRPr kumimoji="0" lang="ko-KR" altLang="en-US" b="0" i="0" u="none" strike="noStrike" kern="1200" cap="none" spc="0" normalizeH="0" baseline="0" noProof="0" dirty="0">
                   <a:ln>
                     <a:noFill/>
                   </a:ln>
@@ -9150,3428 +9851,6 @@
           </p:sp>
         </p:grpSp>
       </p:grpSp>
-      <p:cxnSp>
-        <p:nvCxnSpPr>
-          <p:cNvPr id="13" name="직선 연결선 12"/>
-          <p:cNvCxnSpPr/>
-          <p:nvPr/>
-        </p:nvCxnSpPr>
-        <p:spPr>
-          <a:xfrm rot="16200000" flipV="1">
-            <a:off x="6302503" y="968795"/>
-            <a:ext cx="0" cy="7185423"/>
-          </a:xfrm>
-          <a:prstGeom prst="line">
-            <a:avLst/>
-          </a:prstGeom>
-          <a:ln w="19050">
-            <a:solidFill>
-              <a:schemeClr val="tx1">
-                <a:lumMod val="75000"/>
-                <a:lumOff val="25000"/>
-              </a:schemeClr>
-            </a:solidFill>
-            <a:prstDash val="solid"/>
-          </a:ln>
-        </p:spPr>
-        <p:style>
-          <a:lnRef idx="1">
-            <a:schemeClr val="accent1"/>
-          </a:lnRef>
-          <a:fillRef idx="0">
-            <a:schemeClr val="accent1"/>
-          </a:fillRef>
-          <a:effectRef idx="0">
-            <a:schemeClr val="accent1"/>
-          </a:effectRef>
-          <a:fontRef idx="minor">
-            <a:schemeClr val="tx1"/>
-          </a:fontRef>
-        </p:style>
-      </p:cxnSp>
-      <p:sp>
-        <p:nvSpPr>
-          <p:cNvPr id="14" name="양쪽 모서리가 둥근 사각형 13"/>
-          <p:cNvSpPr/>
-          <p:nvPr/>
-        </p:nvSpPr>
-        <p:spPr>
-          <a:xfrm>
-            <a:off x="3708947" y="1814118"/>
-            <a:ext cx="892270" cy="2747388"/>
-          </a:xfrm>
-          <a:prstGeom prst="round2SameRect">
-            <a:avLst>
-              <a:gd name="adj1" fmla="val 14772"/>
-              <a:gd name="adj2" fmla="val 0"/>
-            </a:avLst>
-          </a:prstGeom>
-          <a:solidFill>
-            <a:schemeClr val="bg1">
-              <a:lumMod val="95000"/>
-            </a:schemeClr>
-          </a:solidFill>
-          <a:ln>
-            <a:noFill/>
-          </a:ln>
-        </p:spPr>
-        <p:style>
-          <a:lnRef idx="2">
-            <a:schemeClr val="accent1">
-              <a:shade val="50000"/>
-            </a:schemeClr>
-          </a:lnRef>
-          <a:fillRef idx="1">
-            <a:schemeClr val="accent1"/>
-          </a:fillRef>
-          <a:effectRef idx="0">
-            <a:schemeClr val="accent1"/>
-          </a:effectRef>
-          <a:fontRef idx="minor">
-            <a:schemeClr val="lt1"/>
-          </a:fontRef>
-        </p:style>
-        <p:txBody>
-          <a:bodyPr rtlCol="0" anchor="ctr"/>
-          <a:lstStyle/>
-          <a:p>
-            <a:pPr marL="0" marR="0" lvl="0" indent="0" algn="ctr" defTabSz="914400" rtl="0" eaLnBrk="1" fontAlgn="auto" latinLnBrk="1" hangingPunct="1">
-              <a:lnSpc>
-                <a:spcPct val="100000"/>
-              </a:lnSpc>
-              <a:spcBef>
-                <a:spcPts val="0"/>
-              </a:spcBef>
-              <a:spcAft>
-                <a:spcPts val="0"/>
-              </a:spcAft>
-              <a:buClrTx/>
-              <a:buSzTx/>
-              <a:buFontTx/>
-              <a:buNone/>
-              <a:tabLst/>
-              <a:defRPr/>
-            </a:pPr>
-            <a:endParaRPr kumimoji="0" lang="ko-KR" altLang="en-US" sz="1600" b="0" i="0" u="none" strike="noStrike" kern="1200" cap="none" spc="0" normalizeH="0" baseline="0" noProof="0">
-              <a:ln>
-                <a:noFill/>
-              </a:ln>
-              <a:solidFill>
-                <a:prstClr val="white"/>
-              </a:solidFill>
-              <a:effectLst/>
-              <a:uLnTx/>
-              <a:uFillTx/>
-              <a:latin typeface="맑은 고딕" panose="020F0502020204030204"/>
-              <a:ea typeface="맑은 고딕" panose="020B0503020000020004" pitchFamily="50" charset="-127"/>
-              <a:cs typeface="+mn-cs"/>
-            </a:endParaRPr>
-          </a:p>
-        </p:txBody>
-      </p:sp>
-      <p:sp>
-        <p:nvSpPr>
-          <p:cNvPr id="15" name="양쪽 모서리가 둥근 사각형 14"/>
-          <p:cNvSpPr/>
-          <p:nvPr/>
-        </p:nvSpPr>
-        <p:spPr>
-          <a:xfrm>
-            <a:off x="3724457" y="3497022"/>
-            <a:ext cx="892270" cy="1062105"/>
-          </a:xfrm>
-          <a:prstGeom prst="round2SameRect">
-            <a:avLst>
-              <a:gd name="adj1" fmla="val 14772"/>
-              <a:gd name="adj2" fmla="val 0"/>
-            </a:avLst>
-          </a:prstGeom>
-          <a:pattFill prst="lgGrid">
-            <a:fgClr>
-              <a:srgbClr val="E5F5FF"/>
-            </a:fgClr>
-            <a:bgClr>
-              <a:srgbClr val="CCECFF"/>
-            </a:bgClr>
-          </a:pattFill>
-          <a:ln w="19050">
-            <a:solidFill>
-              <a:schemeClr val="tx1">
-                <a:lumMod val="75000"/>
-                <a:lumOff val="25000"/>
-              </a:schemeClr>
-            </a:solidFill>
-          </a:ln>
-          <a:scene3d>
-            <a:camera prst="orthographicFront"/>
-            <a:lightRig rig="threePt" dir="t"/>
-          </a:scene3d>
-          <a:sp3d prstMaterial="matte"/>
-        </p:spPr>
-        <p:style>
-          <a:lnRef idx="2">
-            <a:schemeClr val="accent1">
-              <a:shade val="50000"/>
-            </a:schemeClr>
-          </a:lnRef>
-          <a:fillRef idx="1">
-            <a:schemeClr val="accent1"/>
-          </a:fillRef>
-          <a:effectRef idx="0">
-            <a:schemeClr val="accent1"/>
-          </a:effectRef>
-          <a:fontRef idx="minor">
-            <a:schemeClr val="lt1"/>
-          </a:fontRef>
-        </p:style>
-        <p:txBody>
-          <a:bodyPr rtlCol="0" anchor="ctr"/>
-          <a:lstStyle/>
-          <a:p>
-            <a:pPr marL="0" marR="0" lvl="0" indent="0" algn="ctr" defTabSz="914400" rtl="0" eaLnBrk="1" fontAlgn="auto" latinLnBrk="1" hangingPunct="1">
-              <a:lnSpc>
-                <a:spcPct val="100000"/>
-              </a:lnSpc>
-              <a:spcBef>
-                <a:spcPts val="0"/>
-              </a:spcBef>
-              <a:spcAft>
-                <a:spcPts val="0"/>
-              </a:spcAft>
-              <a:buClrTx/>
-              <a:buSzTx/>
-              <a:buFontTx/>
-              <a:buNone/>
-              <a:tabLst/>
-              <a:defRPr/>
-            </a:pPr>
-            <a:endParaRPr kumimoji="0" lang="ko-KR" altLang="en-US" sz="1600" b="0" i="0" u="none" strike="noStrike" kern="1200" cap="none" spc="0" normalizeH="0" baseline="0" noProof="0">
-              <a:ln>
-                <a:noFill/>
-              </a:ln>
-              <a:solidFill>
-                <a:prstClr val="white"/>
-              </a:solidFill>
-              <a:effectLst/>
-              <a:uLnTx/>
-              <a:uFillTx/>
-              <a:latin typeface="맑은 고딕" panose="020F0502020204030204"/>
-              <a:ea typeface="맑은 고딕" panose="020B0503020000020004" pitchFamily="50" charset="-127"/>
-              <a:cs typeface="+mn-cs"/>
-            </a:endParaRPr>
-          </a:p>
-        </p:txBody>
-      </p:sp>
-      <p:sp>
-        <p:nvSpPr>
-          <p:cNvPr id="16" name="모서리가 둥근 사각형 설명선 15"/>
-          <p:cNvSpPr/>
-          <p:nvPr/>
-        </p:nvSpPr>
-        <p:spPr>
-          <a:xfrm>
-            <a:off x="4845165" y="3267859"/>
-            <a:ext cx="505759" cy="242893"/>
-          </a:xfrm>
-          <a:prstGeom prst="wedgeRoundRectCallout">
-            <a:avLst>
-              <a:gd name="adj1" fmla="val -68244"/>
-              <a:gd name="adj2" fmla="val 52868"/>
-              <a:gd name="adj3" fmla="val 16667"/>
-            </a:avLst>
-          </a:prstGeom>
-          <a:pattFill prst="lgGrid">
-            <a:fgClr>
-              <a:srgbClr val="E5F5FF"/>
-            </a:fgClr>
-            <a:bgClr>
-              <a:srgbClr val="CCECFF"/>
-            </a:bgClr>
-          </a:pattFill>
-          <a:ln w="19050">
-            <a:solidFill>
-              <a:schemeClr val="tx1">
-                <a:lumMod val="75000"/>
-                <a:lumOff val="25000"/>
-              </a:schemeClr>
-            </a:solidFill>
-          </a:ln>
-          <a:scene3d>
-            <a:camera prst="orthographicFront"/>
-            <a:lightRig rig="threePt" dir="t"/>
-          </a:scene3d>
-          <a:sp3d prstMaterial="matte"/>
-        </p:spPr>
-        <p:style>
-          <a:lnRef idx="2">
-            <a:schemeClr val="accent1">
-              <a:shade val="50000"/>
-            </a:schemeClr>
-          </a:lnRef>
-          <a:fillRef idx="1">
-            <a:schemeClr val="accent1"/>
-          </a:fillRef>
-          <a:effectRef idx="0">
-            <a:schemeClr val="accent1"/>
-          </a:effectRef>
-          <a:fontRef idx="minor">
-            <a:schemeClr val="lt1"/>
-          </a:fontRef>
-        </p:style>
-        <p:txBody>
-          <a:bodyPr rtlCol="0" anchor="ctr"/>
-          <a:lstStyle/>
-          <a:p>
-            <a:pPr marL="0" marR="0" lvl="0" indent="0" algn="ctr" defTabSz="914400" rtl="0" eaLnBrk="1" fontAlgn="auto" latinLnBrk="1" hangingPunct="1">
-              <a:lnSpc>
-                <a:spcPct val="100000"/>
-              </a:lnSpc>
-              <a:spcBef>
-                <a:spcPts val="0"/>
-              </a:spcBef>
-              <a:spcAft>
-                <a:spcPts val="0"/>
-              </a:spcAft>
-              <a:buClrTx/>
-              <a:buSzTx/>
-              <a:buFontTx/>
-              <a:buNone/>
-              <a:tabLst/>
-              <a:defRPr/>
-            </a:pPr>
-            <a:r>
-              <a:rPr kumimoji="0" lang="en-US" altLang="ko-KR" sz="1100" b="1" i="0" u="none" strike="noStrike" kern="1200" cap="none" spc="0" normalizeH="0" baseline="0" noProof="0" dirty="0">
-                <a:ln>
-                  <a:noFill/>
-                </a:ln>
-                <a:solidFill>
-                  <a:prstClr val="black">
-                    <a:lumMod val="75000"/>
-                    <a:lumOff val="25000"/>
-                  </a:prstClr>
-                </a:solidFill>
-                <a:effectLst/>
-                <a:uLnTx/>
-                <a:uFillTx/>
-                <a:latin typeface="맑은 고딕" panose="020F0502020204030204"/>
-                <a:ea typeface="맑은 고딕" panose="020B0503020000020004" pitchFamily="50" charset="-127"/>
-                <a:cs typeface="+mn-cs"/>
-              </a:rPr>
-              <a:t>40%</a:t>
-            </a:r>
-            <a:endParaRPr kumimoji="0" lang="ko-KR" altLang="en-US" sz="1100" b="1" i="0" u="none" strike="noStrike" kern="1200" cap="none" spc="0" normalizeH="0" baseline="0" noProof="0" dirty="0">
-              <a:ln>
-                <a:noFill/>
-              </a:ln>
-              <a:solidFill>
-                <a:prstClr val="black">
-                  <a:lumMod val="75000"/>
-                  <a:lumOff val="25000"/>
-                </a:prstClr>
-              </a:solidFill>
-              <a:effectLst/>
-              <a:uLnTx/>
-              <a:uFillTx/>
-              <a:latin typeface="맑은 고딕" panose="020F0502020204030204"/>
-              <a:ea typeface="맑은 고딕" panose="020B0503020000020004" pitchFamily="50" charset="-127"/>
-              <a:cs typeface="+mn-cs"/>
-            </a:endParaRPr>
-          </a:p>
-        </p:txBody>
-      </p:sp>
-      <p:cxnSp>
-        <p:nvCxnSpPr>
-          <p:cNvPr id="17" name="직선 연결선 16"/>
-          <p:cNvCxnSpPr/>
-          <p:nvPr/>
-        </p:nvCxnSpPr>
-        <p:spPr>
-          <a:xfrm rot="16200000" flipV="1">
-            <a:off x="4126210" y="1566377"/>
-            <a:ext cx="0" cy="1638277"/>
-          </a:xfrm>
-          <a:prstGeom prst="line">
-            <a:avLst/>
-          </a:prstGeom>
-          <a:ln w="19050">
-            <a:solidFill>
-              <a:schemeClr val="tx1">
-                <a:lumMod val="75000"/>
-                <a:lumOff val="25000"/>
-              </a:schemeClr>
-            </a:solidFill>
-            <a:prstDash val="sysDash"/>
-          </a:ln>
-        </p:spPr>
-        <p:style>
-          <a:lnRef idx="1">
-            <a:schemeClr val="accent1"/>
-          </a:lnRef>
-          <a:fillRef idx="0">
-            <a:schemeClr val="accent1"/>
-          </a:fillRef>
-          <a:effectRef idx="0">
-            <a:schemeClr val="accent1"/>
-          </a:effectRef>
-          <a:fontRef idx="minor">
-            <a:schemeClr val="tx1"/>
-          </a:fontRef>
-        </p:style>
-      </p:cxnSp>
-      <p:sp>
-        <p:nvSpPr>
-          <p:cNvPr id="18" name="직사각형 17"/>
-          <p:cNvSpPr/>
-          <p:nvPr/>
-        </p:nvSpPr>
-        <p:spPr>
-          <a:xfrm>
-            <a:off x="2223221" y="2219652"/>
-            <a:ext cx="995785" cy="333617"/>
-          </a:xfrm>
-          <a:prstGeom prst="rect">
-            <a:avLst/>
-          </a:prstGeom>
-        </p:spPr>
-        <p:txBody>
-          <a:bodyPr wrap="none">
-            <a:spAutoFit/>
-          </a:bodyPr>
-          <a:lstStyle/>
-          <a:p>
-            <a:pPr marL="0" marR="0" lvl="0" indent="0" algn="ctr" defTabSz="914400" rtl="0" eaLnBrk="1" fontAlgn="auto" latinLnBrk="1" hangingPunct="1">
-              <a:lnSpc>
-                <a:spcPct val="150000"/>
-              </a:lnSpc>
-              <a:spcBef>
-                <a:spcPts val="0"/>
-              </a:spcBef>
-              <a:spcAft>
-                <a:spcPts val="0"/>
-              </a:spcAft>
-              <a:buClrTx/>
-              <a:buSzTx/>
-              <a:buFontTx/>
-              <a:buNone/>
-              <a:tabLst/>
-              <a:defRPr/>
-            </a:pPr>
-            <a:r>
-              <a:rPr kumimoji="0" lang="en-US" altLang="ko-KR" sz="1200" b="1" i="0" u="none" strike="noStrike" kern="1200" cap="none" spc="0" normalizeH="0" baseline="0" noProof="0" dirty="0">
-                <a:ln>
-                  <a:noFill/>
-                </a:ln>
-                <a:solidFill>
-                  <a:prstClr val="black">
-                    <a:lumMod val="75000"/>
-                    <a:lumOff val="25000"/>
-                  </a:prstClr>
-                </a:solidFill>
-                <a:effectLst/>
-                <a:uLnTx/>
-                <a:uFillTx/>
-                <a:latin typeface="맑은 고딕" panose="020F0502020204030204"/>
-                <a:ea typeface="맑은 고딕" panose="020B0503020000020004" pitchFamily="50" charset="-127"/>
-                <a:cs typeface="+mn-cs"/>
-              </a:rPr>
-              <a:t>2021</a:t>
-            </a:r>
-            <a:r>
-              <a:rPr kumimoji="0" lang="ko-KR" altLang="en-US" sz="1200" b="1" i="0" u="none" strike="noStrike" kern="1200" cap="none" spc="0" normalizeH="0" baseline="0" noProof="0" dirty="0">
-                <a:ln>
-                  <a:noFill/>
-                </a:ln>
-                <a:solidFill>
-                  <a:prstClr val="black">
-                    <a:lumMod val="75000"/>
-                    <a:lumOff val="25000"/>
-                  </a:prstClr>
-                </a:solidFill>
-                <a:effectLst/>
-                <a:uLnTx/>
-                <a:uFillTx/>
-                <a:latin typeface="맑은 고딕" panose="020F0502020204030204"/>
-                <a:ea typeface="맑은 고딕" panose="020B0503020000020004" pitchFamily="50" charset="-127"/>
-                <a:cs typeface="+mn-cs"/>
-              </a:rPr>
-              <a:t>년 </a:t>
-            </a:r>
-            <a:r>
-              <a:rPr kumimoji="0" lang="en-US" altLang="ko-KR" sz="1200" b="1" i="0" u="none" strike="noStrike" kern="1200" cap="none" spc="0" normalizeH="0" baseline="0" noProof="0" dirty="0">
-                <a:ln>
-                  <a:noFill/>
-                </a:ln>
-                <a:solidFill>
-                  <a:prstClr val="black">
-                    <a:lumMod val="75000"/>
-                    <a:lumOff val="25000"/>
-                  </a:prstClr>
-                </a:solidFill>
-                <a:effectLst/>
-                <a:uLnTx/>
-                <a:uFillTx/>
-                <a:latin typeface="맑은 고딕" panose="020F0502020204030204"/>
-                <a:ea typeface="맑은 고딕" panose="020B0503020000020004" pitchFamily="50" charset="-127"/>
-                <a:cs typeface="+mn-cs"/>
-              </a:rPr>
-              <a:t>6</a:t>
-            </a:r>
-            <a:r>
-              <a:rPr kumimoji="0" lang="ko-KR" altLang="en-US" sz="1200" b="1" i="0" u="none" strike="noStrike" kern="1200" cap="none" spc="0" normalizeH="0" baseline="0" noProof="0" dirty="0">
-                <a:ln>
-                  <a:noFill/>
-                </a:ln>
-                <a:solidFill>
-                  <a:prstClr val="black">
-                    <a:lumMod val="75000"/>
-                    <a:lumOff val="25000"/>
-                  </a:prstClr>
-                </a:solidFill>
-                <a:effectLst/>
-                <a:uLnTx/>
-                <a:uFillTx/>
-                <a:latin typeface="맑은 고딕" panose="020F0502020204030204"/>
-                <a:ea typeface="맑은 고딕" panose="020B0503020000020004" pitchFamily="50" charset="-127"/>
-                <a:cs typeface="+mn-cs"/>
-              </a:rPr>
-              <a:t>월</a:t>
-            </a:r>
-            <a:endParaRPr kumimoji="0" lang="en-US" altLang="ko-KR" sz="1200" b="1" i="0" u="none" strike="noStrike" kern="1200" cap="none" spc="0" normalizeH="0" baseline="0" noProof="0" dirty="0">
-              <a:ln>
-                <a:noFill/>
-              </a:ln>
-              <a:solidFill>
-                <a:prstClr val="black">
-                  <a:lumMod val="75000"/>
-                  <a:lumOff val="25000"/>
-                </a:prstClr>
-              </a:solidFill>
-              <a:effectLst/>
-              <a:uLnTx/>
-              <a:uFillTx/>
-              <a:latin typeface="맑은 고딕" panose="020F0502020204030204"/>
-              <a:ea typeface="맑은 고딕" panose="020B0503020000020004" pitchFamily="50" charset="-127"/>
-              <a:cs typeface="+mn-cs"/>
-            </a:endParaRPr>
-          </a:p>
-        </p:txBody>
-      </p:sp>
-      <p:sp>
-        <p:nvSpPr>
-          <p:cNvPr id="19" name="직사각형 18"/>
-          <p:cNvSpPr/>
-          <p:nvPr/>
-        </p:nvSpPr>
-        <p:spPr>
-          <a:xfrm>
-            <a:off x="5053002" y="2219652"/>
-            <a:ext cx="498855" cy="333617"/>
-          </a:xfrm>
-          <a:prstGeom prst="rect">
-            <a:avLst/>
-          </a:prstGeom>
-        </p:spPr>
-        <p:txBody>
-          <a:bodyPr wrap="none">
-            <a:spAutoFit/>
-          </a:bodyPr>
-          <a:lstStyle/>
-          <a:p>
-            <a:pPr marL="0" marR="0" lvl="0" indent="0" algn="ctr" defTabSz="914400" rtl="0" eaLnBrk="1" fontAlgn="auto" latinLnBrk="1" hangingPunct="1">
-              <a:lnSpc>
-                <a:spcPct val="150000"/>
-              </a:lnSpc>
-              <a:spcBef>
-                <a:spcPts val="0"/>
-              </a:spcBef>
-              <a:spcAft>
-                <a:spcPts val="0"/>
-              </a:spcAft>
-              <a:buClrTx/>
-              <a:buSzTx/>
-              <a:buFontTx/>
-              <a:buNone/>
-              <a:tabLst/>
-              <a:defRPr/>
-            </a:pPr>
-            <a:r>
-              <a:rPr kumimoji="0" lang="en-US" altLang="ko-KR" sz="1200" b="1" i="0" u="none" strike="noStrike" kern="1200" cap="none" spc="0" normalizeH="0" baseline="0" noProof="0" dirty="0">
-                <a:ln>
-                  <a:noFill/>
-                </a:ln>
-                <a:solidFill>
-                  <a:prstClr val="black">
-                    <a:lumMod val="75000"/>
-                    <a:lumOff val="25000"/>
-                  </a:prstClr>
-                </a:solidFill>
-                <a:effectLst/>
-                <a:uLnTx/>
-                <a:uFillTx/>
-                <a:latin typeface="맑은 고딕" panose="020F0502020204030204"/>
-                <a:ea typeface="맑은 고딕" panose="020B0503020000020004" pitchFamily="50" charset="-127"/>
-                <a:cs typeface="+mn-cs"/>
-              </a:rPr>
-              <a:t>80%</a:t>
-            </a:r>
-          </a:p>
-        </p:txBody>
-      </p:sp>
-      <p:sp>
-        <p:nvSpPr>
-          <p:cNvPr id="20" name="양쪽 모서리가 둥근 사각형 19"/>
-          <p:cNvSpPr/>
-          <p:nvPr/>
-        </p:nvSpPr>
-        <p:spPr>
-          <a:xfrm>
-            <a:off x="7722531" y="1814118"/>
-            <a:ext cx="892270" cy="2747388"/>
-          </a:xfrm>
-          <a:prstGeom prst="round2SameRect">
-            <a:avLst>
-              <a:gd name="adj1" fmla="val 18568"/>
-              <a:gd name="adj2" fmla="val 0"/>
-            </a:avLst>
-          </a:prstGeom>
-          <a:solidFill>
-            <a:schemeClr val="bg1">
-              <a:lumMod val="95000"/>
-            </a:schemeClr>
-          </a:solidFill>
-          <a:ln>
-            <a:noFill/>
-          </a:ln>
-        </p:spPr>
-        <p:style>
-          <a:lnRef idx="2">
-            <a:schemeClr val="accent1">
-              <a:shade val="50000"/>
-            </a:schemeClr>
-          </a:lnRef>
-          <a:fillRef idx="1">
-            <a:schemeClr val="accent1"/>
-          </a:fillRef>
-          <a:effectRef idx="0">
-            <a:schemeClr val="accent1"/>
-          </a:effectRef>
-          <a:fontRef idx="minor">
-            <a:schemeClr val="lt1"/>
-          </a:fontRef>
-        </p:style>
-        <p:txBody>
-          <a:bodyPr rtlCol="0" anchor="ctr"/>
-          <a:lstStyle/>
-          <a:p>
-            <a:pPr marL="0" marR="0" lvl="0" indent="0" algn="ctr" defTabSz="914400" rtl="0" eaLnBrk="1" fontAlgn="auto" latinLnBrk="1" hangingPunct="1">
-              <a:lnSpc>
-                <a:spcPct val="100000"/>
-              </a:lnSpc>
-              <a:spcBef>
-                <a:spcPts val="0"/>
-              </a:spcBef>
-              <a:spcAft>
-                <a:spcPts val="0"/>
-              </a:spcAft>
-              <a:buClrTx/>
-              <a:buSzTx/>
-              <a:buFontTx/>
-              <a:buNone/>
-              <a:tabLst/>
-              <a:defRPr/>
-            </a:pPr>
-            <a:endParaRPr kumimoji="0" lang="ko-KR" altLang="en-US" sz="1600" b="0" i="0" u="none" strike="noStrike" kern="1200" cap="none" spc="0" normalizeH="0" baseline="0" noProof="0">
-              <a:ln>
-                <a:noFill/>
-              </a:ln>
-              <a:solidFill>
-                <a:prstClr val="white"/>
-              </a:solidFill>
-              <a:effectLst/>
-              <a:uLnTx/>
-              <a:uFillTx/>
-              <a:latin typeface="맑은 고딕" panose="020F0502020204030204"/>
-              <a:ea typeface="맑은 고딕" panose="020B0503020000020004" pitchFamily="50" charset="-127"/>
-              <a:cs typeface="+mn-cs"/>
-            </a:endParaRPr>
-          </a:p>
-        </p:txBody>
-      </p:sp>
-      <p:sp>
-        <p:nvSpPr>
-          <p:cNvPr id="21" name="양쪽 모서리가 둥근 사각형 20"/>
-          <p:cNvSpPr/>
-          <p:nvPr/>
-        </p:nvSpPr>
-        <p:spPr>
-          <a:xfrm>
-            <a:off x="7738041" y="2883828"/>
-            <a:ext cx="892270" cy="1675300"/>
-          </a:xfrm>
-          <a:prstGeom prst="round2SameRect">
-            <a:avLst/>
-          </a:prstGeom>
-          <a:solidFill>
-            <a:srgbClr val="00CCFF"/>
-          </a:solidFill>
-          <a:ln w="19050">
-            <a:solidFill>
-              <a:schemeClr val="tx1">
-                <a:lumMod val="75000"/>
-                <a:lumOff val="25000"/>
-              </a:schemeClr>
-            </a:solidFill>
-          </a:ln>
-          <a:scene3d>
-            <a:camera prst="orthographicFront"/>
-            <a:lightRig rig="threePt" dir="t"/>
-          </a:scene3d>
-          <a:sp3d prstMaterial="matte"/>
-        </p:spPr>
-        <p:style>
-          <a:lnRef idx="2">
-            <a:schemeClr val="accent1">
-              <a:shade val="50000"/>
-            </a:schemeClr>
-          </a:lnRef>
-          <a:fillRef idx="1">
-            <a:schemeClr val="accent1"/>
-          </a:fillRef>
-          <a:effectRef idx="0">
-            <a:schemeClr val="accent1"/>
-          </a:effectRef>
-          <a:fontRef idx="minor">
-            <a:schemeClr val="lt1"/>
-          </a:fontRef>
-        </p:style>
-        <p:txBody>
-          <a:bodyPr rtlCol="0" anchor="ctr"/>
-          <a:lstStyle/>
-          <a:p>
-            <a:pPr marL="0" marR="0" lvl="0" indent="0" algn="ctr" defTabSz="914400" rtl="0" eaLnBrk="1" fontAlgn="auto" latinLnBrk="1" hangingPunct="1">
-              <a:lnSpc>
-                <a:spcPct val="100000"/>
-              </a:lnSpc>
-              <a:spcBef>
-                <a:spcPts val="0"/>
-              </a:spcBef>
-              <a:spcAft>
-                <a:spcPts val="0"/>
-              </a:spcAft>
-              <a:buClrTx/>
-              <a:buSzTx/>
-              <a:buFontTx/>
-              <a:buNone/>
-              <a:tabLst/>
-              <a:defRPr/>
-            </a:pPr>
-            <a:endParaRPr kumimoji="0" lang="ko-KR" altLang="en-US" sz="1600" b="0" i="0" u="none" strike="noStrike" kern="1200" cap="none" spc="0" normalizeH="0" baseline="0" noProof="0">
-              <a:ln>
-                <a:noFill/>
-              </a:ln>
-              <a:solidFill>
-                <a:prstClr val="white"/>
-              </a:solidFill>
-              <a:effectLst/>
-              <a:uLnTx/>
-              <a:uFillTx/>
-              <a:latin typeface="맑은 고딕" panose="020F0502020204030204"/>
-              <a:ea typeface="맑은 고딕" panose="020B0503020000020004" pitchFamily="50" charset="-127"/>
-              <a:cs typeface="+mn-cs"/>
-            </a:endParaRPr>
-          </a:p>
-        </p:txBody>
-      </p:sp>
-      <p:sp>
-        <p:nvSpPr>
-          <p:cNvPr id="22" name="모서리가 둥근 사각형 설명선 21"/>
-          <p:cNvSpPr/>
-          <p:nvPr/>
-        </p:nvSpPr>
-        <p:spPr>
-          <a:xfrm>
-            <a:off x="8858749" y="2705121"/>
-            <a:ext cx="509993" cy="242893"/>
-          </a:xfrm>
-          <a:prstGeom prst="wedgeRoundRectCallout">
-            <a:avLst>
-              <a:gd name="adj1" fmla="val -68244"/>
-              <a:gd name="adj2" fmla="val 52868"/>
-              <a:gd name="adj3" fmla="val 16667"/>
-            </a:avLst>
-          </a:prstGeom>
-          <a:solidFill>
-            <a:srgbClr val="00CCFF"/>
-          </a:solidFill>
-          <a:ln w="19050">
-            <a:solidFill>
-              <a:schemeClr val="tx1">
-                <a:lumMod val="75000"/>
-                <a:lumOff val="25000"/>
-              </a:schemeClr>
-            </a:solidFill>
-          </a:ln>
-          <a:scene3d>
-            <a:camera prst="orthographicFront"/>
-            <a:lightRig rig="threePt" dir="t"/>
-          </a:scene3d>
-          <a:sp3d prstMaterial="matte"/>
-        </p:spPr>
-        <p:style>
-          <a:lnRef idx="2">
-            <a:schemeClr val="accent1">
-              <a:shade val="50000"/>
-            </a:schemeClr>
-          </a:lnRef>
-          <a:fillRef idx="1">
-            <a:schemeClr val="accent1"/>
-          </a:fillRef>
-          <a:effectRef idx="0">
-            <a:schemeClr val="accent1"/>
-          </a:effectRef>
-          <a:fontRef idx="minor">
-            <a:schemeClr val="lt1"/>
-          </a:fontRef>
-        </p:style>
-        <p:txBody>
-          <a:bodyPr rtlCol="0" anchor="ctr"/>
-          <a:lstStyle/>
-          <a:p>
-            <a:pPr marL="0" marR="0" lvl="0" indent="0" algn="ctr" defTabSz="914400" rtl="0" eaLnBrk="1" fontAlgn="auto" latinLnBrk="1" hangingPunct="1">
-              <a:lnSpc>
-                <a:spcPct val="100000"/>
-              </a:lnSpc>
-              <a:spcBef>
-                <a:spcPts val="0"/>
-              </a:spcBef>
-              <a:spcAft>
-                <a:spcPts val="0"/>
-              </a:spcAft>
-              <a:buClrTx/>
-              <a:buSzTx/>
-              <a:buFontTx/>
-              <a:buNone/>
-              <a:tabLst/>
-              <a:defRPr/>
-            </a:pPr>
-            <a:r>
-              <a:rPr kumimoji="0" lang="en-US" altLang="ko-KR" sz="1050" b="1" i="0" u="none" strike="noStrike" kern="1200" cap="none" spc="0" normalizeH="0" baseline="0" noProof="0" dirty="0">
-                <a:ln>
-                  <a:noFill/>
-                </a:ln>
-                <a:solidFill>
-                  <a:prstClr val="white"/>
-                </a:solidFill>
-                <a:effectLst/>
-                <a:uLnTx/>
-                <a:uFillTx/>
-                <a:latin typeface="맑은 고딕" panose="020F0502020204030204"/>
-                <a:ea typeface="맑은 고딕" panose="020B0503020000020004" pitchFamily="50" charset="-127"/>
-                <a:cs typeface="+mn-cs"/>
-              </a:rPr>
-              <a:t>60%</a:t>
-            </a:r>
-            <a:endParaRPr kumimoji="0" lang="ko-KR" altLang="en-US" sz="1050" b="1" i="0" u="none" strike="noStrike" kern="1200" cap="none" spc="0" normalizeH="0" baseline="0" noProof="0" dirty="0">
-              <a:ln>
-                <a:noFill/>
-              </a:ln>
-              <a:solidFill>
-                <a:prstClr val="white"/>
-              </a:solidFill>
-              <a:effectLst/>
-              <a:uLnTx/>
-              <a:uFillTx/>
-              <a:latin typeface="맑은 고딕" panose="020F0502020204030204"/>
-              <a:ea typeface="맑은 고딕" panose="020B0503020000020004" pitchFamily="50" charset="-127"/>
-              <a:cs typeface="+mn-cs"/>
-            </a:endParaRPr>
-          </a:p>
-        </p:txBody>
-      </p:sp>
-      <p:cxnSp>
-        <p:nvCxnSpPr>
-          <p:cNvPr id="23" name="직선 연결선 22"/>
-          <p:cNvCxnSpPr/>
-          <p:nvPr/>
-        </p:nvCxnSpPr>
-        <p:spPr>
-          <a:xfrm rot="16200000" flipV="1">
-            <a:off x="8139794" y="2745086"/>
-            <a:ext cx="0" cy="1638277"/>
-          </a:xfrm>
-          <a:prstGeom prst="line">
-            <a:avLst/>
-          </a:prstGeom>
-          <a:ln w="19050">
-            <a:solidFill>
-              <a:schemeClr val="tx1">
-                <a:lumMod val="75000"/>
-                <a:lumOff val="25000"/>
-              </a:schemeClr>
-            </a:solidFill>
-            <a:prstDash val="sysDash"/>
-          </a:ln>
-        </p:spPr>
-        <p:style>
-          <a:lnRef idx="1">
-            <a:schemeClr val="accent1"/>
-          </a:lnRef>
-          <a:fillRef idx="0">
-            <a:schemeClr val="accent1"/>
-          </a:fillRef>
-          <a:effectRef idx="0">
-            <a:schemeClr val="accent1"/>
-          </a:effectRef>
-          <a:fontRef idx="minor">
-            <a:schemeClr val="tx1"/>
-          </a:fontRef>
-        </p:style>
-      </p:cxnSp>
-      <p:sp>
-        <p:nvSpPr>
-          <p:cNvPr id="24" name="직사각형 23"/>
-          <p:cNvSpPr/>
-          <p:nvPr/>
-        </p:nvSpPr>
-        <p:spPr>
-          <a:xfrm>
-            <a:off x="6236804" y="3398361"/>
-            <a:ext cx="995786" cy="369332"/>
-          </a:xfrm>
-          <a:prstGeom prst="rect">
-            <a:avLst/>
-          </a:prstGeom>
-        </p:spPr>
-        <p:txBody>
-          <a:bodyPr wrap="none">
-            <a:spAutoFit/>
-          </a:bodyPr>
-          <a:lstStyle/>
-          <a:p>
-            <a:pPr marL="0" marR="0" lvl="0" indent="0" algn="ctr" defTabSz="914400" rtl="0" eaLnBrk="1" fontAlgn="auto" latinLnBrk="1" hangingPunct="1">
-              <a:lnSpc>
-                <a:spcPct val="150000"/>
-              </a:lnSpc>
-              <a:spcBef>
-                <a:spcPts val="0"/>
-              </a:spcBef>
-              <a:spcAft>
-                <a:spcPts val="0"/>
-              </a:spcAft>
-              <a:buClrTx/>
-              <a:buSzTx/>
-              <a:buFontTx/>
-              <a:buNone/>
-              <a:tabLst/>
-              <a:defRPr/>
-            </a:pPr>
-            <a:r>
-              <a:rPr kumimoji="0" lang="en-US" altLang="ko-KR" sz="1200" b="1" i="0" u="none" strike="noStrike" kern="1200" cap="none" spc="0" normalizeH="0" baseline="0" noProof="0" dirty="0">
-                <a:ln>
-                  <a:noFill/>
-                </a:ln>
-                <a:solidFill>
-                  <a:prstClr val="black">
-                    <a:lumMod val="75000"/>
-                    <a:lumOff val="25000"/>
-                  </a:prstClr>
-                </a:solidFill>
-                <a:effectLst/>
-                <a:uLnTx/>
-                <a:uFillTx/>
-                <a:latin typeface="맑은 고딕" panose="020F0502020204030204"/>
-                <a:ea typeface="맑은 고딕" panose="020B0503020000020004" pitchFamily="50" charset="-127"/>
-                <a:cs typeface="+mn-cs"/>
-              </a:rPr>
-              <a:t>2022</a:t>
-            </a:r>
-            <a:r>
-              <a:rPr kumimoji="0" lang="ko-KR" altLang="en-US" sz="1200" b="1" i="0" u="none" strike="noStrike" kern="1200" cap="none" spc="0" normalizeH="0" baseline="0" noProof="0" dirty="0">
-                <a:ln>
-                  <a:noFill/>
-                </a:ln>
-                <a:solidFill>
-                  <a:prstClr val="black">
-                    <a:lumMod val="75000"/>
-                    <a:lumOff val="25000"/>
-                  </a:prstClr>
-                </a:solidFill>
-                <a:effectLst/>
-                <a:uLnTx/>
-                <a:uFillTx/>
-                <a:latin typeface="맑은 고딕" panose="020F0502020204030204"/>
-                <a:ea typeface="맑은 고딕" panose="020B0503020000020004" pitchFamily="50" charset="-127"/>
-                <a:cs typeface="+mn-cs"/>
-              </a:rPr>
-              <a:t>년 </a:t>
-            </a:r>
-            <a:r>
-              <a:rPr kumimoji="0" lang="en-US" altLang="ko-KR" sz="1200" b="1" i="0" u="none" strike="noStrike" kern="1200" cap="none" spc="0" normalizeH="0" baseline="0" noProof="0" dirty="0">
-                <a:ln>
-                  <a:noFill/>
-                </a:ln>
-                <a:solidFill>
-                  <a:prstClr val="black">
-                    <a:lumMod val="75000"/>
-                    <a:lumOff val="25000"/>
-                  </a:prstClr>
-                </a:solidFill>
-                <a:effectLst/>
-                <a:uLnTx/>
-                <a:uFillTx/>
-                <a:latin typeface="맑은 고딕" panose="020F0502020204030204"/>
-                <a:ea typeface="맑은 고딕" panose="020B0503020000020004" pitchFamily="50" charset="-127"/>
-                <a:cs typeface="+mn-cs"/>
-              </a:rPr>
-              <a:t>6</a:t>
-            </a:r>
-            <a:r>
-              <a:rPr kumimoji="0" lang="ko-KR" altLang="en-US" sz="1200" b="1" i="0" u="none" strike="noStrike" kern="1200" cap="none" spc="0" normalizeH="0" baseline="0" noProof="0" dirty="0">
-                <a:ln>
-                  <a:noFill/>
-                </a:ln>
-                <a:solidFill>
-                  <a:prstClr val="black">
-                    <a:lumMod val="75000"/>
-                    <a:lumOff val="25000"/>
-                  </a:prstClr>
-                </a:solidFill>
-                <a:effectLst/>
-                <a:uLnTx/>
-                <a:uFillTx/>
-                <a:latin typeface="맑은 고딕" panose="020F0502020204030204"/>
-                <a:ea typeface="맑은 고딕" panose="020B0503020000020004" pitchFamily="50" charset="-127"/>
-                <a:cs typeface="+mn-cs"/>
-              </a:rPr>
-              <a:t>월</a:t>
-            </a:r>
-            <a:endParaRPr kumimoji="0" lang="en-US" altLang="ko-KR" sz="1200" b="1" i="0" u="none" strike="noStrike" kern="1200" cap="none" spc="0" normalizeH="0" baseline="0" noProof="0" dirty="0">
-              <a:ln>
-                <a:noFill/>
-              </a:ln>
-              <a:solidFill>
-                <a:prstClr val="black">
-                  <a:lumMod val="75000"/>
-                  <a:lumOff val="25000"/>
-                </a:prstClr>
-              </a:solidFill>
-              <a:effectLst/>
-              <a:uLnTx/>
-              <a:uFillTx/>
-              <a:latin typeface="맑은 고딕" panose="020F0502020204030204"/>
-              <a:ea typeface="맑은 고딕" panose="020B0503020000020004" pitchFamily="50" charset="-127"/>
-              <a:cs typeface="+mn-cs"/>
-            </a:endParaRPr>
-          </a:p>
-        </p:txBody>
-      </p:sp>
-      <p:sp>
-        <p:nvSpPr>
-          <p:cNvPr id="25" name="직사각형 24"/>
-          <p:cNvSpPr/>
-          <p:nvPr/>
-        </p:nvSpPr>
-        <p:spPr>
-          <a:xfrm>
-            <a:off x="9066586" y="3398361"/>
-            <a:ext cx="498855" cy="333617"/>
-          </a:xfrm>
-          <a:prstGeom prst="rect">
-            <a:avLst/>
-          </a:prstGeom>
-        </p:spPr>
-        <p:txBody>
-          <a:bodyPr wrap="none">
-            <a:spAutoFit/>
-          </a:bodyPr>
-          <a:lstStyle/>
-          <a:p>
-            <a:pPr marL="0" marR="0" lvl="0" indent="0" algn="ctr" defTabSz="914400" rtl="0" eaLnBrk="1" fontAlgn="auto" latinLnBrk="1" hangingPunct="1">
-              <a:lnSpc>
-                <a:spcPct val="150000"/>
-              </a:lnSpc>
-              <a:spcBef>
-                <a:spcPts val="0"/>
-              </a:spcBef>
-              <a:spcAft>
-                <a:spcPts val="0"/>
-              </a:spcAft>
-              <a:buClrTx/>
-              <a:buSzTx/>
-              <a:buFontTx/>
-              <a:buNone/>
-              <a:tabLst/>
-              <a:defRPr/>
-            </a:pPr>
-            <a:r>
-              <a:rPr kumimoji="0" lang="en-US" altLang="ko-KR" sz="1200" b="1" i="0" u="none" strike="noStrike" kern="1200" cap="none" spc="0" normalizeH="0" baseline="0" noProof="0" dirty="0">
-                <a:ln>
-                  <a:noFill/>
-                </a:ln>
-                <a:solidFill>
-                  <a:prstClr val="black">
-                    <a:lumMod val="75000"/>
-                    <a:lumOff val="25000"/>
-                  </a:prstClr>
-                </a:solidFill>
-                <a:effectLst/>
-                <a:uLnTx/>
-                <a:uFillTx/>
-                <a:latin typeface="맑은 고딕" panose="020F0502020204030204"/>
-                <a:ea typeface="맑은 고딕" panose="020B0503020000020004" pitchFamily="50" charset="-127"/>
-                <a:cs typeface="+mn-cs"/>
-              </a:rPr>
-              <a:t>40%</a:t>
-            </a:r>
-          </a:p>
-        </p:txBody>
-      </p:sp>
-      <p:sp>
-        <p:nvSpPr>
-          <p:cNvPr id="26" name="직사각형 25"/>
-          <p:cNvSpPr/>
-          <p:nvPr/>
-        </p:nvSpPr>
-        <p:spPr>
-          <a:xfrm>
-            <a:off x="3177877" y="4863746"/>
-            <a:ext cx="1985429" cy="934871"/>
-          </a:xfrm>
-          <a:prstGeom prst="rect">
-            <a:avLst/>
-          </a:prstGeom>
-        </p:spPr>
-        <p:txBody>
-          <a:bodyPr wrap="square">
-            <a:spAutoFit/>
-          </a:bodyPr>
-          <a:lstStyle/>
-          <a:p>
-            <a:pPr marL="0" marR="0" lvl="0" indent="0" algn="ctr" defTabSz="914400" rtl="0" eaLnBrk="1" fontAlgn="auto" latinLnBrk="1" hangingPunct="1">
-              <a:lnSpc>
-                <a:spcPct val="150000"/>
-              </a:lnSpc>
-              <a:spcBef>
-                <a:spcPts val="0"/>
-              </a:spcBef>
-              <a:spcAft>
-                <a:spcPts val="0"/>
-              </a:spcAft>
-              <a:buClrTx/>
-              <a:buSzTx/>
-              <a:buFontTx/>
-              <a:buNone/>
-              <a:tabLst/>
-              <a:defRPr/>
-            </a:pPr>
-            <a:r>
-              <a:rPr kumimoji="0" lang="en-US" altLang="ko-KR" sz="1200" b="1" i="0" u="none" strike="noStrike" kern="1200" cap="none" spc="0" normalizeH="0" baseline="0" noProof="0" dirty="0">
-                <a:ln>
-                  <a:noFill/>
-                </a:ln>
-                <a:solidFill>
-                  <a:prstClr val="black">
-                    <a:lumMod val="75000"/>
-                    <a:lumOff val="25000"/>
-                  </a:prstClr>
-                </a:solidFill>
-                <a:effectLst/>
-                <a:uLnTx/>
-                <a:uFillTx/>
-                <a:latin typeface="맑은 고딕" panose="020F0502020204030204"/>
-                <a:ea typeface="맑은 고딕" panose="020B0503020000020004" pitchFamily="50" charset="-127"/>
-                <a:cs typeface="+mn-cs"/>
-              </a:rPr>
-              <a:t>CONTENTS A</a:t>
-            </a:r>
-          </a:p>
-          <a:p>
-            <a:pPr marL="0" marR="0" lvl="0" indent="0" algn="ctr" defTabSz="914400" rtl="0" eaLnBrk="1" fontAlgn="auto" latinLnBrk="1" hangingPunct="1">
-              <a:lnSpc>
-                <a:spcPct val="150000"/>
-              </a:lnSpc>
-              <a:spcBef>
-                <a:spcPts val="0"/>
-              </a:spcBef>
-              <a:spcAft>
-                <a:spcPts val="0"/>
-              </a:spcAft>
-              <a:buClrTx/>
-              <a:buSzTx/>
-              <a:buFontTx/>
-              <a:buNone/>
-              <a:tabLst/>
-              <a:defRPr/>
-            </a:pPr>
-            <a:r>
-              <a:rPr kumimoji="0" lang="ko-KR" altLang="en-US" sz="1050" b="0" i="0" u="none" strike="noStrike" kern="1200" cap="none" spc="0" normalizeH="0" baseline="0" noProof="0" dirty="0">
-                <a:ln>
-                  <a:noFill/>
-                </a:ln>
-                <a:solidFill>
-                  <a:prstClr val="black">
-                    <a:lumMod val="75000"/>
-                    <a:lumOff val="25000"/>
-                  </a:prstClr>
-                </a:solidFill>
-                <a:effectLst/>
-                <a:uLnTx/>
-                <a:uFillTx/>
-                <a:latin typeface="맑은 고딕" panose="020F0502020204030204"/>
-                <a:ea typeface="맑은 고딕" panose="020B0503020000020004" pitchFamily="50" charset="-127"/>
-                <a:cs typeface="+mn-cs"/>
-              </a:rPr>
-              <a:t>컨텐츠에 대한 내용을 적어요</a:t>
-            </a:r>
-            <a:endParaRPr kumimoji="0" lang="en-US" altLang="ko-KR" sz="1050" b="0" i="0" u="none" strike="noStrike" kern="1200" cap="none" spc="0" normalizeH="0" baseline="0" noProof="0" dirty="0">
-              <a:ln>
-                <a:noFill/>
-              </a:ln>
-              <a:solidFill>
-                <a:prstClr val="black">
-                  <a:lumMod val="75000"/>
-                  <a:lumOff val="25000"/>
-                </a:prstClr>
-              </a:solidFill>
-              <a:effectLst/>
-              <a:uLnTx/>
-              <a:uFillTx/>
-              <a:latin typeface="맑은 고딕" panose="020F0502020204030204"/>
-              <a:ea typeface="맑은 고딕" panose="020B0503020000020004" pitchFamily="50" charset="-127"/>
-              <a:cs typeface="+mn-cs"/>
-            </a:endParaRPr>
-          </a:p>
-          <a:p>
-            <a:pPr marL="0" marR="0" lvl="0" indent="0" algn="ctr" defTabSz="914400" rtl="0" eaLnBrk="1" fontAlgn="auto" latinLnBrk="1" hangingPunct="1">
-              <a:lnSpc>
-                <a:spcPct val="150000"/>
-              </a:lnSpc>
-              <a:spcBef>
-                <a:spcPts val="0"/>
-              </a:spcBef>
-              <a:spcAft>
-                <a:spcPts val="0"/>
-              </a:spcAft>
-              <a:buClrTx/>
-              <a:buSzTx/>
-              <a:buFontTx/>
-              <a:buNone/>
-              <a:tabLst/>
-              <a:defRPr/>
-            </a:pPr>
-            <a:r>
-              <a:rPr kumimoji="0" lang="ko-KR" altLang="en-US" sz="700" b="0" i="0" u="none" strike="noStrike" kern="1200" cap="none" spc="0" normalizeH="0" baseline="0" noProof="0" dirty="0">
-                <a:ln>
-                  <a:noFill/>
-                </a:ln>
-                <a:solidFill>
-                  <a:prstClr val="black">
-                    <a:lumMod val="75000"/>
-                    <a:lumOff val="25000"/>
-                  </a:prstClr>
-                </a:solidFill>
-                <a:effectLst/>
-                <a:uLnTx/>
-                <a:uFillTx/>
-                <a:latin typeface="맑은 고딕" panose="020F0502020204030204"/>
-                <a:ea typeface="맑은 고딕" panose="020B0503020000020004" pitchFamily="50" charset="-127"/>
-                <a:cs typeface="+mn-cs"/>
-              </a:rPr>
-              <a:t>Enjoy your stylish business and campus life with BIZCAM </a:t>
-            </a:r>
-          </a:p>
-        </p:txBody>
-      </p:sp>
-      <p:sp>
-        <p:nvSpPr>
-          <p:cNvPr id="27" name="직사각형 26"/>
-          <p:cNvSpPr/>
-          <p:nvPr/>
-        </p:nvSpPr>
-        <p:spPr>
-          <a:xfrm>
-            <a:off x="7191461" y="4863746"/>
-            <a:ext cx="1985429" cy="934871"/>
-          </a:xfrm>
-          <a:prstGeom prst="rect">
-            <a:avLst/>
-          </a:prstGeom>
-        </p:spPr>
-        <p:txBody>
-          <a:bodyPr wrap="square">
-            <a:spAutoFit/>
-          </a:bodyPr>
-          <a:lstStyle/>
-          <a:p>
-            <a:pPr marL="0" marR="0" lvl="0" indent="0" algn="ctr" defTabSz="914400" rtl="0" eaLnBrk="1" fontAlgn="auto" latinLnBrk="1" hangingPunct="1">
-              <a:lnSpc>
-                <a:spcPct val="150000"/>
-              </a:lnSpc>
-              <a:spcBef>
-                <a:spcPts val="0"/>
-              </a:spcBef>
-              <a:spcAft>
-                <a:spcPts val="0"/>
-              </a:spcAft>
-              <a:buClrTx/>
-              <a:buSzTx/>
-              <a:buFontTx/>
-              <a:buNone/>
-              <a:tabLst/>
-              <a:defRPr/>
-            </a:pPr>
-            <a:r>
-              <a:rPr kumimoji="0" lang="en-US" altLang="ko-KR" sz="1200" b="1" i="0" u="none" strike="noStrike" kern="1200" cap="none" spc="0" normalizeH="0" baseline="0" noProof="0" dirty="0">
-                <a:ln>
-                  <a:noFill/>
-                </a:ln>
-                <a:solidFill>
-                  <a:prstClr val="black">
-                    <a:lumMod val="75000"/>
-                    <a:lumOff val="25000"/>
-                  </a:prstClr>
-                </a:solidFill>
-                <a:effectLst/>
-                <a:uLnTx/>
-                <a:uFillTx/>
-                <a:latin typeface="맑은 고딕" panose="020F0502020204030204"/>
-                <a:ea typeface="맑은 고딕" panose="020B0503020000020004" pitchFamily="50" charset="-127"/>
-                <a:cs typeface="+mn-cs"/>
-              </a:rPr>
-              <a:t>CONTENTS A</a:t>
-            </a:r>
-          </a:p>
-          <a:p>
-            <a:pPr marL="0" marR="0" lvl="0" indent="0" algn="ctr" defTabSz="914400" rtl="0" eaLnBrk="1" fontAlgn="auto" latinLnBrk="1" hangingPunct="1">
-              <a:lnSpc>
-                <a:spcPct val="150000"/>
-              </a:lnSpc>
-              <a:spcBef>
-                <a:spcPts val="0"/>
-              </a:spcBef>
-              <a:spcAft>
-                <a:spcPts val="0"/>
-              </a:spcAft>
-              <a:buClrTx/>
-              <a:buSzTx/>
-              <a:buFontTx/>
-              <a:buNone/>
-              <a:tabLst/>
-              <a:defRPr/>
-            </a:pPr>
-            <a:r>
-              <a:rPr kumimoji="0" lang="ko-KR" altLang="en-US" sz="1050" b="0" i="0" u="none" strike="noStrike" kern="1200" cap="none" spc="0" normalizeH="0" baseline="0" noProof="0" dirty="0">
-                <a:ln>
-                  <a:noFill/>
-                </a:ln>
-                <a:solidFill>
-                  <a:prstClr val="black">
-                    <a:lumMod val="75000"/>
-                    <a:lumOff val="25000"/>
-                  </a:prstClr>
-                </a:solidFill>
-                <a:effectLst/>
-                <a:uLnTx/>
-                <a:uFillTx/>
-                <a:latin typeface="맑은 고딕" panose="020F0502020204030204"/>
-                <a:ea typeface="맑은 고딕" panose="020B0503020000020004" pitchFamily="50" charset="-127"/>
-                <a:cs typeface="+mn-cs"/>
-              </a:rPr>
-              <a:t>컨텐츠에 대한 내용을 적어요</a:t>
-            </a:r>
-            <a:endParaRPr kumimoji="0" lang="en-US" altLang="ko-KR" sz="1050" b="0" i="0" u="none" strike="noStrike" kern="1200" cap="none" spc="0" normalizeH="0" baseline="0" noProof="0" dirty="0">
-              <a:ln>
-                <a:noFill/>
-              </a:ln>
-              <a:solidFill>
-                <a:prstClr val="black">
-                  <a:lumMod val="75000"/>
-                  <a:lumOff val="25000"/>
-                </a:prstClr>
-              </a:solidFill>
-              <a:effectLst/>
-              <a:uLnTx/>
-              <a:uFillTx/>
-              <a:latin typeface="맑은 고딕" panose="020F0502020204030204"/>
-              <a:ea typeface="맑은 고딕" panose="020B0503020000020004" pitchFamily="50" charset="-127"/>
-              <a:cs typeface="+mn-cs"/>
-            </a:endParaRPr>
-          </a:p>
-          <a:p>
-            <a:pPr marL="0" marR="0" lvl="0" indent="0" algn="ctr" defTabSz="914400" rtl="0" eaLnBrk="1" fontAlgn="auto" latinLnBrk="1" hangingPunct="1">
-              <a:lnSpc>
-                <a:spcPct val="150000"/>
-              </a:lnSpc>
-              <a:spcBef>
-                <a:spcPts val="0"/>
-              </a:spcBef>
-              <a:spcAft>
-                <a:spcPts val="0"/>
-              </a:spcAft>
-              <a:buClrTx/>
-              <a:buSzTx/>
-              <a:buFontTx/>
-              <a:buNone/>
-              <a:tabLst/>
-              <a:defRPr/>
-            </a:pPr>
-            <a:r>
-              <a:rPr kumimoji="0" lang="ko-KR" altLang="en-US" sz="700" b="0" i="0" u="none" strike="noStrike" kern="1200" cap="none" spc="0" normalizeH="0" baseline="0" noProof="0" dirty="0">
-                <a:ln>
-                  <a:noFill/>
-                </a:ln>
-                <a:solidFill>
-                  <a:prstClr val="black">
-                    <a:lumMod val="75000"/>
-                    <a:lumOff val="25000"/>
-                  </a:prstClr>
-                </a:solidFill>
-                <a:effectLst/>
-                <a:uLnTx/>
-                <a:uFillTx/>
-                <a:latin typeface="맑은 고딕" panose="020F0502020204030204"/>
-                <a:ea typeface="맑은 고딕" panose="020B0503020000020004" pitchFamily="50" charset="-127"/>
-                <a:cs typeface="+mn-cs"/>
-              </a:rPr>
-              <a:t>Enjoy your stylish business and campus life with BIZCAM </a:t>
-            </a:r>
-          </a:p>
-        </p:txBody>
-      </p:sp>
-    </p:spTree>
-    <p:extLst>
-      <p:ext uri="{BB962C8B-B14F-4D97-AF65-F5344CB8AC3E}">
-        <p14:creationId xmlns:p14="http://schemas.microsoft.com/office/powerpoint/2010/main" val="3611391406"/>
-      </p:ext>
-    </p:extLst>
-  </p:cSld>
-  <p:clrMapOvr>
-    <a:masterClrMapping/>
-  </p:clrMapOvr>
-</p:sld>
-</file>
-
-<file path=ppt/slides/slide6.xml><?xml version="1.0" encoding="utf-8"?>
-<p:sld xmlns:a="http://schemas.openxmlformats.org/drawingml/2006/main" xmlns:r="http://schemas.openxmlformats.org/officeDocument/2006/relationships" xmlns:p="http://schemas.openxmlformats.org/presentationml/2006/main">
-  <p:cSld>
-    <p:bg>
-      <p:bgPr>
-        <a:pattFill prst="lgGrid">
-          <a:fgClr>
-            <a:srgbClr val="E5F5FF"/>
-          </a:fgClr>
-          <a:bgClr>
-            <a:srgbClr val="CCECFF"/>
-          </a:bgClr>
-        </a:pattFill>
-        <a:effectLst/>
-      </p:bgPr>
-    </p:bg>
-    <p:spTree>
-      <p:nvGrpSpPr>
-        <p:cNvPr id="1" name=""/>
-        <p:cNvGrpSpPr/>
-        <p:nvPr/>
-      </p:nvGrpSpPr>
-      <p:grpSpPr>
-        <a:xfrm>
-          <a:off x="0" y="0"/>
-          <a:ext cx="0" cy="0"/>
-          <a:chOff x="0" y="0"/>
-          <a:chExt cx="0" cy="0"/>
-        </a:xfrm>
-      </p:grpSpPr>
-      <p:grpSp>
-        <p:nvGrpSpPr>
-          <p:cNvPr id="3" name="그룹 2"/>
-          <p:cNvGrpSpPr/>
-          <p:nvPr/>
-        </p:nvGrpSpPr>
-        <p:grpSpPr>
-          <a:xfrm>
-            <a:off x="317373" y="116395"/>
-            <a:ext cx="11679174" cy="6652639"/>
-            <a:chOff x="279273" y="106870"/>
-            <a:chExt cx="11679174" cy="6652639"/>
-          </a:xfrm>
-        </p:grpSpPr>
-        <p:grpSp>
-          <p:nvGrpSpPr>
-            <p:cNvPr id="12" name="그룹 11">
-              <a:extLst>
-                <a:ext uri="{FF2B5EF4-FFF2-40B4-BE49-F238E27FC236}">
-                  <a16:creationId xmlns:a16="http://schemas.microsoft.com/office/drawing/2014/main" id="{A291C499-03B9-D8E9-27BF-5DFE601182A5}"/>
-                </a:ext>
-              </a:extLst>
-            </p:cNvPr>
-            <p:cNvGrpSpPr/>
-            <p:nvPr/>
-          </p:nvGrpSpPr>
-          <p:grpSpPr>
-            <a:xfrm>
-              <a:off x="279273" y="320802"/>
-              <a:ext cx="11679174" cy="6438707"/>
-              <a:chOff x="279273" y="320802"/>
-              <a:chExt cx="11679174" cy="6438707"/>
-            </a:xfrm>
-          </p:grpSpPr>
-          <p:sp>
-            <p:nvSpPr>
-              <p:cNvPr id="10" name="사각형: 둥근 모서리 9">
-                <a:extLst>
-                  <a:ext uri="{FF2B5EF4-FFF2-40B4-BE49-F238E27FC236}">
-                    <a16:creationId xmlns:a16="http://schemas.microsoft.com/office/drawing/2014/main" id="{AAE0D6B2-8BA6-6AB2-990F-B9EDB3CF60D4}"/>
-                  </a:ext>
-                </a:extLst>
-              </p:cNvPr>
-              <p:cNvSpPr/>
-              <p:nvPr/>
-            </p:nvSpPr>
-            <p:spPr>
-              <a:xfrm>
-                <a:off x="336423" y="377952"/>
-                <a:ext cx="11622024" cy="6381557"/>
-              </a:xfrm>
-              <a:prstGeom prst="roundRect">
-                <a:avLst>
-                  <a:gd name="adj" fmla="val 2487"/>
-                </a:avLst>
-              </a:prstGeom>
-              <a:solidFill>
-                <a:srgbClr val="00CCFF"/>
-              </a:solidFill>
-              <a:ln w="15875" cmpd="sng">
-                <a:solidFill>
-                  <a:schemeClr val="tx1">
-                    <a:lumMod val="85000"/>
-                    <a:lumOff val="15000"/>
-                  </a:schemeClr>
-                </a:solidFill>
-              </a:ln>
-              <a:effectLst>
-                <a:outerShdw dist="63500" dir="2700000" algn="tl" rotWithShape="0">
-                  <a:prstClr val="black">
-                    <a:alpha val="15000"/>
-                  </a:prstClr>
-                </a:outerShdw>
-              </a:effectLst>
-            </p:spPr>
-            <p:style>
-              <a:lnRef idx="2">
-                <a:schemeClr val="accent1">
-                  <a:shade val="50000"/>
-                </a:schemeClr>
-              </a:lnRef>
-              <a:fillRef idx="1">
-                <a:schemeClr val="accent1"/>
-              </a:fillRef>
-              <a:effectRef idx="0">
-                <a:schemeClr val="accent1"/>
-              </a:effectRef>
-              <a:fontRef idx="minor">
-                <a:schemeClr val="lt1"/>
-              </a:fontRef>
-            </p:style>
-            <p:txBody>
-              <a:bodyPr rtlCol="0" anchor="ctr"/>
-              <a:lstStyle/>
-              <a:p>
-                <a:pPr marL="0" marR="0" lvl="0" indent="0" algn="ctr" defTabSz="914400" rtl="0" eaLnBrk="1" fontAlgn="auto" latinLnBrk="1" hangingPunct="1">
-                  <a:lnSpc>
-                    <a:spcPct val="100000"/>
-                  </a:lnSpc>
-                  <a:spcBef>
-                    <a:spcPts val="0"/>
-                  </a:spcBef>
-                  <a:spcAft>
-                    <a:spcPts val="0"/>
-                  </a:spcAft>
-                  <a:buClrTx/>
-                  <a:buSzTx/>
-                  <a:buFontTx/>
-                  <a:buNone/>
-                  <a:tabLst/>
-                  <a:defRPr/>
-                </a:pPr>
-                <a:endParaRPr kumimoji="0" lang="ko-KR" altLang="en-US" sz="1800" b="0" i="0" u="none" strike="noStrike" kern="1200" cap="none" spc="0" normalizeH="0" baseline="0" noProof="0">
-                  <a:ln>
-                    <a:noFill/>
-                  </a:ln>
-                  <a:solidFill>
-                    <a:prstClr val="white"/>
-                  </a:solidFill>
-                  <a:effectLst/>
-                  <a:uLnTx/>
-                  <a:uFillTx/>
-                  <a:latin typeface="맑은 고딕" panose="020F0502020204030204"/>
-                  <a:ea typeface="맑은 고딕" panose="020B0503020000020004" pitchFamily="50" charset="-127"/>
-                  <a:cs typeface="+mn-cs"/>
-                </a:endParaRPr>
-              </a:p>
-            </p:txBody>
-          </p:sp>
-          <p:sp>
-            <p:nvSpPr>
-              <p:cNvPr id="2" name="사각형: 둥근 모서리 1">
-                <a:extLst>
-                  <a:ext uri="{FF2B5EF4-FFF2-40B4-BE49-F238E27FC236}">
-                    <a16:creationId xmlns:a16="http://schemas.microsoft.com/office/drawing/2014/main" id="{E9255F50-3C20-98E7-C3D6-B2C31027DA1E}"/>
-                  </a:ext>
-                </a:extLst>
-              </p:cNvPr>
-              <p:cNvSpPr/>
-              <p:nvPr/>
-            </p:nvSpPr>
-            <p:spPr>
-              <a:xfrm>
-                <a:off x="279273" y="320802"/>
-                <a:ext cx="11622024" cy="6381557"/>
-              </a:xfrm>
-              <a:prstGeom prst="roundRect">
-                <a:avLst>
-                  <a:gd name="adj" fmla="val 2487"/>
-                </a:avLst>
-              </a:prstGeom>
-              <a:solidFill>
-                <a:schemeClr val="bg1"/>
-              </a:solidFill>
-              <a:ln w="15875" cmpd="sng">
-                <a:solidFill>
-                  <a:schemeClr val="tx1">
-                    <a:lumMod val="85000"/>
-                    <a:lumOff val="15000"/>
-                  </a:schemeClr>
-                </a:solidFill>
-              </a:ln>
-              <a:effectLst/>
-            </p:spPr>
-            <p:style>
-              <a:lnRef idx="2">
-                <a:schemeClr val="accent1">
-                  <a:shade val="50000"/>
-                </a:schemeClr>
-              </a:lnRef>
-              <a:fillRef idx="1">
-                <a:schemeClr val="accent1"/>
-              </a:fillRef>
-              <a:effectRef idx="0">
-                <a:schemeClr val="accent1"/>
-              </a:effectRef>
-              <a:fontRef idx="minor">
-                <a:schemeClr val="lt1"/>
-              </a:fontRef>
-            </p:style>
-            <p:txBody>
-              <a:bodyPr rtlCol="0" anchor="ctr"/>
-              <a:lstStyle/>
-              <a:p>
-                <a:pPr marL="0" marR="0" lvl="0" indent="0" algn="ctr" defTabSz="914400" rtl="0" eaLnBrk="1" fontAlgn="auto" latinLnBrk="1" hangingPunct="1">
-                  <a:lnSpc>
-                    <a:spcPct val="100000"/>
-                  </a:lnSpc>
-                  <a:spcBef>
-                    <a:spcPts val="0"/>
-                  </a:spcBef>
-                  <a:spcAft>
-                    <a:spcPts val="0"/>
-                  </a:spcAft>
-                  <a:buClrTx/>
-                  <a:buSzTx/>
-                  <a:buFontTx/>
-                  <a:buNone/>
-                  <a:tabLst/>
-                  <a:defRPr/>
-                </a:pPr>
-                <a:endParaRPr kumimoji="0" lang="ko-KR" altLang="en-US" sz="1800" b="0" i="0" u="none" strike="noStrike" kern="1200" cap="none" spc="0" normalizeH="0" baseline="0" noProof="0">
-                  <a:ln>
-                    <a:noFill/>
-                  </a:ln>
-                  <a:solidFill>
-                    <a:prstClr val="white"/>
-                  </a:solidFill>
-                  <a:effectLst/>
-                  <a:uLnTx/>
-                  <a:uFillTx/>
-                  <a:latin typeface="맑은 고딕" panose="020F0502020204030204"/>
-                  <a:ea typeface="맑은 고딕" panose="020B0503020000020004" pitchFamily="50" charset="-127"/>
-                  <a:cs typeface="+mn-cs"/>
-                </a:endParaRPr>
-              </a:p>
-            </p:txBody>
-          </p:sp>
-        </p:grpSp>
-        <p:grpSp>
-          <p:nvGrpSpPr>
-            <p:cNvPr id="11" name="그룹 10">
-              <a:extLst>
-                <a:ext uri="{FF2B5EF4-FFF2-40B4-BE49-F238E27FC236}">
-                  <a16:creationId xmlns:a16="http://schemas.microsoft.com/office/drawing/2014/main" id="{9F591B25-6185-5A44-64E5-CEC720A4DE12}"/>
-                </a:ext>
-              </a:extLst>
-            </p:cNvPr>
-            <p:cNvGrpSpPr/>
-            <p:nvPr/>
-          </p:nvGrpSpPr>
-          <p:grpSpPr>
-            <a:xfrm>
-              <a:off x="2915412" y="106870"/>
-              <a:ext cx="6594348" cy="513207"/>
-              <a:chOff x="2915412" y="106870"/>
-              <a:chExt cx="6594348" cy="513207"/>
-            </a:xfrm>
-          </p:grpSpPr>
-          <p:sp>
-            <p:nvSpPr>
-              <p:cNvPr id="4" name="사각형: 둥근 모서리 3">
-                <a:extLst>
-                  <a:ext uri="{FF2B5EF4-FFF2-40B4-BE49-F238E27FC236}">
-                    <a16:creationId xmlns:a16="http://schemas.microsoft.com/office/drawing/2014/main" id="{68F974E8-4832-02F0-3536-5AEE3B6F8A99}"/>
-                  </a:ext>
-                </a:extLst>
-              </p:cNvPr>
-              <p:cNvSpPr/>
-              <p:nvPr/>
-            </p:nvSpPr>
-            <p:spPr>
-              <a:xfrm>
-                <a:off x="2961132" y="155638"/>
-                <a:ext cx="6548628" cy="464439"/>
-              </a:xfrm>
-              <a:prstGeom prst="roundRect">
-                <a:avLst/>
-              </a:prstGeom>
-              <a:solidFill>
-                <a:srgbClr val="00CCFF"/>
-              </a:solidFill>
-              <a:ln w="15875" cmpd="sng">
-                <a:solidFill>
-                  <a:schemeClr val="tx1">
-                    <a:lumMod val="85000"/>
-                    <a:lumOff val="15000"/>
-                  </a:schemeClr>
-                </a:solidFill>
-              </a:ln>
-            </p:spPr>
-            <p:style>
-              <a:lnRef idx="2">
-                <a:schemeClr val="accent1">
-                  <a:shade val="50000"/>
-                </a:schemeClr>
-              </a:lnRef>
-              <a:fillRef idx="1">
-                <a:schemeClr val="accent1"/>
-              </a:fillRef>
-              <a:effectRef idx="0">
-                <a:schemeClr val="accent1"/>
-              </a:effectRef>
-              <a:fontRef idx="minor">
-                <a:schemeClr val="lt1"/>
-              </a:fontRef>
-            </p:style>
-            <p:txBody>
-              <a:bodyPr rtlCol="0" anchor="ctr"/>
-              <a:lstStyle/>
-              <a:p>
-                <a:pPr marL="0" marR="0" lvl="0" indent="0" algn="ctr" defTabSz="914400" rtl="0" eaLnBrk="1" fontAlgn="auto" latinLnBrk="1" hangingPunct="1">
-                  <a:lnSpc>
-                    <a:spcPct val="100000"/>
-                  </a:lnSpc>
-                  <a:spcBef>
-                    <a:spcPts val="0"/>
-                  </a:spcBef>
-                  <a:spcAft>
-                    <a:spcPts val="0"/>
-                  </a:spcAft>
-                  <a:buClrTx/>
-                  <a:buSzTx/>
-                  <a:buFontTx/>
-                  <a:buNone/>
-                  <a:tabLst/>
-                  <a:defRPr/>
-                </a:pPr>
-                <a:endParaRPr kumimoji="0" lang="ko-KR" altLang="en-US" sz="1800" b="0" i="0" u="none" strike="noStrike" kern="1200" cap="none" spc="0" normalizeH="0" baseline="0" noProof="0">
-                  <a:ln>
-                    <a:noFill/>
-                  </a:ln>
-                  <a:solidFill>
-                    <a:prstClr val="white"/>
-                  </a:solidFill>
-                  <a:effectLst/>
-                  <a:uLnTx/>
-                  <a:uFillTx/>
-                  <a:latin typeface="맑은 고딕" panose="020F0502020204030204"/>
-                  <a:ea typeface="맑은 고딕" panose="020B0503020000020004" pitchFamily="50" charset="-127"/>
-                  <a:cs typeface="+mn-cs"/>
-                </a:endParaRPr>
-              </a:p>
-            </p:txBody>
-          </p:sp>
-          <p:sp>
-            <p:nvSpPr>
-              <p:cNvPr id="6" name="사각형: 둥근 모서리 5">
-                <a:extLst>
-                  <a:ext uri="{FF2B5EF4-FFF2-40B4-BE49-F238E27FC236}">
-                    <a16:creationId xmlns:a16="http://schemas.microsoft.com/office/drawing/2014/main" id="{ABA4018C-AA68-09E5-2526-2894230FD2C0}"/>
-                  </a:ext>
-                </a:extLst>
-              </p:cNvPr>
-              <p:cNvSpPr/>
-              <p:nvPr/>
-            </p:nvSpPr>
-            <p:spPr>
-              <a:xfrm>
-                <a:off x="2915412" y="106870"/>
-                <a:ext cx="6548628" cy="464439"/>
-              </a:xfrm>
-              <a:prstGeom prst="roundRect">
-                <a:avLst/>
-              </a:prstGeom>
-              <a:solidFill>
-                <a:schemeClr val="bg1"/>
-              </a:solidFill>
-              <a:ln w="15875" cmpd="sng">
-                <a:solidFill>
-                  <a:schemeClr val="tx1">
-                    <a:lumMod val="85000"/>
-                    <a:lumOff val="15000"/>
-                  </a:schemeClr>
-                </a:solidFill>
-              </a:ln>
-            </p:spPr>
-            <p:style>
-              <a:lnRef idx="2">
-                <a:schemeClr val="accent1">
-                  <a:shade val="50000"/>
-                </a:schemeClr>
-              </a:lnRef>
-              <a:fillRef idx="1">
-                <a:schemeClr val="accent1"/>
-              </a:fillRef>
-              <a:effectRef idx="0">
-                <a:schemeClr val="accent1"/>
-              </a:effectRef>
-              <a:fontRef idx="minor">
-                <a:schemeClr val="lt1"/>
-              </a:fontRef>
-            </p:style>
-            <p:txBody>
-              <a:bodyPr rtlCol="0" anchor="ctr"/>
-              <a:lstStyle/>
-              <a:p>
-                <a:pPr marL="0" marR="0" lvl="0" indent="0" algn="ctr" defTabSz="914400" rtl="0" eaLnBrk="1" fontAlgn="auto" latinLnBrk="0" hangingPunct="1">
-                  <a:lnSpc>
-                    <a:spcPct val="100000"/>
-                  </a:lnSpc>
-                  <a:spcBef>
-                    <a:spcPts val="0"/>
-                  </a:spcBef>
-                  <a:spcAft>
-                    <a:spcPts val="0"/>
-                  </a:spcAft>
-                  <a:buClrTx/>
-                  <a:buSzTx/>
-                  <a:buFontTx/>
-                  <a:buNone/>
-                  <a:tabLst/>
-                  <a:defRPr/>
-                </a:pPr>
-                <a:r>
-                  <a:rPr lang="ko-KR" altLang="en-US" sz="1600" kern="0" dirty="0">
-                    <a:ln w="25400">
-                      <a:noFill/>
-                    </a:ln>
-                    <a:solidFill>
-                      <a:schemeClr val="tx1"/>
-                    </a:solidFill>
-                    <a:latin typeface="강한공군체 Bold" panose="020B0800000101010101" pitchFamily="34" charset="-127"/>
-                    <a:ea typeface="강한공군체 Bold" panose="020B0800000101010101" pitchFamily="34" charset="-127"/>
-                    <a:cs typeface="+mn-cs"/>
-                  </a:rPr>
-                  <a:t>예상 실행 흐름</a:t>
-                </a:r>
-                <a:endParaRPr kumimoji="0" lang="ko-KR" altLang="en-US" sz="1600" b="0" i="0" u="none" strike="noStrike" kern="1200" cap="none" spc="0" normalizeH="0" baseline="0" noProof="0" dirty="0">
-                  <a:ln>
-                    <a:noFill/>
-                  </a:ln>
-                  <a:solidFill>
-                    <a:prstClr val="black"/>
-                  </a:solidFill>
-                  <a:effectLst/>
-                  <a:uLnTx/>
-                  <a:uFillTx/>
-                  <a:latin typeface="맑은 고딕" panose="020F0502020204030204"/>
-                  <a:ea typeface="맑은 고딕" panose="020B0503020000020004" pitchFamily="50" charset="-127"/>
-                  <a:cs typeface="+mn-cs"/>
-                </a:endParaRPr>
-              </a:p>
-            </p:txBody>
-          </p:sp>
-          <p:sp>
-            <p:nvSpPr>
-              <p:cNvPr id="7" name="타원 6">
-                <a:extLst>
-                  <a:ext uri="{FF2B5EF4-FFF2-40B4-BE49-F238E27FC236}">
-                    <a16:creationId xmlns:a16="http://schemas.microsoft.com/office/drawing/2014/main" id="{26681FD6-802E-9476-2BAE-B7B36A5AE521}"/>
-                  </a:ext>
-                </a:extLst>
-              </p:cNvPr>
-              <p:cNvSpPr/>
-              <p:nvPr/>
-            </p:nvSpPr>
-            <p:spPr>
-              <a:xfrm>
-                <a:off x="2996851" y="303089"/>
-                <a:ext cx="72000" cy="72000"/>
-              </a:xfrm>
-              <a:prstGeom prst="ellipse">
-                <a:avLst/>
-              </a:prstGeom>
-              <a:solidFill>
-                <a:schemeClr val="bg1">
-                  <a:lumMod val="85000"/>
-                </a:schemeClr>
-              </a:solidFill>
-              <a:ln w="15875" cmpd="sng">
-                <a:solidFill>
-                  <a:schemeClr val="tx1">
-                    <a:lumMod val="85000"/>
-                    <a:lumOff val="15000"/>
-                  </a:schemeClr>
-                </a:solidFill>
-              </a:ln>
-            </p:spPr>
-            <p:style>
-              <a:lnRef idx="2">
-                <a:schemeClr val="accent1">
-                  <a:shade val="50000"/>
-                </a:schemeClr>
-              </a:lnRef>
-              <a:fillRef idx="1">
-                <a:schemeClr val="accent1"/>
-              </a:fillRef>
-              <a:effectRef idx="0">
-                <a:schemeClr val="accent1"/>
-              </a:effectRef>
-              <a:fontRef idx="minor">
-                <a:schemeClr val="lt1"/>
-              </a:fontRef>
-            </p:style>
-            <p:txBody>
-              <a:bodyPr rtlCol="0" anchor="ctr"/>
-              <a:lstStyle/>
-              <a:p>
-                <a:pPr marL="0" marR="0" lvl="0" indent="0" algn="ctr" defTabSz="914400" rtl="0" eaLnBrk="1" fontAlgn="auto" latinLnBrk="0" hangingPunct="1">
-                  <a:lnSpc>
-                    <a:spcPct val="100000"/>
-                  </a:lnSpc>
-                  <a:spcBef>
-                    <a:spcPts val="0"/>
-                  </a:spcBef>
-                  <a:spcAft>
-                    <a:spcPts val="0"/>
-                  </a:spcAft>
-                  <a:buClrTx/>
-                  <a:buSzTx/>
-                  <a:buFontTx/>
-                  <a:buNone/>
-                  <a:tabLst/>
-                  <a:defRPr/>
-                </a:pPr>
-                <a:endParaRPr kumimoji="0" lang="ko-KR" altLang="en-US" sz="1600" b="0" i="0" u="none" strike="noStrike" kern="1200" cap="none" spc="0" normalizeH="0" baseline="0" noProof="0" dirty="0">
-                  <a:ln>
-                    <a:noFill/>
-                  </a:ln>
-                  <a:solidFill>
-                    <a:prstClr val="black"/>
-                  </a:solidFill>
-                  <a:effectLst/>
-                  <a:uLnTx/>
-                  <a:uFillTx/>
-                  <a:latin typeface="맑은 고딕" panose="020F0502020204030204"/>
-                  <a:ea typeface="맑은 고딕" panose="020B0503020000020004" pitchFamily="50" charset="-127"/>
-                  <a:cs typeface="+mn-cs"/>
-                </a:endParaRPr>
-              </a:p>
-            </p:txBody>
-          </p:sp>
-          <p:sp>
-            <p:nvSpPr>
-              <p:cNvPr id="8" name="타원 7">
-                <a:extLst>
-                  <a:ext uri="{FF2B5EF4-FFF2-40B4-BE49-F238E27FC236}">
-                    <a16:creationId xmlns:a16="http://schemas.microsoft.com/office/drawing/2014/main" id="{C508D738-B9FE-2B58-37B8-A8DAA02716A8}"/>
-                  </a:ext>
-                </a:extLst>
-              </p:cNvPr>
-              <p:cNvSpPr/>
-              <p:nvPr/>
-            </p:nvSpPr>
-            <p:spPr>
-              <a:xfrm>
-                <a:off x="9330976" y="303089"/>
-                <a:ext cx="72000" cy="72000"/>
-              </a:xfrm>
-              <a:prstGeom prst="ellipse">
-                <a:avLst/>
-              </a:prstGeom>
-              <a:solidFill>
-                <a:schemeClr val="bg1">
-                  <a:lumMod val="85000"/>
-                </a:schemeClr>
-              </a:solidFill>
-              <a:ln w="15875" cmpd="sng">
-                <a:solidFill>
-                  <a:schemeClr val="tx1">
-                    <a:lumMod val="85000"/>
-                    <a:lumOff val="15000"/>
-                  </a:schemeClr>
-                </a:solidFill>
-              </a:ln>
-            </p:spPr>
-            <p:style>
-              <a:lnRef idx="2">
-                <a:schemeClr val="accent1">
-                  <a:shade val="50000"/>
-                </a:schemeClr>
-              </a:lnRef>
-              <a:fillRef idx="1">
-                <a:schemeClr val="accent1"/>
-              </a:fillRef>
-              <a:effectRef idx="0">
-                <a:schemeClr val="accent1"/>
-              </a:effectRef>
-              <a:fontRef idx="minor">
-                <a:schemeClr val="lt1"/>
-              </a:fontRef>
-            </p:style>
-            <p:txBody>
-              <a:bodyPr rtlCol="0" anchor="ctr"/>
-              <a:lstStyle/>
-              <a:p>
-                <a:pPr marL="0" marR="0" lvl="0" indent="0" algn="ctr" defTabSz="914400" rtl="0" eaLnBrk="1" fontAlgn="auto" latinLnBrk="0" hangingPunct="1">
-                  <a:lnSpc>
-                    <a:spcPct val="100000"/>
-                  </a:lnSpc>
-                  <a:spcBef>
-                    <a:spcPts val="0"/>
-                  </a:spcBef>
-                  <a:spcAft>
-                    <a:spcPts val="0"/>
-                  </a:spcAft>
-                  <a:buClrTx/>
-                  <a:buSzTx/>
-                  <a:buFontTx/>
-                  <a:buNone/>
-                  <a:tabLst/>
-                  <a:defRPr/>
-                </a:pPr>
-                <a:endParaRPr kumimoji="0" lang="ko-KR" altLang="en-US" sz="1600" b="0" i="0" u="none" strike="noStrike" kern="1200" cap="none" spc="0" normalizeH="0" baseline="0" noProof="0" dirty="0">
-                  <a:ln>
-                    <a:noFill/>
-                  </a:ln>
-                  <a:solidFill>
-                    <a:prstClr val="black"/>
-                  </a:solidFill>
-                  <a:effectLst/>
-                  <a:uLnTx/>
-                  <a:uFillTx/>
-                  <a:latin typeface="맑은 고딕" panose="020F0502020204030204"/>
-                  <a:ea typeface="맑은 고딕" panose="020B0503020000020004" pitchFamily="50" charset="-127"/>
-                  <a:cs typeface="+mn-cs"/>
-                </a:endParaRPr>
-              </a:p>
-            </p:txBody>
-          </p:sp>
-        </p:grpSp>
-      </p:grpSp>
-      <p:cxnSp>
-        <p:nvCxnSpPr>
-          <p:cNvPr id="13" name="직선 연결선 12"/>
-          <p:cNvCxnSpPr/>
-          <p:nvPr/>
-        </p:nvCxnSpPr>
-        <p:spPr>
-          <a:xfrm rot="16200000" flipV="1">
-            <a:off x="6302503" y="968795"/>
-            <a:ext cx="0" cy="7185423"/>
-          </a:xfrm>
-          <a:prstGeom prst="line">
-            <a:avLst/>
-          </a:prstGeom>
-          <a:ln w="19050">
-            <a:solidFill>
-              <a:schemeClr val="tx1">
-                <a:lumMod val="75000"/>
-                <a:lumOff val="25000"/>
-              </a:schemeClr>
-            </a:solidFill>
-            <a:prstDash val="solid"/>
-          </a:ln>
-        </p:spPr>
-        <p:style>
-          <a:lnRef idx="1">
-            <a:schemeClr val="accent1"/>
-          </a:lnRef>
-          <a:fillRef idx="0">
-            <a:schemeClr val="accent1"/>
-          </a:fillRef>
-          <a:effectRef idx="0">
-            <a:schemeClr val="accent1"/>
-          </a:effectRef>
-          <a:fontRef idx="minor">
-            <a:schemeClr val="tx1"/>
-          </a:fontRef>
-        </p:style>
-      </p:cxnSp>
-      <p:sp>
-        <p:nvSpPr>
-          <p:cNvPr id="14" name="양쪽 모서리가 둥근 사각형 13"/>
-          <p:cNvSpPr/>
-          <p:nvPr/>
-        </p:nvSpPr>
-        <p:spPr>
-          <a:xfrm>
-            <a:off x="3708947" y="1814118"/>
-            <a:ext cx="892270" cy="2747388"/>
-          </a:xfrm>
-          <a:prstGeom prst="round2SameRect">
-            <a:avLst>
-              <a:gd name="adj1" fmla="val 14772"/>
-              <a:gd name="adj2" fmla="val 0"/>
-            </a:avLst>
-          </a:prstGeom>
-          <a:solidFill>
-            <a:schemeClr val="bg1">
-              <a:lumMod val="95000"/>
-            </a:schemeClr>
-          </a:solidFill>
-          <a:ln>
-            <a:noFill/>
-          </a:ln>
-        </p:spPr>
-        <p:style>
-          <a:lnRef idx="2">
-            <a:schemeClr val="accent1">
-              <a:shade val="50000"/>
-            </a:schemeClr>
-          </a:lnRef>
-          <a:fillRef idx="1">
-            <a:schemeClr val="accent1"/>
-          </a:fillRef>
-          <a:effectRef idx="0">
-            <a:schemeClr val="accent1"/>
-          </a:effectRef>
-          <a:fontRef idx="minor">
-            <a:schemeClr val="lt1"/>
-          </a:fontRef>
-        </p:style>
-        <p:txBody>
-          <a:bodyPr rtlCol="0" anchor="ctr"/>
-          <a:lstStyle/>
-          <a:p>
-            <a:pPr marL="0" marR="0" lvl="0" indent="0" algn="ctr" defTabSz="914400" rtl="0" eaLnBrk="1" fontAlgn="auto" latinLnBrk="1" hangingPunct="1">
-              <a:lnSpc>
-                <a:spcPct val="100000"/>
-              </a:lnSpc>
-              <a:spcBef>
-                <a:spcPts val="0"/>
-              </a:spcBef>
-              <a:spcAft>
-                <a:spcPts val="0"/>
-              </a:spcAft>
-              <a:buClrTx/>
-              <a:buSzTx/>
-              <a:buFontTx/>
-              <a:buNone/>
-              <a:tabLst/>
-              <a:defRPr/>
-            </a:pPr>
-            <a:endParaRPr kumimoji="0" lang="ko-KR" altLang="en-US" sz="1600" b="0" i="0" u="none" strike="noStrike" kern="1200" cap="none" spc="0" normalizeH="0" baseline="0" noProof="0">
-              <a:ln>
-                <a:noFill/>
-              </a:ln>
-              <a:solidFill>
-                <a:prstClr val="white"/>
-              </a:solidFill>
-              <a:effectLst/>
-              <a:uLnTx/>
-              <a:uFillTx/>
-              <a:latin typeface="맑은 고딕" panose="020F0502020204030204"/>
-              <a:ea typeface="맑은 고딕" panose="020B0503020000020004" pitchFamily="50" charset="-127"/>
-              <a:cs typeface="+mn-cs"/>
-            </a:endParaRPr>
-          </a:p>
-        </p:txBody>
-      </p:sp>
-      <p:sp>
-        <p:nvSpPr>
-          <p:cNvPr id="15" name="양쪽 모서리가 둥근 사각형 14"/>
-          <p:cNvSpPr/>
-          <p:nvPr/>
-        </p:nvSpPr>
-        <p:spPr>
-          <a:xfrm>
-            <a:off x="3724457" y="3497022"/>
-            <a:ext cx="892270" cy="1062105"/>
-          </a:xfrm>
-          <a:prstGeom prst="round2SameRect">
-            <a:avLst>
-              <a:gd name="adj1" fmla="val 14772"/>
-              <a:gd name="adj2" fmla="val 0"/>
-            </a:avLst>
-          </a:prstGeom>
-          <a:pattFill prst="lgGrid">
-            <a:fgClr>
-              <a:srgbClr val="E5F5FF"/>
-            </a:fgClr>
-            <a:bgClr>
-              <a:srgbClr val="CCECFF"/>
-            </a:bgClr>
-          </a:pattFill>
-          <a:ln w="19050">
-            <a:solidFill>
-              <a:schemeClr val="tx1">
-                <a:lumMod val="75000"/>
-                <a:lumOff val="25000"/>
-              </a:schemeClr>
-            </a:solidFill>
-          </a:ln>
-          <a:scene3d>
-            <a:camera prst="orthographicFront"/>
-            <a:lightRig rig="threePt" dir="t"/>
-          </a:scene3d>
-          <a:sp3d prstMaterial="matte"/>
-        </p:spPr>
-        <p:style>
-          <a:lnRef idx="2">
-            <a:schemeClr val="accent1">
-              <a:shade val="50000"/>
-            </a:schemeClr>
-          </a:lnRef>
-          <a:fillRef idx="1">
-            <a:schemeClr val="accent1"/>
-          </a:fillRef>
-          <a:effectRef idx="0">
-            <a:schemeClr val="accent1"/>
-          </a:effectRef>
-          <a:fontRef idx="minor">
-            <a:schemeClr val="lt1"/>
-          </a:fontRef>
-        </p:style>
-        <p:txBody>
-          <a:bodyPr rtlCol="0" anchor="ctr"/>
-          <a:lstStyle/>
-          <a:p>
-            <a:pPr marL="0" marR="0" lvl="0" indent="0" algn="ctr" defTabSz="914400" rtl="0" eaLnBrk="1" fontAlgn="auto" latinLnBrk="1" hangingPunct="1">
-              <a:lnSpc>
-                <a:spcPct val="100000"/>
-              </a:lnSpc>
-              <a:spcBef>
-                <a:spcPts val="0"/>
-              </a:spcBef>
-              <a:spcAft>
-                <a:spcPts val="0"/>
-              </a:spcAft>
-              <a:buClrTx/>
-              <a:buSzTx/>
-              <a:buFontTx/>
-              <a:buNone/>
-              <a:tabLst/>
-              <a:defRPr/>
-            </a:pPr>
-            <a:endParaRPr kumimoji="0" lang="ko-KR" altLang="en-US" sz="1600" b="0" i="0" u="none" strike="noStrike" kern="1200" cap="none" spc="0" normalizeH="0" baseline="0" noProof="0">
-              <a:ln>
-                <a:noFill/>
-              </a:ln>
-              <a:solidFill>
-                <a:prstClr val="white"/>
-              </a:solidFill>
-              <a:effectLst/>
-              <a:uLnTx/>
-              <a:uFillTx/>
-              <a:latin typeface="맑은 고딕" panose="020F0502020204030204"/>
-              <a:ea typeface="맑은 고딕" panose="020B0503020000020004" pitchFamily="50" charset="-127"/>
-              <a:cs typeface="+mn-cs"/>
-            </a:endParaRPr>
-          </a:p>
-        </p:txBody>
-      </p:sp>
-      <p:sp>
-        <p:nvSpPr>
-          <p:cNvPr id="16" name="모서리가 둥근 사각형 설명선 15"/>
-          <p:cNvSpPr/>
-          <p:nvPr/>
-        </p:nvSpPr>
-        <p:spPr>
-          <a:xfrm>
-            <a:off x="4845165" y="3267859"/>
-            <a:ext cx="505759" cy="242893"/>
-          </a:xfrm>
-          <a:prstGeom prst="wedgeRoundRectCallout">
-            <a:avLst>
-              <a:gd name="adj1" fmla="val -68244"/>
-              <a:gd name="adj2" fmla="val 52868"/>
-              <a:gd name="adj3" fmla="val 16667"/>
-            </a:avLst>
-          </a:prstGeom>
-          <a:pattFill prst="lgGrid">
-            <a:fgClr>
-              <a:srgbClr val="E5F5FF"/>
-            </a:fgClr>
-            <a:bgClr>
-              <a:srgbClr val="CCECFF"/>
-            </a:bgClr>
-          </a:pattFill>
-          <a:ln w="19050">
-            <a:solidFill>
-              <a:schemeClr val="tx1">
-                <a:lumMod val="75000"/>
-                <a:lumOff val="25000"/>
-              </a:schemeClr>
-            </a:solidFill>
-          </a:ln>
-          <a:scene3d>
-            <a:camera prst="orthographicFront"/>
-            <a:lightRig rig="threePt" dir="t"/>
-          </a:scene3d>
-          <a:sp3d prstMaterial="matte"/>
-        </p:spPr>
-        <p:style>
-          <a:lnRef idx="2">
-            <a:schemeClr val="accent1">
-              <a:shade val="50000"/>
-            </a:schemeClr>
-          </a:lnRef>
-          <a:fillRef idx="1">
-            <a:schemeClr val="accent1"/>
-          </a:fillRef>
-          <a:effectRef idx="0">
-            <a:schemeClr val="accent1"/>
-          </a:effectRef>
-          <a:fontRef idx="minor">
-            <a:schemeClr val="lt1"/>
-          </a:fontRef>
-        </p:style>
-        <p:txBody>
-          <a:bodyPr rtlCol="0" anchor="ctr"/>
-          <a:lstStyle/>
-          <a:p>
-            <a:pPr marL="0" marR="0" lvl="0" indent="0" algn="ctr" defTabSz="914400" rtl="0" eaLnBrk="1" fontAlgn="auto" latinLnBrk="1" hangingPunct="1">
-              <a:lnSpc>
-                <a:spcPct val="100000"/>
-              </a:lnSpc>
-              <a:spcBef>
-                <a:spcPts val="0"/>
-              </a:spcBef>
-              <a:spcAft>
-                <a:spcPts val="0"/>
-              </a:spcAft>
-              <a:buClrTx/>
-              <a:buSzTx/>
-              <a:buFontTx/>
-              <a:buNone/>
-              <a:tabLst/>
-              <a:defRPr/>
-            </a:pPr>
-            <a:r>
-              <a:rPr kumimoji="0" lang="en-US" altLang="ko-KR" sz="1100" b="1" i="0" u="none" strike="noStrike" kern="1200" cap="none" spc="0" normalizeH="0" baseline="0" noProof="0" dirty="0">
-                <a:ln>
-                  <a:noFill/>
-                </a:ln>
-                <a:solidFill>
-                  <a:prstClr val="black">
-                    <a:lumMod val="75000"/>
-                    <a:lumOff val="25000"/>
-                  </a:prstClr>
-                </a:solidFill>
-                <a:effectLst/>
-                <a:uLnTx/>
-                <a:uFillTx/>
-                <a:latin typeface="맑은 고딕" panose="020F0502020204030204"/>
-                <a:ea typeface="맑은 고딕" panose="020B0503020000020004" pitchFamily="50" charset="-127"/>
-                <a:cs typeface="+mn-cs"/>
-              </a:rPr>
-              <a:t>40%</a:t>
-            </a:r>
-            <a:endParaRPr kumimoji="0" lang="ko-KR" altLang="en-US" sz="1100" b="1" i="0" u="none" strike="noStrike" kern="1200" cap="none" spc="0" normalizeH="0" baseline="0" noProof="0" dirty="0">
-              <a:ln>
-                <a:noFill/>
-              </a:ln>
-              <a:solidFill>
-                <a:prstClr val="black">
-                  <a:lumMod val="75000"/>
-                  <a:lumOff val="25000"/>
-                </a:prstClr>
-              </a:solidFill>
-              <a:effectLst/>
-              <a:uLnTx/>
-              <a:uFillTx/>
-              <a:latin typeface="맑은 고딕" panose="020F0502020204030204"/>
-              <a:ea typeface="맑은 고딕" panose="020B0503020000020004" pitchFamily="50" charset="-127"/>
-              <a:cs typeface="+mn-cs"/>
-            </a:endParaRPr>
-          </a:p>
-        </p:txBody>
-      </p:sp>
-      <p:cxnSp>
-        <p:nvCxnSpPr>
-          <p:cNvPr id="17" name="직선 연결선 16"/>
-          <p:cNvCxnSpPr/>
-          <p:nvPr/>
-        </p:nvCxnSpPr>
-        <p:spPr>
-          <a:xfrm rot="16200000" flipV="1">
-            <a:off x="4126210" y="1566377"/>
-            <a:ext cx="0" cy="1638277"/>
-          </a:xfrm>
-          <a:prstGeom prst="line">
-            <a:avLst/>
-          </a:prstGeom>
-          <a:ln w="19050">
-            <a:solidFill>
-              <a:schemeClr val="tx1">
-                <a:lumMod val="75000"/>
-                <a:lumOff val="25000"/>
-              </a:schemeClr>
-            </a:solidFill>
-            <a:prstDash val="sysDash"/>
-          </a:ln>
-        </p:spPr>
-        <p:style>
-          <a:lnRef idx="1">
-            <a:schemeClr val="accent1"/>
-          </a:lnRef>
-          <a:fillRef idx="0">
-            <a:schemeClr val="accent1"/>
-          </a:fillRef>
-          <a:effectRef idx="0">
-            <a:schemeClr val="accent1"/>
-          </a:effectRef>
-          <a:fontRef idx="minor">
-            <a:schemeClr val="tx1"/>
-          </a:fontRef>
-        </p:style>
-      </p:cxnSp>
-      <p:sp>
-        <p:nvSpPr>
-          <p:cNvPr id="18" name="직사각형 17"/>
-          <p:cNvSpPr/>
-          <p:nvPr/>
-        </p:nvSpPr>
-        <p:spPr>
-          <a:xfrm>
-            <a:off x="2223221" y="2219652"/>
-            <a:ext cx="995785" cy="333617"/>
-          </a:xfrm>
-          <a:prstGeom prst="rect">
-            <a:avLst/>
-          </a:prstGeom>
-        </p:spPr>
-        <p:txBody>
-          <a:bodyPr wrap="none">
-            <a:spAutoFit/>
-          </a:bodyPr>
-          <a:lstStyle/>
-          <a:p>
-            <a:pPr marL="0" marR="0" lvl="0" indent="0" algn="ctr" defTabSz="914400" rtl="0" eaLnBrk="1" fontAlgn="auto" latinLnBrk="1" hangingPunct="1">
-              <a:lnSpc>
-                <a:spcPct val="150000"/>
-              </a:lnSpc>
-              <a:spcBef>
-                <a:spcPts val="0"/>
-              </a:spcBef>
-              <a:spcAft>
-                <a:spcPts val="0"/>
-              </a:spcAft>
-              <a:buClrTx/>
-              <a:buSzTx/>
-              <a:buFontTx/>
-              <a:buNone/>
-              <a:tabLst/>
-              <a:defRPr/>
-            </a:pPr>
-            <a:r>
-              <a:rPr kumimoji="0" lang="en-US" altLang="ko-KR" sz="1200" b="1" i="0" u="none" strike="noStrike" kern="1200" cap="none" spc="0" normalizeH="0" baseline="0" noProof="0" dirty="0">
-                <a:ln>
-                  <a:noFill/>
-                </a:ln>
-                <a:solidFill>
-                  <a:prstClr val="black">
-                    <a:lumMod val="75000"/>
-                    <a:lumOff val="25000"/>
-                  </a:prstClr>
-                </a:solidFill>
-                <a:effectLst/>
-                <a:uLnTx/>
-                <a:uFillTx/>
-                <a:latin typeface="맑은 고딕" panose="020F0502020204030204"/>
-                <a:ea typeface="맑은 고딕" panose="020B0503020000020004" pitchFamily="50" charset="-127"/>
-                <a:cs typeface="+mn-cs"/>
-              </a:rPr>
-              <a:t>2021</a:t>
-            </a:r>
-            <a:r>
-              <a:rPr kumimoji="0" lang="ko-KR" altLang="en-US" sz="1200" b="1" i="0" u="none" strike="noStrike" kern="1200" cap="none" spc="0" normalizeH="0" baseline="0" noProof="0" dirty="0">
-                <a:ln>
-                  <a:noFill/>
-                </a:ln>
-                <a:solidFill>
-                  <a:prstClr val="black">
-                    <a:lumMod val="75000"/>
-                    <a:lumOff val="25000"/>
-                  </a:prstClr>
-                </a:solidFill>
-                <a:effectLst/>
-                <a:uLnTx/>
-                <a:uFillTx/>
-                <a:latin typeface="맑은 고딕" panose="020F0502020204030204"/>
-                <a:ea typeface="맑은 고딕" panose="020B0503020000020004" pitchFamily="50" charset="-127"/>
-                <a:cs typeface="+mn-cs"/>
-              </a:rPr>
-              <a:t>년 </a:t>
-            </a:r>
-            <a:r>
-              <a:rPr kumimoji="0" lang="en-US" altLang="ko-KR" sz="1200" b="1" i="0" u="none" strike="noStrike" kern="1200" cap="none" spc="0" normalizeH="0" baseline="0" noProof="0" dirty="0">
-                <a:ln>
-                  <a:noFill/>
-                </a:ln>
-                <a:solidFill>
-                  <a:prstClr val="black">
-                    <a:lumMod val="75000"/>
-                    <a:lumOff val="25000"/>
-                  </a:prstClr>
-                </a:solidFill>
-                <a:effectLst/>
-                <a:uLnTx/>
-                <a:uFillTx/>
-                <a:latin typeface="맑은 고딕" panose="020F0502020204030204"/>
-                <a:ea typeface="맑은 고딕" panose="020B0503020000020004" pitchFamily="50" charset="-127"/>
-                <a:cs typeface="+mn-cs"/>
-              </a:rPr>
-              <a:t>6</a:t>
-            </a:r>
-            <a:r>
-              <a:rPr kumimoji="0" lang="ko-KR" altLang="en-US" sz="1200" b="1" i="0" u="none" strike="noStrike" kern="1200" cap="none" spc="0" normalizeH="0" baseline="0" noProof="0" dirty="0">
-                <a:ln>
-                  <a:noFill/>
-                </a:ln>
-                <a:solidFill>
-                  <a:prstClr val="black">
-                    <a:lumMod val="75000"/>
-                    <a:lumOff val="25000"/>
-                  </a:prstClr>
-                </a:solidFill>
-                <a:effectLst/>
-                <a:uLnTx/>
-                <a:uFillTx/>
-                <a:latin typeface="맑은 고딕" panose="020F0502020204030204"/>
-                <a:ea typeface="맑은 고딕" panose="020B0503020000020004" pitchFamily="50" charset="-127"/>
-                <a:cs typeface="+mn-cs"/>
-              </a:rPr>
-              <a:t>월</a:t>
-            </a:r>
-            <a:endParaRPr kumimoji="0" lang="en-US" altLang="ko-KR" sz="1200" b="1" i="0" u="none" strike="noStrike" kern="1200" cap="none" spc="0" normalizeH="0" baseline="0" noProof="0" dirty="0">
-              <a:ln>
-                <a:noFill/>
-              </a:ln>
-              <a:solidFill>
-                <a:prstClr val="black">
-                  <a:lumMod val="75000"/>
-                  <a:lumOff val="25000"/>
-                </a:prstClr>
-              </a:solidFill>
-              <a:effectLst/>
-              <a:uLnTx/>
-              <a:uFillTx/>
-              <a:latin typeface="맑은 고딕" panose="020F0502020204030204"/>
-              <a:ea typeface="맑은 고딕" panose="020B0503020000020004" pitchFamily="50" charset="-127"/>
-              <a:cs typeface="+mn-cs"/>
-            </a:endParaRPr>
-          </a:p>
-        </p:txBody>
-      </p:sp>
-      <p:sp>
-        <p:nvSpPr>
-          <p:cNvPr id="19" name="직사각형 18"/>
-          <p:cNvSpPr/>
-          <p:nvPr/>
-        </p:nvSpPr>
-        <p:spPr>
-          <a:xfrm>
-            <a:off x="5053002" y="2219652"/>
-            <a:ext cx="498855" cy="333617"/>
-          </a:xfrm>
-          <a:prstGeom prst="rect">
-            <a:avLst/>
-          </a:prstGeom>
-        </p:spPr>
-        <p:txBody>
-          <a:bodyPr wrap="none">
-            <a:spAutoFit/>
-          </a:bodyPr>
-          <a:lstStyle/>
-          <a:p>
-            <a:pPr marL="0" marR="0" lvl="0" indent="0" algn="ctr" defTabSz="914400" rtl="0" eaLnBrk="1" fontAlgn="auto" latinLnBrk="1" hangingPunct="1">
-              <a:lnSpc>
-                <a:spcPct val="150000"/>
-              </a:lnSpc>
-              <a:spcBef>
-                <a:spcPts val="0"/>
-              </a:spcBef>
-              <a:spcAft>
-                <a:spcPts val="0"/>
-              </a:spcAft>
-              <a:buClrTx/>
-              <a:buSzTx/>
-              <a:buFontTx/>
-              <a:buNone/>
-              <a:tabLst/>
-              <a:defRPr/>
-            </a:pPr>
-            <a:r>
-              <a:rPr kumimoji="0" lang="en-US" altLang="ko-KR" sz="1200" b="1" i="0" u="none" strike="noStrike" kern="1200" cap="none" spc="0" normalizeH="0" baseline="0" noProof="0" dirty="0">
-                <a:ln>
-                  <a:noFill/>
-                </a:ln>
-                <a:solidFill>
-                  <a:prstClr val="black">
-                    <a:lumMod val="75000"/>
-                    <a:lumOff val="25000"/>
-                  </a:prstClr>
-                </a:solidFill>
-                <a:effectLst/>
-                <a:uLnTx/>
-                <a:uFillTx/>
-                <a:latin typeface="맑은 고딕" panose="020F0502020204030204"/>
-                <a:ea typeface="맑은 고딕" panose="020B0503020000020004" pitchFamily="50" charset="-127"/>
-                <a:cs typeface="+mn-cs"/>
-              </a:rPr>
-              <a:t>80%</a:t>
-            </a:r>
-          </a:p>
-        </p:txBody>
-      </p:sp>
-      <p:sp>
-        <p:nvSpPr>
-          <p:cNvPr id="20" name="양쪽 모서리가 둥근 사각형 19"/>
-          <p:cNvSpPr/>
-          <p:nvPr/>
-        </p:nvSpPr>
-        <p:spPr>
-          <a:xfrm>
-            <a:off x="7722531" y="1814118"/>
-            <a:ext cx="892270" cy="2747388"/>
-          </a:xfrm>
-          <a:prstGeom prst="round2SameRect">
-            <a:avLst>
-              <a:gd name="adj1" fmla="val 18568"/>
-              <a:gd name="adj2" fmla="val 0"/>
-            </a:avLst>
-          </a:prstGeom>
-          <a:solidFill>
-            <a:schemeClr val="bg1">
-              <a:lumMod val="95000"/>
-            </a:schemeClr>
-          </a:solidFill>
-          <a:ln>
-            <a:noFill/>
-          </a:ln>
-        </p:spPr>
-        <p:style>
-          <a:lnRef idx="2">
-            <a:schemeClr val="accent1">
-              <a:shade val="50000"/>
-            </a:schemeClr>
-          </a:lnRef>
-          <a:fillRef idx="1">
-            <a:schemeClr val="accent1"/>
-          </a:fillRef>
-          <a:effectRef idx="0">
-            <a:schemeClr val="accent1"/>
-          </a:effectRef>
-          <a:fontRef idx="minor">
-            <a:schemeClr val="lt1"/>
-          </a:fontRef>
-        </p:style>
-        <p:txBody>
-          <a:bodyPr rtlCol="0" anchor="ctr"/>
-          <a:lstStyle/>
-          <a:p>
-            <a:pPr marL="0" marR="0" lvl="0" indent="0" algn="ctr" defTabSz="914400" rtl="0" eaLnBrk="1" fontAlgn="auto" latinLnBrk="1" hangingPunct="1">
-              <a:lnSpc>
-                <a:spcPct val="100000"/>
-              </a:lnSpc>
-              <a:spcBef>
-                <a:spcPts val="0"/>
-              </a:spcBef>
-              <a:spcAft>
-                <a:spcPts val="0"/>
-              </a:spcAft>
-              <a:buClrTx/>
-              <a:buSzTx/>
-              <a:buFontTx/>
-              <a:buNone/>
-              <a:tabLst/>
-              <a:defRPr/>
-            </a:pPr>
-            <a:endParaRPr kumimoji="0" lang="ko-KR" altLang="en-US" sz="1600" b="0" i="0" u="none" strike="noStrike" kern="1200" cap="none" spc="0" normalizeH="0" baseline="0" noProof="0">
-              <a:ln>
-                <a:noFill/>
-              </a:ln>
-              <a:solidFill>
-                <a:prstClr val="white"/>
-              </a:solidFill>
-              <a:effectLst/>
-              <a:uLnTx/>
-              <a:uFillTx/>
-              <a:latin typeface="맑은 고딕" panose="020F0502020204030204"/>
-              <a:ea typeface="맑은 고딕" panose="020B0503020000020004" pitchFamily="50" charset="-127"/>
-              <a:cs typeface="+mn-cs"/>
-            </a:endParaRPr>
-          </a:p>
-        </p:txBody>
-      </p:sp>
-      <p:sp>
-        <p:nvSpPr>
-          <p:cNvPr id="21" name="양쪽 모서리가 둥근 사각형 20"/>
-          <p:cNvSpPr/>
-          <p:nvPr/>
-        </p:nvSpPr>
-        <p:spPr>
-          <a:xfrm>
-            <a:off x="7738041" y="2883828"/>
-            <a:ext cx="892270" cy="1675300"/>
-          </a:xfrm>
-          <a:prstGeom prst="round2SameRect">
-            <a:avLst/>
-          </a:prstGeom>
-          <a:solidFill>
-            <a:srgbClr val="00CCFF"/>
-          </a:solidFill>
-          <a:ln w="19050">
-            <a:solidFill>
-              <a:schemeClr val="tx1">
-                <a:lumMod val="75000"/>
-                <a:lumOff val="25000"/>
-              </a:schemeClr>
-            </a:solidFill>
-          </a:ln>
-          <a:scene3d>
-            <a:camera prst="orthographicFront"/>
-            <a:lightRig rig="threePt" dir="t"/>
-          </a:scene3d>
-          <a:sp3d prstMaterial="matte"/>
-        </p:spPr>
-        <p:style>
-          <a:lnRef idx="2">
-            <a:schemeClr val="accent1">
-              <a:shade val="50000"/>
-            </a:schemeClr>
-          </a:lnRef>
-          <a:fillRef idx="1">
-            <a:schemeClr val="accent1"/>
-          </a:fillRef>
-          <a:effectRef idx="0">
-            <a:schemeClr val="accent1"/>
-          </a:effectRef>
-          <a:fontRef idx="minor">
-            <a:schemeClr val="lt1"/>
-          </a:fontRef>
-        </p:style>
-        <p:txBody>
-          <a:bodyPr rtlCol="0" anchor="ctr"/>
-          <a:lstStyle/>
-          <a:p>
-            <a:pPr marL="0" marR="0" lvl="0" indent="0" algn="ctr" defTabSz="914400" rtl="0" eaLnBrk="1" fontAlgn="auto" latinLnBrk="1" hangingPunct="1">
-              <a:lnSpc>
-                <a:spcPct val="100000"/>
-              </a:lnSpc>
-              <a:spcBef>
-                <a:spcPts val="0"/>
-              </a:spcBef>
-              <a:spcAft>
-                <a:spcPts val="0"/>
-              </a:spcAft>
-              <a:buClrTx/>
-              <a:buSzTx/>
-              <a:buFontTx/>
-              <a:buNone/>
-              <a:tabLst/>
-              <a:defRPr/>
-            </a:pPr>
-            <a:endParaRPr kumimoji="0" lang="ko-KR" altLang="en-US" sz="1600" b="0" i="0" u="none" strike="noStrike" kern="1200" cap="none" spc="0" normalizeH="0" baseline="0" noProof="0">
-              <a:ln>
-                <a:noFill/>
-              </a:ln>
-              <a:solidFill>
-                <a:prstClr val="white"/>
-              </a:solidFill>
-              <a:effectLst/>
-              <a:uLnTx/>
-              <a:uFillTx/>
-              <a:latin typeface="맑은 고딕" panose="020F0502020204030204"/>
-              <a:ea typeface="맑은 고딕" panose="020B0503020000020004" pitchFamily="50" charset="-127"/>
-              <a:cs typeface="+mn-cs"/>
-            </a:endParaRPr>
-          </a:p>
-        </p:txBody>
-      </p:sp>
-      <p:sp>
-        <p:nvSpPr>
-          <p:cNvPr id="22" name="모서리가 둥근 사각형 설명선 21"/>
-          <p:cNvSpPr/>
-          <p:nvPr/>
-        </p:nvSpPr>
-        <p:spPr>
-          <a:xfrm>
-            <a:off x="8858749" y="2705121"/>
-            <a:ext cx="509993" cy="242893"/>
-          </a:xfrm>
-          <a:prstGeom prst="wedgeRoundRectCallout">
-            <a:avLst>
-              <a:gd name="adj1" fmla="val -68244"/>
-              <a:gd name="adj2" fmla="val 52868"/>
-              <a:gd name="adj3" fmla="val 16667"/>
-            </a:avLst>
-          </a:prstGeom>
-          <a:solidFill>
-            <a:srgbClr val="00CCFF"/>
-          </a:solidFill>
-          <a:ln w="19050">
-            <a:solidFill>
-              <a:schemeClr val="tx1">
-                <a:lumMod val="75000"/>
-                <a:lumOff val="25000"/>
-              </a:schemeClr>
-            </a:solidFill>
-          </a:ln>
-          <a:scene3d>
-            <a:camera prst="orthographicFront"/>
-            <a:lightRig rig="threePt" dir="t"/>
-          </a:scene3d>
-          <a:sp3d prstMaterial="matte"/>
-        </p:spPr>
-        <p:style>
-          <a:lnRef idx="2">
-            <a:schemeClr val="accent1">
-              <a:shade val="50000"/>
-            </a:schemeClr>
-          </a:lnRef>
-          <a:fillRef idx="1">
-            <a:schemeClr val="accent1"/>
-          </a:fillRef>
-          <a:effectRef idx="0">
-            <a:schemeClr val="accent1"/>
-          </a:effectRef>
-          <a:fontRef idx="minor">
-            <a:schemeClr val="lt1"/>
-          </a:fontRef>
-        </p:style>
-        <p:txBody>
-          <a:bodyPr rtlCol="0" anchor="ctr"/>
-          <a:lstStyle/>
-          <a:p>
-            <a:pPr marL="0" marR="0" lvl="0" indent="0" algn="ctr" defTabSz="914400" rtl="0" eaLnBrk="1" fontAlgn="auto" latinLnBrk="1" hangingPunct="1">
-              <a:lnSpc>
-                <a:spcPct val="100000"/>
-              </a:lnSpc>
-              <a:spcBef>
-                <a:spcPts val="0"/>
-              </a:spcBef>
-              <a:spcAft>
-                <a:spcPts val="0"/>
-              </a:spcAft>
-              <a:buClrTx/>
-              <a:buSzTx/>
-              <a:buFontTx/>
-              <a:buNone/>
-              <a:tabLst/>
-              <a:defRPr/>
-            </a:pPr>
-            <a:r>
-              <a:rPr kumimoji="0" lang="en-US" altLang="ko-KR" sz="1050" b="1" i="0" u="none" strike="noStrike" kern="1200" cap="none" spc="0" normalizeH="0" baseline="0" noProof="0" dirty="0">
-                <a:ln>
-                  <a:noFill/>
-                </a:ln>
-                <a:solidFill>
-                  <a:prstClr val="white"/>
-                </a:solidFill>
-                <a:effectLst/>
-                <a:uLnTx/>
-                <a:uFillTx/>
-                <a:latin typeface="맑은 고딕" panose="020F0502020204030204"/>
-                <a:ea typeface="맑은 고딕" panose="020B0503020000020004" pitchFamily="50" charset="-127"/>
-                <a:cs typeface="+mn-cs"/>
-              </a:rPr>
-              <a:t>60%</a:t>
-            </a:r>
-            <a:endParaRPr kumimoji="0" lang="ko-KR" altLang="en-US" sz="1050" b="1" i="0" u="none" strike="noStrike" kern="1200" cap="none" spc="0" normalizeH="0" baseline="0" noProof="0" dirty="0">
-              <a:ln>
-                <a:noFill/>
-              </a:ln>
-              <a:solidFill>
-                <a:prstClr val="white"/>
-              </a:solidFill>
-              <a:effectLst/>
-              <a:uLnTx/>
-              <a:uFillTx/>
-              <a:latin typeface="맑은 고딕" panose="020F0502020204030204"/>
-              <a:ea typeface="맑은 고딕" panose="020B0503020000020004" pitchFamily="50" charset="-127"/>
-              <a:cs typeface="+mn-cs"/>
-            </a:endParaRPr>
-          </a:p>
-        </p:txBody>
-      </p:sp>
-      <p:cxnSp>
-        <p:nvCxnSpPr>
-          <p:cNvPr id="23" name="직선 연결선 22"/>
-          <p:cNvCxnSpPr/>
-          <p:nvPr/>
-        </p:nvCxnSpPr>
-        <p:spPr>
-          <a:xfrm rot="16200000" flipV="1">
-            <a:off x="8139794" y="2745086"/>
-            <a:ext cx="0" cy="1638277"/>
-          </a:xfrm>
-          <a:prstGeom prst="line">
-            <a:avLst/>
-          </a:prstGeom>
-          <a:ln w="19050">
-            <a:solidFill>
-              <a:schemeClr val="tx1">
-                <a:lumMod val="75000"/>
-                <a:lumOff val="25000"/>
-              </a:schemeClr>
-            </a:solidFill>
-            <a:prstDash val="sysDash"/>
-          </a:ln>
-        </p:spPr>
-        <p:style>
-          <a:lnRef idx="1">
-            <a:schemeClr val="accent1"/>
-          </a:lnRef>
-          <a:fillRef idx="0">
-            <a:schemeClr val="accent1"/>
-          </a:fillRef>
-          <a:effectRef idx="0">
-            <a:schemeClr val="accent1"/>
-          </a:effectRef>
-          <a:fontRef idx="minor">
-            <a:schemeClr val="tx1"/>
-          </a:fontRef>
-        </p:style>
-      </p:cxnSp>
-      <p:sp>
-        <p:nvSpPr>
-          <p:cNvPr id="24" name="직사각형 23"/>
-          <p:cNvSpPr/>
-          <p:nvPr/>
-        </p:nvSpPr>
-        <p:spPr>
-          <a:xfrm>
-            <a:off x="6236804" y="3398361"/>
-            <a:ext cx="995786" cy="369332"/>
-          </a:xfrm>
-          <a:prstGeom prst="rect">
-            <a:avLst/>
-          </a:prstGeom>
-        </p:spPr>
-        <p:txBody>
-          <a:bodyPr wrap="none">
-            <a:spAutoFit/>
-          </a:bodyPr>
-          <a:lstStyle/>
-          <a:p>
-            <a:pPr marL="0" marR="0" lvl="0" indent="0" algn="ctr" defTabSz="914400" rtl="0" eaLnBrk="1" fontAlgn="auto" latinLnBrk="1" hangingPunct="1">
-              <a:lnSpc>
-                <a:spcPct val="150000"/>
-              </a:lnSpc>
-              <a:spcBef>
-                <a:spcPts val="0"/>
-              </a:spcBef>
-              <a:spcAft>
-                <a:spcPts val="0"/>
-              </a:spcAft>
-              <a:buClrTx/>
-              <a:buSzTx/>
-              <a:buFontTx/>
-              <a:buNone/>
-              <a:tabLst/>
-              <a:defRPr/>
-            </a:pPr>
-            <a:r>
-              <a:rPr kumimoji="0" lang="en-US" altLang="ko-KR" sz="1200" b="1" i="0" u="none" strike="noStrike" kern="1200" cap="none" spc="0" normalizeH="0" baseline="0" noProof="0" dirty="0">
-                <a:ln>
-                  <a:noFill/>
-                </a:ln>
-                <a:solidFill>
-                  <a:prstClr val="black">
-                    <a:lumMod val="75000"/>
-                    <a:lumOff val="25000"/>
-                  </a:prstClr>
-                </a:solidFill>
-                <a:effectLst/>
-                <a:uLnTx/>
-                <a:uFillTx/>
-                <a:latin typeface="맑은 고딕" panose="020F0502020204030204"/>
-                <a:ea typeface="맑은 고딕" panose="020B0503020000020004" pitchFamily="50" charset="-127"/>
-                <a:cs typeface="+mn-cs"/>
-              </a:rPr>
-              <a:t>2022</a:t>
-            </a:r>
-            <a:r>
-              <a:rPr kumimoji="0" lang="ko-KR" altLang="en-US" sz="1200" b="1" i="0" u="none" strike="noStrike" kern="1200" cap="none" spc="0" normalizeH="0" baseline="0" noProof="0" dirty="0">
-                <a:ln>
-                  <a:noFill/>
-                </a:ln>
-                <a:solidFill>
-                  <a:prstClr val="black">
-                    <a:lumMod val="75000"/>
-                    <a:lumOff val="25000"/>
-                  </a:prstClr>
-                </a:solidFill>
-                <a:effectLst/>
-                <a:uLnTx/>
-                <a:uFillTx/>
-                <a:latin typeface="맑은 고딕" panose="020F0502020204030204"/>
-                <a:ea typeface="맑은 고딕" panose="020B0503020000020004" pitchFamily="50" charset="-127"/>
-                <a:cs typeface="+mn-cs"/>
-              </a:rPr>
-              <a:t>년 </a:t>
-            </a:r>
-            <a:r>
-              <a:rPr kumimoji="0" lang="en-US" altLang="ko-KR" sz="1200" b="1" i="0" u="none" strike="noStrike" kern="1200" cap="none" spc="0" normalizeH="0" baseline="0" noProof="0" dirty="0">
-                <a:ln>
-                  <a:noFill/>
-                </a:ln>
-                <a:solidFill>
-                  <a:prstClr val="black">
-                    <a:lumMod val="75000"/>
-                    <a:lumOff val="25000"/>
-                  </a:prstClr>
-                </a:solidFill>
-                <a:effectLst/>
-                <a:uLnTx/>
-                <a:uFillTx/>
-                <a:latin typeface="맑은 고딕" panose="020F0502020204030204"/>
-                <a:ea typeface="맑은 고딕" panose="020B0503020000020004" pitchFamily="50" charset="-127"/>
-                <a:cs typeface="+mn-cs"/>
-              </a:rPr>
-              <a:t>6</a:t>
-            </a:r>
-            <a:r>
-              <a:rPr kumimoji="0" lang="ko-KR" altLang="en-US" sz="1200" b="1" i="0" u="none" strike="noStrike" kern="1200" cap="none" spc="0" normalizeH="0" baseline="0" noProof="0" dirty="0">
-                <a:ln>
-                  <a:noFill/>
-                </a:ln>
-                <a:solidFill>
-                  <a:prstClr val="black">
-                    <a:lumMod val="75000"/>
-                    <a:lumOff val="25000"/>
-                  </a:prstClr>
-                </a:solidFill>
-                <a:effectLst/>
-                <a:uLnTx/>
-                <a:uFillTx/>
-                <a:latin typeface="맑은 고딕" panose="020F0502020204030204"/>
-                <a:ea typeface="맑은 고딕" panose="020B0503020000020004" pitchFamily="50" charset="-127"/>
-                <a:cs typeface="+mn-cs"/>
-              </a:rPr>
-              <a:t>월</a:t>
-            </a:r>
-            <a:endParaRPr kumimoji="0" lang="en-US" altLang="ko-KR" sz="1200" b="1" i="0" u="none" strike="noStrike" kern="1200" cap="none" spc="0" normalizeH="0" baseline="0" noProof="0" dirty="0">
-              <a:ln>
-                <a:noFill/>
-              </a:ln>
-              <a:solidFill>
-                <a:prstClr val="black">
-                  <a:lumMod val="75000"/>
-                  <a:lumOff val="25000"/>
-                </a:prstClr>
-              </a:solidFill>
-              <a:effectLst/>
-              <a:uLnTx/>
-              <a:uFillTx/>
-              <a:latin typeface="맑은 고딕" panose="020F0502020204030204"/>
-              <a:ea typeface="맑은 고딕" panose="020B0503020000020004" pitchFamily="50" charset="-127"/>
-              <a:cs typeface="+mn-cs"/>
-            </a:endParaRPr>
-          </a:p>
-        </p:txBody>
-      </p:sp>
-      <p:sp>
-        <p:nvSpPr>
-          <p:cNvPr id="25" name="직사각형 24"/>
-          <p:cNvSpPr/>
-          <p:nvPr/>
-        </p:nvSpPr>
-        <p:spPr>
-          <a:xfrm>
-            <a:off x="9066586" y="3398361"/>
-            <a:ext cx="498855" cy="333617"/>
-          </a:xfrm>
-          <a:prstGeom prst="rect">
-            <a:avLst/>
-          </a:prstGeom>
-        </p:spPr>
-        <p:txBody>
-          <a:bodyPr wrap="none">
-            <a:spAutoFit/>
-          </a:bodyPr>
-          <a:lstStyle/>
-          <a:p>
-            <a:pPr marL="0" marR="0" lvl="0" indent="0" algn="ctr" defTabSz="914400" rtl="0" eaLnBrk="1" fontAlgn="auto" latinLnBrk="1" hangingPunct="1">
-              <a:lnSpc>
-                <a:spcPct val="150000"/>
-              </a:lnSpc>
-              <a:spcBef>
-                <a:spcPts val="0"/>
-              </a:spcBef>
-              <a:spcAft>
-                <a:spcPts val="0"/>
-              </a:spcAft>
-              <a:buClrTx/>
-              <a:buSzTx/>
-              <a:buFontTx/>
-              <a:buNone/>
-              <a:tabLst/>
-              <a:defRPr/>
-            </a:pPr>
-            <a:r>
-              <a:rPr kumimoji="0" lang="en-US" altLang="ko-KR" sz="1200" b="1" i="0" u="none" strike="noStrike" kern="1200" cap="none" spc="0" normalizeH="0" baseline="0" noProof="0" dirty="0">
-                <a:ln>
-                  <a:noFill/>
-                </a:ln>
-                <a:solidFill>
-                  <a:prstClr val="black">
-                    <a:lumMod val="75000"/>
-                    <a:lumOff val="25000"/>
-                  </a:prstClr>
-                </a:solidFill>
-                <a:effectLst/>
-                <a:uLnTx/>
-                <a:uFillTx/>
-                <a:latin typeface="맑은 고딕" panose="020F0502020204030204"/>
-                <a:ea typeface="맑은 고딕" panose="020B0503020000020004" pitchFamily="50" charset="-127"/>
-                <a:cs typeface="+mn-cs"/>
-              </a:rPr>
-              <a:t>40%</a:t>
-            </a:r>
-          </a:p>
-        </p:txBody>
-      </p:sp>
-      <p:sp>
-        <p:nvSpPr>
-          <p:cNvPr id="26" name="직사각형 25"/>
-          <p:cNvSpPr/>
-          <p:nvPr/>
-        </p:nvSpPr>
-        <p:spPr>
-          <a:xfrm>
-            <a:off x="3177877" y="4863746"/>
-            <a:ext cx="1985429" cy="934871"/>
-          </a:xfrm>
-          <a:prstGeom prst="rect">
-            <a:avLst/>
-          </a:prstGeom>
-        </p:spPr>
-        <p:txBody>
-          <a:bodyPr wrap="square">
-            <a:spAutoFit/>
-          </a:bodyPr>
-          <a:lstStyle/>
-          <a:p>
-            <a:pPr marL="0" marR="0" lvl="0" indent="0" algn="ctr" defTabSz="914400" rtl="0" eaLnBrk="1" fontAlgn="auto" latinLnBrk="1" hangingPunct="1">
-              <a:lnSpc>
-                <a:spcPct val="150000"/>
-              </a:lnSpc>
-              <a:spcBef>
-                <a:spcPts val="0"/>
-              </a:spcBef>
-              <a:spcAft>
-                <a:spcPts val="0"/>
-              </a:spcAft>
-              <a:buClrTx/>
-              <a:buSzTx/>
-              <a:buFontTx/>
-              <a:buNone/>
-              <a:tabLst/>
-              <a:defRPr/>
-            </a:pPr>
-            <a:r>
-              <a:rPr kumimoji="0" lang="en-US" altLang="ko-KR" sz="1200" b="1" i="0" u="none" strike="noStrike" kern="1200" cap="none" spc="0" normalizeH="0" baseline="0" noProof="0" dirty="0">
-                <a:ln>
-                  <a:noFill/>
-                </a:ln>
-                <a:solidFill>
-                  <a:prstClr val="black">
-                    <a:lumMod val="75000"/>
-                    <a:lumOff val="25000"/>
-                  </a:prstClr>
-                </a:solidFill>
-                <a:effectLst/>
-                <a:uLnTx/>
-                <a:uFillTx/>
-                <a:latin typeface="맑은 고딕" panose="020F0502020204030204"/>
-                <a:ea typeface="맑은 고딕" panose="020B0503020000020004" pitchFamily="50" charset="-127"/>
-                <a:cs typeface="+mn-cs"/>
-              </a:rPr>
-              <a:t>CONTENTS A</a:t>
-            </a:r>
-          </a:p>
-          <a:p>
-            <a:pPr marL="0" marR="0" lvl="0" indent="0" algn="ctr" defTabSz="914400" rtl="0" eaLnBrk="1" fontAlgn="auto" latinLnBrk="1" hangingPunct="1">
-              <a:lnSpc>
-                <a:spcPct val="150000"/>
-              </a:lnSpc>
-              <a:spcBef>
-                <a:spcPts val="0"/>
-              </a:spcBef>
-              <a:spcAft>
-                <a:spcPts val="0"/>
-              </a:spcAft>
-              <a:buClrTx/>
-              <a:buSzTx/>
-              <a:buFontTx/>
-              <a:buNone/>
-              <a:tabLst/>
-              <a:defRPr/>
-            </a:pPr>
-            <a:r>
-              <a:rPr kumimoji="0" lang="ko-KR" altLang="en-US" sz="1050" b="0" i="0" u="none" strike="noStrike" kern="1200" cap="none" spc="0" normalizeH="0" baseline="0" noProof="0" dirty="0">
-                <a:ln>
-                  <a:noFill/>
-                </a:ln>
-                <a:solidFill>
-                  <a:prstClr val="black">
-                    <a:lumMod val="75000"/>
-                    <a:lumOff val="25000"/>
-                  </a:prstClr>
-                </a:solidFill>
-                <a:effectLst/>
-                <a:uLnTx/>
-                <a:uFillTx/>
-                <a:latin typeface="맑은 고딕" panose="020F0502020204030204"/>
-                <a:ea typeface="맑은 고딕" panose="020B0503020000020004" pitchFamily="50" charset="-127"/>
-                <a:cs typeface="+mn-cs"/>
-              </a:rPr>
-              <a:t>컨텐츠에 대한 내용을 적어요</a:t>
-            </a:r>
-            <a:endParaRPr kumimoji="0" lang="en-US" altLang="ko-KR" sz="1050" b="0" i="0" u="none" strike="noStrike" kern="1200" cap="none" spc="0" normalizeH="0" baseline="0" noProof="0" dirty="0">
-              <a:ln>
-                <a:noFill/>
-              </a:ln>
-              <a:solidFill>
-                <a:prstClr val="black">
-                  <a:lumMod val="75000"/>
-                  <a:lumOff val="25000"/>
-                </a:prstClr>
-              </a:solidFill>
-              <a:effectLst/>
-              <a:uLnTx/>
-              <a:uFillTx/>
-              <a:latin typeface="맑은 고딕" panose="020F0502020204030204"/>
-              <a:ea typeface="맑은 고딕" panose="020B0503020000020004" pitchFamily="50" charset="-127"/>
-              <a:cs typeface="+mn-cs"/>
-            </a:endParaRPr>
-          </a:p>
-          <a:p>
-            <a:pPr marL="0" marR="0" lvl="0" indent="0" algn="ctr" defTabSz="914400" rtl="0" eaLnBrk="1" fontAlgn="auto" latinLnBrk="1" hangingPunct="1">
-              <a:lnSpc>
-                <a:spcPct val="150000"/>
-              </a:lnSpc>
-              <a:spcBef>
-                <a:spcPts val="0"/>
-              </a:spcBef>
-              <a:spcAft>
-                <a:spcPts val="0"/>
-              </a:spcAft>
-              <a:buClrTx/>
-              <a:buSzTx/>
-              <a:buFontTx/>
-              <a:buNone/>
-              <a:tabLst/>
-              <a:defRPr/>
-            </a:pPr>
-            <a:r>
-              <a:rPr kumimoji="0" lang="ko-KR" altLang="en-US" sz="700" b="0" i="0" u="none" strike="noStrike" kern="1200" cap="none" spc="0" normalizeH="0" baseline="0" noProof="0" dirty="0">
-                <a:ln>
-                  <a:noFill/>
-                </a:ln>
-                <a:solidFill>
-                  <a:prstClr val="black">
-                    <a:lumMod val="75000"/>
-                    <a:lumOff val="25000"/>
-                  </a:prstClr>
-                </a:solidFill>
-                <a:effectLst/>
-                <a:uLnTx/>
-                <a:uFillTx/>
-                <a:latin typeface="맑은 고딕" panose="020F0502020204030204"/>
-                <a:ea typeface="맑은 고딕" panose="020B0503020000020004" pitchFamily="50" charset="-127"/>
-                <a:cs typeface="+mn-cs"/>
-              </a:rPr>
-              <a:t>Enjoy your stylish business and campus life with BIZCAM </a:t>
-            </a:r>
-          </a:p>
-        </p:txBody>
-      </p:sp>
-      <p:sp>
-        <p:nvSpPr>
-          <p:cNvPr id="27" name="직사각형 26"/>
-          <p:cNvSpPr/>
-          <p:nvPr/>
-        </p:nvSpPr>
-        <p:spPr>
-          <a:xfrm>
-            <a:off x="7191461" y="4863746"/>
-            <a:ext cx="1985429" cy="934871"/>
-          </a:xfrm>
-          <a:prstGeom prst="rect">
-            <a:avLst/>
-          </a:prstGeom>
-        </p:spPr>
-        <p:txBody>
-          <a:bodyPr wrap="square">
-            <a:spAutoFit/>
-          </a:bodyPr>
-          <a:lstStyle/>
-          <a:p>
-            <a:pPr marL="0" marR="0" lvl="0" indent="0" algn="ctr" defTabSz="914400" rtl="0" eaLnBrk="1" fontAlgn="auto" latinLnBrk="1" hangingPunct="1">
-              <a:lnSpc>
-                <a:spcPct val="150000"/>
-              </a:lnSpc>
-              <a:spcBef>
-                <a:spcPts val="0"/>
-              </a:spcBef>
-              <a:spcAft>
-                <a:spcPts val="0"/>
-              </a:spcAft>
-              <a:buClrTx/>
-              <a:buSzTx/>
-              <a:buFontTx/>
-              <a:buNone/>
-              <a:tabLst/>
-              <a:defRPr/>
-            </a:pPr>
-            <a:r>
-              <a:rPr kumimoji="0" lang="en-US" altLang="ko-KR" sz="1200" b="1" i="0" u="none" strike="noStrike" kern="1200" cap="none" spc="0" normalizeH="0" baseline="0" noProof="0" dirty="0">
-                <a:ln>
-                  <a:noFill/>
-                </a:ln>
-                <a:solidFill>
-                  <a:prstClr val="black">
-                    <a:lumMod val="75000"/>
-                    <a:lumOff val="25000"/>
-                  </a:prstClr>
-                </a:solidFill>
-                <a:effectLst/>
-                <a:uLnTx/>
-                <a:uFillTx/>
-                <a:latin typeface="맑은 고딕" panose="020F0502020204030204"/>
-                <a:ea typeface="맑은 고딕" panose="020B0503020000020004" pitchFamily="50" charset="-127"/>
-                <a:cs typeface="+mn-cs"/>
-              </a:rPr>
-              <a:t>CONTENTS A</a:t>
-            </a:r>
-          </a:p>
-          <a:p>
-            <a:pPr marL="0" marR="0" lvl="0" indent="0" algn="ctr" defTabSz="914400" rtl="0" eaLnBrk="1" fontAlgn="auto" latinLnBrk="1" hangingPunct="1">
-              <a:lnSpc>
-                <a:spcPct val="150000"/>
-              </a:lnSpc>
-              <a:spcBef>
-                <a:spcPts val="0"/>
-              </a:spcBef>
-              <a:spcAft>
-                <a:spcPts val="0"/>
-              </a:spcAft>
-              <a:buClrTx/>
-              <a:buSzTx/>
-              <a:buFontTx/>
-              <a:buNone/>
-              <a:tabLst/>
-              <a:defRPr/>
-            </a:pPr>
-            <a:r>
-              <a:rPr kumimoji="0" lang="ko-KR" altLang="en-US" sz="1050" b="0" i="0" u="none" strike="noStrike" kern="1200" cap="none" spc="0" normalizeH="0" baseline="0" noProof="0" dirty="0">
-                <a:ln>
-                  <a:noFill/>
-                </a:ln>
-                <a:solidFill>
-                  <a:prstClr val="black">
-                    <a:lumMod val="75000"/>
-                    <a:lumOff val="25000"/>
-                  </a:prstClr>
-                </a:solidFill>
-                <a:effectLst/>
-                <a:uLnTx/>
-                <a:uFillTx/>
-                <a:latin typeface="맑은 고딕" panose="020F0502020204030204"/>
-                <a:ea typeface="맑은 고딕" panose="020B0503020000020004" pitchFamily="50" charset="-127"/>
-                <a:cs typeface="+mn-cs"/>
-              </a:rPr>
-              <a:t>컨텐츠에 대한 내용을 적어요</a:t>
-            </a:r>
-            <a:endParaRPr kumimoji="0" lang="en-US" altLang="ko-KR" sz="1050" b="0" i="0" u="none" strike="noStrike" kern="1200" cap="none" spc="0" normalizeH="0" baseline="0" noProof="0" dirty="0">
-              <a:ln>
-                <a:noFill/>
-              </a:ln>
-              <a:solidFill>
-                <a:prstClr val="black">
-                  <a:lumMod val="75000"/>
-                  <a:lumOff val="25000"/>
-                </a:prstClr>
-              </a:solidFill>
-              <a:effectLst/>
-              <a:uLnTx/>
-              <a:uFillTx/>
-              <a:latin typeface="맑은 고딕" panose="020F0502020204030204"/>
-              <a:ea typeface="맑은 고딕" panose="020B0503020000020004" pitchFamily="50" charset="-127"/>
-              <a:cs typeface="+mn-cs"/>
-            </a:endParaRPr>
-          </a:p>
-          <a:p>
-            <a:pPr marL="0" marR="0" lvl="0" indent="0" algn="ctr" defTabSz="914400" rtl="0" eaLnBrk="1" fontAlgn="auto" latinLnBrk="1" hangingPunct="1">
-              <a:lnSpc>
-                <a:spcPct val="150000"/>
-              </a:lnSpc>
-              <a:spcBef>
-                <a:spcPts val="0"/>
-              </a:spcBef>
-              <a:spcAft>
-                <a:spcPts val="0"/>
-              </a:spcAft>
-              <a:buClrTx/>
-              <a:buSzTx/>
-              <a:buFontTx/>
-              <a:buNone/>
-              <a:tabLst/>
-              <a:defRPr/>
-            </a:pPr>
-            <a:r>
-              <a:rPr kumimoji="0" lang="ko-KR" altLang="en-US" sz="700" b="0" i="0" u="none" strike="noStrike" kern="1200" cap="none" spc="0" normalizeH="0" baseline="0" noProof="0" dirty="0">
-                <a:ln>
-                  <a:noFill/>
-                </a:ln>
-                <a:solidFill>
-                  <a:prstClr val="black">
-                    <a:lumMod val="75000"/>
-                    <a:lumOff val="25000"/>
-                  </a:prstClr>
-                </a:solidFill>
-                <a:effectLst/>
-                <a:uLnTx/>
-                <a:uFillTx/>
-                <a:latin typeface="맑은 고딕" panose="020F0502020204030204"/>
-                <a:ea typeface="맑은 고딕" panose="020B0503020000020004" pitchFamily="50" charset="-127"/>
-                <a:cs typeface="+mn-cs"/>
-              </a:rPr>
-              <a:t>Enjoy your stylish business and campus life with BIZCAM </a:t>
-            </a:r>
-          </a:p>
-        </p:txBody>
-      </p:sp>
     </p:spTree>
     <p:extLst>
       <p:ext uri="{BB962C8B-B14F-4D97-AF65-F5344CB8AC3E}">
@@ -12585,7 +9864,7 @@
 </p:sld>
 </file>
 
-<file path=ppt/slides/slide7.xml><?xml version="1.0" encoding="utf-8"?>
+<file path=ppt/slides/slide6.xml><?xml version="1.0" encoding="utf-8"?>
 <p:sld xmlns:a="http://schemas.openxmlformats.org/drawingml/2006/main" xmlns:r="http://schemas.openxmlformats.org/officeDocument/2006/relationships" xmlns:p="http://schemas.openxmlformats.org/presentationml/2006/main">
   <p:cSld>
     <p:bg>
@@ -13233,14 +10512,14 @@
           <p:nvPr>
             <p:extLst>
               <p:ext uri="{D42A27DB-BD31-4B8C-83A1-F6EECF244321}">
-                <p14:modId xmlns:p14="http://schemas.microsoft.com/office/powerpoint/2010/main" val="381497113"/>
+                <p14:modId xmlns:p14="http://schemas.microsoft.com/office/powerpoint/2010/main" val="1179249739"/>
               </p:ext>
             </p:extLst>
           </p:nvPr>
         </p:nvGraphicFramePr>
         <p:xfrm>
-          <a:off x="2032000" y="886779"/>
-          <a:ext cx="8127999" cy="5455660"/>
+          <a:off x="1599915" y="850217"/>
+          <a:ext cx="8921260" cy="5677456"/>
         </p:xfrm>
         <a:graphic>
           <a:graphicData uri="http://schemas.openxmlformats.org/drawingml/2006/table">
@@ -13249,21 +10528,21 @@
                 <a:tableStyleId>{5940675A-B579-460E-94D1-54222C63F5DA}</a:tableStyleId>
               </a:tblPr>
               <a:tblGrid>
-                <a:gridCol w="1574800">
+                <a:gridCol w="1728495">
                   <a:extLst>
                     <a:ext uri="{9D8B030D-6E8A-4147-A177-3AD203B41FA5}">
                       <a16:colId xmlns:a16="http://schemas.microsoft.com/office/drawing/2014/main" val="75796732"/>
                     </a:ext>
                   </a:extLst>
                 </a:gridCol>
-                <a:gridCol w="1974850">
+                <a:gridCol w="2167587">
                   <a:extLst>
                     <a:ext uri="{9D8B030D-6E8A-4147-A177-3AD203B41FA5}">
                       <a16:colId xmlns:a16="http://schemas.microsoft.com/office/drawing/2014/main" val="2614223187"/>
                     </a:ext>
                   </a:extLst>
                 </a:gridCol>
-                <a:gridCol w="4578349">
+                <a:gridCol w="5025178">
                   <a:extLst>
                     <a:ext uri="{9D8B030D-6E8A-4147-A177-3AD203B41FA5}">
                       <a16:colId xmlns:a16="http://schemas.microsoft.com/office/drawing/2014/main" val="296426876"/>
@@ -13271,7 +10550,7 @@
                   </a:extLst>
                 </a:gridCol>
               </a:tblGrid>
-              <a:tr h="545566">
+              <a:tr h="526802">
                 <a:tc>
                   <a:txBody>
                     <a:bodyPr/>
@@ -13279,16 +10558,22 @@
                     <a:p>
                       <a:pPr algn="ctr" latinLnBrk="1"/>
                       <a:r>
-                        <a:rPr lang="en-US" altLang="ko-KR" dirty="0"/>
+                        <a:rPr lang="en-US" altLang="ko-KR" dirty="0">
+                          <a:latin typeface="강한공군체 Medium" panose="020B0600000101010101" pitchFamily="34" charset="-127"/>
+                          <a:ea typeface="강한공군체 Medium" panose="020B0600000101010101" pitchFamily="34" charset="-127"/>
+                        </a:rPr>
                         <a:t>1</a:t>
                       </a:r>
                       <a:r>
-                        <a:rPr lang="ko-KR" altLang="en-US" dirty="0"/>
+                        <a:rPr lang="ko-KR" altLang="en-US" dirty="0">
+                          <a:latin typeface="강한공군체 Medium" panose="020B0600000101010101" pitchFamily="34" charset="-127"/>
+                          <a:ea typeface="강한공군체 Medium" panose="020B0600000101010101" pitchFamily="34" charset="-127"/>
+                        </a:rPr>
                         <a:t>주차</a:t>
                       </a:r>
                     </a:p>
                   </a:txBody>
-                  <a:tcPr/>
+                  <a:tcPr anchor="ctr"/>
                 </a:tc>
                 <a:tc>
                   <a:txBody>
@@ -13296,18 +10581,55 @@
                     <a:lstStyle/>
                     <a:p>
                       <a:pPr algn="ctr" latinLnBrk="1"/>
-                      <a:endParaRPr lang="ko-KR" altLang="en-US" dirty="0"/>
+                      <a:r>
+                        <a:rPr lang="ko-KR" altLang="en-US" sz="1600" dirty="0">
+                          <a:latin typeface="강한공군체 Medium" panose="020B0600000101010101" pitchFamily="34" charset="-127"/>
+                          <a:ea typeface="강한공군체 Medium" panose="020B0600000101010101" pitchFamily="34" charset="-127"/>
+                        </a:rPr>
+                        <a:t>리소스 수집</a:t>
+                      </a:r>
                     </a:p>
                   </a:txBody>
-                  <a:tcPr/>
+                  <a:tcPr anchor="ctr"/>
                 </a:tc>
                 <a:tc>
                   <a:txBody>
                     <a:bodyPr/>
                     <a:lstStyle/>
                     <a:p>
-                      <a:pPr algn="ctr" latinLnBrk="1"/>
-                      <a:endParaRPr lang="ko-KR" altLang="en-US"/>
+                      <a:pPr marL="342900" indent="-342900" algn="ctr" latinLnBrk="1">
+                        <a:buAutoNum type="arabicPeriod"/>
+                      </a:pPr>
+                      <a:r>
+                        <a:rPr lang="ko-KR" altLang="en-US" sz="1400" dirty="0">
+                          <a:latin typeface="강한공군체 Medium" panose="020B0600000101010101" pitchFamily="34" charset="-127"/>
+                          <a:ea typeface="강한공군체 Medium" panose="020B0600000101010101" pitchFamily="34" charset="-127"/>
+                        </a:rPr>
+                        <a:t>리소스 수집</a:t>
+                      </a:r>
+                      <a:endParaRPr lang="en-US" altLang="ko-KR" sz="1400" dirty="0">
+                        <a:latin typeface="강한공군체 Medium" panose="020B0600000101010101" pitchFamily="34" charset="-127"/>
+                        <a:ea typeface="강한공군체 Medium" panose="020B0600000101010101" pitchFamily="34" charset="-127"/>
+                      </a:endParaRPr>
+                    </a:p>
+                    <a:p>
+                      <a:pPr marL="0" indent="0" algn="ctr" latinLnBrk="1">
+                        <a:buNone/>
+                      </a:pPr>
+                      <a:r>
+                        <a:rPr lang="en-US" altLang="ko-KR" sz="1400" dirty="0">
+                          <a:latin typeface="강한공군체 Medium" panose="020B0600000101010101" pitchFamily="34" charset="-127"/>
+                          <a:ea typeface="강한공군체 Medium" panose="020B0600000101010101" pitchFamily="34" charset="-127"/>
+                        </a:rPr>
+                        <a:t>2. KNIGHT </a:t>
+                      </a:r>
+                      <a:r>
+                        <a:rPr lang="ko-KR" altLang="en-US" sz="1400" dirty="0">
+                          <a:latin typeface="강한공군체 Medium" panose="020B0600000101010101" pitchFamily="34" charset="-127"/>
+                          <a:ea typeface="강한공군체 Medium" panose="020B0600000101010101" pitchFamily="34" charset="-127"/>
+                        </a:rPr>
+                        <a:t>이동 애니메이션</a:t>
+                      </a:r>
                     </a:p>
                   </a:txBody>
                   <a:tcPr/>
@@ -13318,7 +10640,7 @@
                   </a:ext>
                 </a:extLst>
               </a:tr>
-              <a:tr h="545566">
+              <a:tr h="526802">
                 <a:tc>
                   <a:txBody>
                     <a:bodyPr/>
@@ -13326,17 +10648,26 @@
                     <a:p>
                       <a:pPr algn="ctr" latinLnBrk="1"/>
                       <a:r>
-                        <a:rPr lang="en-US" altLang="ko-KR" dirty="0"/>
+                        <a:rPr lang="en-US" altLang="ko-KR" dirty="0">
+                          <a:latin typeface="강한공군체 Medium" panose="020B0600000101010101" pitchFamily="34" charset="-127"/>
+                          <a:ea typeface="강한공군체 Medium" panose="020B0600000101010101" pitchFamily="34" charset="-127"/>
+                        </a:rPr>
                         <a:t>2</a:t>
                       </a:r>
                       <a:r>
-                        <a:rPr lang="ko-KR" altLang="en-US" dirty="0"/>
+                        <a:rPr lang="ko-KR" altLang="en-US" dirty="0">
+                          <a:latin typeface="강한공군체 Medium" panose="020B0600000101010101" pitchFamily="34" charset="-127"/>
+                          <a:ea typeface="강한공군체 Medium" panose="020B0600000101010101" pitchFamily="34" charset="-127"/>
+                        </a:rPr>
                         <a:t>주차</a:t>
                       </a:r>
-                      <a:endParaRPr lang="en-US" altLang="ko-KR" dirty="0"/>
+                      <a:endParaRPr lang="en-US" altLang="ko-KR" dirty="0">
+                        <a:latin typeface="강한공군체 Medium" panose="020B0600000101010101" pitchFamily="34" charset="-127"/>
+                        <a:ea typeface="강한공군체 Medium" panose="020B0600000101010101" pitchFamily="34" charset="-127"/>
+                      </a:endParaRPr>
                     </a:p>
                   </a:txBody>
-                  <a:tcPr/>
+                  <a:tcPr anchor="ctr"/>
                 </a:tc>
                 <a:tc>
                   <a:txBody>
@@ -13344,18 +10675,103 @@
                     <a:lstStyle/>
                     <a:p>
                       <a:pPr algn="ctr" latinLnBrk="1"/>
-                      <a:endParaRPr lang="ko-KR" altLang="en-US" dirty="0"/>
+                      <a:r>
+                        <a:rPr lang="ko-KR" altLang="en-US" sz="1600" dirty="0">
+                          <a:latin typeface="강한공군체 Medium" panose="020B0600000101010101" pitchFamily="34" charset="-127"/>
+                          <a:ea typeface="강한공군체 Medium" panose="020B0600000101010101" pitchFamily="34" charset="-127"/>
+                        </a:rPr>
+                        <a:t>맵 구현</a:t>
+                      </a:r>
                     </a:p>
                   </a:txBody>
-                  <a:tcPr/>
+                  <a:tcPr anchor="ctr"/>
                 </a:tc>
                 <a:tc>
                   <a:txBody>
                     <a:bodyPr/>
                     <a:lstStyle/>
                     <a:p>
-                      <a:pPr algn="ctr" latinLnBrk="1"/>
-                      <a:endParaRPr lang="ko-KR" altLang="en-US" dirty="0"/>
+                      <a:pPr marL="0" indent="0" algn="ctr" latinLnBrk="1">
+                        <a:buNone/>
+                      </a:pPr>
+                      <a:r>
+                        <a:rPr lang="en-US" altLang="ko-KR" sz="1400" dirty="0">
+                          <a:latin typeface="강한공군체 Medium" panose="020B0600000101010101" pitchFamily="34" charset="-127"/>
+                          <a:ea typeface="강한공군체 Medium" panose="020B0600000101010101" pitchFamily="34" charset="-127"/>
+                        </a:rPr>
+                        <a:t>1. </a:t>
+                      </a:r>
+                      <a:r>
+                        <a:rPr lang="ko-KR" altLang="en-US" sz="1400" dirty="0">
+                          <a:latin typeface="강한공군체 Medium" panose="020B0600000101010101" pitchFamily="34" charset="-127"/>
+                          <a:ea typeface="강한공군체 Medium" panose="020B0600000101010101" pitchFamily="34" charset="-127"/>
+                        </a:rPr>
+                        <a:t>블록 위치 설정</a:t>
+                      </a:r>
+                      <a:endParaRPr lang="en-US" altLang="ko-KR" sz="1400" dirty="0">
+                        <a:latin typeface="강한공군체 Medium" panose="020B0600000101010101" pitchFamily="34" charset="-127"/>
+                        <a:ea typeface="강한공군체 Medium" panose="020B0600000101010101" pitchFamily="34" charset="-127"/>
+                      </a:endParaRPr>
+                    </a:p>
+                    <a:p>
+                      <a:pPr marL="0" indent="0" algn="ctr" latinLnBrk="1">
+                        <a:buNone/>
+                      </a:pPr>
+                      <a:r>
+                        <a:rPr lang="en-US" altLang="ko-KR" sz="1400" dirty="0">
+                          <a:latin typeface="강한공군체 Medium" panose="020B0600000101010101" pitchFamily="34" charset="-127"/>
+                          <a:ea typeface="강한공군체 Medium" panose="020B0600000101010101" pitchFamily="34" charset="-127"/>
+                        </a:rPr>
+                        <a:t>2. </a:t>
+                      </a:r>
+                      <a:r>
+                        <a:rPr lang="ko-KR" altLang="en-US" sz="1400" dirty="0">
+                          <a:latin typeface="강한공군체 Medium" panose="020B0600000101010101" pitchFamily="34" charset="-127"/>
+                          <a:ea typeface="강한공군체 Medium" panose="020B0600000101010101" pitchFamily="34" charset="-127"/>
+                        </a:rPr>
+                        <a:t>몬스터 위치 설정</a:t>
+                      </a:r>
+                      <a:endParaRPr lang="en-US" altLang="ko-KR" sz="1400" dirty="0">
+                        <a:latin typeface="강한공군체 Medium" panose="020B0600000101010101" pitchFamily="34" charset="-127"/>
+                        <a:ea typeface="강한공군체 Medium" panose="020B0600000101010101" pitchFamily="34" charset="-127"/>
+                      </a:endParaRPr>
+                    </a:p>
+                    <a:p>
+                      <a:pPr marL="0" indent="0" algn="ctr" latinLnBrk="1">
+                        <a:buNone/>
+                      </a:pPr>
+                      <a:r>
+                        <a:rPr lang="en-US" altLang="ko-KR" sz="1400" dirty="0">
+                          <a:latin typeface="강한공군체 Medium" panose="020B0600000101010101" pitchFamily="34" charset="-127"/>
+                          <a:ea typeface="강한공군체 Medium" panose="020B0600000101010101" pitchFamily="34" charset="-127"/>
+                        </a:rPr>
+                        <a:t>3. </a:t>
+                      </a:r>
+                      <a:r>
+                        <a:rPr lang="ko-KR" altLang="en-US" sz="1400" dirty="0">
+                          <a:latin typeface="강한공군체 Medium" panose="020B0600000101010101" pitchFamily="34" charset="-127"/>
+                          <a:ea typeface="강한공군체 Medium" panose="020B0600000101010101" pitchFamily="34" charset="-127"/>
+                        </a:rPr>
+                        <a:t>보스 룸 </a:t>
+                      </a:r>
+                      <a:r>
+                        <a:rPr lang="en-US" altLang="ko-KR" sz="1400" dirty="0">
+                          <a:latin typeface="강한공군체 Medium" panose="020B0600000101010101" pitchFamily="34" charset="-127"/>
+                          <a:ea typeface="강한공군체 Medium" panose="020B0600000101010101" pitchFamily="34" charset="-127"/>
+                        </a:rPr>
+                        <a:t>KEY </a:t>
+                      </a:r>
+                      <a:r>
+                        <a:rPr lang="ko-KR" altLang="en-US" sz="1400" dirty="0">
+                          <a:latin typeface="강한공군체 Medium" panose="020B0600000101010101" pitchFamily="34" charset="-127"/>
+                          <a:ea typeface="강한공군체 Medium" panose="020B0600000101010101" pitchFamily="34" charset="-127"/>
+                        </a:rPr>
+                        <a:t>위치 설정</a:t>
+                      </a:r>
+                      <a:endParaRPr lang="en-US" altLang="ko-KR" sz="1400" dirty="0">
+                        <a:latin typeface="강한공군체 Medium" panose="020B0600000101010101" pitchFamily="34" charset="-127"/>
+                        <a:ea typeface="강한공군체 Medium" panose="020B0600000101010101" pitchFamily="34" charset="-127"/>
+                      </a:endParaRPr>
                     </a:p>
                   </a:txBody>
                   <a:tcPr/>
@@ -13366,7 +10782,7 @@
                   </a:ext>
                 </a:extLst>
               </a:tr>
-              <a:tr h="545566">
+              <a:tr h="526802">
                 <a:tc>
                   <a:txBody>
                     <a:bodyPr/>
@@ -13374,16 +10790,22 @@
                     <a:p>
                       <a:pPr algn="ctr" latinLnBrk="1"/>
                       <a:r>
-                        <a:rPr lang="en-US" altLang="ko-KR" dirty="0"/>
+                        <a:rPr lang="en-US" altLang="ko-KR" dirty="0">
+                          <a:latin typeface="강한공군체 Medium" panose="020B0600000101010101" pitchFamily="34" charset="-127"/>
+                          <a:ea typeface="강한공군체 Medium" panose="020B0600000101010101" pitchFamily="34" charset="-127"/>
+                        </a:rPr>
                         <a:t>3</a:t>
                       </a:r>
                       <a:r>
-                        <a:rPr lang="ko-KR" altLang="en-US" dirty="0"/>
+                        <a:rPr lang="ko-KR" altLang="en-US" dirty="0">
+                          <a:latin typeface="강한공군체 Medium" panose="020B0600000101010101" pitchFamily="34" charset="-127"/>
+                          <a:ea typeface="강한공군체 Medium" panose="020B0600000101010101" pitchFamily="34" charset="-127"/>
+                        </a:rPr>
                         <a:t>주차</a:t>
                       </a:r>
                     </a:p>
                   </a:txBody>
-                  <a:tcPr/>
+                  <a:tcPr anchor="ctr"/>
                 </a:tc>
                 <a:tc>
                   <a:txBody>
@@ -13391,10 +10813,13 @@
                     <a:lstStyle/>
                     <a:p>
                       <a:pPr algn="ctr" latinLnBrk="1"/>
-                      <a:endParaRPr lang="ko-KR" altLang="en-US" dirty="0"/>
+                      <a:endParaRPr lang="ko-KR" altLang="en-US" sz="1600" dirty="0">
+                        <a:latin typeface="강한공군체 Medium" panose="020B0600000101010101" pitchFamily="34" charset="-127"/>
+                        <a:ea typeface="강한공군체 Medium" panose="020B0600000101010101" pitchFamily="34" charset="-127"/>
+                      </a:endParaRPr>
                     </a:p>
                   </a:txBody>
-                  <a:tcPr/>
+                  <a:tcPr anchor="ctr"/>
                 </a:tc>
                 <a:tc>
                   <a:txBody>
@@ -13402,7 +10827,10 @@
                     <a:lstStyle/>
                     <a:p>
                       <a:pPr algn="ctr" latinLnBrk="1"/>
-                      <a:endParaRPr lang="ko-KR" altLang="en-US"/>
+                      <a:endParaRPr lang="ko-KR" altLang="en-US" sz="1400">
+                        <a:latin typeface="강한공군체 Medium" panose="020B0600000101010101" pitchFamily="34" charset="-127"/>
+                        <a:ea typeface="강한공군체 Medium" panose="020B0600000101010101" pitchFamily="34" charset="-127"/>
+                      </a:endParaRPr>
                     </a:p>
                   </a:txBody>
                   <a:tcPr/>
@@ -13413,7 +10841,7 @@
                   </a:ext>
                 </a:extLst>
               </a:tr>
-              <a:tr h="545566">
+              <a:tr h="526802">
                 <a:tc>
                   <a:txBody>
                     <a:bodyPr/>
@@ -13421,16 +10849,22 @@
                     <a:p>
                       <a:pPr algn="ctr" latinLnBrk="1"/>
                       <a:r>
-                        <a:rPr lang="en-US" altLang="ko-KR" dirty="0"/>
+                        <a:rPr lang="en-US" altLang="ko-KR" dirty="0">
+                          <a:latin typeface="강한공군체 Medium" panose="020B0600000101010101" pitchFamily="34" charset="-127"/>
+                          <a:ea typeface="강한공군체 Medium" panose="020B0600000101010101" pitchFamily="34" charset="-127"/>
+                        </a:rPr>
                         <a:t>4</a:t>
                       </a:r>
                       <a:r>
-                        <a:rPr lang="ko-KR" altLang="en-US" dirty="0"/>
+                        <a:rPr lang="ko-KR" altLang="en-US" dirty="0">
+                          <a:latin typeface="강한공군체 Medium" panose="020B0600000101010101" pitchFamily="34" charset="-127"/>
+                          <a:ea typeface="강한공군체 Medium" panose="020B0600000101010101" pitchFamily="34" charset="-127"/>
+                        </a:rPr>
                         <a:t>주차</a:t>
                       </a:r>
                     </a:p>
                   </a:txBody>
-                  <a:tcPr/>
+                  <a:tcPr anchor="ctr"/>
                 </a:tc>
                 <a:tc>
                   <a:txBody>
@@ -13438,10 +10872,13 @@
                     <a:lstStyle/>
                     <a:p>
                       <a:pPr algn="ctr" latinLnBrk="1"/>
-                      <a:endParaRPr lang="ko-KR" altLang="en-US" dirty="0"/>
+                      <a:endParaRPr lang="ko-KR" altLang="en-US" sz="1600" dirty="0">
+                        <a:latin typeface="강한공군체 Medium" panose="020B0600000101010101" pitchFamily="34" charset="-127"/>
+                        <a:ea typeface="강한공군체 Medium" panose="020B0600000101010101" pitchFamily="34" charset="-127"/>
+                      </a:endParaRPr>
                     </a:p>
                   </a:txBody>
-                  <a:tcPr/>
+                  <a:tcPr anchor="ctr"/>
                 </a:tc>
                 <a:tc>
                   <a:txBody>
@@ -13449,7 +10886,10 @@
                     <a:lstStyle/>
                     <a:p>
                       <a:pPr algn="ctr" latinLnBrk="1"/>
-                      <a:endParaRPr lang="ko-KR" altLang="en-US" dirty="0"/>
+                      <a:endParaRPr lang="ko-KR" altLang="en-US" sz="1400" dirty="0">
+                        <a:latin typeface="강한공군체 Medium" panose="020B0600000101010101" pitchFamily="34" charset="-127"/>
+                        <a:ea typeface="강한공군체 Medium" panose="020B0600000101010101" pitchFamily="34" charset="-127"/>
+                      </a:endParaRPr>
                     </a:p>
                   </a:txBody>
                   <a:tcPr/>
@@ -13460,7 +10900,7 @@
                   </a:ext>
                 </a:extLst>
               </a:tr>
-              <a:tr h="545566">
+              <a:tr h="526802">
                 <a:tc>
                   <a:txBody>
                     <a:bodyPr/>
@@ -13468,16 +10908,22 @@
                     <a:p>
                       <a:pPr algn="ctr" latinLnBrk="1"/>
                       <a:r>
-                        <a:rPr lang="en-US" altLang="ko-KR" dirty="0"/>
+                        <a:rPr lang="en-US" altLang="ko-KR" dirty="0">
+                          <a:latin typeface="강한공군체 Medium" panose="020B0600000101010101" pitchFamily="34" charset="-127"/>
+                          <a:ea typeface="강한공군체 Medium" panose="020B0600000101010101" pitchFamily="34" charset="-127"/>
+                        </a:rPr>
                         <a:t>5</a:t>
                       </a:r>
                       <a:r>
-                        <a:rPr lang="ko-KR" altLang="en-US" dirty="0"/>
+                        <a:rPr lang="ko-KR" altLang="en-US" dirty="0">
+                          <a:latin typeface="강한공군체 Medium" panose="020B0600000101010101" pitchFamily="34" charset="-127"/>
+                          <a:ea typeface="강한공군체 Medium" panose="020B0600000101010101" pitchFamily="34" charset="-127"/>
+                        </a:rPr>
                         <a:t>주차</a:t>
                       </a:r>
                     </a:p>
                   </a:txBody>
-                  <a:tcPr/>
+                  <a:tcPr anchor="ctr"/>
                 </a:tc>
                 <a:tc>
                   <a:txBody>
@@ -13485,10 +10931,13 @@
                     <a:lstStyle/>
                     <a:p>
                       <a:pPr algn="ctr" latinLnBrk="1"/>
-                      <a:endParaRPr lang="ko-KR" altLang="en-US" dirty="0"/>
+                      <a:endParaRPr lang="ko-KR" altLang="en-US" sz="1600" dirty="0">
+                        <a:latin typeface="강한공군체 Medium" panose="020B0600000101010101" pitchFamily="34" charset="-127"/>
+                        <a:ea typeface="강한공군체 Medium" panose="020B0600000101010101" pitchFamily="34" charset="-127"/>
+                      </a:endParaRPr>
                     </a:p>
                   </a:txBody>
-                  <a:tcPr/>
+                  <a:tcPr anchor="ctr"/>
                 </a:tc>
                 <a:tc>
                   <a:txBody>
@@ -13496,7 +10945,10 @@
                     <a:lstStyle/>
                     <a:p>
                       <a:pPr algn="ctr" latinLnBrk="1"/>
-                      <a:endParaRPr lang="ko-KR" altLang="en-US" dirty="0"/>
+                      <a:endParaRPr lang="ko-KR" altLang="en-US" sz="1400" dirty="0">
+                        <a:latin typeface="강한공군체 Medium" panose="020B0600000101010101" pitchFamily="34" charset="-127"/>
+                        <a:ea typeface="강한공군체 Medium" panose="020B0600000101010101" pitchFamily="34" charset="-127"/>
+                      </a:endParaRPr>
                     </a:p>
                   </a:txBody>
                   <a:tcPr/>
@@ -13507,7 +10959,7 @@
                   </a:ext>
                 </a:extLst>
               </a:tr>
-              <a:tr h="545566">
+              <a:tr h="526802">
                 <a:tc>
                   <a:txBody>
                     <a:bodyPr/>
@@ -13515,16 +10967,22 @@
                     <a:p>
                       <a:pPr algn="ctr" latinLnBrk="1"/>
                       <a:r>
-                        <a:rPr lang="en-US" altLang="ko-KR" dirty="0"/>
+                        <a:rPr lang="en-US" altLang="ko-KR" dirty="0">
+                          <a:latin typeface="강한공군체 Medium" panose="020B0600000101010101" pitchFamily="34" charset="-127"/>
+                          <a:ea typeface="강한공군체 Medium" panose="020B0600000101010101" pitchFamily="34" charset="-127"/>
+                        </a:rPr>
                         <a:t>6</a:t>
                       </a:r>
                       <a:r>
-                        <a:rPr lang="ko-KR" altLang="en-US" dirty="0"/>
+                        <a:rPr lang="ko-KR" altLang="en-US" dirty="0">
+                          <a:latin typeface="강한공군체 Medium" panose="020B0600000101010101" pitchFamily="34" charset="-127"/>
+                          <a:ea typeface="강한공군체 Medium" panose="020B0600000101010101" pitchFamily="34" charset="-127"/>
+                        </a:rPr>
                         <a:t>주차</a:t>
                       </a:r>
                     </a:p>
                   </a:txBody>
-                  <a:tcPr/>
+                  <a:tcPr anchor="ctr"/>
                 </a:tc>
                 <a:tc>
                   <a:txBody>
@@ -13532,10 +10990,13 @@
                     <a:lstStyle/>
                     <a:p>
                       <a:pPr algn="ctr" latinLnBrk="1"/>
-                      <a:endParaRPr lang="ko-KR" altLang="en-US" dirty="0"/>
+                      <a:endParaRPr lang="ko-KR" altLang="en-US" sz="1600" dirty="0">
+                        <a:latin typeface="강한공군체 Medium" panose="020B0600000101010101" pitchFamily="34" charset="-127"/>
+                        <a:ea typeface="강한공군체 Medium" panose="020B0600000101010101" pitchFamily="34" charset="-127"/>
+                      </a:endParaRPr>
                     </a:p>
                   </a:txBody>
-                  <a:tcPr/>
+                  <a:tcPr anchor="ctr"/>
                 </a:tc>
                 <a:tc>
                   <a:txBody>
@@ -13543,7 +11004,10 @@
                     <a:lstStyle/>
                     <a:p>
                       <a:pPr algn="ctr" latinLnBrk="1"/>
-                      <a:endParaRPr lang="ko-KR" altLang="en-US" dirty="0"/>
+                      <a:endParaRPr lang="ko-KR" altLang="en-US" sz="1400" dirty="0">
+                        <a:latin typeface="강한공군체 Medium" panose="020B0600000101010101" pitchFamily="34" charset="-127"/>
+                        <a:ea typeface="강한공군체 Medium" panose="020B0600000101010101" pitchFamily="34" charset="-127"/>
+                      </a:endParaRPr>
                     </a:p>
                   </a:txBody>
                   <a:tcPr/>
@@ -13554,7 +11018,7 @@
                   </a:ext>
                 </a:extLst>
               </a:tr>
-              <a:tr h="545566">
+              <a:tr h="526802">
                 <a:tc>
                   <a:txBody>
                     <a:bodyPr/>
@@ -13562,16 +11026,22 @@
                     <a:p>
                       <a:pPr algn="ctr" latinLnBrk="1"/>
                       <a:r>
-                        <a:rPr lang="en-US" altLang="ko-KR" dirty="0"/>
+                        <a:rPr lang="en-US" altLang="ko-KR" dirty="0">
+                          <a:latin typeface="강한공군체 Medium" panose="020B0600000101010101" pitchFamily="34" charset="-127"/>
+                          <a:ea typeface="강한공군체 Medium" panose="020B0600000101010101" pitchFamily="34" charset="-127"/>
+                        </a:rPr>
                         <a:t>7</a:t>
                       </a:r>
                       <a:r>
-                        <a:rPr lang="ko-KR" altLang="en-US" dirty="0"/>
+                        <a:rPr lang="ko-KR" altLang="en-US" dirty="0">
+                          <a:latin typeface="강한공군체 Medium" panose="020B0600000101010101" pitchFamily="34" charset="-127"/>
+                          <a:ea typeface="강한공군체 Medium" panose="020B0600000101010101" pitchFamily="34" charset="-127"/>
+                        </a:rPr>
                         <a:t>주차</a:t>
                       </a:r>
                     </a:p>
                   </a:txBody>
-                  <a:tcPr/>
+                  <a:tcPr anchor="ctr"/>
                 </a:tc>
                 <a:tc>
                   <a:txBody>
@@ -13579,10 +11049,13 @@
                     <a:lstStyle/>
                     <a:p>
                       <a:pPr algn="ctr" latinLnBrk="1"/>
-                      <a:endParaRPr lang="ko-KR" altLang="en-US" dirty="0"/>
+                      <a:endParaRPr lang="ko-KR" altLang="en-US" sz="1600" dirty="0">
+                        <a:latin typeface="강한공군체 Medium" panose="020B0600000101010101" pitchFamily="34" charset="-127"/>
+                        <a:ea typeface="강한공군체 Medium" panose="020B0600000101010101" pitchFamily="34" charset="-127"/>
+                      </a:endParaRPr>
                     </a:p>
                   </a:txBody>
-                  <a:tcPr/>
+                  <a:tcPr anchor="ctr"/>
                 </a:tc>
                 <a:tc>
                   <a:txBody>
@@ -13590,7 +11063,10 @@
                     <a:lstStyle/>
                     <a:p>
                       <a:pPr algn="ctr" latinLnBrk="1"/>
-                      <a:endParaRPr lang="ko-KR" altLang="en-US" dirty="0"/>
+                      <a:endParaRPr lang="ko-KR" altLang="en-US" sz="1400" dirty="0">
+                        <a:latin typeface="강한공군체 Medium" panose="020B0600000101010101" pitchFamily="34" charset="-127"/>
+                        <a:ea typeface="강한공군체 Medium" panose="020B0600000101010101" pitchFamily="34" charset="-127"/>
+                      </a:endParaRPr>
                     </a:p>
                   </a:txBody>
                   <a:tcPr/>
@@ -13601,7 +11077,7 @@
                   </a:ext>
                 </a:extLst>
               </a:tr>
-              <a:tr h="545566">
+              <a:tr h="526802">
                 <a:tc>
                   <a:txBody>
                     <a:bodyPr/>
@@ -13609,16 +11085,22 @@
                     <a:p>
                       <a:pPr algn="ctr" latinLnBrk="1"/>
                       <a:r>
-                        <a:rPr lang="en-US" altLang="ko-KR" dirty="0"/>
+                        <a:rPr lang="en-US" altLang="ko-KR" dirty="0">
+                          <a:latin typeface="강한공군체 Medium" panose="020B0600000101010101" pitchFamily="34" charset="-127"/>
+                          <a:ea typeface="강한공군체 Medium" panose="020B0600000101010101" pitchFamily="34" charset="-127"/>
+                        </a:rPr>
                         <a:t>8</a:t>
                       </a:r>
                       <a:r>
-                        <a:rPr lang="ko-KR" altLang="en-US" dirty="0"/>
+                        <a:rPr lang="ko-KR" altLang="en-US" dirty="0">
+                          <a:latin typeface="강한공군체 Medium" panose="020B0600000101010101" pitchFamily="34" charset="-127"/>
+                          <a:ea typeface="강한공군체 Medium" panose="020B0600000101010101" pitchFamily="34" charset="-127"/>
+                        </a:rPr>
                         <a:t>주차</a:t>
                       </a:r>
                     </a:p>
                   </a:txBody>
-                  <a:tcPr/>
+                  <a:tcPr anchor="ctr"/>
                 </a:tc>
                 <a:tc>
                   <a:txBody>
@@ -13626,10 +11108,13 @@
                     <a:lstStyle/>
                     <a:p>
                       <a:pPr algn="ctr" latinLnBrk="1"/>
-                      <a:endParaRPr lang="ko-KR" altLang="en-US"/>
+                      <a:endParaRPr lang="ko-KR" altLang="en-US" sz="1600" dirty="0">
+                        <a:latin typeface="강한공군체 Medium" panose="020B0600000101010101" pitchFamily="34" charset="-127"/>
+                        <a:ea typeface="강한공군체 Medium" panose="020B0600000101010101" pitchFamily="34" charset="-127"/>
+                      </a:endParaRPr>
                     </a:p>
                   </a:txBody>
-                  <a:tcPr/>
+                  <a:tcPr anchor="ctr"/>
                 </a:tc>
                 <a:tc>
                   <a:txBody>
@@ -13637,7 +11122,10 @@
                     <a:lstStyle/>
                     <a:p>
                       <a:pPr algn="ctr" latinLnBrk="1"/>
-                      <a:endParaRPr lang="ko-KR" altLang="en-US" dirty="0"/>
+                      <a:endParaRPr lang="ko-KR" altLang="en-US" sz="1400" dirty="0">
+                        <a:latin typeface="강한공군체 Medium" panose="020B0600000101010101" pitchFamily="34" charset="-127"/>
+                        <a:ea typeface="강한공군체 Medium" panose="020B0600000101010101" pitchFamily="34" charset="-127"/>
+                      </a:endParaRPr>
                     </a:p>
                   </a:txBody>
                   <a:tcPr/>
@@ -13648,7 +11136,7 @@
                   </a:ext>
                 </a:extLst>
               </a:tr>
-              <a:tr h="545566">
+              <a:tr h="526802">
                 <a:tc>
                   <a:txBody>
                     <a:bodyPr/>
@@ -13656,16 +11144,22 @@
                     <a:p>
                       <a:pPr algn="ctr" latinLnBrk="1"/>
                       <a:r>
-                        <a:rPr lang="en-US" altLang="ko-KR" dirty="0"/>
+                        <a:rPr lang="en-US" altLang="ko-KR" dirty="0">
+                          <a:latin typeface="강한공군체 Medium" panose="020B0600000101010101" pitchFamily="34" charset="-127"/>
+                          <a:ea typeface="강한공군체 Medium" panose="020B0600000101010101" pitchFamily="34" charset="-127"/>
+                        </a:rPr>
                         <a:t>9</a:t>
                       </a:r>
                       <a:r>
-                        <a:rPr lang="ko-KR" altLang="en-US" dirty="0"/>
+                        <a:rPr lang="ko-KR" altLang="en-US" dirty="0">
+                          <a:latin typeface="강한공군체 Medium" panose="020B0600000101010101" pitchFamily="34" charset="-127"/>
+                          <a:ea typeface="강한공군체 Medium" panose="020B0600000101010101" pitchFamily="34" charset="-127"/>
+                        </a:rPr>
                         <a:t>주차</a:t>
                       </a:r>
                     </a:p>
                   </a:txBody>
-                  <a:tcPr/>
+                  <a:tcPr anchor="ctr"/>
                 </a:tc>
                 <a:tc>
                   <a:txBody>
@@ -13673,18 +11167,93 @@
                     <a:lstStyle/>
                     <a:p>
                       <a:pPr algn="ctr" latinLnBrk="1"/>
-                      <a:endParaRPr lang="ko-KR" altLang="en-US"/>
+                      <a:r>
+                        <a:rPr lang="ko-KR" altLang="en-US" sz="1600" dirty="0">
+                          <a:latin typeface="강한공군체 Medium" panose="020B0600000101010101" pitchFamily="34" charset="-127"/>
+                          <a:ea typeface="강한공군체 Medium" panose="020B0600000101010101" pitchFamily="34" charset="-127"/>
+                        </a:rPr>
+                        <a:t>시작과 종료 및 </a:t>
+                      </a:r>
+                      <a:r>
+                        <a:rPr lang="en-US" altLang="ko-KR" sz="1600" dirty="0">
+                          <a:latin typeface="강한공군체 Medium" panose="020B0600000101010101" pitchFamily="34" charset="-127"/>
+                          <a:ea typeface="강한공군체 Medium" panose="020B0600000101010101" pitchFamily="34" charset="-127"/>
+                        </a:rPr>
+                        <a:t>UI</a:t>
+                      </a:r>
+                      <a:endParaRPr lang="ko-KR" altLang="en-US" sz="1600" dirty="0">
+                        <a:latin typeface="강한공군체 Medium" panose="020B0600000101010101" pitchFamily="34" charset="-127"/>
+                        <a:ea typeface="강한공군체 Medium" panose="020B0600000101010101" pitchFamily="34" charset="-127"/>
+                      </a:endParaRPr>
                     </a:p>
                   </a:txBody>
-                  <a:tcPr/>
+                  <a:tcPr anchor="ctr"/>
                 </a:tc>
                 <a:tc>
                   <a:txBody>
                     <a:bodyPr/>
                     <a:lstStyle/>
                     <a:p>
-                      <a:pPr algn="ctr" latinLnBrk="1"/>
-                      <a:endParaRPr lang="ko-KR" altLang="en-US" dirty="0"/>
+                      <a:pPr marL="342900" indent="-342900" algn="ctr" latinLnBrk="1">
+                        <a:buAutoNum type="arabicPeriod"/>
+                      </a:pPr>
+                      <a:r>
+                        <a:rPr lang="ko-KR" altLang="en-US" sz="1400" dirty="0">
+                          <a:latin typeface="강한공군체 Medium" panose="020B0600000101010101" pitchFamily="34" charset="-127"/>
+                          <a:ea typeface="강한공군체 Medium" panose="020B0600000101010101" pitchFamily="34" charset="-127"/>
+                        </a:rPr>
+                        <a:t>실제적인 게임 시작과 종료</a:t>
+                      </a:r>
+                      <a:endParaRPr lang="en-US" altLang="ko-KR" sz="1400" dirty="0">
+                        <a:latin typeface="강한공군체 Medium" panose="020B0600000101010101" pitchFamily="34" charset="-127"/>
+                        <a:ea typeface="강한공군체 Medium" panose="020B0600000101010101" pitchFamily="34" charset="-127"/>
+                      </a:endParaRPr>
+                    </a:p>
+                    <a:p>
+                      <a:pPr marL="342900" indent="-342900" algn="ctr" latinLnBrk="1">
+                        <a:buAutoNum type="arabicPeriod"/>
+                      </a:pPr>
+                      <a:r>
+                        <a:rPr lang="ko-KR" altLang="en-US" sz="1400" dirty="0">
+                          <a:latin typeface="강한공군체 Medium" panose="020B0600000101010101" pitchFamily="34" charset="-127"/>
+                          <a:ea typeface="강한공군체 Medium" panose="020B0600000101010101" pitchFamily="34" charset="-127"/>
+                        </a:rPr>
+                        <a:t>체크포인트 저장</a:t>
+                      </a:r>
+                      <a:endParaRPr lang="en-US" altLang="ko-KR" sz="1400" dirty="0">
+                        <a:latin typeface="강한공군체 Medium" panose="020B0600000101010101" pitchFamily="34" charset="-127"/>
+                        <a:ea typeface="강한공군체 Medium" panose="020B0600000101010101" pitchFamily="34" charset="-127"/>
+                      </a:endParaRPr>
+                    </a:p>
+                    <a:p>
+                      <a:pPr marL="342900" indent="-342900" algn="ctr" latinLnBrk="1">
+                        <a:buAutoNum type="arabicPeriod"/>
+                      </a:pPr>
+                      <a:r>
+                        <a:rPr lang="ko-KR" altLang="en-US" sz="1400" dirty="0">
+                          <a:latin typeface="강한공군체 Medium" panose="020B0600000101010101" pitchFamily="34" charset="-127"/>
+                          <a:ea typeface="강한공군체 Medium" panose="020B0600000101010101" pitchFamily="34" charset="-127"/>
+                        </a:rPr>
+                        <a:t>최종 </a:t>
+                      </a:r>
+                      <a:r>
+                        <a:rPr lang="en-US" altLang="ko-KR" sz="1400" dirty="0">
+                          <a:latin typeface="강한공군체 Medium" panose="020B0600000101010101" pitchFamily="34" charset="-127"/>
+                          <a:ea typeface="강한공군체 Medium" panose="020B0600000101010101" pitchFamily="34" charset="-127"/>
+                        </a:rPr>
+                        <a:t>UI </a:t>
+                      </a:r>
+                      <a:r>
+                        <a:rPr lang="ko-KR" altLang="en-US" sz="1400" dirty="0">
+                          <a:latin typeface="강한공군체 Medium" panose="020B0600000101010101" pitchFamily="34" charset="-127"/>
+                          <a:ea typeface="강한공군체 Medium" panose="020B0600000101010101" pitchFamily="34" charset="-127"/>
+                        </a:rPr>
+                        <a:t>수정</a:t>
+                      </a:r>
+                      <a:endParaRPr lang="en-US" altLang="ko-KR" sz="1400" dirty="0">
+                        <a:latin typeface="강한공군체 Medium" panose="020B0600000101010101" pitchFamily="34" charset="-127"/>
+                        <a:ea typeface="강한공군체 Medium" panose="020B0600000101010101" pitchFamily="34" charset="-127"/>
+                      </a:endParaRPr>
                     </a:p>
                   </a:txBody>
                   <a:tcPr/>
@@ -13695,7 +11264,7 @@
                   </a:ext>
                 </a:extLst>
               </a:tr>
-              <a:tr h="545566">
+              <a:tr h="526802">
                 <a:tc>
                   <a:txBody>
                     <a:bodyPr/>
@@ -13703,16 +11272,22 @@
                     <a:p>
                       <a:pPr algn="ctr" latinLnBrk="1"/>
                       <a:r>
-                        <a:rPr lang="en-US" altLang="ko-KR"/>
+                        <a:rPr lang="en-US" altLang="ko-KR">
+                          <a:latin typeface="강한공군체 Medium" panose="020B0600000101010101" pitchFamily="34" charset="-127"/>
+                          <a:ea typeface="강한공군체 Medium" panose="020B0600000101010101" pitchFamily="34" charset="-127"/>
+                        </a:rPr>
                         <a:t>10</a:t>
                       </a:r>
                       <a:r>
-                        <a:rPr lang="ko-KR" altLang="en-US"/>
+                        <a:rPr lang="ko-KR" altLang="en-US">
+                          <a:latin typeface="강한공군체 Medium" panose="020B0600000101010101" pitchFamily="34" charset="-127"/>
+                          <a:ea typeface="강한공군체 Medium" panose="020B0600000101010101" pitchFamily="34" charset="-127"/>
+                        </a:rPr>
                         <a:t>주차</a:t>
                       </a:r>
                     </a:p>
                   </a:txBody>
-                  <a:tcPr/>
+                  <a:tcPr anchor="ctr"/>
                 </a:tc>
                 <a:tc>
                   <a:txBody>
@@ -13720,18 +11295,52 @@
                     <a:lstStyle/>
                     <a:p>
                       <a:pPr algn="ctr" latinLnBrk="1"/>
-                      <a:endParaRPr lang="ko-KR" altLang="en-US"/>
+                      <a:r>
+                        <a:rPr lang="ko-KR" altLang="en-US" sz="1600" dirty="0">
+                          <a:latin typeface="강한공군체 Medium" panose="020B0600000101010101" pitchFamily="34" charset="-127"/>
+                          <a:ea typeface="강한공군체 Medium" panose="020B0600000101010101" pitchFamily="34" charset="-127"/>
+                        </a:rPr>
+                        <a:t>마무리</a:t>
+                      </a:r>
                     </a:p>
                   </a:txBody>
-                  <a:tcPr/>
+                  <a:tcPr anchor="ctr"/>
                 </a:tc>
                 <a:tc>
                   <a:txBody>
                     <a:bodyPr/>
                     <a:lstStyle/>
                     <a:p>
-                      <a:pPr algn="ctr" latinLnBrk="1"/>
-                      <a:endParaRPr lang="ko-KR" altLang="en-US" dirty="0"/>
+                      <a:pPr marL="342900" indent="-342900" algn="ctr" latinLnBrk="1">
+                        <a:buAutoNum type="arabicPeriod"/>
+                      </a:pPr>
+                      <a:r>
+                        <a:rPr lang="ko-KR" altLang="en-US" sz="1400" dirty="0">
+                          <a:latin typeface="강한공군체 Medium" panose="020B0600000101010101" pitchFamily="34" charset="-127"/>
+                          <a:ea typeface="강한공군체 Medium" panose="020B0600000101010101" pitchFamily="34" charset="-127"/>
+                        </a:rPr>
+                        <a:t>오류 수정</a:t>
+                      </a:r>
+                      <a:endParaRPr lang="en-US" altLang="ko-KR" sz="1400" dirty="0">
+                        <a:latin typeface="강한공군체 Medium" panose="020B0600000101010101" pitchFamily="34" charset="-127"/>
+                        <a:ea typeface="강한공군체 Medium" panose="020B0600000101010101" pitchFamily="34" charset="-127"/>
+                      </a:endParaRPr>
+                    </a:p>
+                    <a:p>
+                      <a:pPr marL="342900" indent="-342900" algn="ctr" latinLnBrk="1">
+                        <a:buAutoNum type="arabicPeriod"/>
+                      </a:pPr>
+                      <a:r>
+                        <a:rPr lang="ko-KR" altLang="en-US" sz="1400" dirty="0">
+                          <a:latin typeface="강한공군체 Medium" panose="020B0600000101010101" pitchFamily="34" charset="-127"/>
+                          <a:ea typeface="강한공군체 Medium" panose="020B0600000101010101" pitchFamily="34" charset="-127"/>
+                        </a:rPr>
+                        <a:t>최종 점검 및 릴리즈</a:t>
+                      </a:r>
+                      <a:endParaRPr lang="en-US" altLang="ko-KR" sz="1400" dirty="0">
+                        <a:latin typeface="강한공군체 Medium" panose="020B0600000101010101" pitchFamily="34" charset="-127"/>
+                        <a:ea typeface="강한공군체 Medium" panose="020B0600000101010101" pitchFamily="34" charset="-127"/>
+                      </a:endParaRPr>
                     </a:p>
                   </a:txBody>
                   <a:tcPr/>
@@ -13746,6 +11355,53 @@
           </a:graphicData>
         </a:graphic>
       </p:graphicFrame>
+      <p:pic>
+        <p:nvPicPr>
+          <p:cNvPr id="5" name="Picture 2">
+            <a:extLst>
+              <a:ext uri="{FF2B5EF4-FFF2-40B4-BE49-F238E27FC236}">
+                <a16:creationId xmlns:a16="http://schemas.microsoft.com/office/drawing/2014/main" id="{9751418A-A8C4-55D1-9187-BE4EA2A61DA9}"/>
+              </a:ext>
+            </a:extLst>
+          </p:cNvPr>
+          <p:cNvPicPr>
+            <a:picLocks noChangeAspect="1" noChangeArrowheads="1"/>
+          </p:cNvPicPr>
+          <p:nvPr/>
+        </p:nvPicPr>
+        <p:blipFill>
+          <a:blip r:embed="rId2">
+            <a:extLst>
+              <a:ext uri="{28A0092B-C50C-407E-A947-70E740481C1C}">
+                <a14:useLocalDpi xmlns:a14="http://schemas.microsoft.com/office/drawing/2010/main" val="0"/>
+              </a:ext>
+            </a:extLst>
+          </a:blip>
+          <a:srcRect/>
+          <a:stretch>
+            <a:fillRect/>
+          </a:stretch>
+        </p:blipFill>
+        <p:spPr bwMode="auto">
+          <a:xfrm>
+            <a:off x="10549750" y="4878990"/>
+            <a:ext cx="1418222" cy="1648683"/>
+          </a:xfrm>
+          <a:prstGeom prst="rect">
+            <a:avLst/>
+          </a:prstGeom>
+          <a:noFill/>
+          <a:extLst>
+            <a:ext uri="{909E8E84-426E-40DD-AFC4-6F175D3DCCD1}">
+              <a14:hiddenFill xmlns:a14="http://schemas.microsoft.com/office/drawing/2010/main">
+                <a:solidFill>
+                  <a:srgbClr val="FFFFFF"/>
+                </a:solidFill>
+              </a14:hiddenFill>
+            </a:ext>
+          </a:extLst>
+        </p:spPr>
+      </p:pic>
     </p:spTree>
     <p:extLst>
       <p:ext uri="{BB962C8B-B14F-4D97-AF65-F5344CB8AC3E}">
@@ -14052,4 +11708,299 @@
     </a:ext>
   </a:extLst>
 </a:theme>
+</file>
+
+<file path=ppt/theme/theme2.xml><?xml version="1.0" encoding="utf-8"?>
+<a:theme xmlns:a="http://schemas.openxmlformats.org/drawingml/2006/main" name="Office 테마">
+  <a:themeElements>
+    <a:clrScheme name="Office">
+      <a:dk1>
+        <a:sysClr val="windowText" lastClr="000000"/>
+      </a:dk1>
+      <a:lt1>
+        <a:sysClr val="window" lastClr="FFFFFF"/>
+      </a:lt1>
+      <a:dk2>
+        <a:srgbClr val="44546A"/>
+      </a:dk2>
+      <a:lt2>
+        <a:srgbClr val="E7E6E6"/>
+      </a:lt2>
+      <a:accent1>
+        <a:srgbClr val="4472C4"/>
+      </a:accent1>
+      <a:accent2>
+        <a:srgbClr val="ED7D31"/>
+      </a:accent2>
+      <a:accent3>
+        <a:srgbClr val="A5A5A5"/>
+      </a:accent3>
+      <a:accent4>
+        <a:srgbClr val="FFC000"/>
+      </a:accent4>
+      <a:accent5>
+        <a:srgbClr val="5B9BD5"/>
+      </a:accent5>
+      <a:accent6>
+        <a:srgbClr val="70AD47"/>
+      </a:accent6>
+      <a:hlink>
+        <a:srgbClr val="0563C1"/>
+      </a:hlink>
+      <a:folHlink>
+        <a:srgbClr val="954F72"/>
+      </a:folHlink>
+    </a:clrScheme>
+    <a:fontScheme name="Office">
+      <a:majorFont>
+        <a:latin typeface="맑은 고딕" panose="020F0302020204030204"/>
+        <a:ea typeface=""/>
+        <a:cs typeface=""/>
+        <a:font script="Jpan" typeface="游ゴシック Light"/>
+        <a:font script="Hang" typeface="맑은 고딕"/>
+        <a:font script="Hans" typeface="等线 Light"/>
+        <a:font script="Hant" typeface="新細明體"/>
+        <a:font script="Arab" typeface="Times New Roman"/>
+        <a:font script="Hebr" typeface="Times New Roman"/>
+        <a:font script="Thai" typeface="Angsana New"/>
+        <a:font script="Ethi" typeface="Nyala"/>
+        <a:font script="Beng" typeface="Vrinda"/>
+        <a:font script="Gujr" typeface="Shruti"/>
+        <a:font script="Khmr" typeface="MoolBoran"/>
+        <a:font script="Knda" typeface="Tunga"/>
+        <a:font script="Guru" typeface="Raavi"/>
+        <a:font script="Cans" typeface="Euphemia"/>
+        <a:font script="Cher" typeface="Plantagenet Cherokee"/>
+        <a:font script="Yiii" typeface="Microsoft Yi Baiti"/>
+        <a:font script="Tibt" typeface="Microsoft Himalaya"/>
+        <a:font script="Thaa" typeface="MV Boli"/>
+        <a:font script="Deva" typeface="Mangal"/>
+        <a:font script="Telu" typeface="Gautami"/>
+        <a:font script="Taml" typeface="Latha"/>
+        <a:font script="Syrc" typeface="Estrangelo Edessa"/>
+        <a:font script="Orya" typeface="Kalinga"/>
+        <a:font script="Mlym" typeface="Kartika"/>
+        <a:font script="Laoo" typeface="DokChampa"/>
+        <a:font script="Sinh" typeface="Iskoola Pota"/>
+        <a:font script="Mong" typeface="Mongolian Baiti"/>
+        <a:font script="Viet" typeface="Times New Roman"/>
+        <a:font script="Uigh" typeface="Microsoft Uighur"/>
+        <a:font script="Geor" typeface="Sylfaen"/>
+        <a:font script="Armn" typeface="Arial"/>
+        <a:font script="Bugi" typeface="Leelawadee UI"/>
+        <a:font script="Bopo" typeface="Microsoft JhengHei"/>
+        <a:font script="Java" typeface="Javanese Text"/>
+        <a:font script="Lisu" typeface="Segoe UI"/>
+        <a:font script="Mymr" typeface="Myanmar Text"/>
+        <a:font script="Nkoo" typeface="Ebrima"/>
+        <a:font script="Olck" typeface="Nirmala UI"/>
+        <a:font script="Osma" typeface="Ebrima"/>
+        <a:font script="Phag" typeface="Phagspa"/>
+        <a:font script="Syrn" typeface="Estrangelo Edessa"/>
+        <a:font script="Syrj" typeface="Estrangelo Edessa"/>
+        <a:font script="Syre" typeface="Estrangelo Edessa"/>
+        <a:font script="Sora" typeface="Nirmala UI"/>
+        <a:font script="Tale" typeface="Microsoft Tai Le"/>
+        <a:font script="Talu" typeface="Microsoft New Tai Lue"/>
+        <a:font script="Tfng" typeface="Ebrima"/>
+      </a:majorFont>
+      <a:minorFont>
+        <a:latin typeface="맑은 고딕" panose="020F0502020204030204"/>
+        <a:ea typeface=""/>
+        <a:cs typeface=""/>
+        <a:font script="Jpan" typeface="游ゴシック"/>
+        <a:font script="Hang" typeface="맑은 고딕"/>
+        <a:font script="Hans" typeface="等线"/>
+        <a:font script="Hant" typeface="新細明體"/>
+        <a:font script="Arab" typeface="Arial"/>
+        <a:font script="Hebr" typeface="Arial"/>
+        <a:font script="Thai" typeface="Cordia New"/>
+        <a:font script="Ethi" typeface="Nyala"/>
+        <a:font script="Beng" typeface="Vrinda"/>
+        <a:font script="Gujr" typeface="Shruti"/>
+        <a:font script="Khmr" typeface="DaunPenh"/>
+        <a:font script="Knda" typeface="Tunga"/>
+        <a:font script="Guru" typeface="Raavi"/>
+        <a:font script="Cans" typeface="Euphemia"/>
+        <a:font script="Cher" typeface="Plantagenet Cherokee"/>
+        <a:font script="Yiii" typeface="Microsoft Yi Baiti"/>
+        <a:font script="Tibt" typeface="Microsoft Himalaya"/>
+        <a:font script="Thaa" typeface="MV Boli"/>
+        <a:font script="Deva" typeface="Mangal"/>
+        <a:font script="Telu" typeface="Gautami"/>
+        <a:font script="Taml" typeface="Latha"/>
+        <a:font script="Syrc" typeface="Estrangelo Edessa"/>
+        <a:font script="Orya" typeface="Kalinga"/>
+        <a:font script="Mlym" typeface="Kartika"/>
+        <a:font script="Laoo" typeface="DokChampa"/>
+        <a:font script="Sinh" typeface="Iskoola Pota"/>
+        <a:font script="Mong" typeface="Mongolian Baiti"/>
+        <a:font script="Viet" typeface="Arial"/>
+        <a:font script="Uigh" typeface="Microsoft Uighur"/>
+        <a:font script="Geor" typeface="Sylfaen"/>
+        <a:font script="Armn" typeface="Arial"/>
+        <a:font script="Bugi" typeface="Leelawadee UI"/>
+        <a:font script="Bopo" typeface="Microsoft JhengHei"/>
+        <a:font script="Java" typeface="Javanese Text"/>
+        <a:font script="Lisu" typeface="Segoe UI"/>
+        <a:font script="Mymr" typeface="Myanmar Text"/>
+        <a:font script="Nkoo" typeface="Ebrima"/>
+        <a:font script="Olck" typeface="Nirmala UI"/>
+        <a:font script="Osma" typeface="Ebrima"/>
+        <a:font script="Phag" typeface="Phagspa"/>
+        <a:font script="Syrn" typeface="Estrangelo Edessa"/>
+        <a:font script="Syrj" typeface="Estrangelo Edessa"/>
+        <a:font script="Syre" typeface="Estrangelo Edessa"/>
+        <a:font script="Sora" typeface="Nirmala UI"/>
+        <a:font script="Tale" typeface="Microsoft Tai Le"/>
+        <a:font script="Talu" typeface="Microsoft New Tai Lue"/>
+        <a:font script="Tfng" typeface="Ebrima"/>
+      </a:minorFont>
+    </a:fontScheme>
+    <a:fmtScheme name="Office">
+      <a:fillStyleLst>
+        <a:solidFill>
+          <a:schemeClr val="phClr"/>
+        </a:solidFill>
+        <a:gradFill rotWithShape="1">
+          <a:gsLst>
+            <a:gs pos="0">
+              <a:schemeClr val="phClr">
+                <a:lumMod val="110000"/>
+                <a:satMod val="105000"/>
+                <a:tint val="67000"/>
+              </a:schemeClr>
+            </a:gs>
+            <a:gs pos="50000">
+              <a:schemeClr val="phClr">
+                <a:lumMod val="105000"/>
+                <a:satMod val="103000"/>
+                <a:tint val="73000"/>
+              </a:schemeClr>
+            </a:gs>
+            <a:gs pos="100000">
+              <a:schemeClr val="phClr">
+                <a:lumMod val="105000"/>
+                <a:satMod val="109000"/>
+                <a:tint val="81000"/>
+              </a:schemeClr>
+            </a:gs>
+          </a:gsLst>
+          <a:lin ang="5400000" scaled="0"/>
+        </a:gradFill>
+        <a:gradFill rotWithShape="1">
+          <a:gsLst>
+            <a:gs pos="0">
+              <a:schemeClr val="phClr">
+                <a:satMod val="103000"/>
+                <a:lumMod val="102000"/>
+                <a:tint val="94000"/>
+              </a:schemeClr>
+            </a:gs>
+            <a:gs pos="50000">
+              <a:schemeClr val="phClr">
+                <a:satMod val="110000"/>
+                <a:lumMod val="100000"/>
+                <a:shade val="100000"/>
+              </a:schemeClr>
+            </a:gs>
+            <a:gs pos="100000">
+              <a:schemeClr val="phClr">
+                <a:lumMod val="99000"/>
+                <a:satMod val="120000"/>
+                <a:shade val="78000"/>
+              </a:schemeClr>
+            </a:gs>
+          </a:gsLst>
+          <a:lin ang="5400000" scaled="0"/>
+        </a:gradFill>
+      </a:fillStyleLst>
+      <a:lnStyleLst>
+        <a:ln w="6350" cap="flat" cmpd="sng" algn="ctr">
+          <a:solidFill>
+            <a:schemeClr val="phClr"/>
+          </a:solidFill>
+          <a:prstDash val="solid"/>
+          <a:miter lim="800000"/>
+        </a:ln>
+        <a:ln w="12700" cap="flat" cmpd="sng" algn="ctr">
+          <a:solidFill>
+            <a:schemeClr val="phClr"/>
+          </a:solidFill>
+          <a:prstDash val="solid"/>
+          <a:miter lim="800000"/>
+        </a:ln>
+        <a:ln w="19050" cap="flat" cmpd="sng" algn="ctr">
+          <a:solidFill>
+            <a:schemeClr val="phClr"/>
+          </a:solidFill>
+          <a:prstDash val="solid"/>
+          <a:miter lim="800000"/>
+        </a:ln>
+      </a:lnStyleLst>
+      <a:effectStyleLst>
+        <a:effectStyle>
+          <a:effectLst/>
+        </a:effectStyle>
+        <a:effectStyle>
+          <a:effectLst/>
+        </a:effectStyle>
+        <a:effectStyle>
+          <a:effectLst>
+            <a:outerShdw blurRad="57150" dist="19050" dir="5400000" algn="ctr" rotWithShape="0">
+              <a:srgbClr val="000000">
+                <a:alpha val="63000"/>
+              </a:srgbClr>
+            </a:outerShdw>
+          </a:effectLst>
+        </a:effectStyle>
+      </a:effectStyleLst>
+      <a:bgFillStyleLst>
+        <a:solidFill>
+          <a:schemeClr val="phClr"/>
+        </a:solidFill>
+        <a:solidFill>
+          <a:schemeClr val="phClr">
+            <a:tint val="95000"/>
+            <a:satMod val="170000"/>
+          </a:schemeClr>
+        </a:solidFill>
+        <a:gradFill rotWithShape="1">
+          <a:gsLst>
+            <a:gs pos="0">
+              <a:schemeClr val="phClr">
+                <a:tint val="93000"/>
+                <a:satMod val="150000"/>
+                <a:shade val="98000"/>
+                <a:lumMod val="102000"/>
+              </a:schemeClr>
+            </a:gs>
+            <a:gs pos="50000">
+              <a:schemeClr val="phClr">
+                <a:tint val="98000"/>
+                <a:satMod val="130000"/>
+                <a:shade val="90000"/>
+                <a:lumMod val="103000"/>
+              </a:schemeClr>
+            </a:gs>
+            <a:gs pos="100000">
+              <a:schemeClr val="phClr">
+                <a:shade val="63000"/>
+                <a:satMod val="120000"/>
+              </a:schemeClr>
+            </a:gs>
+          </a:gsLst>
+          <a:lin ang="5400000" scaled="0"/>
+        </a:gradFill>
+      </a:bgFillStyleLst>
+    </a:fmtScheme>
+  </a:themeElements>
+  <a:objectDefaults/>
+  <a:extraClrSchemeLst/>
+  <a:extLst>
+    <a:ext uri="{05A4C25C-085E-4340-85A3-A5531E510DB2}">
+      <thm15:themeFamily xmlns:thm15="http://schemas.microsoft.com/office/thememl/2012/main" name="Office Theme" id="{62F939B6-93AF-4DB8-9C6B-D6C7DFDC589F}" vid="{4A3C46E8-61CC-4603-A589-7422A47A8E4A}"/>
+    </a:ext>
+  </a:extLst>
+</a:theme>
 </file>
--- a/프로젝트1차/프로젝트 1차 발표 ppt.pptx
+++ b/프로젝트1차/프로젝트 1차 발표 ppt.pptx
@@ -6015,15 +6015,6 @@
           <a:effectLst>
             <a:reflection blurRad="12700" stA="38000" endPos="28000" dist="5000" dir="5400000" sy="-100000" algn="bl" rotWithShape="0"/>
           </a:effectLst>
-          <a:extLst>
-            <a:ext uri="{909E8E84-426E-40DD-AFC4-6F175D3DCCD1}">
-              <a14:hiddenFill xmlns:a14="http://schemas.microsoft.com/office/drawing/2010/main">
-                <a:solidFill>
-                  <a:srgbClr val="FFFFFF"/>
-                </a:solidFill>
-              </a14:hiddenFill>
-            </a:ext>
-          </a:extLst>
         </p:spPr>
       </p:pic>
       <p:sp>
@@ -7296,14 +7287,14 @@
           <p:nvPr>
             <p:extLst>
               <p:ext uri="{D42A27DB-BD31-4B8C-83A1-F6EECF244321}">
-                <p14:modId xmlns:p14="http://schemas.microsoft.com/office/powerpoint/2010/main" val="1309751576"/>
+                <p14:modId xmlns:p14="http://schemas.microsoft.com/office/powerpoint/2010/main" val="4019428123"/>
               </p:ext>
             </p:extLst>
           </p:nvPr>
         </p:nvGraphicFramePr>
         <p:xfrm>
-          <a:off x="1722170" y="685725"/>
-          <a:ext cx="8863768" cy="5940509"/>
+          <a:off x="1625026" y="685726"/>
+          <a:ext cx="8806617" cy="6013164"/>
         </p:xfrm>
         <a:graphic>
           <a:graphicData uri="http://schemas.openxmlformats.org/drawingml/2006/table">
@@ -7312,21 +7303,21 @@
                 <a:tableStyleId>{5940675A-B579-460E-94D1-54222C63F5DA}</a:tableStyleId>
               </a:tblPr>
               <a:tblGrid>
-                <a:gridCol w="1197462">
+                <a:gridCol w="1189741">
                   <a:extLst>
                     <a:ext uri="{9D8B030D-6E8A-4147-A177-3AD203B41FA5}">
                       <a16:colId xmlns:a16="http://schemas.microsoft.com/office/drawing/2014/main" val="1947379619"/>
                     </a:ext>
                   </a:extLst>
                 </a:gridCol>
-                <a:gridCol w="4043637">
+                <a:gridCol w="4017565">
                   <a:extLst>
                     <a:ext uri="{9D8B030D-6E8A-4147-A177-3AD203B41FA5}">
                       <a16:colId xmlns:a16="http://schemas.microsoft.com/office/drawing/2014/main" val="3099758574"/>
                     </a:ext>
                   </a:extLst>
                 </a:gridCol>
-                <a:gridCol w="3622669">
+                <a:gridCol w="3599311">
                   <a:extLst>
                     <a:ext uri="{9D8B030D-6E8A-4147-A177-3AD203B41FA5}">
                       <a16:colId xmlns:a16="http://schemas.microsoft.com/office/drawing/2014/main" val="1323198154"/>
@@ -7334,7 +7325,7 @@
                   </a:extLst>
                 </a:gridCol>
               </a:tblGrid>
-              <a:tr h="363511">
+              <a:tr h="360318">
                 <a:tc>
                   <a:txBody>
                     <a:bodyPr/>
@@ -7350,7 +7341,7 @@
                       </a:r>
                     </a:p>
                   </a:txBody>
-                  <a:tcPr/>
+                  <a:tcPr anchor="ctr"/>
                 </a:tc>
                 <a:tc>
                   <a:txBody>
@@ -7367,7 +7358,7 @@
                       </a:r>
                     </a:p>
                   </a:txBody>
-                  <a:tcPr/>
+                  <a:tcPr anchor="ctr"/>
                 </a:tc>
                 <a:tc>
                   <a:txBody>
@@ -7384,7 +7375,7 @@
                       </a:r>
                     </a:p>
                   </a:txBody>
-                  <a:tcPr/>
+                  <a:tcPr anchor="ctr"/>
                 </a:tc>
                 <a:extLst>
                   <a:ext uri="{0D108BD9-81ED-4DB2-BD59-A6C34878D82A}">
@@ -7392,7 +7383,7 @@
                   </a:ext>
                 </a:extLst>
               </a:tr>
-              <a:tr h="626914">
+              <a:tr h="621407">
                 <a:tc>
                   <a:txBody>
                     <a:bodyPr/>
@@ -7422,7 +7413,7 @@
                       </a:r>
                     </a:p>
                   </a:txBody>
-                  <a:tcPr/>
+                  <a:tcPr anchor="ctr"/>
                 </a:tc>
                 <a:tc>
                   <a:txBody>
@@ -7491,7 +7482,7 @@
                       </a:r>
                     </a:p>
                   </a:txBody>
-                  <a:tcPr/>
+                  <a:tcPr anchor="ctr"/>
                 </a:tc>
                 <a:tc>
                   <a:txBody>
@@ -7508,7 +7499,7 @@
                       </a:r>
                     </a:p>
                   </a:txBody>
-                  <a:tcPr/>
+                  <a:tcPr anchor="ctr"/>
                 </a:tc>
                 <a:extLst>
                   <a:ext uri="{0D108BD9-81ED-4DB2-BD59-A6C34878D82A}">
@@ -7516,7 +7507,7 @@
                   </a:ext>
                 </a:extLst>
               </a:tr>
-              <a:tr h="626914">
+              <a:tr h="621407">
                 <a:tc>
                   <a:txBody>
                     <a:bodyPr/>
@@ -7546,7 +7537,7 @@
                       </a:r>
                     </a:p>
                   </a:txBody>
-                  <a:tcPr/>
+                  <a:tcPr anchor="ctr"/>
                 </a:tc>
                 <a:tc>
                   <a:txBody>
@@ -7598,7 +7589,7 @@
                       </a:r>
                     </a:p>
                   </a:txBody>
-                  <a:tcPr/>
+                  <a:tcPr anchor="ctr"/>
                 </a:tc>
                 <a:tc>
                   <a:txBody>
@@ -7615,7 +7606,7 @@
                       </a:r>
                     </a:p>
                   </a:txBody>
-                  <a:tcPr/>
+                  <a:tcPr anchor="ctr"/>
                 </a:tc>
                 <a:extLst>
                   <a:ext uri="{0D108BD9-81ED-4DB2-BD59-A6C34878D82A}">
@@ -7623,7 +7614,7 @@
                   </a:ext>
                 </a:extLst>
               </a:tr>
-              <a:tr h="626914">
+              <a:tr h="621407">
                 <a:tc>
                   <a:txBody>
                     <a:bodyPr/>
@@ -7639,7 +7630,7 @@
                       </a:r>
                     </a:p>
                   </a:txBody>
-                  <a:tcPr/>
+                  <a:tcPr anchor="ctr"/>
                 </a:tc>
                 <a:tc>
                   <a:txBody>
@@ -7673,7 +7664,7 @@
                       </a:r>
                     </a:p>
                   </a:txBody>
-                  <a:tcPr/>
+                  <a:tcPr anchor="ctr"/>
                 </a:tc>
                 <a:tc>
                   <a:txBody>
@@ -7718,7 +7709,7 @@
                       </a:r>
                     </a:p>
                   </a:txBody>
-                  <a:tcPr/>
+                  <a:tcPr anchor="ctr"/>
                 </a:tc>
                 <a:extLst>
                   <a:ext uri="{0D108BD9-81ED-4DB2-BD59-A6C34878D82A}">
@@ -7726,7 +7717,7 @@
                   </a:ext>
                 </a:extLst>
               </a:tr>
-              <a:tr h="766028">
+              <a:tr h="759298">
                 <a:tc>
                   <a:txBody>
                     <a:bodyPr/>
@@ -7753,7 +7744,7 @@
                       </a:endParaRPr>
                     </a:p>
                   </a:txBody>
-                  <a:tcPr/>
+                  <a:tcPr anchor="ctr"/>
                 </a:tc>
                 <a:tc>
                   <a:txBody>
@@ -7766,14 +7757,14 @@
                           <a:latin typeface="강한공군체 Medium" panose="020B0600000101010101" pitchFamily="34" charset="-127"/>
                           <a:ea typeface="강한공군체 Medium" panose="020B0600000101010101" pitchFamily="34" charset="-127"/>
                         </a:rPr>
-                        <a:t>공중의 적</a:t>
+                        <a:t>비행하는 적</a:t>
                       </a:r>
                       <a:r>
                         <a:rPr lang="en-US" altLang="ko-KR" sz="1400" dirty="0">
                           <a:latin typeface="강한공군체 Medium" panose="020B0600000101010101" pitchFamily="34" charset="-127"/>
                           <a:ea typeface="강한공군체 Medium" panose="020B0600000101010101" pitchFamily="34" charset="-127"/>
                         </a:rPr>
-                        <a:t>: </a:t>
+                        <a:t>1: </a:t>
                       </a:r>
                       <a:r>
                         <a:rPr lang="ko-KR" altLang="en-US" sz="1400" dirty="0">
@@ -7794,7 +7785,7 @@
                           <a:latin typeface="강한공군체 Medium" panose="020B0600000101010101" pitchFamily="34" charset="-127"/>
                           <a:ea typeface="강한공군체 Medium" panose="020B0600000101010101" pitchFamily="34" charset="-127"/>
                         </a:rPr>
-                        <a:t>적</a:t>
+                        <a:t>지면의 적</a:t>
                       </a:r>
                       <a:r>
                         <a:rPr lang="en-US" altLang="ko-KR" sz="1400" dirty="0">
@@ -7808,11 +7799,25 @@
                           <a:latin typeface="강한공군체 Medium" panose="020B0600000101010101" pitchFamily="34" charset="-127"/>
                           <a:ea typeface="강한공군체 Medium" panose="020B0600000101010101" pitchFamily="34" charset="-127"/>
                         </a:rPr>
-                        <a:t>일정범위 내에 들어오면 돌진하며 공격</a:t>
+                        <a:t>일정범위 내에 들어오면 </a:t>
+                      </a:r>
+                      <a:endParaRPr lang="en-US" altLang="ko-KR" sz="1400" dirty="0">
+                        <a:latin typeface="강한공군체 Medium" panose="020B0600000101010101" pitchFamily="34" charset="-127"/>
+                        <a:ea typeface="강한공군체 Medium" panose="020B0600000101010101" pitchFamily="34" charset="-127"/>
+                      </a:endParaRPr>
+                    </a:p>
+                    <a:p>
+                      <a:pPr algn="ctr" latinLnBrk="1"/>
+                      <a:r>
+                        <a:rPr lang="ko-KR" altLang="en-US" sz="1400" dirty="0">
+                          <a:latin typeface="강한공군체 Medium" panose="020B0600000101010101" pitchFamily="34" charset="-127"/>
+                          <a:ea typeface="강한공군체 Medium" panose="020B0600000101010101" pitchFamily="34" charset="-127"/>
+                        </a:rPr>
+                        <a:t>돌진하며 공격</a:t>
                       </a:r>
                     </a:p>
                   </a:txBody>
-                  <a:tcPr/>
+                  <a:tcPr anchor="ctr"/>
                 </a:tc>
                 <a:tc>
                   <a:txBody>
@@ -7847,7 +7852,7 @@
                       </a:endParaRPr>
                     </a:p>
                   </a:txBody>
-                  <a:tcPr/>
+                  <a:tcPr anchor="ctr"/>
                 </a:tc>
                 <a:extLst>
                   <a:ext uri="{0D108BD9-81ED-4DB2-BD59-A6C34878D82A}">
@@ -7855,7 +7860,7 @@
                   </a:ext>
                 </a:extLst>
               </a:tr>
-              <a:tr h="626914">
+              <a:tr h="729681">
                 <a:tc>
                   <a:txBody>
                     <a:bodyPr/>
@@ -7871,7 +7876,7 @@
                       </a:r>
                     </a:p>
                   </a:txBody>
-                  <a:tcPr/>
+                  <a:tcPr anchor="ctr"/>
                 </a:tc>
                 <a:tc>
                   <a:txBody>
@@ -7884,7 +7889,7 @@
                           <a:latin typeface="강한공군체 Medium" panose="020B0600000101010101" pitchFamily="34" charset="-127"/>
                           <a:ea typeface="강한공군체 Medium" panose="020B0600000101010101" pitchFamily="34" charset="-127"/>
                         </a:rPr>
-                        <a:t>일반 난이도 체크포인트 </a:t>
+                        <a:t>기본 난이도 체크포인트 </a:t>
                       </a:r>
                       <a:r>
                         <a:rPr lang="en-US" altLang="ko-KR" sz="1400" dirty="0">
@@ -7893,374 +7898,14 @@
                         </a:rPr>
                         <a:t>O</a:t>
                       </a:r>
-                    </a:p>
-                    <a:p>
-                      <a:pPr algn="ctr" latinLnBrk="1"/>
-                      <a:r>
-                        <a:rPr lang="ko-KR" altLang="en-US" sz="1400" dirty="0">
-                          <a:latin typeface="강한공군체 Medium" panose="020B0600000101010101" pitchFamily="34" charset="-127"/>
-                          <a:ea typeface="강한공군체 Medium" panose="020B0600000101010101" pitchFamily="34" charset="-127"/>
-                        </a:rPr>
-                        <a:t>난이도 </a:t>
-                      </a:r>
-                      <a:r>
-                        <a:rPr lang="ko-KR" altLang="en-US" sz="1400" dirty="0" err="1">
-                          <a:latin typeface="강한공군체 Medium" panose="020B0600000101010101" pitchFamily="34" charset="-127"/>
-                          <a:ea typeface="강한공군체 Medium" panose="020B0600000101010101" pitchFamily="34" charset="-127"/>
-                        </a:rPr>
-                        <a:t>증가시</a:t>
-                      </a:r>
-                      <a:r>
-                        <a:rPr lang="ko-KR" altLang="en-US" sz="1400" dirty="0">
-                          <a:latin typeface="강한공군체 Medium" panose="020B0600000101010101" pitchFamily="34" charset="-127"/>
-                          <a:ea typeface="강한공군체 Medium" panose="020B0600000101010101" pitchFamily="34" charset="-127"/>
-                        </a:rPr>
-                        <a:t> 체크포인트 </a:t>
-                      </a:r>
-                      <a:r>
-                        <a:rPr lang="en-US" altLang="ko-KR" sz="1400" dirty="0">
-                          <a:latin typeface="강한공군체 Medium" panose="020B0600000101010101" pitchFamily="34" charset="-127"/>
-                          <a:ea typeface="강한공군체 Medium" panose="020B0600000101010101" pitchFamily="34" charset="-127"/>
-                        </a:rPr>
-                        <a:t>X</a:t>
-                      </a:r>
-                      <a:endParaRPr lang="ko-KR" altLang="en-US" sz="1400" dirty="0">
-                        <a:latin typeface="강한공군체 Medium" panose="020B0600000101010101" pitchFamily="34" charset="-127"/>
-                        <a:ea typeface="강한공군체 Medium" panose="020B0600000101010101" pitchFamily="34" charset="-127"/>
-                      </a:endParaRPr>
                     </a:p>
                   </a:txBody>
-                  <a:tcPr/>
+                  <a:tcPr anchor="ctr"/>
                 </a:tc>
                 <a:tc>
                   <a:txBody>
                     <a:bodyPr/>
                     <a:lstStyle/>
-                    <a:p>
-                      <a:pPr algn="ctr" latinLnBrk="1"/>
-                      <a:r>
-                        <a:rPr lang="ko-KR" altLang="en-US" sz="1400" dirty="0">
-                          <a:latin typeface="강한공군체 Medium" panose="020B0600000101010101" pitchFamily="34" charset="-127"/>
-                          <a:ea typeface="강한공군체 Medium" panose="020B0600000101010101" pitchFamily="34" charset="-127"/>
-                        </a:rPr>
-                        <a:t>최종보스에서 난이도 상승</a:t>
-                      </a:r>
-                      <a:r>
-                        <a:rPr lang="en-US" altLang="ko-KR" sz="1400" dirty="0">
-                          <a:latin typeface="강한공군체 Medium" panose="020B0600000101010101" pitchFamily="34" charset="-127"/>
-                          <a:ea typeface="강한공군체 Medium" panose="020B0600000101010101" pitchFamily="34" charset="-127"/>
-                        </a:rPr>
-                        <a:t> : </a:t>
-                      </a:r>
-                      <a:r>
-                        <a:rPr lang="ko-KR" altLang="en-US" sz="1400" dirty="0">
-                          <a:latin typeface="강한공군체 Medium" panose="020B0600000101010101" pitchFamily="34" charset="-127"/>
-                          <a:ea typeface="강한공군체 Medium" panose="020B0600000101010101" pitchFamily="34" charset="-127"/>
-                        </a:rPr>
-                        <a:t>다른 공격 모션 및 데미지 상승</a:t>
-                      </a:r>
-                    </a:p>
-                  </a:txBody>
-                  <a:tcPr/>
-                </a:tc>
-                <a:extLst>
-                  <a:ext uri="{0D108BD9-81ED-4DB2-BD59-A6C34878D82A}">
-                    <a16:rowId xmlns:a16="http://schemas.microsoft.com/office/drawing/2014/main" val="3557066716"/>
-                  </a:ext>
-                </a:extLst>
-              </a:tr>
-              <a:tr h="1112834">
-                <a:tc>
-                  <a:txBody>
-                    <a:bodyPr/>
-                    <a:lstStyle/>
-                    <a:p>
-                      <a:pPr algn="ctr" latinLnBrk="1"/>
-                      <a:r>
-                        <a:rPr lang="ko-KR" altLang="en-US" sz="1400" dirty="0">
-                          <a:latin typeface="강한공군체 Medium" panose="020B0600000101010101" pitchFamily="34" charset="-127"/>
-                          <a:ea typeface="강한공군체 Medium" panose="020B0600000101010101" pitchFamily="34" charset="-127"/>
-                        </a:rPr>
-                        <a:t>게임기능</a:t>
-                      </a:r>
-                    </a:p>
-                  </a:txBody>
-                  <a:tcPr/>
-                </a:tc>
-                <a:tc>
-                  <a:txBody>
-                    <a:bodyPr/>
-                    <a:lstStyle/>
-                    <a:p>
-                      <a:pPr algn="ctr" latinLnBrk="1"/>
-                      <a:r>
-                        <a:rPr lang="ko-KR" altLang="en-US" sz="1400" dirty="0">
-                          <a:latin typeface="강한공군체 Medium" panose="020B0600000101010101" pitchFamily="34" charset="-127"/>
-                          <a:ea typeface="강한공군체 Medium" panose="020B0600000101010101" pitchFamily="34" charset="-127"/>
-                        </a:rPr>
-                        <a:t>난이도 선택 가능</a:t>
-                      </a:r>
-                      <a:endParaRPr lang="en-US" altLang="ko-KR" sz="1400" dirty="0">
-                        <a:latin typeface="강한공군체 Medium" panose="020B0600000101010101" pitchFamily="34" charset="-127"/>
-                        <a:ea typeface="강한공군체 Medium" panose="020B0600000101010101" pitchFamily="34" charset="-127"/>
-                      </a:endParaRPr>
-                    </a:p>
-                    <a:p>
-                      <a:pPr algn="ctr" latinLnBrk="1"/>
-                      <a:r>
-                        <a:rPr lang="ko-KR" altLang="en-US" sz="1400" dirty="0" err="1">
-                          <a:latin typeface="강한공군체 Medium" panose="020B0600000101010101" pitchFamily="34" charset="-127"/>
-                          <a:ea typeface="강한공군체 Medium" panose="020B0600000101010101" pitchFamily="34" charset="-127"/>
-                        </a:rPr>
-                        <a:t>피격시</a:t>
-                      </a:r>
-                      <a:r>
-                        <a:rPr lang="ko-KR" altLang="en-US" sz="1400" dirty="0">
-                          <a:latin typeface="강한공군체 Medium" panose="020B0600000101010101" pitchFamily="34" charset="-127"/>
-                          <a:ea typeface="강한공군체 Medium" panose="020B0600000101010101" pitchFamily="34" charset="-127"/>
-                        </a:rPr>
-                        <a:t> 영혼 감소</a:t>
-                      </a:r>
-                      <a:r>
-                        <a:rPr lang="en-US" altLang="ko-KR" sz="1400" dirty="0">
-                          <a:latin typeface="강한공군체 Medium" panose="020B0600000101010101" pitchFamily="34" charset="-127"/>
-                          <a:ea typeface="강한공군체 Medium" panose="020B0600000101010101" pitchFamily="34" charset="-127"/>
-                        </a:rPr>
-                        <a:t>(</a:t>
-                      </a:r>
-                      <a:r>
-                        <a:rPr lang="ko-KR" altLang="en-US" sz="1400" dirty="0">
-                          <a:latin typeface="강한공군체 Medium" panose="020B0600000101010101" pitchFamily="34" charset="-127"/>
-                          <a:ea typeface="강한공군체 Medium" panose="020B0600000101010101" pitchFamily="34" charset="-127"/>
-                        </a:rPr>
-                        <a:t>영혼 개수가 </a:t>
-                      </a:r>
-                      <a:r>
-                        <a:rPr lang="en-US" altLang="ko-KR" sz="1400" dirty="0">
-                          <a:latin typeface="강한공군체 Medium" panose="020B0600000101010101" pitchFamily="34" charset="-127"/>
-                          <a:ea typeface="강한공군체 Medium" panose="020B0600000101010101" pitchFamily="34" charset="-127"/>
-                        </a:rPr>
-                        <a:t>0</a:t>
-                      </a:r>
-                      <a:r>
-                        <a:rPr lang="ko-KR" altLang="en-US" sz="1400" dirty="0">
-                          <a:latin typeface="강한공군체 Medium" panose="020B0600000101010101" pitchFamily="34" charset="-127"/>
-                          <a:ea typeface="강한공군체 Medium" panose="020B0600000101010101" pitchFamily="34" charset="-127"/>
-                        </a:rPr>
-                        <a:t>일시 사망</a:t>
-                      </a:r>
-                      <a:r>
-                        <a:rPr lang="en-US" altLang="ko-KR" sz="1400" dirty="0">
-                          <a:latin typeface="강한공군체 Medium" panose="020B0600000101010101" pitchFamily="34" charset="-127"/>
-                          <a:ea typeface="강한공군체 Medium" panose="020B0600000101010101" pitchFamily="34" charset="-127"/>
-                        </a:rPr>
-                        <a:t>)</a:t>
-                      </a:r>
-                    </a:p>
-                    <a:p>
-                      <a:pPr algn="ctr" latinLnBrk="1"/>
-                      <a:r>
-                        <a:rPr lang="ko-KR" altLang="en-US" sz="1400" dirty="0">
-                          <a:latin typeface="강한공군체 Medium" panose="020B0600000101010101" pitchFamily="34" charset="-127"/>
-                          <a:ea typeface="강한공군체 Medium" panose="020B0600000101010101" pitchFamily="34" charset="-127"/>
-                        </a:rPr>
-                        <a:t>적을 제거해서 얻은 아이템으로 영혼 획득 가능</a:t>
-                      </a:r>
-                      <a:r>
-                        <a:rPr lang="en-US" altLang="ko-KR" sz="1400" dirty="0">
-                          <a:latin typeface="강한공군체 Medium" panose="020B0600000101010101" pitchFamily="34" charset="-127"/>
-                          <a:ea typeface="강한공군체 Medium" panose="020B0600000101010101" pitchFamily="34" charset="-127"/>
-                        </a:rPr>
-                        <a:t>(</a:t>
-                      </a:r>
-                      <a:r>
-                        <a:rPr lang="ko-KR" altLang="en-US" sz="1400" dirty="0">
-                          <a:latin typeface="강한공군체 Medium" panose="020B0600000101010101" pitchFamily="34" charset="-127"/>
-                          <a:ea typeface="강한공군체 Medium" panose="020B0600000101010101" pitchFamily="34" charset="-127"/>
-                        </a:rPr>
-                        <a:t>적 난이도에 따라 개수 조정</a:t>
-                      </a:r>
-                      <a:r>
-                        <a:rPr lang="en-US" altLang="ko-KR" sz="1400" dirty="0">
-                          <a:latin typeface="강한공군체 Medium" panose="020B0600000101010101" pitchFamily="34" charset="-127"/>
-                          <a:ea typeface="강한공군체 Medium" panose="020B0600000101010101" pitchFamily="34" charset="-127"/>
-                        </a:rPr>
-                        <a:t>)</a:t>
-                      </a:r>
-                    </a:p>
-                    <a:p>
-                      <a:pPr algn="ctr" latinLnBrk="1"/>
-                      <a:r>
-                        <a:rPr lang="ko-KR" altLang="en-US" sz="1400" dirty="0">
-                          <a:latin typeface="강한공군체 Medium" panose="020B0600000101010101" pitchFamily="34" charset="-127"/>
-                          <a:ea typeface="강한공군체 Medium" panose="020B0600000101010101" pitchFamily="34" charset="-127"/>
-                        </a:rPr>
-                        <a:t>체크포인트 설정</a:t>
-                      </a:r>
-                    </a:p>
-                  </a:txBody>
-                  <a:tcPr/>
-                </a:tc>
-                <a:tc>
-                  <a:txBody>
-                    <a:bodyPr/>
-                    <a:lstStyle/>
-                    <a:p>
-                      <a:pPr algn="ctr" latinLnBrk="1"/>
-                      <a:r>
-                        <a:rPr lang="ko-KR" altLang="en-US" sz="1400" dirty="0">
-                          <a:latin typeface="강한공군체 Medium" panose="020B0600000101010101" pitchFamily="34" charset="-127"/>
-                          <a:ea typeface="강한공군체 Medium" panose="020B0600000101010101" pitchFamily="34" charset="-127"/>
-                        </a:rPr>
-                        <a:t>튜토리얼 제시</a:t>
-                      </a:r>
-                      <a:endParaRPr lang="en-US" altLang="ko-KR" sz="1400" dirty="0">
-                        <a:latin typeface="강한공군체 Medium" panose="020B0600000101010101" pitchFamily="34" charset="-127"/>
-                        <a:ea typeface="강한공군체 Medium" panose="020B0600000101010101" pitchFamily="34" charset="-127"/>
-                      </a:endParaRPr>
-                    </a:p>
-                    <a:p>
-                      <a:pPr algn="ctr" latinLnBrk="1"/>
-                      <a:r>
-                        <a:rPr lang="ko-KR" altLang="en-US" sz="1400" dirty="0">
-                          <a:latin typeface="강한공군체 Medium" panose="020B0600000101010101" pitchFamily="34" charset="-127"/>
-                          <a:ea typeface="강한공군체 Medium" panose="020B0600000101010101" pitchFamily="34" charset="-127"/>
-                        </a:rPr>
-                        <a:t>일시정지 및 종료 키 제작</a:t>
-                      </a:r>
-                      <a:endParaRPr lang="en-US" altLang="ko-KR" sz="1400" dirty="0">
-                        <a:latin typeface="강한공군체 Medium" panose="020B0600000101010101" pitchFamily="34" charset="-127"/>
-                        <a:ea typeface="강한공군체 Medium" panose="020B0600000101010101" pitchFamily="34" charset="-127"/>
-                      </a:endParaRPr>
-                    </a:p>
-                    <a:p>
-                      <a:pPr algn="ctr" latinLnBrk="1"/>
-                      <a:r>
-                        <a:rPr lang="ko-KR" altLang="en-US" sz="1400" dirty="0">
-                          <a:latin typeface="강한공군체 Medium" panose="020B0600000101010101" pitchFamily="34" charset="-127"/>
-                          <a:ea typeface="강한공군체 Medium" panose="020B0600000101010101" pitchFamily="34" charset="-127"/>
-                        </a:rPr>
-                        <a:t>상인을 통해 무기 강화</a:t>
-                      </a:r>
-                      <a:endParaRPr lang="en-US" altLang="ko-KR" sz="1400" dirty="0">
-                        <a:latin typeface="강한공군체 Medium" panose="020B0600000101010101" pitchFamily="34" charset="-127"/>
-                        <a:ea typeface="강한공군체 Medium" panose="020B0600000101010101" pitchFamily="34" charset="-127"/>
-                      </a:endParaRPr>
-                    </a:p>
-                    <a:p>
-                      <a:pPr algn="ctr" latinLnBrk="1"/>
-                      <a:r>
-                        <a:rPr lang="ko-KR" altLang="en-US" sz="1400" dirty="0">
-                          <a:latin typeface="강한공군체 Medium" panose="020B0600000101010101" pitchFamily="34" charset="-127"/>
-                          <a:ea typeface="강한공군체 Medium" panose="020B0600000101010101" pitchFamily="34" charset="-127"/>
-                        </a:rPr>
-                        <a:t>스테이지 클리어 시 재시작 또는 </a:t>
-                      </a:r>
-                      <a:endParaRPr lang="en-US" altLang="ko-KR" sz="1400" dirty="0">
-                        <a:latin typeface="강한공군체 Medium" panose="020B0600000101010101" pitchFamily="34" charset="-127"/>
-                        <a:ea typeface="강한공군체 Medium" panose="020B0600000101010101" pitchFamily="34" charset="-127"/>
-                      </a:endParaRPr>
-                    </a:p>
-                    <a:p>
-                      <a:pPr algn="ctr" latinLnBrk="1"/>
-                      <a:r>
-                        <a:rPr lang="ko-KR" altLang="en-US" sz="1400" dirty="0">
-                          <a:latin typeface="강한공군체 Medium" panose="020B0600000101010101" pitchFamily="34" charset="-127"/>
-                          <a:ea typeface="강한공군체 Medium" panose="020B0600000101010101" pitchFamily="34" charset="-127"/>
-                        </a:rPr>
-                        <a:t>끝내기 선택기능</a:t>
-                      </a:r>
-                    </a:p>
-                  </a:txBody>
-                  <a:tcPr/>
-                </a:tc>
-                <a:extLst>
-                  <a:ext uri="{0D108BD9-81ED-4DB2-BD59-A6C34878D82A}">
-                    <a16:rowId xmlns:a16="http://schemas.microsoft.com/office/drawing/2014/main" val="3111266764"/>
-                  </a:ext>
-                </a:extLst>
-              </a:tr>
-              <a:tr h="626914">
-                <a:tc>
-                  <a:txBody>
-                    <a:bodyPr/>
-                    <a:lstStyle/>
-                    <a:p>
-                      <a:pPr algn="ctr" latinLnBrk="1"/>
-                      <a:r>
-                        <a:rPr lang="ko-KR" altLang="en-US" sz="1400" dirty="0">
-                          <a:latin typeface="강한공군체 Medium" panose="020B0600000101010101" pitchFamily="34" charset="-127"/>
-                          <a:ea typeface="강한공군체 Medium" panose="020B0600000101010101" pitchFamily="34" charset="-127"/>
-                        </a:rPr>
-                        <a:t>사운드</a:t>
-                      </a:r>
-                    </a:p>
-                  </a:txBody>
-                  <a:tcPr/>
-                </a:tc>
-                <a:tc>
-                  <a:txBody>
-                    <a:bodyPr/>
-                    <a:lstStyle/>
-                    <a:p>
-                      <a:pPr algn="ctr" latinLnBrk="1"/>
-                      <a:r>
-                        <a:rPr lang="ko-KR" altLang="en-US" sz="1400" dirty="0">
-                          <a:latin typeface="강한공군체 Medium" panose="020B0600000101010101" pitchFamily="34" charset="-127"/>
-                          <a:ea typeface="강한공군체 Medium" panose="020B0600000101010101" pitchFamily="34" charset="-127"/>
-                        </a:rPr>
-                        <a:t>걷기</a:t>
-                      </a:r>
-                      <a:r>
-                        <a:rPr lang="en-US" altLang="ko-KR" sz="1400" dirty="0">
-                          <a:latin typeface="강한공군체 Medium" panose="020B0600000101010101" pitchFamily="34" charset="-127"/>
-                          <a:ea typeface="강한공군체 Medium" panose="020B0600000101010101" pitchFamily="34" charset="-127"/>
-                        </a:rPr>
-                        <a:t>, </a:t>
-                      </a:r>
-                      <a:r>
-                        <a:rPr lang="ko-KR" altLang="en-US" sz="1400" dirty="0">
-                          <a:latin typeface="강한공군체 Medium" panose="020B0600000101010101" pitchFamily="34" charset="-127"/>
-                          <a:ea typeface="강한공군체 Medium" panose="020B0600000101010101" pitchFamily="34" charset="-127"/>
-                        </a:rPr>
-                        <a:t>점프</a:t>
-                      </a:r>
-                      <a:r>
-                        <a:rPr lang="en-US" altLang="ko-KR" sz="1400" dirty="0">
-                          <a:latin typeface="강한공군체 Medium" panose="020B0600000101010101" pitchFamily="34" charset="-127"/>
-                          <a:ea typeface="강한공군체 Medium" panose="020B0600000101010101" pitchFamily="34" charset="-127"/>
-                        </a:rPr>
-                        <a:t>, </a:t>
-                      </a:r>
-                      <a:r>
-                        <a:rPr lang="ko-KR" altLang="en-US" sz="1400" dirty="0">
-                          <a:latin typeface="강한공군체 Medium" panose="020B0600000101010101" pitchFamily="34" charset="-127"/>
-                          <a:ea typeface="강한공군체 Medium" panose="020B0600000101010101" pitchFamily="34" charset="-127"/>
-                        </a:rPr>
-                        <a:t>공격</a:t>
-                      </a:r>
-                      <a:r>
-                        <a:rPr lang="en-US" altLang="ko-KR" sz="1400" dirty="0">
-                          <a:latin typeface="강한공군체 Medium" panose="020B0600000101010101" pitchFamily="34" charset="-127"/>
-                          <a:ea typeface="강한공군체 Medium" panose="020B0600000101010101" pitchFamily="34" charset="-127"/>
-                        </a:rPr>
-                        <a:t>, </a:t>
-                      </a:r>
-                      <a:r>
-                        <a:rPr lang="ko-KR" altLang="en-US" sz="1400" dirty="0">
-                          <a:latin typeface="강한공군체 Medium" panose="020B0600000101010101" pitchFamily="34" charset="-127"/>
-                          <a:ea typeface="강한공군체 Medium" panose="020B0600000101010101" pitchFamily="34" charset="-127"/>
-                        </a:rPr>
-                        <a:t>아이템 획득</a:t>
-                      </a:r>
-                      <a:r>
-                        <a:rPr lang="en-US" altLang="ko-KR" sz="1400" dirty="0">
-                          <a:latin typeface="강한공군체 Medium" panose="020B0600000101010101" pitchFamily="34" charset="-127"/>
-                          <a:ea typeface="강한공군체 Medium" panose="020B0600000101010101" pitchFamily="34" charset="-127"/>
-                        </a:rPr>
-                        <a:t>,</a:t>
-                      </a:r>
-                    </a:p>
                     <a:p>
                       <a:pPr marL="0" marR="0" lvl="0" indent="0" algn="ctr" defTabSz="914400" rtl="0" eaLnBrk="1" fontAlgn="auto" latinLnBrk="1" hangingPunct="1">
                         <a:lnSpc>
@@ -8284,11 +7929,80 @@
                           <a:latin typeface="강한공군체 Medium" panose="020B0600000101010101" pitchFamily="34" charset="-127"/>
                           <a:ea typeface="강한공군체 Medium" panose="020B0600000101010101" pitchFamily="34" charset="-127"/>
                         </a:rPr>
-                        <a:t>몬스터 사망 사운드</a:t>
+                        <a:t>난이도 </a:t>
+                      </a:r>
+                      <a:r>
+                        <a:rPr lang="ko-KR" altLang="en-US" sz="1400" dirty="0" err="1">
+                          <a:latin typeface="강한공군체 Medium" panose="020B0600000101010101" pitchFamily="34" charset="-127"/>
+                          <a:ea typeface="강한공군체 Medium" panose="020B0600000101010101" pitchFamily="34" charset="-127"/>
+                        </a:rPr>
+                        <a:t>증가시</a:t>
+                      </a:r>
+                      <a:r>
+                        <a:rPr lang="ko-KR" altLang="en-US" sz="1400" dirty="0">
+                          <a:latin typeface="강한공군체 Medium" panose="020B0600000101010101" pitchFamily="34" charset="-127"/>
+                          <a:ea typeface="강한공군체 Medium" panose="020B0600000101010101" pitchFamily="34" charset="-127"/>
+                        </a:rPr>
+                        <a:t> 체크포인트 </a:t>
+                      </a:r>
+                      <a:r>
+                        <a:rPr lang="en-US" altLang="ko-KR" sz="1400" dirty="0">
+                          <a:latin typeface="강한공군체 Medium" panose="020B0600000101010101" pitchFamily="34" charset="-127"/>
+                          <a:ea typeface="강한공군체 Medium" panose="020B0600000101010101" pitchFamily="34" charset="-127"/>
+                        </a:rPr>
+                        <a:t>X</a:t>
+                      </a:r>
+                    </a:p>
+                    <a:p>
+                      <a:pPr algn="ctr" latinLnBrk="1"/>
+                      <a:r>
+                        <a:rPr lang="ko-KR" altLang="en-US" sz="1400" dirty="0">
+                          <a:latin typeface="강한공군체 Medium" panose="020B0600000101010101" pitchFamily="34" charset="-127"/>
+                          <a:ea typeface="강한공군체 Medium" panose="020B0600000101010101" pitchFamily="34" charset="-127"/>
+                        </a:rPr>
+                        <a:t>최종보스에서 난이도 상승</a:t>
+                      </a:r>
+                      <a:r>
+                        <a:rPr lang="en-US" altLang="ko-KR" sz="1400" dirty="0">
+                          <a:latin typeface="강한공군체 Medium" panose="020B0600000101010101" pitchFamily="34" charset="-127"/>
+                          <a:ea typeface="강한공군체 Medium" panose="020B0600000101010101" pitchFamily="34" charset="-127"/>
+                        </a:rPr>
+                        <a:t> : </a:t>
+                      </a:r>
+                      <a:r>
+                        <a:rPr lang="ko-KR" altLang="en-US" sz="1400" dirty="0">
+                          <a:latin typeface="강한공군체 Medium" panose="020B0600000101010101" pitchFamily="34" charset="-127"/>
+                          <a:ea typeface="강한공군체 Medium" panose="020B0600000101010101" pitchFamily="34" charset="-127"/>
+                        </a:rPr>
+                        <a:t>다른 공격 모션 및 데미지 상승</a:t>
                       </a:r>
                     </a:p>
                   </a:txBody>
-                  <a:tcPr/>
+                  <a:tcPr anchor="ctr"/>
+                </a:tc>
+                <a:extLst>
+                  <a:ext uri="{0D108BD9-81ED-4DB2-BD59-A6C34878D82A}">
+                    <a16:rowId xmlns:a16="http://schemas.microsoft.com/office/drawing/2014/main" val="3557066716"/>
+                  </a:ext>
+                </a:extLst>
+              </a:tr>
+              <a:tr h="1155328">
+                <a:tc>
+                  <a:txBody>
+                    <a:bodyPr/>
+                    <a:lstStyle/>
+                    <a:p>
+                      <a:pPr algn="ctr" latinLnBrk="1"/>
+                      <a:r>
+                        <a:rPr lang="ko-KR" altLang="en-US" sz="1400" dirty="0">
+                          <a:latin typeface="강한공군체 Medium" panose="020B0600000101010101" pitchFamily="34" charset="-127"/>
+                          <a:ea typeface="강한공군체 Medium" panose="020B0600000101010101" pitchFamily="34" charset="-127"/>
+                        </a:rPr>
+                        <a:t>게임기능</a:t>
+                      </a:r>
+                    </a:p>
+                  </a:txBody>
+                  <a:tcPr anchor="ctr"/>
                 </a:tc>
                 <a:tc>
                   <a:txBody>
@@ -8301,11 +8015,311 @@
                           <a:latin typeface="강한공군체 Medium" panose="020B0600000101010101" pitchFamily="34" charset="-127"/>
                           <a:ea typeface="강한공군체 Medium" panose="020B0600000101010101" pitchFamily="34" charset="-127"/>
                         </a:rPr>
-                        <a:t>아이템을 이용한 피 회복 사운드 등</a:t>
+                        <a:t>난이도 선택 가능</a:t>
+                      </a:r>
+                      <a:endParaRPr lang="en-US" altLang="ko-KR" sz="1400" dirty="0">
+                        <a:latin typeface="강한공군체 Medium" panose="020B0600000101010101" pitchFamily="34" charset="-127"/>
+                        <a:ea typeface="강한공군체 Medium" panose="020B0600000101010101" pitchFamily="34" charset="-127"/>
+                      </a:endParaRPr>
+                    </a:p>
+                    <a:p>
+                      <a:pPr algn="ctr" latinLnBrk="1"/>
+                      <a:r>
+                        <a:rPr lang="ko-KR" altLang="en-US" sz="1400" dirty="0" err="1">
+                          <a:latin typeface="강한공군체 Medium" panose="020B0600000101010101" pitchFamily="34" charset="-127"/>
+                          <a:ea typeface="강한공군체 Medium" panose="020B0600000101010101" pitchFamily="34" charset="-127"/>
+                        </a:rPr>
+                        <a:t>피격시</a:t>
+                      </a:r>
+                      <a:r>
+                        <a:rPr lang="ko-KR" altLang="en-US" sz="1400" dirty="0">
+                          <a:latin typeface="강한공군체 Medium" panose="020B0600000101010101" pitchFamily="34" charset="-127"/>
+                          <a:ea typeface="강한공군체 Medium" panose="020B0600000101010101" pitchFamily="34" charset="-127"/>
+                        </a:rPr>
+                        <a:t> 영혼 감소</a:t>
+                      </a:r>
+                      <a:r>
+                        <a:rPr lang="en-US" altLang="ko-KR" sz="1400" dirty="0">
+                          <a:latin typeface="강한공군체 Medium" panose="020B0600000101010101" pitchFamily="34" charset="-127"/>
+                          <a:ea typeface="강한공군체 Medium" panose="020B0600000101010101" pitchFamily="34" charset="-127"/>
+                        </a:rPr>
+                        <a:t>(</a:t>
+                      </a:r>
+                      <a:r>
+                        <a:rPr lang="ko-KR" altLang="en-US" sz="1400" dirty="0">
+                          <a:latin typeface="강한공군체 Medium" panose="020B0600000101010101" pitchFamily="34" charset="-127"/>
+                          <a:ea typeface="강한공군체 Medium" panose="020B0600000101010101" pitchFamily="34" charset="-127"/>
+                        </a:rPr>
+                        <a:t>영혼 개수가 </a:t>
+                      </a:r>
+                      <a:r>
+                        <a:rPr lang="en-US" altLang="ko-KR" sz="1400" dirty="0">
+                          <a:latin typeface="강한공군체 Medium" panose="020B0600000101010101" pitchFamily="34" charset="-127"/>
+                          <a:ea typeface="강한공군체 Medium" panose="020B0600000101010101" pitchFamily="34" charset="-127"/>
+                        </a:rPr>
+                        <a:t>0</a:t>
+                      </a:r>
+                      <a:r>
+                        <a:rPr lang="ko-KR" altLang="en-US" sz="1400" dirty="0">
+                          <a:latin typeface="강한공군체 Medium" panose="020B0600000101010101" pitchFamily="34" charset="-127"/>
+                          <a:ea typeface="강한공군체 Medium" panose="020B0600000101010101" pitchFamily="34" charset="-127"/>
+                        </a:rPr>
+                        <a:t>일시 사망</a:t>
+                      </a:r>
+                      <a:r>
+                        <a:rPr lang="en-US" altLang="ko-KR" sz="1400" dirty="0">
+                          <a:latin typeface="강한공군체 Medium" panose="020B0600000101010101" pitchFamily="34" charset="-127"/>
+                          <a:ea typeface="강한공군체 Medium" panose="020B0600000101010101" pitchFamily="34" charset="-127"/>
+                        </a:rPr>
+                        <a:t>)</a:t>
+                      </a:r>
+                    </a:p>
+                    <a:p>
+                      <a:pPr algn="ctr" latinLnBrk="1"/>
+                      <a:r>
+                        <a:rPr lang="ko-KR" altLang="en-US" sz="1400" dirty="0">
+                          <a:latin typeface="강한공군체 Medium" panose="020B0600000101010101" pitchFamily="34" charset="-127"/>
+                          <a:ea typeface="강한공군체 Medium" panose="020B0600000101010101" pitchFamily="34" charset="-127"/>
+                        </a:rPr>
+                        <a:t>적을 제거해서 얻은 아이템으로 영혼 획득 가능</a:t>
+                      </a:r>
+                      <a:r>
+                        <a:rPr lang="en-US" altLang="ko-KR" sz="1400" dirty="0">
+                          <a:latin typeface="강한공군체 Medium" panose="020B0600000101010101" pitchFamily="34" charset="-127"/>
+                          <a:ea typeface="강한공군체 Medium" panose="020B0600000101010101" pitchFamily="34" charset="-127"/>
+                        </a:rPr>
+                        <a:t>(</a:t>
+                      </a:r>
+                      <a:r>
+                        <a:rPr lang="ko-KR" altLang="en-US" sz="1400" dirty="0">
+                          <a:latin typeface="강한공군체 Medium" panose="020B0600000101010101" pitchFamily="34" charset="-127"/>
+                          <a:ea typeface="강한공군체 Medium" panose="020B0600000101010101" pitchFamily="34" charset="-127"/>
+                        </a:rPr>
+                        <a:t>적 난이도에 따라 개수 조정</a:t>
+                      </a:r>
+                      <a:r>
+                        <a:rPr lang="en-US" altLang="ko-KR" sz="1400" dirty="0">
+                          <a:latin typeface="강한공군체 Medium" panose="020B0600000101010101" pitchFamily="34" charset="-127"/>
+                          <a:ea typeface="강한공군체 Medium" panose="020B0600000101010101" pitchFamily="34" charset="-127"/>
+                        </a:rPr>
+                        <a:t>)</a:t>
+                      </a:r>
+                    </a:p>
+                    <a:p>
+                      <a:pPr algn="ctr" latinLnBrk="1"/>
+                      <a:r>
+                        <a:rPr lang="ko-KR" altLang="en-US" sz="1400" dirty="0">
+                          <a:latin typeface="강한공군체 Medium" panose="020B0600000101010101" pitchFamily="34" charset="-127"/>
+                          <a:ea typeface="강한공군체 Medium" panose="020B0600000101010101" pitchFamily="34" charset="-127"/>
+                        </a:rPr>
+                        <a:t>체크포인트 설정</a:t>
                       </a:r>
                     </a:p>
                   </a:txBody>
-                  <a:tcPr/>
+                  <a:tcPr anchor="ctr"/>
+                </a:tc>
+                <a:tc>
+                  <a:txBody>
+                    <a:bodyPr/>
+                    <a:lstStyle/>
+                    <a:p>
+                      <a:pPr algn="ctr" latinLnBrk="1"/>
+                      <a:r>
+                        <a:rPr lang="ko-KR" altLang="en-US" sz="1400" dirty="0">
+                          <a:latin typeface="강한공군체 Medium" panose="020B0600000101010101" pitchFamily="34" charset="-127"/>
+                          <a:ea typeface="강한공군체 Medium" panose="020B0600000101010101" pitchFamily="34" charset="-127"/>
+                        </a:rPr>
+                        <a:t>튜토리얼 제시</a:t>
+                      </a:r>
+                      <a:endParaRPr lang="en-US" altLang="ko-KR" sz="1400" dirty="0">
+                        <a:latin typeface="강한공군체 Medium" panose="020B0600000101010101" pitchFamily="34" charset="-127"/>
+                        <a:ea typeface="강한공군체 Medium" panose="020B0600000101010101" pitchFamily="34" charset="-127"/>
+                      </a:endParaRPr>
+                    </a:p>
+                    <a:p>
+                      <a:pPr algn="ctr" latinLnBrk="1"/>
+                      <a:r>
+                        <a:rPr lang="ko-KR" altLang="en-US" sz="1400" dirty="0">
+                          <a:latin typeface="강한공군체 Medium" panose="020B0600000101010101" pitchFamily="34" charset="-127"/>
+                          <a:ea typeface="강한공군체 Medium" panose="020B0600000101010101" pitchFamily="34" charset="-127"/>
+                        </a:rPr>
+                        <a:t>일시정지 및 종료 키 제작</a:t>
+                      </a:r>
+                      <a:endParaRPr lang="en-US" altLang="ko-KR" sz="1400" dirty="0">
+                        <a:latin typeface="강한공군체 Medium" panose="020B0600000101010101" pitchFamily="34" charset="-127"/>
+                        <a:ea typeface="강한공군체 Medium" panose="020B0600000101010101" pitchFamily="34" charset="-127"/>
+                      </a:endParaRPr>
+                    </a:p>
+                    <a:p>
+                      <a:pPr algn="ctr" latinLnBrk="1"/>
+                      <a:r>
+                        <a:rPr lang="ko-KR" altLang="en-US" sz="1400" dirty="0">
+                          <a:latin typeface="강한공군체 Medium" panose="020B0600000101010101" pitchFamily="34" charset="-127"/>
+                          <a:ea typeface="강한공군체 Medium" panose="020B0600000101010101" pitchFamily="34" charset="-127"/>
+                        </a:rPr>
+                        <a:t>상인을 통해 무기 강화</a:t>
+                      </a:r>
+                      <a:endParaRPr lang="en-US" altLang="ko-KR" sz="1400" dirty="0">
+                        <a:latin typeface="강한공군체 Medium" panose="020B0600000101010101" pitchFamily="34" charset="-127"/>
+                        <a:ea typeface="강한공군체 Medium" panose="020B0600000101010101" pitchFamily="34" charset="-127"/>
+                      </a:endParaRPr>
+                    </a:p>
+                    <a:p>
+                      <a:pPr algn="ctr" latinLnBrk="1"/>
+                      <a:r>
+                        <a:rPr lang="ko-KR" altLang="en-US" sz="1400" dirty="0">
+                          <a:latin typeface="강한공군체 Medium" panose="020B0600000101010101" pitchFamily="34" charset="-127"/>
+                          <a:ea typeface="강한공군체 Medium" panose="020B0600000101010101" pitchFamily="34" charset="-127"/>
+                        </a:rPr>
+                        <a:t>스테이지 클리어 시 재시작 또는 </a:t>
+                      </a:r>
+                      <a:endParaRPr lang="en-US" altLang="ko-KR" sz="1400" dirty="0">
+                        <a:latin typeface="강한공군체 Medium" panose="020B0600000101010101" pitchFamily="34" charset="-127"/>
+                        <a:ea typeface="강한공군체 Medium" panose="020B0600000101010101" pitchFamily="34" charset="-127"/>
+                      </a:endParaRPr>
+                    </a:p>
+                    <a:p>
+                      <a:pPr algn="ctr" latinLnBrk="1"/>
+                      <a:r>
+                        <a:rPr lang="ko-KR" altLang="en-US" sz="1400" dirty="0">
+                          <a:latin typeface="강한공군체 Medium" panose="020B0600000101010101" pitchFamily="34" charset="-127"/>
+                          <a:ea typeface="강한공군체 Medium" panose="020B0600000101010101" pitchFamily="34" charset="-127"/>
+                        </a:rPr>
+                        <a:t>끝내기 선택기능</a:t>
+                      </a:r>
+                    </a:p>
+                  </a:txBody>
+                  <a:tcPr anchor="ctr"/>
+                </a:tc>
+                <a:extLst>
+                  <a:ext uri="{0D108BD9-81ED-4DB2-BD59-A6C34878D82A}">
+                    <a16:rowId xmlns:a16="http://schemas.microsoft.com/office/drawing/2014/main" val="3111266764"/>
+                  </a:ext>
+                </a:extLst>
+              </a:tr>
+              <a:tr h="621407">
+                <a:tc>
+                  <a:txBody>
+                    <a:bodyPr/>
+                    <a:lstStyle/>
+                    <a:p>
+                      <a:pPr algn="ctr" latinLnBrk="1"/>
+                      <a:r>
+                        <a:rPr lang="ko-KR" altLang="en-US" sz="1400" dirty="0">
+                          <a:latin typeface="강한공군체 Medium" panose="020B0600000101010101" pitchFamily="34" charset="-127"/>
+                          <a:ea typeface="강한공군체 Medium" panose="020B0600000101010101" pitchFamily="34" charset="-127"/>
+                        </a:rPr>
+                        <a:t>사운드</a:t>
+                      </a:r>
+                    </a:p>
+                  </a:txBody>
+                  <a:tcPr anchor="ctr"/>
+                </a:tc>
+                <a:tc>
+                  <a:txBody>
+                    <a:bodyPr/>
+                    <a:lstStyle/>
+                    <a:p>
+                      <a:pPr algn="ctr" latinLnBrk="1"/>
+                      <a:r>
+                        <a:rPr lang="ko-KR" altLang="en-US" sz="1400" dirty="0">
+                          <a:latin typeface="강한공군체 Medium" panose="020B0600000101010101" pitchFamily="34" charset="-127"/>
+                          <a:ea typeface="강한공군체 Medium" panose="020B0600000101010101" pitchFamily="34" charset="-127"/>
+                        </a:rPr>
+                        <a:t>걷기</a:t>
+                      </a:r>
+                      <a:r>
+                        <a:rPr lang="en-US" altLang="ko-KR" sz="1400" dirty="0">
+                          <a:latin typeface="강한공군체 Medium" panose="020B0600000101010101" pitchFamily="34" charset="-127"/>
+                          <a:ea typeface="강한공군체 Medium" panose="020B0600000101010101" pitchFamily="34" charset="-127"/>
+                        </a:rPr>
+                        <a:t>, </a:t>
+                      </a:r>
+                      <a:r>
+                        <a:rPr lang="ko-KR" altLang="en-US" sz="1400" dirty="0">
+                          <a:latin typeface="강한공군체 Medium" panose="020B0600000101010101" pitchFamily="34" charset="-127"/>
+                          <a:ea typeface="강한공군체 Medium" panose="020B0600000101010101" pitchFamily="34" charset="-127"/>
+                        </a:rPr>
+                        <a:t>점프</a:t>
+                      </a:r>
+                      <a:r>
+                        <a:rPr lang="en-US" altLang="ko-KR" sz="1400" dirty="0">
+                          <a:latin typeface="강한공군체 Medium" panose="020B0600000101010101" pitchFamily="34" charset="-127"/>
+                          <a:ea typeface="강한공군체 Medium" panose="020B0600000101010101" pitchFamily="34" charset="-127"/>
+                        </a:rPr>
+                        <a:t>, </a:t>
+                      </a:r>
+                      <a:r>
+                        <a:rPr lang="ko-KR" altLang="en-US" sz="1400" dirty="0">
+                          <a:latin typeface="강한공군체 Medium" panose="020B0600000101010101" pitchFamily="34" charset="-127"/>
+                          <a:ea typeface="강한공군체 Medium" panose="020B0600000101010101" pitchFamily="34" charset="-127"/>
+                        </a:rPr>
+                        <a:t>공격</a:t>
+                      </a:r>
+                      <a:r>
+                        <a:rPr lang="en-US" altLang="ko-KR" sz="1400" dirty="0">
+                          <a:latin typeface="강한공군체 Medium" panose="020B0600000101010101" pitchFamily="34" charset="-127"/>
+                          <a:ea typeface="강한공군체 Medium" panose="020B0600000101010101" pitchFamily="34" charset="-127"/>
+                        </a:rPr>
+                        <a:t>, </a:t>
+                      </a:r>
+                      <a:r>
+                        <a:rPr lang="ko-KR" altLang="en-US" sz="1400" dirty="0">
+                          <a:latin typeface="강한공군체 Medium" panose="020B0600000101010101" pitchFamily="34" charset="-127"/>
+                          <a:ea typeface="강한공군체 Medium" panose="020B0600000101010101" pitchFamily="34" charset="-127"/>
+                        </a:rPr>
+                        <a:t>아이템 획득</a:t>
+                      </a:r>
+                      <a:endParaRPr lang="en-US" altLang="ko-KR" sz="1400" dirty="0">
+                        <a:latin typeface="강한공군체 Medium" panose="020B0600000101010101" pitchFamily="34" charset="-127"/>
+                        <a:ea typeface="강한공군체 Medium" panose="020B0600000101010101" pitchFamily="34" charset="-127"/>
+                      </a:endParaRPr>
+                    </a:p>
+                  </a:txBody>
+                  <a:tcPr anchor="ctr"/>
+                </a:tc>
+                <a:tc>
+                  <a:txBody>
+                    <a:bodyPr/>
+                    <a:lstStyle/>
+                    <a:p>
+                      <a:pPr marL="0" marR="0" lvl="0" indent="0" algn="ctr" defTabSz="914400" rtl="0" eaLnBrk="1" fontAlgn="auto" latinLnBrk="1" hangingPunct="1">
+                        <a:lnSpc>
+                          <a:spcPct val="100000"/>
+                        </a:lnSpc>
+                        <a:spcBef>
+                          <a:spcPts val="0"/>
+                        </a:spcBef>
+                        <a:spcAft>
+                          <a:spcPts val="0"/>
+                        </a:spcAft>
+                        <a:buClrTx/>
+                        <a:buSzTx/>
+                        <a:buFontTx/>
+                        <a:buNone/>
+                        <a:tabLst/>
+                        <a:defRPr/>
+                      </a:pPr>
+                      <a:r>
+                        <a:rPr lang="ko-KR" altLang="en-US" sz="1400" dirty="0">
+                          <a:latin typeface="강한공군체 Medium" panose="020B0600000101010101" pitchFamily="34" charset="-127"/>
+                          <a:ea typeface="강한공군체 Medium" panose="020B0600000101010101" pitchFamily="34" charset="-127"/>
+                        </a:rPr>
+                        <a:t>몬스터 사망 사운드</a:t>
+                      </a:r>
+                    </a:p>
+                    <a:p>
+                      <a:pPr algn="ctr" latinLnBrk="1"/>
+                      <a:r>
+                        <a:rPr lang="ko-KR" altLang="en-US" sz="1400" dirty="0">
+                          <a:latin typeface="강한공군체 Medium" panose="020B0600000101010101" pitchFamily="34" charset="-127"/>
+                          <a:ea typeface="강한공군체 Medium" panose="020B0600000101010101" pitchFamily="34" charset="-127"/>
+                        </a:rPr>
+                        <a:t>아이템을 이용한 피 회복 사운드 등</a:t>
+                      </a:r>
+                    </a:p>
+                  </a:txBody>
+                  <a:tcPr anchor="ctr"/>
                 </a:tc>
                 <a:extLst>
                   <a:ext uri="{0D108BD9-81ED-4DB2-BD59-A6C34878D82A}">
@@ -8313,7 +8327,7 @@
                   </a:ext>
                 </a:extLst>
               </a:tr>
-              <a:tr h="517188">
+              <a:tr h="516857">
                 <a:tc>
                   <a:txBody>
                     <a:bodyPr/>
@@ -8329,7 +8343,7 @@
                       </a:r>
                     </a:p>
                   </a:txBody>
-                  <a:tcPr/>
+                  <a:tcPr anchor="ctr"/>
                 </a:tc>
                 <a:tc>
                   <a:txBody>
@@ -8483,7 +8497,7 @@
                       </a:endParaRPr>
                     </a:p>
                   </a:txBody>
-                  <a:tcPr/>
+                  <a:tcPr anchor="ctr"/>
                 </a:tc>
                 <a:tc>
                   <a:txBody>
@@ -8500,7 +8514,7 @@
                       </a:r>
                     </a:p>
                   </a:txBody>
-                  <a:tcPr/>
+                  <a:tcPr anchor="ctr"/>
                 </a:tc>
                 <a:extLst>
                   <a:ext uri="{0D108BD9-81ED-4DB2-BD59-A6C34878D82A}">
@@ -8541,7 +8555,7 @@
         </p:blipFill>
         <p:spPr bwMode="auto">
           <a:xfrm>
-            <a:off x="10405062" y="4931175"/>
+            <a:off x="10488794" y="5059293"/>
             <a:ext cx="1418222" cy="1648683"/>
           </a:xfrm>
           <a:prstGeom prst="rect">
@@ -10512,14 +10526,14 @@
           <p:nvPr>
             <p:extLst>
               <p:ext uri="{D42A27DB-BD31-4B8C-83A1-F6EECF244321}">
-                <p14:modId xmlns:p14="http://schemas.microsoft.com/office/powerpoint/2010/main" val="1179249739"/>
+                <p14:modId xmlns:p14="http://schemas.microsoft.com/office/powerpoint/2010/main" val="2738157999"/>
               </p:ext>
             </p:extLst>
           </p:nvPr>
         </p:nvGraphicFramePr>
         <p:xfrm>
-          <a:off x="1599915" y="850217"/>
-          <a:ext cx="8921260" cy="5677456"/>
+          <a:off x="1628490" y="728285"/>
+          <a:ext cx="8921260" cy="5882174"/>
         </p:xfrm>
         <a:graphic>
           <a:graphicData uri="http://schemas.openxmlformats.org/drawingml/2006/table">
@@ -10535,14 +10549,14 @@
                     </a:ext>
                   </a:extLst>
                 </a:gridCol>
-                <a:gridCol w="2167587">
+                <a:gridCol w="2310390">
                   <a:extLst>
                     <a:ext uri="{9D8B030D-6E8A-4147-A177-3AD203B41FA5}">
                       <a16:colId xmlns:a16="http://schemas.microsoft.com/office/drawing/2014/main" val="2614223187"/>
                     </a:ext>
                   </a:extLst>
                 </a:gridCol>
-                <a:gridCol w="5025178">
+                <a:gridCol w="4882375">
                   <a:extLst>
                     <a:ext uri="{9D8B030D-6E8A-4147-A177-3AD203B41FA5}">
                       <a16:colId xmlns:a16="http://schemas.microsoft.com/office/drawing/2014/main" val="296426876"/>
@@ -10611,25 +10625,6 @@
                         <a:latin typeface="강한공군체 Medium" panose="020B0600000101010101" pitchFamily="34" charset="-127"/>
                         <a:ea typeface="강한공군체 Medium" panose="020B0600000101010101" pitchFamily="34" charset="-127"/>
                       </a:endParaRPr>
-                    </a:p>
-                    <a:p>
-                      <a:pPr marL="0" indent="0" algn="ctr" latinLnBrk="1">
-                        <a:buNone/>
-                      </a:pPr>
-                      <a:r>
-                        <a:rPr lang="en-US" altLang="ko-KR" sz="1400" dirty="0">
-                          <a:latin typeface="강한공군체 Medium" panose="020B0600000101010101" pitchFamily="34" charset="-127"/>
-                          <a:ea typeface="강한공군체 Medium" panose="020B0600000101010101" pitchFamily="34" charset="-127"/>
-                        </a:rPr>
-                        <a:t>2. KNIGHT </a:t>
-                      </a:r>
-                      <a:r>
-                        <a:rPr lang="ko-KR" altLang="en-US" sz="1400" dirty="0">
-                          <a:latin typeface="강한공군체 Medium" panose="020B0600000101010101" pitchFamily="34" charset="-127"/>
-                          <a:ea typeface="강한공군체 Medium" panose="020B0600000101010101" pitchFamily="34" charset="-127"/>
-                        </a:rPr>
-                        <a:t>이동 애니메이션</a:t>
-                      </a:r>
                     </a:p>
                   </a:txBody>
                   <a:tcPr/>
@@ -10813,10 +10808,13 @@
                     <a:lstStyle/>
                     <a:p>
                       <a:pPr algn="ctr" latinLnBrk="1"/>
-                      <a:endParaRPr lang="ko-KR" altLang="en-US" sz="1600" dirty="0">
-                        <a:latin typeface="강한공군체 Medium" panose="020B0600000101010101" pitchFamily="34" charset="-127"/>
-                        <a:ea typeface="강한공군체 Medium" panose="020B0600000101010101" pitchFamily="34" charset="-127"/>
-                      </a:endParaRPr>
+                      <a:r>
+                        <a:rPr lang="ko-KR" altLang="en-US" sz="1600" dirty="0">
+                          <a:latin typeface="강한공군체 Medium" panose="020B0600000101010101" pitchFamily="34" charset="-127"/>
+                          <a:ea typeface="강한공군체 Medium" panose="020B0600000101010101" pitchFamily="34" charset="-127"/>
+                        </a:rPr>
+                        <a:t>주인공 구현</a:t>
+                      </a:r>
                     </a:p>
                   </a:txBody>
                   <a:tcPr anchor="ctr"/>
@@ -10826,11 +10824,54 @@
                     <a:bodyPr/>
                     <a:lstStyle/>
                     <a:p>
+                      <a:pPr marL="0" marR="0" lvl="0" indent="0" algn="ctr" defTabSz="914400" rtl="0" eaLnBrk="1" fontAlgn="auto" latinLnBrk="1" hangingPunct="1">
+                        <a:lnSpc>
+                          <a:spcPct val="100000"/>
+                        </a:lnSpc>
+                        <a:spcBef>
+                          <a:spcPts val="0"/>
+                        </a:spcBef>
+                        <a:spcAft>
+                          <a:spcPts val="0"/>
+                        </a:spcAft>
+                        <a:buClrTx/>
+                        <a:buSzTx/>
+                        <a:buFontTx/>
+                        <a:buNone/>
+                        <a:tabLst/>
+                        <a:defRPr/>
+                      </a:pPr>
+                      <a:r>
+                        <a:rPr lang="en-US" altLang="ko-KR" sz="1400" dirty="0">
+                          <a:latin typeface="강한공군체 Medium" panose="020B0600000101010101" pitchFamily="34" charset="-127"/>
+                          <a:ea typeface="강한공군체 Medium" panose="020B0600000101010101" pitchFamily="34" charset="-127"/>
+                        </a:rPr>
+                        <a:t>1. KNIGHT </a:t>
+                      </a:r>
+                      <a:r>
+                        <a:rPr lang="ko-KR" altLang="en-US" sz="1400" dirty="0">
+                          <a:latin typeface="강한공군체 Medium" panose="020B0600000101010101" pitchFamily="34" charset="-127"/>
+                          <a:ea typeface="강한공군체 Medium" panose="020B0600000101010101" pitchFamily="34" charset="-127"/>
+                        </a:rPr>
+                        <a:t>이동 애니메이션</a:t>
+                      </a:r>
+                    </a:p>
+                    <a:p>
                       <a:pPr algn="ctr" latinLnBrk="1"/>
-                      <a:endParaRPr lang="ko-KR" altLang="en-US" sz="1400">
-                        <a:latin typeface="강한공군체 Medium" panose="020B0600000101010101" pitchFamily="34" charset="-127"/>
-                        <a:ea typeface="강한공군체 Medium" panose="020B0600000101010101" pitchFamily="34" charset="-127"/>
-                      </a:endParaRPr>
+                      <a:r>
+                        <a:rPr lang="en-US" altLang="ko-KR" sz="1400" dirty="0">
+                          <a:latin typeface="강한공군체 Medium" panose="020B0600000101010101" pitchFamily="34" charset="-127"/>
+                          <a:ea typeface="강한공군체 Medium" panose="020B0600000101010101" pitchFamily="34" charset="-127"/>
+                        </a:rPr>
+                        <a:t>2. </a:t>
+                      </a:r>
+                      <a:r>
+                        <a:rPr lang="ko-KR" altLang="en-US" sz="1400" dirty="0">
+                          <a:latin typeface="강한공군체 Medium" panose="020B0600000101010101" pitchFamily="34" charset="-127"/>
+                          <a:ea typeface="강한공군체 Medium" panose="020B0600000101010101" pitchFamily="34" charset="-127"/>
+                        </a:rPr>
+                        <a:t>주인공과 맵 블록 사이 이동 체크</a:t>
+                      </a:r>
                     </a:p>
                   </a:txBody>
                   <a:tcPr/>
@@ -10871,11 +10912,30 @@
                     <a:bodyPr/>
                     <a:lstStyle/>
                     <a:p>
-                      <a:pPr algn="ctr" latinLnBrk="1"/>
-                      <a:endParaRPr lang="ko-KR" altLang="en-US" sz="1600" dirty="0">
-                        <a:latin typeface="강한공군체 Medium" panose="020B0600000101010101" pitchFamily="34" charset="-127"/>
-                        <a:ea typeface="강한공군체 Medium" panose="020B0600000101010101" pitchFamily="34" charset="-127"/>
-                      </a:endParaRPr>
+                      <a:pPr marL="0" marR="0" lvl="0" indent="0" algn="ctr" defTabSz="914400" rtl="0" eaLnBrk="1" fontAlgn="auto" latinLnBrk="1" hangingPunct="1">
+                        <a:lnSpc>
+                          <a:spcPct val="100000"/>
+                        </a:lnSpc>
+                        <a:spcBef>
+                          <a:spcPts val="0"/>
+                        </a:spcBef>
+                        <a:spcAft>
+                          <a:spcPts val="0"/>
+                        </a:spcAft>
+                        <a:buClrTx/>
+                        <a:buSzTx/>
+                        <a:buFontTx/>
+                        <a:buNone/>
+                        <a:tabLst/>
+                        <a:defRPr/>
+                      </a:pPr>
+                      <a:r>
+                        <a:rPr lang="ko-KR" altLang="en-US" sz="1600" dirty="0">
+                          <a:latin typeface="강한공군체 Medium" panose="020B0600000101010101" pitchFamily="34" charset="-127"/>
+                          <a:ea typeface="강한공군체 Medium" panose="020B0600000101010101" pitchFamily="34" charset="-127"/>
+                        </a:rPr>
+                        <a:t>적 구현</a:t>
+                      </a:r>
                     </a:p>
                   </a:txBody>
                   <a:tcPr anchor="ctr"/>
@@ -10885,11 +10945,48 @@
                     <a:bodyPr/>
                     <a:lstStyle/>
                     <a:p>
-                      <a:pPr algn="ctr" latinLnBrk="1"/>
-                      <a:endParaRPr lang="ko-KR" altLang="en-US" sz="1400" dirty="0">
+                      <a:pPr marL="342900" indent="-342900" algn="ctr" latinLnBrk="1">
+                        <a:buAutoNum type="arabicPeriod"/>
+                      </a:pPr>
+                      <a:r>
+                        <a:rPr lang="ko-KR" altLang="en-US" sz="1400" dirty="0">
+                          <a:latin typeface="강한공군체 Medium" panose="020B0600000101010101" pitchFamily="34" charset="-127"/>
+                          <a:ea typeface="강한공군체 Medium" panose="020B0600000101010101" pitchFamily="34" charset="-127"/>
+                        </a:rPr>
+                        <a:t>적의 움직임 및 공격 모션 구현</a:t>
+                      </a:r>
+                      <a:endParaRPr lang="en-US" altLang="ko-KR" sz="1400" dirty="0">
                         <a:latin typeface="강한공군체 Medium" panose="020B0600000101010101" pitchFamily="34" charset="-127"/>
                         <a:ea typeface="강한공군체 Medium" panose="020B0600000101010101" pitchFamily="34" charset="-127"/>
                       </a:endParaRPr>
+                    </a:p>
+                    <a:p>
+                      <a:pPr marL="342900" indent="-342900" algn="ctr" latinLnBrk="1">
+                        <a:buAutoNum type="arabicPeriod"/>
+                      </a:pPr>
+                      <a:r>
+                        <a:rPr lang="ko-KR" altLang="en-US" sz="1400" dirty="0">
+                          <a:latin typeface="강한공군체 Medium" panose="020B0600000101010101" pitchFamily="34" charset="-127"/>
+                          <a:ea typeface="강한공군체 Medium" panose="020B0600000101010101" pitchFamily="34" charset="-127"/>
+                        </a:rPr>
+                        <a:t>사망 모션 구현</a:t>
+                      </a:r>
+                      <a:endParaRPr lang="en-US" altLang="ko-KR" sz="1400" dirty="0">
+                        <a:latin typeface="강한공군체 Medium" panose="020B0600000101010101" pitchFamily="34" charset="-127"/>
+                        <a:ea typeface="강한공군체 Medium" panose="020B0600000101010101" pitchFamily="34" charset="-127"/>
+                      </a:endParaRPr>
+                    </a:p>
+                    <a:p>
+                      <a:pPr marL="342900" indent="-342900" algn="ctr" latinLnBrk="1">
+                        <a:buAutoNum type="arabicPeriod"/>
+                      </a:pPr>
+                      <a:r>
+                        <a:rPr lang="ko-KR" altLang="en-US" sz="1400" dirty="0">
+                          <a:latin typeface="강한공군체 Medium" panose="020B0600000101010101" pitchFamily="34" charset="-127"/>
+                          <a:ea typeface="강한공군체 Medium" panose="020B0600000101010101" pitchFamily="34" charset="-127"/>
+                        </a:rPr>
+                        <a:t>사망 시 아이템 드롭 구현</a:t>
+                      </a:r>
                     </a:p>
                   </a:txBody>
                   <a:tcPr/>
@@ -10930,11 +11027,30 @@
                     <a:bodyPr/>
                     <a:lstStyle/>
                     <a:p>
-                      <a:pPr algn="ctr" latinLnBrk="1"/>
-                      <a:endParaRPr lang="ko-KR" altLang="en-US" sz="1600" dirty="0">
-                        <a:latin typeface="강한공군체 Medium" panose="020B0600000101010101" pitchFamily="34" charset="-127"/>
-                        <a:ea typeface="강한공군체 Medium" panose="020B0600000101010101" pitchFamily="34" charset="-127"/>
-                      </a:endParaRPr>
+                      <a:pPr marL="0" marR="0" lvl="0" indent="0" algn="ctr" defTabSz="914400" rtl="0" eaLnBrk="1" fontAlgn="auto" latinLnBrk="1" hangingPunct="1">
+                        <a:lnSpc>
+                          <a:spcPct val="100000"/>
+                        </a:lnSpc>
+                        <a:spcBef>
+                          <a:spcPts val="0"/>
+                        </a:spcBef>
+                        <a:spcAft>
+                          <a:spcPts val="0"/>
+                        </a:spcAft>
+                        <a:buClrTx/>
+                        <a:buSzTx/>
+                        <a:buFontTx/>
+                        <a:buNone/>
+                        <a:tabLst/>
+                        <a:defRPr/>
+                      </a:pPr>
+                      <a:r>
+                        <a:rPr lang="ko-KR" altLang="en-US" sz="1600" dirty="0">
+                          <a:latin typeface="강한공군체 Medium" panose="020B0600000101010101" pitchFamily="34" charset="-127"/>
+                          <a:ea typeface="강한공군체 Medium" panose="020B0600000101010101" pitchFamily="34" charset="-127"/>
+                        </a:rPr>
+                        <a:t>추가 구현 및 중간 점검</a:t>
+                      </a:r>
                     </a:p>
                   </a:txBody>
                   <a:tcPr anchor="ctr"/>
@@ -10944,7 +11060,53 @@
                     <a:bodyPr/>
                     <a:lstStyle/>
                     <a:p>
-                      <a:pPr algn="ctr" latinLnBrk="1"/>
+                      <a:pPr marL="342900" indent="-342900" algn="ctr" latinLnBrk="1">
+                        <a:buAutoNum type="arabicPeriod"/>
+                      </a:pPr>
+                      <a:r>
+                        <a:rPr lang="ko-KR" altLang="en-US" sz="1400" dirty="0">
+                          <a:latin typeface="강한공군체 Medium" panose="020B0600000101010101" pitchFamily="34" charset="-127"/>
+                          <a:ea typeface="강한공군체 Medium" panose="020B0600000101010101" pitchFamily="34" charset="-127"/>
+                        </a:rPr>
+                        <a:t>일시정지 및 키 설명 구현</a:t>
+                      </a:r>
+                      <a:endParaRPr lang="en-US" altLang="ko-KR" sz="1400" dirty="0">
+                        <a:latin typeface="강한공군체 Medium" panose="020B0600000101010101" pitchFamily="34" charset="-127"/>
+                        <a:ea typeface="강한공군체 Medium" panose="020B0600000101010101" pitchFamily="34" charset="-127"/>
+                      </a:endParaRPr>
+                    </a:p>
+                    <a:p>
+                      <a:pPr marL="342900" indent="-342900" algn="ctr" latinLnBrk="1">
+                        <a:buAutoNum type="arabicPeriod"/>
+                      </a:pPr>
+                      <a:r>
+                        <a:rPr lang="ko-KR" altLang="en-US" sz="1400" dirty="0">
+                          <a:latin typeface="강한공군체 Medium" panose="020B0600000101010101" pitchFamily="34" charset="-127"/>
+                          <a:ea typeface="강한공군체 Medium" panose="020B0600000101010101" pitchFamily="34" charset="-127"/>
+                        </a:rPr>
+                        <a:t>중간점검</a:t>
+                      </a:r>
+                      <a:r>
+                        <a:rPr lang="en-US" altLang="ko-KR" sz="1400" dirty="0">
+                          <a:latin typeface="강한공군체 Medium" panose="020B0600000101010101" pitchFamily="34" charset="-127"/>
+                          <a:ea typeface="강한공군체 Medium" panose="020B0600000101010101" pitchFamily="34" charset="-127"/>
+                        </a:rPr>
+                        <a:t>(</a:t>
+                      </a:r>
+                      <a:r>
+                        <a:rPr lang="ko-KR" altLang="en-US" sz="1400" dirty="0">
+                          <a:latin typeface="강한공군체 Medium" panose="020B0600000101010101" pitchFamily="34" charset="-127"/>
+                          <a:ea typeface="강한공군체 Medium" panose="020B0600000101010101" pitchFamily="34" charset="-127"/>
+                        </a:rPr>
+                        <a:t>오류 및 구현하지 못한 부분 해결</a:t>
+                      </a:r>
+                      <a:r>
+                        <a:rPr lang="en-US" altLang="ko-KR" sz="1400" dirty="0">
+                          <a:latin typeface="강한공군체 Medium" panose="020B0600000101010101" pitchFamily="34" charset="-127"/>
+                          <a:ea typeface="강한공군체 Medium" panose="020B0600000101010101" pitchFamily="34" charset="-127"/>
+                        </a:rPr>
+                        <a:t>)</a:t>
+                      </a:r>
                       <a:endParaRPr lang="ko-KR" altLang="en-US" sz="1400" dirty="0">
                         <a:latin typeface="강한공군체 Medium" panose="020B0600000101010101" pitchFamily="34" charset="-127"/>
                         <a:ea typeface="강한공군체 Medium" panose="020B0600000101010101" pitchFamily="34" charset="-127"/>
@@ -10990,10 +11152,13 @@
                     <a:lstStyle/>
                     <a:p>
                       <a:pPr algn="ctr" latinLnBrk="1"/>
-                      <a:endParaRPr lang="ko-KR" altLang="en-US" sz="1600" dirty="0">
-                        <a:latin typeface="강한공군체 Medium" panose="020B0600000101010101" pitchFamily="34" charset="-127"/>
-                        <a:ea typeface="강한공군체 Medium" panose="020B0600000101010101" pitchFamily="34" charset="-127"/>
-                      </a:endParaRPr>
+                      <a:r>
+                        <a:rPr lang="ko-KR" altLang="en-US" sz="1600" dirty="0">
+                          <a:latin typeface="강한공군체 Medium" panose="020B0600000101010101" pitchFamily="34" charset="-127"/>
+                          <a:ea typeface="강한공군체 Medium" panose="020B0600000101010101" pitchFamily="34" charset="-127"/>
+                        </a:rPr>
+                        <a:t>충돌체크</a:t>
+                      </a:r>
                     </a:p>
                   </a:txBody>
                   <a:tcPr anchor="ctr"/>
@@ -11003,11 +11168,70 @@
                     <a:bodyPr/>
                     <a:lstStyle/>
                     <a:p>
-                      <a:pPr algn="ctr" latinLnBrk="1"/>
-                      <a:endParaRPr lang="ko-KR" altLang="en-US" sz="1400" dirty="0">
-                        <a:latin typeface="강한공군체 Medium" panose="020B0600000101010101" pitchFamily="34" charset="-127"/>
-                        <a:ea typeface="강한공군체 Medium" panose="020B0600000101010101" pitchFamily="34" charset="-127"/>
-                      </a:endParaRPr>
+                      <a:pPr marL="342900" indent="-342900" algn="ctr" latinLnBrk="1">
+                        <a:buAutoNum type="arabicPeriod"/>
+                      </a:pPr>
+                      <a:r>
+                        <a:rPr lang="ko-KR" altLang="en-US" sz="1400" dirty="0">
+                          <a:latin typeface="강한공군체 Medium" panose="020B0600000101010101" pitchFamily="34" charset="-127"/>
+                          <a:ea typeface="강한공군체 Medium" panose="020B0600000101010101" pitchFamily="34" charset="-127"/>
+                        </a:rPr>
+                        <a:t>주인공과 적의 충돌체크</a:t>
+                      </a:r>
+                      <a:r>
+                        <a:rPr lang="en-US" altLang="ko-KR" sz="1400" dirty="0">
+                          <a:latin typeface="강한공군체 Medium" panose="020B0600000101010101" pitchFamily="34" charset="-127"/>
+                          <a:ea typeface="강한공군체 Medium" panose="020B0600000101010101" pitchFamily="34" charset="-127"/>
+                        </a:rPr>
+                        <a:t>(</a:t>
+                      </a:r>
+                      <a:r>
+                        <a:rPr lang="ko-KR" altLang="en-US" sz="1400" dirty="0">
+                          <a:latin typeface="강한공군체 Medium" panose="020B0600000101010101" pitchFamily="34" charset="-127"/>
+                          <a:ea typeface="강한공군체 Medium" panose="020B0600000101010101" pitchFamily="34" charset="-127"/>
+                        </a:rPr>
+                        <a:t>영혼 개수</a:t>
+                      </a:r>
+                      <a:r>
+                        <a:rPr lang="en-US" altLang="ko-KR" sz="1400" dirty="0">
+                          <a:latin typeface="강한공군체 Medium" panose="020B0600000101010101" pitchFamily="34" charset="-127"/>
+                          <a:ea typeface="강한공군체 Medium" panose="020B0600000101010101" pitchFamily="34" charset="-127"/>
+                        </a:rPr>
+                        <a:t>)</a:t>
+                      </a:r>
+                    </a:p>
+                    <a:p>
+                      <a:pPr marL="342900" indent="-342900" algn="ctr" latinLnBrk="1">
+                        <a:buAutoNum type="arabicPeriod"/>
+                      </a:pPr>
+                      <a:r>
+                        <a:rPr lang="ko-KR" altLang="en-US" sz="1400" dirty="0">
+                          <a:latin typeface="강한공군체 Medium" panose="020B0600000101010101" pitchFamily="34" charset="-127"/>
+                          <a:ea typeface="강한공군체 Medium" panose="020B0600000101010101" pitchFamily="34" charset="-127"/>
+                        </a:rPr>
+                        <a:t>주인공과 적의 아이템과의 충돌체크</a:t>
+                      </a:r>
+                      <a:r>
+                        <a:rPr lang="en-US" altLang="ko-KR" sz="1400" dirty="0">
+                          <a:latin typeface="강한공군체 Medium" panose="020B0600000101010101" pitchFamily="34" charset="-127"/>
+                          <a:ea typeface="강한공군체 Medium" panose="020B0600000101010101" pitchFamily="34" charset="-127"/>
+                        </a:rPr>
+                        <a:t>(</a:t>
+                      </a:r>
+                      <a:r>
+                        <a:rPr lang="ko-KR" altLang="en-US" sz="1400" dirty="0">
+                          <a:latin typeface="강한공군체 Medium" panose="020B0600000101010101" pitchFamily="34" charset="-127"/>
+                          <a:ea typeface="강한공군체 Medium" panose="020B0600000101010101" pitchFamily="34" charset="-127"/>
+                        </a:rPr>
+                        <a:t>아이템 개수</a:t>
+                      </a:r>
+                      <a:r>
+                        <a:rPr lang="en-US" altLang="ko-KR" sz="1400" dirty="0">
+                          <a:latin typeface="강한공군체 Medium" panose="020B0600000101010101" pitchFamily="34" charset="-127"/>
+                          <a:ea typeface="강한공군체 Medium" panose="020B0600000101010101" pitchFamily="34" charset="-127"/>
+                        </a:rPr>
+                        <a:t>)</a:t>
+                      </a:r>
                     </a:p>
                   </a:txBody>
                   <a:tcPr/>
@@ -11049,10 +11273,13 @@
                     <a:lstStyle/>
                     <a:p>
                       <a:pPr algn="ctr" latinLnBrk="1"/>
-                      <a:endParaRPr lang="ko-KR" altLang="en-US" sz="1600" dirty="0">
-                        <a:latin typeface="강한공군체 Medium" panose="020B0600000101010101" pitchFamily="34" charset="-127"/>
-                        <a:ea typeface="강한공군체 Medium" panose="020B0600000101010101" pitchFamily="34" charset="-127"/>
-                      </a:endParaRPr>
+                      <a:r>
+                        <a:rPr lang="ko-KR" altLang="en-US" sz="1600" dirty="0">
+                          <a:latin typeface="강한공군체 Medium" panose="020B0600000101010101" pitchFamily="34" charset="-127"/>
+                          <a:ea typeface="강한공군체 Medium" panose="020B0600000101010101" pitchFamily="34" charset="-127"/>
+                        </a:rPr>
+                        <a:t>주인공 최종</a:t>
+                      </a:r>
                     </a:p>
                   </a:txBody>
                   <a:tcPr anchor="ctr"/>
@@ -11063,10 +11290,20 @@
                     <a:lstStyle/>
                     <a:p>
                       <a:pPr algn="ctr" latinLnBrk="1"/>
-                      <a:endParaRPr lang="ko-KR" altLang="en-US" sz="1400" dirty="0">
-                        <a:latin typeface="강한공군체 Medium" panose="020B0600000101010101" pitchFamily="34" charset="-127"/>
-                        <a:ea typeface="강한공군체 Medium" panose="020B0600000101010101" pitchFamily="34" charset="-127"/>
-                      </a:endParaRPr>
+                      <a:r>
+                        <a:rPr lang="en-US" altLang="ko-KR" sz="1400" dirty="0">
+                          <a:latin typeface="강한공군체 Medium" panose="020B0600000101010101" pitchFamily="34" charset="-127"/>
+                          <a:ea typeface="강한공군체 Medium" panose="020B0600000101010101" pitchFamily="34" charset="-127"/>
+                        </a:rPr>
+                        <a:t>1. </a:t>
+                      </a:r>
+                      <a:r>
+                        <a:rPr lang="ko-KR" altLang="en-US" sz="1400" dirty="0">
+                          <a:latin typeface="강한공군체 Medium" panose="020B0600000101010101" pitchFamily="34" charset="-127"/>
+                          <a:ea typeface="강한공군체 Medium" panose="020B0600000101010101" pitchFamily="34" charset="-127"/>
+                        </a:rPr>
+                        <a:t>아이템 사용</a:t>
+                      </a:r>
                     </a:p>
                   </a:txBody>
                   <a:tcPr/>

--- a/프로젝트1차/프로젝트 1차 발표 ppt.pptx
+++ b/프로젝트1차/프로젝트 1차 발표 ppt.pptx
@@ -12,7 +12,7 @@
     <p:sldId id="272" r:id="rId3"/>
     <p:sldId id="267" r:id="rId4"/>
     <p:sldId id="268" r:id="rId5"/>
-    <p:sldId id="269" r:id="rId6"/>
+    <p:sldId id="273" r:id="rId6"/>
     <p:sldId id="270" r:id="rId7"/>
   </p:sldIdLst>
   <p:sldSz cx="12192000" cy="6858000"/>
@@ -202,7 +202,7 @@
           <a:p>
             <a:fld id="{29FBE7CF-0772-4315-980A-FF22ABF10FF7}" type="datetimeFigureOut">
               <a:rPr lang="ko-KR" altLang="en-US" smtClean="0"/>
-              <a:t>2022-09-24</a:t>
+              <a:t>2022-09-25</a:t>
             </a:fld>
             <a:endParaRPr lang="ko-KR" altLang="en-US"/>
           </a:p>
@@ -513,6 +513,90 @@
           <a:bodyPr/>
           <a:lstStyle/>
           <a:p>
+            <a:endParaRPr lang="ko-KR" altLang="en-US" dirty="0"/>
+          </a:p>
+        </p:txBody>
+      </p:sp>
+      <p:sp>
+        <p:nvSpPr>
+          <p:cNvPr id="4" name="슬라이드 번호 개체 틀 3"/>
+          <p:cNvSpPr>
+            <a:spLocks noGrp="1"/>
+          </p:cNvSpPr>
+          <p:nvPr>
+            <p:ph type="sldNum" sz="quarter" idx="5"/>
+          </p:nvPr>
+        </p:nvSpPr>
+        <p:spPr/>
+        <p:txBody>
+          <a:bodyPr/>
+          <a:lstStyle/>
+          <a:p>
+            <a:fld id="{BC931001-C406-4D4F-9846-E4EE1DE8E756}" type="slidenum">
+              <a:rPr lang="ko-KR" altLang="en-US" smtClean="0"/>
+              <a:t>1</a:t>
+            </a:fld>
+            <a:endParaRPr lang="ko-KR" altLang="en-US"/>
+          </a:p>
+        </p:txBody>
+      </p:sp>
+    </p:spTree>
+    <p:extLst>
+      <p:ext uri="{BB962C8B-B14F-4D97-AF65-F5344CB8AC3E}">
+        <p14:creationId xmlns:p14="http://schemas.microsoft.com/office/powerpoint/2010/main" val="3664865446"/>
+      </p:ext>
+    </p:extLst>
+  </p:cSld>
+  <p:clrMapOvr>
+    <a:masterClrMapping/>
+  </p:clrMapOvr>
+</p:notes>
+</file>
+
+<file path=ppt/notesSlides/notesSlide2.xml><?xml version="1.0" encoding="utf-8"?>
+<p:notes xmlns:a="http://schemas.openxmlformats.org/drawingml/2006/main" xmlns:r="http://schemas.openxmlformats.org/officeDocument/2006/relationships" xmlns:p="http://schemas.openxmlformats.org/presentationml/2006/main">
+  <p:cSld>
+    <p:spTree>
+      <p:nvGrpSpPr>
+        <p:cNvPr id="1" name=""/>
+        <p:cNvGrpSpPr/>
+        <p:nvPr/>
+      </p:nvGrpSpPr>
+      <p:grpSpPr>
+        <a:xfrm>
+          <a:off x="0" y="0"/>
+          <a:ext cx="0" cy="0"/>
+          <a:chOff x="0" y="0"/>
+          <a:chExt cx="0" cy="0"/>
+        </a:xfrm>
+      </p:grpSpPr>
+      <p:sp>
+        <p:nvSpPr>
+          <p:cNvPr id="2" name="슬라이드 이미지 개체 틀 1"/>
+          <p:cNvSpPr>
+            <a:spLocks noGrp="1" noRot="1" noChangeAspect="1"/>
+          </p:cNvSpPr>
+          <p:nvPr>
+            <p:ph type="sldImg"/>
+          </p:nvPr>
+        </p:nvSpPr>
+        <p:spPr/>
+      </p:sp>
+      <p:sp>
+        <p:nvSpPr>
+          <p:cNvPr id="3" name="슬라이드 노트 개체 틀 2"/>
+          <p:cNvSpPr>
+            <a:spLocks noGrp="1"/>
+          </p:cNvSpPr>
+          <p:nvPr>
+            <p:ph type="body" idx="1"/>
+          </p:nvPr>
+        </p:nvSpPr>
+        <p:spPr/>
+        <p:txBody>
+          <a:bodyPr/>
+          <a:lstStyle/>
+          <a:p>
             <a:r>
               <a:rPr lang="ko-KR" altLang="en-US" sz="1200" dirty="0" err="1">
                 <a:latin typeface="한컴 말랑말랑 Bold" panose="020F0803000000000000" pitchFamily="50" charset="-127"/>
@@ -678,6 +762,234 @@
 </p:notes>
 </file>
 
+<file path=ppt/notesSlides/notesSlide3.xml><?xml version="1.0" encoding="utf-8"?>
+<p:notes xmlns:a="http://schemas.openxmlformats.org/drawingml/2006/main" xmlns:r="http://schemas.openxmlformats.org/officeDocument/2006/relationships" xmlns:p="http://schemas.openxmlformats.org/presentationml/2006/main">
+  <p:cSld>
+    <p:spTree>
+      <p:nvGrpSpPr>
+        <p:cNvPr id="1" name=""/>
+        <p:cNvGrpSpPr/>
+        <p:nvPr/>
+      </p:nvGrpSpPr>
+      <p:grpSpPr>
+        <a:xfrm>
+          <a:off x="0" y="0"/>
+          <a:ext cx="0" cy="0"/>
+          <a:chOff x="0" y="0"/>
+          <a:chExt cx="0" cy="0"/>
+        </a:xfrm>
+      </p:grpSpPr>
+      <p:sp>
+        <p:nvSpPr>
+          <p:cNvPr id="2" name="슬라이드 이미지 개체 틀 1"/>
+          <p:cNvSpPr>
+            <a:spLocks noGrp="1" noRot="1" noChangeAspect="1"/>
+          </p:cNvSpPr>
+          <p:nvPr>
+            <p:ph type="sldImg"/>
+          </p:nvPr>
+        </p:nvSpPr>
+        <p:spPr/>
+      </p:sp>
+      <p:sp>
+        <p:nvSpPr>
+          <p:cNvPr id="3" name="슬라이드 노트 개체 틀 2"/>
+          <p:cNvSpPr>
+            <a:spLocks noGrp="1"/>
+          </p:cNvSpPr>
+          <p:nvPr>
+            <p:ph type="body" idx="1"/>
+          </p:nvPr>
+        </p:nvSpPr>
+        <p:spPr/>
+        <p:txBody>
+          <a:bodyPr/>
+          <a:lstStyle/>
+          <a:p>
+            <a:endParaRPr lang="ko-KR" altLang="en-US" dirty="0"/>
+          </a:p>
+        </p:txBody>
+      </p:sp>
+      <p:sp>
+        <p:nvSpPr>
+          <p:cNvPr id="4" name="슬라이드 번호 개체 틀 3"/>
+          <p:cNvSpPr>
+            <a:spLocks noGrp="1"/>
+          </p:cNvSpPr>
+          <p:nvPr>
+            <p:ph type="sldNum" sz="quarter" idx="5"/>
+          </p:nvPr>
+        </p:nvSpPr>
+        <p:spPr/>
+        <p:txBody>
+          <a:bodyPr/>
+          <a:lstStyle/>
+          <a:p>
+            <a:fld id="{BC931001-C406-4D4F-9846-E4EE1DE8E756}" type="slidenum">
+              <a:rPr lang="ko-KR" altLang="en-US" smtClean="0"/>
+              <a:t>4</a:t>
+            </a:fld>
+            <a:endParaRPr lang="ko-KR" altLang="en-US"/>
+          </a:p>
+        </p:txBody>
+      </p:sp>
+    </p:spTree>
+    <p:extLst>
+      <p:ext uri="{BB962C8B-B14F-4D97-AF65-F5344CB8AC3E}">
+        <p14:creationId xmlns:p14="http://schemas.microsoft.com/office/powerpoint/2010/main" val="1513250497"/>
+      </p:ext>
+    </p:extLst>
+  </p:cSld>
+  <p:clrMapOvr>
+    <a:masterClrMapping/>
+  </p:clrMapOvr>
+</p:notes>
+</file>
+
+<file path=ppt/notesSlides/notesSlide4.xml><?xml version="1.0" encoding="utf-8"?>
+<p:notes xmlns:a="http://schemas.openxmlformats.org/drawingml/2006/main" xmlns:r="http://schemas.openxmlformats.org/officeDocument/2006/relationships" xmlns:p="http://schemas.openxmlformats.org/presentationml/2006/main">
+  <p:cSld>
+    <p:spTree>
+      <p:nvGrpSpPr>
+        <p:cNvPr id="1" name=""/>
+        <p:cNvGrpSpPr/>
+        <p:nvPr/>
+      </p:nvGrpSpPr>
+      <p:grpSpPr>
+        <a:xfrm>
+          <a:off x="0" y="0"/>
+          <a:ext cx="0" cy="0"/>
+          <a:chOff x="0" y="0"/>
+          <a:chExt cx="0" cy="0"/>
+        </a:xfrm>
+      </p:grpSpPr>
+      <p:sp>
+        <p:nvSpPr>
+          <p:cNvPr id="2" name="슬라이드 이미지 개체 틀 1"/>
+          <p:cNvSpPr>
+            <a:spLocks noGrp="1" noRot="1" noChangeAspect="1"/>
+          </p:cNvSpPr>
+          <p:nvPr>
+            <p:ph type="sldImg"/>
+          </p:nvPr>
+        </p:nvSpPr>
+        <p:spPr/>
+      </p:sp>
+      <p:sp>
+        <p:nvSpPr>
+          <p:cNvPr id="3" name="슬라이드 노트 개체 틀 2"/>
+          <p:cNvSpPr>
+            <a:spLocks noGrp="1"/>
+          </p:cNvSpPr>
+          <p:nvPr>
+            <p:ph type="body" idx="1"/>
+          </p:nvPr>
+        </p:nvSpPr>
+        <p:spPr/>
+        <p:txBody>
+          <a:bodyPr/>
+          <a:lstStyle/>
+          <a:p>
+            <a:endParaRPr lang="ko-KR" altLang="en-US" dirty="0"/>
+          </a:p>
+        </p:txBody>
+      </p:sp>
+      <p:sp>
+        <p:nvSpPr>
+          <p:cNvPr id="4" name="슬라이드 번호 개체 틀 3"/>
+          <p:cNvSpPr>
+            <a:spLocks noGrp="1"/>
+          </p:cNvSpPr>
+          <p:nvPr>
+            <p:ph type="sldNum" sz="quarter" idx="5"/>
+          </p:nvPr>
+        </p:nvSpPr>
+        <p:spPr/>
+        <p:txBody>
+          <a:bodyPr/>
+          <a:lstStyle/>
+          <a:p>
+            <a:pPr marL="0" marR="0" lvl="0" indent="0" algn="r" defTabSz="914400" rtl="0" eaLnBrk="1" fontAlgn="auto" latinLnBrk="1" hangingPunct="1">
+              <a:lnSpc>
+                <a:spcPct val="100000"/>
+              </a:lnSpc>
+              <a:spcBef>
+                <a:spcPts val="0"/>
+              </a:spcBef>
+              <a:spcAft>
+                <a:spcPts val="0"/>
+              </a:spcAft>
+              <a:buClrTx/>
+              <a:buSzTx/>
+              <a:buFontTx/>
+              <a:buNone/>
+              <a:tabLst/>
+              <a:defRPr/>
+            </a:pPr>
+            <a:fld id="{BC931001-C406-4D4F-9846-E4EE1DE8E756}" type="slidenum">
+              <a:rPr kumimoji="0" lang="ko-KR" altLang="en-US" sz="1200" b="0" i="0" u="none" strike="noStrike" kern="1200" cap="none" spc="0" normalizeH="0" baseline="0" noProof="0" smtClean="0">
+                <a:ln>
+                  <a:noFill/>
+                </a:ln>
+                <a:solidFill>
+                  <a:prstClr val="black"/>
+                </a:solidFill>
+                <a:effectLst/>
+                <a:uLnTx/>
+                <a:uFillTx/>
+                <a:latin typeface="맑은 고딕" panose="020F0502020204030204"/>
+                <a:ea typeface="맑은 고딕" panose="020B0503020000020004" pitchFamily="50" charset="-127"/>
+                <a:cs typeface="+mn-cs"/>
+              </a:rPr>
+              <a:pPr marL="0" marR="0" lvl="0" indent="0" algn="r" defTabSz="914400" rtl="0" eaLnBrk="1" fontAlgn="auto" latinLnBrk="1" hangingPunct="1">
+                <a:lnSpc>
+                  <a:spcPct val="100000"/>
+                </a:lnSpc>
+                <a:spcBef>
+                  <a:spcPts val="0"/>
+                </a:spcBef>
+                <a:spcAft>
+                  <a:spcPts val="0"/>
+                </a:spcAft>
+                <a:buClrTx/>
+                <a:buSzTx/>
+                <a:buFontTx/>
+                <a:buNone/>
+                <a:tabLst/>
+                <a:defRPr/>
+              </a:pPr>
+              <a:t>5</a:t>
+            </a:fld>
+            <a:endParaRPr kumimoji="0" lang="ko-KR" altLang="en-US" sz="1200" b="0" i="0" u="none" strike="noStrike" kern="1200" cap="none" spc="0" normalizeH="0" baseline="0" noProof="0">
+              <a:ln>
+                <a:noFill/>
+              </a:ln>
+              <a:solidFill>
+                <a:prstClr val="black"/>
+              </a:solidFill>
+              <a:effectLst/>
+              <a:uLnTx/>
+              <a:uFillTx/>
+              <a:latin typeface="맑은 고딕" panose="020F0502020204030204"/>
+              <a:ea typeface="맑은 고딕" panose="020B0503020000020004" pitchFamily="50" charset="-127"/>
+              <a:cs typeface="+mn-cs"/>
+            </a:endParaRPr>
+          </a:p>
+        </p:txBody>
+      </p:sp>
+    </p:spTree>
+    <p:extLst>
+      <p:ext uri="{BB962C8B-B14F-4D97-AF65-F5344CB8AC3E}">
+        <p14:creationId xmlns:p14="http://schemas.microsoft.com/office/powerpoint/2010/main" val="1530340181"/>
+      </p:ext>
+    </p:extLst>
+  </p:cSld>
+  <p:clrMapOvr>
+    <a:masterClrMapping/>
+  </p:clrMapOvr>
+</p:notes>
+</file>
+
 <file path=ppt/slideLayouts/slideLayout1.xml><?xml version="1.0" encoding="utf-8"?>
 <p:sldLayout xmlns:a="http://schemas.openxmlformats.org/drawingml/2006/main" xmlns:r="http://schemas.openxmlformats.org/officeDocument/2006/relationships" xmlns:p="http://schemas.openxmlformats.org/presentationml/2006/main" type="title" preserve="1">
   <p:cSld name="제목 슬라이드">
@@ -832,7 +1144,7 @@
                 </a:solidFill>
               </a:rPr>
               <a:pPr/>
-              <a:t>2022-09-24</a:t>
+              <a:t>2022-09-25</a:t>
             </a:fld>
             <a:endParaRPr lang="ko-KR" altLang="en-US" dirty="0">
               <a:solidFill>
@@ -1062,7 +1374,7 @@
                 </a:solidFill>
               </a:rPr>
               <a:pPr/>
-              <a:t>2022-09-24</a:t>
+              <a:t>2022-09-25</a:t>
             </a:fld>
             <a:endParaRPr lang="ko-KR" altLang="en-US" dirty="0">
               <a:solidFill>
@@ -1302,7 +1614,7 @@
                 </a:solidFill>
               </a:rPr>
               <a:pPr/>
-              <a:t>2022-09-24</a:t>
+              <a:t>2022-09-25</a:t>
             </a:fld>
             <a:endParaRPr lang="ko-KR" altLang="en-US" dirty="0">
               <a:solidFill>
@@ -1532,7 +1844,7 @@
                 </a:solidFill>
               </a:rPr>
               <a:pPr/>
-              <a:t>2022-09-24</a:t>
+              <a:t>2022-09-25</a:t>
             </a:fld>
             <a:endParaRPr lang="ko-KR" altLang="en-US" dirty="0">
               <a:solidFill>
@@ -1839,7 +2151,7 @@
                 </a:solidFill>
               </a:rPr>
               <a:pPr/>
-              <a:t>2022-09-24</a:t>
+              <a:t>2022-09-25</a:t>
             </a:fld>
             <a:endParaRPr lang="ko-KR" altLang="en-US" dirty="0">
               <a:solidFill>
@@ -2136,7 +2448,7 @@
                 </a:solidFill>
               </a:rPr>
               <a:pPr/>
-              <a:t>2022-09-24</a:t>
+              <a:t>2022-09-25</a:t>
             </a:fld>
             <a:endParaRPr lang="ko-KR" altLang="en-US" dirty="0">
               <a:solidFill>
@@ -2580,7 +2892,7 @@
                 </a:solidFill>
               </a:rPr>
               <a:pPr/>
-              <a:t>2022-09-24</a:t>
+              <a:t>2022-09-25</a:t>
             </a:fld>
             <a:endParaRPr lang="ko-KR" altLang="en-US" dirty="0">
               <a:solidFill>
@@ -2753,7 +3065,7 @@
                 </a:solidFill>
               </a:rPr>
               <a:pPr/>
-              <a:t>2022-09-24</a:t>
+              <a:t>2022-09-25</a:t>
             </a:fld>
             <a:endParaRPr lang="ko-KR" altLang="en-US" dirty="0">
               <a:solidFill>
@@ -2898,7 +3210,7 @@
                 </a:solidFill>
               </a:rPr>
               <a:pPr/>
-              <a:t>2022-09-24</a:t>
+              <a:t>2022-09-25</a:t>
             </a:fld>
             <a:endParaRPr lang="ko-KR" altLang="en-US" dirty="0">
               <a:solidFill>
@@ -3241,7 +3553,7 @@
                 </a:solidFill>
               </a:rPr>
               <a:pPr/>
-              <a:t>2022-09-24</a:t>
+              <a:t>2022-09-25</a:t>
             </a:fld>
             <a:endParaRPr lang="ko-KR" altLang="en-US" dirty="0">
               <a:solidFill>
@@ -3561,7 +3873,7 @@
                 </a:solidFill>
               </a:rPr>
               <a:pPr/>
-              <a:t>2022-09-24</a:t>
+              <a:t>2022-09-25</a:t>
             </a:fld>
             <a:endParaRPr lang="ko-KR" altLang="en-US" dirty="0">
               <a:solidFill>
@@ -3834,7 +4146,7 @@
                 </a:solidFill>
               </a:rPr>
               <a:pPr/>
-              <a:t>2022-09-24</a:t>
+              <a:t>2022-09-25</a:t>
             </a:fld>
             <a:endParaRPr lang="ko-KR" altLang="en-US" dirty="0">
               <a:solidFill>
@@ -7287,14 +7599,14 @@
           <p:nvPr>
             <p:extLst>
               <p:ext uri="{D42A27DB-BD31-4B8C-83A1-F6EECF244321}">
-                <p14:modId xmlns:p14="http://schemas.microsoft.com/office/powerpoint/2010/main" val="4019428123"/>
+                <p14:modId xmlns:p14="http://schemas.microsoft.com/office/powerpoint/2010/main" val="134905173"/>
               </p:ext>
             </p:extLst>
           </p:nvPr>
         </p:nvGraphicFramePr>
         <p:xfrm>
-          <a:off x="1625026" y="685726"/>
-          <a:ext cx="8806617" cy="6013164"/>
+          <a:off x="1370717" y="631863"/>
+          <a:ext cx="9077972" cy="6060974"/>
         </p:xfrm>
         <a:graphic>
           <a:graphicData uri="http://schemas.openxmlformats.org/drawingml/2006/table">
@@ -7303,21 +7615,21 @@
                 <a:tableStyleId>{5940675A-B579-460E-94D1-54222C63F5DA}</a:tableStyleId>
               </a:tblPr>
               <a:tblGrid>
-                <a:gridCol w="1189741">
+                <a:gridCol w="1226400">
                   <a:extLst>
                     <a:ext uri="{9D8B030D-6E8A-4147-A177-3AD203B41FA5}">
                       <a16:colId xmlns:a16="http://schemas.microsoft.com/office/drawing/2014/main" val="1947379619"/>
                     </a:ext>
                   </a:extLst>
                 </a:gridCol>
-                <a:gridCol w="4017565">
+                <a:gridCol w="4141357">
                   <a:extLst>
                     <a:ext uri="{9D8B030D-6E8A-4147-A177-3AD203B41FA5}">
                       <a16:colId xmlns:a16="http://schemas.microsoft.com/office/drawing/2014/main" val="3099758574"/>
                     </a:ext>
                   </a:extLst>
                 </a:gridCol>
-                <a:gridCol w="3599311">
+                <a:gridCol w="3710215">
                   <a:extLst>
                     <a:ext uri="{9D8B030D-6E8A-4147-A177-3AD203B41FA5}">
                       <a16:colId xmlns:a16="http://schemas.microsoft.com/office/drawing/2014/main" val="1323198154"/>
@@ -7325,7 +7637,7 @@
                   </a:extLst>
                 </a:gridCol>
               </a:tblGrid>
-              <a:tr h="360318">
+              <a:tr h="282462">
                 <a:tc>
                   <a:txBody>
                     <a:bodyPr/>
@@ -7333,7 +7645,7 @@
                     <a:p>
                       <a:pPr algn="ctr" latinLnBrk="1"/>
                       <a:r>
-                        <a:rPr lang="ko-KR" altLang="en-US" sz="1400" dirty="0">
+                        <a:rPr lang="ko-KR" altLang="en-US" sz="1300" dirty="0">
                           <a:latin typeface="강한공군체 Medium" panose="020B0600000101010101" pitchFamily="34" charset="-127"/>
                           <a:ea typeface="강한공군체 Medium" panose="020B0600000101010101" pitchFamily="34" charset="-127"/>
                         </a:rPr>
@@ -7350,7 +7662,7 @@
                     <a:p>
                       <a:pPr algn="ctr" latinLnBrk="1"/>
                       <a:r>
-                        <a:rPr lang="ko-KR" altLang="en-US" sz="1400" dirty="0">
+                        <a:rPr lang="ko-KR" altLang="en-US" sz="1300" dirty="0">
                           <a:latin typeface="강한공군체 Medium" panose="020B0600000101010101" pitchFamily="34" charset="-127"/>
                           <a:ea typeface="강한공군체 Medium" panose="020B0600000101010101" pitchFamily="34" charset="-127"/>
                         </a:rPr>
@@ -7367,7 +7679,7 @@
                     <a:p>
                       <a:pPr algn="ctr" latinLnBrk="1"/>
                       <a:r>
-                        <a:rPr lang="ko-KR" altLang="en-US" sz="1400" dirty="0">
+                        <a:rPr lang="ko-KR" altLang="en-US" sz="1300" dirty="0">
                           <a:latin typeface="강한공군체 Medium" panose="020B0600000101010101" pitchFamily="34" charset="-127"/>
                           <a:ea typeface="강한공군체 Medium" panose="020B0600000101010101" pitchFamily="34" charset="-127"/>
                         </a:rPr>
@@ -7391,13 +7703,13 @@
                     <a:p>
                       <a:pPr algn="ctr" latinLnBrk="1"/>
                       <a:r>
-                        <a:rPr lang="ko-KR" altLang="en-US" sz="1400" dirty="0">
+                        <a:rPr lang="ko-KR" altLang="en-US" sz="1300" dirty="0">
                           <a:latin typeface="강한공군체 Medium" panose="020B0600000101010101" pitchFamily="34" charset="-127"/>
                           <a:ea typeface="강한공군체 Medium" panose="020B0600000101010101" pitchFamily="34" charset="-127"/>
                         </a:rPr>
                         <a:t>캐릭터</a:t>
                       </a:r>
-                      <a:endParaRPr lang="en-US" altLang="ko-KR" sz="1400" dirty="0">
+                      <a:endParaRPr lang="en-US" altLang="ko-KR" sz="1300" dirty="0">
                         <a:latin typeface="강한공군체 Medium" panose="020B0600000101010101" pitchFamily="34" charset="-127"/>
                         <a:ea typeface="강한공군체 Medium" panose="020B0600000101010101" pitchFamily="34" charset="-127"/>
                       </a:endParaRPr>
@@ -7405,7 +7717,7 @@
                     <a:p>
                       <a:pPr algn="ctr" latinLnBrk="1"/>
                       <a:r>
-                        <a:rPr lang="ko-KR" altLang="en-US" sz="1400" dirty="0">
+                        <a:rPr lang="ko-KR" altLang="en-US" sz="1300" dirty="0">
                           <a:latin typeface="강한공군체 Medium" panose="020B0600000101010101" pitchFamily="34" charset="-127"/>
                           <a:ea typeface="강한공군체 Medium" panose="020B0600000101010101" pitchFamily="34" charset="-127"/>
                         </a:rPr>
@@ -7422,42 +7734,42 @@
                     <a:p>
                       <a:pPr algn="ctr" latinLnBrk="1"/>
                       <a:r>
-                        <a:rPr lang="ko-KR" altLang="en-US" sz="1400" dirty="0">
+                        <a:rPr lang="ko-KR" altLang="en-US" sz="1300" dirty="0">
                           <a:latin typeface="강한공군체 Medium" panose="020B0600000101010101" pitchFamily="34" charset="-127"/>
                           <a:ea typeface="강한공군체 Medium" panose="020B0600000101010101" pitchFamily="34" charset="-127"/>
                         </a:rPr>
                         <a:t>캐릭터 움직임 </a:t>
                       </a:r>
                       <a:r>
-                        <a:rPr lang="en-US" altLang="ko-KR" sz="1400" dirty="0">
+                        <a:rPr lang="en-US" altLang="ko-KR" sz="1300" dirty="0">
                           <a:latin typeface="강한공군체 Medium" panose="020B0600000101010101" pitchFamily="34" charset="-127"/>
                           <a:ea typeface="강한공군체 Medium" panose="020B0600000101010101" pitchFamily="34" charset="-127"/>
                         </a:rPr>
                         <a:t>4</a:t>
                       </a:r>
                       <a:r>
-                        <a:rPr lang="ko-KR" altLang="en-US" sz="1400" dirty="0">
+                        <a:rPr lang="ko-KR" altLang="en-US" sz="1300" dirty="0">
                           <a:latin typeface="강한공군체 Medium" panose="020B0600000101010101" pitchFamily="34" charset="-127"/>
                           <a:ea typeface="강한공군체 Medium" panose="020B0600000101010101" pitchFamily="34" charset="-127"/>
                         </a:rPr>
                         <a:t>방향</a:t>
                       </a:r>
                       <a:r>
-                        <a:rPr lang="en-US" altLang="ko-KR" sz="1400" dirty="0">
+                        <a:rPr lang="en-US" altLang="ko-KR" sz="1300" dirty="0">
                           <a:latin typeface="강한공군체 Medium" panose="020B0600000101010101" pitchFamily="34" charset="-127"/>
                           <a:ea typeface="강한공군체 Medium" panose="020B0600000101010101" pitchFamily="34" charset="-127"/>
                         </a:rPr>
                         <a:t>(</a:t>
                       </a:r>
                       <a:r>
-                        <a:rPr lang="ko-KR" altLang="en-US" sz="1400" dirty="0">
+                        <a:rPr lang="ko-KR" altLang="en-US" sz="1300" dirty="0">
                           <a:latin typeface="강한공군체 Medium" panose="020B0600000101010101" pitchFamily="34" charset="-127"/>
                           <a:ea typeface="강한공군체 Medium" panose="020B0600000101010101" pitchFamily="34" charset="-127"/>
                         </a:rPr>
                         <a:t>방향키</a:t>
                       </a:r>
                       <a:r>
-                        <a:rPr lang="en-US" altLang="ko-KR" sz="1400" dirty="0">
+                        <a:rPr lang="en-US" altLang="ko-KR" sz="1300" dirty="0">
                           <a:latin typeface="강한공군체 Medium" panose="020B0600000101010101" pitchFamily="34" charset="-127"/>
                           <a:ea typeface="강한공군체 Medium" panose="020B0600000101010101" pitchFamily="34" charset="-127"/>
                         </a:rPr>
@@ -7467,14 +7779,14 @@
                     <a:p>
                       <a:pPr algn="ctr" latinLnBrk="1"/>
                       <a:r>
-                        <a:rPr lang="en-US" altLang="ko-KR" sz="1400" dirty="0">
+                        <a:rPr lang="en-US" altLang="ko-KR" sz="1300" dirty="0">
                           <a:latin typeface="강한공군체 Medium" panose="020B0600000101010101" pitchFamily="34" charset="-127"/>
                           <a:ea typeface="강한공군체 Medium" panose="020B0600000101010101" pitchFamily="34" charset="-127"/>
                         </a:rPr>
                         <a:t>+</a:t>
                       </a:r>
                       <a:r>
-                        <a:rPr lang="ko-KR" altLang="en-US" sz="1400" dirty="0">
+                        <a:rPr lang="ko-KR" altLang="en-US" sz="1300" dirty="0">
                           <a:latin typeface="강한공군체 Medium" panose="020B0600000101010101" pitchFamily="34" charset="-127"/>
                           <a:ea typeface="강한공군체 Medium" panose="020B0600000101010101" pitchFamily="34" charset="-127"/>
                         </a:rPr>
@@ -7491,7 +7803,7 @@
                     <a:p>
                       <a:pPr algn="ctr" latinLnBrk="1"/>
                       <a:r>
-                        <a:rPr lang="ko-KR" altLang="en-US" sz="1400" dirty="0">
+                        <a:rPr lang="ko-KR" altLang="en-US" sz="1300" dirty="0">
                           <a:latin typeface="강한공군체 Medium" panose="020B0600000101010101" pitchFamily="34" charset="-127"/>
                           <a:ea typeface="강한공군체 Medium" panose="020B0600000101010101" pitchFamily="34" charset="-127"/>
                         </a:rPr>
@@ -7515,13 +7827,13 @@
                     <a:p>
                       <a:pPr algn="ctr" latinLnBrk="1"/>
                       <a:r>
-                        <a:rPr lang="ko-KR" altLang="en-US" sz="1400" dirty="0">
+                        <a:rPr lang="ko-KR" altLang="en-US" sz="1300" dirty="0">
                           <a:latin typeface="강한공군체 Medium" panose="020B0600000101010101" pitchFamily="34" charset="-127"/>
                           <a:ea typeface="강한공군체 Medium" panose="020B0600000101010101" pitchFamily="34" charset="-127"/>
                         </a:rPr>
                         <a:t>캐릭터</a:t>
                       </a:r>
-                      <a:endParaRPr lang="en-US" altLang="ko-KR" sz="1400" dirty="0">
+                      <a:endParaRPr lang="en-US" altLang="ko-KR" sz="1300" dirty="0">
                         <a:latin typeface="강한공군체 Medium" panose="020B0600000101010101" pitchFamily="34" charset="-127"/>
                         <a:ea typeface="강한공군체 Medium" panose="020B0600000101010101" pitchFamily="34" charset="-127"/>
                       </a:endParaRPr>
@@ -7529,7 +7841,7 @@
                     <a:p>
                       <a:pPr algn="ctr" latinLnBrk="1"/>
                       <a:r>
-                        <a:rPr lang="ko-KR" altLang="en-US" sz="1400" dirty="0">
+                        <a:rPr lang="ko-KR" altLang="en-US" sz="1300" dirty="0">
                           <a:latin typeface="강한공군체 Medium" panose="020B0600000101010101" pitchFamily="34" charset="-127"/>
                           <a:ea typeface="강한공군체 Medium" panose="020B0600000101010101" pitchFamily="34" charset="-127"/>
                         </a:rPr>
@@ -7546,42 +7858,42 @@
                     <a:p>
                       <a:pPr algn="ctr" latinLnBrk="1"/>
                       <a:r>
-                        <a:rPr lang="en-US" altLang="ko-KR" sz="1400" dirty="0">
+                        <a:rPr lang="en-US" altLang="ko-KR" sz="1300" dirty="0">
                           <a:latin typeface="강한공군체 Medium" panose="020B0600000101010101" pitchFamily="34" charset="-127"/>
                           <a:ea typeface="강한공군체 Medium" panose="020B0600000101010101" pitchFamily="34" charset="-127"/>
                         </a:rPr>
                         <a:t>Z- </a:t>
                       </a:r>
                       <a:r>
-                        <a:rPr lang="ko-KR" altLang="en-US" sz="1400" dirty="0">
+                        <a:rPr lang="ko-KR" altLang="en-US" sz="1300" dirty="0">
                           <a:latin typeface="강한공군체 Medium" panose="020B0600000101010101" pitchFamily="34" charset="-127"/>
                           <a:ea typeface="강한공군체 Medium" panose="020B0600000101010101" pitchFamily="34" charset="-127"/>
                         </a:rPr>
                         <a:t>점프</a:t>
                       </a:r>
                       <a:r>
-                        <a:rPr lang="en-US" altLang="ko-KR" sz="1400" dirty="0">
+                        <a:rPr lang="en-US" altLang="ko-KR" sz="1300" dirty="0">
                           <a:latin typeface="강한공군체 Medium" panose="020B0600000101010101" pitchFamily="34" charset="-127"/>
                           <a:ea typeface="강한공군체 Medium" panose="020B0600000101010101" pitchFamily="34" charset="-127"/>
                         </a:rPr>
                         <a:t>, X- </a:t>
                       </a:r>
                       <a:r>
-                        <a:rPr lang="ko-KR" altLang="en-US" sz="1400" dirty="0">
+                        <a:rPr lang="ko-KR" altLang="en-US" sz="1300" dirty="0">
                           <a:latin typeface="강한공군체 Medium" panose="020B0600000101010101" pitchFamily="34" charset="-127"/>
                           <a:ea typeface="강한공군체 Medium" panose="020B0600000101010101" pitchFamily="34" charset="-127"/>
                         </a:rPr>
                         <a:t>공격</a:t>
                       </a:r>
                       <a:r>
-                        <a:rPr lang="en-US" altLang="ko-KR" sz="1400" dirty="0">
+                        <a:rPr lang="en-US" altLang="ko-KR" sz="1300" dirty="0">
                           <a:latin typeface="강한공군체 Medium" panose="020B0600000101010101" pitchFamily="34" charset="-127"/>
                           <a:ea typeface="강한공군체 Medium" panose="020B0600000101010101" pitchFamily="34" charset="-127"/>
                         </a:rPr>
                         <a:t>, C- </a:t>
                       </a:r>
                       <a:r>
-                        <a:rPr lang="ko-KR" altLang="en-US" sz="1400" dirty="0">
+                        <a:rPr lang="ko-KR" altLang="en-US" sz="1300" dirty="0">
                           <a:latin typeface="강한공군체 Medium" panose="020B0600000101010101" pitchFamily="34" charset="-127"/>
                           <a:ea typeface="강한공군체 Medium" panose="020B0600000101010101" pitchFamily="34" charset="-127"/>
                         </a:rPr>
@@ -7598,7 +7910,7 @@
                     <a:p>
                       <a:pPr algn="ctr" latinLnBrk="1"/>
                       <a:r>
-                        <a:rPr lang="ko-KR" altLang="en-US" sz="1400" dirty="0">
+                        <a:rPr lang="ko-KR" altLang="en-US" sz="1300" dirty="0">
                           <a:latin typeface="강한공군체 Medium" panose="020B0600000101010101" pitchFamily="34" charset="-127"/>
                           <a:ea typeface="강한공군체 Medium" panose="020B0600000101010101" pitchFamily="34" charset="-127"/>
                         </a:rPr>
@@ -7622,7 +7934,7 @@
                     <a:p>
                       <a:pPr algn="ctr" latinLnBrk="1"/>
                       <a:r>
-                        <a:rPr lang="ko-KR" altLang="en-US" sz="1400" dirty="0">
+                        <a:rPr lang="ko-KR" altLang="en-US" sz="1300" dirty="0">
                           <a:latin typeface="강한공군체 Medium" panose="020B0600000101010101" pitchFamily="34" charset="-127"/>
                           <a:ea typeface="강한공군체 Medium" panose="020B0600000101010101" pitchFamily="34" charset="-127"/>
                         </a:rPr>
@@ -7639,29 +7951,16 @@
                     <a:p>
                       <a:pPr algn="ctr" latinLnBrk="1"/>
                       <a:r>
-                        <a:rPr lang="ko-KR" altLang="en-US" sz="1400" dirty="0">
+                        <a:rPr lang="ko-KR" altLang="en-US" sz="1300" dirty="0">
                           <a:latin typeface="강한공군체 Medium" panose="020B0600000101010101" pitchFamily="34" charset="-127"/>
                           <a:ea typeface="강한공군체 Medium" panose="020B0600000101010101" pitchFamily="34" charset="-127"/>
                         </a:rPr>
                         <a:t>횡 스크롤</a:t>
                       </a:r>
-                      <a:r>
-                        <a:rPr lang="en-US" altLang="ko-KR" sz="1400" dirty="0">
-                          <a:latin typeface="강한공군체 Medium" panose="020B0600000101010101" pitchFamily="34" charset="-127"/>
-                          <a:ea typeface="강한공군체 Medium" panose="020B0600000101010101" pitchFamily="34" charset="-127"/>
-                        </a:rPr>
-                        <a:t>,</a:t>
-                      </a:r>
-                    </a:p>
-                    <a:p>
-                      <a:pPr algn="ctr" latinLnBrk="1"/>
-                      <a:r>
-                        <a:rPr lang="ko-KR" altLang="en-US" sz="1400" dirty="0">
-                          <a:latin typeface="강한공군체 Medium" panose="020B0600000101010101" pitchFamily="34" charset="-127"/>
-                          <a:ea typeface="강한공군체 Medium" panose="020B0600000101010101" pitchFamily="34" charset="-127"/>
-                        </a:rPr>
-                        <a:t>일반적으로 지도를 지급</a:t>
-                      </a:r>
+                      <a:endParaRPr lang="en-US" altLang="ko-KR" sz="1300" dirty="0">
+                        <a:latin typeface="강한공군체 Medium" panose="020B0600000101010101" pitchFamily="34" charset="-127"/>
+                        <a:ea typeface="강한공군체 Medium" panose="020B0600000101010101" pitchFamily="34" charset="-127"/>
+                      </a:endParaRPr>
                     </a:p>
                   </a:txBody>
                   <a:tcPr anchor="ctr"/>
@@ -7673,27 +7972,27 @@
                     <a:p>
                       <a:pPr algn="ctr" latinLnBrk="1"/>
                       <a:r>
-                        <a:rPr lang="ko-KR" altLang="en-US" sz="1400" dirty="0">
+                        <a:rPr lang="ko-KR" altLang="en-US" sz="1300" dirty="0">
                           <a:latin typeface="강한공군체 Medium" panose="020B0600000101010101" pitchFamily="34" charset="-127"/>
                           <a:ea typeface="강한공군체 Medium" panose="020B0600000101010101" pitchFamily="34" charset="-127"/>
                         </a:rPr>
                         <a:t>최종보스</a:t>
                       </a:r>
                       <a:r>
-                        <a:rPr lang="en-US" altLang="ko-KR" sz="1400" dirty="0">
+                        <a:rPr lang="en-US" altLang="ko-KR" sz="1300" dirty="0">
                           <a:latin typeface="강한공군체 Medium" panose="020B0600000101010101" pitchFamily="34" charset="-127"/>
                           <a:ea typeface="강한공군체 Medium" panose="020B0600000101010101" pitchFamily="34" charset="-127"/>
                         </a:rPr>
                         <a:t>, </a:t>
                       </a:r>
                       <a:r>
-                        <a:rPr lang="ko-KR" altLang="en-US" sz="1400" dirty="0">
+                        <a:rPr lang="ko-KR" altLang="en-US" sz="1300" dirty="0">
                           <a:latin typeface="강한공군체 Medium" panose="020B0600000101010101" pitchFamily="34" charset="-127"/>
                           <a:ea typeface="강한공군체 Medium" panose="020B0600000101010101" pitchFamily="34" charset="-127"/>
                         </a:rPr>
                         <a:t>맵 더 크게 구현</a:t>
                       </a:r>
-                      <a:endParaRPr lang="en-US" altLang="ko-KR" sz="1400" dirty="0">
+                      <a:endParaRPr lang="en-US" altLang="ko-KR" sz="1300" dirty="0">
                         <a:latin typeface="강한공군체 Medium" panose="020B0600000101010101" pitchFamily="34" charset="-127"/>
                         <a:ea typeface="강한공군체 Medium" panose="020B0600000101010101" pitchFamily="34" charset="-127"/>
                       </a:endParaRPr>
@@ -7701,7 +8000,7 @@
                     <a:p>
                       <a:pPr algn="ctr" latinLnBrk="1"/>
                       <a:r>
-                        <a:rPr lang="ko-KR" altLang="en-US" sz="1400" dirty="0">
+                        <a:rPr lang="ko-KR" altLang="en-US" sz="1300" dirty="0">
                           <a:latin typeface="강한공군체 Medium" panose="020B0600000101010101" pitchFamily="34" charset="-127"/>
                           <a:ea typeface="강한공군체 Medium" panose="020B0600000101010101" pitchFamily="34" charset="-127"/>
                         </a:rPr>
@@ -7725,20 +8024,20 @@
                     <a:p>
                       <a:pPr algn="ctr" latinLnBrk="1"/>
                       <a:r>
-                        <a:rPr lang="ko-KR" altLang="en-US" sz="1400" dirty="0">
+                        <a:rPr lang="ko-KR" altLang="en-US" sz="1300" dirty="0">
                           <a:latin typeface="강한공군체 Medium" panose="020B0600000101010101" pitchFamily="34" charset="-127"/>
                           <a:ea typeface="강한공군체 Medium" panose="020B0600000101010101" pitchFamily="34" charset="-127"/>
                         </a:rPr>
                         <a:t>적 </a:t>
                       </a:r>
                       <a:r>
-                        <a:rPr lang="en-US" altLang="ko-KR" sz="1400" dirty="0">
+                        <a:rPr lang="en-US" altLang="ko-KR" sz="1300" dirty="0">
                           <a:latin typeface="강한공군체 Medium" panose="020B0600000101010101" pitchFamily="34" charset="-127"/>
                           <a:ea typeface="강한공군체 Medium" panose="020B0600000101010101" pitchFamily="34" charset="-127"/>
                         </a:rPr>
                         <a:t>AI</a:t>
                       </a:r>
-                      <a:endParaRPr lang="ko-KR" altLang="en-US" sz="1400" dirty="0">
+                      <a:endParaRPr lang="ko-KR" altLang="en-US" sz="1300" dirty="0">
                         <a:latin typeface="강한공군체 Medium" panose="020B0600000101010101" pitchFamily="34" charset="-127"/>
                         <a:ea typeface="강한공군체 Medium" panose="020B0600000101010101" pitchFamily="34" charset="-127"/>
                       </a:endParaRPr>
@@ -7753,27 +8052,27 @@
                     <a:p>
                       <a:pPr algn="ctr" latinLnBrk="1"/>
                       <a:r>
-                        <a:rPr lang="ko-KR" altLang="en-US" sz="1400" dirty="0">
+                        <a:rPr lang="ko-KR" altLang="en-US" sz="1300" dirty="0">
                           <a:latin typeface="강한공군체 Medium" panose="020B0600000101010101" pitchFamily="34" charset="-127"/>
                           <a:ea typeface="강한공군체 Medium" panose="020B0600000101010101" pitchFamily="34" charset="-127"/>
                         </a:rPr>
                         <a:t>비행하는 적</a:t>
                       </a:r>
                       <a:r>
-                        <a:rPr lang="en-US" altLang="ko-KR" sz="1400" dirty="0">
+                        <a:rPr lang="en-US" altLang="ko-KR" sz="1300" dirty="0">
                           <a:latin typeface="강한공군체 Medium" panose="020B0600000101010101" pitchFamily="34" charset="-127"/>
                           <a:ea typeface="강한공군체 Medium" panose="020B0600000101010101" pitchFamily="34" charset="-127"/>
                         </a:rPr>
                         <a:t>1: </a:t>
                       </a:r>
                       <a:r>
-                        <a:rPr lang="ko-KR" altLang="en-US" sz="1400" dirty="0">
+                        <a:rPr lang="ko-KR" altLang="en-US" sz="1300" dirty="0">
                           <a:latin typeface="강한공군체 Medium" panose="020B0600000101010101" pitchFamily="34" charset="-127"/>
                           <a:ea typeface="강한공군체 Medium" panose="020B0600000101010101" pitchFamily="34" charset="-127"/>
                         </a:rPr>
                         <a:t>공중에서 공격</a:t>
                       </a:r>
-                      <a:endParaRPr lang="en-US" altLang="ko-KR" sz="1400" dirty="0">
+                      <a:endParaRPr lang="en-US" altLang="ko-KR" sz="1300" dirty="0">
                         <a:latin typeface="강한공군체 Medium" panose="020B0600000101010101" pitchFamily="34" charset="-127"/>
                         <a:ea typeface="강한공군체 Medium" panose="020B0600000101010101" pitchFamily="34" charset="-127"/>
                       </a:endParaRPr>
@@ -7781,27 +8080,27 @@
                     <a:p>
                       <a:pPr algn="ctr" latinLnBrk="1"/>
                       <a:r>
-                        <a:rPr lang="ko-KR" altLang="en-US" sz="1400" dirty="0">
+                        <a:rPr lang="ko-KR" altLang="en-US" sz="1300" dirty="0">
                           <a:latin typeface="강한공군체 Medium" panose="020B0600000101010101" pitchFamily="34" charset="-127"/>
                           <a:ea typeface="강한공군체 Medium" panose="020B0600000101010101" pitchFamily="34" charset="-127"/>
                         </a:rPr>
                         <a:t>지면의 적</a:t>
                       </a:r>
                       <a:r>
-                        <a:rPr lang="en-US" altLang="ko-KR" sz="1400" dirty="0">
+                        <a:rPr lang="en-US" altLang="ko-KR" sz="1300" dirty="0">
                           <a:latin typeface="강한공군체 Medium" panose="020B0600000101010101" pitchFamily="34" charset="-127"/>
                           <a:ea typeface="강한공군체 Medium" panose="020B0600000101010101" pitchFamily="34" charset="-127"/>
                         </a:rPr>
                         <a:t>2: </a:t>
                       </a:r>
                       <a:r>
-                        <a:rPr lang="ko-KR" altLang="en-US" sz="1400" dirty="0">
+                        <a:rPr lang="ko-KR" altLang="en-US" sz="1300" dirty="0">
                           <a:latin typeface="강한공군체 Medium" panose="020B0600000101010101" pitchFamily="34" charset="-127"/>
                           <a:ea typeface="강한공군체 Medium" panose="020B0600000101010101" pitchFamily="34" charset="-127"/>
                         </a:rPr>
                         <a:t>일정범위 내에 들어오면 </a:t>
                       </a:r>
-                      <a:endParaRPr lang="en-US" altLang="ko-KR" sz="1400" dirty="0">
+                      <a:endParaRPr lang="en-US" altLang="ko-KR" sz="1300" dirty="0">
                         <a:latin typeface="강한공군체 Medium" panose="020B0600000101010101" pitchFamily="34" charset="-127"/>
                         <a:ea typeface="강한공군체 Medium" panose="020B0600000101010101" pitchFamily="34" charset="-127"/>
                       </a:endParaRPr>
@@ -7809,12 +8108,51 @@
                     <a:p>
                       <a:pPr algn="ctr" latinLnBrk="1"/>
                       <a:r>
-                        <a:rPr lang="ko-KR" altLang="en-US" sz="1400" dirty="0">
+                        <a:rPr lang="ko-KR" altLang="en-US" sz="1300" dirty="0">
                           <a:latin typeface="강한공군체 Medium" panose="020B0600000101010101" pitchFamily="34" charset="-127"/>
                           <a:ea typeface="강한공군체 Medium" panose="020B0600000101010101" pitchFamily="34" charset="-127"/>
                         </a:rPr>
                         <a:t>돌진하며 공격</a:t>
                       </a:r>
+                      <a:endParaRPr lang="en-US" altLang="ko-KR" sz="1300" dirty="0">
+                        <a:latin typeface="강한공군체 Medium" panose="020B0600000101010101" pitchFamily="34" charset="-127"/>
+                        <a:ea typeface="강한공군체 Medium" panose="020B0600000101010101" pitchFamily="34" charset="-127"/>
+                      </a:endParaRPr>
+                    </a:p>
+                    <a:p>
+                      <a:pPr algn="ctr" latinLnBrk="1"/>
+                      <a:r>
+                        <a:rPr lang="ko-KR" altLang="en-US" sz="1300" dirty="0">
+                          <a:latin typeface="강한공군체 Medium" panose="020B0600000101010101" pitchFamily="34" charset="-127"/>
+                          <a:ea typeface="강한공군체 Medium" panose="020B0600000101010101" pitchFamily="34" charset="-127"/>
+                        </a:rPr>
+                        <a:t>보스</a:t>
+                      </a:r>
+                      <a:r>
+                        <a:rPr lang="en-US" altLang="ko-KR" sz="1300" dirty="0">
+                          <a:latin typeface="강한공군체 Medium" panose="020B0600000101010101" pitchFamily="34" charset="-127"/>
+                          <a:ea typeface="강한공군체 Medium" panose="020B0600000101010101" pitchFamily="34" charset="-127"/>
+                        </a:rPr>
+                        <a:t>(</a:t>
+                      </a:r>
+                      <a:r>
+                        <a:rPr lang="ko-KR" altLang="en-US" sz="1300" dirty="0">
+                          <a:latin typeface="강한공군체 Medium" panose="020B0600000101010101" pitchFamily="34" charset="-127"/>
+                          <a:ea typeface="강한공군체 Medium" panose="020B0600000101010101" pitchFamily="34" charset="-127"/>
+                        </a:rPr>
+                        <a:t>일반 적과 다른 패턴</a:t>
+                      </a:r>
+                      <a:r>
+                        <a:rPr lang="en-US" altLang="ko-KR" sz="1300" dirty="0">
+                          <a:latin typeface="강한공군체 Medium" panose="020B0600000101010101" pitchFamily="34" charset="-127"/>
+                          <a:ea typeface="강한공군체 Medium" panose="020B0600000101010101" pitchFamily="34" charset="-127"/>
+                        </a:rPr>
+                        <a:t>)</a:t>
+                      </a:r>
+                      <a:endParaRPr lang="ko-KR" altLang="en-US" sz="1300" dirty="0">
+                        <a:latin typeface="강한공군체 Medium" panose="020B0600000101010101" pitchFamily="34" charset="-127"/>
+                        <a:ea typeface="강한공군체 Medium" panose="020B0600000101010101" pitchFamily="34" charset="-127"/>
+                      </a:endParaRPr>
                     </a:p>
                   </a:txBody>
                   <a:tcPr anchor="ctr"/>
@@ -7826,13 +8164,13 @@
                     <a:p>
                       <a:pPr algn="ctr" latinLnBrk="1"/>
                       <a:r>
-                        <a:rPr lang="ko-KR" altLang="en-US" sz="1400" dirty="0">
-                          <a:latin typeface="강한공군체 Medium" panose="020B0600000101010101" pitchFamily="34" charset="-127"/>
-                          <a:ea typeface="강한공군체 Medium" panose="020B0600000101010101" pitchFamily="34" charset="-127"/>
-                        </a:rPr>
-                        <a:t>몬스터의 종류를 더 늘림</a:t>
-                      </a:r>
-                      <a:endParaRPr lang="en-US" altLang="ko-KR" sz="1400" dirty="0">
+                        <a:rPr lang="ko-KR" altLang="en-US" sz="1300" dirty="0">
+                          <a:latin typeface="강한공군체 Medium" panose="020B0600000101010101" pitchFamily="34" charset="-127"/>
+                          <a:ea typeface="강한공군체 Medium" panose="020B0600000101010101" pitchFamily="34" charset="-127"/>
+                        </a:rPr>
+                        <a:t>중간 보스 생성</a:t>
+                      </a:r>
+                      <a:endParaRPr lang="en-US" altLang="ko-KR" sz="1300" dirty="0">
                         <a:latin typeface="강한공군체 Medium" panose="020B0600000101010101" pitchFamily="34" charset="-127"/>
                         <a:ea typeface="강한공군체 Medium" panose="020B0600000101010101" pitchFamily="34" charset="-127"/>
                       </a:endParaRPr>
@@ -7840,13 +8178,13 @@
                     <a:p>
                       <a:pPr algn="ctr" latinLnBrk="1"/>
                       <a:r>
-                        <a:rPr lang="ko-KR" altLang="en-US" sz="1400" dirty="0">
+                        <a:rPr lang="ko-KR" altLang="en-US" sz="1300" dirty="0">
                           <a:latin typeface="강한공군체 Medium" panose="020B0600000101010101" pitchFamily="34" charset="-127"/>
                           <a:ea typeface="강한공군체 Medium" panose="020B0600000101010101" pitchFamily="34" charset="-127"/>
                         </a:rPr>
                         <a:t>공중의 적을 죽이지 않을 시 따라오면서 공격하도록 설정</a:t>
                       </a:r>
-                      <a:endParaRPr lang="en-US" altLang="ko-KR" sz="1400" dirty="0">
+                      <a:endParaRPr lang="en-US" altLang="ko-KR" sz="1300" dirty="0">
                         <a:latin typeface="강한공군체 Medium" panose="020B0600000101010101" pitchFamily="34" charset="-127"/>
                         <a:ea typeface="강한공군체 Medium" panose="020B0600000101010101" pitchFamily="34" charset="-127"/>
                       </a:endParaRPr>
@@ -7868,7 +8206,7 @@
                     <a:p>
                       <a:pPr algn="ctr" latinLnBrk="1"/>
                       <a:r>
-                        <a:rPr lang="ko-KR" altLang="en-US" sz="1400" dirty="0">
+                        <a:rPr lang="ko-KR" altLang="en-US" sz="1300" dirty="0">
                           <a:latin typeface="강한공군체 Medium" panose="020B0600000101010101" pitchFamily="34" charset="-127"/>
                           <a:ea typeface="강한공군체 Medium" panose="020B0600000101010101" pitchFamily="34" charset="-127"/>
                         </a:rPr>
@@ -7885,14 +8223,14 @@
                     <a:p>
                       <a:pPr algn="ctr" latinLnBrk="1"/>
                       <a:r>
-                        <a:rPr lang="ko-KR" altLang="en-US" sz="1400" dirty="0">
+                        <a:rPr lang="ko-KR" altLang="en-US" sz="1300" dirty="0">
                           <a:latin typeface="강한공군체 Medium" panose="020B0600000101010101" pitchFamily="34" charset="-127"/>
                           <a:ea typeface="강한공군체 Medium" panose="020B0600000101010101" pitchFamily="34" charset="-127"/>
                         </a:rPr>
                         <a:t>기본 난이도 체크포인트 </a:t>
                       </a:r>
                       <a:r>
-                        <a:rPr lang="en-US" altLang="ko-KR" sz="1400" dirty="0">
+                        <a:rPr lang="en-US" altLang="ko-KR" sz="1300" dirty="0">
                           <a:latin typeface="강한공군체 Medium" panose="020B0600000101010101" pitchFamily="34" charset="-127"/>
                           <a:ea typeface="강한공군체 Medium" panose="020B0600000101010101" pitchFamily="34" charset="-127"/>
                         </a:rPr>
@@ -7925,28 +8263,28 @@
                         <a:defRPr/>
                       </a:pPr>
                       <a:r>
-                        <a:rPr lang="ko-KR" altLang="en-US" sz="1400" dirty="0">
+                        <a:rPr lang="ko-KR" altLang="en-US" sz="1300" dirty="0">
                           <a:latin typeface="강한공군체 Medium" panose="020B0600000101010101" pitchFamily="34" charset="-127"/>
                           <a:ea typeface="강한공군체 Medium" panose="020B0600000101010101" pitchFamily="34" charset="-127"/>
                         </a:rPr>
                         <a:t>난이도 </a:t>
                       </a:r>
                       <a:r>
-                        <a:rPr lang="ko-KR" altLang="en-US" sz="1400" dirty="0" err="1">
+                        <a:rPr lang="ko-KR" altLang="en-US" sz="1300" dirty="0" err="1">
                           <a:latin typeface="강한공군체 Medium" panose="020B0600000101010101" pitchFamily="34" charset="-127"/>
                           <a:ea typeface="강한공군체 Medium" panose="020B0600000101010101" pitchFamily="34" charset="-127"/>
                         </a:rPr>
                         <a:t>증가시</a:t>
                       </a:r>
                       <a:r>
-                        <a:rPr lang="ko-KR" altLang="en-US" sz="1400" dirty="0">
+                        <a:rPr lang="ko-KR" altLang="en-US" sz="1300" dirty="0">
                           <a:latin typeface="강한공군체 Medium" panose="020B0600000101010101" pitchFamily="34" charset="-127"/>
                           <a:ea typeface="강한공군체 Medium" panose="020B0600000101010101" pitchFamily="34" charset="-127"/>
                         </a:rPr>
                         <a:t> 체크포인트 </a:t>
                       </a:r>
                       <a:r>
-                        <a:rPr lang="en-US" altLang="ko-KR" sz="1400" dirty="0">
+                        <a:rPr lang="en-US" altLang="ko-KR" sz="1300" dirty="0">
                           <a:latin typeface="강한공군체 Medium" panose="020B0600000101010101" pitchFamily="34" charset="-127"/>
                           <a:ea typeface="강한공군체 Medium" panose="020B0600000101010101" pitchFamily="34" charset="-127"/>
                         </a:rPr>
@@ -7956,21 +8294,21 @@
                     <a:p>
                       <a:pPr algn="ctr" latinLnBrk="1"/>
                       <a:r>
-                        <a:rPr lang="ko-KR" altLang="en-US" sz="1400" dirty="0">
+                        <a:rPr lang="ko-KR" altLang="en-US" sz="1300" dirty="0">
                           <a:latin typeface="강한공군체 Medium" panose="020B0600000101010101" pitchFamily="34" charset="-127"/>
                           <a:ea typeface="강한공군체 Medium" panose="020B0600000101010101" pitchFamily="34" charset="-127"/>
                         </a:rPr>
                         <a:t>최종보스에서 난이도 상승</a:t>
                       </a:r>
                       <a:r>
-                        <a:rPr lang="en-US" altLang="ko-KR" sz="1400" dirty="0">
+                        <a:rPr lang="en-US" altLang="ko-KR" sz="1300" dirty="0">
                           <a:latin typeface="강한공군체 Medium" panose="020B0600000101010101" pitchFamily="34" charset="-127"/>
                           <a:ea typeface="강한공군체 Medium" panose="020B0600000101010101" pitchFamily="34" charset="-127"/>
                         </a:rPr>
                         <a:t> : </a:t>
                       </a:r>
                       <a:r>
-                        <a:rPr lang="ko-KR" altLang="en-US" sz="1400" dirty="0">
+                        <a:rPr lang="ko-KR" altLang="en-US" sz="1300" dirty="0">
                           <a:latin typeface="강한공군체 Medium" panose="020B0600000101010101" pitchFamily="34" charset="-127"/>
                           <a:ea typeface="강한공군체 Medium" panose="020B0600000101010101" pitchFamily="34" charset="-127"/>
                         </a:rPr>
@@ -7994,7 +8332,7 @@
                     <a:p>
                       <a:pPr algn="ctr" latinLnBrk="1"/>
                       <a:r>
-                        <a:rPr lang="ko-KR" altLang="en-US" sz="1400" dirty="0">
+                        <a:rPr lang="ko-KR" altLang="en-US" sz="1300" dirty="0">
                           <a:latin typeface="강한공군체 Medium" panose="020B0600000101010101" pitchFamily="34" charset="-127"/>
                           <a:ea typeface="강한공군체 Medium" panose="020B0600000101010101" pitchFamily="34" charset="-127"/>
                         </a:rPr>
@@ -8011,13 +8349,13 @@
                     <a:p>
                       <a:pPr algn="ctr" latinLnBrk="1"/>
                       <a:r>
-                        <a:rPr lang="ko-KR" altLang="en-US" sz="1400" dirty="0">
+                        <a:rPr lang="ko-KR" altLang="en-US" sz="1300" dirty="0">
                           <a:latin typeface="강한공군체 Medium" panose="020B0600000101010101" pitchFamily="34" charset="-127"/>
                           <a:ea typeface="강한공군체 Medium" panose="020B0600000101010101" pitchFamily="34" charset="-127"/>
                         </a:rPr>
                         <a:t>난이도 선택 가능</a:t>
                       </a:r>
-                      <a:endParaRPr lang="en-US" altLang="ko-KR" sz="1400" dirty="0">
+                      <a:endParaRPr lang="en-US" altLang="ko-KR" sz="1300" dirty="0">
                         <a:latin typeface="강한공군체 Medium" panose="020B0600000101010101" pitchFamily="34" charset="-127"/>
                         <a:ea typeface="강한공군체 Medium" panose="020B0600000101010101" pitchFamily="34" charset="-127"/>
                       </a:endParaRPr>
@@ -8025,49 +8363,49 @@
                     <a:p>
                       <a:pPr algn="ctr" latinLnBrk="1"/>
                       <a:r>
-                        <a:rPr lang="ko-KR" altLang="en-US" sz="1400" dirty="0" err="1">
+                        <a:rPr lang="ko-KR" altLang="en-US" sz="1300" dirty="0" err="1">
                           <a:latin typeface="강한공군체 Medium" panose="020B0600000101010101" pitchFamily="34" charset="-127"/>
                           <a:ea typeface="강한공군체 Medium" panose="020B0600000101010101" pitchFamily="34" charset="-127"/>
                         </a:rPr>
                         <a:t>피격시</a:t>
                       </a:r>
                       <a:r>
-                        <a:rPr lang="ko-KR" altLang="en-US" sz="1400" dirty="0">
+                        <a:rPr lang="ko-KR" altLang="en-US" sz="1300" dirty="0">
                           <a:latin typeface="강한공군체 Medium" panose="020B0600000101010101" pitchFamily="34" charset="-127"/>
                           <a:ea typeface="강한공군체 Medium" panose="020B0600000101010101" pitchFamily="34" charset="-127"/>
                         </a:rPr>
                         <a:t> 영혼 감소</a:t>
                       </a:r>
                       <a:r>
-                        <a:rPr lang="en-US" altLang="ko-KR" sz="1400" dirty="0">
+                        <a:rPr lang="en-US" altLang="ko-KR" sz="1300" dirty="0">
                           <a:latin typeface="강한공군체 Medium" panose="020B0600000101010101" pitchFamily="34" charset="-127"/>
                           <a:ea typeface="강한공군체 Medium" panose="020B0600000101010101" pitchFamily="34" charset="-127"/>
                         </a:rPr>
                         <a:t>(</a:t>
                       </a:r>
                       <a:r>
-                        <a:rPr lang="ko-KR" altLang="en-US" sz="1400" dirty="0">
+                        <a:rPr lang="ko-KR" altLang="en-US" sz="1300" dirty="0">
                           <a:latin typeface="강한공군체 Medium" panose="020B0600000101010101" pitchFamily="34" charset="-127"/>
                           <a:ea typeface="강한공군체 Medium" panose="020B0600000101010101" pitchFamily="34" charset="-127"/>
                         </a:rPr>
                         <a:t>영혼 개수가 </a:t>
                       </a:r>
                       <a:r>
-                        <a:rPr lang="en-US" altLang="ko-KR" sz="1400" dirty="0">
+                        <a:rPr lang="en-US" altLang="ko-KR" sz="1300" dirty="0">
                           <a:latin typeface="강한공군체 Medium" panose="020B0600000101010101" pitchFamily="34" charset="-127"/>
                           <a:ea typeface="강한공군체 Medium" panose="020B0600000101010101" pitchFamily="34" charset="-127"/>
                         </a:rPr>
                         <a:t>0</a:t>
                       </a:r>
                       <a:r>
-                        <a:rPr lang="ko-KR" altLang="en-US" sz="1400" dirty="0">
+                        <a:rPr lang="ko-KR" altLang="en-US" sz="1300" dirty="0">
                           <a:latin typeface="강한공군체 Medium" panose="020B0600000101010101" pitchFamily="34" charset="-127"/>
                           <a:ea typeface="강한공군체 Medium" panose="020B0600000101010101" pitchFamily="34" charset="-127"/>
                         </a:rPr>
                         <a:t>일시 사망</a:t>
                       </a:r>
                       <a:r>
-                        <a:rPr lang="en-US" altLang="ko-KR" sz="1400" dirty="0">
+                        <a:rPr lang="en-US" altLang="ko-KR" sz="1300" dirty="0">
                           <a:latin typeface="강한공군체 Medium" panose="020B0600000101010101" pitchFamily="34" charset="-127"/>
                           <a:ea typeface="강한공군체 Medium" panose="020B0600000101010101" pitchFamily="34" charset="-127"/>
                         </a:rPr>
@@ -8077,28 +8415,28 @@
                     <a:p>
                       <a:pPr algn="ctr" latinLnBrk="1"/>
                       <a:r>
-                        <a:rPr lang="ko-KR" altLang="en-US" sz="1400" dirty="0">
+                        <a:rPr lang="ko-KR" altLang="en-US" sz="1300" dirty="0">
                           <a:latin typeface="강한공군체 Medium" panose="020B0600000101010101" pitchFamily="34" charset="-127"/>
                           <a:ea typeface="강한공군체 Medium" panose="020B0600000101010101" pitchFamily="34" charset="-127"/>
                         </a:rPr>
                         <a:t>적을 제거해서 얻은 아이템으로 영혼 획득 가능</a:t>
                       </a:r>
                       <a:r>
-                        <a:rPr lang="en-US" altLang="ko-KR" sz="1400" dirty="0">
+                        <a:rPr lang="en-US" altLang="ko-KR" sz="1300" dirty="0">
                           <a:latin typeface="강한공군체 Medium" panose="020B0600000101010101" pitchFamily="34" charset="-127"/>
                           <a:ea typeface="강한공군체 Medium" panose="020B0600000101010101" pitchFamily="34" charset="-127"/>
                         </a:rPr>
                         <a:t>(</a:t>
                       </a:r>
                       <a:r>
-                        <a:rPr lang="ko-KR" altLang="en-US" sz="1400" dirty="0">
+                        <a:rPr lang="ko-KR" altLang="en-US" sz="1300" dirty="0">
                           <a:latin typeface="강한공군체 Medium" panose="020B0600000101010101" pitchFamily="34" charset="-127"/>
                           <a:ea typeface="강한공군체 Medium" panose="020B0600000101010101" pitchFamily="34" charset="-127"/>
                         </a:rPr>
                         <a:t>적 난이도에 따라 개수 조정</a:t>
                       </a:r>
                       <a:r>
-                        <a:rPr lang="en-US" altLang="ko-KR" sz="1400" dirty="0">
+                        <a:rPr lang="en-US" altLang="ko-KR" sz="1300" dirty="0">
                           <a:latin typeface="강한공군체 Medium" panose="020B0600000101010101" pitchFamily="34" charset="-127"/>
                           <a:ea typeface="강한공군체 Medium" panose="020B0600000101010101" pitchFamily="34" charset="-127"/>
                         </a:rPr>
@@ -8108,7 +8446,7 @@
                     <a:p>
                       <a:pPr algn="ctr" latinLnBrk="1"/>
                       <a:r>
-                        <a:rPr lang="ko-KR" altLang="en-US" sz="1400" dirty="0">
+                        <a:rPr lang="ko-KR" altLang="en-US" sz="1300" dirty="0">
                           <a:latin typeface="강한공군체 Medium" panose="020B0600000101010101" pitchFamily="34" charset="-127"/>
                           <a:ea typeface="강한공군체 Medium" panose="020B0600000101010101" pitchFamily="34" charset="-127"/>
                         </a:rPr>
@@ -8125,13 +8463,13 @@
                     <a:p>
                       <a:pPr algn="ctr" latinLnBrk="1"/>
                       <a:r>
-                        <a:rPr lang="ko-KR" altLang="en-US" sz="1400" dirty="0">
+                        <a:rPr lang="ko-KR" altLang="en-US" sz="1300" dirty="0">
                           <a:latin typeface="강한공군체 Medium" panose="020B0600000101010101" pitchFamily="34" charset="-127"/>
                           <a:ea typeface="강한공군체 Medium" panose="020B0600000101010101" pitchFamily="34" charset="-127"/>
                         </a:rPr>
                         <a:t>튜토리얼 제시</a:t>
                       </a:r>
-                      <a:endParaRPr lang="en-US" altLang="ko-KR" sz="1400" dirty="0">
+                      <a:endParaRPr lang="en-US" altLang="ko-KR" sz="1300" dirty="0">
                         <a:latin typeface="강한공군체 Medium" panose="020B0600000101010101" pitchFamily="34" charset="-127"/>
                         <a:ea typeface="강한공군체 Medium" panose="020B0600000101010101" pitchFamily="34" charset="-127"/>
                       </a:endParaRPr>
@@ -8139,13 +8477,13 @@
                     <a:p>
                       <a:pPr algn="ctr" latinLnBrk="1"/>
                       <a:r>
-                        <a:rPr lang="ko-KR" altLang="en-US" sz="1400" dirty="0">
+                        <a:rPr lang="ko-KR" altLang="en-US" sz="1300" dirty="0">
                           <a:latin typeface="강한공군체 Medium" panose="020B0600000101010101" pitchFamily="34" charset="-127"/>
                           <a:ea typeface="강한공군체 Medium" panose="020B0600000101010101" pitchFamily="34" charset="-127"/>
                         </a:rPr>
                         <a:t>일시정지 및 종료 키 제작</a:t>
                       </a:r>
-                      <a:endParaRPr lang="en-US" altLang="ko-KR" sz="1400" dirty="0">
+                      <a:endParaRPr lang="en-US" altLang="ko-KR" sz="1300" dirty="0">
                         <a:latin typeface="강한공군체 Medium" panose="020B0600000101010101" pitchFamily="34" charset="-127"/>
                         <a:ea typeface="강한공군체 Medium" panose="020B0600000101010101" pitchFamily="34" charset="-127"/>
                       </a:endParaRPr>
@@ -8153,13 +8491,13 @@
                     <a:p>
                       <a:pPr algn="ctr" latinLnBrk="1"/>
                       <a:r>
-                        <a:rPr lang="ko-KR" altLang="en-US" sz="1400" dirty="0">
+                        <a:rPr lang="ko-KR" altLang="en-US" sz="1300" dirty="0">
                           <a:latin typeface="강한공군체 Medium" panose="020B0600000101010101" pitchFamily="34" charset="-127"/>
                           <a:ea typeface="강한공군체 Medium" panose="020B0600000101010101" pitchFamily="34" charset="-127"/>
                         </a:rPr>
                         <a:t>상인을 통해 무기 강화</a:t>
                       </a:r>
-                      <a:endParaRPr lang="en-US" altLang="ko-KR" sz="1400" dirty="0">
+                      <a:endParaRPr lang="en-US" altLang="ko-KR" sz="1300" dirty="0">
                         <a:latin typeface="강한공군체 Medium" panose="020B0600000101010101" pitchFamily="34" charset="-127"/>
                         <a:ea typeface="강한공군체 Medium" panose="020B0600000101010101" pitchFamily="34" charset="-127"/>
                       </a:endParaRPr>
@@ -8167,13 +8505,13 @@
                     <a:p>
                       <a:pPr algn="ctr" latinLnBrk="1"/>
                       <a:r>
-                        <a:rPr lang="ko-KR" altLang="en-US" sz="1400" dirty="0">
+                        <a:rPr lang="ko-KR" altLang="en-US" sz="1300" dirty="0">
                           <a:latin typeface="강한공군체 Medium" panose="020B0600000101010101" pitchFamily="34" charset="-127"/>
                           <a:ea typeface="강한공군체 Medium" panose="020B0600000101010101" pitchFamily="34" charset="-127"/>
                         </a:rPr>
                         <a:t>스테이지 클리어 시 재시작 또는 </a:t>
                       </a:r>
-                      <a:endParaRPr lang="en-US" altLang="ko-KR" sz="1400" dirty="0">
+                      <a:endParaRPr lang="en-US" altLang="ko-KR" sz="1300" dirty="0">
                         <a:latin typeface="강한공군체 Medium" panose="020B0600000101010101" pitchFamily="34" charset="-127"/>
                         <a:ea typeface="강한공군체 Medium" panose="020B0600000101010101" pitchFamily="34" charset="-127"/>
                       </a:endParaRPr>
@@ -8181,7 +8519,7 @@
                     <a:p>
                       <a:pPr algn="ctr" latinLnBrk="1"/>
                       <a:r>
-                        <a:rPr lang="ko-KR" altLang="en-US" sz="1400" dirty="0">
+                        <a:rPr lang="ko-KR" altLang="en-US" sz="1300" dirty="0">
                           <a:latin typeface="강한공군체 Medium" panose="020B0600000101010101" pitchFamily="34" charset="-127"/>
                           <a:ea typeface="강한공군체 Medium" panose="020B0600000101010101" pitchFamily="34" charset="-127"/>
                         </a:rPr>
@@ -8205,7 +8543,7 @@
                     <a:p>
                       <a:pPr algn="ctr" latinLnBrk="1"/>
                       <a:r>
-                        <a:rPr lang="ko-KR" altLang="en-US" sz="1400" dirty="0">
+                        <a:rPr lang="ko-KR" altLang="en-US" sz="1300" dirty="0">
                           <a:latin typeface="강한공군체 Medium" panose="020B0600000101010101" pitchFamily="34" charset="-127"/>
                           <a:ea typeface="강한공군체 Medium" panose="020B0600000101010101" pitchFamily="34" charset="-127"/>
                         </a:rPr>
@@ -8222,55 +8560,55 @@
                     <a:p>
                       <a:pPr algn="ctr" latinLnBrk="1"/>
                       <a:r>
-                        <a:rPr lang="ko-KR" altLang="en-US" sz="1400" dirty="0">
+                        <a:rPr lang="ko-KR" altLang="en-US" sz="1300" dirty="0">
                           <a:latin typeface="강한공군체 Medium" panose="020B0600000101010101" pitchFamily="34" charset="-127"/>
                           <a:ea typeface="강한공군체 Medium" panose="020B0600000101010101" pitchFamily="34" charset="-127"/>
                         </a:rPr>
                         <a:t>걷기</a:t>
                       </a:r>
                       <a:r>
-                        <a:rPr lang="en-US" altLang="ko-KR" sz="1400" dirty="0">
+                        <a:rPr lang="en-US" altLang="ko-KR" sz="1300" dirty="0">
                           <a:latin typeface="강한공군체 Medium" panose="020B0600000101010101" pitchFamily="34" charset="-127"/>
                           <a:ea typeface="강한공군체 Medium" panose="020B0600000101010101" pitchFamily="34" charset="-127"/>
                         </a:rPr>
                         <a:t>, </a:t>
                       </a:r>
                       <a:r>
-                        <a:rPr lang="ko-KR" altLang="en-US" sz="1400" dirty="0">
+                        <a:rPr lang="ko-KR" altLang="en-US" sz="1300" dirty="0">
                           <a:latin typeface="강한공군체 Medium" panose="020B0600000101010101" pitchFamily="34" charset="-127"/>
                           <a:ea typeface="강한공군체 Medium" panose="020B0600000101010101" pitchFamily="34" charset="-127"/>
                         </a:rPr>
                         <a:t>점프</a:t>
                       </a:r>
                       <a:r>
-                        <a:rPr lang="en-US" altLang="ko-KR" sz="1400" dirty="0">
+                        <a:rPr lang="en-US" altLang="ko-KR" sz="1300" dirty="0">
                           <a:latin typeface="강한공군체 Medium" panose="020B0600000101010101" pitchFamily="34" charset="-127"/>
                           <a:ea typeface="강한공군체 Medium" panose="020B0600000101010101" pitchFamily="34" charset="-127"/>
                         </a:rPr>
                         <a:t>, </a:t>
                       </a:r>
                       <a:r>
-                        <a:rPr lang="ko-KR" altLang="en-US" sz="1400" dirty="0">
+                        <a:rPr lang="ko-KR" altLang="en-US" sz="1300" dirty="0">
                           <a:latin typeface="강한공군체 Medium" panose="020B0600000101010101" pitchFamily="34" charset="-127"/>
                           <a:ea typeface="강한공군체 Medium" panose="020B0600000101010101" pitchFamily="34" charset="-127"/>
                         </a:rPr>
                         <a:t>공격</a:t>
                       </a:r>
                       <a:r>
-                        <a:rPr lang="en-US" altLang="ko-KR" sz="1400" dirty="0">
+                        <a:rPr lang="en-US" altLang="ko-KR" sz="1300" dirty="0">
                           <a:latin typeface="강한공군체 Medium" panose="020B0600000101010101" pitchFamily="34" charset="-127"/>
                           <a:ea typeface="강한공군체 Medium" panose="020B0600000101010101" pitchFamily="34" charset="-127"/>
                         </a:rPr>
                         <a:t>, </a:t>
                       </a:r>
                       <a:r>
-                        <a:rPr lang="ko-KR" altLang="en-US" sz="1400" dirty="0">
+                        <a:rPr lang="ko-KR" altLang="en-US" sz="1300" dirty="0">
                           <a:latin typeface="강한공군체 Medium" panose="020B0600000101010101" pitchFamily="34" charset="-127"/>
                           <a:ea typeface="강한공군체 Medium" panose="020B0600000101010101" pitchFamily="34" charset="-127"/>
                         </a:rPr>
                         <a:t>아이템 획득</a:t>
                       </a:r>
-                      <a:endParaRPr lang="en-US" altLang="ko-KR" sz="1400" dirty="0">
+                      <a:endParaRPr lang="en-US" altLang="ko-KR" sz="1300" dirty="0">
                         <a:latin typeface="강한공군체 Medium" panose="020B0600000101010101" pitchFamily="34" charset="-127"/>
                         <a:ea typeface="강한공군체 Medium" panose="020B0600000101010101" pitchFamily="34" charset="-127"/>
                       </a:endParaRPr>
@@ -8301,7 +8639,7 @@
                         <a:defRPr/>
                       </a:pPr>
                       <a:r>
-                        <a:rPr lang="ko-KR" altLang="en-US" sz="1400" dirty="0">
+                        <a:rPr lang="ko-KR" altLang="en-US" sz="1300" dirty="0">
                           <a:latin typeface="강한공군체 Medium" panose="020B0600000101010101" pitchFamily="34" charset="-127"/>
                           <a:ea typeface="강한공군체 Medium" panose="020B0600000101010101" pitchFamily="34" charset="-127"/>
                         </a:rPr>
@@ -8311,7 +8649,7 @@
                     <a:p>
                       <a:pPr algn="ctr" latinLnBrk="1"/>
                       <a:r>
-                        <a:rPr lang="ko-KR" altLang="en-US" sz="1400" dirty="0">
+                        <a:rPr lang="ko-KR" altLang="en-US" sz="1300" dirty="0">
                           <a:latin typeface="강한공군체 Medium" panose="020B0600000101010101" pitchFamily="34" charset="-127"/>
                           <a:ea typeface="강한공군체 Medium" panose="020B0600000101010101" pitchFamily="34" charset="-127"/>
                         </a:rPr>
@@ -8335,7 +8673,7 @@
                     <a:p>
                       <a:pPr algn="ctr" latinLnBrk="1"/>
                       <a:r>
-                        <a:rPr lang="ko-KR" altLang="en-US" sz="1400" dirty="0">
+                        <a:rPr lang="ko-KR" altLang="en-US" sz="1300" dirty="0">
                           <a:latin typeface="강한공군체 Medium" panose="020B0600000101010101" pitchFamily="34" charset="-127"/>
                           <a:ea typeface="강한공군체 Medium" panose="020B0600000101010101" pitchFamily="34" charset="-127"/>
                         </a:rPr>
@@ -8352,69 +8690,69 @@
                     <a:p>
                       <a:pPr algn="ctr" latinLnBrk="1"/>
                       <a:r>
-                        <a:rPr lang="ko-KR" altLang="en-US" sz="1400" dirty="0">
+                        <a:rPr lang="ko-KR" altLang="en-US" sz="1300" dirty="0">
                           <a:latin typeface="강한공군체 Medium" panose="020B0600000101010101" pitchFamily="34" charset="-127"/>
                           <a:ea typeface="강한공군체 Medium" panose="020B0600000101010101" pitchFamily="34" charset="-127"/>
                         </a:rPr>
                         <a:t>캐릭터</a:t>
                       </a:r>
                       <a:r>
-                        <a:rPr lang="en-US" altLang="ko-KR" sz="1400" dirty="0">
+                        <a:rPr lang="en-US" altLang="ko-KR" sz="1300" dirty="0">
                           <a:latin typeface="강한공군체 Medium" panose="020B0600000101010101" pitchFamily="34" charset="-127"/>
                           <a:ea typeface="강한공군체 Medium" panose="020B0600000101010101" pitchFamily="34" charset="-127"/>
                         </a:rPr>
                         <a:t>: </a:t>
                       </a:r>
                       <a:r>
-                        <a:rPr lang="ko-KR" altLang="en-US" sz="1400" dirty="0">
+                        <a:rPr lang="ko-KR" altLang="en-US" sz="1300" dirty="0">
                           <a:latin typeface="강한공군체 Medium" panose="020B0600000101010101" pitchFamily="34" charset="-127"/>
                           <a:ea typeface="강한공군체 Medium" panose="020B0600000101010101" pitchFamily="34" charset="-127"/>
                         </a:rPr>
                         <a:t>걷기</a:t>
                       </a:r>
                       <a:r>
-                        <a:rPr lang="en-US" altLang="ko-KR" sz="1400" dirty="0">
+                        <a:rPr lang="en-US" altLang="ko-KR" sz="1300" dirty="0">
                           <a:latin typeface="강한공군체 Medium" panose="020B0600000101010101" pitchFamily="34" charset="-127"/>
                           <a:ea typeface="강한공군체 Medium" panose="020B0600000101010101" pitchFamily="34" charset="-127"/>
                         </a:rPr>
                         <a:t>, </a:t>
                       </a:r>
                       <a:r>
-                        <a:rPr lang="ko-KR" altLang="en-US" sz="1400" dirty="0">
+                        <a:rPr lang="ko-KR" altLang="en-US" sz="1300" dirty="0">
                           <a:latin typeface="강한공군체 Medium" panose="020B0600000101010101" pitchFamily="34" charset="-127"/>
                           <a:ea typeface="강한공군체 Medium" panose="020B0600000101010101" pitchFamily="34" charset="-127"/>
                         </a:rPr>
                         <a:t>달리기</a:t>
                       </a:r>
                       <a:r>
-                        <a:rPr lang="en-US" altLang="ko-KR" sz="1400" dirty="0">
+                        <a:rPr lang="en-US" altLang="ko-KR" sz="1300" dirty="0">
                           <a:latin typeface="강한공군체 Medium" panose="020B0600000101010101" pitchFamily="34" charset="-127"/>
                           <a:ea typeface="강한공군체 Medium" panose="020B0600000101010101" pitchFamily="34" charset="-127"/>
                         </a:rPr>
                         <a:t>, </a:t>
                       </a:r>
                       <a:r>
-                        <a:rPr lang="ko-KR" altLang="en-US" sz="1400" dirty="0">
+                        <a:rPr lang="ko-KR" altLang="en-US" sz="1300" dirty="0">
                           <a:latin typeface="강한공군체 Medium" panose="020B0600000101010101" pitchFamily="34" charset="-127"/>
                           <a:ea typeface="강한공군체 Medium" panose="020B0600000101010101" pitchFamily="34" charset="-127"/>
                         </a:rPr>
                         <a:t>공격</a:t>
                       </a:r>
                       <a:r>
-                        <a:rPr lang="en-US" altLang="ko-KR" sz="1400" dirty="0">
+                        <a:rPr lang="en-US" altLang="ko-KR" sz="1300" dirty="0">
                           <a:latin typeface="강한공군체 Medium" panose="020B0600000101010101" pitchFamily="34" charset="-127"/>
                           <a:ea typeface="강한공군체 Medium" panose="020B0600000101010101" pitchFamily="34" charset="-127"/>
                         </a:rPr>
                         <a:t>, </a:t>
                       </a:r>
                       <a:r>
-                        <a:rPr lang="ko-KR" altLang="en-US" sz="1400" dirty="0">
+                        <a:rPr lang="ko-KR" altLang="en-US" sz="1300" dirty="0">
                           <a:latin typeface="강한공군체 Medium" panose="020B0600000101010101" pitchFamily="34" charset="-127"/>
                           <a:ea typeface="강한공군체 Medium" panose="020B0600000101010101" pitchFamily="34" charset="-127"/>
                         </a:rPr>
                         <a:t>돌진 모션</a:t>
                       </a:r>
-                      <a:endParaRPr lang="en-US" altLang="ko-KR" sz="1400" dirty="0">
+                      <a:endParaRPr lang="en-US" altLang="ko-KR" sz="1300" dirty="0">
                         <a:latin typeface="강한공군체 Medium" panose="020B0600000101010101" pitchFamily="34" charset="-127"/>
                         <a:ea typeface="강한공군체 Medium" panose="020B0600000101010101" pitchFamily="34" charset="-127"/>
                       </a:endParaRPr>
@@ -8422,76 +8760,76 @@
                     <a:p>
                       <a:pPr algn="ctr" latinLnBrk="1"/>
                       <a:r>
-                        <a:rPr lang="ko-KR" altLang="en-US" sz="1400" dirty="0">
+                        <a:rPr lang="ko-KR" altLang="en-US" sz="1300" dirty="0">
                           <a:latin typeface="강한공군체 Medium" panose="020B0600000101010101" pitchFamily="34" charset="-127"/>
                           <a:ea typeface="강한공군체 Medium" panose="020B0600000101010101" pitchFamily="34" charset="-127"/>
                         </a:rPr>
                         <a:t>몬스터</a:t>
                       </a:r>
                       <a:r>
-                        <a:rPr lang="en-US" altLang="ko-KR" sz="1400" dirty="0">
+                        <a:rPr lang="en-US" altLang="ko-KR" sz="1300" dirty="0">
                           <a:latin typeface="강한공군체 Medium" panose="020B0600000101010101" pitchFamily="34" charset="-127"/>
                           <a:ea typeface="강한공군체 Medium" panose="020B0600000101010101" pitchFamily="34" charset="-127"/>
                         </a:rPr>
                         <a:t>: </a:t>
                       </a:r>
                       <a:r>
-                        <a:rPr lang="ko-KR" altLang="en-US" sz="1400" dirty="0">
+                        <a:rPr lang="ko-KR" altLang="en-US" sz="1300" dirty="0">
                           <a:latin typeface="강한공군체 Medium" panose="020B0600000101010101" pitchFamily="34" charset="-127"/>
                           <a:ea typeface="강한공군체 Medium" panose="020B0600000101010101" pitchFamily="34" charset="-127"/>
                         </a:rPr>
                         <a:t>걷기</a:t>
                       </a:r>
                       <a:r>
-                        <a:rPr lang="en-US" altLang="ko-KR" sz="1400" dirty="0">
+                        <a:rPr lang="en-US" altLang="ko-KR" sz="1300" dirty="0">
                           <a:latin typeface="강한공군체 Medium" panose="020B0600000101010101" pitchFamily="34" charset="-127"/>
                           <a:ea typeface="강한공군체 Medium" panose="020B0600000101010101" pitchFamily="34" charset="-127"/>
                         </a:rPr>
                         <a:t>, </a:t>
                       </a:r>
                       <a:r>
-                        <a:rPr lang="ko-KR" altLang="en-US" sz="1400" dirty="0">
+                        <a:rPr lang="ko-KR" altLang="en-US" sz="1300" dirty="0">
                           <a:latin typeface="강한공군체 Medium" panose="020B0600000101010101" pitchFamily="34" charset="-127"/>
                           <a:ea typeface="강한공군체 Medium" panose="020B0600000101010101" pitchFamily="34" charset="-127"/>
                         </a:rPr>
                         <a:t>달리기</a:t>
                       </a:r>
                       <a:r>
-                        <a:rPr lang="en-US" altLang="ko-KR" sz="1400" dirty="0">
+                        <a:rPr lang="en-US" altLang="ko-KR" sz="1300" dirty="0">
                           <a:latin typeface="강한공군체 Medium" panose="020B0600000101010101" pitchFamily="34" charset="-127"/>
                           <a:ea typeface="강한공군체 Medium" panose="020B0600000101010101" pitchFamily="34" charset="-127"/>
                         </a:rPr>
                         <a:t>, </a:t>
                       </a:r>
                       <a:r>
-                        <a:rPr lang="ko-KR" altLang="en-US" sz="1400" dirty="0">
+                        <a:rPr lang="ko-KR" altLang="en-US" sz="1300" dirty="0">
                           <a:latin typeface="강한공군체 Medium" panose="020B0600000101010101" pitchFamily="34" charset="-127"/>
                           <a:ea typeface="강한공군체 Medium" panose="020B0600000101010101" pitchFamily="34" charset="-127"/>
                         </a:rPr>
                         <a:t>공격</a:t>
                       </a:r>
                       <a:r>
-                        <a:rPr lang="en-US" altLang="ko-KR" sz="1400" dirty="0">
+                        <a:rPr lang="en-US" altLang="ko-KR" sz="1300" dirty="0">
                           <a:latin typeface="강한공군체 Medium" panose="020B0600000101010101" pitchFamily="34" charset="-127"/>
                           <a:ea typeface="강한공군체 Medium" panose="020B0600000101010101" pitchFamily="34" charset="-127"/>
                         </a:rPr>
                         <a:t>, </a:t>
                       </a:r>
                       <a:r>
-                        <a:rPr lang="ko-KR" altLang="en-US" sz="1400" dirty="0">
+                        <a:rPr lang="ko-KR" altLang="en-US" sz="1300" dirty="0">
                           <a:latin typeface="강한공군체 Medium" panose="020B0600000101010101" pitchFamily="34" charset="-127"/>
                           <a:ea typeface="강한공군체 Medium" panose="020B0600000101010101" pitchFamily="34" charset="-127"/>
                         </a:rPr>
                         <a:t>죽는 모션</a:t>
                       </a:r>
                       <a:r>
-                        <a:rPr lang="en-US" altLang="ko-KR" sz="1400" dirty="0">
+                        <a:rPr lang="en-US" altLang="ko-KR" sz="1300" dirty="0">
                           <a:latin typeface="강한공군체 Medium" panose="020B0600000101010101" pitchFamily="34" charset="-127"/>
                           <a:ea typeface="강한공군체 Medium" panose="020B0600000101010101" pitchFamily="34" charset="-127"/>
                         </a:rPr>
                         <a:t> </a:t>
                       </a:r>
-                      <a:endParaRPr lang="ko-KR" altLang="en-US" sz="1400" dirty="0">
+                      <a:endParaRPr lang="ko-KR" altLang="en-US" sz="1300" dirty="0">
                         <a:latin typeface="강한공군체 Medium" panose="020B0600000101010101" pitchFamily="34" charset="-127"/>
                         <a:ea typeface="강한공군체 Medium" panose="020B0600000101010101" pitchFamily="34" charset="-127"/>
                       </a:endParaRPr>
@@ -8506,7 +8844,7 @@
                     <a:p>
                       <a:pPr algn="ctr" latinLnBrk="1"/>
                       <a:r>
-                        <a:rPr lang="ko-KR" altLang="en-US" sz="1400" dirty="0">
+                        <a:rPr lang="ko-KR" altLang="en-US" sz="1300" dirty="0">
                           <a:latin typeface="강한공군체 Medium" panose="020B0600000101010101" pitchFamily="34" charset="-127"/>
                           <a:ea typeface="강한공군체 Medium" panose="020B0600000101010101" pitchFamily="34" charset="-127"/>
                         </a:rPr>
@@ -8624,7 +8962,7 @@
         </p:nvGrpSpPr>
         <p:grpSpPr>
           <a:xfrm>
-            <a:off x="317373" y="116395"/>
+            <a:off x="256413" y="102680"/>
             <a:ext cx="11679174" cy="6652639"/>
             <a:chOff x="279273" y="106870"/>
             <a:chExt cx="11679174" cy="6652639"/>
@@ -9219,6 +9557,423 @@
           </p:sp>
         </p:grpSp>
       </p:grpSp>
+      <p:pic>
+        <p:nvPicPr>
+          <p:cNvPr id="9" name="그림 8">
+            <a:extLst>
+              <a:ext uri="{FF2B5EF4-FFF2-40B4-BE49-F238E27FC236}">
+                <a16:creationId xmlns:a16="http://schemas.microsoft.com/office/drawing/2014/main" id="{24362C59-AD17-DDF4-79DA-E59CD97C53CF}"/>
+              </a:ext>
+            </a:extLst>
+          </p:cNvPr>
+          <p:cNvPicPr>
+            <a:picLocks noChangeAspect="1"/>
+          </p:cNvPicPr>
+          <p:nvPr/>
+        </p:nvPicPr>
+        <p:blipFill>
+          <a:blip r:embed="rId3"/>
+          <a:stretch>
+            <a:fillRect/>
+          </a:stretch>
+        </p:blipFill>
+        <p:spPr>
+          <a:xfrm>
+            <a:off x="1519524" y="1208731"/>
+            <a:ext cx="3335690" cy="1878994"/>
+          </a:xfrm>
+          <a:prstGeom prst="rect">
+            <a:avLst/>
+          </a:prstGeom>
+        </p:spPr>
+      </p:pic>
+      <p:sp>
+        <p:nvSpPr>
+          <p:cNvPr id="13" name="TextBox 12">
+            <a:extLst>
+              <a:ext uri="{FF2B5EF4-FFF2-40B4-BE49-F238E27FC236}">
+                <a16:creationId xmlns:a16="http://schemas.microsoft.com/office/drawing/2014/main" id="{69720ECF-E369-3E15-9B3C-155C7063B62D}"/>
+              </a:ext>
+            </a:extLst>
+          </p:cNvPr>
+          <p:cNvSpPr txBox="1"/>
+          <p:nvPr/>
+        </p:nvSpPr>
+        <p:spPr>
+          <a:xfrm>
+            <a:off x="2283896" y="3136493"/>
+            <a:ext cx="1686758" cy="369332"/>
+          </a:xfrm>
+          <a:prstGeom prst="rect">
+            <a:avLst/>
+          </a:prstGeom>
+          <a:noFill/>
+        </p:spPr>
+        <p:txBody>
+          <a:bodyPr wrap="square" rtlCol="0">
+            <a:spAutoFit/>
+          </a:bodyPr>
+          <a:lstStyle/>
+          <a:p>
+            <a:r>
+              <a:rPr lang="ko-KR" altLang="en-US" dirty="0">
+                <a:latin typeface="강한공군체 Medium" panose="020B0600000101010101" pitchFamily="34" charset="-127"/>
+                <a:ea typeface="강한공군체 Medium" panose="020B0600000101010101" pitchFamily="34" charset="-127"/>
+              </a:rPr>
+              <a:t>게임 시작 화면</a:t>
+            </a:r>
+          </a:p>
+        </p:txBody>
+      </p:sp>
+      <p:sp>
+        <p:nvSpPr>
+          <p:cNvPr id="15" name="화살표: 오른쪽 14">
+            <a:extLst>
+              <a:ext uri="{FF2B5EF4-FFF2-40B4-BE49-F238E27FC236}">
+                <a16:creationId xmlns:a16="http://schemas.microsoft.com/office/drawing/2014/main" id="{106CE6D7-80DF-6E4F-B0F5-574BB40699A4}"/>
+              </a:ext>
+            </a:extLst>
+          </p:cNvPr>
+          <p:cNvSpPr/>
+          <p:nvPr/>
+        </p:nvSpPr>
+        <p:spPr>
+          <a:xfrm>
+            <a:off x="5054547" y="1918019"/>
+            <a:ext cx="585627" cy="680734"/>
+          </a:xfrm>
+          <a:prstGeom prst="rightArrow">
+            <a:avLst/>
+          </a:prstGeom>
+        </p:spPr>
+        <p:style>
+          <a:lnRef idx="2">
+            <a:schemeClr val="dk1">
+              <a:shade val="50000"/>
+            </a:schemeClr>
+          </a:lnRef>
+          <a:fillRef idx="1">
+            <a:schemeClr val="dk1"/>
+          </a:fillRef>
+          <a:effectRef idx="0">
+            <a:schemeClr val="dk1"/>
+          </a:effectRef>
+          <a:fontRef idx="minor">
+            <a:schemeClr val="lt1"/>
+          </a:fontRef>
+        </p:style>
+        <p:txBody>
+          <a:bodyPr rtlCol="0" anchor="ctr"/>
+          <a:lstStyle/>
+          <a:p>
+            <a:pPr algn="ctr"/>
+            <a:endParaRPr lang="ko-KR" altLang="en-US"/>
+          </a:p>
+        </p:txBody>
+      </p:sp>
+      <p:pic>
+        <p:nvPicPr>
+          <p:cNvPr id="17" name="그림 16">
+            <a:extLst>
+              <a:ext uri="{FF2B5EF4-FFF2-40B4-BE49-F238E27FC236}">
+                <a16:creationId xmlns:a16="http://schemas.microsoft.com/office/drawing/2014/main" id="{EA9E7CF8-4C83-9ECB-A85F-F036681D5215}"/>
+              </a:ext>
+            </a:extLst>
+          </p:cNvPr>
+          <p:cNvPicPr>
+            <a:picLocks noChangeAspect="1"/>
+          </p:cNvPicPr>
+          <p:nvPr/>
+        </p:nvPicPr>
+        <p:blipFill>
+          <a:blip r:embed="rId4"/>
+          <a:stretch>
+            <a:fillRect/>
+          </a:stretch>
+        </p:blipFill>
+        <p:spPr>
+          <a:xfrm>
+            <a:off x="3635035" y="3839939"/>
+            <a:ext cx="3193507" cy="1972049"/>
+          </a:xfrm>
+          <a:prstGeom prst="rect">
+            <a:avLst/>
+          </a:prstGeom>
+        </p:spPr>
+      </p:pic>
+      <p:sp>
+        <p:nvSpPr>
+          <p:cNvPr id="18" name="TextBox 17">
+            <a:extLst>
+              <a:ext uri="{FF2B5EF4-FFF2-40B4-BE49-F238E27FC236}">
+                <a16:creationId xmlns:a16="http://schemas.microsoft.com/office/drawing/2014/main" id="{5CE8DE59-265C-6105-3C73-B37B2838117E}"/>
+              </a:ext>
+            </a:extLst>
+          </p:cNvPr>
+          <p:cNvSpPr txBox="1"/>
+          <p:nvPr/>
+        </p:nvSpPr>
+        <p:spPr>
+          <a:xfrm>
+            <a:off x="4232605" y="5840402"/>
+            <a:ext cx="2229509" cy="369332"/>
+          </a:xfrm>
+          <a:prstGeom prst="rect">
+            <a:avLst/>
+          </a:prstGeom>
+          <a:noFill/>
+        </p:spPr>
+        <p:txBody>
+          <a:bodyPr wrap="square" rtlCol="0">
+            <a:spAutoFit/>
+          </a:bodyPr>
+          <a:lstStyle/>
+          <a:p>
+            <a:r>
+              <a:rPr lang="ko-KR" altLang="en-US" dirty="0">
+                <a:latin typeface="강한공군체 Medium" panose="020B0600000101010101" pitchFamily="34" charset="-127"/>
+                <a:ea typeface="강한공군체 Medium" panose="020B0600000101010101" pitchFamily="34" charset="-127"/>
+              </a:rPr>
+              <a:t>보스 스테이지 화면</a:t>
+            </a:r>
+          </a:p>
+        </p:txBody>
+      </p:sp>
+      <p:sp>
+        <p:nvSpPr>
+          <p:cNvPr id="19" name="화살표: 오른쪽 18">
+            <a:extLst>
+              <a:ext uri="{FF2B5EF4-FFF2-40B4-BE49-F238E27FC236}">
+                <a16:creationId xmlns:a16="http://schemas.microsoft.com/office/drawing/2014/main" id="{63E63954-91B8-0482-3115-83CD00E32099}"/>
+              </a:ext>
+            </a:extLst>
+          </p:cNvPr>
+          <p:cNvSpPr/>
+          <p:nvPr/>
+        </p:nvSpPr>
+        <p:spPr>
+          <a:xfrm>
+            <a:off x="2858966" y="4374067"/>
+            <a:ext cx="585627" cy="680734"/>
+          </a:xfrm>
+          <a:prstGeom prst="rightArrow">
+            <a:avLst/>
+          </a:prstGeom>
+        </p:spPr>
+        <p:style>
+          <a:lnRef idx="2">
+            <a:schemeClr val="dk1">
+              <a:shade val="50000"/>
+            </a:schemeClr>
+          </a:lnRef>
+          <a:fillRef idx="1">
+            <a:schemeClr val="dk1"/>
+          </a:fillRef>
+          <a:effectRef idx="0">
+            <a:schemeClr val="dk1"/>
+          </a:effectRef>
+          <a:fontRef idx="minor">
+            <a:schemeClr val="lt1"/>
+          </a:fontRef>
+        </p:style>
+        <p:txBody>
+          <a:bodyPr rtlCol="0" anchor="ctr"/>
+          <a:lstStyle/>
+          <a:p>
+            <a:pPr algn="ctr"/>
+            <a:endParaRPr lang="ko-KR" altLang="en-US"/>
+          </a:p>
+        </p:txBody>
+      </p:sp>
+      <p:sp>
+        <p:nvSpPr>
+          <p:cNvPr id="22" name="화살표: 오른쪽 21">
+            <a:extLst>
+              <a:ext uri="{FF2B5EF4-FFF2-40B4-BE49-F238E27FC236}">
+                <a16:creationId xmlns:a16="http://schemas.microsoft.com/office/drawing/2014/main" id="{4B1D9F46-CCB6-DE3F-D093-ABCA7CDCABD1}"/>
+              </a:ext>
+            </a:extLst>
+          </p:cNvPr>
+          <p:cNvSpPr/>
+          <p:nvPr/>
+        </p:nvSpPr>
+        <p:spPr>
+          <a:xfrm>
+            <a:off x="6948607" y="4435625"/>
+            <a:ext cx="585627" cy="680734"/>
+          </a:xfrm>
+          <a:prstGeom prst="rightArrow">
+            <a:avLst/>
+          </a:prstGeom>
+        </p:spPr>
+        <p:style>
+          <a:lnRef idx="2">
+            <a:schemeClr val="dk1">
+              <a:shade val="50000"/>
+            </a:schemeClr>
+          </a:lnRef>
+          <a:fillRef idx="1">
+            <a:schemeClr val="dk1"/>
+          </a:fillRef>
+          <a:effectRef idx="0">
+            <a:schemeClr val="dk1"/>
+          </a:effectRef>
+          <a:fontRef idx="minor">
+            <a:schemeClr val="lt1"/>
+          </a:fontRef>
+        </p:style>
+        <p:txBody>
+          <a:bodyPr rtlCol="0" anchor="ctr"/>
+          <a:lstStyle/>
+          <a:p>
+            <a:pPr algn="ctr"/>
+            <a:endParaRPr lang="ko-KR" altLang="en-US"/>
+          </a:p>
+        </p:txBody>
+      </p:sp>
+      <p:sp>
+        <p:nvSpPr>
+          <p:cNvPr id="23" name="TextBox 22">
+            <a:extLst>
+              <a:ext uri="{FF2B5EF4-FFF2-40B4-BE49-F238E27FC236}">
+                <a16:creationId xmlns:a16="http://schemas.microsoft.com/office/drawing/2014/main" id="{114FBE45-FA73-44E3-F859-D61A42F004CC}"/>
+              </a:ext>
+            </a:extLst>
+          </p:cNvPr>
+          <p:cNvSpPr txBox="1"/>
+          <p:nvPr/>
+        </p:nvSpPr>
+        <p:spPr>
+          <a:xfrm>
+            <a:off x="8562749" y="5853106"/>
+            <a:ext cx="2229509" cy="369332"/>
+          </a:xfrm>
+          <a:prstGeom prst="rect">
+            <a:avLst/>
+          </a:prstGeom>
+          <a:noFill/>
+        </p:spPr>
+        <p:txBody>
+          <a:bodyPr wrap="square" rtlCol="0">
+            <a:spAutoFit/>
+          </a:bodyPr>
+          <a:lstStyle/>
+          <a:p>
+            <a:r>
+              <a:rPr lang="ko-KR" altLang="en-US" dirty="0">
+                <a:latin typeface="강한공군체 Medium" panose="020B0600000101010101" pitchFamily="34" charset="-127"/>
+                <a:ea typeface="강한공군체 Medium" panose="020B0600000101010101" pitchFamily="34" charset="-127"/>
+              </a:rPr>
+              <a:t>게임 마무리 화면</a:t>
+            </a:r>
+          </a:p>
+        </p:txBody>
+      </p:sp>
+      <p:pic>
+        <p:nvPicPr>
+          <p:cNvPr id="25" name="그림 24">
+            <a:extLst>
+              <a:ext uri="{FF2B5EF4-FFF2-40B4-BE49-F238E27FC236}">
+                <a16:creationId xmlns:a16="http://schemas.microsoft.com/office/drawing/2014/main" id="{C9600A48-8B0E-CF6B-992B-E5F379A23C3F}"/>
+              </a:ext>
+            </a:extLst>
+          </p:cNvPr>
+          <p:cNvPicPr>
+            <a:picLocks noChangeAspect="1"/>
+          </p:cNvPicPr>
+          <p:nvPr/>
+        </p:nvPicPr>
+        <p:blipFill>
+          <a:blip r:embed="rId5"/>
+          <a:stretch>
+            <a:fillRect/>
+          </a:stretch>
+        </p:blipFill>
+        <p:spPr>
+          <a:xfrm>
+            <a:off x="7691195" y="3839939"/>
+            <a:ext cx="3499761" cy="1972048"/>
+          </a:xfrm>
+          <a:prstGeom prst="rect">
+            <a:avLst/>
+          </a:prstGeom>
+        </p:spPr>
+      </p:pic>
+      <p:pic>
+        <p:nvPicPr>
+          <p:cNvPr id="27" name="그림 26">
+            <a:extLst>
+              <a:ext uri="{FF2B5EF4-FFF2-40B4-BE49-F238E27FC236}">
+                <a16:creationId xmlns:a16="http://schemas.microsoft.com/office/drawing/2014/main" id="{D60369D5-3329-0AC2-DFA4-1A12A05615E9}"/>
+              </a:ext>
+            </a:extLst>
+          </p:cNvPr>
+          <p:cNvPicPr>
+            <a:picLocks noChangeAspect="1"/>
+          </p:cNvPicPr>
+          <p:nvPr/>
+        </p:nvPicPr>
+        <p:blipFill>
+          <a:blip r:embed="rId6"/>
+          <a:stretch>
+            <a:fillRect/>
+          </a:stretch>
+        </p:blipFill>
+        <p:spPr>
+          <a:xfrm>
+            <a:off x="6096001" y="1225555"/>
+            <a:ext cx="3345076" cy="1862169"/>
+          </a:xfrm>
+          <a:prstGeom prst="rect">
+            <a:avLst/>
+          </a:prstGeom>
+        </p:spPr>
+      </p:pic>
+      <p:sp>
+        <p:nvSpPr>
+          <p:cNvPr id="28" name="TextBox 27">
+            <a:extLst>
+              <a:ext uri="{FF2B5EF4-FFF2-40B4-BE49-F238E27FC236}">
+                <a16:creationId xmlns:a16="http://schemas.microsoft.com/office/drawing/2014/main" id="{0770101C-ED70-B630-8F18-187D70665023}"/>
+              </a:ext>
+            </a:extLst>
+          </p:cNvPr>
+          <p:cNvSpPr txBox="1"/>
+          <p:nvPr/>
+        </p:nvSpPr>
+        <p:spPr>
+          <a:xfrm>
+            <a:off x="6684758" y="3105437"/>
+            <a:ext cx="2540534" cy="369332"/>
+          </a:xfrm>
+          <a:prstGeom prst="rect">
+            <a:avLst/>
+          </a:prstGeom>
+          <a:noFill/>
+        </p:spPr>
+        <p:txBody>
+          <a:bodyPr wrap="square" rtlCol="0">
+            <a:spAutoFit/>
+          </a:bodyPr>
+          <a:lstStyle/>
+          <a:p>
+            <a:r>
+              <a:rPr lang="ko-KR" altLang="en-US">
+                <a:latin typeface="강한공군체 Medium" panose="020B0600000101010101" pitchFamily="34" charset="-127"/>
+                <a:ea typeface="강한공군체 Medium" panose="020B0600000101010101" pitchFamily="34" charset="-127"/>
+              </a:rPr>
+              <a:t>몬스터와 싸우는 </a:t>
+            </a:r>
+            <a:r>
+              <a:rPr lang="ko-KR" altLang="en-US" dirty="0">
+                <a:latin typeface="강한공군체 Medium" panose="020B0600000101010101" pitchFamily="34" charset="-127"/>
+                <a:ea typeface="강한공군체 Medium" panose="020B0600000101010101" pitchFamily="34" charset="-127"/>
+              </a:rPr>
+              <a:t>화면</a:t>
+            </a:r>
+          </a:p>
+        </p:txBody>
+      </p:sp>
     </p:spTree>
     <p:extLst>
       <p:ext uri="{BB962C8B-B14F-4D97-AF65-F5344CB8AC3E}">
@@ -9270,7 +10025,7 @@
         </p:nvGrpSpPr>
         <p:grpSpPr>
           <a:xfrm>
-            <a:off x="317373" y="116395"/>
+            <a:off x="256413" y="102680"/>
             <a:ext cx="11679174" cy="6652639"/>
             <a:chOff x="279273" y="106870"/>
             <a:chExt cx="11679174" cy="6652639"/>
@@ -9657,20 +10412,23 @@
                   <a:defRPr/>
                 </a:pPr>
                 <a:r>
-                  <a:rPr lang="ko-KR" altLang="en-US" kern="0" dirty="0">
+                  <a:rPr kumimoji="0" lang="ko-KR" altLang="en-US" sz="1800" b="0" i="0" u="none" strike="noStrike" kern="0" cap="none" spc="0" normalizeH="0" baseline="0" noProof="0" dirty="0">
                     <a:ln w="25400">
                       <a:noFill/>
                     </a:ln>
                     <a:solidFill>
-                      <a:schemeClr val="tx1"/>
+                      <a:prstClr val="black"/>
                     </a:solidFill>
+                    <a:effectLst/>
+                    <a:uLnTx/>
+                    <a:uFillTx/>
                     <a:latin typeface="강한공군체 Bold" panose="020B0800000101010101" pitchFamily="34" charset="-127"/>
                     <a:ea typeface="강한공군체 Bold" panose="020B0800000101010101" pitchFamily="34" charset="-127"/>
                     <a:cs typeface="+mn-cs"/>
                   </a:rPr>
                   <a:t>예상 실행 흐름</a:t>
                 </a:r>
-                <a:endParaRPr kumimoji="0" lang="ko-KR" altLang="en-US" b="0" i="0" u="none" strike="noStrike" kern="1200" cap="none" spc="0" normalizeH="0" baseline="0" noProof="0" dirty="0">
+                <a:endParaRPr kumimoji="0" lang="ko-KR" altLang="en-US" sz="1800" b="0" i="0" u="none" strike="noStrike" kern="1200" cap="none" spc="0" normalizeH="0" baseline="0" noProof="0" dirty="0">
                   <a:ln>
                     <a:noFill/>
                   </a:ln>
@@ -9865,10 +10623,388 @@
           </p:sp>
         </p:grpSp>
       </p:grpSp>
+      <p:pic>
+        <p:nvPicPr>
+          <p:cNvPr id="14" name="그림 13">
+            <a:extLst>
+              <a:ext uri="{FF2B5EF4-FFF2-40B4-BE49-F238E27FC236}">
+                <a16:creationId xmlns:a16="http://schemas.microsoft.com/office/drawing/2014/main" id="{59F3DF8E-C636-B543-60DB-9EDFF2B1BC01}"/>
+              </a:ext>
+            </a:extLst>
+          </p:cNvPr>
+          <p:cNvPicPr>
+            <a:picLocks noChangeAspect="1"/>
+          </p:cNvPicPr>
+          <p:nvPr/>
+        </p:nvPicPr>
+        <p:blipFill>
+          <a:blip r:embed="rId3"/>
+          <a:stretch>
+            <a:fillRect/>
+          </a:stretch>
+        </p:blipFill>
+        <p:spPr>
+          <a:xfrm>
+            <a:off x="1634250" y="1225430"/>
+            <a:ext cx="8923500" cy="5025135"/>
+          </a:xfrm>
+          <a:prstGeom prst="rect">
+            <a:avLst/>
+          </a:prstGeom>
+        </p:spPr>
+      </p:pic>
+      <p:sp>
+        <p:nvSpPr>
+          <p:cNvPr id="16" name="말풍선: 모서리가 둥근 사각형 15">
+            <a:extLst>
+              <a:ext uri="{FF2B5EF4-FFF2-40B4-BE49-F238E27FC236}">
+                <a16:creationId xmlns:a16="http://schemas.microsoft.com/office/drawing/2014/main" id="{7F281678-B8BD-A97D-80FD-6CD0B0E5360A}"/>
+              </a:ext>
+            </a:extLst>
+          </p:cNvPr>
+          <p:cNvSpPr/>
+          <p:nvPr/>
+        </p:nvSpPr>
+        <p:spPr>
+          <a:xfrm>
+            <a:off x="4726832" y="1866071"/>
+            <a:ext cx="1526560" cy="641492"/>
+          </a:xfrm>
+          <a:prstGeom prst="wedgeRoundRectCallout">
+            <a:avLst/>
+          </a:prstGeom>
+        </p:spPr>
+        <p:style>
+          <a:lnRef idx="2">
+            <a:schemeClr val="accent3"/>
+          </a:lnRef>
+          <a:fillRef idx="1">
+            <a:schemeClr val="lt1"/>
+          </a:fillRef>
+          <a:effectRef idx="0">
+            <a:schemeClr val="accent3"/>
+          </a:effectRef>
+          <a:fontRef idx="minor">
+            <a:schemeClr val="dk1"/>
+          </a:fontRef>
+        </p:style>
+        <p:txBody>
+          <a:bodyPr rtlCol="0" anchor="ctr"/>
+          <a:lstStyle/>
+          <a:p>
+            <a:pPr algn="ctr"/>
+            <a:r>
+              <a:rPr lang="ko-KR" altLang="en-US" sz="1200" dirty="0">
+                <a:latin typeface="강한공군체 Medium" panose="020B0600000101010101" pitchFamily="34" charset="-127"/>
+                <a:ea typeface="강한공군체 Medium" panose="020B0600000101010101" pitchFamily="34" charset="-127"/>
+              </a:rPr>
+              <a:t>일반 몬스터</a:t>
+            </a:r>
+          </a:p>
+        </p:txBody>
+      </p:sp>
+      <p:sp>
+        <p:nvSpPr>
+          <p:cNvPr id="21" name="말풍선: 모서리가 둥근 사각형 20">
+            <a:extLst>
+              <a:ext uri="{FF2B5EF4-FFF2-40B4-BE49-F238E27FC236}">
+                <a16:creationId xmlns:a16="http://schemas.microsoft.com/office/drawing/2014/main" id="{8657F970-D0FD-8833-FC56-811D6AA448F0}"/>
+              </a:ext>
+            </a:extLst>
+          </p:cNvPr>
+          <p:cNvSpPr/>
+          <p:nvPr/>
+        </p:nvSpPr>
+        <p:spPr>
+          <a:xfrm>
+            <a:off x="6623261" y="2818999"/>
+            <a:ext cx="1356189" cy="739739"/>
+          </a:xfrm>
+          <a:prstGeom prst="wedgeRoundRectCallout">
+            <a:avLst/>
+          </a:prstGeom>
+        </p:spPr>
+        <p:style>
+          <a:lnRef idx="2">
+            <a:schemeClr val="accent3"/>
+          </a:lnRef>
+          <a:fillRef idx="1">
+            <a:schemeClr val="lt1"/>
+          </a:fillRef>
+          <a:effectRef idx="0">
+            <a:schemeClr val="accent3"/>
+          </a:effectRef>
+          <a:fontRef idx="minor">
+            <a:schemeClr val="dk1"/>
+          </a:fontRef>
+        </p:style>
+        <p:txBody>
+          <a:bodyPr rtlCol="0" anchor="ctr"/>
+          <a:lstStyle/>
+          <a:p>
+            <a:pPr algn="ctr"/>
+            <a:r>
+              <a:rPr lang="ko-KR" altLang="en-US" sz="1400" dirty="0">
+                <a:latin typeface="강한공군체 Medium" panose="020B0600000101010101" pitchFamily="34" charset="-127"/>
+                <a:ea typeface="강한공군체 Medium" panose="020B0600000101010101" pitchFamily="34" charset="-127"/>
+              </a:rPr>
+              <a:t>주인공 </a:t>
+            </a:r>
+            <a:r>
+              <a:rPr lang="en-US" altLang="ko-KR" sz="1400" dirty="0">
+                <a:latin typeface="강한공군체 Medium" panose="020B0600000101010101" pitchFamily="34" charset="-127"/>
+                <a:ea typeface="강한공군체 Medium" panose="020B0600000101010101" pitchFamily="34" charset="-127"/>
+              </a:rPr>
+              <a:t>KNIGHT</a:t>
+            </a:r>
+            <a:endParaRPr lang="ko-KR" altLang="en-US" sz="1400" dirty="0">
+              <a:latin typeface="강한공군체 Medium" panose="020B0600000101010101" pitchFamily="34" charset="-127"/>
+              <a:ea typeface="강한공군체 Medium" panose="020B0600000101010101" pitchFamily="34" charset="-127"/>
+            </a:endParaRPr>
+          </a:p>
+        </p:txBody>
+      </p:sp>
+      <p:sp>
+        <p:nvSpPr>
+          <p:cNvPr id="24" name="말풍선: 모서리가 둥근 사각형 23">
+            <a:extLst>
+              <a:ext uri="{FF2B5EF4-FFF2-40B4-BE49-F238E27FC236}">
+                <a16:creationId xmlns:a16="http://schemas.microsoft.com/office/drawing/2014/main" id="{08839F11-3E60-8EC5-CCED-2CE0A77398E4}"/>
+              </a:ext>
+            </a:extLst>
+          </p:cNvPr>
+          <p:cNvSpPr/>
+          <p:nvPr/>
+        </p:nvSpPr>
+        <p:spPr>
+          <a:xfrm>
+            <a:off x="2893405" y="763338"/>
+            <a:ext cx="1510638" cy="739739"/>
+          </a:xfrm>
+          <a:prstGeom prst="wedgeRoundRectCallout">
+            <a:avLst/>
+          </a:prstGeom>
+        </p:spPr>
+        <p:style>
+          <a:lnRef idx="2">
+            <a:schemeClr val="accent3"/>
+          </a:lnRef>
+          <a:fillRef idx="1">
+            <a:schemeClr val="lt1"/>
+          </a:fillRef>
+          <a:effectRef idx="0">
+            <a:schemeClr val="accent3"/>
+          </a:effectRef>
+          <a:fontRef idx="minor">
+            <a:schemeClr val="dk1"/>
+          </a:fontRef>
+        </p:style>
+        <p:txBody>
+          <a:bodyPr rtlCol="0" anchor="ctr"/>
+          <a:lstStyle/>
+          <a:p>
+            <a:pPr algn="ctr"/>
+            <a:r>
+              <a:rPr lang="ko-KR" altLang="en-US" sz="1400">
+                <a:latin typeface="강한공군체 Medium" panose="020B0600000101010101" pitchFamily="34" charset="-127"/>
+                <a:ea typeface="강한공군체 Medium" panose="020B0600000101010101" pitchFamily="34" charset="-127"/>
+              </a:rPr>
+              <a:t>주인공의 영혼</a:t>
+            </a:r>
+            <a:endParaRPr lang="ko-KR" altLang="en-US" sz="1400" dirty="0">
+              <a:latin typeface="강한공군체 Medium" panose="020B0600000101010101" pitchFamily="34" charset="-127"/>
+              <a:ea typeface="강한공군체 Medium" panose="020B0600000101010101" pitchFamily="34" charset="-127"/>
+            </a:endParaRPr>
+          </a:p>
+        </p:txBody>
+      </p:sp>
+      <p:sp>
+        <p:nvSpPr>
+          <p:cNvPr id="26" name="말풍선: 모서리가 둥근 사각형 25">
+            <a:extLst>
+              <a:ext uri="{FF2B5EF4-FFF2-40B4-BE49-F238E27FC236}">
+                <a16:creationId xmlns:a16="http://schemas.microsoft.com/office/drawing/2014/main" id="{FAD9285C-917A-544F-BFAA-134F254D2B84}"/>
+              </a:ext>
+            </a:extLst>
+          </p:cNvPr>
+          <p:cNvSpPr/>
+          <p:nvPr/>
+        </p:nvSpPr>
+        <p:spPr>
+          <a:xfrm rot="10800000">
+            <a:off x="1772886" y="2374774"/>
+            <a:ext cx="1761424" cy="739738"/>
+          </a:xfrm>
+          <a:prstGeom prst="wedgeRoundRectCallout">
+            <a:avLst/>
+          </a:prstGeom>
+        </p:spPr>
+        <p:style>
+          <a:lnRef idx="2">
+            <a:schemeClr val="accent3"/>
+          </a:lnRef>
+          <a:fillRef idx="1">
+            <a:schemeClr val="lt1"/>
+          </a:fillRef>
+          <a:effectRef idx="0">
+            <a:schemeClr val="accent3"/>
+          </a:effectRef>
+          <a:fontRef idx="minor">
+            <a:schemeClr val="dk1"/>
+          </a:fontRef>
+        </p:style>
+        <p:txBody>
+          <a:bodyPr vert="horz" rtlCol="0" anchor="ctr"/>
+          <a:lstStyle/>
+          <a:p>
+            <a:pPr algn="ctr"/>
+            <a:endParaRPr lang="ko-KR" altLang="en-US" sz="1400" dirty="0">
+              <a:latin typeface="강한공군체 Medium" panose="020B0600000101010101" pitchFamily="34" charset="-127"/>
+              <a:ea typeface="강한공군체 Medium" panose="020B0600000101010101" pitchFamily="34" charset="-127"/>
+            </a:endParaRPr>
+          </a:p>
+        </p:txBody>
+      </p:sp>
+      <p:sp>
+        <p:nvSpPr>
+          <p:cNvPr id="29" name="TextBox 28">
+            <a:extLst>
+              <a:ext uri="{FF2B5EF4-FFF2-40B4-BE49-F238E27FC236}">
+                <a16:creationId xmlns:a16="http://schemas.microsoft.com/office/drawing/2014/main" id="{CB6885D4-260C-0471-BE0B-4B70ABF6ED25}"/>
+              </a:ext>
+            </a:extLst>
+          </p:cNvPr>
+          <p:cNvSpPr txBox="1"/>
+          <p:nvPr/>
+        </p:nvSpPr>
+        <p:spPr>
+          <a:xfrm>
+            <a:off x="1830035" y="2507564"/>
+            <a:ext cx="1907729" cy="461665"/>
+          </a:xfrm>
+          <a:prstGeom prst="rect">
+            <a:avLst/>
+          </a:prstGeom>
+          <a:noFill/>
+        </p:spPr>
+        <p:txBody>
+          <a:bodyPr wrap="square" rtlCol="0">
+            <a:spAutoFit/>
+          </a:bodyPr>
+          <a:lstStyle/>
+          <a:p>
+            <a:r>
+              <a:rPr lang="ko-KR" altLang="en-US" sz="1200" dirty="0" err="1">
+                <a:latin typeface="강한공군체 Medium" panose="020B0600000101010101" pitchFamily="34" charset="-127"/>
+                <a:ea typeface="강한공군체 Medium" panose="020B0600000101010101" pitchFamily="34" charset="-127"/>
+              </a:rPr>
+              <a:t>지오</a:t>
+            </a:r>
+            <a:r>
+              <a:rPr lang="en-US" altLang="ko-KR" sz="1200" dirty="0">
+                <a:latin typeface="강한공군체 Medium" panose="020B0600000101010101" pitchFamily="34" charset="-127"/>
+                <a:ea typeface="강한공군체 Medium" panose="020B0600000101010101" pitchFamily="34" charset="-127"/>
+              </a:rPr>
+              <a:t> - </a:t>
+            </a:r>
+            <a:r>
+              <a:rPr lang="ko-KR" altLang="en-US" sz="1200" dirty="0">
+                <a:latin typeface="강한공군체 Medium" panose="020B0600000101010101" pitchFamily="34" charset="-127"/>
+                <a:ea typeface="강한공군체 Medium" panose="020B0600000101010101" pitchFamily="34" charset="-127"/>
+              </a:rPr>
+              <a:t>몬스터를 죽여 </a:t>
+            </a:r>
+            <a:endParaRPr lang="en-US" altLang="ko-KR" sz="1200" dirty="0">
+              <a:latin typeface="강한공군체 Medium" panose="020B0600000101010101" pitchFamily="34" charset="-127"/>
+              <a:ea typeface="강한공군체 Medium" panose="020B0600000101010101" pitchFamily="34" charset="-127"/>
+            </a:endParaRPr>
+          </a:p>
+          <a:p>
+            <a:r>
+              <a:rPr lang="ko-KR" altLang="en-US" sz="1200" dirty="0">
+                <a:latin typeface="강한공군체 Medium" panose="020B0600000101010101" pitchFamily="34" charset="-127"/>
+                <a:ea typeface="강한공군체 Medium" panose="020B0600000101010101" pitchFamily="34" charset="-127"/>
+              </a:rPr>
+              <a:t>얻을 수 있는 아이템</a:t>
+            </a:r>
+          </a:p>
+        </p:txBody>
+      </p:sp>
+      <p:sp>
+        <p:nvSpPr>
+          <p:cNvPr id="30" name="말풍선: 모서리가 둥근 사각형 29">
+            <a:extLst>
+              <a:ext uri="{FF2B5EF4-FFF2-40B4-BE49-F238E27FC236}">
+                <a16:creationId xmlns:a16="http://schemas.microsoft.com/office/drawing/2014/main" id="{EE835FAF-E64C-141F-6640-CE711037CD07}"/>
+              </a:ext>
+            </a:extLst>
+          </p:cNvPr>
+          <p:cNvSpPr/>
+          <p:nvPr/>
+        </p:nvSpPr>
+        <p:spPr>
+          <a:xfrm>
+            <a:off x="8296484" y="1866071"/>
+            <a:ext cx="1607803" cy="641492"/>
+          </a:xfrm>
+          <a:prstGeom prst="wedgeRoundRectCallout">
+            <a:avLst/>
+          </a:prstGeom>
+        </p:spPr>
+        <p:style>
+          <a:lnRef idx="2">
+            <a:schemeClr val="accent3"/>
+          </a:lnRef>
+          <a:fillRef idx="1">
+            <a:schemeClr val="lt1"/>
+          </a:fillRef>
+          <a:effectRef idx="0">
+            <a:schemeClr val="accent3"/>
+          </a:effectRef>
+          <a:fontRef idx="minor">
+            <a:schemeClr val="dk1"/>
+          </a:fontRef>
+        </p:style>
+        <p:txBody>
+          <a:bodyPr rtlCol="0" anchor="ctr"/>
+          <a:lstStyle/>
+          <a:p>
+            <a:pPr algn="ctr"/>
+            <a:r>
+              <a:rPr lang="ko-KR" altLang="en-US" sz="1200" dirty="0" err="1">
+                <a:latin typeface="강한공군체 Medium" panose="020B0600000101010101" pitchFamily="34" charset="-127"/>
+                <a:ea typeface="강한공군체 Medium" panose="020B0600000101010101" pitchFamily="34" charset="-127"/>
+              </a:rPr>
+              <a:t>지오가</a:t>
+            </a:r>
+            <a:r>
+              <a:rPr lang="ko-KR" altLang="en-US" sz="1200" dirty="0">
+                <a:latin typeface="강한공군체 Medium" panose="020B0600000101010101" pitchFamily="34" charset="-127"/>
+                <a:ea typeface="강한공군체 Medium" panose="020B0600000101010101" pitchFamily="34" charset="-127"/>
+              </a:rPr>
+              <a:t> </a:t>
+            </a:r>
+            <a:r>
+              <a:rPr lang="ko-KR" altLang="en-US" sz="1200" dirty="0" err="1">
+                <a:latin typeface="강한공군체 Medium" panose="020B0600000101010101" pitchFamily="34" charset="-127"/>
+                <a:ea typeface="강한공군체 Medium" panose="020B0600000101010101" pitchFamily="34" charset="-127"/>
+              </a:rPr>
+              <a:t>드랍된</a:t>
+            </a:r>
+            <a:r>
+              <a:rPr lang="ko-KR" altLang="en-US" sz="1200" dirty="0">
+                <a:latin typeface="강한공군체 Medium" panose="020B0600000101010101" pitchFamily="34" charset="-127"/>
+                <a:ea typeface="강한공군체 Medium" panose="020B0600000101010101" pitchFamily="34" charset="-127"/>
+              </a:rPr>
+              <a:t> 모습</a:t>
+            </a:r>
+          </a:p>
+        </p:txBody>
+      </p:sp>
     </p:spTree>
     <p:extLst>
       <p:ext uri="{BB962C8B-B14F-4D97-AF65-F5344CB8AC3E}">
-        <p14:creationId xmlns:p14="http://schemas.microsoft.com/office/powerpoint/2010/main" val="2052516499"/>
+        <p14:creationId xmlns:p14="http://schemas.microsoft.com/office/powerpoint/2010/main" val="3322288898"/>
       </p:ext>
     </p:extLst>
   </p:cSld>
@@ -10526,14 +11662,14 @@
           <p:nvPr>
             <p:extLst>
               <p:ext uri="{D42A27DB-BD31-4B8C-83A1-F6EECF244321}">
-                <p14:modId xmlns:p14="http://schemas.microsoft.com/office/powerpoint/2010/main" val="2738157999"/>
+                <p14:modId xmlns:p14="http://schemas.microsoft.com/office/powerpoint/2010/main" val="1709627399"/>
               </p:ext>
             </p:extLst>
           </p:nvPr>
         </p:nvGraphicFramePr>
         <p:xfrm>
-          <a:off x="1628490" y="728285"/>
-          <a:ext cx="8921260" cy="5882174"/>
+          <a:off x="1667755" y="799123"/>
+          <a:ext cx="8921260" cy="5607854"/>
         </p:xfrm>
         <a:graphic>
           <a:graphicData uri="http://schemas.openxmlformats.org/drawingml/2006/table">
@@ -10611,17 +11747,24 @@
                     <a:bodyPr/>
                     <a:lstStyle/>
                     <a:p>
-                      <a:pPr marL="342900" indent="-342900" algn="ctr" latinLnBrk="1">
-                        <a:buAutoNum type="arabicPeriod"/>
+                      <a:pPr marL="0" indent="0" algn="just" latinLnBrk="1">
+                        <a:buNone/>
                       </a:pPr>
                       <a:r>
-                        <a:rPr lang="ko-KR" altLang="en-US" sz="1400" dirty="0">
+                        <a:rPr lang="en-US" altLang="ko-KR" sz="1200" dirty="0">
+                          <a:latin typeface="강한공군체 Medium" panose="020B0600000101010101" pitchFamily="34" charset="-127"/>
+                          <a:ea typeface="강한공군체 Medium" panose="020B0600000101010101" pitchFamily="34" charset="-127"/>
+                        </a:rPr>
+                        <a:t>1. </a:t>
+                      </a:r>
+                      <a:r>
+                        <a:rPr lang="ko-KR" altLang="en-US" sz="1200" dirty="0">
                           <a:latin typeface="강한공군체 Medium" panose="020B0600000101010101" pitchFamily="34" charset="-127"/>
                           <a:ea typeface="강한공군체 Medium" panose="020B0600000101010101" pitchFamily="34" charset="-127"/>
                         </a:rPr>
                         <a:t>리소스 수집</a:t>
                       </a:r>
-                      <a:endParaRPr lang="en-US" altLang="ko-KR" sz="1400" dirty="0">
+                      <a:endParaRPr lang="en-US" altLang="ko-KR" sz="1200" dirty="0">
                         <a:latin typeface="강한공군체 Medium" panose="020B0600000101010101" pitchFamily="34" charset="-127"/>
                         <a:ea typeface="강한공군체 Medium" panose="020B0600000101010101" pitchFamily="34" charset="-127"/>
                       </a:endParaRPr>
@@ -10686,84 +11829,47 @@
                     <a:bodyPr/>
                     <a:lstStyle/>
                     <a:p>
-                      <a:pPr marL="0" indent="0" algn="ctr" latinLnBrk="1">
+                      <a:pPr marL="0" indent="0" algn="just" latinLnBrk="1">
                         <a:buNone/>
                       </a:pPr>
                       <a:r>
-                        <a:rPr lang="en-US" altLang="ko-KR" sz="1400" dirty="0">
+                        <a:rPr lang="en-US" altLang="ko-KR" sz="1200" dirty="0">
                           <a:latin typeface="강한공군체 Medium" panose="020B0600000101010101" pitchFamily="34" charset="-127"/>
                           <a:ea typeface="강한공군체 Medium" panose="020B0600000101010101" pitchFamily="34" charset="-127"/>
                         </a:rPr>
                         <a:t>1. </a:t>
                       </a:r>
                       <a:r>
-                        <a:rPr lang="ko-KR" altLang="en-US" sz="1400" dirty="0">
+                        <a:rPr lang="ko-KR" altLang="en-US" sz="1200" dirty="0">
                           <a:latin typeface="강한공군체 Medium" panose="020B0600000101010101" pitchFamily="34" charset="-127"/>
                           <a:ea typeface="강한공군체 Medium" panose="020B0600000101010101" pitchFamily="34" charset="-127"/>
                         </a:rPr>
                         <a:t>블록 위치 설정</a:t>
                       </a:r>
-                      <a:endParaRPr lang="en-US" altLang="ko-KR" sz="1400" dirty="0">
+                      <a:endParaRPr lang="en-US" altLang="ko-KR" sz="1200" dirty="0">
                         <a:latin typeface="강한공군체 Medium" panose="020B0600000101010101" pitchFamily="34" charset="-127"/>
                         <a:ea typeface="강한공군체 Medium" panose="020B0600000101010101" pitchFamily="34" charset="-127"/>
                       </a:endParaRPr>
                     </a:p>
                     <a:p>
-                      <a:pPr marL="0" indent="0" algn="ctr" latinLnBrk="1">
+                      <a:pPr marL="0" indent="0" algn="just" latinLnBrk="1">
                         <a:buNone/>
                       </a:pPr>
                       <a:r>
-                        <a:rPr lang="en-US" altLang="ko-KR" sz="1400" dirty="0">
+                        <a:rPr lang="en-US" altLang="ko-KR" sz="1200" dirty="0">
                           <a:latin typeface="강한공군체 Medium" panose="020B0600000101010101" pitchFamily="34" charset="-127"/>
                           <a:ea typeface="강한공군체 Medium" panose="020B0600000101010101" pitchFamily="34" charset="-127"/>
                         </a:rPr>
                         <a:t>2. </a:t>
                       </a:r>
                       <a:r>
-                        <a:rPr lang="ko-KR" altLang="en-US" sz="1400" dirty="0">
+                        <a:rPr lang="ko-KR" altLang="en-US" sz="1200" dirty="0">
                           <a:latin typeface="강한공군체 Medium" panose="020B0600000101010101" pitchFamily="34" charset="-127"/>
                           <a:ea typeface="강한공군체 Medium" panose="020B0600000101010101" pitchFamily="34" charset="-127"/>
                         </a:rPr>
                         <a:t>몬스터 위치 설정</a:t>
                       </a:r>
-                      <a:endParaRPr lang="en-US" altLang="ko-KR" sz="1400" dirty="0">
-                        <a:latin typeface="강한공군체 Medium" panose="020B0600000101010101" pitchFamily="34" charset="-127"/>
-                        <a:ea typeface="강한공군체 Medium" panose="020B0600000101010101" pitchFamily="34" charset="-127"/>
-                      </a:endParaRPr>
-                    </a:p>
-                    <a:p>
-                      <a:pPr marL="0" indent="0" algn="ctr" latinLnBrk="1">
-                        <a:buNone/>
-                      </a:pPr>
-                      <a:r>
-                        <a:rPr lang="en-US" altLang="ko-KR" sz="1400" dirty="0">
-                          <a:latin typeface="강한공군체 Medium" panose="020B0600000101010101" pitchFamily="34" charset="-127"/>
-                          <a:ea typeface="강한공군체 Medium" panose="020B0600000101010101" pitchFamily="34" charset="-127"/>
-                        </a:rPr>
-                        <a:t>3. </a:t>
-                      </a:r>
-                      <a:r>
-                        <a:rPr lang="ko-KR" altLang="en-US" sz="1400" dirty="0">
-                          <a:latin typeface="강한공군체 Medium" panose="020B0600000101010101" pitchFamily="34" charset="-127"/>
-                          <a:ea typeface="강한공군체 Medium" panose="020B0600000101010101" pitchFamily="34" charset="-127"/>
-                        </a:rPr>
-                        <a:t>보스 룸 </a:t>
-                      </a:r>
-                      <a:r>
-                        <a:rPr lang="en-US" altLang="ko-KR" sz="1400" dirty="0">
-                          <a:latin typeface="강한공군체 Medium" panose="020B0600000101010101" pitchFamily="34" charset="-127"/>
-                          <a:ea typeface="강한공군체 Medium" panose="020B0600000101010101" pitchFamily="34" charset="-127"/>
-                        </a:rPr>
-                        <a:t>KEY </a:t>
-                      </a:r>
-                      <a:r>
-                        <a:rPr lang="ko-KR" altLang="en-US" sz="1400" dirty="0">
-                          <a:latin typeface="강한공군체 Medium" panose="020B0600000101010101" pitchFamily="34" charset="-127"/>
-                          <a:ea typeface="강한공군체 Medium" panose="020B0600000101010101" pitchFamily="34" charset="-127"/>
-                        </a:rPr>
-                        <a:t>위치 설정</a:t>
-                      </a:r>
-                      <a:endParaRPr lang="en-US" altLang="ko-KR" sz="1400" dirty="0">
+                      <a:endParaRPr lang="en-US" altLang="ko-KR" sz="1200" dirty="0">
                         <a:latin typeface="강한공군체 Medium" panose="020B0600000101010101" pitchFamily="34" charset="-127"/>
                         <a:ea typeface="강한공군체 Medium" panose="020B0600000101010101" pitchFamily="34" charset="-127"/>
                       </a:endParaRPr>
@@ -10814,6 +11920,124 @@
                           <a:ea typeface="강한공군체 Medium" panose="020B0600000101010101" pitchFamily="34" charset="-127"/>
                         </a:rPr>
                         <a:t>주인공 구현</a:t>
+                      </a:r>
+                    </a:p>
+                  </a:txBody>
+                  <a:tcPr anchor="ctr"/>
+                </a:tc>
+                <a:tc>
+                  <a:txBody>
+                    <a:bodyPr/>
+                    <a:lstStyle/>
+                    <a:p>
+                      <a:pPr marL="228600" marR="0" lvl="0" indent="-228600" algn="just" defTabSz="914400" rtl="0" eaLnBrk="1" fontAlgn="auto" latinLnBrk="1" hangingPunct="1">
+                        <a:lnSpc>
+                          <a:spcPct val="100000"/>
+                        </a:lnSpc>
+                        <a:spcBef>
+                          <a:spcPts val="0"/>
+                        </a:spcBef>
+                        <a:spcAft>
+                          <a:spcPts val="0"/>
+                        </a:spcAft>
+                        <a:buClrTx/>
+                        <a:buSzTx/>
+                        <a:buFontTx/>
+                        <a:buAutoNum type="arabicPeriod"/>
+                        <a:tabLst/>
+                        <a:defRPr/>
+                      </a:pPr>
+                      <a:r>
+                        <a:rPr lang="en-US" altLang="ko-KR" sz="1200" dirty="0">
+                          <a:latin typeface="강한공군체 Medium" panose="020B0600000101010101" pitchFamily="34" charset="-127"/>
+                          <a:ea typeface="강한공군체 Medium" panose="020B0600000101010101" pitchFamily="34" charset="-127"/>
+                        </a:rPr>
+                        <a:t>KNIGHT </a:t>
+                      </a:r>
+                      <a:r>
+                        <a:rPr lang="ko-KR" altLang="en-US" sz="1200" dirty="0">
+                          <a:latin typeface="강한공군체 Medium" panose="020B0600000101010101" pitchFamily="34" charset="-127"/>
+                          <a:ea typeface="강한공군체 Medium" panose="020B0600000101010101" pitchFamily="34" charset="-127"/>
+                        </a:rPr>
+                        <a:t>이동 애니메이션</a:t>
+                      </a:r>
+                      <a:endParaRPr lang="en-US" altLang="ko-KR" sz="1200" dirty="0">
+                        <a:latin typeface="강한공군체 Medium" panose="020B0600000101010101" pitchFamily="34" charset="-127"/>
+                        <a:ea typeface="강한공군체 Medium" panose="020B0600000101010101" pitchFamily="34" charset="-127"/>
+                      </a:endParaRPr>
+                    </a:p>
+                    <a:p>
+                      <a:pPr marL="228600" marR="0" lvl="0" indent="-228600" algn="just" defTabSz="914400" rtl="0" eaLnBrk="1" fontAlgn="auto" latinLnBrk="1" hangingPunct="1">
+                        <a:lnSpc>
+                          <a:spcPct val="100000"/>
+                        </a:lnSpc>
+                        <a:spcBef>
+                          <a:spcPts val="0"/>
+                        </a:spcBef>
+                        <a:spcAft>
+                          <a:spcPts val="0"/>
+                        </a:spcAft>
+                        <a:buClrTx/>
+                        <a:buSzTx/>
+                        <a:buFontTx/>
+                        <a:buAutoNum type="arabicPeriod"/>
+                        <a:tabLst/>
+                        <a:defRPr/>
+                      </a:pPr>
+                      <a:r>
+                        <a:rPr lang="ko-KR" altLang="en-US" sz="1200" dirty="0">
+                          <a:latin typeface="강한공군체 Medium" panose="020B0600000101010101" pitchFamily="34" charset="-127"/>
+                          <a:ea typeface="강한공군체 Medium" panose="020B0600000101010101" pitchFamily="34" charset="-127"/>
+                        </a:rPr>
+                        <a:t>공격 및 돌진 키 구현</a:t>
+                      </a:r>
+                    </a:p>
+                    <a:p>
+                      <a:pPr algn="just" latinLnBrk="1"/>
+                      <a:r>
+                        <a:rPr lang="en-US" altLang="ko-KR" sz="1200" dirty="0">
+                          <a:latin typeface="강한공군체 Medium" panose="020B0600000101010101" pitchFamily="34" charset="-127"/>
+                          <a:ea typeface="강한공군체 Medium" panose="020B0600000101010101" pitchFamily="34" charset="-127"/>
+                        </a:rPr>
+                        <a:t>3. </a:t>
+                      </a:r>
+                      <a:r>
+                        <a:rPr lang="ko-KR" altLang="en-US" sz="1200" dirty="0">
+                          <a:latin typeface="강한공군체 Medium" panose="020B0600000101010101" pitchFamily="34" charset="-127"/>
+                          <a:ea typeface="강한공군체 Medium" panose="020B0600000101010101" pitchFamily="34" charset="-127"/>
+                        </a:rPr>
+                        <a:t>주인공과 맵 블록 사이 이동 체크</a:t>
+                      </a:r>
+                    </a:p>
+                  </a:txBody>
+                  <a:tcPr/>
+                </a:tc>
+                <a:extLst>
+                  <a:ext uri="{0D108BD9-81ED-4DB2-BD59-A6C34878D82A}">
+                    <a16:rowId xmlns:a16="http://schemas.microsoft.com/office/drawing/2014/main" val="2206399057"/>
+                  </a:ext>
+                </a:extLst>
+              </a:tr>
+              <a:tr h="526802">
+                <a:tc>
+                  <a:txBody>
+                    <a:bodyPr/>
+                    <a:lstStyle/>
+                    <a:p>
+                      <a:pPr algn="ctr" latinLnBrk="1"/>
+                      <a:r>
+                        <a:rPr lang="en-US" altLang="ko-KR" dirty="0">
+                          <a:latin typeface="강한공군체 Medium" panose="020B0600000101010101" pitchFamily="34" charset="-127"/>
+                          <a:ea typeface="강한공군체 Medium" panose="020B0600000101010101" pitchFamily="34" charset="-127"/>
+                        </a:rPr>
+                        <a:t>4</a:t>
+                      </a:r>
+                      <a:r>
+                        <a:rPr lang="ko-KR" altLang="en-US" dirty="0">
+                          <a:latin typeface="강한공군체 Medium" panose="020B0600000101010101" pitchFamily="34" charset="-127"/>
+                          <a:ea typeface="강한공군체 Medium" panose="020B0600000101010101" pitchFamily="34" charset="-127"/>
+                        </a:rPr>
+                        <a:t>주차</a:t>
                       </a:r>
                     </a:p>
                   </a:txBody>
@@ -10842,35 +12066,83 @@
                         <a:defRPr/>
                       </a:pPr>
                       <a:r>
-                        <a:rPr lang="en-US" altLang="ko-KR" sz="1400" dirty="0">
-                          <a:latin typeface="강한공군체 Medium" panose="020B0600000101010101" pitchFamily="34" charset="-127"/>
-                          <a:ea typeface="강한공군체 Medium" panose="020B0600000101010101" pitchFamily="34" charset="-127"/>
-                        </a:rPr>
-                        <a:t>1. KNIGHT </a:t>
-                      </a:r>
-                      <a:r>
-                        <a:rPr lang="ko-KR" altLang="en-US" sz="1400" dirty="0">
-                          <a:latin typeface="강한공군체 Medium" panose="020B0600000101010101" pitchFamily="34" charset="-127"/>
-                          <a:ea typeface="강한공군체 Medium" panose="020B0600000101010101" pitchFamily="34" charset="-127"/>
-                        </a:rPr>
-                        <a:t>이동 애니메이션</a:t>
-                      </a:r>
+                        <a:rPr lang="ko-KR" altLang="en-US" sz="1600" dirty="0">
+                          <a:latin typeface="강한공군체 Medium" panose="020B0600000101010101" pitchFamily="34" charset="-127"/>
+                          <a:ea typeface="강한공군체 Medium" panose="020B0600000101010101" pitchFamily="34" charset="-127"/>
+                        </a:rPr>
+                        <a:t>적 구현</a:t>
+                      </a:r>
+                    </a:p>
+                  </a:txBody>
+                  <a:tcPr anchor="ctr"/>
+                </a:tc>
+                <a:tc>
+                  <a:txBody>
+                    <a:bodyPr/>
+                    <a:lstStyle/>
+                    <a:p>
+                      <a:pPr marL="0" indent="0" algn="just" latinLnBrk="1">
+                        <a:buNone/>
+                      </a:pPr>
+                      <a:r>
+                        <a:rPr lang="en-US" altLang="ko-KR" sz="1200" dirty="0">
+                          <a:latin typeface="강한공군체 Medium" panose="020B0600000101010101" pitchFamily="34" charset="-127"/>
+                          <a:ea typeface="강한공군체 Medium" panose="020B0600000101010101" pitchFamily="34" charset="-127"/>
+                        </a:rPr>
+                        <a:t>1. </a:t>
+                      </a:r>
+                      <a:r>
+                        <a:rPr lang="ko-KR" altLang="en-US" sz="1200" dirty="0">
+                          <a:latin typeface="강한공군체 Medium" panose="020B0600000101010101" pitchFamily="34" charset="-127"/>
+                          <a:ea typeface="강한공군체 Medium" panose="020B0600000101010101" pitchFamily="34" charset="-127"/>
+                        </a:rPr>
+                        <a:t>적의 움직임 및 공격 모션 구현</a:t>
+                      </a:r>
+                      <a:endParaRPr lang="en-US" altLang="ko-KR" sz="1200" dirty="0">
+                        <a:latin typeface="강한공군체 Medium" panose="020B0600000101010101" pitchFamily="34" charset="-127"/>
+                        <a:ea typeface="강한공군체 Medium" panose="020B0600000101010101" pitchFamily="34" charset="-127"/>
+                      </a:endParaRPr>
                     </a:p>
                     <a:p>
-                      <a:pPr algn="ctr" latinLnBrk="1"/>
-                      <a:r>
-                        <a:rPr lang="en-US" altLang="ko-KR" sz="1400" dirty="0">
+                      <a:pPr marL="0" indent="0" algn="just" latinLnBrk="1">
+                        <a:buNone/>
+                      </a:pPr>
+                      <a:r>
+                        <a:rPr lang="en-US" altLang="ko-KR" sz="1200" dirty="0">
                           <a:latin typeface="강한공군체 Medium" panose="020B0600000101010101" pitchFamily="34" charset="-127"/>
                           <a:ea typeface="강한공군체 Medium" panose="020B0600000101010101" pitchFamily="34" charset="-127"/>
                         </a:rPr>
                         <a:t>2. </a:t>
                       </a:r>
                       <a:r>
-                        <a:rPr lang="ko-KR" altLang="en-US" sz="1400" dirty="0">
-                          <a:latin typeface="강한공군체 Medium" panose="020B0600000101010101" pitchFamily="34" charset="-127"/>
-                          <a:ea typeface="강한공군체 Medium" panose="020B0600000101010101" pitchFamily="34" charset="-127"/>
-                        </a:rPr>
-                        <a:t>주인공과 맵 블록 사이 이동 체크</a:t>
+                        <a:rPr lang="ko-KR" altLang="en-US" sz="1200" dirty="0">
+                          <a:latin typeface="강한공군체 Medium" panose="020B0600000101010101" pitchFamily="34" charset="-127"/>
+                          <a:ea typeface="강한공군체 Medium" panose="020B0600000101010101" pitchFamily="34" charset="-127"/>
+                        </a:rPr>
+                        <a:t>사망 모션 구현</a:t>
+                      </a:r>
+                      <a:endParaRPr lang="en-US" altLang="ko-KR" sz="1200" dirty="0">
+                        <a:latin typeface="강한공군체 Medium" panose="020B0600000101010101" pitchFamily="34" charset="-127"/>
+                        <a:ea typeface="강한공군체 Medium" panose="020B0600000101010101" pitchFamily="34" charset="-127"/>
+                      </a:endParaRPr>
+                    </a:p>
+                    <a:p>
+                      <a:pPr marL="0" indent="0" algn="just" latinLnBrk="1">
+                        <a:buNone/>
+                      </a:pPr>
+                      <a:r>
+                        <a:rPr lang="en-US" altLang="ko-KR" sz="1200" dirty="0">
+                          <a:latin typeface="강한공군체 Medium" panose="020B0600000101010101" pitchFamily="34" charset="-127"/>
+                          <a:ea typeface="강한공군체 Medium" panose="020B0600000101010101" pitchFamily="34" charset="-127"/>
+                        </a:rPr>
+                        <a:t>3. </a:t>
+                      </a:r>
+                      <a:r>
+                        <a:rPr lang="ko-KR" altLang="en-US" sz="1200" dirty="0">
+                          <a:latin typeface="강한공군체 Medium" panose="020B0600000101010101" pitchFamily="34" charset="-127"/>
+                          <a:ea typeface="강한공군체 Medium" panose="020B0600000101010101" pitchFamily="34" charset="-127"/>
+                        </a:rPr>
+                        <a:t>사망 시 아이템 드롭 구현</a:t>
                       </a:r>
                     </a:p>
                   </a:txBody>
@@ -10878,7 +12150,7 @@
                 </a:tc>
                 <a:extLst>
                   <a:ext uri="{0D108BD9-81ED-4DB2-BD59-A6C34878D82A}">
-                    <a16:rowId xmlns:a16="http://schemas.microsoft.com/office/drawing/2014/main" val="2206399057"/>
+                    <a16:rowId xmlns:a16="http://schemas.microsoft.com/office/drawing/2014/main" val="3621991772"/>
                   </a:ext>
                 </a:extLst>
               </a:tr>
@@ -10894,7 +12166,7 @@
                           <a:latin typeface="강한공군체 Medium" panose="020B0600000101010101" pitchFamily="34" charset="-127"/>
                           <a:ea typeface="강한공군체 Medium" panose="020B0600000101010101" pitchFamily="34" charset="-127"/>
                         </a:rPr>
-                        <a:t>4</a:t>
+                        <a:t>5</a:t>
                       </a:r>
                       <a:r>
                         <a:rPr lang="ko-KR" altLang="en-US" dirty="0">
@@ -10934,7 +12206,7 @@
                           <a:latin typeface="강한공군체 Medium" panose="020B0600000101010101" pitchFamily="34" charset="-127"/>
                           <a:ea typeface="강한공군체 Medium" panose="020B0600000101010101" pitchFamily="34" charset="-127"/>
                         </a:rPr>
-                        <a:t>적 구현</a:t>
+                        <a:t>추가 구현 및 중간 점검</a:t>
                       </a:r>
                     </a:p>
                   </a:txBody>
@@ -10945,55 +12217,115 @@
                     <a:bodyPr/>
                     <a:lstStyle/>
                     <a:p>
-                      <a:pPr marL="342900" indent="-342900" algn="ctr" latinLnBrk="1">
-                        <a:buAutoNum type="arabicPeriod"/>
+                      <a:pPr marL="0" indent="0" algn="just" latinLnBrk="1">
+                        <a:buNone/>
                       </a:pPr>
                       <a:r>
-                        <a:rPr lang="ko-KR" altLang="en-US" sz="1400" dirty="0">
-                          <a:latin typeface="강한공군체 Medium" panose="020B0600000101010101" pitchFamily="34" charset="-127"/>
-                          <a:ea typeface="강한공군체 Medium" panose="020B0600000101010101" pitchFamily="34" charset="-127"/>
-                        </a:rPr>
-                        <a:t>적의 움직임 및 공격 모션 구현</a:t>
-                      </a:r>
-                      <a:endParaRPr lang="en-US" altLang="ko-KR" sz="1400" dirty="0">
+                        <a:rPr lang="en-US" altLang="ko-KR" sz="1200" dirty="0">
+                          <a:latin typeface="강한공군체 Medium" panose="020B0600000101010101" pitchFamily="34" charset="-127"/>
+                          <a:ea typeface="강한공군체 Medium" panose="020B0600000101010101" pitchFamily="34" charset="-127"/>
+                        </a:rPr>
+                        <a:t>1. </a:t>
+                      </a:r>
+                      <a:r>
+                        <a:rPr lang="ko-KR" altLang="en-US" sz="1200" dirty="0">
+                          <a:latin typeface="강한공군체 Medium" panose="020B0600000101010101" pitchFamily="34" charset="-127"/>
+                          <a:ea typeface="강한공군체 Medium" panose="020B0600000101010101" pitchFamily="34" charset="-127"/>
+                        </a:rPr>
+                        <a:t>일시정지 및 키 설명 구현</a:t>
+                      </a:r>
+                      <a:endParaRPr lang="en-US" altLang="ko-KR" sz="1200" dirty="0">
                         <a:latin typeface="강한공군체 Medium" panose="020B0600000101010101" pitchFamily="34" charset="-127"/>
                         <a:ea typeface="강한공군체 Medium" panose="020B0600000101010101" pitchFamily="34" charset="-127"/>
                       </a:endParaRPr>
                     </a:p>
                     <a:p>
-                      <a:pPr marL="342900" indent="-342900" algn="ctr" latinLnBrk="1">
-                        <a:buAutoNum type="arabicPeriod"/>
+                      <a:pPr marL="0" marR="0" lvl="0" indent="0" algn="just" defTabSz="914400" rtl="0" eaLnBrk="1" fontAlgn="auto" latinLnBrk="1" hangingPunct="1">
+                        <a:lnSpc>
+                          <a:spcPct val="100000"/>
+                        </a:lnSpc>
+                        <a:spcBef>
+                          <a:spcPts val="0"/>
+                        </a:spcBef>
+                        <a:spcAft>
+                          <a:spcPts val="0"/>
+                        </a:spcAft>
+                        <a:buClrTx/>
+                        <a:buSzTx/>
+                        <a:buFontTx/>
+                        <a:buNone/>
+                        <a:tabLst/>
+                        <a:defRPr/>
                       </a:pPr>
                       <a:r>
-                        <a:rPr lang="ko-KR" altLang="en-US" sz="1400" dirty="0">
-                          <a:latin typeface="강한공군체 Medium" panose="020B0600000101010101" pitchFamily="34" charset="-127"/>
-                          <a:ea typeface="강한공군체 Medium" panose="020B0600000101010101" pitchFamily="34" charset="-127"/>
-                        </a:rPr>
-                        <a:t>사망 모션 구현</a:t>
-                      </a:r>
-                      <a:endParaRPr lang="en-US" altLang="ko-KR" sz="1400" dirty="0">
+                        <a:rPr lang="en-US" altLang="ko-KR" sz="1200" dirty="0">
+                          <a:latin typeface="강한공군체 Medium" panose="020B0600000101010101" pitchFamily="34" charset="-127"/>
+                          <a:ea typeface="강한공군체 Medium" panose="020B0600000101010101" pitchFamily="34" charset="-127"/>
+                        </a:rPr>
+                        <a:t>2. </a:t>
+                      </a:r>
+                      <a:r>
+                        <a:rPr lang="ko-KR" altLang="en-US" sz="1200" dirty="0">
+                          <a:latin typeface="강한공군체 Medium" panose="020B0600000101010101" pitchFamily="34" charset="-127"/>
+                          <a:ea typeface="강한공군체 Medium" panose="020B0600000101010101" pitchFamily="34" charset="-127"/>
+                        </a:rPr>
+                        <a:t>체크포인트 설정</a:t>
+                      </a:r>
+                      <a:endParaRPr lang="en-US" altLang="ko-KR" sz="1200" dirty="0">
                         <a:latin typeface="강한공군체 Medium" panose="020B0600000101010101" pitchFamily="34" charset="-127"/>
                         <a:ea typeface="강한공군체 Medium" panose="020B0600000101010101" pitchFamily="34" charset="-127"/>
                       </a:endParaRPr>
                     </a:p>
                     <a:p>
-                      <a:pPr marL="342900" indent="-342900" algn="ctr" latinLnBrk="1">
-                        <a:buAutoNum type="arabicPeriod"/>
+                      <a:pPr marL="0" indent="0" algn="just" latinLnBrk="1">
+                        <a:buNone/>
                       </a:pPr>
                       <a:r>
-                        <a:rPr lang="ko-KR" altLang="en-US" sz="1400" dirty="0">
-                          <a:latin typeface="강한공군체 Medium" panose="020B0600000101010101" pitchFamily="34" charset="-127"/>
-                          <a:ea typeface="강한공군체 Medium" panose="020B0600000101010101" pitchFamily="34" charset="-127"/>
-                        </a:rPr>
-                        <a:t>사망 시 아이템 드롭 구현</a:t>
-                      </a:r>
+                        <a:rPr lang="en-US" altLang="ko-KR" sz="1200" dirty="0">
+                          <a:latin typeface="강한공군체 Medium" panose="020B0600000101010101" pitchFamily="34" charset="-127"/>
+                          <a:ea typeface="강한공군체 Medium" panose="020B0600000101010101" pitchFamily="34" charset="-127"/>
+                        </a:rPr>
+                        <a:t>3. </a:t>
+                      </a:r>
+                      <a:r>
+                        <a:rPr lang="ko-KR" altLang="en-US" sz="1200" dirty="0">
+                          <a:latin typeface="강한공군체 Medium" panose="020B0600000101010101" pitchFamily="34" charset="-127"/>
+                          <a:ea typeface="강한공군체 Medium" panose="020B0600000101010101" pitchFamily="34" charset="-127"/>
+                        </a:rPr>
+                        <a:t>중간점검</a:t>
+                      </a:r>
+                      <a:r>
+                        <a:rPr lang="en-US" altLang="ko-KR" sz="1200" dirty="0">
+                          <a:latin typeface="강한공군체 Medium" panose="020B0600000101010101" pitchFamily="34" charset="-127"/>
+                          <a:ea typeface="강한공군체 Medium" panose="020B0600000101010101" pitchFamily="34" charset="-127"/>
+                        </a:rPr>
+                        <a:t>(</a:t>
+                      </a:r>
+                      <a:r>
+                        <a:rPr lang="ko-KR" altLang="en-US" sz="1200" dirty="0">
+                          <a:latin typeface="강한공군체 Medium" panose="020B0600000101010101" pitchFamily="34" charset="-127"/>
+                          <a:ea typeface="강한공군체 Medium" panose="020B0600000101010101" pitchFamily="34" charset="-127"/>
+                        </a:rPr>
+                        <a:t>오류 및 구현하지 못한 부분 해결</a:t>
+                      </a:r>
+                      <a:r>
+                        <a:rPr lang="en-US" altLang="ko-KR" sz="1200" dirty="0">
+                          <a:latin typeface="강한공군체 Medium" panose="020B0600000101010101" pitchFamily="34" charset="-127"/>
+                          <a:ea typeface="강한공군체 Medium" panose="020B0600000101010101" pitchFamily="34" charset="-127"/>
+                        </a:rPr>
+                        <a:t>)</a:t>
+                      </a:r>
+                      <a:endParaRPr lang="ko-KR" altLang="en-US" sz="1200" dirty="0">
+                        <a:latin typeface="강한공군체 Medium" panose="020B0600000101010101" pitchFamily="34" charset="-127"/>
+                        <a:ea typeface="강한공군체 Medium" panose="020B0600000101010101" pitchFamily="34" charset="-127"/>
+                      </a:endParaRPr>
                     </a:p>
                   </a:txBody>
                   <a:tcPr/>
                 </a:tc>
                 <a:extLst>
                   <a:ext uri="{0D108BD9-81ED-4DB2-BD59-A6C34878D82A}">
-                    <a16:rowId xmlns:a16="http://schemas.microsoft.com/office/drawing/2014/main" val="3621991772"/>
+                    <a16:rowId xmlns:a16="http://schemas.microsoft.com/office/drawing/2014/main" val="1458821769"/>
                   </a:ext>
                 </a:extLst>
               </a:tr>
@@ -11009,7 +12341,243 @@
                           <a:latin typeface="강한공군체 Medium" panose="020B0600000101010101" pitchFamily="34" charset="-127"/>
                           <a:ea typeface="강한공군체 Medium" panose="020B0600000101010101" pitchFamily="34" charset="-127"/>
                         </a:rPr>
-                        <a:t>5</a:t>
+                        <a:t>6</a:t>
+                      </a:r>
+                      <a:r>
+                        <a:rPr lang="ko-KR" altLang="en-US" dirty="0">
+                          <a:latin typeface="강한공군체 Medium" panose="020B0600000101010101" pitchFamily="34" charset="-127"/>
+                          <a:ea typeface="강한공군체 Medium" panose="020B0600000101010101" pitchFamily="34" charset="-127"/>
+                        </a:rPr>
+                        <a:t>주차</a:t>
+                      </a:r>
+                    </a:p>
+                  </a:txBody>
+                  <a:tcPr anchor="ctr"/>
+                </a:tc>
+                <a:tc>
+                  <a:txBody>
+                    <a:bodyPr/>
+                    <a:lstStyle/>
+                    <a:p>
+                      <a:pPr algn="ctr" latinLnBrk="1"/>
+                      <a:r>
+                        <a:rPr lang="ko-KR" altLang="en-US" sz="1600" dirty="0">
+                          <a:latin typeface="강한공군체 Medium" panose="020B0600000101010101" pitchFamily="34" charset="-127"/>
+                          <a:ea typeface="강한공군체 Medium" panose="020B0600000101010101" pitchFamily="34" charset="-127"/>
+                        </a:rPr>
+                        <a:t>충돌체크</a:t>
+                      </a:r>
+                    </a:p>
+                  </a:txBody>
+                  <a:tcPr anchor="ctr"/>
+                </a:tc>
+                <a:tc>
+                  <a:txBody>
+                    <a:bodyPr/>
+                    <a:lstStyle/>
+                    <a:p>
+                      <a:pPr marL="0" indent="0" algn="just" latinLnBrk="1">
+                        <a:buNone/>
+                      </a:pPr>
+                      <a:r>
+                        <a:rPr lang="en-US" altLang="ko-KR" sz="1200" dirty="0">
+                          <a:latin typeface="강한공군체 Medium" panose="020B0600000101010101" pitchFamily="34" charset="-127"/>
+                          <a:ea typeface="강한공군체 Medium" panose="020B0600000101010101" pitchFamily="34" charset="-127"/>
+                        </a:rPr>
+                        <a:t>1. </a:t>
+                      </a:r>
+                      <a:r>
+                        <a:rPr lang="ko-KR" altLang="en-US" sz="1200" dirty="0">
+                          <a:latin typeface="강한공군체 Medium" panose="020B0600000101010101" pitchFamily="34" charset="-127"/>
+                          <a:ea typeface="강한공군체 Medium" panose="020B0600000101010101" pitchFamily="34" charset="-127"/>
+                        </a:rPr>
+                        <a:t>주인공과 적의 충돌체크</a:t>
+                      </a:r>
+                      <a:r>
+                        <a:rPr lang="en-US" altLang="ko-KR" sz="1200" dirty="0">
+                          <a:latin typeface="강한공군체 Medium" panose="020B0600000101010101" pitchFamily="34" charset="-127"/>
+                          <a:ea typeface="강한공군체 Medium" panose="020B0600000101010101" pitchFamily="34" charset="-127"/>
+                        </a:rPr>
+                        <a:t>(</a:t>
+                      </a:r>
+                      <a:r>
+                        <a:rPr lang="ko-KR" altLang="en-US" sz="1200" dirty="0">
+                          <a:latin typeface="강한공군체 Medium" panose="020B0600000101010101" pitchFamily="34" charset="-127"/>
+                          <a:ea typeface="강한공군체 Medium" panose="020B0600000101010101" pitchFamily="34" charset="-127"/>
+                        </a:rPr>
+                        <a:t>영혼 개수</a:t>
+                      </a:r>
+                      <a:r>
+                        <a:rPr lang="en-US" altLang="ko-KR" sz="1200" dirty="0">
+                          <a:latin typeface="강한공군체 Medium" panose="020B0600000101010101" pitchFamily="34" charset="-127"/>
+                          <a:ea typeface="강한공군체 Medium" panose="020B0600000101010101" pitchFamily="34" charset="-127"/>
+                        </a:rPr>
+                        <a:t>)</a:t>
+                      </a:r>
+                    </a:p>
+                    <a:p>
+                      <a:pPr marL="0" indent="0" algn="just" latinLnBrk="1">
+                        <a:buNone/>
+                      </a:pPr>
+                      <a:r>
+                        <a:rPr lang="en-US" altLang="ko-KR" sz="1200" dirty="0">
+                          <a:latin typeface="강한공군체 Medium" panose="020B0600000101010101" pitchFamily="34" charset="-127"/>
+                          <a:ea typeface="강한공군체 Medium" panose="020B0600000101010101" pitchFamily="34" charset="-127"/>
+                        </a:rPr>
+                        <a:t>2. </a:t>
+                      </a:r>
+                      <a:r>
+                        <a:rPr lang="ko-KR" altLang="en-US" sz="1200" dirty="0">
+                          <a:latin typeface="강한공군체 Medium" panose="020B0600000101010101" pitchFamily="34" charset="-127"/>
+                          <a:ea typeface="강한공군체 Medium" panose="020B0600000101010101" pitchFamily="34" charset="-127"/>
+                        </a:rPr>
+                        <a:t>주인공과 적의 아이템과의 충돌체크</a:t>
+                      </a:r>
+                      <a:r>
+                        <a:rPr lang="en-US" altLang="ko-KR" sz="1200" dirty="0">
+                          <a:latin typeface="강한공군체 Medium" panose="020B0600000101010101" pitchFamily="34" charset="-127"/>
+                          <a:ea typeface="강한공군체 Medium" panose="020B0600000101010101" pitchFamily="34" charset="-127"/>
+                        </a:rPr>
+                        <a:t>(</a:t>
+                      </a:r>
+                      <a:r>
+                        <a:rPr lang="ko-KR" altLang="en-US" sz="1200" dirty="0">
+                          <a:latin typeface="강한공군체 Medium" panose="020B0600000101010101" pitchFamily="34" charset="-127"/>
+                          <a:ea typeface="강한공군체 Medium" panose="020B0600000101010101" pitchFamily="34" charset="-127"/>
+                        </a:rPr>
+                        <a:t>아이템 개수</a:t>
+                      </a:r>
+                      <a:r>
+                        <a:rPr lang="en-US" altLang="ko-KR" sz="1200" dirty="0">
+                          <a:latin typeface="강한공군체 Medium" panose="020B0600000101010101" pitchFamily="34" charset="-127"/>
+                          <a:ea typeface="강한공군체 Medium" panose="020B0600000101010101" pitchFamily="34" charset="-127"/>
+                        </a:rPr>
+                        <a:t>)</a:t>
+                      </a:r>
+                    </a:p>
+                  </a:txBody>
+                  <a:tcPr/>
+                </a:tc>
+                <a:extLst>
+                  <a:ext uri="{0D108BD9-81ED-4DB2-BD59-A6C34878D82A}">
+                    <a16:rowId xmlns:a16="http://schemas.microsoft.com/office/drawing/2014/main" val="3692880773"/>
+                  </a:ext>
+                </a:extLst>
+              </a:tr>
+              <a:tr h="526802">
+                <a:tc>
+                  <a:txBody>
+                    <a:bodyPr/>
+                    <a:lstStyle/>
+                    <a:p>
+                      <a:pPr algn="ctr" latinLnBrk="1"/>
+                      <a:r>
+                        <a:rPr lang="en-US" altLang="ko-KR" dirty="0">
+                          <a:latin typeface="강한공군체 Medium" panose="020B0600000101010101" pitchFamily="34" charset="-127"/>
+                          <a:ea typeface="강한공군체 Medium" panose="020B0600000101010101" pitchFamily="34" charset="-127"/>
+                        </a:rPr>
+                        <a:t>7</a:t>
+                      </a:r>
+                      <a:r>
+                        <a:rPr lang="ko-KR" altLang="en-US" dirty="0">
+                          <a:latin typeface="강한공군체 Medium" panose="020B0600000101010101" pitchFamily="34" charset="-127"/>
+                          <a:ea typeface="강한공군체 Medium" panose="020B0600000101010101" pitchFamily="34" charset="-127"/>
+                        </a:rPr>
+                        <a:t>주차</a:t>
+                      </a:r>
+                    </a:p>
+                  </a:txBody>
+                  <a:tcPr anchor="ctr"/>
+                </a:tc>
+                <a:tc>
+                  <a:txBody>
+                    <a:bodyPr/>
+                    <a:lstStyle/>
+                    <a:p>
+                      <a:pPr algn="ctr" latinLnBrk="1"/>
+                      <a:r>
+                        <a:rPr lang="ko-KR" altLang="en-US" sz="1600" dirty="0">
+                          <a:latin typeface="강한공군체 Medium" panose="020B0600000101010101" pitchFamily="34" charset="-127"/>
+                          <a:ea typeface="강한공군체 Medium" panose="020B0600000101010101" pitchFamily="34" charset="-127"/>
+                        </a:rPr>
+                        <a:t>보스 구현</a:t>
+                      </a:r>
+                    </a:p>
+                  </a:txBody>
+                  <a:tcPr anchor="ctr"/>
+                </a:tc>
+                <a:tc>
+                  <a:txBody>
+                    <a:bodyPr/>
+                    <a:lstStyle/>
+                    <a:p>
+                      <a:pPr marL="228600" indent="-228600" algn="just" latinLnBrk="1">
+                        <a:buAutoNum type="arabicPeriod"/>
+                      </a:pPr>
+                      <a:r>
+                        <a:rPr lang="ko-KR" altLang="en-US" sz="1200" dirty="0">
+                          <a:latin typeface="강한공군체 Medium" panose="020B0600000101010101" pitchFamily="34" charset="-127"/>
+                          <a:ea typeface="강한공군체 Medium" panose="020B0600000101010101" pitchFamily="34" charset="-127"/>
+                        </a:rPr>
+                        <a:t>보스 새로운 패턴의 움직임 및 공격 모션 구현</a:t>
+                      </a:r>
+                      <a:endParaRPr lang="en-US" altLang="ko-KR" sz="1200" dirty="0">
+                        <a:latin typeface="강한공군체 Medium" panose="020B0600000101010101" pitchFamily="34" charset="-127"/>
+                        <a:ea typeface="강한공군체 Medium" panose="020B0600000101010101" pitchFamily="34" charset="-127"/>
+                      </a:endParaRPr>
+                    </a:p>
+                    <a:p>
+                      <a:pPr marL="228600" indent="-228600" algn="just" latinLnBrk="1">
+                        <a:buAutoNum type="arabicPeriod"/>
+                      </a:pPr>
+                      <a:r>
+                        <a:rPr lang="ko-KR" altLang="en-US" sz="1200" dirty="0">
+                          <a:latin typeface="강한공군체 Medium" panose="020B0600000101010101" pitchFamily="34" charset="-127"/>
+                          <a:ea typeface="강한공군체 Medium" panose="020B0600000101010101" pitchFamily="34" charset="-127"/>
+                        </a:rPr>
+                        <a:t>보스 </a:t>
+                      </a:r>
+                      <a:r>
+                        <a:rPr lang="ko-KR" altLang="en-US" sz="1200" dirty="0" err="1">
+                          <a:latin typeface="강한공군체 Medium" panose="020B0600000101010101" pitchFamily="34" charset="-127"/>
+                          <a:ea typeface="강한공군체 Medium" panose="020B0600000101010101" pitchFamily="34" charset="-127"/>
+                        </a:rPr>
+                        <a:t>맵에</a:t>
+                      </a:r>
+                      <a:r>
+                        <a:rPr lang="ko-KR" altLang="en-US" sz="1200" dirty="0">
+                          <a:latin typeface="강한공군체 Medium" panose="020B0600000101010101" pitchFamily="34" charset="-127"/>
+                          <a:ea typeface="강한공군체 Medium" panose="020B0600000101010101" pitchFamily="34" charset="-127"/>
+                        </a:rPr>
+                        <a:t> 들어가는 위치 설정</a:t>
+                      </a:r>
+                      <a:endParaRPr lang="en-US" altLang="ko-KR" sz="1200" dirty="0">
+                        <a:latin typeface="강한공군체 Medium" panose="020B0600000101010101" pitchFamily="34" charset="-127"/>
+                        <a:ea typeface="강한공군체 Medium" panose="020B0600000101010101" pitchFamily="34" charset="-127"/>
+                      </a:endParaRPr>
+                    </a:p>
+                  </a:txBody>
+                  <a:tcPr/>
+                </a:tc>
+                <a:extLst>
+                  <a:ext uri="{0D108BD9-81ED-4DB2-BD59-A6C34878D82A}">
+                    <a16:rowId xmlns:a16="http://schemas.microsoft.com/office/drawing/2014/main" val="2561284266"/>
+                  </a:ext>
+                </a:extLst>
+              </a:tr>
+              <a:tr h="526802">
+                <a:tc>
+                  <a:txBody>
+                    <a:bodyPr/>
+                    <a:lstStyle/>
+                    <a:p>
+                      <a:pPr algn="ctr" latinLnBrk="1"/>
+                      <a:r>
+                        <a:rPr lang="en-US" altLang="ko-KR" dirty="0">
+                          <a:latin typeface="강한공군체 Medium" panose="020B0600000101010101" pitchFamily="34" charset="-127"/>
+                          <a:ea typeface="강한공군체 Medium" panose="020B0600000101010101" pitchFamily="34" charset="-127"/>
+                        </a:rPr>
+                        <a:t>8</a:t>
                       </a:r>
                       <a:r>
                         <a:rPr lang="ko-KR" altLang="en-US" dirty="0">
@@ -11049,7 +12617,7 @@
                           <a:latin typeface="강한공군체 Medium" panose="020B0600000101010101" pitchFamily="34" charset="-127"/>
                           <a:ea typeface="강한공군체 Medium" panose="020B0600000101010101" pitchFamily="34" charset="-127"/>
                         </a:rPr>
-                        <a:t>추가 구현 및 중간 점검</a:t>
+                        <a:t>추가 범위 구현</a:t>
                       </a:r>
                     </a:p>
                   </a:txBody>
@@ -11060,306 +12628,24 @@
                     <a:bodyPr/>
                     <a:lstStyle/>
                     <a:p>
-                      <a:pPr marL="342900" indent="-342900" algn="ctr" latinLnBrk="1">
-                        <a:buAutoNum type="arabicPeriod"/>
+                      <a:pPr marL="0" indent="0" algn="just" latinLnBrk="1">
+                        <a:buNone/>
                       </a:pPr>
                       <a:r>
-                        <a:rPr lang="ko-KR" altLang="en-US" sz="1400" dirty="0">
-                          <a:latin typeface="강한공군체 Medium" panose="020B0600000101010101" pitchFamily="34" charset="-127"/>
-                          <a:ea typeface="강한공군체 Medium" panose="020B0600000101010101" pitchFamily="34" charset="-127"/>
-                        </a:rPr>
-                        <a:t>일시정지 및 키 설명 구현</a:t>
-                      </a:r>
-                      <a:endParaRPr lang="en-US" altLang="ko-KR" sz="1400" dirty="0">
-                        <a:latin typeface="강한공군체 Medium" panose="020B0600000101010101" pitchFamily="34" charset="-127"/>
-                        <a:ea typeface="강한공군체 Medium" panose="020B0600000101010101" pitchFamily="34" charset="-127"/>
-                      </a:endParaRPr>
-                    </a:p>
-                    <a:p>
-                      <a:pPr marL="342900" indent="-342900" algn="ctr" latinLnBrk="1">
-                        <a:buAutoNum type="arabicPeriod"/>
-                      </a:pPr>
-                      <a:r>
-                        <a:rPr lang="ko-KR" altLang="en-US" sz="1400" dirty="0">
-                          <a:latin typeface="강한공군체 Medium" panose="020B0600000101010101" pitchFamily="34" charset="-127"/>
-                          <a:ea typeface="강한공군체 Medium" panose="020B0600000101010101" pitchFamily="34" charset="-127"/>
-                        </a:rPr>
-                        <a:t>중간점검</a:t>
-                      </a:r>
-                      <a:r>
-                        <a:rPr lang="en-US" altLang="ko-KR" sz="1400" dirty="0">
-                          <a:latin typeface="강한공군체 Medium" panose="020B0600000101010101" pitchFamily="34" charset="-127"/>
-                          <a:ea typeface="강한공군체 Medium" panose="020B0600000101010101" pitchFamily="34" charset="-127"/>
-                        </a:rPr>
-                        <a:t>(</a:t>
-                      </a:r>
-                      <a:r>
-                        <a:rPr lang="ko-KR" altLang="en-US" sz="1400" dirty="0">
-                          <a:latin typeface="강한공군체 Medium" panose="020B0600000101010101" pitchFamily="34" charset="-127"/>
-                          <a:ea typeface="강한공군체 Medium" panose="020B0600000101010101" pitchFamily="34" charset="-127"/>
-                        </a:rPr>
-                        <a:t>오류 및 구현하지 못한 부분 해결</a:t>
-                      </a:r>
-                      <a:r>
-                        <a:rPr lang="en-US" altLang="ko-KR" sz="1400" dirty="0">
-                          <a:latin typeface="강한공군체 Medium" panose="020B0600000101010101" pitchFamily="34" charset="-127"/>
-                          <a:ea typeface="강한공군체 Medium" panose="020B0600000101010101" pitchFamily="34" charset="-127"/>
-                        </a:rPr>
-                        <a:t>)</a:t>
-                      </a:r>
-                      <a:endParaRPr lang="ko-KR" altLang="en-US" sz="1400" dirty="0">
-                        <a:latin typeface="강한공군체 Medium" panose="020B0600000101010101" pitchFamily="34" charset="-127"/>
-                        <a:ea typeface="강한공군체 Medium" panose="020B0600000101010101" pitchFamily="34" charset="-127"/>
-                      </a:endParaRPr>
-                    </a:p>
-                  </a:txBody>
-                  <a:tcPr/>
-                </a:tc>
-                <a:extLst>
-                  <a:ext uri="{0D108BD9-81ED-4DB2-BD59-A6C34878D82A}">
-                    <a16:rowId xmlns:a16="http://schemas.microsoft.com/office/drawing/2014/main" val="1458821769"/>
-                  </a:ext>
-                </a:extLst>
-              </a:tr>
-              <a:tr h="526802">
-                <a:tc>
-                  <a:txBody>
-                    <a:bodyPr/>
-                    <a:lstStyle/>
-                    <a:p>
-                      <a:pPr algn="ctr" latinLnBrk="1"/>
-                      <a:r>
-                        <a:rPr lang="en-US" altLang="ko-KR" dirty="0">
-                          <a:latin typeface="강한공군체 Medium" panose="020B0600000101010101" pitchFamily="34" charset="-127"/>
-                          <a:ea typeface="강한공군체 Medium" panose="020B0600000101010101" pitchFamily="34" charset="-127"/>
-                        </a:rPr>
-                        <a:t>6</a:t>
-                      </a:r>
-                      <a:r>
-                        <a:rPr lang="ko-KR" altLang="en-US" dirty="0">
-                          <a:latin typeface="강한공군체 Medium" panose="020B0600000101010101" pitchFamily="34" charset="-127"/>
-                          <a:ea typeface="강한공군체 Medium" panose="020B0600000101010101" pitchFamily="34" charset="-127"/>
-                        </a:rPr>
-                        <a:t>주차</a:t>
-                      </a:r>
-                    </a:p>
-                  </a:txBody>
-                  <a:tcPr anchor="ctr"/>
-                </a:tc>
-                <a:tc>
-                  <a:txBody>
-                    <a:bodyPr/>
-                    <a:lstStyle/>
-                    <a:p>
-                      <a:pPr algn="ctr" latinLnBrk="1"/>
-                      <a:r>
-                        <a:rPr lang="ko-KR" altLang="en-US" sz="1600" dirty="0">
-                          <a:latin typeface="강한공군체 Medium" panose="020B0600000101010101" pitchFamily="34" charset="-127"/>
-                          <a:ea typeface="강한공군체 Medium" panose="020B0600000101010101" pitchFamily="34" charset="-127"/>
-                        </a:rPr>
-                        <a:t>충돌체크</a:t>
-                      </a:r>
-                    </a:p>
-                  </a:txBody>
-                  <a:tcPr anchor="ctr"/>
-                </a:tc>
-                <a:tc>
-                  <a:txBody>
-                    <a:bodyPr/>
-                    <a:lstStyle/>
-                    <a:p>
-                      <a:pPr marL="342900" indent="-342900" algn="ctr" latinLnBrk="1">
-                        <a:buAutoNum type="arabicPeriod"/>
-                      </a:pPr>
-                      <a:r>
-                        <a:rPr lang="ko-KR" altLang="en-US" sz="1400" dirty="0">
-                          <a:latin typeface="강한공군체 Medium" panose="020B0600000101010101" pitchFamily="34" charset="-127"/>
-                          <a:ea typeface="강한공군체 Medium" panose="020B0600000101010101" pitchFamily="34" charset="-127"/>
-                        </a:rPr>
-                        <a:t>주인공과 적의 충돌체크</a:t>
-                      </a:r>
-                      <a:r>
-                        <a:rPr lang="en-US" altLang="ko-KR" sz="1400" dirty="0">
-                          <a:latin typeface="강한공군체 Medium" panose="020B0600000101010101" pitchFamily="34" charset="-127"/>
-                          <a:ea typeface="강한공군체 Medium" panose="020B0600000101010101" pitchFamily="34" charset="-127"/>
-                        </a:rPr>
-                        <a:t>(</a:t>
-                      </a:r>
-                      <a:r>
-                        <a:rPr lang="ko-KR" altLang="en-US" sz="1400" dirty="0">
-                          <a:latin typeface="강한공군체 Medium" panose="020B0600000101010101" pitchFamily="34" charset="-127"/>
-                          <a:ea typeface="강한공군체 Medium" panose="020B0600000101010101" pitchFamily="34" charset="-127"/>
-                        </a:rPr>
-                        <a:t>영혼 개수</a:t>
-                      </a:r>
-                      <a:r>
-                        <a:rPr lang="en-US" altLang="ko-KR" sz="1400" dirty="0">
-                          <a:latin typeface="강한공군체 Medium" panose="020B0600000101010101" pitchFamily="34" charset="-127"/>
-                          <a:ea typeface="강한공군체 Medium" panose="020B0600000101010101" pitchFamily="34" charset="-127"/>
-                        </a:rPr>
-                        <a:t>)</a:t>
-                      </a:r>
-                    </a:p>
-                    <a:p>
-                      <a:pPr marL="342900" indent="-342900" algn="ctr" latinLnBrk="1">
-                        <a:buAutoNum type="arabicPeriod"/>
-                      </a:pPr>
-                      <a:r>
-                        <a:rPr lang="ko-KR" altLang="en-US" sz="1400" dirty="0">
-                          <a:latin typeface="강한공군체 Medium" panose="020B0600000101010101" pitchFamily="34" charset="-127"/>
-                          <a:ea typeface="강한공군체 Medium" panose="020B0600000101010101" pitchFamily="34" charset="-127"/>
-                        </a:rPr>
-                        <a:t>주인공과 적의 아이템과의 충돌체크</a:t>
-                      </a:r>
-                      <a:r>
-                        <a:rPr lang="en-US" altLang="ko-KR" sz="1400" dirty="0">
-                          <a:latin typeface="강한공군체 Medium" panose="020B0600000101010101" pitchFamily="34" charset="-127"/>
-                          <a:ea typeface="강한공군체 Medium" panose="020B0600000101010101" pitchFamily="34" charset="-127"/>
-                        </a:rPr>
-                        <a:t>(</a:t>
-                      </a:r>
-                      <a:r>
-                        <a:rPr lang="ko-KR" altLang="en-US" sz="1400" dirty="0">
-                          <a:latin typeface="강한공군체 Medium" panose="020B0600000101010101" pitchFamily="34" charset="-127"/>
-                          <a:ea typeface="강한공군체 Medium" panose="020B0600000101010101" pitchFamily="34" charset="-127"/>
-                        </a:rPr>
-                        <a:t>아이템 개수</a:t>
-                      </a:r>
-                      <a:r>
-                        <a:rPr lang="en-US" altLang="ko-KR" sz="1400" dirty="0">
-                          <a:latin typeface="강한공군체 Medium" panose="020B0600000101010101" pitchFamily="34" charset="-127"/>
-                          <a:ea typeface="강한공군체 Medium" panose="020B0600000101010101" pitchFamily="34" charset="-127"/>
-                        </a:rPr>
-                        <a:t>)</a:t>
-                      </a:r>
-                    </a:p>
-                  </a:txBody>
-                  <a:tcPr/>
-                </a:tc>
-                <a:extLst>
-                  <a:ext uri="{0D108BD9-81ED-4DB2-BD59-A6C34878D82A}">
-                    <a16:rowId xmlns:a16="http://schemas.microsoft.com/office/drawing/2014/main" val="3692880773"/>
-                  </a:ext>
-                </a:extLst>
-              </a:tr>
-              <a:tr h="526802">
-                <a:tc>
-                  <a:txBody>
-                    <a:bodyPr/>
-                    <a:lstStyle/>
-                    <a:p>
-                      <a:pPr algn="ctr" latinLnBrk="1"/>
-                      <a:r>
-                        <a:rPr lang="en-US" altLang="ko-KR" dirty="0">
-                          <a:latin typeface="강한공군체 Medium" panose="020B0600000101010101" pitchFamily="34" charset="-127"/>
-                          <a:ea typeface="강한공군체 Medium" panose="020B0600000101010101" pitchFamily="34" charset="-127"/>
-                        </a:rPr>
-                        <a:t>7</a:t>
-                      </a:r>
-                      <a:r>
-                        <a:rPr lang="ko-KR" altLang="en-US" dirty="0">
-                          <a:latin typeface="강한공군체 Medium" panose="020B0600000101010101" pitchFamily="34" charset="-127"/>
-                          <a:ea typeface="강한공군체 Medium" panose="020B0600000101010101" pitchFamily="34" charset="-127"/>
-                        </a:rPr>
-                        <a:t>주차</a:t>
-                      </a:r>
-                    </a:p>
-                  </a:txBody>
-                  <a:tcPr anchor="ctr"/>
-                </a:tc>
-                <a:tc>
-                  <a:txBody>
-                    <a:bodyPr/>
-                    <a:lstStyle/>
-                    <a:p>
-                      <a:pPr algn="ctr" latinLnBrk="1"/>
-                      <a:r>
-                        <a:rPr lang="ko-KR" altLang="en-US" sz="1600" dirty="0">
-                          <a:latin typeface="강한공군체 Medium" panose="020B0600000101010101" pitchFamily="34" charset="-127"/>
-                          <a:ea typeface="강한공군체 Medium" panose="020B0600000101010101" pitchFamily="34" charset="-127"/>
-                        </a:rPr>
-                        <a:t>주인공 최종</a:t>
-                      </a:r>
-                    </a:p>
-                  </a:txBody>
-                  <a:tcPr anchor="ctr"/>
-                </a:tc>
-                <a:tc>
-                  <a:txBody>
-                    <a:bodyPr/>
-                    <a:lstStyle/>
-                    <a:p>
-                      <a:pPr algn="ctr" latinLnBrk="1"/>
-                      <a:r>
-                        <a:rPr lang="en-US" altLang="ko-KR" sz="1400" dirty="0">
-                          <a:latin typeface="강한공군체 Medium" panose="020B0600000101010101" pitchFamily="34" charset="-127"/>
-                          <a:ea typeface="강한공군체 Medium" panose="020B0600000101010101" pitchFamily="34" charset="-127"/>
-                        </a:rPr>
-                        <a:t>1. </a:t>
-                      </a:r>
-                      <a:r>
-                        <a:rPr lang="ko-KR" altLang="en-US" sz="1400" dirty="0">
-                          <a:latin typeface="강한공군체 Medium" panose="020B0600000101010101" pitchFamily="34" charset="-127"/>
-                          <a:ea typeface="강한공군체 Medium" panose="020B0600000101010101" pitchFamily="34" charset="-127"/>
-                        </a:rPr>
-                        <a:t>아이템 사용</a:t>
-                      </a:r>
-                    </a:p>
-                  </a:txBody>
-                  <a:tcPr/>
-                </a:tc>
-                <a:extLst>
-                  <a:ext uri="{0D108BD9-81ED-4DB2-BD59-A6C34878D82A}">
-                    <a16:rowId xmlns:a16="http://schemas.microsoft.com/office/drawing/2014/main" val="2561284266"/>
-                  </a:ext>
-                </a:extLst>
-              </a:tr>
-              <a:tr h="526802">
-                <a:tc>
-                  <a:txBody>
-                    <a:bodyPr/>
-                    <a:lstStyle/>
-                    <a:p>
-                      <a:pPr algn="ctr" latinLnBrk="1"/>
-                      <a:r>
-                        <a:rPr lang="en-US" altLang="ko-KR" dirty="0">
-                          <a:latin typeface="강한공군체 Medium" panose="020B0600000101010101" pitchFamily="34" charset="-127"/>
-                          <a:ea typeface="강한공군체 Medium" panose="020B0600000101010101" pitchFamily="34" charset="-127"/>
-                        </a:rPr>
-                        <a:t>8</a:t>
-                      </a:r>
-                      <a:r>
-                        <a:rPr lang="ko-KR" altLang="en-US" dirty="0">
-                          <a:latin typeface="강한공군체 Medium" panose="020B0600000101010101" pitchFamily="34" charset="-127"/>
-                          <a:ea typeface="강한공군체 Medium" panose="020B0600000101010101" pitchFamily="34" charset="-127"/>
-                        </a:rPr>
-                        <a:t>주차</a:t>
-                      </a:r>
-                    </a:p>
-                  </a:txBody>
-                  <a:tcPr anchor="ctr"/>
-                </a:tc>
-                <a:tc>
-                  <a:txBody>
-                    <a:bodyPr/>
-                    <a:lstStyle/>
-                    <a:p>
-                      <a:pPr algn="ctr" latinLnBrk="1"/>
-                      <a:endParaRPr lang="ko-KR" altLang="en-US" sz="1600" dirty="0">
-                        <a:latin typeface="강한공군체 Medium" panose="020B0600000101010101" pitchFamily="34" charset="-127"/>
-                        <a:ea typeface="강한공군체 Medium" panose="020B0600000101010101" pitchFamily="34" charset="-127"/>
-                      </a:endParaRPr>
-                    </a:p>
-                  </a:txBody>
-                  <a:tcPr anchor="ctr"/>
-                </a:tc>
-                <a:tc>
-                  <a:txBody>
-                    <a:bodyPr/>
-                    <a:lstStyle/>
-                    <a:p>
-                      <a:pPr algn="ctr" latinLnBrk="1"/>
-                      <a:endParaRPr lang="ko-KR" altLang="en-US" sz="1400" dirty="0">
+                        <a:rPr lang="en-US" altLang="ko-KR" sz="1200" dirty="0">
+                          <a:latin typeface="강한공군체 Medium" panose="020B0600000101010101" pitchFamily="34" charset="-127"/>
+                          <a:ea typeface="강한공군체 Medium" panose="020B0600000101010101" pitchFamily="34" charset="-127"/>
+                        </a:rPr>
+                        <a:t>1.</a:t>
+                      </a:r>
+                      <a:r>
+                        <a:rPr lang="ko-KR" altLang="en-US" sz="1200" dirty="0">
+                          <a:latin typeface="강한공군체 Medium" panose="020B0600000101010101" pitchFamily="34" charset="-127"/>
+                          <a:ea typeface="강한공군체 Medium" panose="020B0600000101010101" pitchFamily="34" charset="-127"/>
+                        </a:rPr>
+                        <a:t> 추가 범위 내에 있는 것을 할 수 있는 곳까지 순차적으로 구현</a:t>
+                      </a:r>
+                      <a:endParaRPr lang="en-US" altLang="ko-KR" sz="1200" dirty="0">
                         <a:latin typeface="강한공군체 Medium" panose="020B0600000101010101" pitchFamily="34" charset="-127"/>
                         <a:ea typeface="강한공군체 Medium" panose="020B0600000101010101" pitchFamily="34" charset="-127"/>
                       </a:endParaRPr>
@@ -11403,7 +12689,23 @@
                     <a:bodyPr/>
                     <a:lstStyle/>
                     <a:p>
-                      <a:pPr algn="ctr" latinLnBrk="1"/>
+                      <a:pPr marL="0" marR="0" lvl="0" indent="0" algn="ctr" defTabSz="914400" rtl="0" eaLnBrk="1" fontAlgn="auto" latinLnBrk="1" hangingPunct="1">
+                        <a:lnSpc>
+                          <a:spcPct val="100000"/>
+                        </a:lnSpc>
+                        <a:spcBef>
+                          <a:spcPts val="0"/>
+                        </a:spcBef>
+                        <a:spcAft>
+                          <a:spcPts val="0"/>
+                        </a:spcAft>
+                        <a:buClrTx/>
+                        <a:buSzTx/>
+                        <a:buFontTx/>
+                        <a:buNone/>
+                        <a:tabLst/>
+                        <a:defRPr/>
+                      </a:pPr>
                       <a:r>
                         <a:rPr lang="ko-KR" altLang="en-US" sz="1600" dirty="0">
                           <a:latin typeface="강한공군체 Medium" panose="020B0600000101010101" pitchFamily="34" charset="-127"/>
@@ -11431,63 +12733,61 @@
                     <a:bodyPr/>
                     <a:lstStyle/>
                     <a:p>
-                      <a:pPr marL="342900" indent="-342900" algn="ctr" latinLnBrk="1">
-                        <a:buAutoNum type="arabicPeriod"/>
+                      <a:pPr marL="0" indent="0" algn="just" latinLnBrk="1">
+                        <a:buNone/>
                       </a:pPr>
                       <a:r>
-                        <a:rPr lang="ko-KR" altLang="en-US" sz="1400" dirty="0">
+                        <a:rPr lang="en-US" altLang="ko-KR" sz="1200" dirty="0">
+                          <a:latin typeface="강한공군체 Medium" panose="020B0600000101010101" pitchFamily="34" charset="-127"/>
+                          <a:ea typeface="강한공군체 Medium" panose="020B0600000101010101" pitchFamily="34" charset="-127"/>
+                        </a:rPr>
+                        <a:t>1. </a:t>
+                      </a:r>
+                      <a:r>
+                        <a:rPr lang="ko-KR" altLang="en-US" sz="1200" dirty="0">
                           <a:latin typeface="강한공군체 Medium" panose="020B0600000101010101" pitchFamily="34" charset="-127"/>
                           <a:ea typeface="강한공군체 Medium" panose="020B0600000101010101" pitchFamily="34" charset="-127"/>
                         </a:rPr>
                         <a:t>실제적인 게임 시작과 종료</a:t>
                       </a:r>
-                      <a:endParaRPr lang="en-US" altLang="ko-KR" sz="1400" dirty="0">
+                      <a:endParaRPr lang="en-US" altLang="ko-KR" sz="1200" dirty="0">
                         <a:latin typeface="강한공군체 Medium" panose="020B0600000101010101" pitchFamily="34" charset="-127"/>
                         <a:ea typeface="강한공군체 Medium" panose="020B0600000101010101" pitchFamily="34" charset="-127"/>
                       </a:endParaRPr>
                     </a:p>
                     <a:p>
-                      <a:pPr marL="342900" indent="-342900" algn="ctr" latinLnBrk="1">
-                        <a:buAutoNum type="arabicPeriod"/>
+                      <a:pPr marL="0" indent="0" algn="just" latinLnBrk="1">
+                        <a:buNone/>
                       </a:pPr>
                       <a:r>
-                        <a:rPr lang="ko-KR" altLang="en-US" sz="1400" dirty="0">
-                          <a:latin typeface="강한공군체 Medium" panose="020B0600000101010101" pitchFamily="34" charset="-127"/>
-                          <a:ea typeface="강한공군체 Medium" panose="020B0600000101010101" pitchFamily="34" charset="-127"/>
-                        </a:rPr>
-                        <a:t>체크포인트 저장</a:t>
-                      </a:r>
-                      <a:endParaRPr lang="en-US" altLang="ko-KR" sz="1400" dirty="0">
-                        <a:latin typeface="강한공군체 Medium" panose="020B0600000101010101" pitchFamily="34" charset="-127"/>
-                        <a:ea typeface="강한공군체 Medium" panose="020B0600000101010101" pitchFamily="34" charset="-127"/>
-                      </a:endParaRPr>
-                    </a:p>
-                    <a:p>
-                      <a:pPr marL="342900" indent="-342900" algn="ctr" latinLnBrk="1">
-                        <a:buAutoNum type="arabicPeriod"/>
-                      </a:pPr>
-                      <a:r>
-                        <a:rPr lang="ko-KR" altLang="en-US" sz="1400" dirty="0">
+                        <a:rPr lang="en-US" altLang="ko-KR" sz="1200" dirty="0">
+                          <a:latin typeface="강한공군체 Medium" panose="020B0600000101010101" pitchFamily="34" charset="-127"/>
+                          <a:ea typeface="강한공군체 Medium" panose="020B0600000101010101" pitchFamily="34" charset="-127"/>
+                        </a:rPr>
+                        <a:t>2. </a:t>
+                      </a:r>
+                      <a:r>
+                        <a:rPr lang="ko-KR" altLang="en-US" sz="1200" dirty="0">
                           <a:latin typeface="강한공군체 Medium" panose="020B0600000101010101" pitchFamily="34" charset="-127"/>
                           <a:ea typeface="강한공군체 Medium" panose="020B0600000101010101" pitchFamily="34" charset="-127"/>
                         </a:rPr>
                         <a:t>최종 </a:t>
                       </a:r>
                       <a:r>
-                        <a:rPr lang="en-US" altLang="ko-KR" sz="1400" dirty="0">
+                        <a:rPr lang="en-US" altLang="ko-KR" sz="1200" dirty="0">
                           <a:latin typeface="강한공군체 Medium" panose="020B0600000101010101" pitchFamily="34" charset="-127"/>
                           <a:ea typeface="강한공군체 Medium" panose="020B0600000101010101" pitchFamily="34" charset="-127"/>
                         </a:rPr>
                         <a:t>UI </a:t>
                       </a:r>
                       <a:r>
-                        <a:rPr lang="ko-KR" altLang="en-US" sz="1400" dirty="0">
+                        <a:rPr lang="ko-KR" altLang="en-US" sz="1200" dirty="0">
                           <a:latin typeface="강한공군체 Medium" panose="020B0600000101010101" pitchFamily="34" charset="-127"/>
                           <a:ea typeface="강한공군체 Medium" panose="020B0600000101010101" pitchFamily="34" charset="-127"/>
                         </a:rPr>
                         <a:t>수정</a:t>
                       </a:r>
-                      <a:endParaRPr lang="en-US" altLang="ko-KR" sz="1400" dirty="0">
+                      <a:endParaRPr lang="en-US" altLang="ko-KR" sz="1200" dirty="0">
                         <a:latin typeface="강한공군체 Medium" panose="020B0600000101010101" pitchFamily="34" charset="-127"/>
                         <a:ea typeface="강한공군체 Medium" panose="020B0600000101010101" pitchFamily="34" charset="-127"/>
                       </a:endParaRPr>
@@ -11548,33 +12848,47 @@
                     <a:bodyPr/>
                     <a:lstStyle/>
                     <a:p>
-                      <a:pPr marL="342900" indent="-342900" algn="ctr" latinLnBrk="1">
-                        <a:buAutoNum type="arabicPeriod"/>
+                      <a:pPr marL="0" indent="0" algn="just" latinLnBrk="1">
+                        <a:buNone/>
                       </a:pPr>
                       <a:r>
-                        <a:rPr lang="ko-KR" altLang="en-US" sz="1400" dirty="0">
+                        <a:rPr lang="en-US" altLang="ko-KR" sz="1200" dirty="0">
+                          <a:latin typeface="강한공군체 Medium" panose="020B0600000101010101" pitchFamily="34" charset="-127"/>
+                          <a:ea typeface="강한공군체 Medium" panose="020B0600000101010101" pitchFamily="34" charset="-127"/>
+                        </a:rPr>
+                        <a:t>1. </a:t>
+                      </a:r>
+                      <a:r>
+                        <a:rPr lang="ko-KR" altLang="en-US" sz="1200" dirty="0">
                           <a:latin typeface="강한공군체 Medium" panose="020B0600000101010101" pitchFamily="34" charset="-127"/>
                           <a:ea typeface="강한공군체 Medium" panose="020B0600000101010101" pitchFamily="34" charset="-127"/>
                         </a:rPr>
                         <a:t>오류 수정</a:t>
                       </a:r>
-                      <a:endParaRPr lang="en-US" altLang="ko-KR" sz="1400" dirty="0">
+                      <a:endParaRPr lang="en-US" altLang="ko-KR" sz="1200" dirty="0">
                         <a:latin typeface="강한공군체 Medium" panose="020B0600000101010101" pitchFamily="34" charset="-127"/>
                         <a:ea typeface="강한공군체 Medium" panose="020B0600000101010101" pitchFamily="34" charset="-127"/>
                       </a:endParaRPr>
                     </a:p>
                     <a:p>
-                      <a:pPr marL="342900" indent="-342900" algn="ctr" latinLnBrk="1">
-                        <a:buAutoNum type="arabicPeriod"/>
+                      <a:pPr marL="0" indent="0" algn="just" latinLnBrk="1">
+                        <a:buNone/>
                       </a:pPr>
                       <a:r>
-                        <a:rPr lang="ko-KR" altLang="en-US" sz="1400" dirty="0">
+                        <a:rPr lang="en-US" altLang="ko-KR" sz="1200" dirty="0">
+                          <a:latin typeface="강한공군체 Medium" panose="020B0600000101010101" pitchFamily="34" charset="-127"/>
+                          <a:ea typeface="강한공군체 Medium" panose="020B0600000101010101" pitchFamily="34" charset="-127"/>
+                        </a:rPr>
+                        <a:t>2. </a:t>
+                      </a:r>
+                      <a:r>
+                        <a:rPr lang="ko-KR" altLang="en-US" sz="1200" dirty="0">
                           <a:latin typeface="강한공군체 Medium" panose="020B0600000101010101" pitchFamily="34" charset="-127"/>
                           <a:ea typeface="강한공군체 Medium" panose="020B0600000101010101" pitchFamily="34" charset="-127"/>
                         </a:rPr>
                         <a:t>최종 점검 및 릴리즈</a:t>
                       </a:r>
-                      <a:endParaRPr lang="en-US" altLang="ko-KR" sz="1400" dirty="0">
+                      <a:endParaRPr lang="en-US" altLang="ko-KR" sz="1200" dirty="0">
                         <a:latin typeface="강한공군체 Medium" panose="020B0600000101010101" pitchFamily="34" charset="-127"/>
                         <a:ea typeface="강한공군체 Medium" panose="020B0600000101010101" pitchFamily="34" charset="-127"/>
                       </a:endParaRPr>
